--- a/BD_TPgr8-pt2.pptx
+++ b/BD_TPgr8-pt2.pptx
@@ -5,7 +5,7 @@
     <p:sldMasterId id="2147483648" r:id="rId1"/>
   </p:sldMasterIdLst>
   <p:notesMasterIdLst>
-    <p:notesMasterId r:id="rId16"/>
+    <p:notesMasterId r:id="rId20"/>
   </p:notesMasterIdLst>
   <p:sldIdLst>
     <p:sldId id="256" r:id="rId2"/>
@@ -13,15 +13,19 @@
     <p:sldId id="260" r:id="rId4"/>
     <p:sldId id="258" r:id="rId5"/>
     <p:sldId id="259" r:id="rId6"/>
-    <p:sldId id="268" r:id="rId7"/>
-    <p:sldId id="267" r:id="rId8"/>
-    <p:sldId id="266" r:id="rId9"/>
-    <p:sldId id="265" r:id="rId10"/>
-    <p:sldId id="264" r:id="rId11"/>
-    <p:sldId id="263" r:id="rId12"/>
-    <p:sldId id="262" r:id="rId13"/>
-    <p:sldId id="261" r:id="rId14"/>
-    <p:sldId id="269" r:id="rId15"/>
+    <p:sldId id="271" r:id="rId7"/>
+    <p:sldId id="270" r:id="rId8"/>
+    <p:sldId id="272" r:id="rId9"/>
+    <p:sldId id="267" r:id="rId10"/>
+    <p:sldId id="266" r:id="rId11"/>
+    <p:sldId id="273" r:id="rId12"/>
+    <p:sldId id="264" r:id="rId13"/>
+    <p:sldId id="263" r:id="rId14"/>
+    <p:sldId id="262" r:id="rId15"/>
+    <p:sldId id="261" r:id="rId16"/>
+    <p:sldId id="274" r:id="rId17"/>
+    <p:sldId id="275" r:id="rId18"/>
+    <p:sldId id="269" r:id="rId19"/>
   </p:sldIdLst>
   <p:sldSz cx="12192000" cy="6858000"/>
   <p:notesSz cx="7772400" cy="10058400"/>
@@ -4022,6 +4026,794 @@
         <p:cNvPr id="1" name="">
           <a:extLst>
             <a:ext uri="{FF2B5EF4-FFF2-40B4-BE49-F238E27FC236}">
+              <a16:creationId xmlns:a16="http://schemas.microsoft.com/office/drawing/2014/main" id="{7B180201-034C-1E18-AE26-1BE75942B17B}"/>
+            </a:ext>
+          </a:extLst>
+        </p:cNvPr>
+        <p:cNvGrpSpPr/>
+        <p:nvPr/>
+      </p:nvGrpSpPr>
+      <p:grpSpPr>
+        <a:xfrm>
+          <a:off x="0" y="0"/>
+          <a:ext cx="0" cy="0"/>
+          <a:chOff x="0" y="0"/>
+          <a:chExt cx="0" cy="0"/>
+        </a:xfrm>
+      </p:grpSpPr>
+      <p:sp>
+        <p:nvSpPr>
+          <p:cNvPr id="56" name="PlaceHolder 1">
+            <a:extLst>
+              <a:ext uri="{FF2B5EF4-FFF2-40B4-BE49-F238E27FC236}">
+                <a16:creationId xmlns:a16="http://schemas.microsoft.com/office/drawing/2014/main" id="{E659F661-99C9-E2F3-F8A2-C7D5E6EF32A9}"/>
+              </a:ext>
+            </a:extLst>
+          </p:cNvPr>
+          <p:cNvSpPr>
+            <a:spLocks noGrp="1"/>
+          </p:cNvSpPr>
+          <p:nvPr>
+            <p:ph type="title"/>
+          </p:nvPr>
+        </p:nvSpPr>
+        <p:spPr>
+          <a:xfrm>
+            <a:off x="1525680" y="275040"/>
+            <a:ext cx="9141840" cy="1153080"/>
+          </a:xfrm>
+          <a:prstGeom prst="rect">
+            <a:avLst/>
+          </a:prstGeom>
+          <a:noFill/>
+          <a:ln w="0">
+            <a:noFill/>
+          </a:ln>
+        </p:spPr>
+        <p:txBody>
+          <a:bodyPr lIns="0" tIns="0" rIns="0" bIns="0" anchor="b">
+            <a:noAutofit/>
+          </a:bodyPr>
+          <a:lstStyle/>
+          <a:p>
+            <a:pPr algn="ctr">
+              <a:lnSpc>
+                <a:spcPct val="90000"/>
+              </a:lnSpc>
+              <a:buNone/>
+            </a:pPr>
+            <a:r>
+              <a:rPr lang="pt-PT" sz="4000" b="0" strike="noStrike" spc="-1" dirty="0">
+                <a:solidFill>
+                  <a:srgbClr val="870F11"/>
+                </a:solidFill>
+                <a:latin typeface="Calibri"/>
+              </a:rPr>
+              <a:t>Apresentação e explicação da</a:t>
+            </a:r>
+            <a:br>
+              <a:rPr lang="pt-PT" sz="4000" b="0" strike="noStrike" spc="-1" dirty="0">
+                <a:solidFill>
+                  <a:srgbClr val="870F11"/>
+                </a:solidFill>
+                <a:latin typeface="Calibri"/>
+              </a:rPr>
+            </a:br>
+            <a:r>
+              <a:rPr lang="pt-PT" sz="4000" b="0" strike="noStrike" spc="-1" dirty="0">
+                <a:solidFill>
+                  <a:srgbClr val="870F11"/>
+                </a:solidFill>
+                <a:latin typeface="Calibri"/>
+              </a:rPr>
+              <a:t>base de dados implementada</a:t>
+            </a:r>
+            <a:endParaRPr lang="en-US" sz="4000" b="0" strike="noStrike" spc="-1" dirty="0">
+              <a:latin typeface="Arial"/>
+            </a:endParaRPr>
+          </a:p>
+        </p:txBody>
+      </p:sp>
+      <p:sp>
+        <p:nvSpPr>
+          <p:cNvPr id="57" name="Retângulo 4">
+            <a:extLst>
+              <a:ext uri="{FF2B5EF4-FFF2-40B4-BE49-F238E27FC236}">
+                <a16:creationId xmlns:a16="http://schemas.microsoft.com/office/drawing/2014/main" id="{0D6D3843-AE1C-1391-C5BC-320727DE9F9C}"/>
+              </a:ext>
+            </a:extLst>
+          </p:cNvPr>
+          <p:cNvSpPr/>
+          <p:nvPr/>
+        </p:nvSpPr>
+        <p:spPr>
+          <a:xfrm>
+            <a:off x="0" y="6233760"/>
+            <a:ext cx="12189960" cy="622080"/>
+          </a:xfrm>
+          <a:prstGeom prst="rect">
+            <a:avLst/>
+          </a:prstGeom>
+          <a:solidFill>
+            <a:srgbClr val="870F11"/>
+          </a:solidFill>
+          <a:ln>
+            <a:solidFill>
+              <a:srgbClr val="870F11"/>
+            </a:solidFill>
+          </a:ln>
+        </p:spPr>
+        <p:style>
+          <a:lnRef idx="2">
+            <a:schemeClr val="accent1">
+              <a:shade val="50000"/>
+            </a:schemeClr>
+          </a:lnRef>
+          <a:fillRef idx="1">
+            <a:schemeClr val="accent1"/>
+          </a:fillRef>
+          <a:effectRef idx="0">
+            <a:schemeClr val="accent1"/>
+          </a:effectRef>
+          <a:fontRef idx="minor"/>
+        </p:style>
+        <p:txBody>
+          <a:bodyPr/>
+          <a:lstStyle/>
+          <a:p>
+            <a:endParaRPr lang="pt-PT"/>
+          </a:p>
+        </p:txBody>
+      </p:sp>
+      <p:sp>
+        <p:nvSpPr>
+          <p:cNvPr id="58" name="CaixaDeTexto 5">
+            <a:extLst>
+              <a:ext uri="{FF2B5EF4-FFF2-40B4-BE49-F238E27FC236}">
+                <a16:creationId xmlns:a16="http://schemas.microsoft.com/office/drawing/2014/main" id="{3046F5B0-F841-64DA-AC6B-59511F5F9FEB}"/>
+              </a:ext>
+            </a:extLst>
+          </p:cNvPr>
+          <p:cNvSpPr/>
+          <p:nvPr/>
+        </p:nvSpPr>
+        <p:spPr>
+          <a:xfrm>
+            <a:off x="1489680" y="1828800"/>
+            <a:ext cx="9024480" cy="829543"/>
+          </a:xfrm>
+          <a:prstGeom prst="rect">
+            <a:avLst/>
+          </a:prstGeom>
+          <a:noFill/>
+          <a:ln w="0">
+            <a:noFill/>
+          </a:ln>
+        </p:spPr>
+        <p:style>
+          <a:lnRef idx="0">
+            <a:scrgbClr r="0" g="0" b="0"/>
+          </a:lnRef>
+          <a:fillRef idx="0">
+            <a:scrgbClr r="0" g="0" b="0"/>
+          </a:fillRef>
+          <a:effectRef idx="0">
+            <a:scrgbClr r="0" g="0" b="0"/>
+          </a:effectRef>
+          <a:fontRef idx="minor"/>
+        </p:style>
+        <p:txBody>
+          <a:bodyPr vertOverflow="overflow" horzOverflow="overflow" lIns="90000" tIns="45000" rIns="90000" bIns="45000" numCol="1" spcCol="0" anchor="t">
+            <a:spAutoFit/>
+          </a:bodyPr>
+          <a:lstStyle/>
+          <a:p>
+            <a:pPr algn="ctr">
+              <a:lnSpc>
+                <a:spcPct val="100000"/>
+              </a:lnSpc>
+              <a:buNone/>
+            </a:pPr>
+            <a:endParaRPr lang="en-US" sz="2400" b="0" strike="noStrike" spc="-1" dirty="0">
+              <a:latin typeface="Arial"/>
+            </a:endParaRPr>
+          </a:p>
+          <a:p>
+            <a:pPr algn="ctr">
+              <a:lnSpc>
+                <a:spcPct val="100000"/>
+              </a:lnSpc>
+              <a:buNone/>
+            </a:pPr>
+            <a:endParaRPr lang="en-US" sz="2400" b="0" strike="noStrike" spc="-1" dirty="0">
+              <a:latin typeface="Arial"/>
+            </a:endParaRPr>
+          </a:p>
+        </p:txBody>
+      </p:sp>
+      <p:pic>
+        <p:nvPicPr>
+          <p:cNvPr id="59" name="Imagem 3">
+            <a:extLst>
+              <a:ext uri="{FF2B5EF4-FFF2-40B4-BE49-F238E27FC236}">
+                <a16:creationId xmlns:a16="http://schemas.microsoft.com/office/drawing/2014/main" id="{9531AB33-6445-6A35-6AFA-ACC08C9B48C6}"/>
+              </a:ext>
+            </a:extLst>
+          </p:cNvPr>
+          <p:cNvPicPr/>
+          <p:nvPr/>
+        </p:nvPicPr>
+        <p:blipFill>
+          <a:blip r:embed="rId2"/>
+          <a:stretch/>
+        </p:blipFill>
+        <p:spPr>
+          <a:xfrm>
+            <a:off x="3240" y="6261480"/>
+            <a:ext cx="1236960" cy="709200"/>
+          </a:xfrm>
+          <a:prstGeom prst="rect">
+            <a:avLst/>
+          </a:prstGeom>
+          <a:ln w="0">
+            <a:noFill/>
+          </a:ln>
+        </p:spPr>
+      </p:pic>
+      <p:sp>
+        <p:nvSpPr>
+          <p:cNvPr id="60" name="CaixaDeTexto 1">
+            <a:extLst>
+              <a:ext uri="{FF2B5EF4-FFF2-40B4-BE49-F238E27FC236}">
+                <a16:creationId xmlns:a16="http://schemas.microsoft.com/office/drawing/2014/main" id="{F8257343-9309-605D-CA10-C66B1E5278A5}"/>
+              </a:ext>
+            </a:extLst>
+          </p:cNvPr>
+          <p:cNvSpPr/>
+          <p:nvPr/>
+        </p:nvSpPr>
+        <p:spPr>
+          <a:xfrm>
+            <a:off x="6629400" y="6362640"/>
+            <a:ext cx="5855760" cy="337100"/>
+          </a:xfrm>
+          <a:prstGeom prst="rect">
+            <a:avLst/>
+          </a:prstGeom>
+          <a:noFill/>
+          <a:ln w="0">
+            <a:noFill/>
+          </a:ln>
+        </p:spPr>
+        <p:style>
+          <a:lnRef idx="0">
+            <a:scrgbClr r="0" g="0" b="0"/>
+          </a:lnRef>
+          <a:fillRef idx="0">
+            <a:scrgbClr r="0" g="0" b="0"/>
+          </a:fillRef>
+          <a:effectRef idx="0">
+            <a:scrgbClr r="0" g="0" b="0"/>
+          </a:effectRef>
+          <a:fontRef idx="minor"/>
+        </p:style>
+        <p:txBody>
+          <a:bodyPr vertOverflow="overflow" horzOverflow="overflow" lIns="90000" tIns="45000" rIns="90000" bIns="45000" numCol="1" spcCol="0" anchor="t">
+            <a:spAutoFit/>
+          </a:bodyPr>
+          <a:lstStyle/>
+          <a:p>
+            <a:pPr>
+              <a:lnSpc>
+                <a:spcPct val="100000"/>
+              </a:lnSpc>
+              <a:buNone/>
+            </a:pPr>
+            <a:r>
+              <a:rPr lang="pt-PT" sz="1600" b="0" strike="noStrike" spc="-1" dirty="0">
+                <a:solidFill>
+                  <a:srgbClr val="FFFFFF"/>
+                </a:solidFill>
+                <a:latin typeface="Calibri"/>
+                <a:ea typeface="DejaVu Sans"/>
+              </a:rPr>
+              <a:t>Bases de Dados – Jogos Olímpicos   |   Parte 2 - Grupo 8</a:t>
+            </a:r>
+            <a:endParaRPr lang="en-US" sz="1600" b="0" strike="noStrike" spc="-1" dirty="0">
+              <a:latin typeface="Arial"/>
+            </a:endParaRPr>
+          </a:p>
+        </p:txBody>
+      </p:sp>
+      <p:pic>
+        <p:nvPicPr>
+          <p:cNvPr id="4098" name="Picture 2">
+            <a:extLst>
+              <a:ext uri="{FF2B5EF4-FFF2-40B4-BE49-F238E27FC236}">
+                <a16:creationId xmlns:a16="http://schemas.microsoft.com/office/drawing/2014/main" id="{71C183CD-8565-4EDD-7BD7-5855E4F2E6F3}"/>
+              </a:ext>
+            </a:extLst>
+          </p:cNvPr>
+          <p:cNvPicPr>
+            <a:picLocks noChangeAspect="1" noChangeArrowheads="1"/>
+          </p:cNvPicPr>
+          <p:nvPr/>
+        </p:nvPicPr>
+        <p:blipFill>
+          <a:blip r:embed="rId3">
+            <a:extLst>
+              <a:ext uri="{28A0092B-C50C-407E-A947-70E740481C1C}">
+                <a14:useLocalDpi xmlns:a14="http://schemas.microsoft.com/office/drawing/2010/main" val="0"/>
+              </a:ext>
+            </a:extLst>
+          </a:blip>
+          <a:srcRect l="-52" t="-44" r="-52" b="-44"/>
+          <a:stretch>
+            <a:fillRect/>
+          </a:stretch>
+        </p:blipFill>
+        <p:spPr bwMode="auto">
+          <a:xfrm>
+            <a:off x="1525680" y="1859456"/>
+            <a:ext cx="2910383" cy="3365722"/>
+          </a:xfrm>
+          <a:prstGeom prst="rect">
+            <a:avLst/>
+          </a:prstGeom>
+          <a:ln w="38100" cap="sq">
+            <a:solidFill>
+              <a:srgbClr val="000000"/>
+            </a:solidFill>
+            <a:prstDash val="solid"/>
+            <a:miter lim="800000"/>
+          </a:ln>
+          <a:effectLst>
+            <a:outerShdw blurRad="50800" dist="38100" dir="2700000" algn="tl" rotWithShape="0">
+              <a:srgbClr val="000000">
+                <a:alpha val="43000"/>
+              </a:srgbClr>
+            </a:outerShdw>
+          </a:effectLst>
+          <a:extLst>
+            <a:ext uri="{91240B29-F687-4F45-9708-019B960494DF}">
+              <a14:hiddenLine xmlns:a14="http://schemas.microsoft.com/office/drawing/2010/main" w="9525">
+                <a:solidFill>
+                  <a:srgbClr val="000000"/>
+                </a:solidFill>
+                <a:miter lim="800000"/>
+                <a:headEnd/>
+                <a:tailEnd/>
+              </a14:hiddenLine>
+            </a:ext>
+          </a:extLst>
+        </p:spPr>
+      </p:pic>
+      <p:pic>
+        <p:nvPicPr>
+          <p:cNvPr id="3" name="Imagem 2">
+            <a:extLst>
+              <a:ext uri="{FF2B5EF4-FFF2-40B4-BE49-F238E27FC236}">
+                <a16:creationId xmlns:a16="http://schemas.microsoft.com/office/drawing/2014/main" id="{919439CA-2C99-6DE7-79D9-2F8A48B6C4C7}"/>
+              </a:ext>
+            </a:extLst>
+          </p:cNvPr>
+          <p:cNvPicPr>
+            <a:picLocks noChangeAspect="1"/>
+          </p:cNvPicPr>
+          <p:nvPr/>
+        </p:nvPicPr>
+        <p:blipFill>
+          <a:blip r:embed="rId4"/>
+          <a:stretch>
+            <a:fillRect/>
+          </a:stretch>
+        </p:blipFill>
+        <p:spPr>
+          <a:xfrm>
+            <a:off x="5220359" y="1859456"/>
+            <a:ext cx="5481961" cy="3365722"/>
+          </a:xfrm>
+          <a:prstGeom prst="rect">
+            <a:avLst/>
+          </a:prstGeom>
+          <a:ln w="38100" cap="sq">
+            <a:solidFill>
+              <a:srgbClr val="000000"/>
+            </a:solidFill>
+            <a:prstDash val="solid"/>
+            <a:miter lim="800000"/>
+          </a:ln>
+          <a:effectLst>
+            <a:outerShdw blurRad="50800" dist="38100" dir="2700000" algn="tl" rotWithShape="0">
+              <a:srgbClr val="000000">
+                <a:alpha val="43000"/>
+              </a:srgbClr>
+            </a:outerShdw>
+          </a:effectLst>
+        </p:spPr>
+      </p:pic>
+    </p:spTree>
+    <p:extLst>
+      <p:ext uri="{BB962C8B-B14F-4D97-AF65-F5344CB8AC3E}">
+        <p14:creationId xmlns:p14="http://schemas.microsoft.com/office/powerpoint/2010/main" val="2605338962"/>
+      </p:ext>
+    </p:extLst>
+  </p:cSld>
+  <p:clrMapOvr>
+    <a:masterClrMapping/>
+  </p:clrMapOvr>
+</p:sld>
+</file>
+
+<file path=ppt/slides/slide11.xml><?xml version="1.0" encoding="utf-8"?>
+<p:sld xmlns:a="http://schemas.openxmlformats.org/drawingml/2006/main" xmlns:r="http://schemas.openxmlformats.org/officeDocument/2006/relationships" xmlns:p="http://schemas.openxmlformats.org/presentationml/2006/main" show="0">
+  <p:cSld>
+    <p:spTree>
+      <p:nvGrpSpPr>
+        <p:cNvPr id="1" name="">
+          <a:extLst>
+            <a:ext uri="{FF2B5EF4-FFF2-40B4-BE49-F238E27FC236}">
+              <a16:creationId xmlns:a16="http://schemas.microsoft.com/office/drawing/2014/main" id="{ABC4044F-9A5A-F8C9-BA29-5631DD249B17}"/>
+            </a:ext>
+          </a:extLst>
+        </p:cNvPr>
+        <p:cNvGrpSpPr/>
+        <p:nvPr/>
+      </p:nvGrpSpPr>
+      <p:grpSpPr>
+        <a:xfrm>
+          <a:off x="0" y="0"/>
+          <a:ext cx="0" cy="0"/>
+          <a:chOff x="0" y="0"/>
+          <a:chExt cx="0" cy="0"/>
+        </a:xfrm>
+      </p:grpSpPr>
+      <p:sp>
+        <p:nvSpPr>
+          <p:cNvPr id="56" name="PlaceHolder 1">
+            <a:extLst>
+              <a:ext uri="{FF2B5EF4-FFF2-40B4-BE49-F238E27FC236}">
+                <a16:creationId xmlns:a16="http://schemas.microsoft.com/office/drawing/2014/main" id="{1A2D45D8-2995-DCA4-A928-7F37F5E4684A}"/>
+              </a:ext>
+            </a:extLst>
+          </p:cNvPr>
+          <p:cNvSpPr>
+            <a:spLocks noGrp="1"/>
+          </p:cNvSpPr>
+          <p:nvPr>
+            <p:ph type="title"/>
+          </p:nvPr>
+        </p:nvSpPr>
+        <p:spPr>
+          <a:xfrm>
+            <a:off x="1525680" y="275040"/>
+            <a:ext cx="9141840" cy="1153080"/>
+          </a:xfrm>
+          <a:prstGeom prst="rect">
+            <a:avLst/>
+          </a:prstGeom>
+          <a:noFill/>
+          <a:ln w="0">
+            <a:noFill/>
+          </a:ln>
+        </p:spPr>
+        <p:txBody>
+          <a:bodyPr lIns="0" tIns="0" rIns="0" bIns="0" anchor="b">
+            <a:noAutofit/>
+          </a:bodyPr>
+          <a:lstStyle/>
+          <a:p>
+            <a:pPr algn="ctr">
+              <a:lnSpc>
+                <a:spcPct val="90000"/>
+              </a:lnSpc>
+              <a:buNone/>
+            </a:pPr>
+            <a:r>
+              <a:rPr lang="pt-PT" sz="4000" b="0" strike="noStrike" spc="-1" dirty="0">
+                <a:solidFill>
+                  <a:srgbClr val="870F11"/>
+                </a:solidFill>
+                <a:latin typeface="Calibri"/>
+              </a:rPr>
+              <a:t>Apresentação e explicação da</a:t>
+            </a:r>
+            <a:br>
+              <a:rPr lang="pt-PT" sz="4000" b="0" strike="noStrike" spc="-1" dirty="0">
+                <a:solidFill>
+                  <a:srgbClr val="870F11"/>
+                </a:solidFill>
+                <a:latin typeface="Calibri"/>
+              </a:rPr>
+            </a:br>
+            <a:r>
+              <a:rPr lang="pt-PT" sz="4000" b="0" strike="noStrike" spc="-1" dirty="0">
+                <a:solidFill>
+                  <a:srgbClr val="870F11"/>
+                </a:solidFill>
+                <a:latin typeface="Calibri"/>
+              </a:rPr>
+              <a:t>base de dados implementada</a:t>
+            </a:r>
+            <a:endParaRPr lang="en-US" sz="4000" b="0" strike="noStrike" spc="-1" dirty="0">
+              <a:latin typeface="Arial"/>
+            </a:endParaRPr>
+          </a:p>
+        </p:txBody>
+      </p:sp>
+      <p:sp>
+        <p:nvSpPr>
+          <p:cNvPr id="57" name="Retângulo 4">
+            <a:extLst>
+              <a:ext uri="{FF2B5EF4-FFF2-40B4-BE49-F238E27FC236}">
+                <a16:creationId xmlns:a16="http://schemas.microsoft.com/office/drawing/2014/main" id="{3AC10E21-AD38-C39F-917C-677DAA982023}"/>
+              </a:ext>
+            </a:extLst>
+          </p:cNvPr>
+          <p:cNvSpPr/>
+          <p:nvPr/>
+        </p:nvSpPr>
+        <p:spPr>
+          <a:xfrm>
+            <a:off x="0" y="6233760"/>
+            <a:ext cx="12189960" cy="622080"/>
+          </a:xfrm>
+          <a:prstGeom prst="rect">
+            <a:avLst/>
+          </a:prstGeom>
+          <a:solidFill>
+            <a:srgbClr val="870F11"/>
+          </a:solidFill>
+          <a:ln>
+            <a:solidFill>
+              <a:srgbClr val="870F11"/>
+            </a:solidFill>
+          </a:ln>
+        </p:spPr>
+        <p:style>
+          <a:lnRef idx="2">
+            <a:schemeClr val="accent1">
+              <a:shade val="50000"/>
+            </a:schemeClr>
+          </a:lnRef>
+          <a:fillRef idx="1">
+            <a:schemeClr val="accent1"/>
+          </a:fillRef>
+          <a:effectRef idx="0">
+            <a:schemeClr val="accent1"/>
+          </a:effectRef>
+          <a:fontRef idx="minor"/>
+        </p:style>
+        <p:txBody>
+          <a:bodyPr/>
+          <a:lstStyle/>
+          <a:p>
+            <a:endParaRPr lang="pt-PT"/>
+          </a:p>
+        </p:txBody>
+      </p:sp>
+      <p:pic>
+        <p:nvPicPr>
+          <p:cNvPr id="59" name="Imagem 3">
+            <a:extLst>
+              <a:ext uri="{FF2B5EF4-FFF2-40B4-BE49-F238E27FC236}">
+                <a16:creationId xmlns:a16="http://schemas.microsoft.com/office/drawing/2014/main" id="{09C955F4-C77F-7C9C-25E3-03F4567D0F0E}"/>
+              </a:ext>
+            </a:extLst>
+          </p:cNvPr>
+          <p:cNvPicPr/>
+          <p:nvPr/>
+        </p:nvPicPr>
+        <p:blipFill>
+          <a:blip r:embed="rId2"/>
+          <a:stretch/>
+        </p:blipFill>
+        <p:spPr>
+          <a:xfrm>
+            <a:off x="3240" y="6261480"/>
+            <a:ext cx="1236960" cy="709200"/>
+          </a:xfrm>
+          <a:prstGeom prst="rect">
+            <a:avLst/>
+          </a:prstGeom>
+          <a:ln w="0">
+            <a:noFill/>
+          </a:ln>
+        </p:spPr>
+      </p:pic>
+      <p:sp>
+        <p:nvSpPr>
+          <p:cNvPr id="60" name="CaixaDeTexto 1">
+            <a:extLst>
+              <a:ext uri="{FF2B5EF4-FFF2-40B4-BE49-F238E27FC236}">
+                <a16:creationId xmlns:a16="http://schemas.microsoft.com/office/drawing/2014/main" id="{2FC54844-30AC-C77E-93E5-6FBAA25C307E}"/>
+              </a:ext>
+            </a:extLst>
+          </p:cNvPr>
+          <p:cNvSpPr/>
+          <p:nvPr/>
+        </p:nvSpPr>
+        <p:spPr>
+          <a:xfrm>
+            <a:off x="6629400" y="6362640"/>
+            <a:ext cx="5855760" cy="337100"/>
+          </a:xfrm>
+          <a:prstGeom prst="rect">
+            <a:avLst/>
+          </a:prstGeom>
+          <a:noFill/>
+          <a:ln w="0">
+            <a:noFill/>
+          </a:ln>
+        </p:spPr>
+        <p:style>
+          <a:lnRef idx="0">
+            <a:scrgbClr r="0" g="0" b="0"/>
+          </a:lnRef>
+          <a:fillRef idx="0">
+            <a:scrgbClr r="0" g="0" b="0"/>
+          </a:fillRef>
+          <a:effectRef idx="0">
+            <a:scrgbClr r="0" g="0" b="0"/>
+          </a:effectRef>
+          <a:fontRef idx="minor"/>
+        </p:style>
+        <p:txBody>
+          <a:bodyPr vertOverflow="overflow" horzOverflow="overflow" lIns="90000" tIns="45000" rIns="90000" bIns="45000" numCol="1" spcCol="0" anchor="t">
+            <a:spAutoFit/>
+          </a:bodyPr>
+          <a:lstStyle/>
+          <a:p>
+            <a:pPr>
+              <a:lnSpc>
+                <a:spcPct val="100000"/>
+              </a:lnSpc>
+              <a:buNone/>
+            </a:pPr>
+            <a:r>
+              <a:rPr lang="pt-PT" sz="1600" b="0" strike="noStrike" spc="-1" dirty="0">
+                <a:solidFill>
+                  <a:srgbClr val="FFFFFF"/>
+                </a:solidFill>
+                <a:latin typeface="Calibri"/>
+                <a:ea typeface="DejaVu Sans"/>
+              </a:rPr>
+              <a:t>Bases de Dados – Jogos Olímpicos   |   Parte 2 - Grupo 8</a:t>
+            </a:r>
+            <a:endParaRPr lang="en-US" sz="1600" b="0" strike="noStrike" spc="-1" dirty="0">
+              <a:latin typeface="Arial"/>
+            </a:endParaRPr>
+          </a:p>
+        </p:txBody>
+      </p:sp>
+      <p:pic>
+        <p:nvPicPr>
+          <p:cNvPr id="5123" name="Picture 3">
+            <a:extLst>
+              <a:ext uri="{FF2B5EF4-FFF2-40B4-BE49-F238E27FC236}">
+                <a16:creationId xmlns:a16="http://schemas.microsoft.com/office/drawing/2014/main" id="{E1579CDF-B651-C67B-ABEF-85F88F07D56D}"/>
+              </a:ext>
+            </a:extLst>
+          </p:cNvPr>
+          <p:cNvPicPr>
+            <a:picLocks noChangeAspect="1" noChangeArrowheads="1"/>
+          </p:cNvPicPr>
+          <p:nvPr/>
+        </p:nvPicPr>
+        <p:blipFill>
+          <a:blip r:embed="rId3">
+            <a:extLst>
+              <a:ext uri="{28A0092B-C50C-407E-A947-70E740481C1C}">
+                <a14:useLocalDpi xmlns:a14="http://schemas.microsoft.com/office/drawing/2010/main" val="0"/>
+              </a:ext>
+            </a:extLst>
+          </a:blip>
+          <a:srcRect l="-50" t="-52" r="-50" b="-52"/>
+          <a:stretch>
+            <a:fillRect/>
+          </a:stretch>
+        </p:blipFill>
+        <p:spPr bwMode="auto">
+          <a:xfrm>
+            <a:off x="1524480" y="1988588"/>
+            <a:ext cx="2930038" cy="2880824"/>
+          </a:xfrm>
+          <a:prstGeom prst="rect">
+            <a:avLst/>
+          </a:prstGeom>
+          <a:ln w="38100" cap="sq">
+            <a:solidFill>
+              <a:srgbClr val="000000"/>
+            </a:solidFill>
+            <a:prstDash val="solid"/>
+            <a:miter lim="800000"/>
+          </a:ln>
+          <a:effectLst>
+            <a:outerShdw blurRad="50800" dist="38100" dir="2700000" algn="tl" rotWithShape="0">
+              <a:srgbClr val="000000">
+                <a:alpha val="43000"/>
+              </a:srgbClr>
+            </a:outerShdw>
+          </a:effectLst>
+          <a:extLst>
+            <a:ext uri="{91240B29-F687-4F45-9708-019B960494DF}">
+              <a14:hiddenLine xmlns:a14="http://schemas.microsoft.com/office/drawing/2010/main" w="9525">
+                <a:solidFill>
+                  <a:srgbClr val="000000"/>
+                </a:solidFill>
+                <a:miter lim="800000"/>
+                <a:headEnd/>
+                <a:tailEnd/>
+              </a14:hiddenLine>
+            </a:ext>
+          </a:extLst>
+        </p:spPr>
+      </p:pic>
+      <p:pic>
+        <p:nvPicPr>
+          <p:cNvPr id="3" name="Imagem 2">
+            <a:extLst>
+              <a:ext uri="{FF2B5EF4-FFF2-40B4-BE49-F238E27FC236}">
+                <a16:creationId xmlns:a16="http://schemas.microsoft.com/office/drawing/2014/main" id="{63E0154F-C114-1A59-629B-2FC76AA34BC8}"/>
+              </a:ext>
+            </a:extLst>
+          </p:cNvPr>
+          <p:cNvPicPr>
+            <a:picLocks noChangeAspect="1"/>
+          </p:cNvPicPr>
+          <p:nvPr/>
+        </p:nvPicPr>
+        <p:blipFill>
+          <a:blip r:embed="rId4"/>
+          <a:stretch>
+            <a:fillRect/>
+          </a:stretch>
+        </p:blipFill>
+        <p:spPr>
+          <a:xfrm>
+            <a:off x="5823033" y="1988588"/>
+            <a:ext cx="4844487" cy="2880824"/>
+          </a:xfrm>
+          <a:prstGeom prst="rect">
+            <a:avLst/>
+          </a:prstGeom>
+          <a:ln w="38100" cap="sq">
+            <a:solidFill>
+              <a:srgbClr val="000000"/>
+            </a:solidFill>
+            <a:prstDash val="solid"/>
+            <a:miter lim="800000"/>
+          </a:ln>
+          <a:effectLst>
+            <a:outerShdw blurRad="50800" dist="38100" dir="2700000" algn="tl" rotWithShape="0">
+              <a:srgbClr val="000000">
+                <a:alpha val="43000"/>
+              </a:srgbClr>
+            </a:outerShdw>
+          </a:effectLst>
+        </p:spPr>
+      </p:pic>
+    </p:spTree>
+    <p:extLst>
+      <p:ext uri="{BB962C8B-B14F-4D97-AF65-F5344CB8AC3E}">
+        <p14:creationId xmlns:p14="http://schemas.microsoft.com/office/powerpoint/2010/main" val="4228828856"/>
+      </p:ext>
+    </p:extLst>
+  </p:cSld>
+  <p:clrMapOvr>
+    <a:masterClrMapping/>
+  </p:clrMapOvr>
+</p:sld>
+</file>
+
+<file path=ppt/slides/slide12.xml><?xml version="1.0" encoding="utf-8"?>
+<p:sld xmlns:a="http://schemas.openxmlformats.org/drawingml/2006/main" xmlns:r="http://schemas.openxmlformats.org/officeDocument/2006/relationships" xmlns:p="http://schemas.openxmlformats.org/presentationml/2006/main" show="0">
+  <p:cSld>
+    <p:spTree>
+      <p:nvGrpSpPr>
+        <p:cNvPr id="1" name="">
+          <a:extLst>
+            <a:ext uri="{FF2B5EF4-FFF2-40B4-BE49-F238E27FC236}">
               <a16:creationId xmlns:a16="http://schemas.microsoft.com/office/drawing/2014/main" id="{57C557D5-7865-4C71-FFE9-17693824671D}"/>
             </a:ext>
           </a:extLst>
@@ -4158,72 +4950,6 @@
           <a:lstStyle/>
           <a:p>
             <a:endParaRPr lang="pt-PT"/>
-          </a:p>
-        </p:txBody>
-      </p:sp>
-      <p:sp>
-        <p:nvSpPr>
-          <p:cNvPr id="58" name="CaixaDeTexto 5">
-            <a:extLst>
-              <a:ext uri="{FF2B5EF4-FFF2-40B4-BE49-F238E27FC236}">
-                <a16:creationId xmlns:a16="http://schemas.microsoft.com/office/drawing/2014/main" id="{4C15E12B-DA4C-C50E-5037-A39C10756FF9}"/>
-              </a:ext>
-            </a:extLst>
-          </p:cNvPr>
-          <p:cNvSpPr/>
-          <p:nvPr/>
-        </p:nvSpPr>
-        <p:spPr>
-          <a:xfrm>
-            <a:off x="1489680" y="1828800"/>
-            <a:ext cx="9024480" cy="829543"/>
-          </a:xfrm>
-          <a:prstGeom prst="rect">
-            <a:avLst/>
-          </a:prstGeom>
-          <a:noFill/>
-          <a:ln w="0">
-            <a:noFill/>
-          </a:ln>
-        </p:spPr>
-        <p:style>
-          <a:lnRef idx="0">
-            <a:scrgbClr r="0" g="0" b="0"/>
-          </a:lnRef>
-          <a:fillRef idx="0">
-            <a:scrgbClr r="0" g="0" b="0"/>
-          </a:fillRef>
-          <a:effectRef idx="0">
-            <a:scrgbClr r="0" g="0" b="0"/>
-          </a:effectRef>
-          <a:fontRef idx="minor"/>
-        </p:style>
-        <p:txBody>
-          <a:bodyPr vertOverflow="overflow" horzOverflow="overflow" lIns="90000" tIns="45000" rIns="90000" bIns="45000" numCol="1" spcCol="0" anchor="t">
-            <a:spAutoFit/>
-          </a:bodyPr>
-          <a:lstStyle/>
-          <a:p>
-            <a:pPr algn="ctr">
-              <a:lnSpc>
-                <a:spcPct val="100000"/>
-              </a:lnSpc>
-              <a:buNone/>
-            </a:pPr>
-            <a:endParaRPr lang="en-US" sz="2400" b="0" strike="noStrike" spc="-1" dirty="0">
-              <a:latin typeface="Arial"/>
-            </a:endParaRPr>
-          </a:p>
-          <a:p>
-            <a:pPr algn="ctr">
-              <a:lnSpc>
-                <a:spcPct val="100000"/>
-              </a:lnSpc>
-              <a:buNone/>
-            </a:pPr>
-            <a:endParaRPr lang="en-US" sz="2400" b="0" strike="noStrike" spc="-1" dirty="0">
-              <a:latin typeface="Arial"/>
-            </a:endParaRPr>
           </a:p>
         </p:txBody>
       </p:sp>
@@ -4321,6 +5047,113 @@
           </a:p>
         </p:txBody>
       </p:sp>
+      <p:pic>
+        <p:nvPicPr>
+          <p:cNvPr id="3" name="Imagem 2">
+            <a:extLst>
+              <a:ext uri="{FF2B5EF4-FFF2-40B4-BE49-F238E27FC236}">
+                <a16:creationId xmlns:a16="http://schemas.microsoft.com/office/drawing/2014/main" id="{58CD4BC8-673D-6051-CBD4-9E47DC7D821C}"/>
+              </a:ext>
+            </a:extLst>
+          </p:cNvPr>
+          <p:cNvPicPr>
+            <a:picLocks noChangeAspect="1"/>
+          </p:cNvPicPr>
+          <p:nvPr/>
+        </p:nvPicPr>
+        <p:blipFill>
+          <a:blip r:embed="rId3"/>
+          <a:stretch>
+            <a:fillRect/>
+          </a:stretch>
+        </p:blipFill>
+        <p:spPr>
+          <a:xfrm>
+            <a:off x="6043886" y="2249488"/>
+            <a:ext cx="4622435" cy="2764397"/>
+          </a:xfrm>
+          <a:prstGeom prst="rect">
+            <a:avLst/>
+          </a:prstGeom>
+          <a:ln w="38100" cap="sq">
+            <a:solidFill>
+              <a:srgbClr val="000000"/>
+            </a:solidFill>
+            <a:prstDash val="solid"/>
+            <a:miter lim="800000"/>
+          </a:ln>
+          <a:effectLst>
+            <a:outerShdw blurRad="50800" dist="38100" dir="2700000" algn="tl" rotWithShape="0">
+              <a:srgbClr val="000000">
+                <a:alpha val="43000"/>
+              </a:srgbClr>
+            </a:outerShdw>
+          </a:effectLst>
+        </p:spPr>
+      </p:pic>
+      <p:pic>
+        <p:nvPicPr>
+          <p:cNvPr id="6146" name="Picture 2">
+            <a:extLst>
+              <a:ext uri="{FF2B5EF4-FFF2-40B4-BE49-F238E27FC236}">
+                <a16:creationId xmlns:a16="http://schemas.microsoft.com/office/drawing/2014/main" id="{B195B98B-A384-90D0-E616-64860CF4602E}"/>
+              </a:ext>
+            </a:extLst>
+          </p:cNvPr>
+          <p:cNvPicPr>
+            <a:picLocks noChangeAspect="1" noChangeArrowheads="1"/>
+          </p:cNvPicPr>
+          <p:nvPr/>
+        </p:nvPicPr>
+        <p:blipFill>
+          <a:blip r:embed="rId4">
+            <a:extLst>
+              <a:ext uri="{28A0092B-C50C-407E-A947-70E740481C1C}">
+                <a14:useLocalDpi xmlns:a14="http://schemas.microsoft.com/office/drawing/2010/main" val="0"/>
+              </a:ext>
+            </a:extLst>
+          </a:blip>
+          <a:srcRect l="-53" t="-53" r="-53" b="-53"/>
+          <a:stretch>
+            <a:fillRect/>
+          </a:stretch>
+        </p:blipFill>
+        <p:spPr bwMode="auto">
+          <a:xfrm>
+            <a:off x="1525679" y="2249487"/>
+            <a:ext cx="2719749" cy="2764398"/>
+          </a:xfrm>
+          <a:prstGeom prst="rect">
+            <a:avLst/>
+          </a:prstGeom>
+          <a:ln w="38100" cap="sq">
+            <a:solidFill>
+              <a:srgbClr val="000000"/>
+            </a:solidFill>
+            <a:prstDash val="solid"/>
+            <a:miter lim="800000"/>
+          </a:ln>
+          <a:effectLst>
+            <a:outerShdw blurRad="50800" dist="38100" dir="2700000" algn="tl" rotWithShape="0">
+              <a:srgbClr val="000000">
+                <a:alpha val="43000"/>
+              </a:srgbClr>
+            </a:outerShdw>
+          </a:effectLst>
+          <a:extLst>
+            <a:ext uri="{91240B29-F687-4F45-9708-019B960494DF}">
+              <a14:hiddenLine xmlns:a14="http://schemas.microsoft.com/office/drawing/2010/main" w="9525">
+                <a:solidFill>
+                  <a:srgbClr val="000000"/>
+                </a:solidFill>
+                <a:miter lim="800000"/>
+                <a:headEnd/>
+                <a:tailEnd/>
+              </a14:hiddenLine>
+            </a:ext>
+          </a:extLst>
+        </p:spPr>
+      </p:pic>
     </p:spTree>
     <p:extLst>
       <p:ext uri="{BB962C8B-B14F-4D97-AF65-F5344CB8AC3E}">
@@ -4334,7 +5167,7 @@
 </p:sld>
 </file>
 
-<file path=ppt/slides/slide11.xml><?xml version="1.0" encoding="utf-8"?>
+<file path=ppt/slides/slide13.xml><?xml version="1.0" encoding="utf-8"?>
 <p:sld xmlns:a="http://schemas.openxmlformats.org/drawingml/2006/main" xmlns:r="http://schemas.openxmlformats.org/officeDocument/2006/relationships" xmlns:p="http://schemas.openxmlformats.org/presentationml/2006/main" show="0">
   <p:cSld>
     <p:spTree>
@@ -4481,72 +5314,6 @@
           </a:p>
         </p:txBody>
       </p:sp>
-      <p:sp>
-        <p:nvSpPr>
-          <p:cNvPr id="58" name="CaixaDeTexto 5">
-            <a:extLst>
-              <a:ext uri="{FF2B5EF4-FFF2-40B4-BE49-F238E27FC236}">
-                <a16:creationId xmlns:a16="http://schemas.microsoft.com/office/drawing/2014/main" id="{9AB34219-C378-98B4-57B9-F8BDC56CBC32}"/>
-              </a:ext>
-            </a:extLst>
-          </p:cNvPr>
-          <p:cNvSpPr/>
-          <p:nvPr/>
-        </p:nvSpPr>
-        <p:spPr>
-          <a:xfrm>
-            <a:off x="1489680" y="1828800"/>
-            <a:ext cx="9024480" cy="829543"/>
-          </a:xfrm>
-          <a:prstGeom prst="rect">
-            <a:avLst/>
-          </a:prstGeom>
-          <a:noFill/>
-          <a:ln w="0">
-            <a:noFill/>
-          </a:ln>
-        </p:spPr>
-        <p:style>
-          <a:lnRef idx="0">
-            <a:scrgbClr r="0" g="0" b="0"/>
-          </a:lnRef>
-          <a:fillRef idx="0">
-            <a:scrgbClr r="0" g="0" b="0"/>
-          </a:fillRef>
-          <a:effectRef idx="0">
-            <a:scrgbClr r="0" g="0" b="0"/>
-          </a:effectRef>
-          <a:fontRef idx="minor"/>
-        </p:style>
-        <p:txBody>
-          <a:bodyPr vertOverflow="overflow" horzOverflow="overflow" lIns="90000" tIns="45000" rIns="90000" bIns="45000" numCol="1" spcCol="0" anchor="t">
-            <a:spAutoFit/>
-          </a:bodyPr>
-          <a:lstStyle/>
-          <a:p>
-            <a:pPr algn="ctr">
-              <a:lnSpc>
-                <a:spcPct val="100000"/>
-              </a:lnSpc>
-              <a:buNone/>
-            </a:pPr>
-            <a:endParaRPr lang="en-US" sz="2400" b="0" strike="noStrike" spc="-1" dirty="0">
-              <a:latin typeface="Arial"/>
-            </a:endParaRPr>
-          </a:p>
-          <a:p>
-            <a:pPr algn="ctr">
-              <a:lnSpc>
-                <a:spcPct val="100000"/>
-              </a:lnSpc>
-              <a:buNone/>
-            </a:pPr>
-            <a:endParaRPr lang="en-US" sz="2400" b="0" strike="noStrike" spc="-1" dirty="0">
-              <a:latin typeface="Arial"/>
-            </a:endParaRPr>
-          </a:p>
-        </p:txBody>
-      </p:sp>
       <p:pic>
         <p:nvPicPr>
           <p:cNvPr id="59" name="Imagem 3">
@@ -4641,6 +5408,161 @@
           </a:p>
         </p:txBody>
       </p:sp>
+      <p:sp>
+        <p:nvSpPr>
+          <p:cNvPr id="2" name="CaixaDeTexto 9">
+            <a:extLst>
+              <a:ext uri="{FF2B5EF4-FFF2-40B4-BE49-F238E27FC236}">
+                <a16:creationId xmlns:a16="http://schemas.microsoft.com/office/drawing/2014/main" id="{3BD777AD-F551-BADA-3CBF-84C8B226510B}"/>
+              </a:ext>
+            </a:extLst>
+          </p:cNvPr>
+          <p:cNvSpPr/>
+          <p:nvPr/>
+        </p:nvSpPr>
+        <p:spPr>
+          <a:xfrm>
+            <a:off x="1525680" y="2254116"/>
+            <a:ext cx="9024480" cy="2349767"/>
+          </a:xfrm>
+          <a:prstGeom prst="rect">
+            <a:avLst/>
+          </a:prstGeom>
+          <a:noFill/>
+          <a:ln w="0">
+            <a:noFill/>
+          </a:ln>
+        </p:spPr>
+        <p:style>
+          <a:lnRef idx="0">
+            <a:scrgbClr r="0" g="0" b="0"/>
+          </a:lnRef>
+          <a:fillRef idx="0">
+            <a:scrgbClr r="0" g="0" b="0"/>
+          </a:fillRef>
+          <a:effectRef idx="0">
+            <a:scrgbClr r="0" g="0" b="0"/>
+          </a:effectRef>
+          <a:fontRef idx="minor"/>
+        </p:style>
+        <p:txBody>
+          <a:bodyPr vertOverflow="overflow" horzOverflow="overflow" wrap="square" lIns="90000" tIns="45000" rIns="90000" bIns="45000" numCol="1" spcCol="0" anchor="t">
+            <a:spAutoFit/>
+          </a:bodyPr>
+          <a:lstStyle/>
+          <a:p>
+            <a:pPr marL="343080" indent="-343080">
+              <a:lnSpc>
+                <a:spcPct val="150000"/>
+              </a:lnSpc>
+              <a:buClr>
+                <a:srgbClr val="000000"/>
+              </a:buClr>
+              <a:buFont typeface="Arial"/>
+              <a:buChar char="•"/>
+            </a:pPr>
+            <a:r>
+              <a:rPr lang="pt-PT" sz="2000" spc="-1" dirty="0">
+                <a:solidFill>
+                  <a:srgbClr val="000000"/>
+                </a:solidFill>
+                <a:latin typeface="Consolas"/>
+              </a:rPr>
+              <a:t>Seguindo a mesma lógica, podemos criar o resto das tabelas</a:t>
+            </a:r>
+          </a:p>
+          <a:p>
+            <a:pPr marL="343080" indent="-343080">
+              <a:lnSpc>
+                <a:spcPct val="150000"/>
+              </a:lnSpc>
+              <a:buClr>
+                <a:srgbClr val="000000"/>
+              </a:buClr>
+              <a:buFont typeface="Arial"/>
+              <a:buChar char="•"/>
+            </a:pPr>
+            <a:r>
+              <a:rPr lang="pt-PT" sz="2000" spc="-1" dirty="0">
+                <a:solidFill>
+                  <a:srgbClr val="000000"/>
+                </a:solidFill>
+                <a:latin typeface="Consolas"/>
+              </a:rPr>
+              <a:t>As tabelas que faltam são:</a:t>
+            </a:r>
+          </a:p>
+          <a:p>
+            <a:pPr marL="800280" lvl="1" indent="-343080">
+              <a:lnSpc>
+                <a:spcPct val="150000"/>
+              </a:lnSpc>
+              <a:buClr>
+                <a:srgbClr val="000000"/>
+              </a:buClr>
+              <a:buFont typeface="Arial"/>
+              <a:buChar char="•"/>
+            </a:pPr>
+            <a:r>
+              <a:rPr lang="pt-PT" sz="2000" spc="-1" dirty="0">
+                <a:solidFill>
+                  <a:srgbClr val="000000"/>
+                </a:solidFill>
+                <a:latin typeface="Consolas"/>
+              </a:rPr>
+              <a:t>Modalidade e Equipa</a:t>
+            </a:r>
+          </a:p>
+          <a:p>
+            <a:pPr marL="800280" lvl="1" indent="-343080">
+              <a:lnSpc>
+                <a:spcPct val="150000"/>
+              </a:lnSpc>
+              <a:buClr>
+                <a:srgbClr val="000000"/>
+              </a:buClr>
+              <a:buFont typeface="Arial"/>
+              <a:buChar char="•"/>
+            </a:pPr>
+            <a:r>
+              <a:rPr lang="pt-PT" sz="2000" spc="-1" dirty="0">
+                <a:solidFill>
+                  <a:srgbClr val="000000"/>
+                </a:solidFill>
+                <a:latin typeface="Consolas"/>
+              </a:rPr>
+              <a:t>Treinador, Atleta, Evento</a:t>
+            </a:r>
+          </a:p>
+          <a:p>
+            <a:pPr marL="800280" lvl="1" indent="-343080">
+              <a:lnSpc>
+                <a:spcPct val="150000"/>
+              </a:lnSpc>
+              <a:buClr>
+                <a:srgbClr val="000000"/>
+              </a:buClr>
+              <a:buFont typeface="Arial"/>
+              <a:buChar char="•"/>
+            </a:pPr>
+            <a:r>
+              <a:rPr lang="pt-PT" sz="2000" spc="-1" dirty="0">
+                <a:solidFill>
+                  <a:srgbClr val="000000"/>
+                </a:solidFill>
+                <a:latin typeface="Consolas"/>
+              </a:rPr>
+              <a:t>Resultado e Realiza</a:t>
+            </a:r>
+            <a:endParaRPr lang="en" sz="2000" spc="-1" dirty="0">
+              <a:solidFill>
+                <a:srgbClr val="000000"/>
+              </a:solidFill>
+              <a:latin typeface="Consolas"/>
+            </a:endParaRPr>
+          </a:p>
+        </p:txBody>
+      </p:sp>
     </p:spTree>
     <p:extLst>
       <p:ext uri="{BB962C8B-B14F-4D97-AF65-F5344CB8AC3E}">
@@ -4654,7 +5576,7 @@
 </p:sld>
 </file>
 
-<file path=ppt/slides/slide12.xml><?xml version="1.0" encoding="utf-8"?>
+<file path=ppt/slides/slide14.xml><?xml version="1.0" encoding="utf-8"?>
 <p:sld xmlns:a="http://schemas.openxmlformats.org/drawingml/2006/main" xmlns:r="http://schemas.openxmlformats.org/officeDocument/2006/relationships" xmlns:p="http://schemas.openxmlformats.org/presentationml/2006/main" show="0">
   <p:cSld>
     <p:spTree>
@@ -4801,72 +5723,6 @@
           </a:p>
         </p:txBody>
       </p:sp>
-      <p:sp>
-        <p:nvSpPr>
-          <p:cNvPr id="58" name="CaixaDeTexto 5">
-            <a:extLst>
-              <a:ext uri="{FF2B5EF4-FFF2-40B4-BE49-F238E27FC236}">
-                <a16:creationId xmlns:a16="http://schemas.microsoft.com/office/drawing/2014/main" id="{CD1A1F55-1865-F7A2-8D20-B58D2994CC74}"/>
-              </a:ext>
-            </a:extLst>
-          </p:cNvPr>
-          <p:cNvSpPr/>
-          <p:nvPr/>
-        </p:nvSpPr>
-        <p:spPr>
-          <a:xfrm>
-            <a:off x="1489680" y="1828800"/>
-            <a:ext cx="9024480" cy="829543"/>
-          </a:xfrm>
-          <a:prstGeom prst="rect">
-            <a:avLst/>
-          </a:prstGeom>
-          <a:noFill/>
-          <a:ln w="0">
-            <a:noFill/>
-          </a:ln>
-        </p:spPr>
-        <p:style>
-          <a:lnRef idx="0">
-            <a:scrgbClr r="0" g="0" b="0"/>
-          </a:lnRef>
-          <a:fillRef idx="0">
-            <a:scrgbClr r="0" g="0" b="0"/>
-          </a:fillRef>
-          <a:effectRef idx="0">
-            <a:scrgbClr r="0" g="0" b="0"/>
-          </a:effectRef>
-          <a:fontRef idx="minor"/>
-        </p:style>
-        <p:txBody>
-          <a:bodyPr vertOverflow="overflow" horzOverflow="overflow" lIns="90000" tIns="45000" rIns="90000" bIns="45000" numCol="1" spcCol="0" anchor="t">
-            <a:spAutoFit/>
-          </a:bodyPr>
-          <a:lstStyle/>
-          <a:p>
-            <a:pPr algn="ctr">
-              <a:lnSpc>
-                <a:spcPct val="100000"/>
-              </a:lnSpc>
-              <a:buNone/>
-            </a:pPr>
-            <a:endParaRPr lang="en-US" sz="2400" b="0" strike="noStrike" spc="-1" dirty="0">
-              <a:latin typeface="Arial"/>
-            </a:endParaRPr>
-          </a:p>
-          <a:p>
-            <a:pPr algn="ctr">
-              <a:lnSpc>
-                <a:spcPct val="100000"/>
-              </a:lnSpc>
-              <a:buNone/>
-            </a:pPr>
-            <a:endParaRPr lang="en-US" sz="2400" b="0" strike="noStrike" spc="-1" dirty="0">
-              <a:latin typeface="Arial"/>
-            </a:endParaRPr>
-          </a:p>
-        </p:txBody>
-      </p:sp>
       <p:pic>
         <p:nvPicPr>
           <p:cNvPr id="59" name="Imagem 3">
@@ -4961,6 +5817,94 @@
           </a:p>
         </p:txBody>
       </p:sp>
+      <p:pic>
+        <p:nvPicPr>
+          <p:cNvPr id="3" name="Imagem 2">
+            <a:extLst>
+              <a:ext uri="{FF2B5EF4-FFF2-40B4-BE49-F238E27FC236}">
+                <a16:creationId xmlns:a16="http://schemas.microsoft.com/office/drawing/2014/main" id="{912D189D-C7EE-E115-F17B-47D6CDE34202}"/>
+              </a:ext>
+            </a:extLst>
+          </p:cNvPr>
+          <p:cNvPicPr>
+            <a:picLocks noChangeAspect="1"/>
+          </p:cNvPicPr>
+          <p:nvPr/>
+        </p:nvPicPr>
+        <p:blipFill>
+          <a:blip r:embed="rId3"/>
+          <a:stretch>
+            <a:fillRect/>
+          </a:stretch>
+        </p:blipFill>
+        <p:spPr>
+          <a:xfrm>
+            <a:off x="1489680" y="2290602"/>
+            <a:ext cx="3762900" cy="2276793"/>
+          </a:xfrm>
+          <a:prstGeom prst="rect">
+            <a:avLst/>
+          </a:prstGeom>
+          <a:ln w="38100" cap="sq">
+            <a:solidFill>
+              <a:srgbClr val="000000"/>
+            </a:solidFill>
+            <a:prstDash val="solid"/>
+            <a:miter lim="800000"/>
+          </a:ln>
+          <a:effectLst>
+            <a:outerShdw blurRad="50800" dist="38100" dir="2700000" algn="tl" rotWithShape="0">
+              <a:srgbClr val="000000">
+                <a:alpha val="43000"/>
+              </a:srgbClr>
+            </a:outerShdw>
+          </a:effectLst>
+        </p:spPr>
+      </p:pic>
+      <p:pic>
+        <p:nvPicPr>
+          <p:cNvPr id="5" name="Imagem 4">
+            <a:extLst>
+              <a:ext uri="{FF2B5EF4-FFF2-40B4-BE49-F238E27FC236}">
+                <a16:creationId xmlns:a16="http://schemas.microsoft.com/office/drawing/2014/main" id="{964ADE5D-B359-90EC-0A8D-304F7E35144E}"/>
+              </a:ext>
+            </a:extLst>
+          </p:cNvPr>
+          <p:cNvPicPr>
+            <a:picLocks noChangeAspect="1"/>
+          </p:cNvPicPr>
+          <p:nvPr/>
+        </p:nvPicPr>
+        <p:blipFill>
+          <a:blip r:embed="rId4"/>
+          <a:stretch>
+            <a:fillRect/>
+          </a:stretch>
+        </p:blipFill>
+        <p:spPr>
+          <a:xfrm>
+            <a:off x="6741734" y="2009575"/>
+            <a:ext cx="3772426" cy="2838846"/>
+          </a:xfrm>
+          <a:prstGeom prst="rect">
+            <a:avLst/>
+          </a:prstGeom>
+          <a:ln w="38100" cap="sq">
+            <a:solidFill>
+              <a:srgbClr val="000000"/>
+            </a:solidFill>
+            <a:prstDash val="solid"/>
+            <a:miter lim="800000"/>
+          </a:ln>
+          <a:effectLst>
+            <a:outerShdw blurRad="50800" dist="38100" dir="2700000" algn="tl" rotWithShape="0">
+              <a:srgbClr val="000000">
+                <a:alpha val="43000"/>
+              </a:srgbClr>
+            </a:outerShdw>
+          </a:effectLst>
+        </p:spPr>
+      </p:pic>
     </p:spTree>
     <p:extLst>
       <p:ext uri="{BB962C8B-B14F-4D97-AF65-F5344CB8AC3E}">
@@ -4974,7 +5918,7 @@
 </p:sld>
 </file>
 
-<file path=ppt/slides/slide13.xml><?xml version="1.0" encoding="utf-8"?>
+<file path=ppt/slides/slide15.xml><?xml version="1.0" encoding="utf-8"?>
 <p:sld xmlns:a="http://schemas.openxmlformats.org/drawingml/2006/main" xmlns:r="http://schemas.openxmlformats.org/officeDocument/2006/relationships" xmlns:p="http://schemas.openxmlformats.org/presentationml/2006/main" show="0">
   <p:cSld>
     <p:spTree>
@@ -5281,6 +6225,137 @@
           </a:p>
         </p:txBody>
       </p:sp>
+      <p:pic>
+        <p:nvPicPr>
+          <p:cNvPr id="3" name="Imagem 2">
+            <a:extLst>
+              <a:ext uri="{FF2B5EF4-FFF2-40B4-BE49-F238E27FC236}">
+                <a16:creationId xmlns:a16="http://schemas.microsoft.com/office/drawing/2014/main" id="{A1645DA7-1223-A852-03A9-2DC523DAAC62}"/>
+              </a:ext>
+            </a:extLst>
+          </p:cNvPr>
+          <p:cNvPicPr>
+            <a:picLocks noChangeAspect="1"/>
+          </p:cNvPicPr>
+          <p:nvPr/>
+        </p:nvPicPr>
+        <p:blipFill>
+          <a:blip r:embed="rId3"/>
+          <a:srcRect l="1938" r="2627"/>
+          <a:stretch/>
+        </p:blipFill>
+        <p:spPr>
+          <a:xfrm>
+            <a:off x="621720" y="2266788"/>
+            <a:ext cx="3572933" cy="2324424"/>
+          </a:xfrm>
+          <a:prstGeom prst="rect">
+            <a:avLst/>
+          </a:prstGeom>
+          <a:ln w="38100" cap="sq">
+            <a:solidFill>
+              <a:srgbClr val="000000"/>
+            </a:solidFill>
+            <a:prstDash val="solid"/>
+            <a:miter lim="800000"/>
+          </a:ln>
+          <a:effectLst>
+            <a:outerShdw blurRad="50800" dist="38100" dir="2700000" algn="tl" rotWithShape="0">
+              <a:srgbClr val="000000">
+                <a:alpha val="43000"/>
+              </a:srgbClr>
+            </a:outerShdw>
+          </a:effectLst>
+        </p:spPr>
+      </p:pic>
+      <p:pic>
+        <p:nvPicPr>
+          <p:cNvPr id="5" name="Imagem 4">
+            <a:extLst>
+              <a:ext uri="{FF2B5EF4-FFF2-40B4-BE49-F238E27FC236}">
+                <a16:creationId xmlns:a16="http://schemas.microsoft.com/office/drawing/2014/main" id="{9BE8147F-E791-5771-F955-4E2BAB2E4D08}"/>
+              </a:ext>
+            </a:extLst>
+          </p:cNvPr>
+          <p:cNvPicPr>
+            <a:picLocks noChangeAspect="1"/>
+          </p:cNvPicPr>
+          <p:nvPr/>
+        </p:nvPicPr>
+        <p:blipFill>
+          <a:blip r:embed="rId4"/>
+          <a:stretch>
+            <a:fillRect/>
+          </a:stretch>
+        </p:blipFill>
+        <p:spPr>
+          <a:xfrm>
+            <a:off x="4408819" y="1828800"/>
+            <a:ext cx="3372321" cy="3353268"/>
+          </a:xfrm>
+          <a:prstGeom prst="rect">
+            <a:avLst/>
+          </a:prstGeom>
+          <a:ln w="38100" cap="sq">
+            <a:solidFill>
+              <a:srgbClr val="000000"/>
+            </a:solidFill>
+            <a:prstDash val="solid"/>
+            <a:miter lim="800000"/>
+          </a:ln>
+          <a:effectLst>
+            <a:outerShdw blurRad="50800" dist="38100" dir="2700000" algn="tl" rotWithShape="0">
+              <a:srgbClr val="000000">
+                <a:alpha val="43000"/>
+              </a:srgbClr>
+            </a:outerShdw>
+          </a:effectLst>
+        </p:spPr>
+      </p:pic>
+      <p:pic>
+        <p:nvPicPr>
+          <p:cNvPr id="7" name="Imagem 6">
+            <a:extLst>
+              <a:ext uri="{FF2B5EF4-FFF2-40B4-BE49-F238E27FC236}">
+                <a16:creationId xmlns:a16="http://schemas.microsoft.com/office/drawing/2014/main" id="{1F2013A2-0D03-7FCD-B343-782C51886C47}"/>
+              </a:ext>
+            </a:extLst>
+          </p:cNvPr>
+          <p:cNvPicPr>
+            <a:picLocks noChangeAspect="1"/>
+          </p:cNvPicPr>
+          <p:nvPr/>
+        </p:nvPicPr>
+        <p:blipFill>
+          <a:blip r:embed="rId5"/>
+          <a:stretch>
+            <a:fillRect/>
+          </a:stretch>
+        </p:blipFill>
+        <p:spPr>
+          <a:xfrm>
+            <a:off x="7995306" y="2166761"/>
+            <a:ext cx="3829584" cy="2524477"/>
+          </a:xfrm>
+          <a:prstGeom prst="rect">
+            <a:avLst/>
+          </a:prstGeom>
+          <a:ln w="38100" cap="sq">
+            <a:solidFill>
+              <a:srgbClr val="000000"/>
+            </a:solidFill>
+            <a:prstDash val="solid"/>
+            <a:miter lim="800000"/>
+          </a:ln>
+          <a:effectLst>
+            <a:outerShdw blurRad="50800" dist="38100" dir="2700000" algn="tl" rotWithShape="0">
+              <a:srgbClr val="000000">
+                <a:alpha val="43000"/>
+              </a:srgbClr>
+            </a:outerShdw>
+          </a:effectLst>
+        </p:spPr>
+      </p:pic>
     </p:spTree>
     <p:extLst>
       <p:ext uri="{BB962C8B-B14F-4D97-AF65-F5344CB8AC3E}">
@@ -5294,7 +6369,652 @@
 </p:sld>
 </file>
 
-<file path=ppt/slides/slide14.xml><?xml version="1.0" encoding="utf-8"?>
+<file path=ppt/slides/slide16.xml><?xml version="1.0" encoding="utf-8"?>
+<p:sld xmlns:a="http://schemas.openxmlformats.org/drawingml/2006/main" xmlns:r="http://schemas.openxmlformats.org/officeDocument/2006/relationships" xmlns:p="http://schemas.openxmlformats.org/presentationml/2006/main" show="0">
+  <p:cSld>
+    <p:spTree>
+      <p:nvGrpSpPr>
+        <p:cNvPr id="1" name="">
+          <a:extLst>
+            <a:ext uri="{FF2B5EF4-FFF2-40B4-BE49-F238E27FC236}">
+              <a16:creationId xmlns:a16="http://schemas.microsoft.com/office/drawing/2014/main" id="{056E4837-4A72-2EC1-C42C-823AE6FB73C0}"/>
+            </a:ext>
+          </a:extLst>
+        </p:cNvPr>
+        <p:cNvGrpSpPr/>
+        <p:nvPr/>
+      </p:nvGrpSpPr>
+      <p:grpSpPr>
+        <a:xfrm>
+          <a:off x="0" y="0"/>
+          <a:ext cx="0" cy="0"/>
+          <a:chOff x="0" y="0"/>
+          <a:chExt cx="0" cy="0"/>
+        </a:xfrm>
+      </p:grpSpPr>
+      <p:sp>
+        <p:nvSpPr>
+          <p:cNvPr id="56" name="PlaceHolder 1">
+            <a:extLst>
+              <a:ext uri="{FF2B5EF4-FFF2-40B4-BE49-F238E27FC236}">
+                <a16:creationId xmlns:a16="http://schemas.microsoft.com/office/drawing/2014/main" id="{955800E1-82FE-1091-36A9-B24BE36E7A49}"/>
+              </a:ext>
+            </a:extLst>
+          </p:cNvPr>
+          <p:cNvSpPr>
+            <a:spLocks noGrp="1"/>
+          </p:cNvSpPr>
+          <p:nvPr>
+            <p:ph type="title"/>
+          </p:nvPr>
+        </p:nvSpPr>
+        <p:spPr>
+          <a:xfrm>
+            <a:off x="1525680" y="275040"/>
+            <a:ext cx="9141840" cy="1153080"/>
+          </a:xfrm>
+          <a:prstGeom prst="rect">
+            <a:avLst/>
+          </a:prstGeom>
+          <a:noFill/>
+          <a:ln w="0">
+            <a:noFill/>
+          </a:ln>
+        </p:spPr>
+        <p:txBody>
+          <a:bodyPr lIns="0" tIns="0" rIns="0" bIns="0" anchor="b">
+            <a:noAutofit/>
+          </a:bodyPr>
+          <a:lstStyle/>
+          <a:p>
+            <a:pPr algn="ctr">
+              <a:lnSpc>
+                <a:spcPct val="90000"/>
+              </a:lnSpc>
+              <a:buNone/>
+            </a:pPr>
+            <a:r>
+              <a:rPr lang="pt-PT" sz="4000" b="0" strike="noStrike" spc="-1" dirty="0">
+                <a:solidFill>
+                  <a:srgbClr val="870F11"/>
+                </a:solidFill>
+                <a:latin typeface="Calibri"/>
+              </a:rPr>
+              <a:t>Apresentação e explicação da</a:t>
+            </a:r>
+            <a:br>
+              <a:rPr lang="pt-PT" sz="4000" b="0" strike="noStrike" spc="-1" dirty="0">
+                <a:solidFill>
+                  <a:srgbClr val="870F11"/>
+                </a:solidFill>
+                <a:latin typeface="Calibri"/>
+              </a:rPr>
+            </a:br>
+            <a:r>
+              <a:rPr lang="pt-PT" sz="4000" b="0" strike="noStrike" spc="-1" dirty="0">
+                <a:solidFill>
+                  <a:srgbClr val="870F11"/>
+                </a:solidFill>
+                <a:latin typeface="Calibri"/>
+              </a:rPr>
+              <a:t>base de dados implementada</a:t>
+            </a:r>
+            <a:endParaRPr lang="en-US" sz="4000" b="0" strike="noStrike" spc="-1" dirty="0">
+              <a:latin typeface="Arial"/>
+            </a:endParaRPr>
+          </a:p>
+        </p:txBody>
+      </p:sp>
+      <p:sp>
+        <p:nvSpPr>
+          <p:cNvPr id="57" name="Retângulo 4">
+            <a:extLst>
+              <a:ext uri="{FF2B5EF4-FFF2-40B4-BE49-F238E27FC236}">
+                <a16:creationId xmlns:a16="http://schemas.microsoft.com/office/drawing/2014/main" id="{9731862E-DE81-F6A2-E7BB-3087EC8567B4}"/>
+              </a:ext>
+            </a:extLst>
+          </p:cNvPr>
+          <p:cNvSpPr/>
+          <p:nvPr/>
+        </p:nvSpPr>
+        <p:spPr>
+          <a:xfrm>
+            <a:off x="0" y="6233760"/>
+            <a:ext cx="12189960" cy="622080"/>
+          </a:xfrm>
+          <a:prstGeom prst="rect">
+            <a:avLst/>
+          </a:prstGeom>
+          <a:solidFill>
+            <a:srgbClr val="870F11"/>
+          </a:solidFill>
+          <a:ln>
+            <a:solidFill>
+              <a:srgbClr val="870F11"/>
+            </a:solidFill>
+          </a:ln>
+        </p:spPr>
+        <p:style>
+          <a:lnRef idx="2">
+            <a:schemeClr val="accent1">
+              <a:shade val="50000"/>
+            </a:schemeClr>
+          </a:lnRef>
+          <a:fillRef idx="1">
+            <a:schemeClr val="accent1"/>
+          </a:fillRef>
+          <a:effectRef idx="0">
+            <a:schemeClr val="accent1"/>
+          </a:effectRef>
+          <a:fontRef idx="minor"/>
+        </p:style>
+        <p:txBody>
+          <a:bodyPr/>
+          <a:lstStyle/>
+          <a:p>
+            <a:endParaRPr lang="pt-PT"/>
+          </a:p>
+        </p:txBody>
+      </p:sp>
+      <p:pic>
+        <p:nvPicPr>
+          <p:cNvPr id="59" name="Imagem 3">
+            <a:extLst>
+              <a:ext uri="{FF2B5EF4-FFF2-40B4-BE49-F238E27FC236}">
+                <a16:creationId xmlns:a16="http://schemas.microsoft.com/office/drawing/2014/main" id="{B02D5DD0-1053-DBD8-DF6A-B4A55097DDE3}"/>
+              </a:ext>
+            </a:extLst>
+          </p:cNvPr>
+          <p:cNvPicPr/>
+          <p:nvPr/>
+        </p:nvPicPr>
+        <p:blipFill>
+          <a:blip r:embed="rId2"/>
+          <a:stretch/>
+        </p:blipFill>
+        <p:spPr>
+          <a:xfrm>
+            <a:off x="3240" y="6261480"/>
+            <a:ext cx="1236960" cy="709200"/>
+          </a:xfrm>
+          <a:prstGeom prst="rect">
+            <a:avLst/>
+          </a:prstGeom>
+          <a:ln w="0">
+            <a:noFill/>
+          </a:ln>
+        </p:spPr>
+      </p:pic>
+      <p:sp>
+        <p:nvSpPr>
+          <p:cNvPr id="60" name="CaixaDeTexto 1">
+            <a:extLst>
+              <a:ext uri="{FF2B5EF4-FFF2-40B4-BE49-F238E27FC236}">
+                <a16:creationId xmlns:a16="http://schemas.microsoft.com/office/drawing/2014/main" id="{260981F1-9E6F-FAC0-41AF-F4920925F553}"/>
+              </a:ext>
+            </a:extLst>
+          </p:cNvPr>
+          <p:cNvSpPr/>
+          <p:nvPr/>
+        </p:nvSpPr>
+        <p:spPr>
+          <a:xfrm>
+            <a:off x="6629400" y="6362640"/>
+            <a:ext cx="5855760" cy="337100"/>
+          </a:xfrm>
+          <a:prstGeom prst="rect">
+            <a:avLst/>
+          </a:prstGeom>
+          <a:noFill/>
+          <a:ln w="0">
+            <a:noFill/>
+          </a:ln>
+        </p:spPr>
+        <p:style>
+          <a:lnRef idx="0">
+            <a:scrgbClr r="0" g="0" b="0"/>
+          </a:lnRef>
+          <a:fillRef idx="0">
+            <a:scrgbClr r="0" g="0" b="0"/>
+          </a:fillRef>
+          <a:effectRef idx="0">
+            <a:scrgbClr r="0" g="0" b="0"/>
+          </a:effectRef>
+          <a:fontRef idx="minor"/>
+        </p:style>
+        <p:txBody>
+          <a:bodyPr vertOverflow="overflow" horzOverflow="overflow" lIns="90000" tIns="45000" rIns="90000" bIns="45000" numCol="1" spcCol="0" anchor="t">
+            <a:spAutoFit/>
+          </a:bodyPr>
+          <a:lstStyle/>
+          <a:p>
+            <a:pPr>
+              <a:lnSpc>
+                <a:spcPct val="100000"/>
+              </a:lnSpc>
+              <a:buNone/>
+            </a:pPr>
+            <a:r>
+              <a:rPr lang="pt-PT" sz="1600" b="0" strike="noStrike" spc="-1" dirty="0">
+                <a:solidFill>
+                  <a:srgbClr val="FFFFFF"/>
+                </a:solidFill>
+                <a:latin typeface="Calibri"/>
+                <a:ea typeface="DejaVu Sans"/>
+              </a:rPr>
+              <a:t>Bases de Dados – Jogos Olímpicos   |   Parte 2 - Grupo 8</a:t>
+            </a:r>
+            <a:endParaRPr lang="en-US" sz="1600" b="0" strike="noStrike" spc="-1" dirty="0">
+              <a:latin typeface="Arial"/>
+            </a:endParaRPr>
+          </a:p>
+        </p:txBody>
+      </p:sp>
+      <p:pic>
+        <p:nvPicPr>
+          <p:cNvPr id="3" name="Imagem 2">
+            <a:extLst>
+              <a:ext uri="{FF2B5EF4-FFF2-40B4-BE49-F238E27FC236}">
+                <a16:creationId xmlns:a16="http://schemas.microsoft.com/office/drawing/2014/main" id="{7D62E462-7E51-EB9C-2690-8006EC608A59}"/>
+              </a:ext>
+            </a:extLst>
+          </p:cNvPr>
+          <p:cNvPicPr>
+            <a:picLocks noChangeAspect="1"/>
+          </p:cNvPicPr>
+          <p:nvPr/>
+        </p:nvPicPr>
+        <p:blipFill>
+          <a:blip r:embed="rId3"/>
+          <a:stretch>
+            <a:fillRect/>
+          </a:stretch>
+        </p:blipFill>
+        <p:spPr>
+          <a:xfrm>
+            <a:off x="2408291" y="1715812"/>
+            <a:ext cx="3686689" cy="3934374"/>
+          </a:xfrm>
+          <a:prstGeom prst="rect">
+            <a:avLst/>
+          </a:prstGeom>
+          <a:ln w="38100" cap="sq">
+            <a:solidFill>
+              <a:srgbClr val="000000"/>
+            </a:solidFill>
+            <a:prstDash val="solid"/>
+            <a:miter lim="800000"/>
+          </a:ln>
+          <a:effectLst>
+            <a:outerShdw blurRad="50800" dist="38100" dir="2700000" algn="tl" rotWithShape="0">
+              <a:srgbClr val="000000">
+                <a:alpha val="43000"/>
+              </a:srgbClr>
+            </a:outerShdw>
+          </a:effectLst>
+        </p:spPr>
+      </p:pic>
+      <p:pic>
+        <p:nvPicPr>
+          <p:cNvPr id="5" name="Imagem 4">
+            <a:extLst>
+              <a:ext uri="{FF2B5EF4-FFF2-40B4-BE49-F238E27FC236}">
+                <a16:creationId xmlns:a16="http://schemas.microsoft.com/office/drawing/2014/main" id="{84222964-6139-1D28-736B-07F1F7D2C89B}"/>
+              </a:ext>
+            </a:extLst>
+          </p:cNvPr>
+          <p:cNvPicPr>
+            <a:picLocks noChangeAspect="1"/>
+          </p:cNvPicPr>
+          <p:nvPr/>
+        </p:nvPicPr>
+        <p:blipFill>
+          <a:blip r:embed="rId4"/>
+          <a:stretch>
+            <a:fillRect/>
+          </a:stretch>
+        </p:blipFill>
+        <p:spPr>
+          <a:xfrm>
+            <a:off x="6370725" y="2535076"/>
+            <a:ext cx="3867690" cy="2295845"/>
+          </a:xfrm>
+          <a:prstGeom prst="rect">
+            <a:avLst/>
+          </a:prstGeom>
+          <a:ln w="38100" cap="sq">
+            <a:solidFill>
+              <a:srgbClr val="000000"/>
+            </a:solidFill>
+            <a:prstDash val="solid"/>
+            <a:miter lim="800000"/>
+          </a:ln>
+          <a:effectLst>
+            <a:outerShdw blurRad="50800" dist="38100" dir="2700000" algn="tl" rotWithShape="0">
+              <a:srgbClr val="000000">
+                <a:alpha val="43000"/>
+              </a:srgbClr>
+            </a:outerShdw>
+          </a:effectLst>
+        </p:spPr>
+      </p:pic>
+    </p:spTree>
+    <p:extLst>
+      <p:ext uri="{BB962C8B-B14F-4D97-AF65-F5344CB8AC3E}">
+        <p14:creationId xmlns:p14="http://schemas.microsoft.com/office/powerpoint/2010/main" val="132811513"/>
+      </p:ext>
+    </p:extLst>
+  </p:cSld>
+  <p:clrMapOvr>
+    <a:masterClrMapping/>
+  </p:clrMapOvr>
+</p:sld>
+</file>
+
+<file path=ppt/slides/slide17.xml><?xml version="1.0" encoding="utf-8"?>
+<p:sld xmlns:a="http://schemas.openxmlformats.org/drawingml/2006/main" xmlns:r="http://schemas.openxmlformats.org/officeDocument/2006/relationships" xmlns:p="http://schemas.openxmlformats.org/presentationml/2006/main" show="0">
+  <p:cSld>
+    <p:spTree>
+      <p:nvGrpSpPr>
+        <p:cNvPr id="1" name="">
+          <a:extLst>
+            <a:ext uri="{FF2B5EF4-FFF2-40B4-BE49-F238E27FC236}">
+              <a16:creationId xmlns:a16="http://schemas.microsoft.com/office/drawing/2014/main" id="{EC1B02B5-7C5F-1794-ACAA-B80A395903CE}"/>
+            </a:ext>
+          </a:extLst>
+        </p:cNvPr>
+        <p:cNvGrpSpPr/>
+        <p:nvPr/>
+      </p:nvGrpSpPr>
+      <p:grpSpPr>
+        <a:xfrm>
+          <a:off x="0" y="0"/>
+          <a:ext cx="0" cy="0"/>
+          <a:chOff x="0" y="0"/>
+          <a:chExt cx="0" cy="0"/>
+        </a:xfrm>
+      </p:grpSpPr>
+      <p:sp>
+        <p:nvSpPr>
+          <p:cNvPr id="56" name="PlaceHolder 1">
+            <a:extLst>
+              <a:ext uri="{FF2B5EF4-FFF2-40B4-BE49-F238E27FC236}">
+                <a16:creationId xmlns:a16="http://schemas.microsoft.com/office/drawing/2014/main" id="{13D40603-5E11-4974-F709-9BEC01990AFA}"/>
+              </a:ext>
+            </a:extLst>
+          </p:cNvPr>
+          <p:cNvSpPr>
+            <a:spLocks noGrp="1"/>
+          </p:cNvSpPr>
+          <p:nvPr>
+            <p:ph type="title"/>
+          </p:nvPr>
+        </p:nvSpPr>
+        <p:spPr>
+          <a:xfrm>
+            <a:off x="1525680" y="275040"/>
+            <a:ext cx="9141840" cy="1153080"/>
+          </a:xfrm>
+          <a:prstGeom prst="rect">
+            <a:avLst/>
+          </a:prstGeom>
+          <a:noFill/>
+          <a:ln w="0">
+            <a:noFill/>
+          </a:ln>
+        </p:spPr>
+        <p:txBody>
+          <a:bodyPr lIns="0" tIns="0" rIns="0" bIns="0" anchor="b">
+            <a:noAutofit/>
+          </a:bodyPr>
+          <a:lstStyle/>
+          <a:p>
+            <a:pPr algn="ctr">
+              <a:lnSpc>
+                <a:spcPct val="90000"/>
+              </a:lnSpc>
+              <a:buNone/>
+            </a:pPr>
+            <a:r>
+              <a:rPr lang="pt-PT" sz="4000" b="0" strike="noStrike" spc="-1" dirty="0">
+                <a:solidFill>
+                  <a:srgbClr val="870F11"/>
+                </a:solidFill>
+                <a:latin typeface="Calibri"/>
+              </a:rPr>
+              <a:t>Cálculo do …</a:t>
+            </a:r>
+            <a:endParaRPr lang="en-US" sz="4000" b="0" strike="noStrike" spc="-1" dirty="0">
+              <a:latin typeface="Arial"/>
+            </a:endParaRPr>
+          </a:p>
+        </p:txBody>
+      </p:sp>
+      <p:sp>
+        <p:nvSpPr>
+          <p:cNvPr id="57" name="Retângulo 4">
+            <a:extLst>
+              <a:ext uri="{FF2B5EF4-FFF2-40B4-BE49-F238E27FC236}">
+                <a16:creationId xmlns:a16="http://schemas.microsoft.com/office/drawing/2014/main" id="{6BC935C0-F318-ED1B-B924-E43634BA47FA}"/>
+              </a:ext>
+            </a:extLst>
+          </p:cNvPr>
+          <p:cNvSpPr/>
+          <p:nvPr/>
+        </p:nvSpPr>
+        <p:spPr>
+          <a:xfrm>
+            <a:off x="0" y="6233760"/>
+            <a:ext cx="12189960" cy="622080"/>
+          </a:xfrm>
+          <a:prstGeom prst="rect">
+            <a:avLst/>
+          </a:prstGeom>
+          <a:solidFill>
+            <a:srgbClr val="870F11"/>
+          </a:solidFill>
+          <a:ln>
+            <a:solidFill>
+              <a:srgbClr val="870F11"/>
+            </a:solidFill>
+          </a:ln>
+        </p:spPr>
+        <p:style>
+          <a:lnRef idx="2">
+            <a:schemeClr val="accent1">
+              <a:shade val="50000"/>
+            </a:schemeClr>
+          </a:lnRef>
+          <a:fillRef idx="1">
+            <a:schemeClr val="accent1"/>
+          </a:fillRef>
+          <a:effectRef idx="0">
+            <a:schemeClr val="accent1"/>
+          </a:effectRef>
+          <a:fontRef idx="minor"/>
+        </p:style>
+        <p:txBody>
+          <a:bodyPr/>
+          <a:lstStyle/>
+          <a:p>
+            <a:endParaRPr lang="pt-PT"/>
+          </a:p>
+        </p:txBody>
+      </p:sp>
+      <p:sp>
+        <p:nvSpPr>
+          <p:cNvPr id="58" name="CaixaDeTexto 5">
+            <a:extLst>
+              <a:ext uri="{FF2B5EF4-FFF2-40B4-BE49-F238E27FC236}">
+                <a16:creationId xmlns:a16="http://schemas.microsoft.com/office/drawing/2014/main" id="{000EE36B-775F-42E2-7D51-491AAF44DD7D}"/>
+              </a:ext>
+            </a:extLst>
+          </p:cNvPr>
+          <p:cNvSpPr/>
+          <p:nvPr/>
+        </p:nvSpPr>
+        <p:spPr>
+          <a:xfrm>
+            <a:off x="1489680" y="1828800"/>
+            <a:ext cx="9024480" cy="829543"/>
+          </a:xfrm>
+          <a:prstGeom prst="rect">
+            <a:avLst/>
+          </a:prstGeom>
+          <a:noFill/>
+          <a:ln w="0">
+            <a:noFill/>
+          </a:ln>
+        </p:spPr>
+        <p:style>
+          <a:lnRef idx="0">
+            <a:scrgbClr r="0" g="0" b="0"/>
+          </a:lnRef>
+          <a:fillRef idx="0">
+            <a:scrgbClr r="0" g="0" b="0"/>
+          </a:fillRef>
+          <a:effectRef idx="0">
+            <a:scrgbClr r="0" g="0" b="0"/>
+          </a:effectRef>
+          <a:fontRef idx="minor"/>
+        </p:style>
+        <p:txBody>
+          <a:bodyPr vertOverflow="overflow" horzOverflow="overflow" lIns="90000" tIns="45000" rIns="90000" bIns="45000" numCol="1" spcCol="0" anchor="t">
+            <a:spAutoFit/>
+          </a:bodyPr>
+          <a:lstStyle/>
+          <a:p>
+            <a:pPr algn="ctr">
+              <a:lnSpc>
+                <a:spcPct val="100000"/>
+              </a:lnSpc>
+              <a:buNone/>
+            </a:pPr>
+            <a:endParaRPr lang="en-US" sz="2400" b="0" strike="noStrike" spc="-1" dirty="0">
+              <a:latin typeface="Arial"/>
+            </a:endParaRPr>
+          </a:p>
+          <a:p>
+            <a:pPr algn="ctr">
+              <a:lnSpc>
+                <a:spcPct val="100000"/>
+              </a:lnSpc>
+              <a:buNone/>
+            </a:pPr>
+            <a:endParaRPr lang="en-US" sz="2400" b="0" strike="noStrike" spc="-1" dirty="0">
+              <a:latin typeface="Arial"/>
+            </a:endParaRPr>
+          </a:p>
+        </p:txBody>
+      </p:sp>
+      <p:pic>
+        <p:nvPicPr>
+          <p:cNvPr id="59" name="Imagem 3">
+            <a:extLst>
+              <a:ext uri="{FF2B5EF4-FFF2-40B4-BE49-F238E27FC236}">
+                <a16:creationId xmlns:a16="http://schemas.microsoft.com/office/drawing/2014/main" id="{42630B68-09F2-DE78-75F9-2E3190A0CF47}"/>
+              </a:ext>
+            </a:extLst>
+          </p:cNvPr>
+          <p:cNvPicPr/>
+          <p:nvPr/>
+        </p:nvPicPr>
+        <p:blipFill>
+          <a:blip r:embed="rId2"/>
+          <a:stretch/>
+        </p:blipFill>
+        <p:spPr>
+          <a:xfrm>
+            <a:off x="3240" y="6261480"/>
+            <a:ext cx="1236960" cy="709200"/>
+          </a:xfrm>
+          <a:prstGeom prst="rect">
+            <a:avLst/>
+          </a:prstGeom>
+          <a:ln w="0">
+            <a:noFill/>
+          </a:ln>
+        </p:spPr>
+      </p:pic>
+      <p:sp>
+        <p:nvSpPr>
+          <p:cNvPr id="60" name="CaixaDeTexto 1">
+            <a:extLst>
+              <a:ext uri="{FF2B5EF4-FFF2-40B4-BE49-F238E27FC236}">
+                <a16:creationId xmlns:a16="http://schemas.microsoft.com/office/drawing/2014/main" id="{3DB68C47-DD42-7B79-4BC8-37CEC544AD53}"/>
+              </a:ext>
+            </a:extLst>
+          </p:cNvPr>
+          <p:cNvSpPr/>
+          <p:nvPr/>
+        </p:nvSpPr>
+        <p:spPr>
+          <a:xfrm>
+            <a:off x="6629400" y="6362640"/>
+            <a:ext cx="5855760" cy="337100"/>
+          </a:xfrm>
+          <a:prstGeom prst="rect">
+            <a:avLst/>
+          </a:prstGeom>
+          <a:noFill/>
+          <a:ln w="0">
+            <a:noFill/>
+          </a:ln>
+        </p:spPr>
+        <p:style>
+          <a:lnRef idx="0">
+            <a:scrgbClr r="0" g="0" b="0"/>
+          </a:lnRef>
+          <a:fillRef idx="0">
+            <a:scrgbClr r="0" g="0" b="0"/>
+          </a:fillRef>
+          <a:effectRef idx="0">
+            <a:scrgbClr r="0" g="0" b="0"/>
+          </a:effectRef>
+          <a:fontRef idx="minor"/>
+        </p:style>
+        <p:txBody>
+          <a:bodyPr vertOverflow="overflow" horzOverflow="overflow" lIns="90000" tIns="45000" rIns="90000" bIns="45000" numCol="1" spcCol="0" anchor="t">
+            <a:spAutoFit/>
+          </a:bodyPr>
+          <a:lstStyle/>
+          <a:p>
+            <a:pPr>
+              <a:lnSpc>
+                <a:spcPct val="100000"/>
+              </a:lnSpc>
+              <a:buNone/>
+            </a:pPr>
+            <a:r>
+              <a:rPr lang="pt-PT" sz="1600" b="0" strike="noStrike" spc="-1" dirty="0">
+                <a:solidFill>
+                  <a:srgbClr val="FFFFFF"/>
+                </a:solidFill>
+                <a:latin typeface="Calibri"/>
+                <a:ea typeface="DejaVu Sans"/>
+              </a:rPr>
+              <a:t>Bases de Dados – Jogos Olímpicos   |   Parte 2 - Grupo 8</a:t>
+            </a:r>
+            <a:endParaRPr lang="en-US" sz="1600" b="0" strike="noStrike" spc="-1" dirty="0">
+              <a:latin typeface="Arial"/>
+            </a:endParaRPr>
+          </a:p>
+        </p:txBody>
+      </p:sp>
+    </p:spTree>
+    <p:extLst>
+      <p:ext uri="{BB962C8B-B14F-4D97-AF65-F5344CB8AC3E}">
+        <p14:creationId xmlns:p14="http://schemas.microsoft.com/office/powerpoint/2010/main" val="470089919"/>
+      </p:ext>
+    </p:extLst>
+  </p:cSld>
+  <p:clrMapOvr>
+    <a:masterClrMapping/>
+  </p:clrMapOvr>
+</p:sld>
+</file>
+
+<file path=ppt/slides/slide18.xml><?xml version="1.0" encoding="utf-8"?>
 <p:sld xmlns:a="http://schemas.openxmlformats.org/drawingml/2006/main" xmlns:r="http://schemas.openxmlformats.org/officeDocument/2006/relationships" xmlns:p="http://schemas.openxmlformats.org/presentationml/2006/main" show="0">
   <p:cSld>
     <p:spTree>
@@ -7019,66 +8739,6 @@
           </a:p>
         </p:txBody>
       </p:sp>
-      <p:sp>
-        <p:nvSpPr>
-          <p:cNvPr id="58" name="CaixaDeTexto 5"/>
-          <p:cNvSpPr/>
-          <p:nvPr/>
-        </p:nvSpPr>
-        <p:spPr>
-          <a:xfrm>
-            <a:off x="1489680" y="1828800"/>
-            <a:ext cx="9024480" cy="829543"/>
-          </a:xfrm>
-          <a:prstGeom prst="rect">
-            <a:avLst/>
-          </a:prstGeom>
-          <a:noFill/>
-          <a:ln w="0">
-            <a:noFill/>
-          </a:ln>
-        </p:spPr>
-        <p:style>
-          <a:lnRef idx="0">
-            <a:scrgbClr r="0" g="0" b="0"/>
-          </a:lnRef>
-          <a:fillRef idx="0">
-            <a:scrgbClr r="0" g="0" b="0"/>
-          </a:fillRef>
-          <a:effectRef idx="0">
-            <a:scrgbClr r="0" g="0" b="0"/>
-          </a:effectRef>
-          <a:fontRef idx="minor"/>
-        </p:style>
-        <p:txBody>
-          <a:bodyPr vertOverflow="overflow" horzOverflow="overflow" lIns="90000" tIns="45000" rIns="90000" bIns="45000" numCol="1" spcCol="0" anchor="t">
-            <a:spAutoFit/>
-          </a:bodyPr>
-          <a:lstStyle/>
-          <a:p>
-            <a:pPr algn="ctr">
-              <a:lnSpc>
-                <a:spcPct val="100000"/>
-              </a:lnSpc>
-              <a:buNone/>
-            </a:pPr>
-            <a:endParaRPr lang="en-US" sz="2400" b="0" strike="noStrike" spc="-1" dirty="0">
-              <a:latin typeface="Arial"/>
-            </a:endParaRPr>
-          </a:p>
-          <a:p>
-            <a:pPr algn="ctr">
-              <a:lnSpc>
-                <a:spcPct val="100000"/>
-              </a:lnSpc>
-              <a:buNone/>
-            </a:pPr>
-            <a:endParaRPr lang="en-US" sz="2400" b="0" strike="noStrike" spc="-1" dirty="0">
-              <a:latin typeface="Arial"/>
-            </a:endParaRPr>
-          </a:p>
-        </p:txBody>
-      </p:sp>
       <p:pic>
         <p:nvPicPr>
           <p:cNvPr id="59" name="Imagem 3"/>
@@ -7475,7 +9135,7 @@
         <p:cNvPr id="1" name="">
           <a:extLst>
             <a:ext uri="{FF2B5EF4-FFF2-40B4-BE49-F238E27FC236}">
-              <a16:creationId xmlns:a16="http://schemas.microsoft.com/office/drawing/2014/main" id="{307F866C-7FA7-EE65-BADB-B66B7F667A55}"/>
+              <a16:creationId xmlns:a16="http://schemas.microsoft.com/office/drawing/2014/main" id="{55F0B60A-90C2-02B5-B78C-C620608E5C56}"/>
             </a:ext>
           </a:extLst>
         </p:cNvPr>
@@ -7495,7 +9155,7 @@
           <p:cNvPr id="56" name="PlaceHolder 1">
             <a:extLst>
               <a:ext uri="{FF2B5EF4-FFF2-40B4-BE49-F238E27FC236}">
-                <a16:creationId xmlns:a16="http://schemas.microsoft.com/office/drawing/2014/main" id="{D366A124-EF9E-F6D8-3FBC-DACDDB84361F}"/>
+                <a16:creationId xmlns:a16="http://schemas.microsoft.com/office/drawing/2014/main" id="{9AF3B4C5-337F-C61C-7DAB-39F127F964D4}"/>
               </a:ext>
             </a:extLst>
           </p:cNvPr>
@@ -7568,7 +9228,7 @@
           <p:cNvPr id="57" name="Retângulo 4">
             <a:extLst>
               <a:ext uri="{FF2B5EF4-FFF2-40B4-BE49-F238E27FC236}">
-                <a16:creationId xmlns:a16="http://schemas.microsoft.com/office/drawing/2014/main" id="{911C07AA-1CF9-01D3-8FBD-0D770D6351FB}"/>
+                <a16:creationId xmlns:a16="http://schemas.microsoft.com/office/drawing/2014/main" id="{235D3EC9-9C58-C536-EF9E-1A0AEB6EC7C2}"/>
               </a:ext>
             </a:extLst>
           </p:cNvPr>
@@ -7614,12 +9274,41 @@
           </a:p>
         </p:txBody>
       </p:sp>
-      <p:sp>
-        <p:nvSpPr>
-          <p:cNvPr id="58" name="CaixaDeTexto 5">
+      <p:pic>
+        <p:nvPicPr>
+          <p:cNvPr id="59" name="Imagem 3">
             <a:extLst>
               <a:ext uri="{FF2B5EF4-FFF2-40B4-BE49-F238E27FC236}">
-                <a16:creationId xmlns:a16="http://schemas.microsoft.com/office/drawing/2014/main" id="{3A397662-48C6-60DB-7AB8-B1BA4C10564A}"/>
+                <a16:creationId xmlns:a16="http://schemas.microsoft.com/office/drawing/2014/main" id="{ADBD1F41-3ACE-9D23-EE9A-FBB42384D063}"/>
+              </a:ext>
+            </a:extLst>
+          </p:cNvPr>
+          <p:cNvPicPr/>
+          <p:nvPr/>
+        </p:nvPicPr>
+        <p:blipFill>
+          <a:blip r:embed="rId2"/>
+          <a:stretch/>
+        </p:blipFill>
+        <p:spPr>
+          <a:xfrm>
+            <a:off x="3240" y="6261480"/>
+            <a:ext cx="1236960" cy="709200"/>
+          </a:xfrm>
+          <a:prstGeom prst="rect">
+            <a:avLst/>
+          </a:prstGeom>
+          <a:ln w="0">
+            <a:noFill/>
+          </a:ln>
+        </p:spPr>
+      </p:pic>
+      <p:sp>
+        <p:nvSpPr>
+          <p:cNvPr id="60" name="CaixaDeTexto 1">
+            <a:extLst>
+              <a:ext uri="{FF2B5EF4-FFF2-40B4-BE49-F238E27FC236}">
+                <a16:creationId xmlns:a16="http://schemas.microsoft.com/office/drawing/2014/main" id="{89BEDADD-EBD9-7D3C-566F-D0BEE3C45938}"/>
               </a:ext>
             </a:extLst>
           </p:cNvPr>
@@ -7628,8 +9317,8 @@
         </p:nvSpPr>
         <p:spPr>
           <a:xfrm>
-            <a:off x="1489680" y="1828800"/>
-            <a:ext cx="9024480" cy="829543"/>
+            <a:off x="6629400" y="6362640"/>
+            <a:ext cx="5855760" cy="337100"/>
           </a:xfrm>
           <a:prstGeom prst="rect">
             <a:avLst/>
@@ -7657,64 +9346,34 @@
           </a:bodyPr>
           <a:lstStyle/>
           <a:p>
-            <a:pPr algn="ctr">
+            <a:pPr>
               <a:lnSpc>
                 <a:spcPct val="100000"/>
               </a:lnSpc>
               <a:buNone/>
             </a:pPr>
-            <a:endParaRPr lang="en-US" sz="2400" b="0" strike="noStrike" spc="-1" dirty="0">
+            <a:r>
+              <a:rPr lang="pt-PT" sz="1600" b="0" strike="noStrike" spc="-1" dirty="0">
+                <a:solidFill>
+                  <a:srgbClr val="FFFFFF"/>
+                </a:solidFill>
+                <a:latin typeface="Calibri"/>
+                <a:ea typeface="DejaVu Sans"/>
+              </a:rPr>
+              <a:t>Bases de Dados – Jogos Olímpicos   |   Parte 2 - Grupo 8</a:t>
+            </a:r>
+            <a:endParaRPr lang="en-US" sz="1600" b="0" strike="noStrike" spc="-1" dirty="0">
               <a:latin typeface="Arial"/>
             </a:endParaRPr>
           </a:p>
-          <a:p>
-            <a:pPr algn="ctr">
-              <a:lnSpc>
-                <a:spcPct val="100000"/>
-              </a:lnSpc>
-              <a:buNone/>
-            </a:pPr>
-            <a:endParaRPr lang="en-US" sz="2400" b="0" strike="noStrike" spc="-1" dirty="0">
-              <a:latin typeface="Arial"/>
-            </a:endParaRPr>
-          </a:p>
-        </p:txBody>
-      </p:sp>
-      <p:pic>
-        <p:nvPicPr>
-          <p:cNvPr id="59" name="Imagem 3">
+        </p:txBody>
+      </p:sp>
+      <p:sp>
+        <p:nvSpPr>
+          <p:cNvPr id="2" name="CaixaDeTexto 9">
             <a:extLst>
               <a:ext uri="{FF2B5EF4-FFF2-40B4-BE49-F238E27FC236}">
-                <a16:creationId xmlns:a16="http://schemas.microsoft.com/office/drawing/2014/main" id="{C6C4D139-DC0B-58A4-3249-F27D86C031DC}"/>
-              </a:ext>
-            </a:extLst>
-          </p:cNvPr>
-          <p:cNvPicPr/>
-          <p:nvPr/>
-        </p:nvPicPr>
-        <p:blipFill>
-          <a:blip r:embed="rId2"/>
-          <a:stretch/>
-        </p:blipFill>
-        <p:spPr>
-          <a:xfrm>
-            <a:off x="3240" y="6261480"/>
-            <a:ext cx="1236960" cy="709200"/>
-          </a:xfrm>
-          <a:prstGeom prst="rect">
-            <a:avLst/>
-          </a:prstGeom>
-          <a:ln w="0">
-            <a:noFill/>
-          </a:ln>
-        </p:spPr>
-      </p:pic>
-      <p:sp>
-        <p:nvSpPr>
-          <p:cNvPr id="60" name="CaixaDeTexto 1">
-            <a:extLst>
-              <a:ext uri="{FF2B5EF4-FFF2-40B4-BE49-F238E27FC236}">
-                <a16:creationId xmlns:a16="http://schemas.microsoft.com/office/drawing/2014/main" id="{C59B8032-D2A7-8CFC-C9E5-527680FF30B4}"/>
+                <a16:creationId xmlns:a16="http://schemas.microsoft.com/office/drawing/2014/main" id="{6A2A79F4-E176-8041-B83A-C39F5B3D2BF1}"/>
               </a:ext>
             </a:extLst>
           </p:cNvPr>
@@ -7723,8 +9382,8 @@
         </p:nvSpPr>
         <p:spPr>
           <a:xfrm>
-            <a:off x="6629400" y="6362640"/>
-            <a:ext cx="5855760" cy="337100"/>
+            <a:off x="1524060" y="2023284"/>
+            <a:ext cx="9141840" cy="2811432"/>
           </a:xfrm>
           <a:prstGeom prst="rect">
             <a:avLst/>
@@ -7747,37 +9406,109 @@
           <a:fontRef idx="minor"/>
         </p:style>
         <p:txBody>
-          <a:bodyPr vertOverflow="overflow" horzOverflow="overflow" lIns="90000" tIns="45000" rIns="90000" bIns="45000" numCol="1" spcCol="0" anchor="t">
+          <a:bodyPr vertOverflow="overflow" horzOverflow="overflow" wrap="square" lIns="90000" tIns="45000" rIns="90000" bIns="45000" numCol="1" spcCol="0" anchor="t">
             <a:spAutoFit/>
           </a:bodyPr>
           <a:lstStyle/>
           <a:p>
-            <a:pPr>
+            <a:pPr marL="343080" indent="-343080">
               <a:lnSpc>
-                <a:spcPct val="100000"/>
+                <a:spcPct val="150000"/>
               </a:lnSpc>
-              <a:buNone/>
-            </a:pPr>
-            <a:r>
-              <a:rPr lang="pt-PT" sz="1600" b="0" strike="noStrike" spc="-1" dirty="0">
-                <a:solidFill>
-                  <a:srgbClr val="FFFFFF"/>
-                </a:solidFill>
-                <a:latin typeface="Calibri"/>
-                <a:ea typeface="DejaVu Sans"/>
-              </a:rPr>
-              <a:t>Bases de Dados – Jogos Olímpicos   |   Parte 2 - Grupo 8</a:t>
-            </a:r>
-            <a:endParaRPr lang="en-US" sz="1600" b="0" strike="noStrike" spc="-1" dirty="0">
-              <a:latin typeface="Arial"/>
-            </a:endParaRPr>
+              <a:buClr>
+                <a:srgbClr val="000000"/>
+              </a:buClr>
+              <a:buFont typeface="Arial"/>
+              <a:buChar char="•"/>
+            </a:pPr>
+            <a:r>
+              <a:rPr lang="en" sz="2000" spc="-1" dirty="0">
+                <a:solidFill>
+                  <a:srgbClr val="000000"/>
+                </a:solidFill>
+                <a:latin typeface="Consolas"/>
+              </a:rPr>
+              <a:t>A partir deste momento, já podemos começar a inserir as tebelas na base de dados com a instrução: </a:t>
+            </a:r>
+            <a:r>
+              <a:rPr lang="en" sz="2000" b="1" spc="-1" dirty="0">
+                <a:solidFill>
+                  <a:srgbClr val="000000"/>
+                </a:solidFill>
+                <a:latin typeface="Consolas"/>
+              </a:rPr>
+              <a:t>CREATE TABLE</a:t>
+            </a:r>
+          </a:p>
+          <a:p>
+            <a:pPr marL="343080" indent="-343080">
+              <a:lnSpc>
+                <a:spcPct val="150000"/>
+              </a:lnSpc>
+              <a:buClr>
+                <a:srgbClr val="000000"/>
+              </a:buClr>
+              <a:buFont typeface="Arial"/>
+              <a:buChar char="•"/>
+            </a:pPr>
+            <a:r>
+              <a:rPr lang="en" sz="2000" spc="-1" dirty="0">
+                <a:solidFill>
+                  <a:srgbClr val="000000"/>
+                </a:solidFill>
+                <a:latin typeface="Consolas"/>
+              </a:rPr>
+              <a:t>As primeiras tabelas a serem criadas são aquelas que não contem nenhuma chave estrangeira, ou seja:</a:t>
+            </a:r>
+          </a:p>
+          <a:p>
+            <a:pPr marL="800280" lvl="1" indent="-343080">
+              <a:lnSpc>
+                <a:spcPct val="150000"/>
+              </a:lnSpc>
+              <a:buClr>
+                <a:srgbClr val="000000"/>
+              </a:buClr>
+              <a:buFont typeface="Arial"/>
+              <a:buChar char="•"/>
+            </a:pPr>
+            <a:r>
+              <a:rPr lang="en" sz="2000" spc="-1" dirty="0">
+                <a:solidFill>
+                  <a:srgbClr val="000000"/>
+                </a:solidFill>
+                <a:latin typeface="Consolas"/>
+              </a:rPr>
+              <a:t>Competição</a:t>
+            </a:r>
+          </a:p>
+          <a:p>
+            <a:pPr marL="800280" lvl="1" indent="-343080">
+              <a:lnSpc>
+                <a:spcPct val="150000"/>
+              </a:lnSpc>
+              <a:buClr>
+                <a:srgbClr val="000000"/>
+              </a:buClr>
+              <a:buFont typeface="Arial"/>
+              <a:buChar char="•"/>
+            </a:pPr>
+            <a:r>
+              <a:rPr lang="en" sz="2000" spc="-1" dirty="0">
+                <a:solidFill>
+                  <a:srgbClr val="000000"/>
+                </a:solidFill>
+                <a:latin typeface="Consolas"/>
+              </a:rPr>
+              <a:t>Tipo</a:t>
+            </a:r>
           </a:p>
         </p:txBody>
       </p:sp>
     </p:spTree>
     <p:extLst>
       <p:ext uri="{BB962C8B-B14F-4D97-AF65-F5344CB8AC3E}">
-        <p14:creationId xmlns:p14="http://schemas.microsoft.com/office/powerpoint/2010/main" val="3779937618"/>
+        <p14:creationId xmlns:p14="http://schemas.microsoft.com/office/powerpoint/2010/main" val="1435271720"/>
       </p:ext>
     </p:extLst>
   </p:cSld>
@@ -7788,6 +9519,752 @@
 </file>
 
 <file path=ppt/slides/slide7.xml><?xml version="1.0" encoding="utf-8"?>
+<p:sld xmlns:a="http://schemas.openxmlformats.org/drawingml/2006/main" xmlns:r="http://schemas.openxmlformats.org/officeDocument/2006/relationships" xmlns:p="http://schemas.openxmlformats.org/presentationml/2006/main" show="0">
+  <p:cSld>
+    <p:spTree>
+      <p:nvGrpSpPr>
+        <p:cNvPr id="1" name="">
+          <a:extLst>
+            <a:ext uri="{FF2B5EF4-FFF2-40B4-BE49-F238E27FC236}">
+              <a16:creationId xmlns:a16="http://schemas.microsoft.com/office/drawing/2014/main" id="{9F5C86EE-B43B-167F-11A1-3E563A4F975C}"/>
+            </a:ext>
+          </a:extLst>
+        </p:cNvPr>
+        <p:cNvGrpSpPr/>
+        <p:nvPr/>
+      </p:nvGrpSpPr>
+      <p:grpSpPr>
+        <a:xfrm>
+          <a:off x="0" y="0"/>
+          <a:ext cx="0" cy="0"/>
+          <a:chOff x="0" y="0"/>
+          <a:chExt cx="0" cy="0"/>
+        </a:xfrm>
+      </p:grpSpPr>
+      <p:sp>
+        <p:nvSpPr>
+          <p:cNvPr id="56" name="PlaceHolder 1">
+            <a:extLst>
+              <a:ext uri="{FF2B5EF4-FFF2-40B4-BE49-F238E27FC236}">
+                <a16:creationId xmlns:a16="http://schemas.microsoft.com/office/drawing/2014/main" id="{1420C69D-327C-A3E5-ABF2-41968D950D74}"/>
+              </a:ext>
+            </a:extLst>
+          </p:cNvPr>
+          <p:cNvSpPr>
+            <a:spLocks noGrp="1"/>
+          </p:cNvSpPr>
+          <p:nvPr>
+            <p:ph type="title"/>
+          </p:nvPr>
+        </p:nvSpPr>
+        <p:spPr>
+          <a:xfrm>
+            <a:off x="1525680" y="275040"/>
+            <a:ext cx="9141840" cy="1153080"/>
+          </a:xfrm>
+          <a:prstGeom prst="rect">
+            <a:avLst/>
+          </a:prstGeom>
+          <a:noFill/>
+          <a:ln w="0">
+            <a:noFill/>
+          </a:ln>
+        </p:spPr>
+        <p:txBody>
+          <a:bodyPr lIns="0" tIns="0" rIns="0" bIns="0" anchor="b">
+            <a:noAutofit/>
+          </a:bodyPr>
+          <a:lstStyle/>
+          <a:p>
+            <a:pPr algn="ctr">
+              <a:lnSpc>
+                <a:spcPct val="90000"/>
+              </a:lnSpc>
+              <a:buNone/>
+            </a:pPr>
+            <a:r>
+              <a:rPr lang="pt-PT" sz="4000" b="0" strike="noStrike" spc="-1" dirty="0">
+                <a:solidFill>
+                  <a:srgbClr val="870F11"/>
+                </a:solidFill>
+                <a:latin typeface="Calibri"/>
+              </a:rPr>
+              <a:t>Apresentação e explicação da</a:t>
+            </a:r>
+            <a:br>
+              <a:rPr lang="pt-PT" sz="4000" b="0" strike="noStrike" spc="-1" dirty="0">
+                <a:solidFill>
+                  <a:srgbClr val="870F11"/>
+                </a:solidFill>
+                <a:latin typeface="Calibri"/>
+              </a:rPr>
+            </a:br>
+            <a:r>
+              <a:rPr lang="pt-PT" sz="4000" b="0" strike="noStrike" spc="-1" dirty="0">
+                <a:solidFill>
+                  <a:srgbClr val="870F11"/>
+                </a:solidFill>
+                <a:latin typeface="Calibri"/>
+              </a:rPr>
+              <a:t>base de dados implementada</a:t>
+            </a:r>
+            <a:endParaRPr lang="en-US" sz="4000" b="0" strike="noStrike" spc="-1" dirty="0">
+              <a:latin typeface="Arial"/>
+            </a:endParaRPr>
+          </a:p>
+        </p:txBody>
+      </p:sp>
+      <p:sp>
+        <p:nvSpPr>
+          <p:cNvPr id="57" name="Retângulo 4">
+            <a:extLst>
+              <a:ext uri="{FF2B5EF4-FFF2-40B4-BE49-F238E27FC236}">
+                <a16:creationId xmlns:a16="http://schemas.microsoft.com/office/drawing/2014/main" id="{08600912-DECF-2B3B-524F-A9F506F23944}"/>
+              </a:ext>
+            </a:extLst>
+          </p:cNvPr>
+          <p:cNvSpPr/>
+          <p:nvPr/>
+        </p:nvSpPr>
+        <p:spPr>
+          <a:xfrm>
+            <a:off x="0" y="6233760"/>
+            <a:ext cx="12189960" cy="622080"/>
+          </a:xfrm>
+          <a:prstGeom prst="rect">
+            <a:avLst/>
+          </a:prstGeom>
+          <a:solidFill>
+            <a:srgbClr val="870F11"/>
+          </a:solidFill>
+          <a:ln>
+            <a:solidFill>
+              <a:srgbClr val="870F11"/>
+            </a:solidFill>
+          </a:ln>
+        </p:spPr>
+        <p:style>
+          <a:lnRef idx="2">
+            <a:schemeClr val="accent1">
+              <a:shade val="50000"/>
+            </a:schemeClr>
+          </a:lnRef>
+          <a:fillRef idx="1">
+            <a:schemeClr val="accent1"/>
+          </a:fillRef>
+          <a:effectRef idx="0">
+            <a:schemeClr val="accent1"/>
+          </a:effectRef>
+          <a:fontRef idx="minor"/>
+        </p:style>
+        <p:txBody>
+          <a:bodyPr/>
+          <a:lstStyle/>
+          <a:p>
+            <a:endParaRPr lang="pt-PT"/>
+          </a:p>
+        </p:txBody>
+      </p:sp>
+      <p:pic>
+        <p:nvPicPr>
+          <p:cNvPr id="59" name="Imagem 3">
+            <a:extLst>
+              <a:ext uri="{FF2B5EF4-FFF2-40B4-BE49-F238E27FC236}">
+                <a16:creationId xmlns:a16="http://schemas.microsoft.com/office/drawing/2014/main" id="{4BAFF717-5419-96CD-DB10-A6EFCCEF8A44}"/>
+              </a:ext>
+            </a:extLst>
+          </p:cNvPr>
+          <p:cNvPicPr/>
+          <p:nvPr/>
+        </p:nvPicPr>
+        <p:blipFill>
+          <a:blip r:embed="rId2"/>
+          <a:stretch/>
+        </p:blipFill>
+        <p:spPr>
+          <a:xfrm>
+            <a:off x="3240" y="6261480"/>
+            <a:ext cx="1236960" cy="709200"/>
+          </a:xfrm>
+          <a:prstGeom prst="rect">
+            <a:avLst/>
+          </a:prstGeom>
+          <a:ln w="0">
+            <a:noFill/>
+          </a:ln>
+        </p:spPr>
+      </p:pic>
+      <p:sp>
+        <p:nvSpPr>
+          <p:cNvPr id="60" name="CaixaDeTexto 1">
+            <a:extLst>
+              <a:ext uri="{FF2B5EF4-FFF2-40B4-BE49-F238E27FC236}">
+                <a16:creationId xmlns:a16="http://schemas.microsoft.com/office/drawing/2014/main" id="{8623AE10-6F91-24E6-F3C8-DC071E8F0B33}"/>
+              </a:ext>
+            </a:extLst>
+          </p:cNvPr>
+          <p:cNvSpPr/>
+          <p:nvPr/>
+        </p:nvSpPr>
+        <p:spPr>
+          <a:xfrm>
+            <a:off x="6629400" y="6362640"/>
+            <a:ext cx="5855760" cy="337100"/>
+          </a:xfrm>
+          <a:prstGeom prst="rect">
+            <a:avLst/>
+          </a:prstGeom>
+          <a:noFill/>
+          <a:ln w="0">
+            <a:noFill/>
+          </a:ln>
+        </p:spPr>
+        <p:style>
+          <a:lnRef idx="0">
+            <a:scrgbClr r="0" g="0" b="0"/>
+          </a:lnRef>
+          <a:fillRef idx="0">
+            <a:scrgbClr r="0" g="0" b="0"/>
+          </a:fillRef>
+          <a:effectRef idx="0">
+            <a:scrgbClr r="0" g="0" b="0"/>
+          </a:effectRef>
+          <a:fontRef idx="minor"/>
+        </p:style>
+        <p:txBody>
+          <a:bodyPr vertOverflow="overflow" horzOverflow="overflow" lIns="90000" tIns="45000" rIns="90000" bIns="45000" numCol="1" spcCol="0" anchor="t">
+            <a:spAutoFit/>
+          </a:bodyPr>
+          <a:lstStyle/>
+          <a:p>
+            <a:pPr>
+              <a:lnSpc>
+                <a:spcPct val="100000"/>
+              </a:lnSpc>
+              <a:buNone/>
+            </a:pPr>
+            <a:r>
+              <a:rPr lang="pt-PT" sz="1600" b="0" strike="noStrike" spc="-1" dirty="0">
+                <a:solidFill>
+                  <a:srgbClr val="FFFFFF"/>
+                </a:solidFill>
+                <a:latin typeface="Calibri"/>
+                <a:ea typeface="DejaVu Sans"/>
+              </a:rPr>
+              <a:t>Bases de Dados – Jogos Olímpicos   |   Parte 2 - Grupo 8</a:t>
+            </a:r>
+            <a:endParaRPr lang="en-US" sz="1600" b="0" strike="noStrike" spc="-1" dirty="0">
+              <a:latin typeface="Arial"/>
+            </a:endParaRPr>
+          </a:p>
+        </p:txBody>
+      </p:sp>
+      <p:pic>
+        <p:nvPicPr>
+          <p:cNvPr id="2050" name="Picture 2">
+            <a:extLst>
+              <a:ext uri="{FF2B5EF4-FFF2-40B4-BE49-F238E27FC236}">
+                <a16:creationId xmlns:a16="http://schemas.microsoft.com/office/drawing/2014/main" id="{0805E91B-AB55-B2BD-0558-6D0040F4AA51}"/>
+              </a:ext>
+            </a:extLst>
+          </p:cNvPr>
+          <p:cNvPicPr>
+            <a:picLocks noChangeAspect="1" noChangeArrowheads="1"/>
+          </p:cNvPicPr>
+          <p:nvPr/>
+        </p:nvPicPr>
+        <p:blipFill>
+          <a:blip r:embed="rId3">
+            <a:extLst>
+              <a:ext uri="{28A0092B-C50C-407E-A947-70E740481C1C}">
+                <a14:useLocalDpi xmlns:a14="http://schemas.microsoft.com/office/drawing/2010/main" val="0"/>
+              </a:ext>
+            </a:extLst>
+          </a:blip>
+          <a:srcRect l="-23" t="-37" r="1476" b="-37"/>
+          <a:stretch>
+            <a:fillRect/>
+          </a:stretch>
+        </p:blipFill>
+        <p:spPr bwMode="auto">
+          <a:xfrm>
+            <a:off x="6012018" y="2126754"/>
+            <a:ext cx="4655502" cy="2780964"/>
+          </a:xfrm>
+          <a:prstGeom prst="rect">
+            <a:avLst/>
+          </a:prstGeom>
+          <a:ln w="38100" cap="sq">
+            <a:solidFill>
+              <a:srgbClr val="000000"/>
+            </a:solidFill>
+            <a:prstDash val="solid"/>
+            <a:miter lim="800000"/>
+          </a:ln>
+          <a:effectLst>
+            <a:outerShdw blurRad="50800" dist="38100" dir="2700000" algn="tl" rotWithShape="0">
+              <a:srgbClr val="000000">
+                <a:alpha val="43000"/>
+              </a:srgbClr>
+            </a:outerShdw>
+          </a:effectLst>
+          <a:extLst>
+            <a:ext uri="{91240B29-F687-4F45-9708-019B960494DF}">
+              <a14:hiddenLine xmlns:a14="http://schemas.microsoft.com/office/drawing/2010/main" w="9525">
+                <a:solidFill>
+                  <a:srgbClr val="000000"/>
+                </a:solidFill>
+                <a:miter lim="800000"/>
+                <a:headEnd/>
+                <a:tailEnd/>
+              </a14:hiddenLine>
+            </a:ext>
+          </a:extLst>
+        </p:spPr>
+      </p:pic>
+      <p:pic>
+        <p:nvPicPr>
+          <p:cNvPr id="2052" name="Picture 4">
+            <a:extLst>
+              <a:ext uri="{FF2B5EF4-FFF2-40B4-BE49-F238E27FC236}">
+                <a16:creationId xmlns:a16="http://schemas.microsoft.com/office/drawing/2014/main" id="{022E5746-6B2B-C9FE-96C1-241E89DE4E31}"/>
+              </a:ext>
+            </a:extLst>
+          </p:cNvPr>
+          <p:cNvPicPr>
+            <a:picLocks noChangeAspect="1" noChangeArrowheads="1"/>
+          </p:cNvPicPr>
+          <p:nvPr/>
+        </p:nvPicPr>
+        <p:blipFill>
+          <a:blip r:embed="rId4">
+            <a:extLst>
+              <a:ext uri="{28A0092B-C50C-407E-A947-70E740481C1C}">
+                <a14:useLocalDpi xmlns:a14="http://schemas.microsoft.com/office/drawing/2010/main" val="0"/>
+              </a:ext>
+            </a:extLst>
+          </a:blip>
+          <a:srcRect l="-50" t="-38" r="-50" b="-38"/>
+          <a:stretch>
+            <a:fillRect/>
+          </a:stretch>
+        </p:blipFill>
+        <p:spPr bwMode="auto">
+          <a:xfrm>
+            <a:off x="1240200" y="1706886"/>
+            <a:ext cx="2760300" cy="3620700"/>
+          </a:xfrm>
+          <a:prstGeom prst="rect">
+            <a:avLst/>
+          </a:prstGeom>
+          <a:ln w="38100" cap="sq">
+            <a:solidFill>
+              <a:srgbClr val="000000"/>
+            </a:solidFill>
+            <a:prstDash val="solid"/>
+            <a:miter lim="800000"/>
+          </a:ln>
+          <a:effectLst>
+            <a:outerShdw blurRad="50800" dist="38100" dir="2700000" algn="tl" rotWithShape="0">
+              <a:srgbClr val="000000">
+                <a:alpha val="43000"/>
+              </a:srgbClr>
+            </a:outerShdw>
+          </a:effectLst>
+          <a:extLst>
+            <a:ext uri="{91240B29-F687-4F45-9708-019B960494DF}">
+              <a14:hiddenLine xmlns:a14="http://schemas.microsoft.com/office/drawing/2010/main" w="9525">
+                <a:solidFill>
+                  <a:srgbClr val="000000"/>
+                </a:solidFill>
+                <a:miter lim="800000"/>
+                <a:headEnd/>
+                <a:tailEnd/>
+              </a14:hiddenLine>
+            </a:ext>
+          </a:extLst>
+        </p:spPr>
+      </p:pic>
+    </p:spTree>
+    <p:extLst>
+      <p:ext uri="{BB962C8B-B14F-4D97-AF65-F5344CB8AC3E}">
+        <p14:creationId xmlns:p14="http://schemas.microsoft.com/office/powerpoint/2010/main" val="943133234"/>
+      </p:ext>
+    </p:extLst>
+  </p:cSld>
+  <p:clrMapOvr>
+    <a:masterClrMapping/>
+  </p:clrMapOvr>
+</p:sld>
+</file>
+
+<file path=ppt/slides/slide8.xml><?xml version="1.0" encoding="utf-8"?>
+<p:sld xmlns:a="http://schemas.openxmlformats.org/drawingml/2006/main" xmlns:r="http://schemas.openxmlformats.org/officeDocument/2006/relationships" xmlns:p="http://schemas.openxmlformats.org/presentationml/2006/main" show="0">
+  <p:cSld>
+    <p:spTree>
+      <p:nvGrpSpPr>
+        <p:cNvPr id="1" name="">
+          <a:extLst>
+            <a:ext uri="{FF2B5EF4-FFF2-40B4-BE49-F238E27FC236}">
+              <a16:creationId xmlns:a16="http://schemas.microsoft.com/office/drawing/2014/main" id="{E4F80E4E-564B-0EB7-948D-DA5F14842AE3}"/>
+            </a:ext>
+          </a:extLst>
+        </p:cNvPr>
+        <p:cNvGrpSpPr/>
+        <p:nvPr/>
+      </p:nvGrpSpPr>
+      <p:grpSpPr>
+        <a:xfrm>
+          <a:off x="0" y="0"/>
+          <a:ext cx="0" cy="0"/>
+          <a:chOff x="0" y="0"/>
+          <a:chExt cx="0" cy="0"/>
+        </a:xfrm>
+      </p:grpSpPr>
+      <p:sp>
+        <p:nvSpPr>
+          <p:cNvPr id="56" name="PlaceHolder 1">
+            <a:extLst>
+              <a:ext uri="{FF2B5EF4-FFF2-40B4-BE49-F238E27FC236}">
+                <a16:creationId xmlns:a16="http://schemas.microsoft.com/office/drawing/2014/main" id="{7FB47C38-40E4-DCA8-482E-CCBB62FA02A6}"/>
+              </a:ext>
+            </a:extLst>
+          </p:cNvPr>
+          <p:cNvSpPr>
+            <a:spLocks noGrp="1"/>
+          </p:cNvSpPr>
+          <p:nvPr>
+            <p:ph type="title"/>
+          </p:nvPr>
+        </p:nvSpPr>
+        <p:spPr>
+          <a:xfrm>
+            <a:off x="1525680" y="275040"/>
+            <a:ext cx="9141840" cy="1153080"/>
+          </a:xfrm>
+          <a:prstGeom prst="rect">
+            <a:avLst/>
+          </a:prstGeom>
+          <a:noFill/>
+          <a:ln w="0">
+            <a:noFill/>
+          </a:ln>
+        </p:spPr>
+        <p:txBody>
+          <a:bodyPr lIns="0" tIns="0" rIns="0" bIns="0" anchor="b">
+            <a:noAutofit/>
+          </a:bodyPr>
+          <a:lstStyle/>
+          <a:p>
+            <a:pPr algn="ctr">
+              <a:lnSpc>
+                <a:spcPct val="90000"/>
+              </a:lnSpc>
+              <a:buNone/>
+            </a:pPr>
+            <a:r>
+              <a:rPr lang="pt-PT" sz="4000" b="0" strike="noStrike" spc="-1" dirty="0">
+                <a:solidFill>
+                  <a:srgbClr val="870F11"/>
+                </a:solidFill>
+                <a:latin typeface="Calibri"/>
+              </a:rPr>
+              <a:t>Apresentação e explicação da</a:t>
+            </a:r>
+            <a:br>
+              <a:rPr lang="pt-PT" sz="4000" b="0" strike="noStrike" spc="-1" dirty="0">
+                <a:solidFill>
+                  <a:srgbClr val="870F11"/>
+                </a:solidFill>
+                <a:latin typeface="Calibri"/>
+              </a:rPr>
+            </a:br>
+            <a:r>
+              <a:rPr lang="pt-PT" sz="4000" b="0" strike="noStrike" spc="-1" dirty="0">
+                <a:solidFill>
+                  <a:srgbClr val="870F11"/>
+                </a:solidFill>
+                <a:latin typeface="Calibri"/>
+              </a:rPr>
+              <a:t>base de dados implementada</a:t>
+            </a:r>
+            <a:endParaRPr lang="en-US" sz="4000" b="0" strike="noStrike" spc="-1" dirty="0">
+              <a:latin typeface="Arial"/>
+            </a:endParaRPr>
+          </a:p>
+        </p:txBody>
+      </p:sp>
+      <p:sp>
+        <p:nvSpPr>
+          <p:cNvPr id="57" name="Retângulo 4">
+            <a:extLst>
+              <a:ext uri="{FF2B5EF4-FFF2-40B4-BE49-F238E27FC236}">
+                <a16:creationId xmlns:a16="http://schemas.microsoft.com/office/drawing/2014/main" id="{3D14162F-2C19-F694-F576-ED7D3598266C}"/>
+              </a:ext>
+            </a:extLst>
+          </p:cNvPr>
+          <p:cNvSpPr/>
+          <p:nvPr/>
+        </p:nvSpPr>
+        <p:spPr>
+          <a:xfrm>
+            <a:off x="0" y="6233760"/>
+            <a:ext cx="12189960" cy="622080"/>
+          </a:xfrm>
+          <a:prstGeom prst="rect">
+            <a:avLst/>
+          </a:prstGeom>
+          <a:solidFill>
+            <a:srgbClr val="870F11"/>
+          </a:solidFill>
+          <a:ln>
+            <a:solidFill>
+              <a:srgbClr val="870F11"/>
+            </a:solidFill>
+          </a:ln>
+        </p:spPr>
+        <p:style>
+          <a:lnRef idx="2">
+            <a:schemeClr val="accent1">
+              <a:shade val="50000"/>
+            </a:schemeClr>
+          </a:lnRef>
+          <a:fillRef idx="1">
+            <a:schemeClr val="accent1"/>
+          </a:fillRef>
+          <a:effectRef idx="0">
+            <a:schemeClr val="accent1"/>
+          </a:effectRef>
+          <a:fontRef idx="minor"/>
+        </p:style>
+        <p:txBody>
+          <a:bodyPr/>
+          <a:lstStyle/>
+          <a:p>
+            <a:endParaRPr lang="pt-PT"/>
+          </a:p>
+        </p:txBody>
+      </p:sp>
+      <p:pic>
+        <p:nvPicPr>
+          <p:cNvPr id="59" name="Imagem 3">
+            <a:extLst>
+              <a:ext uri="{FF2B5EF4-FFF2-40B4-BE49-F238E27FC236}">
+                <a16:creationId xmlns:a16="http://schemas.microsoft.com/office/drawing/2014/main" id="{734D3820-1A39-C8FE-B10D-BDC7D9F8FC7A}"/>
+              </a:ext>
+            </a:extLst>
+          </p:cNvPr>
+          <p:cNvPicPr/>
+          <p:nvPr/>
+        </p:nvPicPr>
+        <p:blipFill>
+          <a:blip r:embed="rId2"/>
+          <a:stretch/>
+        </p:blipFill>
+        <p:spPr>
+          <a:xfrm>
+            <a:off x="3240" y="6261480"/>
+            <a:ext cx="1236960" cy="709200"/>
+          </a:xfrm>
+          <a:prstGeom prst="rect">
+            <a:avLst/>
+          </a:prstGeom>
+          <a:ln w="0">
+            <a:noFill/>
+          </a:ln>
+        </p:spPr>
+      </p:pic>
+      <p:sp>
+        <p:nvSpPr>
+          <p:cNvPr id="60" name="CaixaDeTexto 1">
+            <a:extLst>
+              <a:ext uri="{FF2B5EF4-FFF2-40B4-BE49-F238E27FC236}">
+                <a16:creationId xmlns:a16="http://schemas.microsoft.com/office/drawing/2014/main" id="{F3F402BD-F8EA-AA3C-7D41-9BBA6DB63166}"/>
+              </a:ext>
+            </a:extLst>
+          </p:cNvPr>
+          <p:cNvSpPr/>
+          <p:nvPr/>
+        </p:nvSpPr>
+        <p:spPr>
+          <a:xfrm>
+            <a:off x="6629400" y="6362640"/>
+            <a:ext cx="5855760" cy="337100"/>
+          </a:xfrm>
+          <a:prstGeom prst="rect">
+            <a:avLst/>
+          </a:prstGeom>
+          <a:noFill/>
+          <a:ln w="0">
+            <a:noFill/>
+          </a:ln>
+        </p:spPr>
+        <p:style>
+          <a:lnRef idx="0">
+            <a:scrgbClr r="0" g="0" b="0"/>
+          </a:lnRef>
+          <a:fillRef idx="0">
+            <a:scrgbClr r="0" g="0" b="0"/>
+          </a:fillRef>
+          <a:effectRef idx="0">
+            <a:scrgbClr r="0" g="0" b="0"/>
+          </a:effectRef>
+          <a:fontRef idx="minor"/>
+        </p:style>
+        <p:txBody>
+          <a:bodyPr vertOverflow="overflow" horzOverflow="overflow" lIns="90000" tIns="45000" rIns="90000" bIns="45000" numCol="1" spcCol="0" anchor="t">
+            <a:spAutoFit/>
+          </a:bodyPr>
+          <a:lstStyle/>
+          <a:p>
+            <a:pPr>
+              <a:lnSpc>
+                <a:spcPct val="100000"/>
+              </a:lnSpc>
+              <a:buNone/>
+            </a:pPr>
+            <a:r>
+              <a:rPr lang="pt-PT" sz="1600" b="0" strike="noStrike" spc="-1" dirty="0">
+                <a:solidFill>
+                  <a:srgbClr val="FFFFFF"/>
+                </a:solidFill>
+                <a:latin typeface="Calibri"/>
+                <a:ea typeface="DejaVu Sans"/>
+              </a:rPr>
+              <a:t>Bases de Dados – Jogos Olímpicos   |   Parte 2 - Grupo 8</a:t>
+            </a:r>
+            <a:endParaRPr lang="en-US" sz="1600" b="0" strike="noStrike" spc="-1" dirty="0">
+              <a:latin typeface="Arial"/>
+            </a:endParaRPr>
+          </a:p>
+        </p:txBody>
+      </p:sp>
+      <p:pic>
+        <p:nvPicPr>
+          <p:cNvPr id="2051" name="Picture 3">
+            <a:extLst>
+              <a:ext uri="{FF2B5EF4-FFF2-40B4-BE49-F238E27FC236}">
+                <a16:creationId xmlns:a16="http://schemas.microsoft.com/office/drawing/2014/main" id="{54B4D73C-2D43-B9C4-9ABB-FF73BB90C11D}"/>
+              </a:ext>
+            </a:extLst>
+          </p:cNvPr>
+          <p:cNvPicPr>
+            <a:picLocks noChangeAspect="1" noChangeArrowheads="1"/>
+          </p:cNvPicPr>
+          <p:nvPr/>
+        </p:nvPicPr>
+        <p:blipFill>
+          <a:blip r:embed="rId3">
+            <a:extLst>
+              <a:ext uri="{28A0092B-C50C-407E-A947-70E740481C1C}">
+                <a14:useLocalDpi xmlns:a14="http://schemas.microsoft.com/office/drawing/2010/main" val="0"/>
+              </a:ext>
+            </a:extLst>
+          </a:blip>
+          <a:srcRect l="3760" t="-64" r="2447" b="-64"/>
+          <a:stretch/>
+        </p:blipFill>
+        <p:spPr bwMode="auto">
+          <a:xfrm>
+            <a:off x="4963886" y="2038518"/>
+            <a:ext cx="6384471" cy="2780964"/>
+          </a:xfrm>
+          <a:prstGeom prst="rect">
+            <a:avLst/>
+          </a:prstGeom>
+          <a:ln w="38100" cap="sq">
+            <a:solidFill>
+              <a:srgbClr val="000000"/>
+            </a:solidFill>
+            <a:prstDash val="solid"/>
+            <a:miter lim="800000"/>
+          </a:ln>
+          <a:effectLst>
+            <a:outerShdw blurRad="50800" dist="38100" dir="2700000" algn="tl" rotWithShape="0">
+              <a:srgbClr val="000000">
+                <a:alpha val="43000"/>
+              </a:srgbClr>
+            </a:outerShdw>
+          </a:effectLst>
+        </p:spPr>
+      </p:pic>
+      <p:pic>
+        <p:nvPicPr>
+          <p:cNvPr id="3074" name="Picture 2">
+            <a:extLst>
+              <a:ext uri="{FF2B5EF4-FFF2-40B4-BE49-F238E27FC236}">
+                <a16:creationId xmlns:a16="http://schemas.microsoft.com/office/drawing/2014/main" id="{FE98F254-3DD4-006B-593C-518DFC11C9FB}"/>
+              </a:ext>
+            </a:extLst>
+          </p:cNvPr>
+          <p:cNvPicPr>
+            <a:picLocks noChangeAspect="1" noChangeArrowheads="1"/>
+          </p:cNvPicPr>
+          <p:nvPr/>
+        </p:nvPicPr>
+        <p:blipFill>
+          <a:blip r:embed="rId4">
+            <a:extLst>
+              <a:ext uri="{28A0092B-C50C-407E-A947-70E740481C1C}">
+                <a14:useLocalDpi xmlns:a14="http://schemas.microsoft.com/office/drawing/2010/main" val="0"/>
+              </a:ext>
+            </a:extLst>
+          </a:blip>
+          <a:srcRect l="-44" t="-64" r="-44" b="-64"/>
+          <a:stretch>
+            <a:fillRect/>
+          </a:stretch>
+        </p:blipFill>
+        <p:spPr bwMode="auto">
+          <a:xfrm>
+            <a:off x="1240200" y="2521487"/>
+            <a:ext cx="2629873" cy="1815025"/>
+          </a:xfrm>
+          <a:prstGeom prst="rect">
+            <a:avLst/>
+          </a:prstGeom>
+          <a:ln w="38100" cap="sq">
+            <a:solidFill>
+              <a:srgbClr val="000000"/>
+            </a:solidFill>
+            <a:prstDash val="solid"/>
+            <a:miter lim="800000"/>
+          </a:ln>
+          <a:effectLst>
+            <a:outerShdw blurRad="50800" dist="38100" dir="2700000" algn="tl" rotWithShape="0">
+              <a:srgbClr val="000000">
+                <a:alpha val="43000"/>
+              </a:srgbClr>
+            </a:outerShdw>
+          </a:effectLst>
+          <a:extLst>
+            <a:ext uri="{91240B29-F687-4F45-9708-019B960494DF}">
+              <a14:hiddenLine xmlns:a14="http://schemas.microsoft.com/office/drawing/2010/main" w="9525">
+                <a:solidFill>
+                  <a:srgbClr val="000000"/>
+                </a:solidFill>
+                <a:miter lim="800000"/>
+                <a:headEnd/>
+                <a:tailEnd/>
+              </a14:hiddenLine>
+            </a:ext>
+          </a:extLst>
+        </p:spPr>
+      </p:pic>
+    </p:spTree>
+    <p:extLst>
+      <p:ext uri="{BB962C8B-B14F-4D97-AF65-F5344CB8AC3E}">
+        <p14:creationId xmlns:p14="http://schemas.microsoft.com/office/powerpoint/2010/main" val="870610295"/>
+      </p:ext>
+    </p:extLst>
+  </p:cSld>
+  <p:clrMapOvr>
+    <a:masterClrMapping/>
+  </p:clrMapOvr>
+</p:sld>
+</file>
+
+<file path=ppt/slides/slide9.xml><?xml version="1.0" encoding="utf-8"?>
 <p:sld xmlns:a="http://schemas.openxmlformats.org/drawingml/2006/main" xmlns:r="http://schemas.openxmlformats.org/officeDocument/2006/relationships" xmlns:p="http://schemas.openxmlformats.org/presentationml/2006/main" show="0">
   <p:cSld>
     <p:spTree>
@@ -8094,121 +10571,12 @@
           </a:p>
         </p:txBody>
       </p:sp>
-    </p:spTree>
-    <p:extLst>
-      <p:ext uri="{BB962C8B-B14F-4D97-AF65-F5344CB8AC3E}">
-        <p14:creationId xmlns:p14="http://schemas.microsoft.com/office/powerpoint/2010/main" val="367112552"/>
-      </p:ext>
-    </p:extLst>
-  </p:cSld>
-  <p:clrMapOvr>
-    <a:masterClrMapping/>
-  </p:clrMapOvr>
-</p:sld>
-</file>
-
-<file path=ppt/slides/slide8.xml><?xml version="1.0" encoding="utf-8"?>
-<p:sld xmlns:a="http://schemas.openxmlformats.org/drawingml/2006/main" xmlns:r="http://schemas.openxmlformats.org/officeDocument/2006/relationships" xmlns:p="http://schemas.openxmlformats.org/presentationml/2006/main" show="0">
-  <p:cSld>
-    <p:spTree>
-      <p:nvGrpSpPr>
-        <p:cNvPr id="1" name="">
-          <a:extLst>
-            <a:ext uri="{FF2B5EF4-FFF2-40B4-BE49-F238E27FC236}">
-              <a16:creationId xmlns:a16="http://schemas.microsoft.com/office/drawing/2014/main" id="{7B180201-034C-1E18-AE26-1BE75942B17B}"/>
-            </a:ext>
-          </a:extLst>
-        </p:cNvPr>
-        <p:cNvGrpSpPr/>
-        <p:nvPr/>
-      </p:nvGrpSpPr>
-      <p:grpSpPr>
-        <a:xfrm>
-          <a:off x="0" y="0"/>
-          <a:ext cx="0" cy="0"/>
-          <a:chOff x="0" y="0"/>
-          <a:chExt cx="0" cy="0"/>
-        </a:xfrm>
-      </p:grpSpPr>
-      <p:sp>
-        <p:nvSpPr>
-          <p:cNvPr id="56" name="PlaceHolder 1">
+      <p:sp>
+        <p:nvSpPr>
+          <p:cNvPr id="2" name="CaixaDeTexto 9">
             <a:extLst>
               <a:ext uri="{FF2B5EF4-FFF2-40B4-BE49-F238E27FC236}">
-                <a16:creationId xmlns:a16="http://schemas.microsoft.com/office/drawing/2014/main" id="{E659F661-99C9-E2F3-F8A2-C7D5E6EF32A9}"/>
-              </a:ext>
-            </a:extLst>
-          </p:cNvPr>
-          <p:cNvSpPr>
-            <a:spLocks noGrp="1"/>
-          </p:cNvSpPr>
-          <p:nvPr>
-            <p:ph type="title"/>
-          </p:nvPr>
-        </p:nvSpPr>
-        <p:spPr>
-          <a:xfrm>
-            <a:off x="1525680" y="275040"/>
-            <a:ext cx="9141840" cy="1153080"/>
-          </a:xfrm>
-          <a:prstGeom prst="rect">
-            <a:avLst/>
-          </a:prstGeom>
-          <a:noFill/>
-          <a:ln w="0">
-            <a:noFill/>
-          </a:ln>
-        </p:spPr>
-        <p:txBody>
-          <a:bodyPr lIns="0" tIns="0" rIns="0" bIns="0" anchor="b">
-            <a:noAutofit/>
-          </a:bodyPr>
-          <a:lstStyle/>
-          <a:p>
-            <a:pPr algn="ctr">
-              <a:lnSpc>
-                <a:spcPct val="90000"/>
-              </a:lnSpc>
-              <a:buNone/>
-            </a:pPr>
-            <a:r>
-              <a:rPr lang="pt-PT" sz="4000" b="0" strike="noStrike" spc="-1" dirty="0">
-                <a:solidFill>
-                  <a:srgbClr val="870F11"/>
-                </a:solidFill>
-                <a:latin typeface="Calibri"/>
-              </a:rPr>
-              <a:t>Apresentação e explicação da</a:t>
-            </a:r>
-            <a:br>
-              <a:rPr lang="pt-PT" sz="4000" b="0" strike="noStrike" spc="-1" dirty="0">
-                <a:solidFill>
-                  <a:srgbClr val="870F11"/>
-                </a:solidFill>
-                <a:latin typeface="Calibri"/>
-              </a:rPr>
-            </a:br>
-            <a:r>
-              <a:rPr lang="pt-PT" sz="4000" b="0" strike="noStrike" spc="-1" dirty="0">
-                <a:solidFill>
-                  <a:srgbClr val="870F11"/>
-                </a:solidFill>
-                <a:latin typeface="Calibri"/>
-              </a:rPr>
-              <a:t>base de dados implementada</a:t>
-            </a:r>
-            <a:endParaRPr lang="en-US" sz="4000" b="0" strike="noStrike" spc="-1" dirty="0">
-              <a:latin typeface="Arial"/>
-            </a:endParaRPr>
-          </a:p>
-        </p:txBody>
-      </p:sp>
-      <p:sp>
-        <p:nvSpPr>
-          <p:cNvPr id="57" name="Retângulo 4">
-            <a:extLst>
-              <a:ext uri="{FF2B5EF4-FFF2-40B4-BE49-F238E27FC236}">
-                <a16:creationId xmlns:a16="http://schemas.microsoft.com/office/drawing/2014/main" id="{0D6D3843-AE1C-1391-C5BC-320727DE9F9C}"/>
+                <a16:creationId xmlns:a16="http://schemas.microsoft.com/office/drawing/2014/main" id="{6A07BA16-DD96-AD22-4256-B089B4662DE9}"/>
               </a:ext>
             </a:extLst>
           </p:cNvPr>
@@ -8217,59 +10585,8 @@
         </p:nvSpPr>
         <p:spPr>
           <a:xfrm>
-            <a:off x="0" y="6233760"/>
-            <a:ext cx="12189960" cy="622080"/>
-          </a:xfrm>
-          <a:prstGeom prst="rect">
-            <a:avLst/>
-          </a:prstGeom>
-          <a:solidFill>
-            <a:srgbClr val="870F11"/>
-          </a:solidFill>
-          <a:ln>
-            <a:solidFill>
-              <a:srgbClr val="870F11"/>
-            </a:solidFill>
-          </a:ln>
-        </p:spPr>
-        <p:style>
-          <a:lnRef idx="2">
-            <a:schemeClr val="accent1">
-              <a:shade val="50000"/>
-            </a:schemeClr>
-          </a:lnRef>
-          <a:fillRef idx="1">
-            <a:schemeClr val="accent1"/>
-          </a:fillRef>
-          <a:effectRef idx="0">
-            <a:schemeClr val="accent1"/>
-          </a:effectRef>
-          <a:fontRef idx="minor"/>
-        </p:style>
-        <p:txBody>
-          <a:bodyPr/>
-          <a:lstStyle/>
-          <a:p>
-            <a:endParaRPr lang="pt-PT"/>
-          </a:p>
-        </p:txBody>
-      </p:sp>
-      <p:sp>
-        <p:nvSpPr>
-          <p:cNvPr id="58" name="CaixaDeTexto 5">
-            <a:extLst>
-              <a:ext uri="{FF2B5EF4-FFF2-40B4-BE49-F238E27FC236}">
-                <a16:creationId xmlns:a16="http://schemas.microsoft.com/office/drawing/2014/main" id="{3046F5B0-F841-64DA-AC6B-59511F5F9FEB}"/>
-              </a:ext>
-            </a:extLst>
-          </p:cNvPr>
-          <p:cNvSpPr/>
-          <p:nvPr/>
-        </p:nvSpPr>
-        <p:spPr>
-          <a:xfrm>
-            <a:off x="1489680" y="1828800"/>
-            <a:ext cx="9024480" cy="829543"/>
+            <a:off x="1524060" y="2023284"/>
+            <a:ext cx="9024480" cy="3734762"/>
           </a:xfrm>
           <a:prstGeom prst="rect">
             <a:avLst/>
@@ -8292,452 +10609,184 @@
           <a:fontRef idx="minor"/>
         </p:style>
         <p:txBody>
-          <a:bodyPr vertOverflow="overflow" horzOverflow="overflow" lIns="90000" tIns="45000" rIns="90000" bIns="45000" numCol="1" spcCol="0" anchor="t">
+          <a:bodyPr vertOverflow="overflow" horzOverflow="overflow" wrap="square" lIns="90000" tIns="45000" rIns="90000" bIns="45000" numCol="1" spcCol="0" anchor="t">
             <a:spAutoFit/>
           </a:bodyPr>
           <a:lstStyle/>
           <a:p>
-            <a:pPr algn="ctr">
+            <a:pPr marL="343080" indent="-343080">
               <a:lnSpc>
-                <a:spcPct val="100000"/>
+                <a:spcPct val="150000"/>
               </a:lnSpc>
-              <a:buNone/>
-            </a:pPr>
-            <a:endParaRPr lang="en-US" sz="2400" b="0" strike="noStrike" spc="-1" dirty="0">
-              <a:latin typeface="Arial"/>
+              <a:buClr>
+                <a:srgbClr val="000000"/>
+              </a:buClr>
+              <a:buFont typeface="Arial"/>
+              <a:buChar char="•"/>
+            </a:pPr>
+            <a:r>
+              <a:rPr lang="en" sz="2000" spc="-1" dirty="0">
+                <a:solidFill>
+                  <a:srgbClr val="000000"/>
+                </a:solidFill>
+                <a:latin typeface="Consolas"/>
+              </a:rPr>
+              <a:t>Em seguida, podemos criar as tabelas que possuem chaves estrangeiras</a:t>
+            </a:r>
+          </a:p>
+          <a:p>
+            <a:pPr marL="800280" lvl="1" indent="-343080">
+              <a:lnSpc>
+                <a:spcPct val="150000"/>
+              </a:lnSpc>
+              <a:buClr>
+                <a:srgbClr val="000000"/>
+              </a:buClr>
+              <a:buFont typeface="Arial"/>
+              <a:buChar char="•"/>
+            </a:pPr>
+            <a:r>
+              <a:rPr lang="pt-PT" sz="2000" spc="-1" dirty="0">
+                <a:solidFill>
+                  <a:srgbClr val="000000"/>
+                </a:solidFill>
+                <a:latin typeface="Consolas"/>
+              </a:rPr>
+              <a:t>M</a:t>
+            </a:r>
+            <a:r>
+              <a:rPr lang="en" sz="2000" spc="-1" dirty="0">
+                <a:solidFill>
+                  <a:srgbClr val="000000"/>
+                </a:solidFill>
+                <a:latin typeface="Consolas"/>
+              </a:rPr>
+              <a:t>as apenas aquelas que fazem referência à tabela </a:t>
+            </a:r>
+            <a:r>
+              <a:rPr lang="en" sz="2000" b="1" spc="-1" dirty="0">
+                <a:solidFill>
+                  <a:srgbClr val="000000"/>
+                </a:solidFill>
+                <a:latin typeface="Consolas"/>
+              </a:rPr>
+              <a:t>Competição </a:t>
+            </a:r>
+            <a:r>
+              <a:rPr lang="en" sz="2000" spc="-1" dirty="0">
+                <a:solidFill>
+                  <a:srgbClr val="000000"/>
+                </a:solidFill>
+                <a:latin typeface="Consolas"/>
+              </a:rPr>
+              <a:t>e/ou à tabela </a:t>
+            </a:r>
+            <a:r>
+              <a:rPr lang="en" sz="2000" b="1" spc="-1" dirty="0">
+                <a:solidFill>
+                  <a:srgbClr val="000000"/>
+                </a:solidFill>
+                <a:latin typeface="Consolas"/>
+              </a:rPr>
+              <a:t>Tipo</a:t>
+            </a:r>
+            <a:endParaRPr lang="en" sz="2000" spc="-1" dirty="0">
+              <a:solidFill>
+                <a:srgbClr val="000000"/>
+              </a:solidFill>
+              <a:latin typeface="Consolas"/>
             </a:endParaRPr>
           </a:p>
           <a:p>
-            <a:pPr algn="ctr">
+            <a:pPr marL="343080" indent="-343080">
               <a:lnSpc>
-                <a:spcPct val="100000"/>
+                <a:spcPct val="150000"/>
               </a:lnSpc>
-              <a:buNone/>
-            </a:pPr>
-            <a:endParaRPr lang="en-US" sz="2400" b="0" strike="noStrike" spc="-1" dirty="0">
-              <a:latin typeface="Arial"/>
-            </a:endParaRPr>
-          </a:p>
-        </p:txBody>
-      </p:sp>
-      <p:pic>
-        <p:nvPicPr>
-          <p:cNvPr id="59" name="Imagem 3">
-            <a:extLst>
-              <a:ext uri="{FF2B5EF4-FFF2-40B4-BE49-F238E27FC236}">
-                <a16:creationId xmlns:a16="http://schemas.microsoft.com/office/drawing/2014/main" id="{9531AB33-6445-6A35-6AFA-ACC08C9B48C6}"/>
-              </a:ext>
-            </a:extLst>
-          </p:cNvPr>
-          <p:cNvPicPr/>
-          <p:nvPr/>
-        </p:nvPicPr>
-        <p:blipFill>
-          <a:blip r:embed="rId2"/>
-          <a:stretch/>
-        </p:blipFill>
-        <p:spPr>
-          <a:xfrm>
-            <a:off x="3240" y="6261480"/>
-            <a:ext cx="1236960" cy="709200"/>
-          </a:xfrm>
-          <a:prstGeom prst="rect">
-            <a:avLst/>
-          </a:prstGeom>
-          <a:ln w="0">
-            <a:noFill/>
-          </a:ln>
-        </p:spPr>
-      </p:pic>
-      <p:sp>
-        <p:nvSpPr>
-          <p:cNvPr id="60" name="CaixaDeTexto 1">
-            <a:extLst>
-              <a:ext uri="{FF2B5EF4-FFF2-40B4-BE49-F238E27FC236}">
-                <a16:creationId xmlns:a16="http://schemas.microsoft.com/office/drawing/2014/main" id="{F8257343-9309-605D-CA10-C66B1E5278A5}"/>
-              </a:ext>
-            </a:extLst>
-          </p:cNvPr>
-          <p:cNvSpPr/>
-          <p:nvPr/>
-        </p:nvSpPr>
-        <p:spPr>
-          <a:xfrm>
-            <a:off x="6629400" y="6362640"/>
-            <a:ext cx="5855760" cy="337100"/>
-          </a:xfrm>
-          <a:prstGeom prst="rect">
-            <a:avLst/>
-          </a:prstGeom>
-          <a:noFill/>
-          <a:ln w="0">
-            <a:noFill/>
-          </a:ln>
-        </p:spPr>
-        <p:style>
-          <a:lnRef idx="0">
-            <a:scrgbClr r="0" g="0" b="0"/>
-          </a:lnRef>
-          <a:fillRef idx="0">
-            <a:scrgbClr r="0" g="0" b="0"/>
-          </a:fillRef>
-          <a:effectRef idx="0">
-            <a:scrgbClr r="0" g="0" b="0"/>
-          </a:effectRef>
-          <a:fontRef idx="minor"/>
-        </p:style>
-        <p:txBody>
-          <a:bodyPr vertOverflow="overflow" horzOverflow="overflow" lIns="90000" tIns="45000" rIns="90000" bIns="45000" numCol="1" spcCol="0" anchor="t">
-            <a:spAutoFit/>
-          </a:bodyPr>
-          <a:lstStyle/>
-          <a:p>
-            <a:pPr>
+              <a:buClr>
+                <a:srgbClr val="000000"/>
+              </a:buClr>
+              <a:buFont typeface="Arial"/>
+              <a:buChar char="•"/>
+            </a:pPr>
+            <a:r>
+              <a:rPr lang="en" sz="2000" spc="-1" dirty="0">
+                <a:solidFill>
+                  <a:srgbClr val="000000"/>
+                </a:solidFill>
+                <a:latin typeface="Consolas"/>
+              </a:rPr>
+              <a:t>As tabelas em questão são:</a:t>
+            </a:r>
+          </a:p>
+          <a:p>
+            <a:pPr marL="800280" lvl="1" indent="-343080">
               <a:lnSpc>
-                <a:spcPct val="100000"/>
+                <a:spcPct val="150000"/>
               </a:lnSpc>
-              <a:buNone/>
-            </a:pPr>
-            <a:r>
-              <a:rPr lang="pt-PT" sz="1600" b="0" strike="noStrike" spc="-1" dirty="0">
-                <a:solidFill>
-                  <a:srgbClr val="FFFFFF"/>
-                </a:solidFill>
-                <a:latin typeface="Calibri"/>
-                <a:ea typeface="DejaVu Sans"/>
-              </a:rPr>
-              <a:t>Bases de Dados – Jogos Olímpicos   |   Parte 2 - Grupo 8</a:t>
-            </a:r>
-            <a:endParaRPr lang="en-US" sz="1600" b="0" strike="noStrike" spc="-1" dirty="0">
-              <a:latin typeface="Arial"/>
-            </a:endParaRPr>
+              <a:buClr>
+                <a:srgbClr val="000000"/>
+              </a:buClr>
+              <a:buFont typeface="Arial"/>
+              <a:buChar char="•"/>
+            </a:pPr>
+            <a:r>
+              <a:rPr lang="en" sz="2000" spc="-1" dirty="0">
+                <a:solidFill>
+                  <a:srgbClr val="000000"/>
+                </a:solidFill>
+                <a:latin typeface="Consolas"/>
+              </a:rPr>
+              <a:t>Funcionário</a:t>
+            </a:r>
+          </a:p>
+          <a:p>
+            <a:pPr marL="800280" lvl="1" indent="-343080">
+              <a:lnSpc>
+                <a:spcPct val="150000"/>
+              </a:lnSpc>
+              <a:buClr>
+                <a:srgbClr val="000000"/>
+              </a:buClr>
+              <a:buFont typeface="Arial"/>
+              <a:buChar char="•"/>
+            </a:pPr>
+            <a:r>
+              <a:rPr lang="en" sz="2000" spc="-1" dirty="0">
+                <a:solidFill>
+                  <a:srgbClr val="000000"/>
+                </a:solidFill>
+                <a:latin typeface="Consolas"/>
+              </a:rPr>
+              <a:t>Esporte</a:t>
+            </a:r>
+          </a:p>
+          <a:p>
+            <a:pPr marL="800280" lvl="1" indent="-343080">
+              <a:lnSpc>
+                <a:spcPct val="150000"/>
+              </a:lnSpc>
+              <a:buClr>
+                <a:srgbClr val="000000"/>
+              </a:buClr>
+              <a:buFont typeface="Arial"/>
+              <a:buChar char="•"/>
+            </a:pPr>
+            <a:r>
+              <a:rPr lang="en" sz="2000" spc="-1" dirty="0">
+                <a:solidFill>
+                  <a:srgbClr val="000000"/>
+                </a:solidFill>
+                <a:latin typeface="Consolas"/>
+              </a:rPr>
+              <a:t>Delegação</a:t>
+            </a:r>
           </a:p>
         </p:txBody>
       </p:sp>
     </p:spTree>
     <p:extLst>
       <p:ext uri="{BB962C8B-B14F-4D97-AF65-F5344CB8AC3E}">
-        <p14:creationId xmlns:p14="http://schemas.microsoft.com/office/powerpoint/2010/main" val="2605338962"/>
-      </p:ext>
-    </p:extLst>
-  </p:cSld>
-  <p:clrMapOvr>
-    <a:masterClrMapping/>
-  </p:clrMapOvr>
-</p:sld>
-</file>
-
-<file path=ppt/slides/slide9.xml><?xml version="1.0" encoding="utf-8"?>
-<p:sld xmlns:a="http://schemas.openxmlformats.org/drawingml/2006/main" xmlns:r="http://schemas.openxmlformats.org/officeDocument/2006/relationships" xmlns:p="http://schemas.openxmlformats.org/presentationml/2006/main" show="0">
-  <p:cSld>
-    <p:spTree>
-      <p:nvGrpSpPr>
-        <p:cNvPr id="1" name="">
-          <a:extLst>
-            <a:ext uri="{FF2B5EF4-FFF2-40B4-BE49-F238E27FC236}">
-              <a16:creationId xmlns:a16="http://schemas.microsoft.com/office/drawing/2014/main" id="{EAD45256-5E4E-43AC-E5E5-972ED32B8AD4}"/>
-            </a:ext>
-          </a:extLst>
-        </p:cNvPr>
-        <p:cNvGrpSpPr/>
-        <p:nvPr/>
-      </p:nvGrpSpPr>
-      <p:grpSpPr>
-        <a:xfrm>
-          <a:off x="0" y="0"/>
-          <a:ext cx="0" cy="0"/>
-          <a:chOff x="0" y="0"/>
-          <a:chExt cx="0" cy="0"/>
-        </a:xfrm>
-      </p:grpSpPr>
-      <p:sp>
-        <p:nvSpPr>
-          <p:cNvPr id="56" name="PlaceHolder 1">
-            <a:extLst>
-              <a:ext uri="{FF2B5EF4-FFF2-40B4-BE49-F238E27FC236}">
-                <a16:creationId xmlns:a16="http://schemas.microsoft.com/office/drawing/2014/main" id="{182203AC-D9FD-3273-F421-FA3A4C83D4B1}"/>
-              </a:ext>
-            </a:extLst>
-          </p:cNvPr>
-          <p:cNvSpPr>
-            <a:spLocks noGrp="1"/>
-          </p:cNvSpPr>
-          <p:nvPr>
-            <p:ph type="title"/>
-          </p:nvPr>
-        </p:nvSpPr>
-        <p:spPr>
-          <a:xfrm>
-            <a:off x="1525680" y="275040"/>
-            <a:ext cx="9141840" cy="1153080"/>
-          </a:xfrm>
-          <a:prstGeom prst="rect">
-            <a:avLst/>
-          </a:prstGeom>
-          <a:noFill/>
-          <a:ln w="0">
-            <a:noFill/>
-          </a:ln>
-        </p:spPr>
-        <p:txBody>
-          <a:bodyPr lIns="0" tIns="0" rIns="0" bIns="0" anchor="b">
-            <a:noAutofit/>
-          </a:bodyPr>
-          <a:lstStyle/>
-          <a:p>
-            <a:pPr algn="ctr">
-              <a:lnSpc>
-                <a:spcPct val="90000"/>
-              </a:lnSpc>
-              <a:buNone/>
-            </a:pPr>
-            <a:r>
-              <a:rPr lang="pt-PT" sz="4000" b="0" strike="noStrike" spc="-1" dirty="0">
-                <a:solidFill>
-                  <a:srgbClr val="870F11"/>
-                </a:solidFill>
-                <a:latin typeface="Calibri"/>
-              </a:rPr>
-              <a:t>Apresentação e explicação da</a:t>
-            </a:r>
-            <a:br>
-              <a:rPr lang="pt-PT" sz="4000" b="0" strike="noStrike" spc="-1" dirty="0">
-                <a:solidFill>
-                  <a:srgbClr val="870F11"/>
-                </a:solidFill>
-                <a:latin typeface="Calibri"/>
-              </a:rPr>
-            </a:br>
-            <a:r>
-              <a:rPr lang="pt-PT" sz="4000" b="0" strike="noStrike" spc="-1" dirty="0">
-                <a:solidFill>
-                  <a:srgbClr val="870F11"/>
-                </a:solidFill>
-                <a:latin typeface="Calibri"/>
-              </a:rPr>
-              <a:t>base de dados implementada</a:t>
-            </a:r>
-            <a:endParaRPr lang="en-US" sz="4000" b="0" strike="noStrike" spc="-1" dirty="0">
-              <a:latin typeface="Arial"/>
-            </a:endParaRPr>
-          </a:p>
-        </p:txBody>
-      </p:sp>
-      <p:sp>
-        <p:nvSpPr>
-          <p:cNvPr id="57" name="Retângulo 4">
-            <a:extLst>
-              <a:ext uri="{FF2B5EF4-FFF2-40B4-BE49-F238E27FC236}">
-                <a16:creationId xmlns:a16="http://schemas.microsoft.com/office/drawing/2014/main" id="{3D6462E1-95BB-0FD7-9ED3-BA60806897F3}"/>
-              </a:ext>
-            </a:extLst>
-          </p:cNvPr>
-          <p:cNvSpPr/>
-          <p:nvPr/>
-        </p:nvSpPr>
-        <p:spPr>
-          <a:xfrm>
-            <a:off x="0" y="6233760"/>
-            <a:ext cx="12189960" cy="622080"/>
-          </a:xfrm>
-          <a:prstGeom prst="rect">
-            <a:avLst/>
-          </a:prstGeom>
-          <a:solidFill>
-            <a:srgbClr val="870F11"/>
-          </a:solidFill>
-          <a:ln>
-            <a:solidFill>
-              <a:srgbClr val="870F11"/>
-            </a:solidFill>
-          </a:ln>
-        </p:spPr>
-        <p:style>
-          <a:lnRef idx="2">
-            <a:schemeClr val="accent1">
-              <a:shade val="50000"/>
-            </a:schemeClr>
-          </a:lnRef>
-          <a:fillRef idx="1">
-            <a:schemeClr val="accent1"/>
-          </a:fillRef>
-          <a:effectRef idx="0">
-            <a:schemeClr val="accent1"/>
-          </a:effectRef>
-          <a:fontRef idx="minor"/>
-        </p:style>
-        <p:txBody>
-          <a:bodyPr/>
-          <a:lstStyle/>
-          <a:p>
-            <a:endParaRPr lang="pt-PT"/>
-          </a:p>
-        </p:txBody>
-      </p:sp>
-      <p:sp>
-        <p:nvSpPr>
-          <p:cNvPr id="58" name="CaixaDeTexto 5">
-            <a:extLst>
-              <a:ext uri="{FF2B5EF4-FFF2-40B4-BE49-F238E27FC236}">
-                <a16:creationId xmlns:a16="http://schemas.microsoft.com/office/drawing/2014/main" id="{1B6A78CC-787D-E453-22CC-EEE2DBEFDABF}"/>
-              </a:ext>
-            </a:extLst>
-          </p:cNvPr>
-          <p:cNvSpPr/>
-          <p:nvPr/>
-        </p:nvSpPr>
-        <p:spPr>
-          <a:xfrm>
-            <a:off x="1489680" y="1828800"/>
-            <a:ext cx="9024480" cy="829543"/>
-          </a:xfrm>
-          <a:prstGeom prst="rect">
-            <a:avLst/>
-          </a:prstGeom>
-          <a:noFill/>
-          <a:ln w="0">
-            <a:noFill/>
-          </a:ln>
-        </p:spPr>
-        <p:style>
-          <a:lnRef idx="0">
-            <a:scrgbClr r="0" g="0" b="0"/>
-          </a:lnRef>
-          <a:fillRef idx="0">
-            <a:scrgbClr r="0" g="0" b="0"/>
-          </a:fillRef>
-          <a:effectRef idx="0">
-            <a:scrgbClr r="0" g="0" b="0"/>
-          </a:effectRef>
-          <a:fontRef idx="minor"/>
-        </p:style>
-        <p:txBody>
-          <a:bodyPr vertOverflow="overflow" horzOverflow="overflow" lIns="90000" tIns="45000" rIns="90000" bIns="45000" numCol="1" spcCol="0" anchor="t">
-            <a:spAutoFit/>
-          </a:bodyPr>
-          <a:lstStyle/>
-          <a:p>
-            <a:pPr algn="ctr">
-              <a:lnSpc>
-                <a:spcPct val="100000"/>
-              </a:lnSpc>
-              <a:buNone/>
-            </a:pPr>
-            <a:endParaRPr lang="en-US" sz="2400" b="0" strike="noStrike" spc="-1" dirty="0">
-              <a:latin typeface="Arial"/>
-            </a:endParaRPr>
-          </a:p>
-          <a:p>
-            <a:pPr algn="ctr">
-              <a:lnSpc>
-                <a:spcPct val="100000"/>
-              </a:lnSpc>
-              <a:buNone/>
-            </a:pPr>
-            <a:endParaRPr lang="en-US" sz="2400" b="0" strike="noStrike" spc="-1" dirty="0">
-              <a:latin typeface="Arial"/>
-            </a:endParaRPr>
-          </a:p>
-        </p:txBody>
-      </p:sp>
-      <p:pic>
-        <p:nvPicPr>
-          <p:cNvPr id="59" name="Imagem 3">
-            <a:extLst>
-              <a:ext uri="{FF2B5EF4-FFF2-40B4-BE49-F238E27FC236}">
-                <a16:creationId xmlns:a16="http://schemas.microsoft.com/office/drawing/2014/main" id="{43DCB346-6D50-17ED-16D6-EDBED7B59E1F}"/>
-              </a:ext>
-            </a:extLst>
-          </p:cNvPr>
-          <p:cNvPicPr/>
-          <p:nvPr/>
-        </p:nvPicPr>
-        <p:blipFill>
-          <a:blip r:embed="rId2"/>
-          <a:stretch/>
-        </p:blipFill>
-        <p:spPr>
-          <a:xfrm>
-            <a:off x="3240" y="6261480"/>
-            <a:ext cx="1236960" cy="709200"/>
-          </a:xfrm>
-          <a:prstGeom prst="rect">
-            <a:avLst/>
-          </a:prstGeom>
-          <a:ln w="0">
-            <a:noFill/>
-          </a:ln>
-        </p:spPr>
-      </p:pic>
-      <p:sp>
-        <p:nvSpPr>
-          <p:cNvPr id="60" name="CaixaDeTexto 1">
-            <a:extLst>
-              <a:ext uri="{FF2B5EF4-FFF2-40B4-BE49-F238E27FC236}">
-                <a16:creationId xmlns:a16="http://schemas.microsoft.com/office/drawing/2014/main" id="{02BE17A1-33F9-AD2A-9804-D7B5E2EDC34E}"/>
-              </a:ext>
-            </a:extLst>
-          </p:cNvPr>
-          <p:cNvSpPr/>
-          <p:nvPr/>
-        </p:nvSpPr>
-        <p:spPr>
-          <a:xfrm>
-            <a:off x="6629400" y="6362640"/>
-            <a:ext cx="5855760" cy="337100"/>
-          </a:xfrm>
-          <a:prstGeom prst="rect">
-            <a:avLst/>
-          </a:prstGeom>
-          <a:noFill/>
-          <a:ln w="0">
-            <a:noFill/>
-          </a:ln>
-        </p:spPr>
-        <p:style>
-          <a:lnRef idx="0">
-            <a:scrgbClr r="0" g="0" b="0"/>
-          </a:lnRef>
-          <a:fillRef idx="0">
-            <a:scrgbClr r="0" g="0" b="0"/>
-          </a:fillRef>
-          <a:effectRef idx="0">
-            <a:scrgbClr r="0" g="0" b="0"/>
-          </a:effectRef>
-          <a:fontRef idx="minor"/>
-        </p:style>
-        <p:txBody>
-          <a:bodyPr vertOverflow="overflow" horzOverflow="overflow" lIns="90000" tIns="45000" rIns="90000" bIns="45000" numCol="1" spcCol="0" anchor="t">
-            <a:spAutoFit/>
-          </a:bodyPr>
-          <a:lstStyle/>
-          <a:p>
-            <a:pPr>
-              <a:lnSpc>
-                <a:spcPct val="100000"/>
-              </a:lnSpc>
-              <a:buNone/>
-            </a:pPr>
-            <a:r>
-              <a:rPr lang="pt-PT" sz="1600" b="0" strike="noStrike" spc="-1" dirty="0">
-                <a:solidFill>
-                  <a:srgbClr val="FFFFFF"/>
-                </a:solidFill>
-                <a:latin typeface="Calibri"/>
-                <a:ea typeface="DejaVu Sans"/>
-              </a:rPr>
-              <a:t>Bases de Dados – Jogos Olímpicos   |   Parte 2 - Grupo 8</a:t>
-            </a:r>
-            <a:endParaRPr lang="en-US" sz="1600" b="0" strike="noStrike" spc="-1" dirty="0">
-              <a:latin typeface="Arial"/>
-            </a:endParaRPr>
-          </a:p>
-        </p:txBody>
-      </p:sp>
-    </p:spTree>
-    <p:extLst>
-      <p:ext uri="{BB962C8B-B14F-4D97-AF65-F5344CB8AC3E}">
-        <p14:creationId xmlns:p14="http://schemas.microsoft.com/office/powerpoint/2010/main" val="3212710649"/>
+        <p14:creationId xmlns:p14="http://schemas.microsoft.com/office/powerpoint/2010/main" val="367112552"/>
       </p:ext>
     </p:extLst>
   </p:cSld>

--- a/BD_TPgr8-pt2.pptx
+++ b/BD_TPgr8-pt2.pptx
@@ -5,7 +5,7 @@
     <p:sldMasterId id="2147483648" r:id="rId1"/>
   </p:sldMasterIdLst>
   <p:notesMasterIdLst>
-    <p:notesMasterId r:id="rId20"/>
+    <p:notesMasterId r:id="rId28"/>
   </p:notesMasterIdLst>
   <p:sldIdLst>
     <p:sldId id="256" r:id="rId2"/>
@@ -24,8 +24,16 @@
     <p:sldId id="262" r:id="rId15"/>
     <p:sldId id="261" r:id="rId16"/>
     <p:sldId id="274" r:id="rId17"/>
-    <p:sldId id="275" r:id="rId18"/>
-    <p:sldId id="269" r:id="rId19"/>
+    <p:sldId id="277" r:id="rId18"/>
+    <p:sldId id="275" r:id="rId19"/>
+    <p:sldId id="279" r:id="rId20"/>
+    <p:sldId id="276" r:id="rId21"/>
+    <p:sldId id="278" r:id="rId22"/>
+    <p:sldId id="280" r:id="rId23"/>
+    <p:sldId id="283" r:id="rId24"/>
+    <p:sldId id="281" r:id="rId25"/>
+    <p:sldId id="282" r:id="rId26"/>
+    <p:sldId id="269" r:id="rId27"/>
   </p:sldIdLst>
   <p:sldSz cx="12192000" cy="6858000"/>
   <p:notesSz cx="7772400" cy="10058400"/>
@@ -6719,7 +6727,7 @@
         <p:cNvPr id="1" name="">
           <a:extLst>
             <a:ext uri="{FF2B5EF4-FFF2-40B4-BE49-F238E27FC236}">
-              <a16:creationId xmlns:a16="http://schemas.microsoft.com/office/drawing/2014/main" id="{EC1B02B5-7C5F-1794-ACAA-B80A395903CE}"/>
+              <a16:creationId xmlns:a16="http://schemas.microsoft.com/office/drawing/2014/main" id="{5365E27C-1B2A-CB5F-0E77-06A30F6C011D}"/>
             </a:ext>
           </a:extLst>
         </p:cNvPr>
@@ -6739,7 +6747,7 @@
           <p:cNvPr id="56" name="PlaceHolder 1">
             <a:extLst>
               <a:ext uri="{FF2B5EF4-FFF2-40B4-BE49-F238E27FC236}">
-                <a16:creationId xmlns:a16="http://schemas.microsoft.com/office/drawing/2014/main" id="{13D40603-5E11-4974-F709-9BEC01990AFA}"/>
+                <a16:creationId xmlns:a16="http://schemas.microsoft.com/office/drawing/2014/main" id="{CF47DD45-D43B-CCBD-F2EB-02E42BD79F8B}"/>
               </a:ext>
             </a:extLst>
           </p:cNvPr>
@@ -6782,7 +6790,24 @@
                 </a:solidFill>
                 <a:latin typeface="Calibri"/>
               </a:rPr>
-              <a:t>Cálculo do …</a:t>
+              <a:t>Cálculo do espaço inicial da base de dados</a:t>
+            </a:r>
+            <a:br>
+              <a:rPr lang="pt-PT" sz="4000" b="0" strike="noStrike" spc="-1" dirty="0">
+                <a:solidFill>
+                  <a:srgbClr val="870F11"/>
+                </a:solidFill>
+                <a:latin typeface="Calibri"/>
+              </a:rPr>
+            </a:br>
+            <a:r>
+              <a:rPr lang="pt-PT" sz="4000" b="0" strike="noStrike" spc="-1" dirty="0">
+                <a:solidFill>
+                  <a:srgbClr val="870F11"/>
+                </a:solidFill>
+                <a:latin typeface="Calibri"/>
+              </a:rPr>
+              <a:t>e sua taxa de crescimento anual</a:t>
             </a:r>
             <a:endParaRPr lang="en-US" sz="4000" b="0" strike="noStrike" spc="-1" dirty="0">
               <a:latin typeface="Arial"/>
@@ -6795,7 +6820,7 @@
           <p:cNvPr id="57" name="Retângulo 4">
             <a:extLst>
               <a:ext uri="{FF2B5EF4-FFF2-40B4-BE49-F238E27FC236}">
-                <a16:creationId xmlns:a16="http://schemas.microsoft.com/office/drawing/2014/main" id="{6BC935C0-F318-ED1B-B924-E43634BA47FA}"/>
+                <a16:creationId xmlns:a16="http://schemas.microsoft.com/office/drawing/2014/main" id="{B5C46074-F5CC-A4E5-DD64-BC12534C17ED}"/>
               </a:ext>
             </a:extLst>
           </p:cNvPr>
@@ -6846,7 +6871,7 @@
           <p:cNvPr id="58" name="CaixaDeTexto 5">
             <a:extLst>
               <a:ext uri="{FF2B5EF4-FFF2-40B4-BE49-F238E27FC236}">
-                <a16:creationId xmlns:a16="http://schemas.microsoft.com/office/drawing/2014/main" id="{000EE36B-775F-42E2-7D51-491AAF44DD7D}"/>
+                <a16:creationId xmlns:a16="http://schemas.microsoft.com/office/drawing/2014/main" id="{507CF98B-50D9-37B9-0825-F5BF1775D289}"/>
               </a:ext>
             </a:extLst>
           </p:cNvPr>
@@ -6912,7 +6937,7 @@
           <p:cNvPr id="59" name="Imagem 3">
             <a:extLst>
               <a:ext uri="{FF2B5EF4-FFF2-40B4-BE49-F238E27FC236}">
-                <a16:creationId xmlns:a16="http://schemas.microsoft.com/office/drawing/2014/main" id="{42630B68-09F2-DE78-75F9-2E3190A0CF47}"/>
+                <a16:creationId xmlns:a16="http://schemas.microsoft.com/office/drawing/2014/main" id="{B327B180-2B77-2D8E-1FAF-85DF9E2BDB38}"/>
               </a:ext>
             </a:extLst>
           </p:cNvPr>
@@ -6941,7 +6966,7 @@
           <p:cNvPr id="60" name="CaixaDeTexto 1">
             <a:extLst>
               <a:ext uri="{FF2B5EF4-FFF2-40B4-BE49-F238E27FC236}">
-                <a16:creationId xmlns:a16="http://schemas.microsoft.com/office/drawing/2014/main" id="{3DB68C47-DD42-7B79-4BC8-37CEC544AD53}"/>
+                <a16:creationId xmlns:a16="http://schemas.microsoft.com/office/drawing/2014/main" id="{26AC517E-2751-371E-10D6-969512E3913F}"/>
               </a:ext>
             </a:extLst>
           </p:cNvPr>
@@ -7001,10 +7026,516 @@
           </a:p>
         </p:txBody>
       </p:sp>
+      <p:graphicFrame>
+        <p:nvGraphicFramePr>
+          <p:cNvPr id="2" name="Tabela 1">
+            <a:extLst>
+              <a:ext uri="{FF2B5EF4-FFF2-40B4-BE49-F238E27FC236}">
+                <a16:creationId xmlns:a16="http://schemas.microsoft.com/office/drawing/2014/main" id="{96CF2D85-FF8F-EFB1-61B8-F3C042EFAAF6}"/>
+              </a:ext>
+            </a:extLst>
+          </p:cNvPr>
+          <p:cNvGraphicFramePr>
+            <a:graphicFrameLocks noGrp="1"/>
+          </p:cNvGraphicFramePr>
+          <p:nvPr>
+            <p:extLst>
+              <p:ext uri="{D42A27DB-BD31-4B8C-83A1-F6EECF244321}">
+                <p14:modId xmlns:p14="http://schemas.microsoft.com/office/powerpoint/2010/main" val="3300653812"/>
+              </p:ext>
+            </p:extLst>
+          </p:nvPr>
+        </p:nvGraphicFramePr>
+        <p:xfrm>
+          <a:off x="1525680" y="2336800"/>
+          <a:ext cx="9024480" cy="2666736"/>
+        </p:xfrm>
+        <a:graphic>
+          <a:graphicData uri="http://schemas.openxmlformats.org/drawingml/2006/table">
+            <a:tbl>
+              <a:tblPr>
+                <a:tableStyleId>{5C22544A-7EE6-4342-B048-85BDC9FD1C3A}</a:tableStyleId>
+              </a:tblPr>
+              <a:tblGrid>
+                <a:gridCol w="4510117">
+                  <a:extLst>
+                    <a:ext uri="{9D8B030D-6E8A-4147-A177-3AD203B41FA5}">
+                      <a16:colId xmlns:a16="http://schemas.microsoft.com/office/drawing/2014/main" val="1591339019"/>
+                    </a:ext>
+                  </a:extLst>
+                </a:gridCol>
+                <a:gridCol w="4514363">
+                  <a:extLst>
+                    <a:ext uri="{9D8B030D-6E8A-4147-A177-3AD203B41FA5}">
+                      <a16:colId xmlns:a16="http://schemas.microsoft.com/office/drawing/2014/main" val="2181530519"/>
+                    </a:ext>
+                  </a:extLst>
+                </a:gridCol>
+              </a:tblGrid>
+              <a:tr h="333342">
+                <a:tc>
+                  <a:txBody>
+                    <a:bodyPr/>
+                    <a:lstStyle/>
+                    <a:p>
+                      <a:pPr algn="ctr">
+                        <a:lnSpc>
+                          <a:spcPct val="150000"/>
+                        </a:lnSpc>
+                      </a:pPr>
+                      <a:r>
+                        <a:rPr lang="en-US" sz="1000" dirty="0">
+                          <a:effectLst/>
+                        </a:rPr>
+                        <a:t>Tipo de Dados</a:t>
+                      </a:r>
+                      <a:endParaRPr lang="pt-PT" sz="1000" dirty="0">
+                        <a:effectLst/>
+                        <a:latin typeface="Arial" panose="020B0604020202020204" pitchFamily="34" charset="0"/>
+                        <a:ea typeface="Times New Roman" panose="02020603050405020304" pitchFamily="18" charset="0"/>
+                      </a:endParaRPr>
+                    </a:p>
+                  </a:txBody>
+                  <a:tcPr marL="34925" marR="34925" marT="34925" marB="34925"/>
+                </a:tc>
+                <a:tc>
+                  <a:txBody>
+                    <a:bodyPr/>
+                    <a:lstStyle/>
+                    <a:p>
+                      <a:pPr algn="ctr">
+                        <a:lnSpc>
+                          <a:spcPct val="150000"/>
+                        </a:lnSpc>
+                      </a:pPr>
+                      <a:r>
+                        <a:rPr lang="en-US" sz="1000">
+                          <a:effectLst/>
+                        </a:rPr>
+                        <a:t>Tamanho (bytes)</a:t>
+                      </a:r>
+                      <a:endParaRPr lang="pt-PT" sz="1000">
+                        <a:effectLst/>
+                        <a:latin typeface="Arial" panose="020B0604020202020204" pitchFamily="34" charset="0"/>
+                        <a:ea typeface="Times New Roman" panose="02020603050405020304" pitchFamily="18" charset="0"/>
+                      </a:endParaRPr>
+                    </a:p>
+                  </a:txBody>
+                  <a:tcPr marL="34925" marR="34925" marT="34925" marB="34925"/>
+                </a:tc>
+                <a:extLst>
+                  <a:ext uri="{0D108BD9-81ED-4DB2-BD59-A6C34878D82A}">
+                    <a16:rowId xmlns:a16="http://schemas.microsoft.com/office/drawing/2014/main" val="3389011452"/>
+                  </a:ext>
+                </a:extLst>
+              </a:tr>
+              <a:tr h="333342">
+                <a:tc>
+                  <a:txBody>
+                    <a:bodyPr/>
+                    <a:lstStyle/>
+                    <a:p>
+                      <a:pPr algn="ctr">
+                        <a:lnSpc>
+                          <a:spcPct val="150000"/>
+                        </a:lnSpc>
+                      </a:pPr>
+                      <a:r>
+                        <a:rPr lang="en-US" sz="1000">
+                          <a:effectLst/>
+                        </a:rPr>
+                        <a:t>INT</a:t>
+                      </a:r>
+                      <a:endParaRPr lang="pt-PT" sz="1000">
+                        <a:effectLst/>
+                        <a:latin typeface="Arial" panose="020B0604020202020204" pitchFamily="34" charset="0"/>
+                        <a:ea typeface="Times New Roman" panose="02020603050405020304" pitchFamily="18" charset="0"/>
+                      </a:endParaRPr>
+                    </a:p>
+                  </a:txBody>
+                  <a:tcPr marL="34925" marR="34925" marT="34925" marB="34925"/>
+                </a:tc>
+                <a:tc>
+                  <a:txBody>
+                    <a:bodyPr/>
+                    <a:lstStyle/>
+                    <a:p>
+                      <a:pPr algn="ctr">
+                        <a:lnSpc>
+                          <a:spcPct val="150000"/>
+                        </a:lnSpc>
+                      </a:pPr>
+                      <a:r>
+                        <a:rPr lang="en-US" sz="1000">
+                          <a:effectLst/>
+                        </a:rPr>
+                        <a:t>4</a:t>
+                      </a:r>
+                      <a:endParaRPr lang="pt-PT" sz="1000">
+                        <a:effectLst/>
+                        <a:latin typeface="Arial" panose="020B0604020202020204" pitchFamily="34" charset="0"/>
+                        <a:ea typeface="Times New Roman" panose="02020603050405020304" pitchFamily="18" charset="0"/>
+                      </a:endParaRPr>
+                    </a:p>
+                  </a:txBody>
+                  <a:tcPr marL="34925" marR="34925" marT="34925" marB="34925"/>
+                </a:tc>
+                <a:extLst>
+                  <a:ext uri="{0D108BD9-81ED-4DB2-BD59-A6C34878D82A}">
+                    <a16:rowId xmlns:a16="http://schemas.microsoft.com/office/drawing/2014/main" val="1461427715"/>
+                  </a:ext>
+                </a:extLst>
+              </a:tr>
+              <a:tr h="333342">
+                <a:tc>
+                  <a:txBody>
+                    <a:bodyPr/>
+                    <a:lstStyle/>
+                    <a:p>
+                      <a:pPr algn="ctr">
+                        <a:lnSpc>
+                          <a:spcPct val="150000"/>
+                        </a:lnSpc>
+                      </a:pPr>
+                      <a:r>
+                        <a:rPr lang="en-US" sz="1000">
+                          <a:effectLst/>
+                        </a:rPr>
+                        <a:t>DATE</a:t>
+                      </a:r>
+                      <a:endParaRPr lang="pt-PT" sz="1000">
+                        <a:effectLst/>
+                        <a:latin typeface="Arial" panose="020B0604020202020204" pitchFamily="34" charset="0"/>
+                        <a:ea typeface="Times New Roman" panose="02020603050405020304" pitchFamily="18" charset="0"/>
+                      </a:endParaRPr>
+                    </a:p>
+                  </a:txBody>
+                  <a:tcPr marL="34925" marR="34925" marT="34925" marB="34925"/>
+                </a:tc>
+                <a:tc>
+                  <a:txBody>
+                    <a:bodyPr/>
+                    <a:lstStyle/>
+                    <a:p>
+                      <a:pPr algn="ctr">
+                        <a:lnSpc>
+                          <a:spcPct val="150000"/>
+                        </a:lnSpc>
+                      </a:pPr>
+                      <a:r>
+                        <a:rPr lang="en-US" sz="1000">
+                          <a:effectLst/>
+                        </a:rPr>
+                        <a:t>3</a:t>
+                      </a:r>
+                      <a:endParaRPr lang="pt-PT" sz="1000">
+                        <a:effectLst/>
+                        <a:latin typeface="Arial" panose="020B0604020202020204" pitchFamily="34" charset="0"/>
+                        <a:ea typeface="Times New Roman" panose="02020603050405020304" pitchFamily="18" charset="0"/>
+                      </a:endParaRPr>
+                    </a:p>
+                  </a:txBody>
+                  <a:tcPr marL="34925" marR="34925" marT="34925" marB="34925"/>
+                </a:tc>
+                <a:extLst>
+                  <a:ext uri="{0D108BD9-81ED-4DB2-BD59-A6C34878D82A}">
+                    <a16:rowId xmlns:a16="http://schemas.microsoft.com/office/drawing/2014/main" val="72145552"/>
+                  </a:ext>
+                </a:extLst>
+              </a:tr>
+              <a:tr h="333342">
+                <a:tc>
+                  <a:txBody>
+                    <a:bodyPr/>
+                    <a:lstStyle/>
+                    <a:p>
+                      <a:pPr algn="ctr">
+                        <a:lnSpc>
+                          <a:spcPct val="150000"/>
+                        </a:lnSpc>
+                      </a:pPr>
+                      <a:r>
+                        <a:rPr lang="en-US" sz="1000">
+                          <a:effectLst/>
+                        </a:rPr>
+                        <a:t>VARCHAR(M)</a:t>
+                      </a:r>
+                      <a:endParaRPr lang="pt-PT" sz="1000">
+                        <a:effectLst/>
+                        <a:latin typeface="Arial" panose="020B0604020202020204" pitchFamily="34" charset="0"/>
+                        <a:ea typeface="Times New Roman" panose="02020603050405020304" pitchFamily="18" charset="0"/>
+                      </a:endParaRPr>
+                    </a:p>
+                  </a:txBody>
+                  <a:tcPr marL="34925" marR="34925" marT="34925" marB="34925"/>
+                </a:tc>
+                <a:tc>
+                  <a:txBody>
+                    <a:bodyPr/>
+                    <a:lstStyle/>
+                    <a:p>
+                      <a:pPr algn="ctr">
+                        <a:lnSpc>
+                          <a:spcPct val="150000"/>
+                        </a:lnSpc>
+                      </a:pPr>
+                      <a:r>
+                        <a:rPr lang="pt-PT" sz="1000" dirty="0">
+                          <a:effectLst/>
+                        </a:rPr>
+                        <a:t>L + 1 bytes caso a coluna necessite 0 − 255 bytes</a:t>
+                      </a:r>
+                      <a:endParaRPr lang="pt-PT" sz="1000" dirty="0">
+                        <a:effectLst/>
+                        <a:latin typeface="Arial" panose="020B0604020202020204" pitchFamily="34" charset="0"/>
+                        <a:ea typeface="Times New Roman" panose="02020603050405020304" pitchFamily="18" charset="0"/>
+                      </a:endParaRPr>
+                    </a:p>
+                  </a:txBody>
+                  <a:tcPr marL="34925" marR="34925" marT="34925" marB="34925"/>
+                </a:tc>
+                <a:extLst>
+                  <a:ext uri="{0D108BD9-81ED-4DB2-BD59-A6C34878D82A}">
+                    <a16:rowId xmlns:a16="http://schemas.microsoft.com/office/drawing/2014/main" val="4189297122"/>
+                  </a:ext>
+                </a:extLst>
+              </a:tr>
+              <a:tr h="333342">
+                <a:tc>
+                  <a:txBody>
+                    <a:bodyPr/>
+                    <a:lstStyle/>
+                    <a:p>
+                      <a:pPr algn="ctr">
+                        <a:lnSpc>
+                          <a:spcPct val="150000"/>
+                        </a:lnSpc>
+                      </a:pPr>
+                      <a:r>
+                        <a:rPr lang="en-US" sz="1000">
+                          <a:effectLst/>
+                        </a:rPr>
+                        <a:t>DECIMAL (M,D)</a:t>
+                      </a:r>
+                      <a:endParaRPr lang="pt-PT" sz="1000">
+                        <a:effectLst/>
+                        <a:latin typeface="Arial" panose="020B0604020202020204" pitchFamily="34" charset="0"/>
+                        <a:ea typeface="Times New Roman" panose="02020603050405020304" pitchFamily="18" charset="0"/>
+                      </a:endParaRPr>
+                    </a:p>
+                  </a:txBody>
+                  <a:tcPr marL="34925" marR="34925" marT="34925" marB="34925"/>
+                </a:tc>
+                <a:tc>
+                  <a:txBody>
+                    <a:bodyPr/>
+                    <a:lstStyle/>
+                    <a:p>
+                      <a:pPr algn="ctr">
+                        <a:lnSpc>
+                          <a:spcPct val="150000"/>
+                        </a:lnSpc>
+                      </a:pPr>
+                      <a:r>
+                        <a:rPr lang="en-US" sz="1000">
+                          <a:effectLst/>
+                        </a:rPr>
+                        <a:t>M + 2</a:t>
+                      </a:r>
+                      <a:endParaRPr lang="pt-PT" sz="1000">
+                        <a:effectLst/>
+                        <a:latin typeface="Arial" panose="020B0604020202020204" pitchFamily="34" charset="0"/>
+                        <a:ea typeface="Times New Roman" panose="02020603050405020304" pitchFamily="18" charset="0"/>
+                      </a:endParaRPr>
+                    </a:p>
+                  </a:txBody>
+                  <a:tcPr marL="34925" marR="34925" marT="34925" marB="34925"/>
+                </a:tc>
+                <a:extLst>
+                  <a:ext uri="{0D108BD9-81ED-4DB2-BD59-A6C34878D82A}">
+                    <a16:rowId xmlns:a16="http://schemas.microsoft.com/office/drawing/2014/main" val="2815754688"/>
+                  </a:ext>
+                </a:extLst>
+              </a:tr>
+              <a:tr h="333342">
+                <a:tc>
+                  <a:txBody>
+                    <a:bodyPr/>
+                    <a:lstStyle/>
+                    <a:p>
+                      <a:pPr algn="ctr">
+                        <a:lnSpc>
+                          <a:spcPct val="150000"/>
+                        </a:lnSpc>
+                      </a:pPr>
+                      <a:r>
+                        <a:rPr lang="en-US" sz="1000">
+                          <a:effectLst/>
+                        </a:rPr>
+                        <a:t>TINYINT</a:t>
+                      </a:r>
+                      <a:endParaRPr lang="pt-PT" sz="1000">
+                        <a:effectLst/>
+                        <a:latin typeface="Arial" panose="020B0604020202020204" pitchFamily="34" charset="0"/>
+                        <a:ea typeface="Times New Roman" panose="02020603050405020304" pitchFamily="18" charset="0"/>
+                      </a:endParaRPr>
+                    </a:p>
+                  </a:txBody>
+                  <a:tcPr marL="34925" marR="34925" marT="34925" marB="34925"/>
+                </a:tc>
+                <a:tc>
+                  <a:txBody>
+                    <a:bodyPr/>
+                    <a:lstStyle/>
+                    <a:p>
+                      <a:pPr algn="ctr">
+                        <a:lnSpc>
+                          <a:spcPct val="150000"/>
+                        </a:lnSpc>
+                      </a:pPr>
+                      <a:r>
+                        <a:rPr lang="en-US" sz="1000">
+                          <a:effectLst/>
+                        </a:rPr>
+                        <a:t>1</a:t>
+                      </a:r>
+                      <a:endParaRPr lang="pt-PT" sz="1000">
+                        <a:effectLst/>
+                        <a:latin typeface="Arial" panose="020B0604020202020204" pitchFamily="34" charset="0"/>
+                        <a:ea typeface="Times New Roman" panose="02020603050405020304" pitchFamily="18" charset="0"/>
+                      </a:endParaRPr>
+                    </a:p>
+                  </a:txBody>
+                  <a:tcPr marL="34925" marR="34925" marT="34925" marB="34925"/>
+                </a:tc>
+                <a:extLst>
+                  <a:ext uri="{0D108BD9-81ED-4DB2-BD59-A6C34878D82A}">
+                    <a16:rowId xmlns:a16="http://schemas.microsoft.com/office/drawing/2014/main" val="1229469565"/>
+                  </a:ext>
+                </a:extLst>
+              </a:tr>
+              <a:tr h="333342">
+                <a:tc>
+                  <a:txBody>
+                    <a:bodyPr/>
+                    <a:lstStyle/>
+                    <a:p>
+                      <a:pPr algn="ctr">
+                        <a:lnSpc>
+                          <a:spcPct val="150000"/>
+                        </a:lnSpc>
+                      </a:pPr>
+                      <a:r>
+                        <a:rPr lang="en-US" sz="1000">
+                          <a:effectLst/>
+                        </a:rPr>
+                        <a:t>DATETIME</a:t>
+                      </a:r>
+                      <a:endParaRPr lang="pt-PT" sz="1000">
+                        <a:effectLst/>
+                        <a:latin typeface="Arial" panose="020B0604020202020204" pitchFamily="34" charset="0"/>
+                        <a:ea typeface="Times New Roman" panose="02020603050405020304" pitchFamily="18" charset="0"/>
+                      </a:endParaRPr>
+                    </a:p>
+                  </a:txBody>
+                  <a:tcPr marL="34925" marR="34925" marT="34925" marB="34925"/>
+                </a:tc>
+                <a:tc>
+                  <a:txBody>
+                    <a:bodyPr/>
+                    <a:lstStyle/>
+                    <a:p>
+                      <a:pPr algn="ctr">
+                        <a:lnSpc>
+                          <a:spcPct val="150000"/>
+                        </a:lnSpc>
+                      </a:pPr>
+                      <a:r>
+                        <a:rPr lang="en-US" sz="1000">
+                          <a:effectLst/>
+                        </a:rPr>
+                        <a:t>8</a:t>
+                      </a:r>
+                      <a:endParaRPr lang="pt-PT" sz="1000">
+                        <a:effectLst/>
+                        <a:latin typeface="Arial" panose="020B0604020202020204" pitchFamily="34" charset="0"/>
+                        <a:ea typeface="Times New Roman" panose="02020603050405020304" pitchFamily="18" charset="0"/>
+                      </a:endParaRPr>
+                    </a:p>
+                  </a:txBody>
+                  <a:tcPr marL="34925" marR="34925" marT="34925" marB="34925"/>
+                </a:tc>
+                <a:extLst>
+                  <a:ext uri="{0D108BD9-81ED-4DB2-BD59-A6C34878D82A}">
+                    <a16:rowId xmlns:a16="http://schemas.microsoft.com/office/drawing/2014/main" val="2928216962"/>
+                  </a:ext>
+                </a:extLst>
+              </a:tr>
+              <a:tr h="333342">
+                <a:tc>
+                  <a:txBody>
+                    <a:bodyPr/>
+                    <a:lstStyle/>
+                    <a:p>
+                      <a:pPr algn="ctr">
+                        <a:lnSpc>
+                          <a:spcPct val="150000"/>
+                        </a:lnSpc>
+                      </a:pPr>
+                      <a:r>
+                        <a:rPr lang="en-US" sz="1000">
+                          <a:effectLst/>
+                        </a:rPr>
+                        <a:t>TIME</a:t>
+                      </a:r>
+                      <a:endParaRPr lang="pt-PT" sz="1000">
+                        <a:effectLst/>
+                        <a:latin typeface="Arial" panose="020B0604020202020204" pitchFamily="34" charset="0"/>
+                        <a:ea typeface="Times New Roman" panose="02020603050405020304" pitchFamily="18" charset="0"/>
+                      </a:endParaRPr>
+                    </a:p>
+                  </a:txBody>
+                  <a:tcPr marL="34925" marR="34925" marT="34925" marB="34925"/>
+                </a:tc>
+                <a:tc>
+                  <a:txBody>
+                    <a:bodyPr/>
+                    <a:lstStyle/>
+                    <a:p>
+                      <a:pPr algn="ctr">
+                        <a:lnSpc>
+                          <a:spcPct val="150000"/>
+                        </a:lnSpc>
+                      </a:pPr>
+                      <a:r>
+                        <a:rPr lang="en-US" sz="1000" dirty="0">
+                          <a:effectLst/>
+                        </a:rPr>
+                        <a:t>6</a:t>
+                      </a:r>
+                      <a:endParaRPr lang="pt-PT" sz="1000" dirty="0">
+                        <a:effectLst/>
+                        <a:latin typeface="Arial" panose="020B0604020202020204" pitchFamily="34" charset="0"/>
+                        <a:ea typeface="Times New Roman" panose="02020603050405020304" pitchFamily="18" charset="0"/>
+                      </a:endParaRPr>
+                    </a:p>
+                  </a:txBody>
+                  <a:tcPr marL="34925" marR="34925" marT="34925" marB="34925"/>
+                </a:tc>
+                <a:extLst>
+                  <a:ext uri="{0D108BD9-81ED-4DB2-BD59-A6C34878D82A}">
+                    <a16:rowId xmlns:a16="http://schemas.microsoft.com/office/drawing/2014/main" val="569130684"/>
+                  </a:ext>
+                </a:extLst>
+              </a:tr>
+            </a:tbl>
+          </a:graphicData>
+        </a:graphic>
+      </p:graphicFrame>
     </p:spTree>
     <p:extLst>
       <p:ext uri="{BB962C8B-B14F-4D97-AF65-F5344CB8AC3E}">
-        <p14:creationId xmlns:p14="http://schemas.microsoft.com/office/powerpoint/2010/main" val="470089919"/>
+        <p14:creationId xmlns:p14="http://schemas.microsoft.com/office/powerpoint/2010/main" val="278707087"/>
       </p:ext>
     </p:extLst>
   </p:cSld>
@@ -7022,7 +7553,7 @@
         <p:cNvPr id="1" name="">
           <a:extLst>
             <a:ext uri="{FF2B5EF4-FFF2-40B4-BE49-F238E27FC236}">
-              <a16:creationId xmlns:a16="http://schemas.microsoft.com/office/drawing/2014/main" id="{8EA051DF-9370-6E1F-A966-FCFFF3AFAA4E}"/>
+              <a16:creationId xmlns:a16="http://schemas.microsoft.com/office/drawing/2014/main" id="{EC1B02B5-7C5F-1794-ACAA-B80A395903CE}"/>
             </a:ext>
           </a:extLst>
         </p:cNvPr>
@@ -7039,10 +7570,10 @@
       </p:grpSpPr>
       <p:sp>
         <p:nvSpPr>
-          <p:cNvPr id="51" name="PlaceHolder 1">
+          <p:cNvPr id="56" name="PlaceHolder 1">
             <a:extLst>
               <a:ext uri="{FF2B5EF4-FFF2-40B4-BE49-F238E27FC236}">
-                <a16:creationId xmlns:a16="http://schemas.microsoft.com/office/drawing/2014/main" id="{F5167765-DEF6-8118-1BA0-EACD0A05728A}"/>
+                <a16:creationId xmlns:a16="http://schemas.microsoft.com/office/drawing/2014/main" id="{13D40603-5E11-4974-F709-9BEC01990AFA}"/>
               </a:ext>
             </a:extLst>
           </p:cNvPr>
@@ -7079,16 +7610,32 @@
               <a:buNone/>
             </a:pPr>
             <a:r>
-              <a:rPr lang="pt-PT" sz="4400" b="0" u="sng" strike="noStrike" spc="-1" dirty="0">
+              <a:rPr lang="pt-PT" sz="4000" b="0" strike="noStrike" spc="-1" dirty="0">
                 <a:solidFill>
                   <a:srgbClr val="870F11"/>
                 </a:solidFill>
-                <a:uFillTx/>
                 <a:latin typeface="Calibri"/>
               </a:rPr>
-              <a:t>Conclusão e Trabalho Futuro</a:t>
-            </a:r>
-            <a:endParaRPr lang="en-US" sz="4400" b="0" strike="noStrike" spc="-1" dirty="0">
+              <a:t>Cálculo do espaço inicial da base de dados</a:t>
+            </a:r>
+            <a:br>
+              <a:rPr lang="pt-PT" sz="4000" b="0" strike="noStrike" spc="-1" dirty="0">
+                <a:solidFill>
+                  <a:srgbClr val="870F11"/>
+                </a:solidFill>
+                <a:latin typeface="Calibri"/>
+              </a:rPr>
+            </a:br>
+            <a:r>
+              <a:rPr lang="pt-PT" sz="4000" b="0" strike="noStrike" spc="-1" dirty="0">
+                <a:solidFill>
+                  <a:srgbClr val="870F11"/>
+                </a:solidFill>
+                <a:latin typeface="Calibri"/>
+              </a:rPr>
+              <a:t>e sua taxa de crescimento anual</a:t>
+            </a:r>
+            <a:endParaRPr lang="en-US" sz="4000" b="0" strike="noStrike" spc="-1" dirty="0">
               <a:latin typeface="Arial"/>
             </a:endParaRPr>
           </a:p>
@@ -7096,10 +7643,10 @@
       </p:sp>
       <p:sp>
         <p:nvSpPr>
-          <p:cNvPr id="52" name="Retângulo 4">
+          <p:cNvPr id="57" name="Retângulo 4">
             <a:extLst>
               <a:ext uri="{FF2B5EF4-FFF2-40B4-BE49-F238E27FC236}">
-                <a16:creationId xmlns:a16="http://schemas.microsoft.com/office/drawing/2014/main" id="{69301A0B-E77F-3789-C9E4-6579746AE1F2}"/>
+                <a16:creationId xmlns:a16="http://schemas.microsoft.com/office/drawing/2014/main" id="{6BC935C0-F318-ED1B-B924-E43634BA47FA}"/>
               </a:ext>
             </a:extLst>
           </p:cNvPr>
@@ -7145,12 +7692,41 @@
           </a:p>
         </p:txBody>
       </p:sp>
-      <p:sp>
-        <p:nvSpPr>
-          <p:cNvPr id="53" name="CaixaDeTexto 5">
+      <p:pic>
+        <p:nvPicPr>
+          <p:cNvPr id="59" name="Imagem 3">
             <a:extLst>
               <a:ext uri="{FF2B5EF4-FFF2-40B4-BE49-F238E27FC236}">
-                <a16:creationId xmlns:a16="http://schemas.microsoft.com/office/drawing/2014/main" id="{9627A777-B39B-0638-8DF6-212D4B3F7B50}"/>
+                <a16:creationId xmlns:a16="http://schemas.microsoft.com/office/drawing/2014/main" id="{42630B68-09F2-DE78-75F9-2E3190A0CF47}"/>
+              </a:ext>
+            </a:extLst>
+          </p:cNvPr>
+          <p:cNvPicPr/>
+          <p:nvPr/>
+        </p:nvPicPr>
+        <p:blipFill>
+          <a:blip r:embed="rId2"/>
+          <a:stretch/>
+        </p:blipFill>
+        <p:spPr>
+          <a:xfrm>
+            <a:off x="3240" y="6261480"/>
+            <a:ext cx="1236960" cy="709200"/>
+          </a:xfrm>
+          <a:prstGeom prst="rect">
+            <a:avLst/>
+          </a:prstGeom>
+          <a:ln w="0">
+            <a:noFill/>
+          </a:ln>
+        </p:spPr>
+      </p:pic>
+      <p:sp>
+        <p:nvSpPr>
+          <p:cNvPr id="60" name="CaixaDeTexto 1">
+            <a:extLst>
+              <a:ext uri="{FF2B5EF4-FFF2-40B4-BE49-F238E27FC236}">
+                <a16:creationId xmlns:a16="http://schemas.microsoft.com/office/drawing/2014/main" id="{3DB68C47-DD42-7B79-4BC8-37CEC544AD53}"/>
               </a:ext>
             </a:extLst>
           </p:cNvPr>
@@ -7159,8 +7735,8 @@
         </p:nvSpPr>
         <p:spPr>
           <a:xfrm>
-            <a:off x="1814400" y="1845720"/>
-            <a:ext cx="6792840" cy="1598984"/>
+            <a:off x="6629400" y="6362640"/>
+            <a:ext cx="5855760" cy="337100"/>
           </a:xfrm>
           <a:prstGeom prst="rect">
             <a:avLst/>
@@ -7190,84 +7766,32 @@
           <a:p>
             <a:pPr>
               <a:lnSpc>
-                <a:spcPct val="150000"/>
-              </a:lnSpc>
-              <a:buNone/>
-            </a:pPr>
-            <a:endParaRPr lang="en-US" sz="2000" b="0" strike="noStrike" spc="-1" dirty="0">
-              <a:latin typeface="Arial"/>
-            </a:endParaRPr>
-          </a:p>
-          <a:p>
-            <a:pPr>
-              <a:lnSpc>
                 <a:spcPct val="100000"/>
               </a:lnSpc>
               <a:buNone/>
             </a:pPr>
-            <a:endParaRPr lang="en-US" sz="2000" b="0" strike="noStrike" spc="-1" dirty="0">
+            <a:r>
+              <a:rPr lang="pt-PT" sz="1600" b="0" strike="noStrike" spc="-1" dirty="0">
+                <a:solidFill>
+                  <a:srgbClr val="FFFFFF"/>
+                </a:solidFill>
+                <a:latin typeface="Calibri"/>
+                <a:ea typeface="DejaVu Sans"/>
+              </a:rPr>
+              <a:t>Bases de Dados – Jogos Olímpicos   |   Parte 2 - Grupo 8</a:t>
+            </a:r>
+            <a:endParaRPr lang="en-US" sz="1600" b="0" strike="noStrike" spc="-1" dirty="0">
               <a:latin typeface="Arial"/>
             </a:endParaRPr>
           </a:p>
-          <a:p>
-            <a:pPr algn="ctr">
-              <a:lnSpc>
-                <a:spcPct val="100000"/>
-              </a:lnSpc>
-              <a:buNone/>
-            </a:pPr>
-            <a:endParaRPr lang="en-US" sz="2400" b="0" strike="noStrike" spc="-1" dirty="0">
-              <a:latin typeface="Arial"/>
-            </a:endParaRPr>
-          </a:p>
-          <a:p>
-            <a:pPr algn="ctr">
-              <a:lnSpc>
-                <a:spcPct val="100000"/>
-              </a:lnSpc>
-              <a:buNone/>
-            </a:pPr>
-            <a:endParaRPr lang="en-US" sz="2400" b="0" strike="noStrike" spc="-1" dirty="0">
-              <a:latin typeface="Arial"/>
-            </a:endParaRPr>
-          </a:p>
-        </p:txBody>
-      </p:sp>
-      <p:pic>
-        <p:nvPicPr>
-          <p:cNvPr id="54" name="Imagem 3">
+        </p:txBody>
+      </p:sp>
+      <p:sp>
+        <p:nvSpPr>
+          <p:cNvPr id="2" name="CaixaDeTexto 9">
             <a:extLst>
               <a:ext uri="{FF2B5EF4-FFF2-40B4-BE49-F238E27FC236}">
-                <a16:creationId xmlns:a16="http://schemas.microsoft.com/office/drawing/2014/main" id="{6E7FEA2B-DBA8-4F6D-6745-525908B5D127}"/>
-              </a:ext>
-            </a:extLst>
-          </p:cNvPr>
-          <p:cNvPicPr/>
-          <p:nvPr/>
-        </p:nvPicPr>
-        <p:blipFill>
-          <a:blip r:embed="rId2"/>
-          <a:stretch/>
-        </p:blipFill>
-        <p:spPr>
-          <a:xfrm>
-            <a:off x="3240" y="6261480"/>
-            <a:ext cx="1236960" cy="709200"/>
-          </a:xfrm>
-          <a:prstGeom prst="rect">
-            <a:avLst/>
-          </a:prstGeom>
-          <a:ln w="0">
-            <a:noFill/>
-          </a:ln>
-        </p:spPr>
-      </p:pic>
-      <p:sp>
-        <p:nvSpPr>
-          <p:cNvPr id="55" name="CaixaDeTexto 3">
-            <a:extLst>
-              <a:ext uri="{FF2B5EF4-FFF2-40B4-BE49-F238E27FC236}">
-                <a16:creationId xmlns:a16="http://schemas.microsoft.com/office/drawing/2014/main" id="{BF610D12-74BC-50E5-A694-277F36CC9E56}"/>
+                <a16:creationId xmlns:a16="http://schemas.microsoft.com/office/drawing/2014/main" id="{ED3953D5-043D-A47D-56DB-635560082309}"/>
               </a:ext>
             </a:extLst>
           </p:cNvPr>
@@ -7276,8 +7800,8 @@
         </p:nvSpPr>
         <p:spPr>
           <a:xfrm>
-            <a:off x="6629400" y="6362640"/>
-            <a:ext cx="5855760" cy="337100"/>
+            <a:off x="1525680" y="1563216"/>
+            <a:ext cx="9024480" cy="4658091"/>
           </a:xfrm>
           <a:prstGeom prst="rect">
             <a:avLst/>
@@ -7300,6 +7824,428 @@
           <a:fontRef idx="minor"/>
         </p:style>
         <p:txBody>
+          <a:bodyPr vertOverflow="overflow" horzOverflow="overflow" wrap="square" lIns="90000" tIns="45000" rIns="90000" bIns="45000" numCol="1" spcCol="0" anchor="t">
+            <a:spAutoFit/>
+          </a:bodyPr>
+          <a:lstStyle/>
+          <a:p>
+            <a:pPr marL="343080" indent="-343080">
+              <a:lnSpc>
+                <a:spcPct val="150000"/>
+              </a:lnSpc>
+              <a:buClr>
+                <a:srgbClr val="000000"/>
+              </a:buClr>
+              <a:buFont typeface="Arial"/>
+              <a:buChar char="•"/>
+            </a:pPr>
+            <a:r>
+              <a:rPr lang="pt-PT" sz="2000" spc="-1" dirty="0">
+                <a:solidFill>
+                  <a:srgbClr val="000000"/>
+                </a:solidFill>
+                <a:latin typeface="Consolas"/>
+              </a:rPr>
+              <a:t>Com o auxílio da tabela anterior podemos calcular o tamanho (bytes) de cada tabela</a:t>
+            </a:r>
+          </a:p>
+          <a:p>
+            <a:pPr marL="800280" lvl="1" indent="-343080">
+              <a:lnSpc>
+                <a:spcPct val="150000"/>
+              </a:lnSpc>
+              <a:buClr>
+                <a:srgbClr val="000000"/>
+              </a:buClr>
+              <a:buFont typeface="Arial"/>
+              <a:buChar char="•"/>
+            </a:pPr>
+            <a:r>
+              <a:rPr lang="pt-PT" sz="2000" spc="-1" dirty="0">
+                <a:solidFill>
+                  <a:srgbClr val="000000"/>
+                </a:solidFill>
+                <a:latin typeface="Consolas"/>
+              </a:rPr>
+              <a:t>Competição – 102 bytes</a:t>
+            </a:r>
+          </a:p>
+          <a:p>
+            <a:pPr marL="800280" lvl="1" indent="-343080">
+              <a:lnSpc>
+                <a:spcPct val="150000"/>
+              </a:lnSpc>
+              <a:buClr>
+                <a:srgbClr val="000000"/>
+              </a:buClr>
+              <a:buFont typeface="Arial"/>
+              <a:buChar char="•"/>
+            </a:pPr>
+            <a:r>
+              <a:rPr lang="pt-PT" sz="2000" spc="-1" dirty="0">
+                <a:solidFill>
+                  <a:srgbClr val="000000"/>
+                </a:solidFill>
+                <a:latin typeface="Consolas"/>
+              </a:rPr>
+              <a:t>Funcionário – 58 bytes</a:t>
+            </a:r>
+          </a:p>
+          <a:p>
+            <a:pPr marL="800280" lvl="1" indent="-343080">
+              <a:lnSpc>
+                <a:spcPct val="150000"/>
+              </a:lnSpc>
+              <a:buClr>
+                <a:srgbClr val="000000"/>
+              </a:buClr>
+              <a:buFont typeface="Arial"/>
+              <a:buChar char="•"/>
+            </a:pPr>
+            <a:r>
+              <a:rPr lang="pt-PT" sz="2000" spc="-1" dirty="0">
+                <a:solidFill>
+                  <a:srgbClr val="000000"/>
+                </a:solidFill>
+                <a:latin typeface="Consolas"/>
+              </a:rPr>
+              <a:t>Tipo – 50 bytes</a:t>
+            </a:r>
+          </a:p>
+          <a:p>
+            <a:pPr marL="800280" lvl="1" indent="-343080">
+              <a:lnSpc>
+                <a:spcPct val="150000"/>
+              </a:lnSpc>
+              <a:buClr>
+                <a:srgbClr val="000000"/>
+              </a:buClr>
+              <a:buFont typeface="Arial"/>
+              <a:buChar char="•"/>
+            </a:pPr>
+            <a:r>
+              <a:rPr lang="pt-PT" sz="2000" spc="-1" dirty="0">
+                <a:solidFill>
+                  <a:srgbClr val="000000"/>
+                </a:solidFill>
+                <a:latin typeface="Consolas"/>
+              </a:rPr>
+              <a:t>Esporte – 54 bytes</a:t>
+            </a:r>
+          </a:p>
+          <a:p>
+            <a:pPr marL="800280" lvl="1" indent="-343080">
+              <a:lnSpc>
+                <a:spcPct val="150000"/>
+              </a:lnSpc>
+              <a:buClr>
+                <a:srgbClr val="000000"/>
+              </a:buClr>
+              <a:buFont typeface="Arial"/>
+              <a:buChar char="•"/>
+            </a:pPr>
+            <a:r>
+              <a:rPr lang="pt-PT" sz="2000" spc="-1" dirty="0">
+                <a:solidFill>
+                  <a:srgbClr val="000000"/>
+                </a:solidFill>
+                <a:latin typeface="Consolas"/>
+              </a:rPr>
+              <a:t>Modalidade – 109 bytes</a:t>
+            </a:r>
+          </a:p>
+          <a:p>
+            <a:pPr marL="800280" lvl="1" indent="-343080">
+              <a:lnSpc>
+                <a:spcPct val="150000"/>
+              </a:lnSpc>
+              <a:buClr>
+                <a:srgbClr val="000000"/>
+              </a:buClr>
+              <a:buFont typeface="Arial"/>
+              <a:buChar char="•"/>
+            </a:pPr>
+            <a:r>
+              <a:rPr lang="pt-PT" sz="2000" spc="-1" dirty="0">
+                <a:solidFill>
+                  <a:srgbClr val="000000"/>
+                </a:solidFill>
+                <a:latin typeface="Consolas"/>
+              </a:rPr>
+              <a:t>Delegação – 54 bytes</a:t>
+            </a:r>
+          </a:p>
+          <a:p>
+            <a:pPr marL="800280" lvl="1" indent="-343080">
+              <a:lnSpc>
+                <a:spcPct val="150000"/>
+              </a:lnSpc>
+              <a:buClr>
+                <a:srgbClr val="000000"/>
+              </a:buClr>
+              <a:buFont typeface="Arial"/>
+              <a:buChar char="•"/>
+            </a:pPr>
+            <a:r>
+              <a:rPr lang="pt-PT" sz="2000" spc="-1" dirty="0">
+                <a:solidFill>
+                  <a:srgbClr val="000000"/>
+                </a:solidFill>
+                <a:latin typeface="Consolas"/>
+              </a:rPr>
+              <a:t>Equipa – 12 bytes</a:t>
+            </a:r>
+          </a:p>
+          <a:p>
+            <a:pPr marL="800280" lvl="1" indent="-343080">
+              <a:lnSpc>
+                <a:spcPct val="150000"/>
+              </a:lnSpc>
+              <a:buClr>
+                <a:srgbClr val="000000"/>
+              </a:buClr>
+              <a:buFont typeface="Arial"/>
+              <a:buChar char="•"/>
+            </a:pPr>
+            <a:r>
+              <a:rPr lang="pt-PT" sz="2000" spc="-1" dirty="0">
+                <a:solidFill>
+                  <a:srgbClr val="000000"/>
+                </a:solidFill>
+                <a:latin typeface="Consolas"/>
+              </a:rPr>
+              <a:t>Treinador - 54 bytes</a:t>
+            </a:r>
+          </a:p>
+        </p:txBody>
+      </p:sp>
+    </p:spTree>
+    <p:extLst>
+      <p:ext uri="{BB962C8B-B14F-4D97-AF65-F5344CB8AC3E}">
+        <p14:creationId xmlns:p14="http://schemas.microsoft.com/office/powerpoint/2010/main" val="470089919"/>
+      </p:ext>
+    </p:extLst>
+  </p:cSld>
+  <p:clrMapOvr>
+    <a:masterClrMapping/>
+  </p:clrMapOvr>
+</p:sld>
+</file>
+
+<file path=ppt/slides/slide19.xml><?xml version="1.0" encoding="utf-8"?>
+<p:sld xmlns:a="http://schemas.openxmlformats.org/drawingml/2006/main" xmlns:r="http://schemas.openxmlformats.org/officeDocument/2006/relationships" xmlns:p="http://schemas.openxmlformats.org/presentationml/2006/main" show="0">
+  <p:cSld>
+    <p:spTree>
+      <p:nvGrpSpPr>
+        <p:cNvPr id="1" name="">
+          <a:extLst>
+            <a:ext uri="{FF2B5EF4-FFF2-40B4-BE49-F238E27FC236}">
+              <a16:creationId xmlns:a16="http://schemas.microsoft.com/office/drawing/2014/main" id="{EEEC9010-BA3F-5F06-8FF9-FCA2C3F36A2E}"/>
+            </a:ext>
+          </a:extLst>
+        </p:cNvPr>
+        <p:cNvGrpSpPr/>
+        <p:nvPr/>
+      </p:nvGrpSpPr>
+      <p:grpSpPr>
+        <a:xfrm>
+          <a:off x="0" y="0"/>
+          <a:ext cx="0" cy="0"/>
+          <a:chOff x="0" y="0"/>
+          <a:chExt cx="0" cy="0"/>
+        </a:xfrm>
+      </p:grpSpPr>
+      <p:sp>
+        <p:nvSpPr>
+          <p:cNvPr id="56" name="PlaceHolder 1">
+            <a:extLst>
+              <a:ext uri="{FF2B5EF4-FFF2-40B4-BE49-F238E27FC236}">
+                <a16:creationId xmlns:a16="http://schemas.microsoft.com/office/drawing/2014/main" id="{CB81C445-D0C0-F78C-98D7-0CEA6E1A59C0}"/>
+              </a:ext>
+            </a:extLst>
+          </p:cNvPr>
+          <p:cNvSpPr>
+            <a:spLocks noGrp="1"/>
+          </p:cNvSpPr>
+          <p:nvPr>
+            <p:ph type="title"/>
+          </p:nvPr>
+        </p:nvSpPr>
+        <p:spPr>
+          <a:xfrm>
+            <a:off x="1525680" y="275040"/>
+            <a:ext cx="9141840" cy="1153080"/>
+          </a:xfrm>
+          <a:prstGeom prst="rect">
+            <a:avLst/>
+          </a:prstGeom>
+          <a:noFill/>
+          <a:ln w="0">
+            <a:noFill/>
+          </a:ln>
+        </p:spPr>
+        <p:txBody>
+          <a:bodyPr lIns="0" tIns="0" rIns="0" bIns="0" anchor="b">
+            <a:noAutofit/>
+          </a:bodyPr>
+          <a:lstStyle/>
+          <a:p>
+            <a:pPr algn="ctr">
+              <a:lnSpc>
+                <a:spcPct val="90000"/>
+              </a:lnSpc>
+              <a:buNone/>
+            </a:pPr>
+            <a:r>
+              <a:rPr lang="pt-PT" sz="4000" b="0" strike="noStrike" spc="-1" dirty="0">
+                <a:solidFill>
+                  <a:srgbClr val="870F11"/>
+                </a:solidFill>
+                <a:latin typeface="Calibri"/>
+              </a:rPr>
+              <a:t>Cálculo do espaço inicial da base de dados</a:t>
+            </a:r>
+            <a:br>
+              <a:rPr lang="pt-PT" sz="4000" b="0" strike="noStrike" spc="-1" dirty="0">
+                <a:solidFill>
+                  <a:srgbClr val="870F11"/>
+                </a:solidFill>
+                <a:latin typeface="Calibri"/>
+              </a:rPr>
+            </a:br>
+            <a:r>
+              <a:rPr lang="pt-PT" sz="4000" b="0" strike="noStrike" spc="-1" dirty="0">
+                <a:solidFill>
+                  <a:srgbClr val="870F11"/>
+                </a:solidFill>
+                <a:latin typeface="Calibri"/>
+              </a:rPr>
+              <a:t>e sua taxa de crescimento anual</a:t>
+            </a:r>
+            <a:endParaRPr lang="en-US" sz="4000" b="0" strike="noStrike" spc="-1" dirty="0">
+              <a:latin typeface="Arial"/>
+            </a:endParaRPr>
+          </a:p>
+        </p:txBody>
+      </p:sp>
+      <p:sp>
+        <p:nvSpPr>
+          <p:cNvPr id="57" name="Retângulo 4">
+            <a:extLst>
+              <a:ext uri="{FF2B5EF4-FFF2-40B4-BE49-F238E27FC236}">
+                <a16:creationId xmlns:a16="http://schemas.microsoft.com/office/drawing/2014/main" id="{8EDBA293-E116-3638-F9C3-66284F96F1FC}"/>
+              </a:ext>
+            </a:extLst>
+          </p:cNvPr>
+          <p:cNvSpPr/>
+          <p:nvPr/>
+        </p:nvSpPr>
+        <p:spPr>
+          <a:xfrm>
+            <a:off x="0" y="6233760"/>
+            <a:ext cx="12189960" cy="622080"/>
+          </a:xfrm>
+          <a:prstGeom prst="rect">
+            <a:avLst/>
+          </a:prstGeom>
+          <a:solidFill>
+            <a:srgbClr val="870F11"/>
+          </a:solidFill>
+          <a:ln>
+            <a:solidFill>
+              <a:srgbClr val="870F11"/>
+            </a:solidFill>
+          </a:ln>
+        </p:spPr>
+        <p:style>
+          <a:lnRef idx="2">
+            <a:schemeClr val="accent1">
+              <a:shade val="50000"/>
+            </a:schemeClr>
+          </a:lnRef>
+          <a:fillRef idx="1">
+            <a:schemeClr val="accent1"/>
+          </a:fillRef>
+          <a:effectRef idx="0">
+            <a:schemeClr val="accent1"/>
+          </a:effectRef>
+          <a:fontRef idx="minor"/>
+        </p:style>
+        <p:txBody>
+          <a:bodyPr/>
+          <a:lstStyle/>
+          <a:p>
+            <a:endParaRPr lang="pt-PT"/>
+          </a:p>
+        </p:txBody>
+      </p:sp>
+      <p:pic>
+        <p:nvPicPr>
+          <p:cNvPr id="59" name="Imagem 3">
+            <a:extLst>
+              <a:ext uri="{FF2B5EF4-FFF2-40B4-BE49-F238E27FC236}">
+                <a16:creationId xmlns:a16="http://schemas.microsoft.com/office/drawing/2014/main" id="{FC1E99A4-C310-99FA-975B-1A42072D0C68}"/>
+              </a:ext>
+            </a:extLst>
+          </p:cNvPr>
+          <p:cNvPicPr/>
+          <p:nvPr/>
+        </p:nvPicPr>
+        <p:blipFill>
+          <a:blip r:embed="rId2"/>
+          <a:stretch/>
+        </p:blipFill>
+        <p:spPr>
+          <a:xfrm>
+            <a:off x="3240" y="6261480"/>
+            <a:ext cx="1236960" cy="709200"/>
+          </a:xfrm>
+          <a:prstGeom prst="rect">
+            <a:avLst/>
+          </a:prstGeom>
+          <a:ln w="0">
+            <a:noFill/>
+          </a:ln>
+        </p:spPr>
+      </p:pic>
+      <p:sp>
+        <p:nvSpPr>
+          <p:cNvPr id="60" name="CaixaDeTexto 1">
+            <a:extLst>
+              <a:ext uri="{FF2B5EF4-FFF2-40B4-BE49-F238E27FC236}">
+                <a16:creationId xmlns:a16="http://schemas.microsoft.com/office/drawing/2014/main" id="{58BD751F-B443-0ED8-F576-7EA75112CD87}"/>
+              </a:ext>
+            </a:extLst>
+          </p:cNvPr>
+          <p:cNvSpPr/>
+          <p:nvPr/>
+        </p:nvSpPr>
+        <p:spPr>
+          <a:xfrm>
+            <a:off x="6629400" y="6362640"/>
+            <a:ext cx="5855760" cy="337100"/>
+          </a:xfrm>
+          <a:prstGeom prst="rect">
+            <a:avLst/>
+          </a:prstGeom>
+          <a:noFill/>
+          <a:ln w="0">
+            <a:noFill/>
+          </a:ln>
+        </p:spPr>
+        <p:style>
+          <a:lnRef idx="0">
+            <a:scrgbClr r="0" g="0" b="0"/>
+          </a:lnRef>
+          <a:fillRef idx="0">
+            <a:scrgbClr r="0" g="0" b="0"/>
+          </a:fillRef>
+          <a:effectRef idx="0">
+            <a:scrgbClr r="0" g="0" b="0"/>
+          </a:effectRef>
+          <a:fontRef idx="minor"/>
+        </p:style>
+        <p:txBody>
           <a:bodyPr vertOverflow="overflow" horzOverflow="overflow" lIns="90000" tIns="45000" rIns="90000" bIns="45000" numCol="1" spcCol="0" anchor="t">
             <a:spAutoFit/>
           </a:bodyPr>
@@ -7327,10 +8273,197 @@
           </a:p>
         </p:txBody>
       </p:sp>
+      <p:sp>
+        <p:nvSpPr>
+          <p:cNvPr id="2" name="CaixaDeTexto 9">
+            <a:extLst>
+              <a:ext uri="{FF2B5EF4-FFF2-40B4-BE49-F238E27FC236}">
+                <a16:creationId xmlns:a16="http://schemas.microsoft.com/office/drawing/2014/main" id="{8A1FF469-8211-5F58-1124-9D66E8911D3F}"/>
+              </a:ext>
+            </a:extLst>
+          </p:cNvPr>
+          <p:cNvSpPr/>
+          <p:nvPr/>
+        </p:nvSpPr>
+        <p:spPr>
+          <a:xfrm>
+            <a:off x="1525680" y="1563216"/>
+            <a:ext cx="9024480" cy="4196426"/>
+          </a:xfrm>
+          <a:prstGeom prst="rect">
+            <a:avLst/>
+          </a:prstGeom>
+          <a:noFill/>
+          <a:ln w="0">
+            <a:noFill/>
+          </a:ln>
+        </p:spPr>
+        <p:style>
+          <a:lnRef idx="0">
+            <a:scrgbClr r="0" g="0" b="0"/>
+          </a:lnRef>
+          <a:fillRef idx="0">
+            <a:scrgbClr r="0" g="0" b="0"/>
+          </a:fillRef>
+          <a:effectRef idx="0">
+            <a:scrgbClr r="0" g="0" b="0"/>
+          </a:effectRef>
+          <a:fontRef idx="minor"/>
+        </p:style>
+        <p:txBody>
+          <a:bodyPr vertOverflow="overflow" horzOverflow="overflow" wrap="square" lIns="90000" tIns="45000" rIns="90000" bIns="45000" numCol="1" spcCol="0" anchor="t">
+            <a:spAutoFit/>
+          </a:bodyPr>
+          <a:lstStyle/>
+          <a:p>
+            <a:pPr marL="343080" indent="-343080">
+              <a:lnSpc>
+                <a:spcPct val="150000"/>
+              </a:lnSpc>
+              <a:buClr>
+                <a:srgbClr val="000000"/>
+              </a:buClr>
+              <a:buFont typeface="Arial"/>
+              <a:buChar char="•"/>
+            </a:pPr>
+            <a:r>
+              <a:rPr lang="pt-PT" sz="2000" spc="-1" dirty="0">
+                <a:solidFill>
+                  <a:srgbClr val="000000"/>
+                </a:solidFill>
+                <a:latin typeface="Consolas"/>
+              </a:rPr>
+              <a:t>Com o auxílio da tabela anterior podemos calcular o tamanho (bytes) de cada tabela</a:t>
+            </a:r>
+          </a:p>
+          <a:p>
+            <a:pPr marL="800280" lvl="1" indent="-343080">
+              <a:lnSpc>
+                <a:spcPct val="150000"/>
+              </a:lnSpc>
+              <a:buClr>
+                <a:srgbClr val="000000"/>
+              </a:buClr>
+              <a:buFont typeface="Arial"/>
+              <a:buChar char="•"/>
+            </a:pPr>
+            <a:r>
+              <a:rPr lang="pt-PT" sz="2000" spc="-1" dirty="0">
+                <a:solidFill>
+                  <a:srgbClr val="000000"/>
+                </a:solidFill>
+                <a:latin typeface="Consolas"/>
+              </a:rPr>
+              <a:t>Atleta – 72 bytes</a:t>
+            </a:r>
+          </a:p>
+          <a:p>
+            <a:pPr marL="800280" lvl="1" indent="-343080">
+              <a:lnSpc>
+                <a:spcPct val="150000"/>
+              </a:lnSpc>
+              <a:buClr>
+                <a:srgbClr val="000000"/>
+              </a:buClr>
+              <a:buFont typeface="Arial"/>
+              <a:buChar char="•"/>
+            </a:pPr>
+            <a:r>
+              <a:rPr lang="pt-PT" sz="2000" spc="-1" dirty="0">
+                <a:solidFill>
+                  <a:srgbClr val="000000"/>
+                </a:solidFill>
+                <a:latin typeface="Consolas"/>
+              </a:rPr>
+              <a:t>Evento – 62 bytes</a:t>
+            </a:r>
+          </a:p>
+          <a:p>
+            <a:pPr marL="800280" lvl="1" indent="-343080">
+              <a:lnSpc>
+                <a:spcPct val="150000"/>
+              </a:lnSpc>
+              <a:buClr>
+                <a:srgbClr val="000000"/>
+              </a:buClr>
+              <a:buFont typeface="Arial"/>
+              <a:buChar char="•"/>
+            </a:pPr>
+            <a:r>
+              <a:rPr lang="pt-PT" sz="2000" spc="-1" dirty="0">
+                <a:solidFill>
+                  <a:srgbClr val="000000"/>
+                </a:solidFill>
+                <a:latin typeface="Consolas"/>
+              </a:rPr>
+              <a:t>Realiza – 8 bytes</a:t>
+            </a:r>
+          </a:p>
+          <a:p>
+            <a:pPr marL="800280" lvl="1" indent="-343080">
+              <a:lnSpc>
+                <a:spcPct val="150000"/>
+              </a:lnSpc>
+              <a:buClr>
+                <a:srgbClr val="000000"/>
+              </a:buClr>
+              <a:buFont typeface="Arial"/>
+              <a:buChar char="•"/>
+            </a:pPr>
+            <a:r>
+              <a:rPr lang="pt-PT" sz="2000" spc="-1" dirty="0">
+                <a:solidFill>
+                  <a:srgbClr val="000000"/>
+                </a:solidFill>
+                <a:latin typeface="Consolas"/>
+              </a:rPr>
+              <a:t>Resultado – 28 bytes</a:t>
+            </a:r>
+          </a:p>
+          <a:p>
+            <a:pPr marL="343080" indent="-343080">
+              <a:lnSpc>
+                <a:spcPct val="150000"/>
+              </a:lnSpc>
+              <a:buClr>
+                <a:srgbClr val="000000"/>
+              </a:buClr>
+              <a:buFont typeface="Arial"/>
+              <a:buChar char="•"/>
+            </a:pPr>
+            <a:endParaRPr lang="pt-PT" sz="2000" spc="-1" dirty="0">
+              <a:solidFill>
+                <a:srgbClr val="000000"/>
+              </a:solidFill>
+              <a:latin typeface="Consolas"/>
+            </a:endParaRPr>
+          </a:p>
+          <a:p>
+            <a:pPr marL="343080" indent="-343080">
+              <a:lnSpc>
+                <a:spcPct val="150000"/>
+              </a:lnSpc>
+              <a:buClr>
+                <a:srgbClr val="000000"/>
+              </a:buClr>
+              <a:buFont typeface="Arial"/>
+              <a:buChar char="•"/>
+            </a:pPr>
+            <a:r>
+              <a:rPr lang="pt-PT" sz="2000" dirty="0">
+                <a:effectLst/>
+                <a:latin typeface="Consolas" panose="020B0609020204030204" pitchFamily="49" charset="0"/>
+                <a:ea typeface="Times New Roman" panose="02020603050405020304" pitchFamily="18" charset="0"/>
+              </a:rPr>
+              <a:t>Com esta configuração, o espaço total ocupado pelas tabelas, preenchidas com um registo cada, seria igual a 663 bytes.</a:t>
+            </a:r>
+          </a:p>
+        </p:txBody>
+      </p:sp>
     </p:spTree>
     <p:extLst>
       <p:ext uri="{BB962C8B-B14F-4D97-AF65-F5344CB8AC3E}">
-        <p14:creationId xmlns:p14="http://schemas.microsoft.com/office/powerpoint/2010/main" val="106293796"/>
+        <p14:creationId xmlns:p14="http://schemas.microsoft.com/office/powerpoint/2010/main" val="1418264366"/>
       </p:ext>
     </p:extLst>
   </p:cSld>
@@ -7765,6 +8898,3175 @@
         </p:txBody>
       </p:sp>
     </p:spTree>
+  </p:cSld>
+  <p:clrMapOvr>
+    <a:masterClrMapping/>
+  </p:clrMapOvr>
+</p:sld>
+</file>
+
+<file path=ppt/slides/slide20.xml><?xml version="1.0" encoding="utf-8"?>
+<p:sld xmlns:a="http://schemas.openxmlformats.org/drawingml/2006/main" xmlns:r="http://schemas.openxmlformats.org/officeDocument/2006/relationships" xmlns:p="http://schemas.openxmlformats.org/presentationml/2006/main" show="0">
+  <p:cSld>
+    <p:spTree>
+      <p:nvGrpSpPr>
+        <p:cNvPr id="1" name="">
+          <a:extLst>
+            <a:ext uri="{FF2B5EF4-FFF2-40B4-BE49-F238E27FC236}">
+              <a16:creationId xmlns:a16="http://schemas.microsoft.com/office/drawing/2014/main" id="{AB88CC37-D695-E18B-AAA6-EF0F59DB1402}"/>
+            </a:ext>
+          </a:extLst>
+        </p:cNvPr>
+        <p:cNvGrpSpPr/>
+        <p:nvPr/>
+      </p:nvGrpSpPr>
+      <p:grpSpPr>
+        <a:xfrm>
+          <a:off x="0" y="0"/>
+          <a:ext cx="0" cy="0"/>
+          <a:chOff x="0" y="0"/>
+          <a:chExt cx="0" cy="0"/>
+        </a:xfrm>
+      </p:grpSpPr>
+      <p:sp>
+        <p:nvSpPr>
+          <p:cNvPr id="56" name="PlaceHolder 1">
+            <a:extLst>
+              <a:ext uri="{FF2B5EF4-FFF2-40B4-BE49-F238E27FC236}">
+                <a16:creationId xmlns:a16="http://schemas.microsoft.com/office/drawing/2014/main" id="{9A70AB89-6E4C-EB39-EE11-F4B4406B9585}"/>
+              </a:ext>
+            </a:extLst>
+          </p:cNvPr>
+          <p:cNvSpPr>
+            <a:spLocks noGrp="1"/>
+          </p:cNvSpPr>
+          <p:nvPr>
+            <p:ph type="title"/>
+          </p:nvPr>
+        </p:nvSpPr>
+        <p:spPr>
+          <a:xfrm>
+            <a:off x="1525680" y="275040"/>
+            <a:ext cx="9141840" cy="1153080"/>
+          </a:xfrm>
+          <a:prstGeom prst="rect">
+            <a:avLst/>
+          </a:prstGeom>
+          <a:noFill/>
+          <a:ln w="0">
+            <a:noFill/>
+          </a:ln>
+        </p:spPr>
+        <p:txBody>
+          <a:bodyPr lIns="0" tIns="0" rIns="0" bIns="0" anchor="b">
+            <a:noAutofit/>
+          </a:bodyPr>
+          <a:lstStyle/>
+          <a:p>
+            <a:pPr algn="ctr">
+              <a:lnSpc>
+                <a:spcPct val="90000"/>
+              </a:lnSpc>
+              <a:buNone/>
+            </a:pPr>
+            <a:r>
+              <a:rPr lang="pt-PT" sz="4000" b="0" strike="noStrike" spc="-1" dirty="0">
+                <a:solidFill>
+                  <a:srgbClr val="870F11"/>
+                </a:solidFill>
+                <a:latin typeface="Calibri"/>
+              </a:rPr>
+              <a:t>Cálculo do espaço inicial da base de dados</a:t>
+            </a:r>
+            <a:br>
+              <a:rPr lang="pt-PT" sz="4000" b="0" strike="noStrike" spc="-1" dirty="0">
+                <a:solidFill>
+                  <a:srgbClr val="870F11"/>
+                </a:solidFill>
+                <a:latin typeface="Calibri"/>
+              </a:rPr>
+            </a:br>
+            <a:r>
+              <a:rPr lang="pt-PT" sz="4000" b="0" strike="noStrike" spc="-1" dirty="0">
+                <a:solidFill>
+                  <a:srgbClr val="870F11"/>
+                </a:solidFill>
+                <a:latin typeface="Calibri"/>
+              </a:rPr>
+              <a:t>e sua taxa de crescimento anual</a:t>
+            </a:r>
+            <a:endParaRPr lang="en-US" sz="4000" b="0" strike="noStrike" spc="-1" dirty="0">
+              <a:latin typeface="Arial"/>
+            </a:endParaRPr>
+          </a:p>
+        </p:txBody>
+      </p:sp>
+      <p:sp>
+        <p:nvSpPr>
+          <p:cNvPr id="57" name="Retângulo 4">
+            <a:extLst>
+              <a:ext uri="{FF2B5EF4-FFF2-40B4-BE49-F238E27FC236}">
+                <a16:creationId xmlns:a16="http://schemas.microsoft.com/office/drawing/2014/main" id="{E61D4D0F-42F0-5163-54F4-0B505631E94E}"/>
+              </a:ext>
+            </a:extLst>
+          </p:cNvPr>
+          <p:cNvSpPr/>
+          <p:nvPr/>
+        </p:nvSpPr>
+        <p:spPr>
+          <a:xfrm>
+            <a:off x="0" y="6233760"/>
+            <a:ext cx="12189960" cy="622080"/>
+          </a:xfrm>
+          <a:prstGeom prst="rect">
+            <a:avLst/>
+          </a:prstGeom>
+          <a:solidFill>
+            <a:srgbClr val="870F11"/>
+          </a:solidFill>
+          <a:ln>
+            <a:solidFill>
+              <a:srgbClr val="870F11"/>
+            </a:solidFill>
+          </a:ln>
+        </p:spPr>
+        <p:style>
+          <a:lnRef idx="2">
+            <a:schemeClr val="accent1">
+              <a:shade val="50000"/>
+            </a:schemeClr>
+          </a:lnRef>
+          <a:fillRef idx="1">
+            <a:schemeClr val="accent1"/>
+          </a:fillRef>
+          <a:effectRef idx="0">
+            <a:schemeClr val="accent1"/>
+          </a:effectRef>
+          <a:fontRef idx="minor"/>
+        </p:style>
+        <p:txBody>
+          <a:bodyPr/>
+          <a:lstStyle/>
+          <a:p>
+            <a:endParaRPr lang="pt-PT"/>
+          </a:p>
+        </p:txBody>
+      </p:sp>
+      <p:sp>
+        <p:nvSpPr>
+          <p:cNvPr id="58" name="CaixaDeTexto 5">
+            <a:extLst>
+              <a:ext uri="{FF2B5EF4-FFF2-40B4-BE49-F238E27FC236}">
+                <a16:creationId xmlns:a16="http://schemas.microsoft.com/office/drawing/2014/main" id="{1EC823F4-9428-70D1-3A09-5D8EA04D7FF6}"/>
+              </a:ext>
+            </a:extLst>
+          </p:cNvPr>
+          <p:cNvSpPr/>
+          <p:nvPr/>
+        </p:nvSpPr>
+        <p:spPr>
+          <a:xfrm>
+            <a:off x="1489680" y="1828800"/>
+            <a:ext cx="9024480" cy="829543"/>
+          </a:xfrm>
+          <a:prstGeom prst="rect">
+            <a:avLst/>
+          </a:prstGeom>
+          <a:noFill/>
+          <a:ln w="0">
+            <a:noFill/>
+          </a:ln>
+        </p:spPr>
+        <p:style>
+          <a:lnRef idx="0">
+            <a:scrgbClr r="0" g="0" b="0"/>
+          </a:lnRef>
+          <a:fillRef idx="0">
+            <a:scrgbClr r="0" g="0" b="0"/>
+          </a:fillRef>
+          <a:effectRef idx="0">
+            <a:scrgbClr r="0" g="0" b="0"/>
+          </a:effectRef>
+          <a:fontRef idx="minor"/>
+        </p:style>
+        <p:txBody>
+          <a:bodyPr vertOverflow="overflow" horzOverflow="overflow" lIns="90000" tIns="45000" rIns="90000" bIns="45000" numCol="1" spcCol="0" anchor="t">
+            <a:spAutoFit/>
+          </a:bodyPr>
+          <a:lstStyle/>
+          <a:p>
+            <a:pPr algn="ctr">
+              <a:lnSpc>
+                <a:spcPct val="100000"/>
+              </a:lnSpc>
+              <a:buNone/>
+            </a:pPr>
+            <a:endParaRPr lang="en-US" sz="2400" b="0" strike="noStrike" spc="-1" dirty="0">
+              <a:latin typeface="Arial"/>
+            </a:endParaRPr>
+          </a:p>
+          <a:p>
+            <a:pPr algn="ctr">
+              <a:lnSpc>
+                <a:spcPct val="100000"/>
+              </a:lnSpc>
+              <a:buNone/>
+            </a:pPr>
+            <a:endParaRPr lang="en-US" sz="2400" b="0" strike="noStrike" spc="-1" dirty="0">
+              <a:latin typeface="Arial"/>
+            </a:endParaRPr>
+          </a:p>
+        </p:txBody>
+      </p:sp>
+      <p:pic>
+        <p:nvPicPr>
+          <p:cNvPr id="59" name="Imagem 3">
+            <a:extLst>
+              <a:ext uri="{FF2B5EF4-FFF2-40B4-BE49-F238E27FC236}">
+                <a16:creationId xmlns:a16="http://schemas.microsoft.com/office/drawing/2014/main" id="{23B1BE5C-BF09-0656-FA39-82A8A289ED3D}"/>
+              </a:ext>
+            </a:extLst>
+          </p:cNvPr>
+          <p:cNvPicPr/>
+          <p:nvPr/>
+        </p:nvPicPr>
+        <p:blipFill>
+          <a:blip r:embed="rId2"/>
+          <a:stretch/>
+        </p:blipFill>
+        <p:spPr>
+          <a:xfrm>
+            <a:off x="3240" y="6261480"/>
+            <a:ext cx="1236960" cy="709200"/>
+          </a:xfrm>
+          <a:prstGeom prst="rect">
+            <a:avLst/>
+          </a:prstGeom>
+          <a:ln w="0">
+            <a:noFill/>
+          </a:ln>
+        </p:spPr>
+      </p:pic>
+      <p:sp>
+        <p:nvSpPr>
+          <p:cNvPr id="60" name="CaixaDeTexto 1">
+            <a:extLst>
+              <a:ext uri="{FF2B5EF4-FFF2-40B4-BE49-F238E27FC236}">
+                <a16:creationId xmlns:a16="http://schemas.microsoft.com/office/drawing/2014/main" id="{2E0A88D2-A6BD-EF74-A149-BACBC9DCDAD7}"/>
+              </a:ext>
+            </a:extLst>
+          </p:cNvPr>
+          <p:cNvSpPr/>
+          <p:nvPr/>
+        </p:nvSpPr>
+        <p:spPr>
+          <a:xfrm>
+            <a:off x="6629400" y="6362640"/>
+            <a:ext cx="5855760" cy="337100"/>
+          </a:xfrm>
+          <a:prstGeom prst="rect">
+            <a:avLst/>
+          </a:prstGeom>
+          <a:noFill/>
+          <a:ln w="0">
+            <a:noFill/>
+          </a:ln>
+        </p:spPr>
+        <p:style>
+          <a:lnRef idx="0">
+            <a:scrgbClr r="0" g="0" b="0"/>
+          </a:lnRef>
+          <a:fillRef idx="0">
+            <a:scrgbClr r="0" g="0" b="0"/>
+          </a:fillRef>
+          <a:effectRef idx="0">
+            <a:scrgbClr r="0" g="0" b="0"/>
+          </a:effectRef>
+          <a:fontRef idx="minor"/>
+        </p:style>
+        <p:txBody>
+          <a:bodyPr vertOverflow="overflow" horzOverflow="overflow" lIns="90000" tIns="45000" rIns="90000" bIns="45000" numCol="1" spcCol="0" anchor="t">
+            <a:spAutoFit/>
+          </a:bodyPr>
+          <a:lstStyle/>
+          <a:p>
+            <a:pPr>
+              <a:lnSpc>
+                <a:spcPct val="100000"/>
+              </a:lnSpc>
+              <a:buNone/>
+            </a:pPr>
+            <a:r>
+              <a:rPr lang="pt-PT" sz="1600" b="0" strike="noStrike" spc="-1" dirty="0">
+                <a:solidFill>
+                  <a:srgbClr val="FFFFFF"/>
+                </a:solidFill>
+                <a:latin typeface="Calibri"/>
+                <a:ea typeface="DejaVu Sans"/>
+              </a:rPr>
+              <a:t>Bases de Dados – Jogos Olímpicos   |   Parte 2 - Grupo 8</a:t>
+            </a:r>
+            <a:endParaRPr lang="en-US" sz="1600" b="0" strike="noStrike" spc="-1" dirty="0">
+              <a:latin typeface="Arial"/>
+            </a:endParaRPr>
+          </a:p>
+        </p:txBody>
+      </p:sp>
+      <p:sp>
+        <p:nvSpPr>
+          <p:cNvPr id="4" name="CaixaDeTexto 9">
+            <a:extLst>
+              <a:ext uri="{FF2B5EF4-FFF2-40B4-BE49-F238E27FC236}">
+                <a16:creationId xmlns:a16="http://schemas.microsoft.com/office/drawing/2014/main" id="{45345B8F-9D78-4BAA-54B1-D29FEBDACC2F}"/>
+              </a:ext>
+            </a:extLst>
+          </p:cNvPr>
+          <p:cNvSpPr/>
+          <p:nvPr/>
+        </p:nvSpPr>
+        <p:spPr>
+          <a:xfrm>
+            <a:off x="1525680" y="1563216"/>
+            <a:ext cx="9024480" cy="4196426"/>
+          </a:xfrm>
+          <a:prstGeom prst="rect">
+            <a:avLst/>
+          </a:prstGeom>
+          <a:noFill/>
+          <a:ln w="0">
+            <a:noFill/>
+          </a:ln>
+        </p:spPr>
+        <p:style>
+          <a:lnRef idx="0">
+            <a:scrgbClr r="0" g="0" b="0"/>
+          </a:lnRef>
+          <a:fillRef idx="0">
+            <a:scrgbClr r="0" g="0" b="0"/>
+          </a:fillRef>
+          <a:effectRef idx="0">
+            <a:scrgbClr r="0" g="0" b="0"/>
+          </a:effectRef>
+          <a:fontRef idx="minor"/>
+        </p:style>
+        <p:txBody>
+          <a:bodyPr vertOverflow="overflow" horzOverflow="overflow" wrap="square" lIns="90000" tIns="45000" rIns="90000" bIns="45000" numCol="1" spcCol="0" anchor="t">
+            <a:spAutoFit/>
+          </a:bodyPr>
+          <a:lstStyle/>
+          <a:p>
+            <a:pPr marL="343080" indent="-343080" algn="just">
+              <a:lnSpc>
+                <a:spcPct val="150000"/>
+              </a:lnSpc>
+              <a:buClr>
+                <a:srgbClr val="000000"/>
+              </a:buClr>
+              <a:buFont typeface="Arial"/>
+              <a:buChar char="•"/>
+            </a:pPr>
+            <a:r>
+              <a:rPr lang="pt-PT" sz="2000" dirty="0">
+                <a:effectLst/>
+                <a:latin typeface="Consolas" panose="020B0609020204030204" pitchFamily="49" charset="0"/>
+                <a:ea typeface="Times New Roman" panose="02020603050405020304" pitchFamily="18" charset="0"/>
+              </a:rPr>
+              <a:t>Num cenário real, o povoamento inicial (no caso dos Jogos Olímpicos) contaria com 1 Competição que é esta próxima edição dos Jogos Olímpicos, com 206 delegações a competir. </a:t>
+            </a:r>
+            <a:r>
+              <a:rPr lang="pt-PT" sz="2000" dirty="0">
+                <a:latin typeface="Consolas" panose="020B0609020204030204" pitchFamily="49" charset="0"/>
+                <a:ea typeface="Times New Roman" panose="02020603050405020304" pitchFamily="18" charset="0"/>
+              </a:rPr>
+              <a:t>P</a:t>
+            </a:r>
+            <a:r>
+              <a:rPr lang="pt-PT" sz="2000" dirty="0">
+                <a:effectLst/>
+                <a:latin typeface="Consolas" panose="020B0609020204030204" pitchFamily="49" charset="0"/>
+                <a:ea typeface="Times New Roman" panose="02020603050405020304" pitchFamily="18" charset="0"/>
+              </a:rPr>
+              <a:t>ara garantir o bom funcionamento desta competição temos 500 funcionários com 10 funções distintas. Teremos ainda, 32 desportes com </a:t>
+            </a:r>
+            <a:r>
+              <a:rPr lang="pt-PT" sz="2000" dirty="0">
+                <a:latin typeface="Consolas" panose="020B0609020204030204" pitchFamily="49" charset="0"/>
+                <a:ea typeface="Times New Roman" panose="02020603050405020304" pitchFamily="18" charset="0"/>
+              </a:rPr>
+              <a:t>u</a:t>
+            </a:r>
+            <a:r>
+              <a:rPr lang="pt-PT" sz="2000" dirty="0">
+                <a:effectLst/>
+                <a:latin typeface="Consolas" panose="020B0609020204030204" pitchFamily="49" charset="0"/>
+                <a:ea typeface="Times New Roman" panose="02020603050405020304" pitchFamily="18" charset="0"/>
+              </a:rPr>
+              <a:t>ma média de 5 modalidades cada, ou seja com um total de 160 modalidades</a:t>
+            </a:r>
+            <a:r>
+              <a:rPr lang="pt-PT" sz="1800" dirty="0">
+                <a:effectLst/>
+                <a:latin typeface="Arial" panose="020B0604020202020204" pitchFamily="34" charset="0"/>
+                <a:ea typeface="Times New Roman" panose="02020603050405020304" pitchFamily="18" charset="0"/>
+              </a:rPr>
+              <a:t>.</a:t>
+            </a:r>
+          </a:p>
+          <a:p>
+            <a:pPr marL="343080" indent="-343080" algn="just">
+              <a:lnSpc>
+                <a:spcPct val="150000"/>
+              </a:lnSpc>
+              <a:buClr>
+                <a:srgbClr val="000000"/>
+              </a:buClr>
+              <a:buFont typeface="Arial"/>
+              <a:buChar char="•"/>
+            </a:pPr>
+            <a:r>
+              <a:rPr lang="pt-PT" sz="2000" dirty="0">
+                <a:latin typeface="Consolas" panose="020B0609020204030204" pitchFamily="49" charset="0"/>
+                <a:ea typeface="Times New Roman" panose="02020603050405020304" pitchFamily="18" charset="0"/>
+              </a:rPr>
+              <a:t>Isso resultaria em 80354 bytes (80,354 Kb) após o povoamento inicial</a:t>
+            </a:r>
+            <a:endParaRPr lang="pt-PT" sz="2000" dirty="0">
+              <a:effectLst/>
+              <a:latin typeface="Consolas" panose="020B0609020204030204" pitchFamily="49" charset="0"/>
+              <a:ea typeface="Times New Roman" panose="02020603050405020304" pitchFamily="18" charset="0"/>
+            </a:endParaRPr>
+          </a:p>
+        </p:txBody>
+      </p:sp>
+    </p:spTree>
+    <p:extLst>
+      <p:ext uri="{BB962C8B-B14F-4D97-AF65-F5344CB8AC3E}">
+        <p14:creationId xmlns:p14="http://schemas.microsoft.com/office/powerpoint/2010/main" val="85469625"/>
+      </p:ext>
+    </p:extLst>
+  </p:cSld>
+  <p:clrMapOvr>
+    <a:masterClrMapping/>
+  </p:clrMapOvr>
+</p:sld>
+</file>
+
+<file path=ppt/slides/slide21.xml><?xml version="1.0" encoding="utf-8"?>
+<p:sld xmlns:a="http://schemas.openxmlformats.org/drawingml/2006/main" xmlns:r="http://schemas.openxmlformats.org/officeDocument/2006/relationships" xmlns:p="http://schemas.openxmlformats.org/presentationml/2006/main" show="0">
+  <p:cSld>
+    <p:spTree>
+      <p:nvGrpSpPr>
+        <p:cNvPr id="1" name="">
+          <a:extLst>
+            <a:ext uri="{FF2B5EF4-FFF2-40B4-BE49-F238E27FC236}">
+              <a16:creationId xmlns:a16="http://schemas.microsoft.com/office/drawing/2014/main" id="{E7AD9FEC-8EFB-48DA-E5D0-ACFA98D4C0F5}"/>
+            </a:ext>
+          </a:extLst>
+        </p:cNvPr>
+        <p:cNvGrpSpPr/>
+        <p:nvPr/>
+      </p:nvGrpSpPr>
+      <p:grpSpPr>
+        <a:xfrm>
+          <a:off x="0" y="0"/>
+          <a:ext cx="0" cy="0"/>
+          <a:chOff x="0" y="0"/>
+          <a:chExt cx="0" cy="0"/>
+        </a:xfrm>
+      </p:grpSpPr>
+      <p:sp>
+        <p:nvSpPr>
+          <p:cNvPr id="56" name="PlaceHolder 1">
+            <a:extLst>
+              <a:ext uri="{FF2B5EF4-FFF2-40B4-BE49-F238E27FC236}">
+                <a16:creationId xmlns:a16="http://schemas.microsoft.com/office/drawing/2014/main" id="{412EFF26-3D83-A645-131A-D0AEDAE632B0}"/>
+              </a:ext>
+            </a:extLst>
+          </p:cNvPr>
+          <p:cNvSpPr>
+            <a:spLocks noGrp="1"/>
+          </p:cNvSpPr>
+          <p:nvPr>
+            <p:ph type="title"/>
+          </p:nvPr>
+        </p:nvSpPr>
+        <p:spPr>
+          <a:xfrm>
+            <a:off x="1525680" y="275040"/>
+            <a:ext cx="9141840" cy="1153080"/>
+          </a:xfrm>
+          <a:prstGeom prst="rect">
+            <a:avLst/>
+          </a:prstGeom>
+          <a:noFill/>
+          <a:ln w="0">
+            <a:noFill/>
+          </a:ln>
+        </p:spPr>
+        <p:txBody>
+          <a:bodyPr lIns="0" tIns="0" rIns="0" bIns="0" anchor="b">
+            <a:noAutofit/>
+          </a:bodyPr>
+          <a:lstStyle/>
+          <a:p>
+            <a:pPr algn="ctr">
+              <a:lnSpc>
+                <a:spcPct val="90000"/>
+              </a:lnSpc>
+              <a:buNone/>
+            </a:pPr>
+            <a:r>
+              <a:rPr lang="pt-PT" sz="4000" b="0" strike="noStrike" spc="-1" dirty="0">
+                <a:solidFill>
+                  <a:srgbClr val="870F11"/>
+                </a:solidFill>
+                <a:latin typeface="Calibri"/>
+              </a:rPr>
+              <a:t>Cálculo do espaço inicial da base de dados</a:t>
+            </a:r>
+            <a:br>
+              <a:rPr lang="pt-PT" sz="4000" b="0" strike="noStrike" spc="-1" dirty="0">
+                <a:solidFill>
+                  <a:srgbClr val="870F11"/>
+                </a:solidFill>
+                <a:latin typeface="Calibri"/>
+              </a:rPr>
+            </a:br>
+            <a:r>
+              <a:rPr lang="pt-PT" sz="4000" b="0" strike="noStrike" spc="-1" dirty="0">
+                <a:solidFill>
+                  <a:srgbClr val="870F11"/>
+                </a:solidFill>
+                <a:latin typeface="Calibri"/>
+              </a:rPr>
+              <a:t>e sua taxa de crescimento anual</a:t>
+            </a:r>
+            <a:endParaRPr lang="en-US" sz="4000" b="0" strike="noStrike" spc="-1" dirty="0">
+              <a:latin typeface="Arial"/>
+            </a:endParaRPr>
+          </a:p>
+        </p:txBody>
+      </p:sp>
+      <p:sp>
+        <p:nvSpPr>
+          <p:cNvPr id="57" name="Retângulo 4">
+            <a:extLst>
+              <a:ext uri="{FF2B5EF4-FFF2-40B4-BE49-F238E27FC236}">
+                <a16:creationId xmlns:a16="http://schemas.microsoft.com/office/drawing/2014/main" id="{046FB392-5257-3CAD-4B4B-4E06FAE46FB5}"/>
+              </a:ext>
+            </a:extLst>
+          </p:cNvPr>
+          <p:cNvSpPr/>
+          <p:nvPr/>
+        </p:nvSpPr>
+        <p:spPr>
+          <a:xfrm>
+            <a:off x="0" y="6233760"/>
+            <a:ext cx="12189960" cy="622080"/>
+          </a:xfrm>
+          <a:prstGeom prst="rect">
+            <a:avLst/>
+          </a:prstGeom>
+          <a:solidFill>
+            <a:srgbClr val="870F11"/>
+          </a:solidFill>
+          <a:ln>
+            <a:solidFill>
+              <a:srgbClr val="870F11"/>
+            </a:solidFill>
+          </a:ln>
+        </p:spPr>
+        <p:style>
+          <a:lnRef idx="2">
+            <a:schemeClr val="accent1">
+              <a:shade val="50000"/>
+            </a:schemeClr>
+          </a:lnRef>
+          <a:fillRef idx="1">
+            <a:schemeClr val="accent1"/>
+          </a:fillRef>
+          <a:effectRef idx="0">
+            <a:schemeClr val="accent1"/>
+          </a:effectRef>
+          <a:fontRef idx="minor"/>
+        </p:style>
+        <p:txBody>
+          <a:bodyPr/>
+          <a:lstStyle/>
+          <a:p>
+            <a:endParaRPr lang="pt-PT"/>
+          </a:p>
+        </p:txBody>
+      </p:sp>
+      <p:sp>
+        <p:nvSpPr>
+          <p:cNvPr id="58" name="CaixaDeTexto 5">
+            <a:extLst>
+              <a:ext uri="{FF2B5EF4-FFF2-40B4-BE49-F238E27FC236}">
+                <a16:creationId xmlns:a16="http://schemas.microsoft.com/office/drawing/2014/main" id="{DC458871-2271-62C5-DEFB-AA11BF494557}"/>
+              </a:ext>
+            </a:extLst>
+          </p:cNvPr>
+          <p:cNvSpPr/>
+          <p:nvPr/>
+        </p:nvSpPr>
+        <p:spPr>
+          <a:xfrm>
+            <a:off x="1489680" y="1828800"/>
+            <a:ext cx="9024480" cy="829543"/>
+          </a:xfrm>
+          <a:prstGeom prst="rect">
+            <a:avLst/>
+          </a:prstGeom>
+          <a:noFill/>
+          <a:ln w="0">
+            <a:noFill/>
+          </a:ln>
+        </p:spPr>
+        <p:style>
+          <a:lnRef idx="0">
+            <a:scrgbClr r="0" g="0" b="0"/>
+          </a:lnRef>
+          <a:fillRef idx="0">
+            <a:scrgbClr r="0" g="0" b="0"/>
+          </a:fillRef>
+          <a:effectRef idx="0">
+            <a:scrgbClr r="0" g="0" b="0"/>
+          </a:effectRef>
+          <a:fontRef idx="minor"/>
+        </p:style>
+        <p:txBody>
+          <a:bodyPr vertOverflow="overflow" horzOverflow="overflow" lIns="90000" tIns="45000" rIns="90000" bIns="45000" numCol="1" spcCol="0" anchor="t">
+            <a:spAutoFit/>
+          </a:bodyPr>
+          <a:lstStyle/>
+          <a:p>
+            <a:pPr algn="ctr">
+              <a:lnSpc>
+                <a:spcPct val="100000"/>
+              </a:lnSpc>
+              <a:buNone/>
+            </a:pPr>
+            <a:endParaRPr lang="en-US" sz="2400" b="0" strike="noStrike" spc="-1" dirty="0">
+              <a:latin typeface="Arial"/>
+            </a:endParaRPr>
+          </a:p>
+          <a:p>
+            <a:pPr algn="ctr">
+              <a:lnSpc>
+                <a:spcPct val="100000"/>
+              </a:lnSpc>
+              <a:buNone/>
+            </a:pPr>
+            <a:endParaRPr lang="en-US" sz="2400" b="0" strike="noStrike" spc="-1" dirty="0">
+              <a:latin typeface="Arial"/>
+            </a:endParaRPr>
+          </a:p>
+        </p:txBody>
+      </p:sp>
+      <p:pic>
+        <p:nvPicPr>
+          <p:cNvPr id="59" name="Imagem 3">
+            <a:extLst>
+              <a:ext uri="{FF2B5EF4-FFF2-40B4-BE49-F238E27FC236}">
+                <a16:creationId xmlns:a16="http://schemas.microsoft.com/office/drawing/2014/main" id="{363067EE-F0CD-100C-B690-1FF540EC0C1F}"/>
+              </a:ext>
+            </a:extLst>
+          </p:cNvPr>
+          <p:cNvPicPr/>
+          <p:nvPr/>
+        </p:nvPicPr>
+        <p:blipFill>
+          <a:blip r:embed="rId2"/>
+          <a:stretch/>
+        </p:blipFill>
+        <p:spPr>
+          <a:xfrm>
+            <a:off x="3240" y="6261480"/>
+            <a:ext cx="1236960" cy="709200"/>
+          </a:xfrm>
+          <a:prstGeom prst="rect">
+            <a:avLst/>
+          </a:prstGeom>
+          <a:ln w="0">
+            <a:noFill/>
+          </a:ln>
+        </p:spPr>
+      </p:pic>
+      <p:sp>
+        <p:nvSpPr>
+          <p:cNvPr id="60" name="CaixaDeTexto 1">
+            <a:extLst>
+              <a:ext uri="{FF2B5EF4-FFF2-40B4-BE49-F238E27FC236}">
+                <a16:creationId xmlns:a16="http://schemas.microsoft.com/office/drawing/2014/main" id="{E5C5A328-F9A7-DA18-04E6-8E09AB5D1197}"/>
+              </a:ext>
+            </a:extLst>
+          </p:cNvPr>
+          <p:cNvSpPr/>
+          <p:nvPr/>
+        </p:nvSpPr>
+        <p:spPr>
+          <a:xfrm>
+            <a:off x="6629400" y="6362640"/>
+            <a:ext cx="5855760" cy="337100"/>
+          </a:xfrm>
+          <a:prstGeom prst="rect">
+            <a:avLst/>
+          </a:prstGeom>
+          <a:noFill/>
+          <a:ln w="0">
+            <a:noFill/>
+          </a:ln>
+        </p:spPr>
+        <p:style>
+          <a:lnRef idx="0">
+            <a:scrgbClr r="0" g="0" b="0"/>
+          </a:lnRef>
+          <a:fillRef idx="0">
+            <a:scrgbClr r="0" g="0" b="0"/>
+          </a:fillRef>
+          <a:effectRef idx="0">
+            <a:scrgbClr r="0" g="0" b="0"/>
+          </a:effectRef>
+          <a:fontRef idx="minor"/>
+        </p:style>
+        <p:txBody>
+          <a:bodyPr vertOverflow="overflow" horzOverflow="overflow" lIns="90000" tIns="45000" rIns="90000" bIns="45000" numCol="1" spcCol="0" anchor="t">
+            <a:spAutoFit/>
+          </a:bodyPr>
+          <a:lstStyle/>
+          <a:p>
+            <a:pPr>
+              <a:lnSpc>
+                <a:spcPct val="100000"/>
+              </a:lnSpc>
+              <a:buNone/>
+            </a:pPr>
+            <a:r>
+              <a:rPr lang="pt-PT" sz="1600" b="0" strike="noStrike" spc="-1" dirty="0">
+                <a:solidFill>
+                  <a:srgbClr val="FFFFFF"/>
+                </a:solidFill>
+                <a:latin typeface="Calibri"/>
+                <a:ea typeface="DejaVu Sans"/>
+              </a:rPr>
+              <a:t>Bases de Dados – Jogos Olímpicos   |   Parte 2 - Grupo 8</a:t>
+            </a:r>
+            <a:endParaRPr lang="en-US" sz="1600" b="0" strike="noStrike" spc="-1" dirty="0">
+              <a:latin typeface="Arial"/>
+            </a:endParaRPr>
+          </a:p>
+        </p:txBody>
+      </p:sp>
+      <p:graphicFrame>
+        <p:nvGraphicFramePr>
+          <p:cNvPr id="4" name="Tabela 3">
+            <a:extLst>
+              <a:ext uri="{FF2B5EF4-FFF2-40B4-BE49-F238E27FC236}">
+                <a16:creationId xmlns:a16="http://schemas.microsoft.com/office/drawing/2014/main" id="{F5252DFF-FBE6-00DB-1964-26E21E88FB07}"/>
+              </a:ext>
+            </a:extLst>
+          </p:cNvPr>
+          <p:cNvGraphicFramePr>
+            <a:graphicFrameLocks noGrp="1"/>
+          </p:cNvGraphicFramePr>
+          <p:nvPr>
+            <p:extLst>
+              <p:ext uri="{D42A27DB-BD31-4B8C-83A1-F6EECF244321}">
+                <p14:modId xmlns:p14="http://schemas.microsoft.com/office/powerpoint/2010/main" val="1504659745"/>
+              </p:ext>
+            </p:extLst>
+          </p:nvPr>
+        </p:nvGraphicFramePr>
+        <p:xfrm>
+          <a:off x="1643039" y="2303793"/>
+          <a:ext cx="8871121" cy="2499003"/>
+        </p:xfrm>
+        <a:graphic>
+          <a:graphicData uri="http://schemas.openxmlformats.org/drawingml/2006/table">
+            <a:tbl>
+              <a:tblPr>
+                <a:tableStyleId>{5C22544A-7EE6-4342-B048-85BDC9FD1C3A}</a:tableStyleId>
+              </a:tblPr>
+              <a:tblGrid>
+                <a:gridCol w="3097833">
+                  <a:extLst>
+                    <a:ext uri="{9D8B030D-6E8A-4147-A177-3AD203B41FA5}">
+                      <a16:colId xmlns:a16="http://schemas.microsoft.com/office/drawing/2014/main" val="2380402356"/>
+                    </a:ext>
+                  </a:extLst>
+                </a:gridCol>
+                <a:gridCol w="2939253">
+                  <a:extLst>
+                    <a:ext uri="{9D8B030D-6E8A-4147-A177-3AD203B41FA5}">
+                      <a16:colId xmlns:a16="http://schemas.microsoft.com/office/drawing/2014/main" val="2072639528"/>
+                    </a:ext>
+                  </a:extLst>
+                </a:gridCol>
+                <a:gridCol w="2834035">
+                  <a:extLst>
+                    <a:ext uri="{9D8B030D-6E8A-4147-A177-3AD203B41FA5}">
+                      <a16:colId xmlns:a16="http://schemas.microsoft.com/office/drawing/2014/main" val="453000036"/>
+                    </a:ext>
+                  </a:extLst>
+                </a:gridCol>
+              </a:tblGrid>
+              <a:tr h="277667">
+                <a:tc>
+                  <a:txBody>
+                    <a:bodyPr/>
+                    <a:lstStyle/>
+                    <a:p>
+                      <a:pPr algn="ctr">
+                        <a:lnSpc>
+                          <a:spcPct val="150000"/>
+                        </a:lnSpc>
+                      </a:pPr>
+                      <a:r>
+                        <a:rPr lang="en-US" sz="1000">
+                          <a:effectLst/>
+                        </a:rPr>
+                        <a:t>Tabela</a:t>
+                      </a:r>
+                      <a:endParaRPr lang="pt-PT" sz="1000">
+                        <a:effectLst/>
+                        <a:latin typeface="Arial" panose="020B0604020202020204" pitchFamily="34" charset="0"/>
+                        <a:ea typeface="Times New Roman" panose="02020603050405020304" pitchFamily="18" charset="0"/>
+                      </a:endParaRPr>
+                    </a:p>
+                  </a:txBody>
+                  <a:tcPr marL="34237" marR="34237" marT="35627" marB="35627"/>
+                </a:tc>
+                <a:tc>
+                  <a:txBody>
+                    <a:bodyPr/>
+                    <a:lstStyle/>
+                    <a:p>
+                      <a:pPr algn="ctr">
+                        <a:lnSpc>
+                          <a:spcPct val="150000"/>
+                        </a:lnSpc>
+                      </a:pPr>
+                      <a:r>
+                        <a:rPr lang="en-US" sz="1000">
+                          <a:effectLst/>
+                        </a:rPr>
+                        <a:t>Quantidade de registos</a:t>
+                      </a:r>
+                      <a:endParaRPr lang="pt-PT" sz="1000">
+                        <a:effectLst/>
+                        <a:latin typeface="Arial" panose="020B0604020202020204" pitchFamily="34" charset="0"/>
+                        <a:ea typeface="Times New Roman" panose="02020603050405020304" pitchFamily="18" charset="0"/>
+                      </a:endParaRPr>
+                    </a:p>
+                  </a:txBody>
+                  <a:tcPr marL="34237" marR="34237" marT="35627" marB="35627"/>
+                </a:tc>
+                <a:tc>
+                  <a:txBody>
+                    <a:bodyPr/>
+                    <a:lstStyle/>
+                    <a:p>
+                      <a:pPr algn="ctr">
+                        <a:lnSpc>
+                          <a:spcPct val="150000"/>
+                        </a:lnSpc>
+                      </a:pPr>
+                      <a:r>
+                        <a:rPr lang="en-US" sz="1000">
+                          <a:effectLst/>
+                        </a:rPr>
+                        <a:t>Tamanho da tabela (bytes)</a:t>
+                      </a:r>
+                      <a:endParaRPr lang="pt-PT" sz="1000">
+                        <a:effectLst/>
+                        <a:latin typeface="Arial" panose="020B0604020202020204" pitchFamily="34" charset="0"/>
+                        <a:ea typeface="Times New Roman" panose="02020603050405020304" pitchFamily="18" charset="0"/>
+                      </a:endParaRPr>
+                    </a:p>
+                  </a:txBody>
+                  <a:tcPr marL="34237" marR="34237" marT="35627" marB="35627"/>
+                </a:tc>
+                <a:extLst>
+                  <a:ext uri="{0D108BD9-81ED-4DB2-BD59-A6C34878D82A}">
+                    <a16:rowId xmlns:a16="http://schemas.microsoft.com/office/drawing/2014/main" val="830065651"/>
+                  </a:ext>
+                </a:extLst>
+              </a:tr>
+              <a:tr h="277667">
+                <a:tc>
+                  <a:txBody>
+                    <a:bodyPr/>
+                    <a:lstStyle/>
+                    <a:p>
+                      <a:pPr algn="ctr">
+                        <a:lnSpc>
+                          <a:spcPct val="150000"/>
+                        </a:lnSpc>
+                      </a:pPr>
+                      <a:r>
+                        <a:rPr lang="en-US" sz="1000">
+                          <a:effectLst/>
+                        </a:rPr>
+                        <a:t>Competicao</a:t>
+                      </a:r>
+                      <a:endParaRPr lang="pt-PT" sz="1000">
+                        <a:effectLst/>
+                        <a:latin typeface="Arial" panose="020B0604020202020204" pitchFamily="34" charset="0"/>
+                        <a:ea typeface="Times New Roman" panose="02020603050405020304" pitchFamily="18" charset="0"/>
+                      </a:endParaRPr>
+                    </a:p>
+                  </a:txBody>
+                  <a:tcPr marL="34237" marR="34237" marT="35627" marB="35627"/>
+                </a:tc>
+                <a:tc>
+                  <a:txBody>
+                    <a:bodyPr/>
+                    <a:lstStyle/>
+                    <a:p>
+                      <a:pPr algn="ctr">
+                        <a:lnSpc>
+                          <a:spcPct val="150000"/>
+                        </a:lnSpc>
+                      </a:pPr>
+                      <a:r>
+                        <a:rPr lang="en-US" sz="1000">
+                          <a:effectLst/>
+                        </a:rPr>
+                        <a:t>1</a:t>
+                      </a:r>
+                      <a:endParaRPr lang="pt-PT" sz="1000">
+                        <a:effectLst/>
+                        <a:latin typeface="Arial" panose="020B0604020202020204" pitchFamily="34" charset="0"/>
+                        <a:ea typeface="Times New Roman" panose="02020603050405020304" pitchFamily="18" charset="0"/>
+                      </a:endParaRPr>
+                    </a:p>
+                  </a:txBody>
+                  <a:tcPr marL="34237" marR="34237" marT="35627" marB="35627"/>
+                </a:tc>
+                <a:tc>
+                  <a:txBody>
+                    <a:bodyPr/>
+                    <a:lstStyle/>
+                    <a:p>
+                      <a:pPr algn="ctr">
+                        <a:lnSpc>
+                          <a:spcPct val="150000"/>
+                        </a:lnSpc>
+                      </a:pPr>
+                      <a:r>
+                        <a:rPr lang="en-US" sz="1000">
+                          <a:effectLst/>
+                        </a:rPr>
+                        <a:t>102</a:t>
+                      </a:r>
+                      <a:endParaRPr lang="pt-PT" sz="1000">
+                        <a:effectLst/>
+                        <a:latin typeface="Arial" panose="020B0604020202020204" pitchFamily="34" charset="0"/>
+                        <a:ea typeface="Times New Roman" panose="02020603050405020304" pitchFamily="18" charset="0"/>
+                      </a:endParaRPr>
+                    </a:p>
+                  </a:txBody>
+                  <a:tcPr marL="34237" marR="34237" marT="35627" marB="35627"/>
+                </a:tc>
+                <a:extLst>
+                  <a:ext uri="{0D108BD9-81ED-4DB2-BD59-A6C34878D82A}">
+                    <a16:rowId xmlns:a16="http://schemas.microsoft.com/office/drawing/2014/main" val="2092646392"/>
+                  </a:ext>
+                </a:extLst>
+              </a:tr>
+              <a:tr h="277667">
+                <a:tc>
+                  <a:txBody>
+                    <a:bodyPr/>
+                    <a:lstStyle/>
+                    <a:p>
+                      <a:pPr algn="ctr">
+                        <a:lnSpc>
+                          <a:spcPct val="150000"/>
+                        </a:lnSpc>
+                      </a:pPr>
+                      <a:r>
+                        <a:rPr lang="en-US" sz="1000">
+                          <a:effectLst/>
+                        </a:rPr>
+                        <a:t>Tipo</a:t>
+                      </a:r>
+                      <a:endParaRPr lang="pt-PT" sz="1000">
+                        <a:effectLst/>
+                        <a:latin typeface="Arial" panose="020B0604020202020204" pitchFamily="34" charset="0"/>
+                        <a:ea typeface="Times New Roman" panose="02020603050405020304" pitchFamily="18" charset="0"/>
+                      </a:endParaRPr>
+                    </a:p>
+                  </a:txBody>
+                  <a:tcPr marL="34237" marR="34237" marT="35627" marB="35627"/>
+                </a:tc>
+                <a:tc>
+                  <a:txBody>
+                    <a:bodyPr/>
+                    <a:lstStyle/>
+                    <a:p>
+                      <a:pPr algn="ctr">
+                        <a:lnSpc>
+                          <a:spcPct val="150000"/>
+                        </a:lnSpc>
+                      </a:pPr>
+                      <a:r>
+                        <a:rPr lang="en-US" sz="1000" dirty="0">
+                          <a:effectLst/>
+                        </a:rPr>
+                        <a:t>10</a:t>
+                      </a:r>
+                      <a:endParaRPr lang="pt-PT" sz="1000" dirty="0">
+                        <a:effectLst/>
+                        <a:latin typeface="Arial" panose="020B0604020202020204" pitchFamily="34" charset="0"/>
+                        <a:ea typeface="Times New Roman" panose="02020603050405020304" pitchFamily="18" charset="0"/>
+                      </a:endParaRPr>
+                    </a:p>
+                  </a:txBody>
+                  <a:tcPr marL="34237" marR="34237" marT="35627" marB="35627"/>
+                </a:tc>
+                <a:tc>
+                  <a:txBody>
+                    <a:bodyPr/>
+                    <a:lstStyle/>
+                    <a:p>
+                      <a:pPr algn="ctr">
+                        <a:lnSpc>
+                          <a:spcPct val="150000"/>
+                        </a:lnSpc>
+                      </a:pPr>
+                      <a:r>
+                        <a:rPr lang="en-US" sz="1000">
+                          <a:effectLst/>
+                        </a:rPr>
+                        <a:t>500</a:t>
+                      </a:r>
+                      <a:endParaRPr lang="pt-PT" sz="1000">
+                        <a:effectLst/>
+                        <a:latin typeface="Arial" panose="020B0604020202020204" pitchFamily="34" charset="0"/>
+                        <a:ea typeface="Times New Roman" panose="02020603050405020304" pitchFamily="18" charset="0"/>
+                      </a:endParaRPr>
+                    </a:p>
+                  </a:txBody>
+                  <a:tcPr marL="34237" marR="34237" marT="35627" marB="35627"/>
+                </a:tc>
+                <a:extLst>
+                  <a:ext uri="{0D108BD9-81ED-4DB2-BD59-A6C34878D82A}">
+                    <a16:rowId xmlns:a16="http://schemas.microsoft.com/office/drawing/2014/main" val="2817334259"/>
+                  </a:ext>
+                </a:extLst>
+              </a:tr>
+              <a:tr h="277667">
+                <a:tc>
+                  <a:txBody>
+                    <a:bodyPr/>
+                    <a:lstStyle/>
+                    <a:p>
+                      <a:pPr algn="ctr">
+                        <a:lnSpc>
+                          <a:spcPct val="150000"/>
+                        </a:lnSpc>
+                      </a:pPr>
+                      <a:r>
+                        <a:rPr lang="en-US" sz="1000">
+                          <a:effectLst/>
+                        </a:rPr>
+                        <a:t>Funcionario</a:t>
+                      </a:r>
+                      <a:endParaRPr lang="pt-PT" sz="1000">
+                        <a:effectLst/>
+                        <a:latin typeface="Arial" panose="020B0604020202020204" pitchFamily="34" charset="0"/>
+                        <a:ea typeface="Times New Roman" panose="02020603050405020304" pitchFamily="18" charset="0"/>
+                      </a:endParaRPr>
+                    </a:p>
+                  </a:txBody>
+                  <a:tcPr marL="34237" marR="34237" marT="35627" marB="35627"/>
+                </a:tc>
+                <a:tc>
+                  <a:txBody>
+                    <a:bodyPr/>
+                    <a:lstStyle/>
+                    <a:p>
+                      <a:pPr algn="ctr">
+                        <a:lnSpc>
+                          <a:spcPct val="150000"/>
+                        </a:lnSpc>
+                      </a:pPr>
+                      <a:r>
+                        <a:rPr lang="en-US" sz="1000">
+                          <a:effectLst/>
+                        </a:rPr>
+                        <a:t>500</a:t>
+                      </a:r>
+                      <a:endParaRPr lang="pt-PT" sz="1000">
+                        <a:effectLst/>
+                        <a:latin typeface="Arial" panose="020B0604020202020204" pitchFamily="34" charset="0"/>
+                        <a:ea typeface="Times New Roman" panose="02020603050405020304" pitchFamily="18" charset="0"/>
+                      </a:endParaRPr>
+                    </a:p>
+                  </a:txBody>
+                  <a:tcPr marL="34237" marR="34237" marT="35627" marB="35627"/>
+                </a:tc>
+                <a:tc>
+                  <a:txBody>
+                    <a:bodyPr/>
+                    <a:lstStyle/>
+                    <a:p>
+                      <a:pPr algn="ctr">
+                        <a:lnSpc>
+                          <a:spcPct val="150000"/>
+                        </a:lnSpc>
+                      </a:pPr>
+                      <a:r>
+                        <a:rPr lang="en-US" sz="1000">
+                          <a:effectLst/>
+                        </a:rPr>
+                        <a:t>29 000</a:t>
+                      </a:r>
+                      <a:endParaRPr lang="pt-PT" sz="1000">
+                        <a:effectLst/>
+                        <a:latin typeface="Arial" panose="020B0604020202020204" pitchFamily="34" charset="0"/>
+                        <a:ea typeface="Times New Roman" panose="02020603050405020304" pitchFamily="18" charset="0"/>
+                      </a:endParaRPr>
+                    </a:p>
+                  </a:txBody>
+                  <a:tcPr marL="34237" marR="34237" marT="35627" marB="35627"/>
+                </a:tc>
+                <a:extLst>
+                  <a:ext uri="{0D108BD9-81ED-4DB2-BD59-A6C34878D82A}">
+                    <a16:rowId xmlns:a16="http://schemas.microsoft.com/office/drawing/2014/main" val="1319712797"/>
+                  </a:ext>
+                </a:extLst>
+              </a:tr>
+              <a:tr h="277667">
+                <a:tc>
+                  <a:txBody>
+                    <a:bodyPr/>
+                    <a:lstStyle/>
+                    <a:p>
+                      <a:pPr algn="ctr">
+                        <a:lnSpc>
+                          <a:spcPct val="150000"/>
+                        </a:lnSpc>
+                      </a:pPr>
+                      <a:r>
+                        <a:rPr lang="en-US" sz="1000">
+                          <a:effectLst/>
+                        </a:rPr>
+                        <a:t>Esporte</a:t>
+                      </a:r>
+                      <a:endParaRPr lang="pt-PT" sz="1000">
+                        <a:effectLst/>
+                        <a:latin typeface="Arial" panose="020B0604020202020204" pitchFamily="34" charset="0"/>
+                        <a:ea typeface="Times New Roman" panose="02020603050405020304" pitchFamily="18" charset="0"/>
+                      </a:endParaRPr>
+                    </a:p>
+                  </a:txBody>
+                  <a:tcPr marL="34237" marR="34237" marT="35627" marB="35627"/>
+                </a:tc>
+                <a:tc>
+                  <a:txBody>
+                    <a:bodyPr/>
+                    <a:lstStyle/>
+                    <a:p>
+                      <a:pPr algn="ctr">
+                        <a:lnSpc>
+                          <a:spcPct val="150000"/>
+                        </a:lnSpc>
+                      </a:pPr>
+                      <a:r>
+                        <a:rPr lang="en-US" sz="1000">
+                          <a:effectLst/>
+                        </a:rPr>
+                        <a:t>32</a:t>
+                      </a:r>
+                      <a:endParaRPr lang="pt-PT" sz="1000">
+                        <a:effectLst/>
+                        <a:latin typeface="Arial" panose="020B0604020202020204" pitchFamily="34" charset="0"/>
+                        <a:ea typeface="Times New Roman" panose="02020603050405020304" pitchFamily="18" charset="0"/>
+                      </a:endParaRPr>
+                    </a:p>
+                  </a:txBody>
+                  <a:tcPr marL="34237" marR="34237" marT="35627" marB="35627"/>
+                </a:tc>
+                <a:tc>
+                  <a:txBody>
+                    <a:bodyPr/>
+                    <a:lstStyle/>
+                    <a:p>
+                      <a:pPr algn="ctr">
+                        <a:lnSpc>
+                          <a:spcPct val="150000"/>
+                        </a:lnSpc>
+                      </a:pPr>
+                      <a:r>
+                        <a:rPr lang="en-US" sz="1000">
+                          <a:effectLst/>
+                        </a:rPr>
+                        <a:t>1 728</a:t>
+                      </a:r>
+                      <a:endParaRPr lang="pt-PT" sz="1000">
+                        <a:effectLst/>
+                        <a:latin typeface="Arial" panose="020B0604020202020204" pitchFamily="34" charset="0"/>
+                        <a:ea typeface="Times New Roman" panose="02020603050405020304" pitchFamily="18" charset="0"/>
+                      </a:endParaRPr>
+                    </a:p>
+                  </a:txBody>
+                  <a:tcPr marL="34237" marR="34237" marT="35627" marB="35627"/>
+                </a:tc>
+                <a:extLst>
+                  <a:ext uri="{0D108BD9-81ED-4DB2-BD59-A6C34878D82A}">
+                    <a16:rowId xmlns:a16="http://schemas.microsoft.com/office/drawing/2014/main" val="1802938329"/>
+                  </a:ext>
+                </a:extLst>
+              </a:tr>
+              <a:tr h="277667">
+                <a:tc>
+                  <a:txBody>
+                    <a:bodyPr/>
+                    <a:lstStyle/>
+                    <a:p>
+                      <a:pPr algn="ctr">
+                        <a:lnSpc>
+                          <a:spcPct val="150000"/>
+                        </a:lnSpc>
+                      </a:pPr>
+                      <a:r>
+                        <a:rPr lang="en-US" sz="1000">
+                          <a:effectLst/>
+                        </a:rPr>
+                        <a:t>Modalidade</a:t>
+                      </a:r>
+                      <a:endParaRPr lang="pt-PT" sz="1000">
+                        <a:effectLst/>
+                        <a:latin typeface="Arial" panose="020B0604020202020204" pitchFamily="34" charset="0"/>
+                        <a:ea typeface="Times New Roman" panose="02020603050405020304" pitchFamily="18" charset="0"/>
+                      </a:endParaRPr>
+                    </a:p>
+                  </a:txBody>
+                  <a:tcPr marL="34237" marR="34237" marT="35627" marB="35627"/>
+                </a:tc>
+                <a:tc>
+                  <a:txBody>
+                    <a:bodyPr/>
+                    <a:lstStyle/>
+                    <a:p>
+                      <a:pPr algn="ctr">
+                        <a:lnSpc>
+                          <a:spcPct val="150000"/>
+                        </a:lnSpc>
+                      </a:pPr>
+                      <a:r>
+                        <a:rPr lang="en-US" sz="1000">
+                          <a:effectLst/>
+                        </a:rPr>
+                        <a:t>160</a:t>
+                      </a:r>
+                      <a:endParaRPr lang="pt-PT" sz="1000">
+                        <a:effectLst/>
+                        <a:latin typeface="Arial" panose="020B0604020202020204" pitchFamily="34" charset="0"/>
+                        <a:ea typeface="Times New Roman" panose="02020603050405020304" pitchFamily="18" charset="0"/>
+                      </a:endParaRPr>
+                    </a:p>
+                  </a:txBody>
+                  <a:tcPr marL="34237" marR="34237" marT="35627" marB="35627"/>
+                </a:tc>
+                <a:tc>
+                  <a:txBody>
+                    <a:bodyPr/>
+                    <a:lstStyle/>
+                    <a:p>
+                      <a:pPr algn="ctr">
+                        <a:lnSpc>
+                          <a:spcPct val="150000"/>
+                        </a:lnSpc>
+                      </a:pPr>
+                      <a:r>
+                        <a:rPr lang="en-US" sz="1000">
+                          <a:effectLst/>
+                        </a:rPr>
+                        <a:t>17 440</a:t>
+                      </a:r>
+                      <a:endParaRPr lang="pt-PT" sz="1000">
+                        <a:effectLst/>
+                        <a:latin typeface="Arial" panose="020B0604020202020204" pitchFamily="34" charset="0"/>
+                        <a:ea typeface="Times New Roman" panose="02020603050405020304" pitchFamily="18" charset="0"/>
+                      </a:endParaRPr>
+                    </a:p>
+                  </a:txBody>
+                  <a:tcPr marL="34237" marR="34237" marT="35627" marB="35627"/>
+                </a:tc>
+                <a:extLst>
+                  <a:ext uri="{0D108BD9-81ED-4DB2-BD59-A6C34878D82A}">
+                    <a16:rowId xmlns:a16="http://schemas.microsoft.com/office/drawing/2014/main" val="3403794679"/>
+                  </a:ext>
+                </a:extLst>
+              </a:tr>
+              <a:tr h="277667">
+                <a:tc>
+                  <a:txBody>
+                    <a:bodyPr/>
+                    <a:lstStyle/>
+                    <a:p>
+                      <a:pPr algn="ctr">
+                        <a:lnSpc>
+                          <a:spcPct val="150000"/>
+                        </a:lnSpc>
+                      </a:pPr>
+                      <a:r>
+                        <a:rPr lang="en-US" sz="1000">
+                          <a:effectLst/>
+                        </a:rPr>
+                        <a:t>Delegacao</a:t>
+                      </a:r>
+                      <a:endParaRPr lang="pt-PT" sz="1000">
+                        <a:effectLst/>
+                        <a:latin typeface="Arial" panose="020B0604020202020204" pitchFamily="34" charset="0"/>
+                        <a:ea typeface="Times New Roman" panose="02020603050405020304" pitchFamily="18" charset="0"/>
+                      </a:endParaRPr>
+                    </a:p>
+                  </a:txBody>
+                  <a:tcPr marL="34237" marR="34237" marT="35627" marB="35627"/>
+                </a:tc>
+                <a:tc>
+                  <a:txBody>
+                    <a:bodyPr/>
+                    <a:lstStyle/>
+                    <a:p>
+                      <a:pPr algn="ctr">
+                        <a:lnSpc>
+                          <a:spcPct val="150000"/>
+                        </a:lnSpc>
+                      </a:pPr>
+                      <a:r>
+                        <a:rPr lang="en-US" sz="1000">
+                          <a:effectLst/>
+                        </a:rPr>
+                        <a:t>206</a:t>
+                      </a:r>
+                      <a:endParaRPr lang="pt-PT" sz="1000">
+                        <a:effectLst/>
+                        <a:latin typeface="Arial" panose="020B0604020202020204" pitchFamily="34" charset="0"/>
+                        <a:ea typeface="Times New Roman" panose="02020603050405020304" pitchFamily="18" charset="0"/>
+                      </a:endParaRPr>
+                    </a:p>
+                  </a:txBody>
+                  <a:tcPr marL="34237" marR="34237" marT="35627" marB="35627"/>
+                </a:tc>
+                <a:tc>
+                  <a:txBody>
+                    <a:bodyPr/>
+                    <a:lstStyle/>
+                    <a:p>
+                      <a:pPr algn="ctr">
+                        <a:lnSpc>
+                          <a:spcPct val="150000"/>
+                        </a:lnSpc>
+                      </a:pPr>
+                      <a:r>
+                        <a:rPr lang="en-US" sz="1000">
+                          <a:effectLst/>
+                        </a:rPr>
+                        <a:t>11 124</a:t>
+                      </a:r>
+                      <a:endParaRPr lang="pt-PT" sz="1000">
+                        <a:effectLst/>
+                        <a:latin typeface="Arial" panose="020B0604020202020204" pitchFamily="34" charset="0"/>
+                        <a:ea typeface="Times New Roman" panose="02020603050405020304" pitchFamily="18" charset="0"/>
+                      </a:endParaRPr>
+                    </a:p>
+                  </a:txBody>
+                  <a:tcPr marL="34237" marR="34237" marT="35627" marB="35627"/>
+                </a:tc>
+                <a:extLst>
+                  <a:ext uri="{0D108BD9-81ED-4DB2-BD59-A6C34878D82A}">
+                    <a16:rowId xmlns:a16="http://schemas.microsoft.com/office/drawing/2014/main" val="1398797287"/>
+                  </a:ext>
+                </a:extLst>
+              </a:tr>
+              <a:tr h="277667">
+                <a:tc>
+                  <a:txBody>
+                    <a:bodyPr/>
+                    <a:lstStyle/>
+                    <a:p>
+                      <a:pPr algn="ctr">
+                        <a:lnSpc>
+                          <a:spcPct val="150000"/>
+                        </a:lnSpc>
+                      </a:pPr>
+                      <a:r>
+                        <a:rPr lang="en-US" sz="1000" dirty="0" err="1">
+                          <a:effectLst/>
+                        </a:rPr>
+                        <a:t>Evento</a:t>
+                      </a:r>
+                      <a:endParaRPr lang="pt-PT" sz="1000" dirty="0">
+                        <a:effectLst/>
+                        <a:latin typeface="Arial" panose="020B0604020202020204" pitchFamily="34" charset="0"/>
+                        <a:ea typeface="Times New Roman" panose="02020603050405020304" pitchFamily="18" charset="0"/>
+                      </a:endParaRPr>
+                    </a:p>
+                  </a:txBody>
+                  <a:tcPr marL="34237" marR="34237" marT="35627" marB="35627"/>
+                </a:tc>
+                <a:tc>
+                  <a:txBody>
+                    <a:bodyPr/>
+                    <a:lstStyle/>
+                    <a:p>
+                      <a:pPr algn="ctr">
+                        <a:lnSpc>
+                          <a:spcPct val="150000"/>
+                        </a:lnSpc>
+                      </a:pPr>
+                      <a:r>
+                        <a:rPr lang="en-US" sz="1000">
+                          <a:effectLst/>
+                        </a:rPr>
+                        <a:t>330</a:t>
+                      </a:r>
+                      <a:endParaRPr lang="pt-PT" sz="1000">
+                        <a:effectLst/>
+                        <a:latin typeface="Arial" panose="020B0604020202020204" pitchFamily="34" charset="0"/>
+                        <a:ea typeface="Times New Roman" panose="02020603050405020304" pitchFamily="18" charset="0"/>
+                      </a:endParaRPr>
+                    </a:p>
+                  </a:txBody>
+                  <a:tcPr marL="34237" marR="34237" marT="35627" marB="35627"/>
+                </a:tc>
+                <a:tc>
+                  <a:txBody>
+                    <a:bodyPr/>
+                    <a:lstStyle/>
+                    <a:p>
+                      <a:pPr algn="ctr">
+                        <a:lnSpc>
+                          <a:spcPct val="150000"/>
+                        </a:lnSpc>
+                      </a:pPr>
+                      <a:r>
+                        <a:rPr lang="en-US" sz="1000" dirty="0">
+                          <a:effectLst/>
+                        </a:rPr>
+                        <a:t>20 460</a:t>
+                      </a:r>
+                      <a:endParaRPr lang="pt-PT" sz="1000" dirty="0">
+                        <a:effectLst/>
+                        <a:latin typeface="Arial" panose="020B0604020202020204" pitchFamily="34" charset="0"/>
+                        <a:ea typeface="Times New Roman" panose="02020603050405020304" pitchFamily="18" charset="0"/>
+                      </a:endParaRPr>
+                    </a:p>
+                  </a:txBody>
+                  <a:tcPr marL="34237" marR="34237" marT="35627" marB="35627"/>
+                </a:tc>
+                <a:extLst>
+                  <a:ext uri="{0D108BD9-81ED-4DB2-BD59-A6C34878D82A}">
+                    <a16:rowId xmlns:a16="http://schemas.microsoft.com/office/drawing/2014/main" val="849737096"/>
+                  </a:ext>
+                </a:extLst>
+              </a:tr>
+              <a:tr h="277667">
+                <a:tc>
+                  <a:txBody>
+                    <a:bodyPr/>
+                    <a:lstStyle/>
+                    <a:p>
+                      <a:pPr algn="ctr">
+                        <a:lnSpc>
+                          <a:spcPct val="150000"/>
+                        </a:lnSpc>
+                      </a:pPr>
+                      <a:r>
+                        <a:rPr lang="en-US" sz="1000">
+                          <a:effectLst/>
+                        </a:rPr>
+                        <a:t>Total</a:t>
+                      </a:r>
+                      <a:endParaRPr lang="pt-PT" sz="1000">
+                        <a:effectLst/>
+                        <a:latin typeface="Arial" panose="020B0604020202020204" pitchFamily="34" charset="0"/>
+                        <a:ea typeface="Times New Roman" panose="02020603050405020304" pitchFamily="18" charset="0"/>
+                      </a:endParaRPr>
+                    </a:p>
+                  </a:txBody>
+                  <a:tcPr marL="34237" marR="34237" marT="35627" marB="35627"/>
+                </a:tc>
+                <a:tc>
+                  <a:txBody>
+                    <a:bodyPr/>
+                    <a:lstStyle/>
+                    <a:p>
+                      <a:pPr algn="ctr">
+                        <a:lnSpc>
+                          <a:spcPct val="150000"/>
+                        </a:lnSpc>
+                      </a:pPr>
+                      <a:r>
+                        <a:rPr lang="en-US" sz="1000" dirty="0">
+                          <a:effectLst/>
+                          <a:latin typeface="Arial" panose="020B0604020202020204" pitchFamily="34" charset="0"/>
+                          <a:ea typeface="Times New Roman" panose="02020603050405020304" pitchFamily="18" charset="0"/>
+                        </a:rPr>
+                        <a:t>1539</a:t>
+                      </a:r>
+                      <a:endParaRPr lang="pt-PT" sz="1000" dirty="0">
+                        <a:effectLst/>
+                        <a:latin typeface="Arial" panose="020B0604020202020204" pitchFamily="34" charset="0"/>
+                        <a:ea typeface="Times New Roman" panose="02020603050405020304" pitchFamily="18" charset="0"/>
+                      </a:endParaRPr>
+                    </a:p>
+                  </a:txBody>
+                  <a:tcPr marL="34237" marR="34237" marT="35627" marB="35627"/>
+                </a:tc>
+                <a:tc>
+                  <a:txBody>
+                    <a:bodyPr/>
+                    <a:lstStyle/>
+                    <a:p>
+                      <a:pPr algn="ctr">
+                        <a:lnSpc>
+                          <a:spcPct val="150000"/>
+                        </a:lnSpc>
+                      </a:pPr>
+                      <a:r>
+                        <a:rPr lang="en-US" sz="1000" dirty="0">
+                          <a:effectLst/>
+                        </a:rPr>
+                        <a:t>80 354</a:t>
+                      </a:r>
+                      <a:endParaRPr lang="pt-PT" sz="1000" dirty="0">
+                        <a:effectLst/>
+                        <a:latin typeface="Arial" panose="020B0604020202020204" pitchFamily="34" charset="0"/>
+                        <a:ea typeface="Times New Roman" panose="02020603050405020304" pitchFamily="18" charset="0"/>
+                      </a:endParaRPr>
+                    </a:p>
+                  </a:txBody>
+                  <a:tcPr marL="34237" marR="34237" marT="35627" marB="35627"/>
+                </a:tc>
+                <a:extLst>
+                  <a:ext uri="{0D108BD9-81ED-4DB2-BD59-A6C34878D82A}">
+                    <a16:rowId xmlns:a16="http://schemas.microsoft.com/office/drawing/2014/main" val="645560135"/>
+                  </a:ext>
+                </a:extLst>
+              </a:tr>
+            </a:tbl>
+          </a:graphicData>
+        </a:graphic>
+      </p:graphicFrame>
+    </p:spTree>
+    <p:extLst>
+      <p:ext uri="{BB962C8B-B14F-4D97-AF65-F5344CB8AC3E}">
+        <p14:creationId xmlns:p14="http://schemas.microsoft.com/office/powerpoint/2010/main" val="1042105994"/>
+      </p:ext>
+    </p:extLst>
+  </p:cSld>
+  <p:clrMapOvr>
+    <a:masterClrMapping/>
+  </p:clrMapOvr>
+</p:sld>
+</file>
+
+<file path=ppt/slides/slide22.xml><?xml version="1.0" encoding="utf-8"?>
+<p:sld xmlns:a="http://schemas.openxmlformats.org/drawingml/2006/main" xmlns:r="http://schemas.openxmlformats.org/officeDocument/2006/relationships" xmlns:p="http://schemas.openxmlformats.org/presentationml/2006/main" show="0">
+  <p:cSld>
+    <p:spTree>
+      <p:nvGrpSpPr>
+        <p:cNvPr id="1" name="">
+          <a:extLst>
+            <a:ext uri="{FF2B5EF4-FFF2-40B4-BE49-F238E27FC236}">
+              <a16:creationId xmlns:a16="http://schemas.microsoft.com/office/drawing/2014/main" id="{630A2F7A-4B5C-2EA1-5B32-700802CC09CD}"/>
+            </a:ext>
+          </a:extLst>
+        </p:cNvPr>
+        <p:cNvGrpSpPr/>
+        <p:nvPr/>
+      </p:nvGrpSpPr>
+      <p:grpSpPr>
+        <a:xfrm>
+          <a:off x="0" y="0"/>
+          <a:ext cx="0" cy="0"/>
+          <a:chOff x="0" y="0"/>
+          <a:chExt cx="0" cy="0"/>
+        </a:xfrm>
+      </p:grpSpPr>
+      <p:sp>
+        <p:nvSpPr>
+          <p:cNvPr id="56" name="PlaceHolder 1">
+            <a:extLst>
+              <a:ext uri="{FF2B5EF4-FFF2-40B4-BE49-F238E27FC236}">
+                <a16:creationId xmlns:a16="http://schemas.microsoft.com/office/drawing/2014/main" id="{82004858-22F9-FA60-CD70-336FD9352E11}"/>
+              </a:ext>
+            </a:extLst>
+          </p:cNvPr>
+          <p:cNvSpPr>
+            <a:spLocks noGrp="1"/>
+          </p:cNvSpPr>
+          <p:nvPr>
+            <p:ph type="title"/>
+          </p:nvPr>
+        </p:nvSpPr>
+        <p:spPr>
+          <a:xfrm>
+            <a:off x="1525680" y="275040"/>
+            <a:ext cx="9141840" cy="1153080"/>
+          </a:xfrm>
+          <a:prstGeom prst="rect">
+            <a:avLst/>
+          </a:prstGeom>
+          <a:noFill/>
+          <a:ln w="0">
+            <a:noFill/>
+          </a:ln>
+        </p:spPr>
+        <p:txBody>
+          <a:bodyPr lIns="0" tIns="0" rIns="0" bIns="0" anchor="b">
+            <a:noAutofit/>
+          </a:bodyPr>
+          <a:lstStyle/>
+          <a:p>
+            <a:pPr algn="ctr">
+              <a:lnSpc>
+                <a:spcPct val="90000"/>
+              </a:lnSpc>
+              <a:buNone/>
+            </a:pPr>
+            <a:r>
+              <a:rPr lang="pt-PT" sz="4000" b="0" strike="noStrike" spc="-1" dirty="0">
+                <a:solidFill>
+                  <a:srgbClr val="870F11"/>
+                </a:solidFill>
+                <a:latin typeface="Calibri"/>
+              </a:rPr>
+              <a:t>Cálculo do espaço inicial da base de dados</a:t>
+            </a:r>
+            <a:br>
+              <a:rPr lang="pt-PT" sz="4000" b="0" strike="noStrike" spc="-1" dirty="0">
+                <a:solidFill>
+                  <a:srgbClr val="870F11"/>
+                </a:solidFill>
+                <a:latin typeface="Calibri"/>
+              </a:rPr>
+            </a:br>
+            <a:r>
+              <a:rPr lang="pt-PT" sz="4000" b="0" strike="noStrike" spc="-1" dirty="0">
+                <a:solidFill>
+                  <a:srgbClr val="870F11"/>
+                </a:solidFill>
+                <a:latin typeface="Calibri"/>
+              </a:rPr>
+              <a:t>e sua taxa de crescimento anual</a:t>
+            </a:r>
+            <a:endParaRPr lang="en-US" sz="4000" b="0" strike="noStrike" spc="-1" dirty="0">
+              <a:latin typeface="Arial"/>
+            </a:endParaRPr>
+          </a:p>
+        </p:txBody>
+      </p:sp>
+      <p:sp>
+        <p:nvSpPr>
+          <p:cNvPr id="57" name="Retângulo 4">
+            <a:extLst>
+              <a:ext uri="{FF2B5EF4-FFF2-40B4-BE49-F238E27FC236}">
+                <a16:creationId xmlns:a16="http://schemas.microsoft.com/office/drawing/2014/main" id="{E3B949BD-CD3C-FF00-EFBA-A0D2AB4D82E4}"/>
+              </a:ext>
+            </a:extLst>
+          </p:cNvPr>
+          <p:cNvSpPr/>
+          <p:nvPr/>
+        </p:nvSpPr>
+        <p:spPr>
+          <a:xfrm>
+            <a:off x="0" y="6233760"/>
+            <a:ext cx="12189960" cy="622080"/>
+          </a:xfrm>
+          <a:prstGeom prst="rect">
+            <a:avLst/>
+          </a:prstGeom>
+          <a:solidFill>
+            <a:srgbClr val="870F11"/>
+          </a:solidFill>
+          <a:ln>
+            <a:solidFill>
+              <a:srgbClr val="870F11"/>
+            </a:solidFill>
+          </a:ln>
+        </p:spPr>
+        <p:style>
+          <a:lnRef idx="2">
+            <a:schemeClr val="accent1">
+              <a:shade val="50000"/>
+            </a:schemeClr>
+          </a:lnRef>
+          <a:fillRef idx="1">
+            <a:schemeClr val="accent1"/>
+          </a:fillRef>
+          <a:effectRef idx="0">
+            <a:schemeClr val="accent1"/>
+          </a:effectRef>
+          <a:fontRef idx="minor"/>
+        </p:style>
+        <p:txBody>
+          <a:bodyPr/>
+          <a:lstStyle/>
+          <a:p>
+            <a:endParaRPr lang="pt-PT"/>
+          </a:p>
+        </p:txBody>
+      </p:sp>
+      <p:sp>
+        <p:nvSpPr>
+          <p:cNvPr id="58" name="CaixaDeTexto 5">
+            <a:extLst>
+              <a:ext uri="{FF2B5EF4-FFF2-40B4-BE49-F238E27FC236}">
+                <a16:creationId xmlns:a16="http://schemas.microsoft.com/office/drawing/2014/main" id="{20BF984C-7386-548E-0CC7-85A5A01BFF88}"/>
+              </a:ext>
+            </a:extLst>
+          </p:cNvPr>
+          <p:cNvSpPr/>
+          <p:nvPr/>
+        </p:nvSpPr>
+        <p:spPr>
+          <a:xfrm>
+            <a:off x="1489680" y="1828800"/>
+            <a:ext cx="9024480" cy="829543"/>
+          </a:xfrm>
+          <a:prstGeom prst="rect">
+            <a:avLst/>
+          </a:prstGeom>
+          <a:noFill/>
+          <a:ln w="0">
+            <a:noFill/>
+          </a:ln>
+        </p:spPr>
+        <p:style>
+          <a:lnRef idx="0">
+            <a:scrgbClr r="0" g="0" b="0"/>
+          </a:lnRef>
+          <a:fillRef idx="0">
+            <a:scrgbClr r="0" g="0" b="0"/>
+          </a:fillRef>
+          <a:effectRef idx="0">
+            <a:scrgbClr r="0" g="0" b="0"/>
+          </a:effectRef>
+          <a:fontRef idx="minor"/>
+        </p:style>
+        <p:txBody>
+          <a:bodyPr vertOverflow="overflow" horzOverflow="overflow" lIns="90000" tIns="45000" rIns="90000" bIns="45000" numCol="1" spcCol="0" anchor="t">
+            <a:spAutoFit/>
+          </a:bodyPr>
+          <a:lstStyle/>
+          <a:p>
+            <a:pPr algn="ctr">
+              <a:lnSpc>
+                <a:spcPct val="100000"/>
+              </a:lnSpc>
+              <a:buNone/>
+            </a:pPr>
+            <a:endParaRPr lang="en-US" sz="2400" b="0" strike="noStrike" spc="-1" dirty="0">
+              <a:latin typeface="Arial"/>
+            </a:endParaRPr>
+          </a:p>
+          <a:p>
+            <a:pPr algn="ctr">
+              <a:lnSpc>
+                <a:spcPct val="100000"/>
+              </a:lnSpc>
+              <a:buNone/>
+            </a:pPr>
+            <a:endParaRPr lang="en-US" sz="2400" b="0" strike="noStrike" spc="-1" dirty="0">
+              <a:latin typeface="Arial"/>
+            </a:endParaRPr>
+          </a:p>
+        </p:txBody>
+      </p:sp>
+      <p:pic>
+        <p:nvPicPr>
+          <p:cNvPr id="59" name="Imagem 3">
+            <a:extLst>
+              <a:ext uri="{FF2B5EF4-FFF2-40B4-BE49-F238E27FC236}">
+                <a16:creationId xmlns:a16="http://schemas.microsoft.com/office/drawing/2014/main" id="{24350598-B012-7332-66B4-946578B19D05}"/>
+              </a:ext>
+            </a:extLst>
+          </p:cNvPr>
+          <p:cNvPicPr/>
+          <p:nvPr/>
+        </p:nvPicPr>
+        <p:blipFill>
+          <a:blip r:embed="rId2"/>
+          <a:stretch/>
+        </p:blipFill>
+        <p:spPr>
+          <a:xfrm>
+            <a:off x="3240" y="6261480"/>
+            <a:ext cx="1236960" cy="709200"/>
+          </a:xfrm>
+          <a:prstGeom prst="rect">
+            <a:avLst/>
+          </a:prstGeom>
+          <a:ln w="0">
+            <a:noFill/>
+          </a:ln>
+        </p:spPr>
+      </p:pic>
+      <p:sp>
+        <p:nvSpPr>
+          <p:cNvPr id="60" name="CaixaDeTexto 1">
+            <a:extLst>
+              <a:ext uri="{FF2B5EF4-FFF2-40B4-BE49-F238E27FC236}">
+                <a16:creationId xmlns:a16="http://schemas.microsoft.com/office/drawing/2014/main" id="{F1D6DDB9-E50E-D5CD-0844-87A4B18290CB}"/>
+              </a:ext>
+            </a:extLst>
+          </p:cNvPr>
+          <p:cNvSpPr/>
+          <p:nvPr/>
+        </p:nvSpPr>
+        <p:spPr>
+          <a:xfrm>
+            <a:off x="6629400" y="6362640"/>
+            <a:ext cx="5855760" cy="337100"/>
+          </a:xfrm>
+          <a:prstGeom prst="rect">
+            <a:avLst/>
+          </a:prstGeom>
+          <a:noFill/>
+          <a:ln w="0">
+            <a:noFill/>
+          </a:ln>
+        </p:spPr>
+        <p:style>
+          <a:lnRef idx="0">
+            <a:scrgbClr r="0" g="0" b="0"/>
+          </a:lnRef>
+          <a:fillRef idx="0">
+            <a:scrgbClr r="0" g="0" b="0"/>
+          </a:fillRef>
+          <a:effectRef idx="0">
+            <a:scrgbClr r="0" g="0" b="0"/>
+          </a:effectRef>
+          <a:fontRef idx="minor"/>
+        </p:style>
+        <p:txBody>
+          <a:bodyPr vertOverflow="overflow" horzOverflow="overflow" lIns="90000" tIns="45000" rIns="90000" bIns="45000" numCol="1" spcCol="0" anchor="t">
+            <a:spAutoFit/>
+          </a:bodyPr>
+          <a:lstStyle/>
+          <a:p>
+            <a:pPr>
+              <a:lnSpc>
+                <a:spcPct val="100000"/>
+              </a:lnSpc>
+              <a:buNone/>
+            </a:pPr>
+            <a:r>
+              <a:rPr lang="pt-PT" sz="1600" b="0" strike="noStrike" spc="-1" dirty="0">
+                <a:solidFill>
+                  <a:srgbClr val="FFFFFF"/>
+                </a:solidFill>
+                <a:latin typeface="Calibri"/>
+                <a:ea typeface="DejaVu Sans"/>
+              </a:rPr>
+              <a:t>Bases de Dados – Jogos Olímpicos   |   Parte 2 - Grupo 8</a:t>
+            </a:r>
+            <a:endParaRPr lang="en-US" sz="1600" b="0" strike="noStrike" spc="-1" dirty="0">
+              <a:latin typeface="Arial"/>
+            </a:endParaRPr>
+          </a:p>
+        </p:txBody>
+      </p:sp>
+    </p:spTree>
+    <p:extLst>
+      <p:ext uri="{BB962C8B-B14F-4D97-AF65-F5344CB8AC3E}">
+        <p14:creationId xmlns:p14="http://schemas.microsoft.com/office/powerpoint/2010/main" val="2250902529"/>
+      </p:ext>
+    </p:extLst>
+  </p:cSld>
+  <p:clrMapOvr>
+    <a:masterClrMapping/>
+  </p:clrMapOvr>
+</p:sld>
+</file>
+
+<file path=ppt/slides/slide23.xml><?xml version="1.0" encoding="utf-8"?>
+<p:sld xmlns:a="http://schemas.openxmlformats.org/drawingml/2006/main" xmlns:r="http://schemas.openxmlformats.org/officeDocument/2006/relationships" xmlns:p="http://schemas.openxmlformats.org/presentationml/2006/main" show="0">
+  <p:cSld>
+    <p:spTree>
+      <p:nvGrpSpPr>
+        <p:cNvPr id="1" name="">
+          <a:extLst>
+            <a:ext uri="{FF2B5EF4-FFF2-40B4-BE49-F238E27FC236}">
+              <a16:creationId xmlns:a16="http://schemas.microsoft.com/office/drawing/2014/main" id="{8F3C05B8-D06B-97E9-EF88-FE19656D713B}"/>
+            </a:ext>
+          </a:extLst>
+        </p:cNvPr>
+        <p:cNvGrpSpPr/>
+        <p:nvPr/>
+      </p:nvGrpSpPr>
+      <p:grpSpPr>
+        <a:xfrm>
+          <a:off x="0" y="0"/>
+          <a:ext cx="0" cy="0"/>
+          <a:chOff x="0" y="0"/>
+          <a:chExt cx="0" cy="0"/>
+        </a:xfrm>
+      </p:grpSpPr>
+      <p:sp>
+        <p:nvSpPr>
+          <p:cNvPr id="56" name="PlaceHolder 1">
+            <a:extLst>
+              <a:ext uri="{FF2B5EF4-FFF2-40B4-BE49-F238E27FC236}">
+                <a16:creationId xmlns:a16="http://schemas.microsoft.com/office/drawing/2014/main" id="{5ABD1E5B-1883-86F7-F8E3-171418A60766}"/>
+              </a:ext>
+            </a:extLst>
+          </p:cNvPr>
+          <p:cNvSpPr>
+            <a:spLocks noGrp="1"/>
+          </p:cNvSpPr>
+          <p:nvPr>
+            <p:ph type="title"/>
+          </p:nvPr>
+        </p:nvSpPr>
+        <p:spPr>
+          <a:xfrm>
+            <a:off x="1525680" y="275040"/>
+            <a:ext cx="9141840" cy="1153080"/>
+          </a:xfrm>
+          <a:prstGeom prst="rect">
+            <a:avLst/>
+          </a:prstGeom>
+          <a:noFill/>
+          <a:ln w="0">
+            <a:noFill/>
+          </a:ln>
+        </p:spPr>
+        <p:txBody>
+          <a:bodyPr lIns="0" tIns="0" rIns="0" bIns="0" anchor="b">
+            <a:noAutofit/>
+          </a:bodyPr>
+          <a:lstStyle/>
+          <a:p>
+            <a:pPr algn="ctr">
+              <a:lnSpc>
+                <a:spcPct val="90000"/>
+              </a:lnSpc>
+              <a:buNone/>
+            </a:pPr>
+            <a:r>
+              <a:rPr lang="pt-PT" sz="4000" b="0" strike="noStrike" spc="-1" dirty="0">
+                <a:solidFill>
+                  <a:srgbClr val="870F11"/>
+                </a:solidFill>
+                <a:latin typeface="Calibri"/>
+              </a:rPr>
+              <a:t>Cálculo do espaço inicial da base de dados</a:t>
+            </a:r>
+            <a:br>
+              <a:rPr lang="pt-PT" sz="4000" b="0" strike="noStrike" spc="-1" dirty="0">
+                <a:solidFill>
+                  <a:srgbClr val="870F11"/>
+                </a:solidFill>
+                <a:latin typeface="Calibri"/>
+              </a:rPr>
+            </a:br>
+            <a:r>
+              <a:rPr lang="pt-PT" sz="4000" b="0" strike="noStrike" spc="-1" dirty="0">
+                <a:solidFill>
+                  <a:srgbClr val="870F11"/>
+                </a:solidFill>
+                <a:latin typeface="Calibri"/>
+              </a:rPr>
+              <a:t>e sua taxa de crescimento anual</a:t>
+            </a:r>
+            <a:endParaRPr lang="en-US" sz="4000" b="0" strike="noStrike" spc="-1" dirty="0">
+              <a:latin typeface="Arial"/>
+            </a:endParaRPr>
+          </a:p>
+        </p:txBody>
+      </p:sp>
+      <p:sp>
+        <p:nvSpPr>
+          <p:cNvPr id="57" name="Retângulo 4">
+            <a:extLst>
+              <a:ext uri="{FF2B5EF4-FFF2-40B4-BE49-F238E27FC236}">
+                <a16:creationId xmlns:a16="http://schemas.microsoft.com/office/drawing/2014/main" id="{57C1B0DC-735D-4E59-EF2D-1E454FBA41F3}"/>
+              </a:ext>
+            </a:extLst>
+          </p:cNvPr>
+          <p:cNvSpPr/>
+          <p:nvPr/>
+        </p:nvSpPr>
+        <p:spPr>
+          <a:xfrm>
+            <a:off x="0" y="6233760"/>
+            <a:ext cx="12189960" cy="622080"/>
+          </a:xfrm>
+          <a:prstGeom prst="rect">
+            <a:avLst/>
+          </a:prstGeom>
+          <a:solidFill>
+            <a:srgbClr val="870F11"/>
+          </a:solidFill>
+          <a:ln>
+            <a:solidFill>
+              <a:srgbClr val="870F11"/>
+            </a:solidFill>
+          </a:ln>
+        </p:spPr>
+        <p:style>
+          <a:lnRef idx="2">
+            <a:schemeClr val="accent1">
+              <a:shade val="50000"/>
+            </a:schemeClr>
+          </a:lnRef>
+          <a:fillRef idx="1">
+            <a:schemeClr val="accent1"/>
+          </a:fillRef>
+          <a:effectRef idx="0">
+            <a:schemeClr val="accent1"/>
+          </a:effectRef>
+          <a:fontRef idx="minor"/>
+        </p:style>
+        <p:txBody>
+          <a:bodyPr/>
+          <a:lstStyle/>
+          <a:p>
+            <a:endParaRPr lang="pt-PT"/>
+          </a:p>
+        </p:txBody>
+      </p:sp>
+      <p:sp>
+        <p:nvSpPr>
+          <p:cNvPr id="58" name="CaixaDeTexto 5">
+            <a:extLst>
+              <a:ext uri="{FF2B5EF4-FFF2-40B4-BE49-F238E27FC236}">
+                <a16:creationId xmlns:a16="http://schemas.microsoft.com/office/drawing/2014/main" id="{9B9F972E-CF75-D3F6-6FFB-673C37892E57}"/>
+              </a:ext>
+            </a:extLst>
+          </p:cNvPr>
+          <p:cNvSpPr/>
+          <p:nvPr/>
+        </p:nvSpPr>
+        <p:spPr>
+          <a:xfrm>
+            <a:off x="1489680" y="1828800"/>
+            <a:ext cx="9024480" cy="829543"/>
+          </a:xfrm>
+          <a:prstGeom prst="rect">
+            <a:avLst/>
+          </a:prstGeom>
+          <a:noFill/>
+          <a:ln w="0">
+            <a:noFill/>
+          </a:ln>
+        </p:spPr>
+        <p:style>
+          <a:lnRef idx="0">
+            <a:scrgbClr r="0" g="0" b="0"/>
+          </a:lnRef>
+          <a:fillRef idx="0">
+            <a:scrgbClr r="0" g="0" b="0"/>
+          </a:fillRef>
+          <a:effectRef idx="0">
+            <a:scrgbClr r="0" g="0" b="0"/>
+          </a:effectRef>
+          <a:fontRef idx="minor"/>
+        </p:style>
+        <p:txBody>
+          <a:bodyPr vertOverflow="overflow" horzOverflow="overflow" lIns="90000" tIns="45000" rIns="90000" bIns="45000" numCol="1" spcCol="0" anchor="t">
+            <a:spAutoFit/>
+          </a:bodyPr>
+          <a:lstStyle/>
+          <a:p>
+            <a:pPr algn="ctr">
+              <a:lnSpc>
+                <a:spcPct val="100000"/>
+              </a:lnSpc>
+              <a:buNone/>
+            </a:pPr>
+            <a:endParaRPr lang="en-US" sz="2400" b="0" strike="noStrike" spc="-1" dirty="0">
+              <a:latin typeface="Arial"/>
+            </a:endParaRPr>
+          </a:p>
+          <a:p>
+            <a:pPr algn="ctr">
+              <a:lnSpc>
+                <a:spcPct val="100000"/>
+              </a:lnSpc>
+              <a:buNone/>
+            </a:pPr>
+            <a:endParaRPr lang="en-US" sz="2400" b="0" strike="noStrike" spc="-1" dirty="0">
+              <a:latin typeface="Arial"/>
+            </a:endParaRPr>
+          </a:p>
+        </p:txBody>
+      </p:sp>
+      <p:pic>
+        <p:nvPicPr>
+          <p:cNvPr id="59" name="Imagem 3">
+            <a:extLst>
+              <a:ext uri="{FF2B5EF4-FFF2-40B4-BE49-F238E27FC236}">
+                <a16:creationId xmlns:a16="http://schemas.microsoft.com/office/drawing/2014/main" id="{FFD8B581-B57A-22E6-568D-14E6026AC502}"/>
+              </a:ext>
+            </a:extLst>
+          </p:cNvPr>
+          <p:cNvPicPr/>
+          <p:nvPr/>
+        </p:nvPicPr>
+        <p:blipFill>
+          <a:blip r:embed="rId2"/>
+          <a:stretch/>
+        </p:blipFill>
+        <p:spPr>
+          <a:xfrm>
+            <a:off x="3240" y="6261480"/>
+            <a:ext cx="1236960" cy="709200"/>
+          </a:xfrm>
+          <a:prstGeom prst="rect">
+            <a:avLst/>
+          </a:prstGeom>
+          <a:ln w="0">
+            <a:noFill/>
+          </a:ln>
+        </p:spPr>
+      </p:pic>
+      <p:sp>
+        <p:nvSpPr>
+          <p:cNvPr id="60" name="CaixaDeTexto 1">
+            <a:extLst>
+              <a:ext uri="{FF2B5EF4-FFF2-40B4-BE49-F238E27FC236}">
+                <a16:creationId xmlns:a16="http://schemas.microsoft.com/office/drawing/2014/main" id="{4115C64D-9F8C-E8AF-4771-CC1C88E868C7}"/>
+              </a:ext>
+            </a:extLst>
+          </p:cNvPr>
+          <p:cNvSpPr/>
+          <p:nvPr/>
+        </p:nvSpPr>
+        <p:spPr>
+          <a:xfrm>
+            <a:off x="6629400" y="6362640"/>
+            <a:ext cx="5855760" cy="337100"/>
+          </a:xfrm>
+          <a:prstGeom prst="rect">
+            <a:avLst/>
+          </a:prstGeom>
+          <a:noFill/>
+          <a:ln w="0">
+            <a:noFill/>
+          </a:ln>
+        </p:spPr>
+        <p:style>
+          <a:lnRef idx="0">
+            <a:scrgbClr r="0" g="0" b="0"/>
+          </a:lnRef>
+          <a:fillRef idx="0">
+            <a:scrgbClr r="0" g="0" b="0"/>
+          </a:fillRef>
+          <a:effectRef idx="0">
+            <a:scrgbClr r="0" g="0" b="0"/>
+          </a:effectRef>
+          <a:fontRef idx="minor"/>
+        </p:style>
+        <p:txBody>
+          <a:bodyPr vertOverflow="overflow" horzOverflow="overflow" lIns="90000" tIns="45000" rIns="90000" bIns="45000" numCol="1" spcCol="0" anchor="t">
+            <a:spAutoFit/>
+          </a:bodyPr>
+          <a:lstStyle/>
+          <a:p>
+            <a:pPr>
+              <a:lnSpc>
+                <a:spcPct val="100000"/>
+              </a:lnSpc>
+              <a:buNone/>
+            </a:pPr>
+            <a:r>
+              <a:rPr lang="pt-PT" sz="1600" b="0" strike="noStrike" spc="-1" dirty="0">
+                <a:solidFill>
+                  <a:srgbClr val="FFFFFF"/>
+                </a:solidFill>
+                <a:latin typeface="Calibri"/>
+                <a:ea typeface="DejaVu Sans"/>
+              </a:rPr>
+              <a:t>Bases de Dados – Jogos Olímpicos   |   Parte 2 - Grupo 8</a:t>
+            </a:r>
+            <a:endParaRPr lang="en-US" sz="1600" b="0" strike="noStrike" spc="-1" dirty="0">
+              <a:latin typeface="Arial"/>
+            </a:endParaRPr>
+          </a:p>
+        </p:txBody>
+      </p:sp>
+    </p:spTree>
+    <p:extLst>
+      <p:ext uri="{BB962C8B-B14F-4D97-AF65-F5344CB8AC3E}">
+        <p14:creationId xmlns:p14="http://schemas.microsoft.com/office/powerpoint/2010/main" val="3423097643"/>
+      </p:ext>
+    </p:extLst>
+  </p:cSld>
+  <p:clrMapOvr>
+    <a:masterClrMapping/>
+  </p:clrMapOvr>
+</p:sld>
+</file>
+
+<file path=ppt/slides/slide24.xml><?xml version="1.0" encoding="utf-8"?>
+<p:sld xmlns:a="http://schemas.openxmlformats.org/drawingml/2006/main" xmlns:r="http://schemas.openxmlformats.org/officeDocument/2006/relationships" xmlns:p="http://schemas.openxmlformats.org/presentationml/2006/main" show="0">
+  <p:cSld>
+    <p:spTree>
+      <p:nvGrpSpPr>
+        <p:cNvPr id="1" name="">
+          <a:extLst>
+            <a:ext uri="{FF2B5EF4-FFF2-40B4-BE49-F238E27FC236}">
+              <a16:creationId xmlns:a16="http://schemas.microsoft.com/office/drawing/2014/main" id="{EB875EB4-C559-FE85-8253-32CDBF0F0A7C}"/>
+            </a:ext>
+          </a:extLst>
+        </p:cNvPr>
+        <p:cNvGrpSpPr/>
+        <p:nvPr/>
+      </p:nvGrpSpPr>
+      <p:grpSpPr>
+        <a:xfrm>
+          <a:off x="0" y="0"/>
+          <a:ext cx="0" cy="0"/>
+          <a:chOff x="0" y="0"/>
+          <a:chExt cx="0" cy="0"/>
+        </a:xfrm>
+      </p:grpSpPr>
+      <p:sp>
+        <p:nvSpPr>
+          <p:cNvPr id="56" name="PlaceHolder 1">
+            <a:extLst>
+              <a:ext uri="{FF2B5EF4-FFF2-40B4-BE49-F238E27FC236}">
+                <a16:creationId xmlns:a16="http://schemas.microsoft.com/office/drawing/2014/main" id="{5A0CB9B9-FBD6-3251-DAB2-9B0A5BCE4FFB}"/>
+              </a:ext>
+            </a:extLst>
+          </p:cNvPr>
+          <p:cNvSpPr>
+            <a:spLocks noGrp="1"/>
+          </p:cNvSpPr>
+          <p:nvPr>
+            <p:ph type="title"/>
+          </p:nvPr>
+        </p:nvSpPr>
+        <p:spPr>
+          <a:xfrm>
+            <a:off x="1525680" y="275040"/>
+            <a:ext cx="9141840" cy="1153080"/>
+          </a:xfrm>
+          <a:prstGeom prst="rect">
+            <a:avLst/>
+          </a:prstGeom>
+          <a:noFill/>
+          <a:ln w="0">
+            <a:noFill/>
+          </a:ln>
+        </p:spPr>
+        <p:txBody>
+          <a:bodyPr lIns="0" tIns="0" rIns="0" bIns="0" anchor="b">
+            <a:noAutofit/>
+          </a:bodyPr>
+          <a:lstStyle/>
+          <a:p>
+            <a:pPr algn="ctr">
+              <a:lnSpc>
+                <a:spcPct val="90000"/>
+              </a:lnSpc>
+              <a:buNone/>
+            </a:pPr>
+            <a:r>
+              <a:rPr lang="pt-PT" sz="4000" b="0" strike="noStrike" spc="-1" dirty="0">
+                <a:solidFill>
+                  <a:srgbClr val="870F11"/>
+                </a:solidFill>
+                <a:latin typeface="Calibri"/>
+              </a:rPr>
+              <a:t>Cálculo do espaço inicial da base de dados</a:t>
+            </a:r>
+            <a:br>
+              <a:rPr lang="pt-PT" sz="4000" b="0" strike="noStrike" spc="-1" dirty="0">
+                <a:solidFill>
+                  <a:srgbClr val="870F11"/>
+                </a:solidFill>
+                <a:latin typeface="Calibri"/>
+              </a:rPr>
+            </a:br>
+            <a:r>
+              <a:rPr lang="pt-PT" sz="4000" b="0" strike="noStrike" spc="-1" dirty="0">
+                <a:solidFill>
+                  <a:srgbClr val="870F11"/>
+                </a:solidFill>
+                <a:latin typeface="Calibri"/>
+              </a:rPr>
+              <a:t>e sua taxa de crescimento anual</a:t>
+            </a:r>
+            <a:endParaRPr lang="en-US" sz="4000" b="0" strike="noStrike" spc="-1" dirty="0">
+              <a:latin typeface="Arial"/>
+            </a:endParaRPr>
+          </a:p>
+        </p:txBody>
+      </p:sp>
+      <p:sp>
+        <p:nvSpPr>
+          <p:cNvPr id="57" name="Retângulo 4">
+            <a:extLst>
+              <a:ext uri="{FF2B5EF4-FFF2-40B4-BE49-F238E27FC236}">
+                <a16:creationId xmlns:a16="http://schemas.microsoft.com/office/drawing/2014/main" id="{C8086440-03E2-0C37-57AF-DB5085C313B7}"/>
+              </a:ext>
+            </a:extLst>
+          </p:cNvPr>
+          <p:cNvSpPr/>
+          <p:nvPr/>
+        </p:nvSpPr>
+        <p:spPr>
+          <a:xfrm>
+            <a:off x="0" y="6233760"/>
+            <a:ext cx="12189960" cy="622080"/>
+          </a:xfrm>
+          <a:prstGeom prst="rect">
+            <a:avLst/>
+          </a:prstGeom>
+          <a:solidFill>
+            <a:srgbClr val="870F11"/>
+          </a:solidFill>
+          <a:ln>
+            <a:solidFill>
+              <a:srgbClr val="870F11"/>
+            </a:solidFill>
+          </a:ln>
+        </p:spPr>
+        <p:style>
+          <a:lnRef idx="2">
+            <a:schemeClr val="accent1">
+              <a:shade val="50000"/>
+            </a:schemeClr>
+          </a:lnRef>
+          <a:fillRef idx="1">
+            <a:schemeClr val="accent1"/>
+          </a:fillRef>
+          <a:effectRef idx="0">
+            <a:schemeClr val="accent1"/>
+          </a:effectRef>
+          <a:fontRef idx="minor"/>
+        </p:style>
+        <p:txBody>
+          <a:bodyPr/>
+          <a:lstStyle/>
+          <a:p>
+            <a:endParaRPr lang="pt-PT"/>
+          </a:p>
+        </p:txBody>
+      </p:sp>
+      <p:sp>
+        <p:nvSpPr>
+          <p:cNvPr id="58" name="CaixaDeTexto 5">
+            <a:extLst>
+              <a:ext uri="{FF2B5EF4-FFF2-40B4-BE49-F238E27FC236}">
+                <a16:creationId xmlns:a16="http://schemas.microsoft.com/office/drawing/2014/main" id="{38B712B8-E4D3-60B0-E918-6EE935A90E93}"/>
+              </a:ext>
+            </a:extLst>
+          </p:cNvPr>
+          <p:cNvSpPr/>
+          <p:nvPr/>
+        </p:nvSpPr>
+        <p:spPr>
+          <a:xfrm>
+            <a:off x="1489680" y="1828800"/>
+            <a:ext cx="9024480" cy="829543"/>
+          </a:xfrm>
+          <a:prstGeom prst="rect">
+            <a:avLst/>
+          </a:prstGeom>
+          <a:noFill/>
+          <a:ln w="0">
+            <a:noFill/>
+          </a:ln>
+        </p:spPr>
+        <p:style>
+          <a:lnRef idx="0">
+            <a:scrgbClr r="0" g="0" b="0"/>
+          </a:lnRef>
+          <a:fillRef idx="0">
+            <a:scrgbClr r="0" g="0" b="0"/>
+          </a:fillRef>
+          <a:effectRef idx="0">
+            <a:scrgbClr r="0" g="0" b="0"/>
+          </a:effectRef>
+          <a:fontRef idx="minor"/>
+        </p:style>
+        <p:txBody>
+          <a:bodyPr vertOverflow="overflow" horzOverflow="overflow" lIns="90000" tIns="45000" rIns="90000" bIns="45000" numCol="1" spcCol="0" anchor="t">
+            <a:spAutoFit/>
+          </a:bodyPr>
+          <a:lstStyle/>
+          <a:p>
+            <a:pPr algn="ctr">
+              <a:lnSpc>
+                <a:spcPct val="100000"/>
+              </a:lnSpc>
+              <a:buNone/>
+            </a:pPr>
+            <a:endParaRPr lang="en-US" sz="2400" b="0" strike="noStrike" spc="-1" dirty="0">
+              <a:latin typeface="Arial"/>
+            </a:endParaRPr>
+          </a:p>
+          <a:p>
+            <a:pPr algn="ctr">
+              <a:lnSpc>
+                <a:spcPct val="100000"/>
+              </a:lnSpc>
+              <a:buNone/>
+            </a:pPr>
+            <a:endParaRPr lang="en-US" sz="2400" b="0" strike="noStrike" spc="-1" dirty="0">
+              <a:latin typeface="Arial"/>
+            </a:endParaRPr>
+          </a:p>
+        </p:txBody>
+      </p:sp>
+      <p:pic>
+        <p:nvPicPr>
+          <p:cNvPr id="59" name="Imagem 3">
+            <a:extLst>
+              <a:ext uri="{FF2B5EF4-FFF2-40B4-BE49-F238E27FC236}">
+                <a16:creationId xmlns:a16="http://schemas.microsoft.com/office/drawing/2014/main" id="{1C9939F8-E86C-B88C-A76B-5B7CD7FCD3A1}"/>
+              </a:ext>
+            </a:extLst>
+          </p:cNvPr>
+          <p:cNvPicPr/>
+          <p:nvPr/>
+        </p:nvPicPr>
+        <p:blipFill>
+          <a:blip r:embed="rId2"/>
+          <a:stretch/>
+        </p:blipFill>
+        <p:spPr>
+          <a:xfrm>
+            <a:off x="3240" y="6261480"/>
+            <a:ext cx="1236960" cy="709200"/>
+          </a:xfrm>
+          <a:prstGeom prst="rect">
+            <a:avLst/>
+          </a:prstGeom>
+          <a:ln w="0">
+            <a:noFill/>
+          </a:ln>
+        </p:spPr>
+      </p:pic>
+      <p:sp>
+        <p:nvSpPr>
+          <p:cNvPr id="60" name="CaixaDeTexto 1">
+            <a:extLst>
+              <a:ext uri="{FF2B5EF4-FFF2-40B4-BE49-F238E27FC236}">
+                <a16:creationId xmlns:a16="http://schemas.microsoft.com/office/drawing/2014/main" id="{973EE1BE-D1A1-DA94-B61A-484CFC3F1EC1}"/>
+              </a:ext>
+            </a:extLst>
+          </p:cNvPr>
+          <p:cNvSpPr/>
+          <p:nvPr/>
+        </p:nvSpPr>
+        <p:spPr>
+          <a:xfrm>
+            <a:off x="6629400" y="6362640"/>
+            <a:ext cx="5855760" cy="337100"/>
+          </a:xfrm>
+          <a:prstGeom prst="rect">
+            <a:avLst/>
+          </a:prstGeom>
+          <a:noFill/>
+          <a:ln w="0">
+            <a:noFill/>
+          </a:ln>
+        </p:spPr>
+        <p:style>
+          <a:lnRef idx="0">
+            <a:scrgbClr r="0" g="0" b="0"/>
+          </a:lnRef>
+          <a:fillRef idx="0">
+            <a:scrgbClr r="0" g="0" b="0"/>
+          </a:fillRef>
+          <a:effectRef idx="0">
+            <a:scrgbClr r="0" g="0" b="0"/>
+          </a:effectRef>
+          <a:fontRef idx="minor"/>
+        </p:style>
+        <p:txBody>
+          <a:bodyPr vertOverflow="overflow" horzOverflow="overflow" lIns="90000" tIns="45000" rIns="90000" bIns="45000" numCol="1" spcCol="0" anchor="t">
+            <a:spAutoFit/>
+          </a:bodyPr>
+          <a:lstStyle/>
+          <a:p>
+            <a:pPr>
+              <a:lnSpc>
+                <a:spcPct val="100000"/>
+              </a:lnSpc>
+              <a:buNone/>
+            </a:pPr>
+            <a:r>
+              <a:rPr lang="pt-PT" sz="1600" b="0" strike="noStrike" spc="-1" dirty="0">
+                <a:solidFill>
+                  <a:srgbClr val="FFFFFF"/>
+                </a:solidFill>
+                <a:latin typeface="Calibri"/>
+                <a:ea typeface="DejaVu Sans"/>
+              </a:rPr>
+              <a:t>Bases de Dados – Jogos Olímpicos   |   Parte 2 - Grupo 8</a:t>
+            </a:r>
+            <a:endParaRPr lang="en-US" sz="1600" b="0" strike="noStrike" spc="-1" dirty="0">
+              <a:latin typeface="Arial"/>
+            </a:endParaRPr>
+          </a:p>
+        </p:txBody>
+      </p:sp>
+    </p:spTree>
+    <p:extLst>
+      <p:ext uri="{BB962C8B-B14F-4D97-AF65-F5344CB8AC3E}">
+        <p14:creationId xmlns:p14="http://schemas.microsoft.com/office/powerpoint/2010/main" val="1002566408"/>
+      </p:ext>
+    </p:extLst>
+  </p:cSld>
+  <p:clrMapOvr>
+    <a:masterClrMapping/>
+  </p:clrMapOvr>
+</p:sld>
+</file>
+
+<file path=ppt/slides/slide25.xml><?xml version="1.0" encoding="utf-8"?>
+<p:sld xmlns:a="http://schemas.openxmlformats.org/drawingml/2006/main" xmlns:r="http://schemas.openxmlformats.org/officeDocument/2006/relationships" xmlns:p="http://schemas.openxmlformats.org/presentationml/2006/main" show="0">
+  <p:cSld>
+    <p:spTree>
+      <p:nvGrpSpPr>
+        <p:cNvPr id="1" name="">
+          <a:extLst>
+            <a:ext uri="{FF2B5EF4-FFF2-40B4-BE49-F238E27FC236}">
+              <a16:creationId xmlns:a16="http://schemas.microsoft.com/office/drawing/2014/main" id="{63F84119-9D1F-683B-9C00-CB0974224749}"/>
+            </a:ext>
+          </a:extLst>
+        </p:cNvPr>
+        <p:cNvGrpSpPr/>
+        <p:nvPr/>
+      </p:nvGrpSpPr>
+      <p:grpSpPr>
+        <a:xfrm>
+          <a:off x="0" y="0"/>
+          <a:ext cx="0" cy="0"/>
+          <a:chOff x="0" y="0"/>
+          <a:chExt cx="0" cy="0"/>
+        </a:xfrm>
+      </p:grpSpPr>
+      <p:sp>
+        <p:nvSpPr>
+          <p:cNvPr id="56" name="PlaceHolder 1">
+            <a:extLst>
+              <a:ext uri="{FF2B5EF4-FFF2-40B4-BE49-F238E27FC236}">
+                <a16:creationId xmlns:a16="http://schemas.microsoft.com/office/drawing/2014/main" id="{644C1E26-E85B-BD82-8AA2-E71172558B4B}"/>
+              </a:ext>
+            </a:extLst>
+          </p:cNvPr>
+          <p:cNvSpPr>
+            <a:spLocks noGrp="1"/>
+          </p:cNvSpPr>
+          <p:nvPr>
+            <p:ph type="title"/>
+          </p:nvPr>
+        </p:nvSpPr>
+        <p:spPr>
+          <a:xfrm>
+            <a:off x="1525680" y="275040"/>
+            <a:ext cx="9141840" cy="1153080"/>
+          </a:xfrm>
+          <a:prstGeom prst="rect">
+            <a:avLst/>
+          </a:prstGeom>
+          <a:noFill/>
+          <a:ln w="0">
+            <a:noFill/>
+          </a:ln>
+        </p:spPr>
+        <p:txBody>
+          <a:bodyPr lIns="0" tIns="0" rIns="0" bIns="0" anchor="b">
+            <a:noAutofit/>
+          </a:bodyPr>
+          <a:lstStyle/>
+          <a:p>
+            <a:pPr algn="ctr">
+              <a:lnSpc>
+                <a:spcPct val="90000"/>
+              </a:lnSpc>
+              <a:buNone/>
+            </a:pPr>
+            <a:r>
+              <a:rPr lang="pt-PT" sz="4000" b="0" strike="noStrike" spc="-1" dirty="0">
+                <a:solidFill>
+                  <a:srgbClr val="870F11"/>
+                </a:solidFill>
+                <a:latin typeface="Calibri"/>
+              </a:rPr>
+              <a:t>Cálculo do espaço inicial da base de dados</a:t>
+            </a:r>
+            <a:br>
+              <a:rPr lang="pt-PT" sz="4000" b="0" strike="noStrike" spc="-1" dirty="0">
+                <a:solidFill>
+                  <a:srgbClr val="870F11"/>
+                </a:solidFill>
+                <a:latin typeface="Calibri"/>
+              </a:rPr>
+            </a:br>
+            <a:r>
+              <a:rPr lang="pt-PT" sz="4000" b="0" strike="noStrike" spc="-1" dirty="0">
+                <a:solidFill>
+                  <a:srgbClr val="870F11"/>
+                </a:solidFill>
+                <a:latin typeface="Calibri"/>
+              </a:rPr>
+              <a:t>e sua taxa de crescimento anual</a:t>
+            </a:r>
+            <a:endParaRPr lang="en-US" sz="4000" b="0" strike="noStrike" spc="-1" dirty="0">
+              <a:latin typeface="Arial"/>
+            </a:endParaRPr>
+          </a:p>
+        </p:txBody>
+      </p:sp>
+      <p:sp>
+        <p:nvSpPr>
+          <p:cNvPr id="57" name="Retângulo 4">
+            <a:extLst>
+              <a:ext uri="{FF2B5EF4-FFF2-40B4-BE49-F238E27FC236}">
+                <a16:creationId xmlns:a16="http://schemas.microsoft.com/office/drawing/2014/main" id="{D5F63225-44B9-3A7E-E0E5-DDEF00DD794B}"/>
+              </a:ext>
+            </a:extLst>
+          </p:cNvPr>
+          <p:cNvSpPr/>
+          <p:nvPr/>
+        </p:nvSpPr>
+        <p:spPr>
+          <a:xfrm>
+            <a:off x="0" y="6233760"/>
+            <a:ext cx="12189960" cy="622080"/>
+          </a:xfrm>
+          <a:prstGeom prst="rect">
+            <a:avLst/>
+          </a:prstGeom>
+          <a:solidFill>
+            <a:srgbClr val="870F11"/>
+          </a:solidFill>
+          <a:ln>
+            <a:solidFill>
+              <a:srgbClr val="870F11"/>
+            </a:solidFill>
+          </a:ln>
+        </p:spPr>
+        <p:style>
+          <a:lnRef idx="2">
+            <a:schemeClr val="accent1">
+              <a:shade val="50000"/>
+            </a:schemeClr>
+          </a:lnRef>
+          <a:fillRef idx="1">
+            <a:schemeClr val="accent1"/>
+          </a:fillRef>
+          <a:effectRef idx="0">
+            <a:schemeClr val="accent1"/>
+          </a:effectRef>
+          <a:fontRef idx="minor"/>
+        </p:style>
+        <p:txBody>
+          <a:bodyPr/>
+          <a:lstStyle/>
+          <a:p>
+            <a:endParaRPr lang="pt-PT"/>
+          </a:p>
+        </p:txBody>
+      </p:sp>
+      <p:sp>
+        <p:nvSpPr>
+          <p:cNvPr id="58" name="CaixaDeTexto 5">
+            <a:extLst>
+              <a:ext uri="{FF2B5EF4-FFF2-40B4-BE49-F238E27FC236}">
+                <a16:creationId xmlns:a16="http://schemas.microsoft.com/office/drawing/2014/main" id="{16B4290B-570E-D012-8A72-1335BC2D4EA8}"/>
+              </a:ext>
+            </a:extLst>
+          </p:cNvPr>
+          <p:cNvSpPr/>
+          <p:nvPr/>
+        </p:nvSpPr>
+        <p:spPr>
+          <a:xfrm>
+            <a:off x="1489680" y="1828800"/>
+            <a:ext cx="9024480" cy="829543"/>
+          </a:xfrm>
+          <a:prstGeom prst="rect">
+            <a:avLst/>
+          </a:prstGeom>
+          <a:noFill/>
+          <a:ln w="0">
+            <a:noFill/>
+          </a:ln>
+        </p:spPr>
+        <p:style>
+          <a:lnRef idx="0">
+            <a:scrgbClr r="0" g="0" b="0"/>
+          </a:lnRef>
+          <a:fillRef idx="0">
+            <a:scrgbClr r="0" g="0" b="0"/>
+          </a:fillRef>
+          <a:effectRef idx="0">
+            <a:scrgbClr r="0" g="0" b="0"/>
+          </a:effectRef>
+          <a:fontRef idx="minor"/>
+        </p:style>
+        <p:txBody>
+          <a:bodyPr vertOverflow="overflow" horzOverflow="overflow" lIns="90000" tIns="45000" rIns="90000" bIns="45000" numCol="1" spcCol="0" anchor="t">
+            <a:spAutoFit/>
+          </a:bodyPr>
+          <a:lstStyle/>
+          <a:p>
+            <a:pPr algn="ctr">
+              <a:lnSpc>
+                <a:spcPct val="100000"/>
+              </a:lnSpc>
+              <a:buNone/>
+            </a:pPr>
+            <a:endParaRPr lang="en-US" sz="2400" b="0" strike="noStrike" spc="-1" dirty="0">
+              <a:latin typeface="Arial"/>
+            </a:endParaRPr>
+          </a:p>
+          <a:p>
+            <a:pPr algn="ctr">
+              <a:lnSpc>
+                <a:spcPct val="100000"/>
+              </a:lnSpc>
+              <a:buNone/>
+            </a:pPr>
+            <a:endParaRPr lang="en-US" sz="2400" b="0" strike="noStrike" spc="-1" dirty="0">
+              <a:latin typeface="Arial"/>
+            </a:endParaRPr>
+          </a:p>
+        </p:txBody>
+      </p:sp>
+      <p:pic>
+        <p:nvPicPr>
+          <p:cNvPr id="59" name="Imagem 3">
+            <a:extLst>
+              <a:ext uri="{FF2B5EF4-FFF2-40B4-BE49-F238E27FC236}">
+                <a16:creationId xmlns:a16="http://schemas.microsoft.com/office/drawing/2014/main" id="{4E201676-42B9-D695-92BC-9703BBA81BF3}"/>
+              </a:ext>
+            </a:extLst>
+          </p:cNvPr>
+          <p:cNvPicPr/>
+          <p:nvPr/>
+        </p:nvPicPr>
+        <p:blipFill>
+          <a:blip r:embed="rId2"/>
+          <a:stretch/>
+        </p:blipFill>
+        <p:spPr>
+          <a:xfrm>
+            <a:off x="3240" y="6261480"/>
+            <a:ext cx="1236960" cy="709200"/>
+          </a:xfrm>
+          <a:prstGeom prst="rect">
+            <a:avLst/>
+          </a:prstGeom>
+          <a:ln w="0">
+            <a:noFill/>
+          </a:ln>
+        </p:spPr>
+      </p:pic>
+      <p:sp>
+        <p:nvSpPr>
+          <p:cNvPr id="60" name="CaixaDeTexto 1">
+            <a:extLst>
+              <a:ext uri="{FF2B5EF4-FFF2-40B4-BE49-F238E27FC236}">
+                <a16:creationId xmlns:a16="http://schemas.microsoft.com/office/drawing/2014/main" id="{BE89CCBF-E15D-A46E-4416-0B48FEF7E212}"/>
+              </a:ext>
+            </a:extLst>
+          </p:cNvPr>
+          <p:cNvSpPr/>
+          <p:nvPr/>
+        </p:nvSpPr>
+        <p:spPr>
+          <a:xfrm>
+            <a:off x="6629400" y="6362640"/>
+            <a:ext cx="5855760" cy="337100"/>
+          </a:xfrm>
+          <a:prstGeom prst="rect">
+            <a:avLst/>
+          </a:prstGeom>
+          <a:noFill/>
+          <a:ln w="0">
+            <a:noFill/>
+          </a:ln>
+        </p:spPr>
+        <p:style>
+          <a:lnRef idx="0">
+            <a:scrgbClr r="0" g="0" b="0"/>
+          </a:lnRef>
+          <a:fillRef idx="0">
+            <a:scrgbClr r="0" g="0" b="0"/>
+          </a:fillRef>
+          <a:effectRef idx="0">
+            <a:scrgbClr r="0" g="0" b="0"/>
+          </a:effectRef>
+          <a:fontRef idx="minor"/>
+        </p:style>
+        <p:txBody>
+          <a:bodyPr vertOverflow="overflow" horzOverflow="overflow" lIns="90000" tIns="45000" rIns="90000" bIns="45000" numCol="1" spcCol="0" anchor="t">
+            <a:spAutoFit/>
+          </a:bodyPr>
+          <a:lstStyle/>
+          <a:p>
+            <a:pPr>
+              <a:lnSpc>
+                <a:spcPct val="100000"/>
+              </a:lnSpc>
+              <a:buNone/>
+            </a:pPr>
+            <a:r>
+              <a:rPr lang="pt-PT" sz="1600" b="0" strike="noStrike" spc="-1" dirty="0">
+                <a:solidFill>
+                  <a:srgbClr val="FFFFFF"/>
+                </a:solidFill>
+                <a:latin typeface="Calibri"/>
+                <a:ea typeface="DejaVu Sans"/>
+              </a:rPr>
+              <a:t>Bases de Dados – Jogos Olímpicos   |   Parte 2 - Grupo 8</a:t>
+            </a:r>
+            <a:endParaRPr lang="en-US" sz="1600" b="0" strike="noStrike" spc="-1" dirty="0">
+              <a:latin typeface="Arial"/>
+            </a:endParaRPr>
+          </a:p>
+        </p:txBody>
+      </p:sp>
+    </p:spTree>
+    <p:extLst>
+      <p:ext uri="{BB962C8B-B14F-4D97-AF65-F5344CB8AC3E}">
+        <p14:creationId xmlns:p14="http://schemas.microsoft.com/office/powerpoint/2010/main" val="4138979445"/>
+      </p:ext>
+    </p:extLst>
+  </p:cSld>
+  <p:clrMapOvr>
+    <a:masterClrMapping/>
+  </p:clrMapOvr>
+</p:sld>
+</file>
+
+<file path=ppt/slides/slide26.xml><?xml version="1.0" encoding="utf-8"?>
+<p:sld xmlns:a="http://schemas.openxmlformats.org/drawingml/2006/main" xmlns:r="http://schemas.openxmlformats.org/officeDocument/2006/relationships" xmlns:p="http://schemas.openxmlformats.org/presentationml/2006/main" show="0">
+  <p:cSld>
+    <p:spTree>
+      <p:nvGrpSpPr>
+        <p:cNvPr id="1" name="">
+          <a:extLst>
+            <a:ext uri="{FF2B5EF4-FFF2-40B4-BE49-F238E27FC236}">
+              <a16:creationId xmlns:a16="http://schemas.microsoft.com/office/drawing/2014/main" id="{8EA051DF-9370-6E1F-A966-FCFFF3AFAA4E}"/>
+            </a:ext>
+          </a:extLst>
+        </p:cNvPr>
+        <p:cNvGrpSpPr/>
+        <p:nvPr/>
+      </p:nvGrpSpPr>
+      <p:grpSpPr>
+        <a:xfrm>
+          <a:off x="0" y="0"/>
+          <a:ext cx="0" cy="0"/>
+          <a:chOff x="0" y="0"/>
+          <a:chExt cx="0" cy="0"/>
+        </a:xfrm>
+      </p:grpSpPr>
+      <p:sp>
+        <p:nvSpPr>
+          <p:cNvPr id="51" name="PlaceHolder 1">
+            <a:extLst>
+              <a:ext uri="{FF2B5EF4-FFF2-40B4-BE49-F238E27FC236}">
+                <a16:creationId xmlns:a16="http://schemas.microsoft.com/office/drawing/2014/main" id="{F5167765-DEF6-8118-1BA0-EACD0A05728A}"/>
+              </a:ext>
+            </a:extLst>
+          </p:cNvPr>
+          <p:cNvSpPr>
+            <a:spLocks noGrp="1"/>
+          </p:cNvSpPr>
+          <p:nvPr>
+            <p:ph type="title"/>
+          </p:nvPr>
+        </p:nvSpPr>
+        <p:spPr>
+          <a:xfrm>
+            <a:off x="1525680" y="275040"/>
+            <a:ext cx="9141840" cy="1153080"/>
+          </a:xfrm>
+          <a:prstGeom prst="rect">
+            <a:avLst/>
+          </a:prstGeom>
+          <a:noFill/>
+          <a:ln w="0">
+            <a:noFill/>
+          </a:ln>
+        </p:spPr>
+        <p:txBody>
+          <a:bodyPr lIns="0" tIns="0" rIns="0" bIns="0" anchor="b">
+            <a:noAutofit/>
+          </a:bodyPr>
+          <a:lstStyle/>
+          <a:p>
+            <a:pPr algn="ctr">
+              <a:lnSpc>
+                <a:spcPct val="90000"/>
+              </a:lnSpc>
+              <a:buNone/>
+            </a:pPr>
+            <a:r>
+              <a:rPr lang="pt-PT" sz="4400" b="0" u="sng" strike="noStrike" spc="-1" dirty="0">
+                <a:solidFill>
+                  <a:srgbClr val="870F11"/>
+                </a:solidFill>
+                <a:uFillTx/>
+                <a:latin typeface="Calibri"/>
+              </a:rPr>
+              <a:t>Conclusão e Trabalho Futuro</a:t>
+            </a:r>
+            <a:endParaRPr lang="en-US" sz="4400" b="0" strike="noStrike" spc="-1" dirty="0">
+              <a:latin typeface="Arial"/>
+            </a:endParaRPr>
+          </a:p>
+        </p:txBody>
+      </p:sp>
+      <p:sp>
+        <p:nvSpPr>
+          <p:cNvPr id="52" name="Retângulo 4">
+            <a:extLst>
+              <a:ext uri="{FF2B5EF4-FFF2-40B4-BE49-F238E27FC236}">
+                <a16:creationId xmlns:a16="http://schemas.microsoft.com/office/drawing/2014/main" id="{69301A0B-E77F-3789-C9E4-6579746AE1F2}"/>
+              </a:ext>
+            </a:extLst>
+          </p:cNvPr>
+          <p:cNvSpPr/>
+          <p:nvPr/>
+        </p:nvSpPr>
+        <p:spPr>
+          <a:xfrm>
+            <a:off x="0" y="6233760"/>
+            <a:ext cx="12189960" cy="622080"/>
+          </a:xfrm>
+          <a:prstGeom prst="rect">
+            <a:avLst/>
+          </a:prstGeom>
+          <a:solidFill>
+            <a:srgbClr val="870F11"/>
+          </a:solidFill>
+          <a:ln>
+            <a:solidFill>
+              <a:srgbClr val="870F11"/>
+            </a:solidFill>
+          </a:ln>
+        </p:spPr>
+        <p:style>
+          <a:lnRef idx="2">
+            <a:schemeClr val="accent1">
+              <a:shade val="50000"/>
+            </a:schemeClr>
+          </a:lnRef>
+          <a:fillRef idx="1">
+            <a:schemeClr val="accent1"/>
+          </a:fillRef>
+          <a:effectRef idx="0">
+            <a:schemeClr val="accent1"/>
+          </a:effectRef>
+          <a:fontRef idx="minor"/>
+        </p:style>
+        <p:txBody>
+          <a:bodyPr/>
+          <a:lstStyle/>
+          <a:p>
+            <a:endParaRPr lang="pt-PT"/>
+          </a:p>
+        </p:txBody>
+      </p:sp>
+      <p:sp>
+        <p:nvSpPr>
+          <p:cNvPr id="53" name="CaixaDeTexto 5">
+            <a:extLst>
+              <a:ext uri="{FF2B5EF4-FFF2-40B4-BE49-F238E27FC236}">
+                <a16:creationId xmlns:a16="http://schemas.microsoft.com/office/drawing/2014/main" id="{9627A777-B39B-0638-8DF6-212D4B3F7B50}"/>
+              </a:ext>
+            </a:extLst>
+          </p:cNvPr>
+          <p:cNvSpPr/>
+          <p:nvPr/>
+        </p:nvSpPr>
+        <p:spPr>
+          <a:xfrm>
+            <a:off x="1814400" y="1845720"/>
+            <a:ext cx="6792840" cy="1598984"/>
+          </a:xfrm>
+          <a:prstGeom prst="rect">
+            <a:avLst/>
+          </a:prstGeom>
+          <a:noFill/>
+          <a:ln w="0">
+            <a:noFill/>
+          </a:ln>
+        </p:spPr>
+        <p:style>
+          <a:lnRef idx="0">
+            <a:scrgbClr r="0" g="0" b="0"/>
+          </a:lnRef>
+          <a:fillRef idx="0">
+            <a:scrgbClr r="0" g="0" b="0"/>
+          </a:fillRef>
+          <a:effectRef idx="0">
+            <a:scrgbClr r="0" g="0" b="0"/>
+          </a:effectRef>
+          <a:fontRef idx="minor"/>
+        </p:style>
+        <p:txBody>
+          <a:bodyPr vertOverflow="overflow" horzOverflow="overflow" lIns="90000" tIns="45000" rIns="90000" bIns="45000" numCol="1" spcCol="0" anchor="t">
+            <a:spAutoFit/>
+          </a:bodyPr>
+          <a:lstStyle/>
+          <a:p>
+            <a:pPr>
+              <a:lnSpc>
+                <a:spcPct val="150000"/>
+              </a:lnSpc>
+              <a:buNone/>
+            </a:pPr>
+            <a:endParaRPr lang="en-US" sz="2000" b="0" strike="noStrike" spc="-1" dirty="0">
+              <a:latin typeface="Arial"/>
+            </a:endParaRPr>
+          </a:p>
+          <a:p>
+            <a:pPr>
+              <a:lnSpc>
+                <a:spcPct val="100000"/>
+              </a:lnSpc>
+              <a:buNone/>
+            </a:pPr>
+            <a:endParaRPr lang="en-US" sz="2000" b="0" strike="noStrike" spc="-1" dirty="0">
+              <a:latin typeface="Arial"/>
+            </a:endParaRPr>
+          </a:p>
+          <a:p>
+            <a:pPr algn="ctr">
+              <a:lnSpc>
+                <a:spcPct val="100000"/>
+              </a:lnSpc>
+              <a:buNone/>
+            </a:pPr>
+            <a:endParaRPr lang="en-US" sz="2400" b="0" strike="noStrike" spc="-1" dirty="0">
+              <a:latin typeface="Arial"/>
+            </a:endParaRPr>
+          </a:p>
+          <a:p>
+            <a:pPr algn="ctr">
+              <a:lnSpc>
+                <a:spcPct val="100000"/>
+              </a:lnSpc>
+              <a:buNone/>
+            </a:pPr>
+            <a:endParaRPr lang="en-US" sz="2400" b="0" strike="noStrike" spc="-1" dirty="0">
+              <a:latin typeface="Arial"/>
+            </a:endParaRPr>
+          </a:p>
+        </p:txBody>
+      </p:sp>
+      <p:pic>
+        <p:nvPicPr>
+          <p:cNvPr id="54" name="Imagem 3">
+            <a:extLst>
+              <a:ext uri="{FF2B5EF4-FFF2-40B4-BE49-F238E27FC236}">
+                <a16:creationId xmlns:a16="http://schemas.microsoft.com/office/drawing/2014/main" id="{6E7FEA2B-DBA8-4F6D-6745-525908B5D127}"/>
+              </a:ext>
+            </a:extLst>
+          </p:cNvPr>
+          <p:cNvPicPr/>
+          <p:nvPr/>
+        </p:nvPicPr>
+        <p:blipFill>
+          <a:blip r:embed="rId2"/>
+          <a:stretch/>
+        </p:blipFill>
+        <p:spPr>
+          <a:xfrm>
+            <a:off x="3240" y="6261480"/>
+            <a:ext cx="1236960" cy="709200"/>
+          </a:xfrm>
+          <a:prstGeom prst="rect">
+            <a:avLst/>
+          </a:prstGeom>
+          <a:ln w="0">
+            <a:noFill/>
+          </a:ln>
+        </p:spPr>
+      </p:pic>
+      <p:sp>
+        <p:nvSpPr>
+          <p:cNvPr id="55" name="CaixaDeTexto 3">
+            <a:extLst>
+              <a:ext uri="{FF2B5EF4-FFF2-40B4-BE49-F238E27FC236}">
+                <a16:creationId xmlns:a16="http://schemas.microsoft.com/office/drawing/2014/main" id="{BF610D12-74BC-50E5-A694-277F36CC9E56}"/>
+              </a:ext>
+            </a:extLst>
+          </p:cNvPr>
+          <p:cNvSpPr/>
+          <p:nvPr/>
+        </p:nvSpPr>
+        <p:spPr>
+          <a:xfrm>
+            <a:off x="6629400" y="6362640"/>
+            <a:ext cx="5855760" cy="337100"/>
+          </a:xfrm>
+          <a:prstGeom prst="rect">
+            <a:avLst/>
+          </a:prstGeom>
+          <a:noFill/>
+          <a:ln w="0">
+            <a:noFill/>
+          </a:ln>
+        </p:spPr>
+        <p:style>
+          <a:lnRef idx="0">
+            <a:scrgbClr r="0" g="0" b="0"/>
+          </a:lnRef>
+          <a:fillRef idx="0">
+            <a:scrgbClr r="0" g="0" b="0"/>
+          </a:fillRef>
+          <a:effectRef idx="0">
+            <a:scrgbClr r="0" g="0" b="0"/>
+          </a:effectRef>
+          <a:fontRef idx="minor"/>
+        </p:style>
+        <p:txBody>
+          <a:bodyPr vertOverflow="overflow" horzOverflow="overflow" lIns="90000" tIns="45000" rIns="90000" bIns="45000" numCol="1" spcCol="0" anchor="t">
+            <a:spAutoFit/>
+          </a:bodyPr>
+          <a:lstStyle/>
+          <a:p>
+            <a:pPr>
+              <a:lnSpc>
+                <a:spcPct val="100000"/>
+              </a:lnSpc>
+              <a:buNone/>
+            </a:pPr>
+            <a:r>
+              <a:rPr lang="pt-PT" sz="1600" b="0" strike="noStrike" spc="-1" dirty="0">
+                <a:solidFill>
+                  <a:srgbClr val="FFFFFF"/>
+                </a:solidFill>
+                <a:latin typeface="Calibri"/>
+                <a:ea typeface="DejaVu Sans"/>
+              </a:rPr>
+              <a:t>Bases de Dados – Jogos Olímpicos   |   Parte 2 - Grupo 8</a:t>
+            </a:r>
+            <a:endParaRPr lang="en-US" sz="1600" b="0" strike="noStrike" spc="-1" dirty="0">
+              <a:latin typeface="Arial"/>
+            </a:endParaRPr>
+          </a:p>
+        </p:txBody>
+      </p:sp>
+    </p:spTree>
+    <p:extLst>
+      <p:ext uri="{BB962C8B-B14F-4D97-AF65-F5344CB8AC3E}">
+        <p14:creationId xmlns:p14="http://schemas.microsoft.com/office/powerpoint/2010/main" val="106293796"/>
+      </p:ext>
+    </p:extLst>
   </p:cSld>
   <p:clrMapOvr>
     <a:masterClrMapping/>

--- a/BD_TPgr8-pt2.pptx
+++ b/BD_TPgr8-pt2.pptx
@@ -5,7 +5,7 @@
     <p:sldMasterId id="2147483648" r:id="rId1"/>
   </p:sldMasterIdLst>
   <p:notesMasterIdLst>
-    <p:notesMasterId r:id="rId28"/>
+    <p:notesMasterId r:id="rId36"/>
   </p:notesMasterIdLst>
   <p:sldIdLst>
     <p:sldId id="256" r:id="rId2"/>
@@ -33,7 +33,15 @@
     <p:sldId id="283" r:id="rId24"/>
     <p:sldId id="281" r:id="rId25"/>
     <p:sldId id="282" r:id="rId26"/>
-    <p:sldId id="269" r:id="rId27"/>
+    <p:sldId id="284" r:id="rId27"/>
+    <p:sldId id="285" r:id="rId28"/>
+    <p:sldId id="286" r:id="rId29"/>
+    <p:sldId id="290" r:id="rId30"/>
+    <p:sldId id="287" r:id="rId31"/>
+    <p:sldId id="288" r:id="rId32"/>
+    <p:sldId id="291" r:id="rId33"/>
+    <p:sldId id="289" r:id="rId34"/>
+    <p:sldId id="269" r:id="rId35"/>
   </p:sldIdLst>
   <p:sldSz cx="12192000" cy="6858000"/>
   <p:notesSz cx="7772400" cy="10058400"/>
@@ -9052,12 +9060,41 @@
           </a:p>
         </p:txBody>
       </p:sp>
-      <p:sp>
-        <p:nvSpPr>
-          <p:cNvPr id="58" name="CaixaDeTexto 5">
+      <p:pic>
+        <p:nvPicPr>
+          <p:cNvPr id="59" name="Imagem 3">
             <a:extLst>
               <a:ext uri="{FF2B5EF4-FFF2-40B4-BE49-F238E27FC236}">
-                <a16:creationId xmlns:a16="http://schemas.microsoft.com/office/drawing/2014/main" id="{1EC823F4-9428-70D1-3A09-5D8EA04D7FF6}"/>
+                <a16:creationId xmlns:a16="http://schemas.microsoft.com/office/drawing/2014/main" id="{23B1BE5C-BF09-0656-FA39-82A8A289ED3D}"/>
+              </a:ext>
+            </a:extLst>
+          </p:cNvPr>
+          <p:cNvPicPr/>
+          <p:nvPr/>
+        </p:nvPicPr>
+        <p:blipFill>
+          <a:blip r:embed="rId2"/>
+          <a:stretch/>
+        </p:blipFill>
+        <p:spPr>
+          <a:xfrm>
+            <a:off x="3240" y="6261480"/>
+            <a:ext cx="1236960" cy="709200"/>
+          </a:xfrm>
+          <a:prstGeom prst="rect">
+            <a:avLst/>
+          </a:prstGeom>
+          <a:ln w="0">
+            <a:noFill/>
+          </a:ln>
+        </p:spPr>
+      </p:pic>
+      <p:sp>
+        <p:nvSpPr>
+          <p:cNvPr id="60" name="CaixaDeTexto 1">
+            <a:extLst>
+              <a:ext uri="{FF2B5EF4-FFF2-40B4-BE49-F238E27FC236}">
+                <a16:creationId xmlns:a16="http://schemas.microsoft.com/office/drawing/2014/main" id="{2E0A88D2-A6BD-EF74-A149-BACBC9DCDAD7}"/>
               </a:ext>
             </a:extLst>
           </p:cNvPr>
@@ -9066,8 +9103,8 @@
         </p:nvSpPr>
         <p:spPr>
           <a:xfrm>
-            <a:off x="1489680" y="1828800"/>
-            <a:ext cx="9024480" cy="829543"/>
+            <a:off x="6629400" y="6362640"/>
+            <a:ext cx="5855760" cy="337100"/>
           </a:xfrm>
           <a:prstGeom prst="rect">
             <a:avLst/>
@@ -9095,64 +9132,34 @@
           </a:bodyPr>
           <a:lstStyle/>
           <a:p>
-            <a:pPr algn="ctr">
+            <a:pPr>
               <a:lnSpc>
                 <a:spcPct val="100000"/>
               </a:lnSpc>
               <a:buNone/>
             </a:pPr>
-            <a:endParaRPr lang="en-US" sz="2400" b="0" strike="noStrike" spc="-1" dirty="0">
+            <a:r>
+              <a:rPr lang="pt-PT" sz="1600" b="0" strike="noStrike" spc="-1" dirty="0">
+                <a:solidFill>
+                  <a:srgbClr val="FFFFFF"/>
+                </a:solidFill>
+                <a:latin typeface="Calibri"/>
+                <a:ea typeface="DejaVu Sans"/>
+              </a:rPr>
+              <a:t>Bases de Dados – Jogos Olímpicos   |   Parte 2 - Grupo 8</a:t>
+            </a:r>
+            <a:endParaRPr lang="en-US" sz="1600" b="0" strike="noStrike" spc="-1" dirty="0">
               <a:latin typeface="Arial"/>
             </a:endParaRPr>
           </a:p>
-          <a:p>
-            <a:pPr algn="ctr">
-              <a:lnSpc>
-                <a:spcPct val="100000"/>
-              </a:lnSpc>
-              <a:buNone/>
-            </a:pPr>
-            <a:endParaRPr lang="en-US" sz="2400" b="0" strike="noStrike" spc="-1" dirty="0">
-              <a:latin typeface="Arial"/>
-            </a:endParaRPr>
-          </a:p>
-        </p:txBody>
-      </p:sp>
-      <p:pic>
-        <p:nvPicPr>
-          <p:cNvPr id="59" name="Imagem 3">
+        </p:txBody>
+      </p:sp>
+      <p:sp>
+        <p:nvSpPr>
+          <p:cNvPr id="4" name="CaixaDeTexto 9">
             <a:extLst>
               <a:ext uri="{FF2B5EF4-FFF2-40B4-BE49-F238E27FC236}">
-                <a16:creationId xmlns:a16="http://schemas.microsoft.com/office/drawing/2014/main" id="{23B1BE5C-BF09-0656-FA39-82A8A289ED3D}"/>
-              </a:ext>
-            </a:extLst>
-          </p:cNvPr>
-          <p:cNvPicPr/>
-          <p:nvPr/>
-        </p:nvPicPr>
-        <p:blipFill>
-          <a:blip r:embed="rId2"/>
-          <a:stretch/>
-        </p:blipFill>
-        <p:spPr>
-          <a:xfrm>
-            <a:off x="3240" y="6261480"/>
-            <a:ext cx="1236960" cy="709200"/>
-          </a:xfrm>
-          <a:prstGeom prst="rect">
-            <a:avLst/>
-          </a:prstGeom>
-          <a:ln w="0">
-            <a:noFill/>
-          </a:ln>
-        </p:spPr>
-      </p:pic>
-      <p:sp>
-        <p:nvSpPr>
-          <p:cNvPr id="60" name="CaixaDeTexto 1">
-            <a:extLst>
-              <a:ext uri="{FF2B5EF4-FFF2-40B4-BE49-F238E27FC236}">
-                <a16:creationId xmlns:a16="http://schemas.microsoft.com/office/drawing/2014/main" id="{2E0A88D2-A6BD-EF74-A149-BACBC9DCDAD7}"/>
+                <a16:creationId xmlns:a16="http://schemas.microsoft.com/office/drawing/2014/main" id="{45345B8F-9D78-4BAA-54B1-D29FEBDACC2F}"/>
               </a:ext>
             </a:extLst>
           </p:cNvPr>
@@ -9161,8 +9168,8 @@
         </p:nvSpPr>
         <p:spPr>
           <a:xfrm>
-            <a:off x="6629400" y="6362640"/>
-            <a:ext cx="5855760" cy="337100"/>
+            <a:off x="1525680" y="1563216"/>
+            <a:ext cx="9024480" cy="3734762"/>
           </a:xfrm>
           <a:prstGeom prst="rect">
             <a:avLst/>
@@ -9185,71 +9192,6 @@
           <a:fontRef idx="minor"/>
         </p:style>
         <p:txBody>
-          <a:bodyPr vertOverflow="overflow" horzOverflow="overflow" lIns="90000" tIns="45000" rIns="90000" bIns="45000" numCol="1" spcCol="0" anchor="t">
-            <a:spAutoFit/>
-          </a:bodyPr>
-          <a:lstStyle/>
-          <a:p>
-            <a:pPr>
-              <a:lnSpc>
-                <a:spcPct val="100000"/>
-              </a:lnSpc>
-              <a:buNone/>
-            </a:pPr>
-            <a:r>
-              <a:rPr lang="pt-PT" sz="1600" b="0" strike="noStrike" spc="-1" dirty="0">
-                <a:solidFill>
-                  <a:srgbClr val="FFFFFF"/>
-                </a:solidFill>
-                <a:latin typeface="Calibri"/>
-                <a:ea typeface="DejaVu Sans"/>
-              </a:rPr>
-              <a:t>Bases de Dados – Jogos Olímpicos   |   Parte 2 - Grupo 8</a:t>
-            </a:r>
-            <a:endParaRPr lang="en-US" sz="1600" b="0" strike="noStrike" spc="-1" dirty="0">
-              <a:latin typeface="Arial"/>
-            </a:endParaRPr>
-          </a:p>
-        </p:txBody>
-      </p:sp>
-      <p:sp>
-        <p:nvSpPr>
-          <p:cNvPr id="4" name="CaixaDeTexto 9">
-            <a:extLst>
-              <a:ext uri="{FF2B5EF4-FFF2-40B4-BE49-F238E27FC236}">
-                <a16:creationId xmlns:a16="http://schemas.microsoft.com/office/drawing/2014/main" id="{45345B8F-9D78-4BAA-54B1-D29FEBDACC2F}"/>
-              </a:ext>
-            </a:extLst>
-          </p:cNvPr>
-          <p:cNvSpPr/>
-          <p:nvPr/>
-        </p:nvSpPr>
-        <p:spPr>
-          <a:xfrm>
-            <a:off x="1525680" y="1563216"/>
-            <a:ext cx="9024480" cy="4196426"/>
-          </a:xfrm>
-          <a:prstGeom prst="rect">
-            <a:avLst/>
-          </a:prstGeom>
-          <a:noFill/>
-          <a:ln w="0">
-            <a:noFill/>
-          </a:ln>
-        </p:spPr>
-        <p:style>
-          <a:lnRef idx="0">
-            <a:scrgbClr r="0" g="0" b="0"/>
-          </a:lnRef>
-          <a:fillRef idx="0">
-            <a:scrgbClr r="0" g="0" b="0"/>
-          </a:fillRef>
-          <a:effectRef idx="0">
-            <a:scrgbClr r="0" g="0" b="0"/>
-          </a:effectRef>
-          <a:fontRef idx="minor"/>
-        </p:style>
-        <p:txBody>
           <a:bodyPr vertOverflow="overflow" horzOverflow="overflow" wrap="square" lIns="90000" tIns="45000" rIns="90000" bIns="45000" numCol="1" spcCol="0" anchor="t">
             <a:spAutoFit/>
           </a:bodyPr>
@@ -9301,15 +9243,7 @@
                 <a:latin typeface="Consolas" panose="020B0609020204030204" pitchFamily="49" charset="0"/>
                 <a:ea typeface="Times New Roman" panose="02020603050405020304" pitchFamily="18" charset="0"/>
               </a:rPr>
-              <a:t>ma média de 5 modalidades cada, ou seja com um total de 160 modalidades</a:t>
-            </a:r>
-            <a:r>
-              <a:rPr lang="pt-PT" sz="1800" dirty="0">
-                <a:effectLst/>
-                <a:latin typeface="Arial" panose="020B0604020202020204" pitchFamily="34" charset="0"/>
-                <a:ea typeface="Times New Roman" panose="02020603050405020304" pitchFamily="18" charset="0"/>
-              </a:rPr>
-              <a:t>.</a:t>
+              <a:t>ma média de 5 modalidades cada, ou seja com um total de 160 modalidades.</a:t>
             </a:r>
           </a:p>
           <a:p>
@@ -9328,7 +9262,7 @@
                 <a:latin typeface="Consolas" panose="020B0609020204030204" pitchFamily="49" charset="0"/>
                 <a:ea typeface="Times New Roman" panose="02020603050405020304" pitchFamily="18" charset="0"/>
               </a:rPr>
-              <a:t>Isso resultaria em 80354 bytes (80,354 Kb) após o povoamento inicial</a:t>
+              <a:t>Isso resultaria em 80354 bytes após o povoamento inicial</a:t>
             </a:r>
             <a:endParaRPr lang="pt-PT" sz="2000" dirty="0">
               <a:effectLst/>
@@ -10775,6 +10709,84 @@
           </a:p>
         </p:txBody>
       </p:sp>
+      <p:sp>
+        <p:nvSpPr>
+          <p:cNvPr id="2" name="CaixaDeTexto 9">
+            <a:extLst>
+              <a:ext uri="{FF2B5EF4-FFF2-40B4-BE49-F238E27FC236}">
+                <a16:creationId xmlns:a16="http://schemas.microsoft.com/office/drawing/2014/main" id="{E5A8690E-3E99-8C0D-7810-820327B09385}"/>
+              </a:ext>
+            </a:extLst>
+          </p:cNvPr>
+          <p:cNvSpPr/>
+          <p:nvPr/>
+        </p:nvSpPr>
+        <p:spPr>
+          <a:xfrm>
+            <a:off x="1582740" y="1792451"/>
+            <a:ext cx="9024480" cy="3273097"/>
+          </a:xfrm>
+          <a:prstGeom prst="rect">
+            <a:avLst/>
+          </a:prstGeom>
+          <a:noFill/>
+          <a:ln w="0">
+            <a:noFill/>
+          </a:ln>
+        </p:spPr>
+        <p:style>
+          <a:lnRef idx="0">
+            <a:scrgbClr r="0" g="0" b="0"/>
+          </a:lnRef>
+          <a:fillRef idx="0">
+            <a:scrgbClr r="0" g="0" b="0"/>
+          </a:fillRef>
+          <a:effectRef idx="0">
+            <a:scrgbClr r="0" g="0" b="0"/>
+          </a:effectRef>
+          <a:fontRef idx="minor"/>
+        </p:style>
+        <p:txBody>
+          <a:bodyPr vertOverflow="overflow" horzOverflow="overflow" wrap="square" lIns="90000" tIns="45000" rIns="90000" bIns="45000" numCol="1" spcCol="0" anchor="t">
+            <a:spAutoFit/>
+          </a:bodyPr>
+          <a:lstStyle/>
+          <a:p>
+            <a:pPr marL="285750" indent="-285750" algn="just">
+              <a:lnSpc>
+                <a:spcPct val="150000"/>
+              </a:lnSpc>
+              <a:buFont typeface="Arial" panose="020B0604020202020204" pitchFamily="34" charset="0"/>
+              <a:buChar char="•"/>
+            </a:pPr>
+            <a:r>
+              <a:rPr lang="pt-PT" sz="2000" dirty="0">
+                <a:effectLst/>
+                <a:latin typeface="Consolas" panose="020B0609020204030204" pitchFamily="49" charset="0"/>
+                <a:ea typeface="Times New Roman" panose="02020603050405020304" pitchFamily="18" charset="0"/>
+              </a:rPr>
+              <a:t>Depois, haverá um processo de qualificação árduo para os Jogos Olímpicos, e é expectável que se qualifique em média 10 equipas por delegação, com cada equipa a ter um treinador e em média 5 atletas;</a:t>
+            </a:r>
+          </a:p>
+          <a:p>
+            <a:pPr marL="285750" indent="-285750" algn="just">
+              <a:lnSpc>
+                <a:spcPct val="150000"/>
+              </a:lnSpc>
+              <a:buFont typeface="Arial" panose="020B0604020202020204" pitchFamily="34" charset="0"/>
+              <a:buChar char="•"/>
+            </a:pPr>
+            <a:r>
+              <a:rPr lang="pt-PT" sz="2000" dirty="0">
+                <a:effectLst/>
+                <a:latin typeface="Consolas" panose="020B0609020204030204" pitchFamily="49" charset="0"/>
+                <a:ea typeface="Times New Roman" panose="02020603050405020304" pitchFamily="18" charset="0"/>
+              </a:rPr>
+              <a:t>Cada evento vai ser competido por cerca de 30 atletas (realiza-se 9900) , no qual apenas os 8 finalistas terão direito a ter o seu resultado registado na base de dados.</a:t>
+            </a:r>
+          </a:p>
+        </p:txBody>
+      </p:sp>
     </p:spTree>
     <p:extLst>
       <p:ext uri="{BB962C8B-B14F-4D97-AF65-F5344CB8AC3E}">
@@ -11095,6 +11107,1211 @@
           </a:p>
         </p:txBody>
       </p:sp>
+      <p:graphicFrame>
+        <p:nvGraphicFramePr>
+          <p:cNvPr id="2" name="Tabela 1">
+            <a:extLst>
+              <a:ext uri="{FF2B5EF4-FFF2-40B4-BE49-F238E27FC236}">
+                <a16:creationId xmlns:a16="http://schemas.microsoft.com/office/drawing/2014/main" id="{81EC0C77-1E86-F1F0-4C60-CC20518915A1}"/>
+              </a:ext>
+            </a:extLst>
+          </p:cNvPr>
+          <p:cNvGraphicFramePr>
+            <a:graphicFrameLocks noGrp="1"/>
+          </p:cNvGraphicFramePr>
+          <p:nvPr>
+            <p:extLst>
+              <p:ext uri="{D42A27DB-BD31-4B8C-83A1-F6EECF244321}">
+                <p14:modId xmlns:p14="http://schemas.microsoft.com/office/powerpoint/2010/main" val="2865718273"/>
+              </p:ext>
+            </p:extLst>
+          </p:nvPr>
+        </p:nvGraphicFramePr>
+        <p:xfrm>
+          <a:off x="609600" y="1701955"/>
+          <a:ext cx="10972800" cy="3782702"/>
+        </p:xfrm>
+        <a:graphic>
+          <a:graphicData uri="http://schemas.openxmlformats.org/drawingml/2006/table">
+            <a:tbl>
+              <a:tblPr>
+                <a:tableStyleId>{5C22544A-7EE6-4342-B048-85BDC9FD1C3A}</a:tableStyleId>
+              </a:tblPr>
+              <a:tblGrid>
+                <a:gridCol w="3766457">
+                  <a:extLst>
+                    <a:ext uri="{9D8B030D-6E8A-4147-A177-3AD203B41FA5}">
+                      <a16:colId xmlns:a16="http://schemas.microsoft.com/office/drawing/2014/main" val="3866280554"/>
+                    </a:ext>
+                  </a:extLst>
+                </a:gridCol>
+                <a:gridCol w="3592286">
+                  <a:extLst>
+                    <a:ext uri="{9D8B030D-6E8A-4147-A177-3AD203B41FA5}">
+                      <a16:colId xmlns:a16="http://schemas.microsoft.com/office/drawing/2014/main" val="2094042845"/>
+                    </a:ext>
+                  </a:extLst>
+                </a:gridCol>
+                <a:gridCol w="3614057">
+                  <a:extLst>
+                    <a:ext uri="{9D8B030D-6E8A-4147-A177-3AD203B41FA5}">
+                      <a16:colId xmlns:a16="http://schemas.microsoft.com/office/drawing/2014/main" val="2592998787"/>
+                    </a:ext>
+                  </a:extLst>
+                </a:gridCol>
+              </a:tblGrid>
+              <a:tr h="270193">
+                <a:tc>
+                  <a:txBody>
+                    <a:bodyPr/>
+                    <a:lstStyle/>
+                    <a:p>
+                      <a:pPr algn="ctr">
+                        <a:lnSpc>
+                          <a:spcPct val="150000"/>
+                        </a:lnSpc>
+                      </a:pPr>
+                      <a:r>
+                        <a:rPr lang="en-US" sz="1000">
+                          <a:effectLst/>
+                        </a:rPr>
+                        <a:t>Tabela</a:t>
+                      </a:r>
+                      <a:endParaRPr lang="pt-PT" sz="1000">
+                        <a:effectLst/>
+                        <a:latin typeface="Arial" panose="020B0604020202020204" pitchFamily="34" charset="0"/>
+                        <a:ea typeface="Times New Roman" panose="02020603050405020304" pitchFamily="18" charset="0"/>
+                      </a:endParaRPr>
+                    </a:p>
+                  </a:txBody>
+                  <a:tcPr marL="34925" marR="34925" marT="34925" marB="34925"/>
+                </a:tc>
+                <a:tc>
+                  <a:txBody>
+                    <a:bodyPr/>
+                    <a:lstStyle/>
+                    <a:p>
+                      <a:pPr algn="ctr">
+                        <a:lnSpc>
+                          <a:spcPct val="150000"/>
+                        </a:lnSpc>
+                      </a:pPr>
+                      <a:r>
+                        <a:rPr lang="en-US" sz="1000">
+                          <a:effectLst/>
+                        </a:rPr>
+                        <a:t>Quantidade de registos</a:t>
+                      </a:r>
+                      <a:endParaRPr lang="pt-PT" sz="1000">
+                        <a:effectLst/>
+                        <a:latin typeface="Arial" panose="020B0604020202020204" pitchFamily="34" charset="0"/>
+                        <a:ea typeface="Times New Roman" panose="02020603050405020304" pitchFamily="18" charset="0"/>
+                      </a:endParaRPr>
+                    </a:p>
+                  </a:txBody>
+                  <a:tcPr marL="34925" marR="34925" marT="34925" marB="34925"/>
+                </a:tc>
+                <a:tc>
+                  <a:txBody>
+                    <a:bodyPr/>
+                    <a:lstStyle/>
+                    <a:p>
+                      <a:pPr algn="ctr">
+                        <a:lnSpc>
+                          <a:spcPct val="150000"/>
+                        </a:lnSpc>
+                      </a:pPr>
+                      <a:r>
+                        <a:rPr lang="en-US" sz="1000">
+                          <a:effectLst/>
+                        </a:rPr>
+                        <a:t>Tamanho da tabela (bytes)</a:t>
+                      </a:r>
+                      <a:endParaRPr lang="pt-PT" sz="1000">
+                        <a:effectLst/>
+                        <a:latin typeface="Arial" panose="020B0604020202020204" pitchFamily="34" charset="0"/>
+                        <a:ea typeface="Times New Roman" panose="02020603050405020304" pitchFamily="18" charset="0"/>
+                      </a:endParaRPr>
+                    </a:p>
+                  </a:txBody>
+                  <a:tcPr marL="34925" marR="34925" marT="34925" marB="34925"/>
+                </a:tc>
+                <a:extLst>
+                  <a:ext uri="{0D108BD9-81ED-4DB2-BD59-A6C34878D82A}">
+                    <a16:rowId xmlns:a16="http://schemas.microsoft.com/office/drawing/2014/main" val="1723577177"/>
+                  </a:ext>
+                </a:extLst>
+              </a:tr>
+              <a:tr h="270193">
+                <a:tc>
+                  <a:txBody>
+                    <a:bodyPr/>
+                    <a:lstStyle/>
+                    <a:p>
+                      <a:pPr algn="ctr">
+                        <a:lnSpc>
+                          <a:spcPct val="150000"/>
+                        </a:lnSpc>
+                      </a:pPr>
+                      <a:r>
+                        <a:rPr lang="en-US" sz="1000">
+                          <a:effectLst/>
+                        </a:rPr>
+                        <a:t>Competicao</a:t>
+                      </a:r>
+                      <a:endParaRPr lang="pt-PT" sz="1000">
+                        <a:effectLst/>
+                        <a:latin typeface="Arial" panose="020B0604020202020204" pitchFamily="34" charset="0"/>
+                        <a:ea typeface="Times New Roman" panose="02020603050405020304" pitchFamily="18" charset="0"/>
+                      </a:endParaRPr>
+                    </a:p>
+                  </a:txBody>
+                  <a:tcPr marL="34925" marR="34925" marT="34925" marB="34925"/>
+                </a:tc>
+                <a:tc>
+                  <a:txBody>
+                    <a:bodyPr/>
+                    <a:lstStyle/>
+                    <a:p>
+                      <a:pPr algn="ctr">
+                        <a:lnSpc>
+                          <a:spcPct val="150000"/>
+                        </a:lnSpc>
+                      </a:pPr>
+                      <a:r>
+                        <a:rPr lang="en-US" sz="1000">
+                          <a:effectLst/>
+                        </a:rPr>
+                        <a:t>1</a:t>
+                      </a:r>
+                      <a:endParaRPr lang="pt-PT" sz="1000">
+                        <a:effectLst/>
+                        <a:latin typeface="Arial" panose="020B0604020202020204" pitchFamily="34" charset="0"/>
+                        <a:ea typeface="Times New Roman" panose="02020603050405020304" pitchFamily="18" charset="0"/>
+                      </a:endParaRPr>
+                    </a:p>
+                  </a:txBody>
+                  <a:tcPr marL="34925" marR="34925" marT="34925" marB="34925"/>
+                </a:tc>
+                <a:tc>
+                  <a:txBody>
+                    <a:bodyPr/>
+                    <a:lstStyle/>
+                    <a:p>
+                      <a:pPr algn="ctr">
+                        <a:lnSpc>
+                          <a:spcPct val="150000"/>
+                        </a:lnSpc>
+                      </a:pPr>
+                      <a:r>
+                        <a:rPr lang="en-US" sz="1000">
+                          <a:effectLst/>
+                        </a:rPr>
+                        <a:t>102</a:t>
+                      </a:r>
+                      <a:endParaRPr lang="pt-PT" sz="1000">
+                        <a:effectLst/>
+                        <a:latin typeface="Arial" panose="020B0604020202020204" pitchFamily="34" charset="0"/>
+                        <a:ea typeface="Times New Roman" panose="02020603050405020304" pitchFamily="18" charset="0"/>
+                      </a:endParaRPr>
+                    </a:p>
+                  </a:txBody>
+                  <a:tcPr marL="34925" marR="34925" marT="34925" marB="34925"/>
+                </a:tc>
+                <a:extLst>
+                  <a:ext uri="{0D108BD9-81ED-4DB2-BD59-A6C34878D82A}">
+                    <a16:rowId xmlns:a16="http://schemas.microsoft.com/office/drawing/2014/main" val="765218804"/>
+                  </a:ext>
+                </a:extLst>
+              </a:tr>
+              <a:tr h="270193">
+                <a:tc>
+                  <a:txBody>
+                    <a:bodyPr/>
+                    <a:lstStyle/>
+                    <a:p>
+                      <a:pPr algn="ctr">
+                        <a:lnSpc>
+                          <a:spcPct val="150000"/>
+                        </a:lnSpc>
+                      </a:pPr>
+                      <a:r>
+                        <a:rPr lang="en-US" sz="1000">
+                          <a:effectLst/>
+                        </a:rPr>
+                        <a:t>Tipo</a:t>
+                      </a:r>
+                      <a:endParaRPr lang="pt-PT" sz="1000">
+                        <a:effectLst/>
+                        <a:latin typeface="Arial" panose="020B0604020202020204" pitchFamily="34" charset="0"/>
+                        <a:ea typeface="Times New Roman" panose="02020603050405020304" pitchFamily="18" charset="0"/>
+                      </a:endParaRPr>
+                    </a:p>
+                  </a:txBody>
+                  <a:tcPr marL="34925" marR="34925" marT="34925" marB="34925"/>
+                </a:tc>
+                <a:tc>
+                  <a:txBody>
+                    <a:bodyPr/>
+                    <a:lstStyle/>
+                    <a:p>
+                      <a:pPr algn="ctr">
+                        <a:lnSpc>
+                          <a:spcPct val="150000"/>
+                        </a:lnSpc>
+                      </a:pPr>
+                      <a:r>
+                        <a:rPr lang="en-US" sz="1000">
+                          <a:effectLst/>
+                        </a:rPr>
+                        <a:t>10</a:t>
+                      </a:r>
+                      <a:endParaRPr lang="pt-PT" sz="1000">
+                        <a:effectLst/>
+                        <a:latin typeface="Arial" panose="020B0604020202020204" pitchFamily="34" charset="0"/>
+                        <a:ea typeface="Times New Roman" panose="02020603050405020304" pitchFamily="18" charset="0"/>
+                      </a:endParaRPr>
+                    </a:p>
+                  </a:txBody>
+                  <a:tcPr marL="34925" marR="34925" marT="34925" marB="34925"/>
+                </a:tc>
+                <a:tc>
+                  <a:txBody>
+                    <a:bodyPr/>
+                    <a:lstStyle/>
+                    <a:p>
+                      <a:pPr algn="ctr">
+                        <a:lnSpc>
+                          <a:spcPct val="150000"/>
+                        </a:lnSpc>
+                      </a:pPr>
+                      <a:r>
+                        <a:rPr lang="en-US" sz="1000">
+                          <a:effectLst/>
+                        </a:rPr>
+                        <a:t>500</a:t>
+                      </a:r>
+                      <a:endParaRPr lang="pt-PT" sz="1000">
+                        <a:effectLst/>
+                        <a:latin typeface="Arial" panose="020B0604020202020204" pitchFamily="34" charset="0"/>
+                        <a:ea typeface="Times New Roman" panose="02020603050405020304" pitchFamily="18" charset="0"/>
+                      </a:endParaRPr>
+                    </a:p>
+                  </a:txBody>
+                  <a:tcPr marL="34925" marR="34925" marT="34925" marB="34925"/>
+                </a:tc>
+                <a:extLst>
+                  <a:ext uri="{0D108BD9-81ED-4DB2-BD59-A6C34878D82A}">
+                    <a16:rowId xmlns:a16="http://schemas.microsoft.com/office/drawing/2014/main" val="1988801781"/>
+                  </a:ext>
+                </a:extLst>
+              </a:tr>
+              <a:tr h="270193">
+                <a:tc>
+                  <a:txBody>
+                    <a:bodyPr/>
+                    <a:lstStyle/>
+                    <a:p>
+                      <a:pPr algn="ctr">
+                        <a:lnSpc>
+                          <a:spcPct val="150000"/>
+                        </a:lnSpc>
+                      </a:pPr>
+                      <a:r>
+                        <a:rPr lang="en-US" sz="1000">
+                          <a:effectLst/>
+                        </a:rPr>
+                        <a:t>Funcionario</a:t>
+                      </a:r>
+                      <a:endParaRPr lang="pt-PT" sz="1000">
+                        <a:effectLst/>
+                        <a:latin typeface="Arial" panose="020B0604020202020204" pitchFamily="34" charset="0"/>
+                        <a:ea typeface="Times New Roman" panose="02020603050405020304" pitchFamily="18" charset="0"/>
+                      </a:endParaRPr>
+                    </a:p>
+                  </a:txBody>
+                  <a:tcPr marL="34925" marR="34925" marT="34925" marB="34925"/>
+                </a:tc>
+                <a:tc>
+                  <a:txBody>
+                    <a:bodyPr/>
+                    <a:lstStyle/>
+                    <a:p>
+                      <a:pPr algn="ctr">
+                        <a:lnSpc>
+                          <a:spcPct val="150000"/>
+                        </a:lnSpc>
+                      </a:pPr>
+                      <a:r>
+                        <a:rPr lang="en-US" sz="1000">
+                          <a:effectLst/>
+                        </a:rPr>
+                        <a:t>500</a:t>
+                      </a:r>
+                      <a:endParaRPr lang="pt-PT" sz="1000">
+                        <a:effectLst/>
+                        <a:latin typeface="Arial" panose="020B0604020202020204" pitchFamily="34" charset="0"/>
+                        <a:ea typeface="Times New Roman" panose="02020603050405020304" pitchFamily="18" charset="0"/>
+                      </a:endParaRPr>
+                    </a:p>
+                  </a:txBody>
+                  <a:tcPr marL="34925" marR="34925" marT="34925" marB="34925"/>
+                </a:tc>
+                <a:tc>
+                  <a:txBody>
+                    <a:bodyPr/>
+                    <a:lstStyle/>
+                    <a:p>
+                      <a:pPr algn="ctr">
+                        <a:lnSpc>
+                          <a:spcPct val="150000"/>
+                        </a:lnSpc>
+                      </a:pPr>
+                      <a:r>
+                        <a:rPr lang="en-US" sz="1000">
+                          <a:effectLst/>
+                        </a:rPr>
+                        <a:t>29 000</a:t>
+                      </a:r>
+                      <a:endParaRPr lang="pt-PT" sz="1000">
+                        <a:effectLst/>
+                        <a:latin typeface="Arial" panose="020B0604020202020204" pitchFamily="34" charset="0"/>
+                        <a:ea typeface="Times New Roman" panose="02020603050405020304" pitchFamily="18" charset="0"/>
+                      </a:endParaRPr>
+                    </a:p>
+                  </a:txBody>
+                  <a:tcPr marL="34925" marR="34925" marT="34925" marB="34925"/>
+                </a:tc>
+                <a:extLst>
+                  <a:ext uri="{0D108BD9-81ED-4DB2-BD59-A6C34878D82A}">
+                    <a16:rowId xmlns:a16="http://schemas.microsoft.com/office/drawing/2014/main" val="209179857"/>
+                  </a:ext>
+                </a:extLst>
+              </a:tr>
+              <a:tr h="270193">
+                <a:tc>
+                  <a:txBody>
+                    <a:bodyPr/>
+                    <a:lstStyle/>
+                    <a:p>
+                      <a:pPr algn="ctr">
+                        <a:lnSpc>
+                          <a:spcPct val="150000"/>
+                        </a:lnSpc>
+                      </a:pPr>
+                      <a:r>
+                        <a:rPr lang="en-US" sz="1000">
+                          <a:effectLst/>
+                        </a:rPr>
+                        <a:t>Esporte</a:t>
+                      </a:r>
+                      <a:endParaRPr lang="pt-PT" sz="1000">
+                        <a:effectLst/>
+                        <a:latin typeface="Arial" panose="020B0604020202020204" pitchFamily="34" charset="0"/>
+                        <a:ea typeface="Times New Roman" panose="02020603050405020304" pitchFamily="18" charset="0"/>
+                      </a:endParaRPr>
+                    </a:p>
+                  </a:txBody>
+                  <a:tcPr marL="34925" marR="34925" marT="34925" marB="34925"/>
+                </a:tc>
+                <a:tc>
+                  <a:txBody>
+                    <a:bodyPr/>
+                    <a:lstStyle/>
+                    <a:p>
+                      <a:pPr algn="ctr">
+                        <a:lnSpc>
+                          <a:spcPct val="150000"/>
+                        </a:lnSpc>
+                      </a:pPr>
+                      <a:r>
+                        <a:rPr lang="en-US" sz="1000">
+                          <a:effectLst/>
+                        </a:rPr>
+                        <a:t>32</a:t>
+                      </a:r>
+                      <a:endParaRPr lang="pt-PT" sz="1000">
+                        <a:effectLst/>
+                        <a:latin typeface="Arial" panose="020B0604020202020204" pitchFamily="34" charset="0"/>
+                        <a:ea typeface="Times New Roman" panose="02020603050405020304" pitchFamily="18" charset="0"/>
+                      </a:endParaRPr>
+                    </a:p>
+                  </a:txBody>
+                  <a:tcPr marL="34925" marR="34925" marT="34925" marB="34925"/>
+                </a:tc>
+                <a:tc>
+                  <a:txBody>
+                    <a:bodyPr/>
+                    <a:lstStyle/>
+                    <a:p>
+                      <a:pPr algn="ctr">
+                        <a:lnSpc>
+                          <a:spcPct val="150000"/>
+                        </a:lnSpc>
+                      </a:pPr>
+                      <a:r>
+                        <a:rPr lang="en-US" sz="1000">
+                          <a:effectLst/>
+                        </a:rPr>
+                        <a:t>1 728</a:t>
+                      </a:r>
+                      <a:endParaRPr lang="pt-PT" sz="1000">
+                        <a:effectLst/>
+                        <a:latin typeface="Arial" panose="020B0604020202020204" pitchFamily="34" charset="0"/>
+                        <a:ea typeface="Times New Roman" panose="02020603050405020304" pitchFamily="18" charset="0"/>
+                      </a:endParaRPr>
+                    </a:p>
+                  </a:txBody>
+                  <a:tcPr marL="34925" marR="34925" marT="34925" marB="34925"/>
+                </a:tc>
+                <a:extLst>
+                  <a:ext uri="{0D108BD9-81ED-4DB2-BD59-A6C34878D82A}">
+                    <a16:rowId xmlns:a16="http://schemas.microsoft.com/office/drawing/2014/main" val="1764817999"/>
+                  </a:ext>
+                </a:extLst>
+              </a:tr>
+              <a:tr h="270193">
+                <a:tc>
+                  <a:txBody>
+                    <a:bodyPr/>
+                    <a:lstStyle/>
+                    <a:p>
+                      <a:pPr algn="ctr">
+                        <a:lnSpc>
+                          <a:spcPct val="150000"/>
+                        </a:lnSpc>
+                      </a:pPr>
+                      <a:r>
+                        <a:rPr lang="en-US" sz="1000">
+                          <a:effectLst/>
+                        </a:rPr>
+                        <a:t>Modalidade</a:t>
+                      </a:r>
+                      <a:endParaRPr lang="pt-PT" sz="1000">
+                        <a:effectLst/>
+                        <a:latin typeface="Arial" panose="020B0604020202020204" pitchFamily="34" charset="0"/>
+                        <a:ea typeface="Times New Roman" panose="02020603050405020304" pitchFamily="18" charset="0"/>
+                      </a:endParaRPr>
+                    </a:p>
+                  </a:txBody>
+                  <a:tcPr marL="34925" marR="34925" marT="34925" marB="34925"/>
+                </a:tc>
+                <a:tc>
+                  <a:txBody>
+                    <a:bodyPr/>
+                    <a:lstStyle/>
+                    <a:p>
+                      <a:pPr algn="ctr">
+                        <a:lnSpc>
+                          <a:spcPct val="150000"/>
+                        </a:lnSpc>
+                      </a:pPr>
+                      <a:r>
+                        <a:rPr lang="en-US" sz="1000">
+                          <a:effectLst/>
+                        </a:rPr>
+                        <a:t>160</a:t>
+                      </a:r>
+                      <a:endParaRPr lang="pt-PT" sz="1000">
+                        <a:effectLst/>
+                        <a:latin typeface="Arial" panose="020B0604020202020204" pitchFamily="34" charset="0"/>
+                        <a:ea typeface="Times New Roman" panose="02020603050405020304" pitchFamily="18" charset="0"/>
+                      </a:endParaRPr>
+                    </a:p>
+                  </a:txBody>
+                  <a:tcPr marL="34925" marR="34925" marT="34925" marB="34925"/>
+                </a:tc>
+                <a:tc>
+                  <a:txBody>
+                    <a:bodyPr/>
+                    <a:lstStyle/>
+                    <a:p>
+                      <a:pPr algn="ctr">
+                        <a:lnSpc>
+                          <a:spcPct val="150000"/>
+                        </a:lnSpc>
+                      </a:pPr>
+                      <a:r>
+                        <a:rPr lang="en-US" sz="1000">
+                          <a:effectLst/>
+                        </a:rPr>
+                        <a:t>17 440</a:t>
+                      </a:r>
+                      <a:endParaRPr lang="pt-PT" sz="1000">
+                        <a:effectLst/>
+                        <a:latin typeface="Arial" panose="020B0604020202020204" pitchFamily="34" charset="0"/>
+                        <a:ea typeface="Times New Roman" panose="02020603050405020304" pitchFamily="18" charset="0"/>
+                      </a:endParaRPr>
+                    </a:p>
+                  </a:txBody>
+                  <a:tcPr marL="34925" marR="34925" marT="34925" marB="34925"/>
+                </a:tc>
+                <a:extLst>
+                  <a:ext uri="{0D108BD9-81ED-4DB2-BD59-A6C34878D82A}">
+                    <a16:rowId xmlns:a16="http://schemas.microsoft.com/office/drawing/2014/main" val="4124626125"/>
+                  </a:ext>
+                </a:extLst>
+              </a:tr>
+              <a:tr h="270193">
+                <a:tc>
+                  <a:txBody>
+                    <a:bodyPr/>
+                    <a:lstStyle/>
+                    <a:p>
+                      <a:pPr algn="ctr">
+                        <a:lnSpc>
+                          <a:spcPct val="150000"/>
+                        </a:lnSpc>
+                      </a:pPr>
+                      <a:r>
+                        <a:rPr lang="en-US" sz="1000">
+                          <a:effectLst/>
+                        </a:rPr>
+                        <a:t>Delegacao</a:t>
+                      </a:r>
+                      <a:endParaRPr lang="pt-PT" sz="1000">
+                        <a:effectLst/>
+                        <a:latin typeface="Arial" panose="020B0604020202020204" pitchFamily="34" charset="0"/>
+                        <a:ea typeface="Times New Roman" panose="02020603050405020304" pitchFamily="18" charset="0"/>
+                      </a:endParaRPr>
+                    </a:p>
+                  </a:txBody>
+                  <a:tcPr marL="34925" marR="34925" marT="34925" marB="34925"/>
+                </a:tc>
+                <a:tc>
+                  <a:txBody>
+                    <a:bodyPr/>
+                    <a:lstStyle/>
+                    <a:p>
+                      <a:pPr algn="ctr">
+                        <a:lnSpc>
+                          <a:spcPct val="150000"/>
+                        </a:lnSpc>
+                      </a:pPr>
+                      <a:r>
+                        <a:rPr lang="en-US" sz="1000">
+                          <a:effectLst/>
+                        </a:rPr>
+                        <a:t>206</a:t>
+                      </a:r>
+                      <a:endParaRPr lang="pt-PT" sz="1000">
+                        <a:effectLst/>
+                        <a:latin typeface="Arial" panose="020B0604020202020204" pitchFamily="34" charset="0"/>
+                        <a:ea typeface="Times New Roman" panose="02020603050405020304" pitchFamily="18" charset="0"/>
+                      </a:endParaRPr>
+                    </a:p>
+                  </a:txBody>
+                  <a:tcPr marL="34925" marR="34925" marT="34925" marB="34925"/>
+                </a:tc>
+                <a:tc>
+                  <a:txBody>
+                    <a:bodyPr/>
+                    <a:lstStyle/>
+                    <a:p>
+                      <a:pPr algn="ctr">
+                        <a:lnSpc>
+                          <a:spcPct val="150000"/>
+                        </a:lnSpc>
+                      </a:pPr>
+                      <a:r>
+                        <a:rPr lang="en-US" sz="1000">
+                          <a:effectLst/>
+                        </a:rPr>
+                        <a:t>11 124</a:t>
+                      </a:r>
+                      <a:endParaRPr lang="pt-PT" sz="1000">
+                        <a:effectLst/>
+                        <a:latin typeface="Arial" panose="020B0604020202020204" pitchFamily="34" charset="0"/>
+                        <a:ea typeface="Times New Roman" panose="02020603050405020304" pitchFamily="18" charset="0"/>
+                      </a:endParaRPr>
+                    </a:p>
+                  </a:txBody>
+                  <a:tcPr marL="34925" marR="34925" marT="34925" marB="34925"/>
+                </a:tc>
+                <a:extLst>
+                  <a:ext uri="{0D108BD9-81ED-4DB2-BD59-A6C34878D82A}">
+                    <a16:rowId xmlns:a16="http://schemas.microsoft.com/office/drawing/2014/main" val="1898492586"/>
+                  </a:ext>
+                </a:extLst>
+              </a:tr>
+              <a:tr h="270193">
+                <a:tc>
+                  <a:txBody>
+                    <a:bodyPr/>
+                    <a:lstStyle/>
+                    <a:p>
+                      <a:pPr algn="ctr">
+                        <a:lnSpc>
+                          <a:spcPct val="150000"/>
+                        </a:lnSpc>
+                      </a:pPr>
+                      <a:r>
+                        <a:rPr lang="en-US" sz="1000">
+                          <a:effectLst/>
+                        </a:rPr>
+                        <a:t>Equipa</a:t>
+                      </a:r>
+                      <a:endParaRPr lang="pt-PT" sz="1000">
+                        <a:effectLst/>
+                        <a:latin typeface="Arial" panose="020B0604020202020204" pitchFamily="34" charset="0"/>
+                        <a:ea typeface="Times New Roman" panose="02020603050405020304" pitchFamily="18" charset="0"/>
+                      </a:endParaRPr>
+                    </a:p>
+                  </a:txBody>
+                  <a:tcPr marL="34925" marR="34925" marT="34925" marB="34925"/>
+                </a:tc>
+                <a:tc>
+                  <a:txBody>
+                    <a:bodyPr/>
+                    <a:lstStyle/>
+                    <a:p>
+                      <a:pPr algn="ctr">
+                        <a:lnSpc>
+                          <a:spcPct val="150000"/>
+                        </a:lnSpc>
+                      </a:pPr>
+                      <a:r>
+                        <a:rPr lang="en-US" sz="1000">
+                          <a:effectLst/>
+                        </a:rPr>
+                        <a:t>+2060</a:t>
+                      </a:r>
+                      <a:endParaRPr lang="pt-PT" sz="1000">
+                        <a:effectLst/>
+                        <a:latin typeface="Arial" panose="020B0604020202020204" pitchFamily="34" charset="0"/>
+                        <a:ea typeface="Times New Roman" panose="02020603050405020304" pitchFamily="18" charset="0"/>
+                      </a:endParaRPr>
+                    </a:p>
+                  </a:txBody>
+                  <a:tcPr marL="34925" marR="34925" marT="34925" marB="34925"/>
+                </a:tc>
+                <a:tc>
+                  <a:txBody>
+                    <a:bodyPr/>
+                    <a:lstStyle/>
+                    <a:p>
+                      <a:pPr algn="ctr">
+                        <a:lnSpc>
+                          <a:spcPct val="150000"/>
+                        </a:lnSpc>
+                      </a:pPr>
+                      <a:r>
+                        <a:rPr lang="en-US" sz="1000">
+                          <a:effectLst/>
+                        </a:rPr>
+                        <a:t>24 720</a:t>
+                      </a:r>
+                      <a:endParaRPr lang="pt-PT" sz="1000">
+                        <a:effectLst/>
+                        <a:latin typeface="Arial" panose="020B0604020202020204" pitchFamily="34" charset="0"/>
+                        <a:ea typeface="Times New Roman" panose="02020603050405020304" pitchFamily="18" charset="0"/>
+                      </a:endParaRPr>
+                    </a:p>
+                  </a:txBody>
+                  <a:tcPr marL="34925" marR="34925" marT="34925" marB="34925"/>
+                </a:tc>
+                <a:extLst>
+                  <a:ext uri="{0D108BD9-81ED-4DB2-BD59-A6C34878D82A}">
+                    <a16:rowId xmlns:a16="http://schemas.microsoft.com/office/drawing/2014/main" val="473569840"/>
+                  </a:ext>
+                </a:extLst>
+              </a:tr>
+              <a:tr h="270193">
+                <a:tc>
+                  <a:txBody>
+                    <a:bodyPr/>
+                    <a:lstStyle/>
+                    <a:p>
+                      <a:pPr algn="ctr">
+                        <a:lnSpc>
+                          <a:spcPct val="150000"/>
+                        </a:lnSpc>
+                      </a:pPr>
+                      <a:r>
+                        <a:rPr lang="en-US" sz="1000">
+                          <a:effectLst/>
+                        </a:rPr>
+                        <a:t>Treinador</a:t>
+                      </a:r>
+                      <a:endParaRPr lang="pt-PT" sz="1000">
+                        <a:effectLst/>
+                        <a:latin typeface="Arial" panose="020B0604020202020204" pitchFamily="34" charset="0"/>
+                        <a:ea typeface="Times New Roman" panose="02020603050405020304" pitchFamily="18" charset="0"/>
+                      </a:endParaRPr>
+                    </a:p>
+                  </a:txBody>
+                  <a:tcPr marL="34925" marR="34925" marT="34925" marB="34925"/>
+                </a:tc>
+                <a:tc>
+                  <a:txBody>
+                    <a:bodyPr/>
+                    <a:lstStyle/>
+                    <a:p>
+                      <a:pPr algn="ctr">
+                        <a:lnSpc>
+                          <a:spcPct val="150000"/>
+                        </a:lnSpc>
+                      </a:pPr>
+                      <a:r>
+                        <a:rPr lang="en-US" sz="1000">
+                          <a:effectLst/>
+                        </a:rPr>
+                        <a:t>+2060</a:t>
+                      </a:r>
+                      <a:endParaRPr lang="pt-PT" sz="1000">
+                        <a:effectLst/>
+                        <a:latin typeface="Arial" panose="020B0604020202020204" pitchFamily="34" charset="0"/>
+                        <a:ea typeface="Times New Roman" panose="02020603050405020304" pitchFamily="18" charset="0"/>
+                      </a:endParaRPr>
+                    </a:p>
+                  </a:txBody>
+                  <a:tcPr marL="34925" marR="34925" marT="34925" marB="34925"/>
+                </a:tc>
+                <a:tc>
+                  <a:txBody>
+                    <a:bodyPr/>
+                    <a:lstStyle/>
+                    <a:p>
+                      <a:pPr algn="ctr">
+                        <a:lnSpc>
+                          <a:spcPct val="150000"/>
+                        </a:lnSpc>
+                      </a:pPr>
+                      <a:r>
+                        <a:rPr lang="en-US" sz="1000">
+                          <a:effectLst/>
+                        </a:rPr>
+                        <a:t>111 240</a:t>
+                      </a:r>
+                      <a:endParaRPr lang="pt-PT" sz="1000">
+                        <a:effectLst/>
+                        <a:latin typeface="Arial" panose="020B0604020202020204" pitchFamily="34" charset="0"/>
+                        <a:ea typeface="Times New Roman" panose="02020603050405020304" pitchFamily="18" charset="0"/>
+                      </a:endParaRPr>
+                    </a:p>
+                  </a:txBody>
+                  <a:tcPr marL="34925" marR="34925" marT="34925" marB="34925"/>
+                </a:tc>
+                <a:extLst>
+                  <a:ext uri="{0D108BD9-81ED-4DB2-BD59-A6C34878D82A}">
+                    <a16:rowId xmlns:a16="http://schemas.microsoft.com/office/drawing/2014/main" val="1550890912"/>
+                  </a:ext>
+                </a:extLst>
+              </a:tr>
+              <a:tr h="270193">
+                <a:tc>
+                  <a:txBody>
+                    <a:bodyPr/>
+                    <a:lstStyle/>
+                    <a:p>
+                      <a:pPr algn="ctr">
+                        <a:lnSpc>
+                          <a:spcPct val="150000"/>
+                        </a:lnSpc>
+                      </a:pPr>
+                      <a:r>
+                        <a:rPr lang="en-US" sz="1000">
+                          <a:effectLst/>
+                        </a:rPr>
+                        <a:t>Atleta</a:t>
+                      </a:r>
+                      <a:endParaRPr lang="pt-PT" sz="1000">
+                        <a:effectLst/>
+                        <a:latin typeface="Arial" panose="020B0604020202020204" pitchFamily="34" charset="0"/>
+                        <a:ea typeface="Times New Roman" panose="02020603050405020304" pitchFamily="18" charset="0"/>
+                      </a:endParaRPr>
+                    </a:p>
+                  </a:txBody>
+                  <a:tcPr marL="34925" marR="34925" marT="34925" marB="34925"/>
+                </a:tc>
+                <a:tc>
+                  <a:txBody>
+                    <a:bodyPr/>
+                    <a:lstStyle/>
+                    <a:p>
+                      <a:pPr algn="ctr">
+                        <a:lnSpc>
+                          <a:spcPct val="150000"/>
+                        </a:lnSpc>
+                      </a:pPr>
+                      <a:r>
+                        <a:rPr lang="en-US" sz="1000">
+                          <a:effectLst/>
+                        </a:rPr>
+                        <a:t>+10 500</a:t>
+                      </a:r>
+                      <a:endParaRPr lang="pt-PT" sz="1000">
+                        <a:effectLst/>
+                        <a:latin typeface="Arial" panose="020B0604020202020204" pitchFamily="34" charset="0"/>
+                        <a:ea typeface="Times New Roman" panose="02020603050405020304" pitchFamily="18" charset="0"/>
+                      </a:endParaRPr>
+                    </a:p>
+                  </a:txBody>
+                  <a:tcPr marL="34925" marR="34925" marT="34925" marB="34925"/>
+                </a:tc>
+                <a:tc>
+                  <a:txBody>
+                    <a:bodyPr/>
+                    <a:lstStyle/>
+                    <a:p>
+                      <a:pPr algn="ctr">
+                        <a:lnSpc>
+                          <a:spcPct val="150000"/>
+                        </a:lnSpc>
+                      </a:pPr>
+                      <a:r>
+                        <a:rPr lang="en-US" sz="1000">
+                          <a:effectLst/>
+                        </a:rPr>
+                        <a:t>756 000</a:t>
+                      </a:r>
+                      <a:endParaRPr lang="pt-PT" sz="1000">
+                        <a:effectLst/>
+                        <a:latin typeface="Arial" panose="020B0604020202020204" pitchFamily="34" charset="0"/>
+                        <a:ea typeface="Times New Roman" panose="02020603050405020304" pitchFamily="18" charset="0"/>
+                      </a:endParaRPr>
+                    </a:p>
+                  </a:txBody>
+                  <a:tcPr marL="34925" marR="34925" marT="34925" marB="34925"/>
+                </a:tc>
+                <a:extLst>
+                  <a:ext uri="{0D108BD9-81ED-4DB2-BD59-A6C34878D82A}">
+                    <a16:rowId xmlns:a16="http://schemas.microsoft.com/office/drawing/2014/main" val="2041142616"/>
+                  </a:ext>
+                </a:extLst>
+              </a:tr>
+              <a:tr h="270193">
+                <a:tc>
+                  <a:txBody>
+                    <a:bodyPr/>
+                    <a:lstStyle/>
+                    <a:p>
+                      <a:pPr algn="ctr">
+                        <a:lnSpc>
+                          <a:spcPct val="150000"/>
+                        </a:lnSpc>
+                      </a:pPr>
+                      <a:r>
+                        <a:rPr lang="en-US" sz="1000">
+                          <a:effectLst/>
+                        </a:rPr>
+                        <a:t>Evento</a:t>
+                      </a:r>
+                      <a:endParaRPr lang="pt-PT" sz="1000">
+                        <a:effectLst/>
+                        <a:latin typeface="Arial" panose="020B0604020202020204" pitchFamily="34" charset="0"/>
+                        <a:ea typeface="Times New Roman" panose="02020603050405020304" pitchFamily="18" charset="0"/>
+                      </a:endParaRPr>
+                    </a:p>
+                  </a:txBody>
+                  <a:tcPr marL="34925" marR="34925" marT="34925" marB="34925"/>
+                </a:tc>
+                <a:tc>
+                  <a:txBody>
+                    <a:bodyPr/>
+                    <a:lstStyle/>
+                    <a:p>
+                      <a:pPr algn="ctr">
+                        <a:lnSpc>
+                          <a:spcPct val="150000"/>
+                        </a:lnSpc>
+                      </a:pPr>
+                      <a:r>
+                        <a:rPr lang="en-US" sz="1000">
+                          <a:effectLst/>
+                        </a:rPr>
+                        <a:t>330</a:t>
+                      </a:r>
+                      <a:endParaRPr lang="pt-PT" sz="1000">
+                        <a:effectLst/>
+                        <a:latin typeface="Arial" panose="020B0604020202020204" pitchFamily="34" charset="0"/>
+                        <a:ea typeface="Times New Roman" panose="02020603050405020304" pitchFamily="18" charset="0"/>
+                      </a:endParaRPr>
+                    </a:p>
+                  </a:txBody>
+                  <a:tcPr marL="34925" marR="34925" marT="34925" marB="34925"/>
+                </a:tc>
+                <a:tc>
+                  <a:txBody>
+                    <a:bodyPr/>
+                    <a:lstStyle/>
+                    <a:p>
+                      <a:pPr algn="ctr">
+                        <a:lnSpc>
+                          <a:spcPct val="150000"/>
+                        </a:lnSpc>
+                      </a:pPr>
+                      <a:r>
+                        <a:rPr lang="en-US" sz="1000">
+                          <a:effectLst/>
+                        </a:rPr>
+                        <a:t>20 460</a:t>
+                      </a:r>
+                      <a:endParaRPr lang="pt-PT" sz="1000">
+                        <a:effectLst/>
+                        <a:latin typeface="Arial" panose="020B0604020202020204" pitchFamily="34" charset="0"/>
+                        <a:ea typeface="Times New Roman" panose="02020603050405020304" pitchFamily="18" charset="0"/>
+                      </a:endParaRPr>
+                    </a:p>
+                  </a:txBody>
+                  <a:tcPr marL="34925" marR="34925" marT="34925" marB="34925"/>
+                </a:tc>
+                <a:extLst>
+                  <a:ext uri="{0D108BD9-81ED-4DB2-BD59-A6C34878D82A}">
+                    <a16:rowId xmlns:a16="http://schemas.microsoft.com/office/drawing/2014/main" val="4053522494"/>
+                  </a:ext>
+                </a:extLst>
+              </a:tr>
+              <a:tr h="270193">
+                <a:tc>
+                  <a:txBody>
+                    <a:bodyPr/>
+                    <a:lstStyle/>
+                    <a:p>
+                      <a:pPr algn="ctr">
+                        <a:lnSpc>
+                          <a:spcPct val="150000"/>
+                        </a:lnSpc>
+                      </a:pPr>
+                      <a:r>
+                        <a:rPr lang="en-US" sz="1000">
+                          <a:effectLst/>
+                        </a:rPr>
+                        <a:t>Resultado</a:t>
+                      </a:r>
+                      <a:endParaRPr lang="pt-PT" sz="1000">
+                        <a:effectLst/>
+                        <a:latin typeface="Arial" panose="020B0604020202020204" pitchFamily="34" charset="0"/>
+                        <a:ea typeface="Times New Roman" panose="02020603050405020304" pitchFamily="18" charset="0"/>
+                      </a:endParaRPr>
+                    </a:p>
+                  </a:txBody>
+                  <a:tcPr marL="34925" marR="34925" marT="34925" marB="34925"/>
+                </a:tc>
+                <a:tc>
+                  <a:txBody>
+                    <a:bodyPr/>
+                    <a:lstStyle/>
+                    <a:p>
+                      <a:pPr algn="ctr">
+                        <a:lnSpc>
+                          <a:spcPct val="150000"/>
+                        </a:lnSpc>
+                      </a:pPr>
+                      <a:r>
+                        <a:rPr lang="en-US" sz="1000">
+                          <a:effectLst/>
+                        </a:rPr>
+                        <a:t>+2 640</a:t>
+                      </a:r>
+                      <a:endParaRPr lang="pt-PT" sz="1000">
+                        <a:effectLst/>
+                        <a:latin typeface="Arial" panose="020B0604020202020204" pitchFamily="34" charset="0"/>
+                        <a:ea typeface="Times New Roman" panose="02020603050405020304" pitchFamily="18" charset="0"/>
+                      </a:endParaRPr>
+                    </a:p>
+                  </a:txBody>
+                  <a:tcPr marL="34925" marR="34925" marT="34925" marB="34925"/>
+                </a:tc>
+                <a:tc>
+                  <a:txBody>
+                    <a:bodyPr/>
+                    <a:lstStyle/>
+                    <a:p>
+                      <a:pPr algn="ctr">
+                        <a:lnSpc>
+                          <a:spcPct val="150000"/>
+                        </a:lnSpc>
+                      </a:pPr>
+                      <a:r>
+                        <a:rPr lang="en-US" sz="1000">
+                          <a:effectLst/>
+                        </a:rPr>
+                        <a:t>73 920</a:t>
+                      </a:r>
+                      <a:endParaRPr lang="pt-PT" sz="1000">
+                        <a:effectLst/>
+                        <a:latin typeface="Arial" panose="020B0604020202020204" pitchFamily="34" charset="0"/>
+                        <a:ea typeface="Times New Roman" panose="02020603050405020304" pitchFamily="18" charset="0"/>
+                      </a:endParaRPr>
+                    </a:p>
+                  </a:txBody>
+                  <a:tcPr marL="34925" marR="34925" marT="34925" marB="34925"/>
+                </a:tc>
+                <a:extLst>
+                  <a:ext uri="{0D108BD9-81ED-4DB2-BD59-A6C34878D82A}">
+                    <a16:rowId xmlns:a16="http://schemas.microsoft.com/office/drawing/2014/main" val="574443179"/>
+                  </a:ext>
+                </a:extLst>
+              </a:tr>
+              <a:tr h="270193">
+                <a:tc>
+                  <a:txBody>
+                    <a:bodyPr/>
+                    <a:lstStyle/>
+                    <a:p>
+                      <a:pPr algn="ctr">
+                        <a:lnSpc>
+                          <a:spcPct val="150000"/>
+                        </a:lnSpc>
+                      </a:pPr>
+                      <a:r>
+                        <a:rPr lang="en-US" sz="1000">
+                          <a:effectLst/>
+                        </a:rPr>
+                        <a:t>Realiza</a:t>
+                      </a:r>
+                      <a:endParaRPr lang="pt-PT" sz="1000">
+                        <a:effectLst/>
+                        <a:latin typeface="Arial" panose="020B0604020202020204" pitchFamily="34" charset="0"/>
+                        <a:ea typeface="Times New Roman" panose="02020603050405020304" pitchFamily="18" charset="0"/>
+                      </a:endParaRPr>
+                    </a:p>
+                  </a:txBody>
+                  <a:tcPr marL="34925" marR="34925" marT="34925" marB="34925"/>
+                </a:tc>
+                <a:tc>
+                  <a:txBody>
+                    <a:bodyPr/>
+                    <a:lstStyle/>
+                    <a:p>
+                      <a:pPr algn="ctr">
+                        <a:lnSpc>
+                          <a:spcPct val="150000"/>
+                        </a:lnSpc>
+                      </a:pPr>
+                      <a:r>
+                        <a:rPr lang="en-US" sz="1000">
+                          <a:effectLst/>
+                        </a:rPr>
+                        <a:t>+9 900</a:t>
+                      </a:r>
+                      <a:endParaRPr lang="pt-PT" sz="1000">
+                        <a:effectLst/>
+                        <a:latin typeface="Arial" panose="020B0604020202020204" pitchFamily="34" charset="0"/>
+                        <a:ea typeface="Times New Roman" panose="02020603050405020304" pitchFamily="18" charset="0"/>
+                      </a:endParaRPr>
+                    </a:p>
+                  </a:txBody>
+                  <a:tcPr marL="34925" marR="34925" marT="34925" marB="34925"/>
+                </a:tc>
+                <a:tc>
+                  <a:txBody>
+                    <a:bodyPr/>
+                    <a:lstStyle/>
+                    <a:p>
+                      <a:pPr algn="ctr">
+                        <a:lnSpc>
+                          <a:spcPct val="150000"/>
+                        </a:lnSpc>
+                      </a:pPr>
+                      <a:r>
+                        <a:rPr lang="en-US" sz="1000">
+                          <a:effectLst/>
+                        </a:rPr>
+                        <a:t>79 200</a:t>
+                      </a:r>
+                      <a:endParaRPr lang="pt-PT" sz="1000">
+                        <a:effectLst/>
+                        <a:latin typeface="Arial" panose="020B0604020202020204" pitchFamily="34" charset="0"/>
+                        <a:ea typeface="Times New Roman" panose="02020603050405020304" pitchFamily="18" charset="0"/>
+                      </a:endParaRPr>
+                    </a:p>
+                  </a:txBody>
+                  <a:tcPr marL="34925" marR="34925" marT="34925" marB="34925"/>
+                </a:tc>
+                <a:extLst>
+                  <a:ext uri="{0D108BD9-81ED-4DB2-BD59-A6C34878D82A}">
+                    <a16:rowId xmlns:a16="http://schemas.microsoft.com/office/drawing/2014/main" val="2827672060"/>
+                  </a:ext>
+                </a:extLst>
+              </a:tr>
+              <a:tr h="270193">
+                <a:tc>
+                  <a:txBody>
+                    <a:bodyPr/>
+                    <a:lstStyle/>
+                    <a:p>
+                      <a:pPr algn="ctr">
+                        <a:lnSpc>
+                          <a:spcPct val="150000"/>
+                        </a:lnSpc>
+                      </a:pPr>
+                      <a:r>
+                        <a:rPr lang="en-US" sz="1000">
+                          <a:effectLst/>
+                        </a:rPr>
+                        <a:t>Total</a:t>
+                      </a:r>
+                      <a:endParaRPr lang="pt-PT" sz="1000">
+                        <a:effectLst/>
+                        <a:latin typeface="Arial" panose="020B0604020202020204" pitchFamily="34" charset="0"/>
+                        <a:ea typeface="Times New Roman" panose="02020603050405020304" pitchFamily="18" charset="0"/>
+                      </a:endParaRPr>
+                    </a:p>
+                  </a:txBody>
+                  <a:tcPr marL="34925" marR="34925" marT="34925" marB="34925"/>
+                </a:tc>
+                <a:tc>
+                  <a:txBody>
+                    <a:bodyPr/>
+                    <a:lstStyle/>
+                    <a:p>
+                      <a:pPr algn="ctr">
+                        <a:lnSpc>
+                          <a:spcPct val="150000"/>
+                        </a:lnSpc>
+                      </a:pPr>
+                      <a:r>
+                        <a:rPr lang="en-US" sz="1000">
+                          <a:effectLst/>
+                        </a:rPr>
+                        <a:t>-</a:t>
+                      </a:r>
+                      <a:endParaRPr lang="pt-PT" sz="1000">
+                        <a:effectLst/>
+                        <a:latin typeface="Arial" panose="020B0604020202020204" pitchFamily="34" charset="0"/>
+                        <a:ea typeface="Times New Roman" panose="02020603050405020304" pitchFamily="18" charset="0"/>
+                      </a:endParaRPr>
+                    </a:p>
+                  </a:txBody>
+                  <a:tcPr marL="34925" marR="34925" marT="34925" marB="34925"/>
+                </a:tc>
+                <a:tc>
+                  <a:txBody>
+                    <a:bodyPr/>
+                    <a:lstStyle/>
+                    <a:p>
+                      <a:pPr algn="ctr">
+                        <a:lnSpc>
+                          <a:spcPct val="150000"/>
+                        </a:lnSpc>
+                      </a:pPr>
+                      <a:r>
+                        <a:rPr lang="en-US" sz="1000" dirty="0">
+                          <a:effectLst/>
+                        </a:rPr>
+                        <a:t>+ 1 045 080</a:t>
+                      </a:r>
+                      <a:endParaRPr lang="pt-PT" sz="1000" dirty="0">
+                        <a:effectLst/>
+                        <a:latin typeface="Arial" panose="020B0604020202020204" pitchFamily="34" charset="0"/>
+                        <a:ea typeface="Times New Roman" panose="02020603050405020304" pitchFamily="18" charset="0"/>
+                      </a:endParaRPr>
+                    </a:p>
+                  </a:txBody>
+                  <a:tcPr marL="34925" marR="34925" marT="34925" marB="34925"/>
+                </a:tc>
+                <a:extLst>
+                  <a:ext uri="{0D108BD9-81ED-4DB2-BD59-A6C34878D82A}">
+                    <a16:rowId xmlns:a16="http://schemas.microsoft.com/office/drawing/2014/main" val="663687487"/>
+                  </a:ext>
+                </a:extLst>
+              </a:tr>
+            </a:tbl>
+          </a:graphicData>
+        </a:graphic>
+      </p:graphicFrame>
     </p:spTree>
     <p:extLst>
       <p:ext uri="{BB962C8B-B14F-4D97-AF65-F5344CB8AC3E}">
@@ -11415,6 +12632,117 @@
           </a:p>
         </p:txBody>
       </p:sp>
+      <p:sp>
+        <p:nvSpPr>
+          <p:cNvPr id="3" name="CaixaDeTexto 2">
+            <a:extLst>
+              <a:ext uri="{FF2B5EF4-FFF2-40B4-BE49-F238E27FC236}">
+                <a16:creationId xmlns:a16="http://schemas.microsoft.com/office/drawing/2014/main" id="{1F8932A4-1691-6FC7-7F5F-24C723757742}"/>
+              </a:ext>
+            </a:extLst>
+          </p:cNvPr>
+          <p:cNvSpPr txBox="1"/>
+          <p:nvPr/>
+        </p:nvSpPr>
+        <p:spPr>
+          <a:xfrm>
+            <a:off x="2968059" y="1791724"/>
+            <a:ext cx="6253842" cy="3274551"/>
+          </a:xfrm>
+          <a:prstGeom prst="rect">
+            <a:avLst/>
+          </a:prstGeom>
+          <a:noFill/>
+        </p:spPr>
+        <p:txBody>
+          <a:bodyPr wrap="square">
+            <a:spAutoFit/>
+          </a:bodyPr>
+          <a:lstStyle/>
+          <a:p>
+            <a:pPr algn="just">
+              <a:lnSpc>
+                <a:spcPct val="150000"/>
+              </a:lnSpc>
+            </a:pPr>
+            <a:r>
+              <a:rPr lang="pt-PT" sz="2000" dirty="0">
+                <a:effectLst/>
+                <a:latin typeface="Consolas" panose="020B0609020204030204" pitchFamily="49" charset="0"/>
+                <a:ea typeface="Times New Roman" panose="02020603050405020304" pitchFamily="18" charset="0"/>
+              </a:rPr>
+              <a:t>Como foi evidenciado nas tabelas, o espaço necessário mínimo para a primeira implementação da base de dados seria de 78,47 </a:t>
+            </a:r>
+            <a:r>
+              <a:rPr lang="pt-PT" sz="2000" dirty="0" err="1">
+                <a:effectLst/>
+                <a:latin typeface="Consolas" panose="020B0609020204030204" pitchFamily="49" charset="0"/>
+                <a:ea typeface="Times New Roman" panose="02020603050405020304" pitchFamily="18" charset="0"/>
+              </a:rPr>
+              <a:t>Kbytes</a:t>
+            </a:r>
+            <a:r>
+              <a:rPr lang="pt-PT" sz="2000" dirty="0">
+                <a:effectLst/>
+                <a:latin typeface="Consolas" panose="020B0609020204030204" pitchFamily="49" charset="0"/>
+                <a:ea typeface="Times New Roman" panose="02020603050405020304" pitchFamily="18" charset="0"/>
+              </a:rPr>
+              <a:t> ou 0,0766 </a:t>
+            </a:r>
+            <a:r>
+              <a:rPr lang="pt-PT" sz="2000" dirty="0" err="1">
+                <a:effectLst/>
+                <a:latin typeface="Consolas" panose="020B0609020204030204" pitchFamily="49" charset="0"/>
+                <a:ea typeface="Times New Roman" panose="02020603050405020304" pitchFamily="18" charset="0"/>
+              </a:rPr>
+              <a:t>Mbytes</a:t>
+            </a:r>
+            <a:r>
+              <a:rPr lang="pt-PT" sz="2000" dirty="0">
+                <a:effectLst/>
+                <a:latin typeface="Consolas" panose="020B0609020204030204" pitchFamily="49" charset="0"/>
+                <a:ea typeface="Times New Roman" panose="02020603050405020304" pitchFamily="18" charset="0"/>
+              </a:rPr>
+              <a:t>, com um crescimento no fim de quatro anos de 1200%, em que é traduzido por um aumento de 1020 </a:t>
+            </a:r>
+            <a:r>
+              <a:rPr lang="pt-PT" sz="2000" dirty="0" err="1">
+                <a:effectLst/>
+                <a:latin typeface="Consolas" panose="020B0609020204030204" pitchFamily="49" charset="0"/>
+                <a:ea typeface="Times New Roman" panose="02020603050405020304" pitchFamily="18" charset="0"/>
+              </a:rPr>
+              <a:t>Kbytes</a:t>
+            </a:r>
+            <a:r>
+              <a:rPr lang="pt-PT" sz="2000" dirty="0">
+                <a:effectLst/>
+                <a:latin typeface="Consolas" panose="020B0609020204030204" pitchFamily="49" charset="0"/>
+                <a:ea typeface="Times New Roman" panose="02020603050405020304" pitchFamily="18" charset="0"/>
+              </a:rPr>
+              <a:t> ou 0,997 </a:t>
+            </a:r>
+            <a:r>
+              <a:rPr lang="pt-PT" sz="2000" dirty="0" err="1">
+                <a:effectLst/>
+                <a:latin typeface="Consolas" panose="020B0609020204030204" pitchFamily="49" charset="0"/>
+                <a:ea typeface="Times New Roman" panose="02020603050405020304" pitchFamily="18" charset="0"/>
+              </a:rPr>
+              <a:t>Mbytes</a:t>
+            </a:r>
+            <a:r>
+              <a:rPr lang="pt-PT" sz="2000" dirty="0">
+                <a:effectLst/>
+                <a:latin typeface="Consolas" panose="020B0609020204030204" pitchFamily="49" charset="0"/>
+                <a:ea typeface="Times New Roman" panose="02020603050405020304" pitchFamily="18" charset="0"/>
+              </a:rPr>
+              <a:t>.</a:t>
+            </a:r>
+            <a:endParaRPr lang="pt-PT" sz="2000" dirty="0">
+              <a:latin typeface="Consolas" panose="020B0609020204030204" pitchFamily="49" charset="0"/>
+            </a:endParaRPr>
+          </a:p>
+        </p:txBody>
+      </p:sp>
     </p:spTree>
     <p:extLst>
       <p:ext uri="{BB962C8B-B14F-4D97-AF65-F5344CB8AC3E}">
@@ -11469,8 +12797,8 @@
         </p:nvSpPr>
         <p:spPr>
           <a:xfrm>
-            <a:off x="1525680" y="275040"/>
-            <a:ext cx="9141840" cy="1153080"/>
+            <a:off x="1381320" y="576563"/>
+            <a:ext cx="9427320" cy="829544"/>
           </a:xfrm>
           <a:prstGeom prst="rect">
             <a:avLst/>
@@ -11499,24 +12827,7 @@
                 </a:solidFill>
                 <a:latin typeface="Calibri"/>
               </a:rPr>
-              <a:t>Cálculo do espaço inicial da base de dados</a:t>
-            </a:r>
-            <a:br>
-              <a:rPr lang="pt-PT" sz="4000" b="0" strike="noStrike" spc="-1" dirty="0">
-                <a:solidFill>
-                  <a:srgbClr val="870F11"/>
-                </a:solidFill>
-                <a:latin typeface="Calibri"/>
-              </a:rPr>
-            </a:br>
-            <a:r>
-              <a:rPr lang="pt-PT" sz="4000" b="0" strike="noStrike" spc="-1" dirty="0">
-                <a:solidFill>
-                  <a:srgbClr val="870F11"/>
-                </a:solidFill>
-                <a:latin typeface="Calibri"/>
-              </a:rPr>
-              <a:t>e sua taxa de crescimento anual</a:t>
+              <a:t>Realização do povoamento da base de dados</a:t>
             </a:r>
             <a:endParaRPr lang="en-US" sz="4000" b="0" strike="noStrike" spc="-1" dirty="0">
               <a:latin typeface="Arial"/>
@@ -11732,6 +13043,101 @@
             <a:endParaRPr lang="en-US" sz="1600" b="0" strike="noStrike" spc="-1" dirty="0">
               <a:latin typeface="Arial"/>
             </a:endParaRPr>
+          </a:p>
+        </p:txBody>
+      </p:sp>
+      <p:sp>
+        <p:nvSpPr>
+          <p:cNvPr id="2" name="CaixaDeTexto 9">
+            <a:extLst>
+              <a:ext uri="{FF2B5EF4-FFF2-40B4-BE49-F238E27FC236}">
+                <a16:creationId xmlns:a16="http://schemas.microsoft.com/office/drawing/2014/main" id="{CD54DE45-2CCB-1EFB-3306-69B182ED65A4}"/>
+              </a:ext>
+            </a:extLst>
+          </p:cNvPr>
+          <p:cNvSpPr/>
+          <p:nvPr/>
+        </p:nvSpPr>
+        <p:spPr>
+          <a:xfrm>
+            <a:off x="1582740" y="1655023"/>
+            <a:ext cx="9024480" cy="4658091"/>
+          </a:xfrm>
+          <a:prstGeom prst="rect">
+            <a:avLst/>
+          </a:prstGeom>
+          <a:noFill/>
+          <a:ln w="0">
+            <a:noFill/>
+          </a:ln>
+        </p:spPr>
+        <p:style>
+          <a:lnRef idx="0">
+            <a:scrgbClr r="0" g="0" b="0"/>
+          </a:lnRef>
+          <a:fillRef idx="0">
+            <a:scrgbClr r="0" g="0" b="0"/>
+          </a:fillRef>
+          <a:effectRef idx="0">
+            <a:scrgbClr r="0" g="0" b="0"/>
+          </a:effectRef>
+          <a:fontRef idx="minor"/>
+        </p:style>
+        <p:txBody>
+          <a:bodyPr vertOverflow="overflow" horzOverflow="overflow" wrap="square" lIns="90000" tIns="45000" rIns="90000" bIns="45000" numCol="1" spcCol="0" anchor="t">
+            <a:spAutoFit/>
+          </a:bodyPr>
+          <a:lstStyle/>
+          <a:p>
+            <a:pPr marL="342900" indent="-342900" algn="just">
+              <a:lnSpc>
+                <a:spcPct val="150000"/>
+              </a:lnSpc>
+              <a:buFont typeface="Arial" panose="020B0604020202020204" pitchFamily="34" charset="0"/>
+              <a:buChar char="•"/>
+            </a:pPr>
+            <a:r>
+              <a:rPr lang="pt-PT" sz="2000" dirty="0">
+                <a:effectLst/>
+                <a:latin typeface="Consolas" panose="020B0609020204030204" pitchFamily="49" charset="0"/>
+                <a:ea typeface="Times New Roman" panose="02020603050405020304" pitchFamily="18" charset="0"/>
+              </a:rPr>
+              <a:t>Após a criação da estrutura de base de dados, avançamos para a fase de povoamento, onde serão inseridos manualmente os dados necessários para dar suporte às operações e análises previstas. </a:t>
+            </a:r>
+          </a:p>
+          <a:p>
+            <a:pPr marL="342900" indent="-342900" algn="just">
+              <a:lnSpc>
+                <a:spcPct val="150000"/>
+              </a:lnSpc>
+              <a:buFont typeface="Arial" panose="020B0604020202020204" pitchFamily="34" charset="0"/>
+              <a:buChar char="•"/>
+            </a:pPr>
+            <a:r>
+              <a:rPr lang="pt-PT" sz="2000" dirty="0">
+                <a:effectLst/>
+                <a:latin typeface="Consolas" panose="020B0609020204030204" pitchFamily="49" charset="0"/>
+                <a:ea typeface="Times New Roman" panose="02020603050405020304" pitchFamily="18" charset="0"/>
+              </a:rPr>
+              <a:t>Este passo será conduzido de forma criteriosa, respeitando as relações estabelecidas entre as tabelas e garantindo a consistência das informações.</a:t>
+            </a:r>
+          </a:p>
+          <a:p>
+            <a:pPr marL="342900" indent="-342900" algn="just">
+              <a:lnSpc>
+                <a:spcPct val="150000"/>
+              </a:lnSpc>
+              <a:buFont typeface="Arial" panose="020B0604020202020204" pitchFamily="34" charset="0"/>
+              <a:buChar char="•"/>
+            </a:pPr>
+            <a:r>
+              <a:rPr lang="pt-PT" sz="2000" dirty="0">
+                <a:effectLst/>
+                <a:latin typeface="Consolas" panose="020B0609020204030204" pitchFamily="49" charset="0"/>
+                <a:ea typeface="Times New Roman" panose="02020603050405020304" pitchFamily="18" charset="0"/>
+              </a:rPr>
+              <a:t>A seguir, detalhamos o processo de inserção de dados nas diferentes tabelas, seguindo uma ordem lógica que assegure a integridade referencial do sistema.</a:t>
+            </a:r>
           </a:p>
         </p:txBody>
       </p:sp>
@@ -11756,7 +13162,7 @@
         <p:cNvPr id="1" name="">
           <a:extLst>
             <a:ext uri="{FF2B5EF4-FFF2-40B4-BE49-F238E27FC236}">
-              <a16:creationId xmlns:a16="http://schemas.microsoft.com/office/drawing/2014/main" id="{8EA051DF-9370-6E1F-A966-FCFFF3AFAA4E}"/>
+              <a16:creationId xmlns:a16="http://schemas.microsoft.com/office/drawing/2014/main" id="{AC120F25-142F-7087-9B95-18911D1C060A}"/>
             </a:ext>
           </a:extLst>
         </p:cNvPr>
@@ -11773,10 +13179,10 @@
       </p:grpSpPr>
       <p:sp>
         <p:nvSpPr>
-          <p:cNvPr id="51" name="PlaceHolder 1">
+          <p:cNvPr id="56" name="PlaceHolder 1">
             <a:extLst>
               <a:ext uri="{FF2B5EF4-FFF2-40B4-BE49-F238E27FC236}">
-                <a16:creationId xmlns:a16="http://schemas.microsoft.com/office/drawing/2014/main" id="{F5167765-DEF6-8118-1BA0-EACD0A05728A}"/>
+                <a16:creationId xmlns:a16="http://schemas.microsoft.com/office/drawing/2014/main" id="{CED25CDD-3D5C-B997-ED41-6E7C36FC5143}"/>
               </a:ext>
             </a:extLst>
           </p:cNvPr>
@@ -11789,8 +13195,8 @@
         </p:nvSpPr>
         <p:spPr>
           <a:xfrm>
-            <a:off x="1525680" y="275040"/>
-            <a:ext cx="9141840" cy="1153080"/>
+            <a:off x="1381320" y="576563"/>
+            <a:ext cx="9427320" cy="829544"/>
           </a:xfrm>
           <a:prstGeom prst="rect">
             <a:avLst/>
@@ -11813,16 +13219,15 @@
               <a:buNone/>
             </a:pPr>
             <a:r>
-              <a:rPr lang="pt-PT" sz="4400" b="0" u="sng" strike="noStrike" spc="-1" dirty="0">
+              <a:rPr lang="pt-PT" sz="4000" b="0" strike="noStrike" spc="-1" dirty="0">
                 <a:solidFill>
                   <a:srgbClr val="870F11"/>
                 </a:solidFill>
-                <a:uFillTx/>
                 <a:latin typeface="Calibri"/>
               </a:rPr>
-              <a:t>Conclusão e Trabalho Futuro</a:t>
-            </a:r>
-            <a:endParaRPr lang="en-US" sz="4400" b="0" strike="noStrike" spc="-1" dirty="0">
+              <a:t>Realização do povoamento da base de dados</a:t>
+            </a:r>
+            <a:endParaRPr lang="en-US" sz="4000" b="0" strike="noStrike" spc="-1" dirty="0">
               <a:latin typeface="Arial"/>
             </a:endParaRPr>
           </a:p>
@@ -11830,10 +13235,10 @@
       </p:sp>
       <p:sp>
         <p:nvSpPr>
-          <p:cNvPr id="52" name="Retângulo 4">
+          <p:cNvPr id="57" name="Retângulo 4">
             <a:extLst>
               <a:ext uri="{FF2B5EF4-FFF2-40B4-BE49-F238E27FC236}">
-                <a16:creationId xmlns:a16="http://schemas.microsoft.com/office/drawing/2014/main" id="{69301A0B-E77F-3789-C9E4-6579746AE1F2}"/>
+                <a16:creationId xmlns:a16="http://schemas.microsoft.com/office/drawing/2014/main" id="{E6975E24-A9F7-C820-9C80-76B9992AB4E7}"/>
               </a:ext>
             </a:extLst>
           </p:cNvPr>
@@ -11881,10 +13286,10 @@
       </p:sp>
       <p:sp>
         <p:nvSpPr>
-          <p:cNvPr id="53" name="CaixaDeTexto 5">
+          <p:cNvPr id="58" name="CaixaDeTexto 5">
             <a:extLst>
               <a:ext uri="{FF2B5EF4-FFF2-40B4-BE49-F238E27FC236}">
-                <a16:creationId xmlns:a16="http://schemas.microsoft.com/office/drawing/2014/main" id="{9627A777-B39B-0638-8DF6-212D4B3F7B50}"/>
+                <a16:creationId xmlns:a16="http://schemas.microsoft.com/office/drawing/2014/main" id="{1AC95974-D346-7CBB-9754-306EC65E8EB9}"/>
               </a:ext>
             </a:extLst>
           </p:cNvPr>
@@ -11893,8 +13298,8 @@
         </p:nvSpPr>
         <p:spPr>
           <a:xfrm>
-            <a:off x="1814400" y="1845720"/>
-            <a:ext cx="6792840" cy="1598984"/>
+            <a:off x="1489680" y="1828800"/>
+            <a:ext cx="9024480" cy="829543"/>
           </a:xfrm>
           <a:prstGeom prst="rect">
             <a:avLst/>
@@ -11922,28 +13327,6 @@
           </a:bodyPr>
           <a:lstStyle/>
           <a:p>
-            <a:pPr>
-              <a:lnSpc>
-                <a:spcPct val="150000"/>
-              </a:lnSpc>
-              <a:buNone/>
-            </a:pPr>
-            <a:endParaRPr lang="en-US" sz="2000" b="0" strike="noStrike" spc="-1" dirty="0">
-              <a:latin typeface="Arial"/>
-            </a:endParaRPr>
-          </a:p>
-          <a:p>
-            <a:pPr>
-              <a:lnSpc>
-                <a:spcPct val="100000"/>
-              </a:lnSpc>
-              <a:buNone/>
-            </a:pPr>
-            <a:endParaRPr lang="en-US" sz="2000" b="0" strike="noStrike" spc="-1" dirty="0">
-              <a:latin typeface="Arial"/>
-            </a:endParaRPr>
-          </a:p>
-          <a:p>
             <a:pPr algn="ctr">
               <a:lnSpc>
                 <a:spcPct val="100000"/>
@@ -11969,10 +13352,10 @@
       </p:sp>
       <p:pic>
         <p:nvPicPr>
-          <p:cNvPr id="54" name="Imagem 3">
+          <p:cNvPr id="59" name="Imagem 3">
             <a:extLst>
               <a:ext uri="{FF2B5EF4-FFF2-40B4-BE49-F238E27FC236}">
-                <a16:creationId xmlns:a16="http://schemas.microsoft.com/office/drawing/2014/main" id="{6E7FEA2B-DBA8-4F6D-6745-525908B5D127}"/>
+                <a16:creationId xmlns:a16="http://schemas.microsoft.com/office/drawing/2014/main" id="{F5A5A07D-9B26-F254-7E71-EFF43E9746AD}"/>
               </a:ext>
             </a:extLst>
           </p:cNvPr>
@@ -11998,10 +13381,10 @@
       </p:pic>
       <p:sp>
         <p:nvSpPr>
-          <p:cNvPr id="55" name="CaixaDeTexto 3">
+          <p:cNvPr id="60" name="CaixaDeTexto 1">
             <a:extLst>
               <a:ext uri="{FF2B5EF4-FFF2-40B4-BE49-F238E27FC236}">
-                <a16:creationId xmlns:a16="http://schemas.microsoft.com/office/drawing/2014/main" id="{BF610D12-74BC-50E5-A694-277F36CC9E56}"/>
+                <a16:creationId xmlns:a16="http://schemas.microsoft.com/office/drawing/2014/main" id="{58EC395C-0359-40A5-BBC2-A777A060D8AE}"/>
               </a:ext>
             </a:extLst>
           </p:cNvPr>
@@ -12061,10 +13444,1333 @@
           </a:p>
         </p:txBody>
       </p:sp>
+      <p:sp>
+        <p:nvSpPr>
+          <p:cNvPr id="4" name="CaixaDeTexto 9">
+            <a:extLst>
+              <a:ext uri="{FF2B5EF4-FFF2-40B4-BE49-F238E27FC236}">
+                <a16:creationId xmlns:a16="http://schemas.microsoft.com/office/drawing/2014/main" id="{1003F9B9-1775-5B98-3422-ECE11B3FE3F5}"/>
+              </a:ext>
+            </a:extLst>
+          </p:cNvPr>
+          <p:cNvSpPr/>
+          <p:nvPr/>
+        </p:nvSpPr>
+        <p:spPr>
+          <a:xfrm>
+            <a:off x="1582740" y="1828800"/>
+            <a:ext cx="9024480" cy="3273097"/>
+          </a:xfrm>
+          <a:prstGeom prst="rect">
+            <a:avLst/>
+          </a:prstGeom>
+          <a:noFill/>
+          <a:ln w="0">
+            <a:noFill/>
+          </a:ln>
+        </p:spPr>
+        <p:style>
+          <a:lnRef idx="0">
+            <a:scrgbClr r="0" g="0" b="0"/>
+          </a:lnRef>
+          <a:fillRef idx="0">
+            <a:scrgbClr r="0" g="0" b="0"/>
+          </a:fillRef>
+          <a:effectRef idx="0">
+            <a:scrgbClr r="0" g="0" b="0"/>
+          </a:effectRef>
+          <a:fontRef idx="minor"/>
+        </p:style>
+        <p:txBody>
+          <a:bodyPr vertOverflow="overflow" horzOverflow="overflow" wrap="square" lIns="90000" tIns="45000" rIns="90000" bIns="45000" numCol="1" spcCol="0" anchor="t">
+            <a:spAutoFit/>
+          </a:bodyPr>
+          <a:lstStyle/>
+          <a:p>
+            <a:pPr marL="285750" indent="-285750" algn="just">
+              <a:lnSpc>
+                <a:spcPct val="150000"/>
+              </a:lnSpc>
+              <a:buFont typeface="Arial" panose="020B0604020202020204" pitchFamily="34" charset="0"/>
+              <a:buChar char="•"/>
+            </a:pPr>
+            <a:r>
+              <a:rPr lang="pt-PT" sz="2000" dirty="0">
+                <a:effectLst/>
+                <a:latin typeface="Consolas" panose="020B0609020204030204" pitchFamily="49" charset="0"/>
+                <a:ea typeface="Times New Roman" panose="02020603050405020304" pitchFamily="18" charset="0"/>
+              </a:rPr>
+              <a:t>O preenchimento dos dados precisa seguir a mesma ordem da criação das tabelas, ou seja iniciaremos com o povoamento das tabelas Competição e Tipo.</a:t>
+            </a:r>
+          </a:p>
+          <a:p>
+            <a:pPr marL="285750" indent="-285750" algn="just">
+              <a:lnSpc>
+                <a:spcPct val="150000"/>
+              </a:lnSpc>
+              <a:buFont typeface="Arial" panose="020B0604020202020204" pitchFamily="34" charset="0"/>
+              <a:buChar char="•"/>
+            </a:pPr>
+            <a:r>
+              <a:rPr lang="pt-PT" sz="2000" dirty="0">
+                <a:effectLst/>
+                <a:latin typeface="Consolas" panose="020B0609020204030204" pitchFamily="49" charset="0"/>
+                <a:ea typeface="Times New Roman" panose="02020603050405020304" pitchFamily="18" charset="0"/>
+              </a:rPr>
+              <a:t>Ao iniciar um conjunto base com estas tabelas, garantimos:</a:t>
+            </a:r>
+          </a:p>
+          <a:p>
+            <a:pPr marL="742950" lvl="1" indent="-285750" algn="just">
+              <a:lnSpc>
+                <a:spcPct val="150000"/>
+              </a:lnSpc>
+              <a:buFont typeface="Arial" panose="020B0604020202020204" pitchFamily="34" charset="0"/>
+              <a:buChar char="•"/>
+            </a:pPr>
+            <a:r>
+              <a:rPr lang="pt-PT" sz="2000" dirty="0">
+                <a:effectLst/>
+                <a:latin typeface="Consolas" panose="020B0609020204030204" pitchFamily="49" charset="0"/>
+                <a:ea typeface="Times New Roman" panose="02020603050405020304" pitchFamily="18" charset="0"/>
+              </a:rPr>
+              <a:t>um sistema estável e consistente, permitindo que outras tabelas sejam públicas regularmente</a:t>
+            </a:r>
+          </a:p>
+          <a:p>
+            <a:pPr marL="742950" lvl="1" indent="-285750" algn="just">
+              <a:lnSpc>
+                <a:spcPct val="150000"/>
+              </a:lnSpc>
+              <a:buFont typeface="Arial" panose="020B0604020202020204" pitchFamily="34" charset="0"/>
+              <a:buChar char="•"/>
+            </a:pPr>
+            <a:r>
+              <a:rPr lang="pt-PT" sz="2000" dirty="0">
+                <a:effectLst/>
+                <a:latin typeface="Consolas" panose="020B0609020204030204" pitchFamily="49" charset="0"/>
+                <a:ea typeface="Times New Roman" panose="02020603050405020304" pitchFamily="18" charset="0"/>
+              </a:rPr>
+              <a:t>evitando problemas de compatibilidade.</a:t>
+            </a:r>
+          </a:p>
+        </p:txBody>
+      </p:sp>
     </p:spTree>
     <p:extLst>
       <p:ext uri="{BB962C8B-B14F-4D97-AF65-F5344CB8AC3E}">
-        <p14:creationId xmlns:p14="http://schemas.microsoft.com/office/powerpoint/2010/main" val="106293796"/>
+        <p14:creationId xmlns:p14="http://schemas.microsoft.com/office/powerpoint/2010/main" val="1661444373"/>
+      </p:ext>
+    </p:extLst>
+  </p:cSld>
+  <p:clrMapOvr>
+    <a:masterClrMapping/>
+  </p:clrMapOvr>
+</p:sld>
+</file>
+
+<file path=ppt/slides/slide27.xml><?xml version="1.0" encoding="utf-8"?>
+<p:sld xmlns:a="http://schemas.openxmlformats.org/drawingml/2006/main" xmlns:r="http://schemas.openxmlformats.org/officeDocument/2006/relationships" xmlns:p="http://schemas.openxmlformats.org/presentationml/2006/main" show="0">
+  <p:cSld>
+    <p:spTree>
+      <p:nvGrpSpPr>
+        <p:cNvPr id="1" name="">
+          <a:extLst>
+            <a:ext uri="{FF2B5EF4-FFF2-40B4-BE49-F238E27FC236}">
+              <a16:creationId xmlns:a16="http://schemas.microsoft.com/office/drawing/2014/main" id="{22603ACC-32C6-B7C4-C1BE-B10ABDA50BB1}"/>
+            </a:ext>
+          </a:extLst>
+        </p:cNvPr>
+        <p:cNvGrpSpPr/>
+        <p:nvPr/>
+      </p:nvGrpSpPr>
+      <p:grpSpPr>
+        <a:xfrm>
+          <a:off x="0" y="0"/>
+          <a:ext cx="0" cy="0"/>
+          <a:chOff x="0" y="0"/>
+          <a:chExt cx="0" cy="0"/>
+        </a:xfrm>
+      </p:grpSpPr>
+      <p:sp>
+        <p:nvSpPr>
+          <p:cNvPr id="56" name="PlaceHolder 1">
+            <a:extLst>
+              <a:ext uri="{FF2B5EF4-FFF2-40B4-BE49-F238E27FC236}">
+                <a16:creationId xmlns:a16="http://schemas.microsoft.com/office/drawing/2014/main" id="{0C1A8671-9FFA-46B4-74FA-483754A938FF}"/>
+              </a:ext>
+            </a:extLst>
+          </p:cNvPr>
+          <p:cNvSpPr>
+            <a:spLocks noGrp="1"/>
+          </p:cNvSpPr>
+          <p:nvPr>
+            <p:ph type="title"/>
+          </p:nvPr>
+        </p:nvSpPr>
+        <p:spPr>
+          <a:xfrm>
+            <a:off x="1381320" y="576563"/>
+            <a:ext cx="9427320" cy="829544"/>
+          </a:xfrm>
+          <a:prstGeom prst="rect">
+            <a:avLst/>
+          </a:prstGeom>
+          <a:noFill/>
+          <a:ln w="0">
+            <a:noFill/>
+          </a:ln>
+        </p:spPr>
+        <p:txBody>
+          <a:bodyPr lIns="0" tIns="0" rIns="0" bIns="0" anchor="b">
+            <a:noAutofit/>
+          </a:bodyPr>
+          <a:lstStyle/>
+          <a:p>
+            <a:pPr algn="ctr">
+              <a:lnSpc>
+                <a:spcPct val="90000"/>
+              </a:lnSpc>
+              <a:buNone/>
+            </a:pPr>
+            <a:r>
+              <a:rPr lang="pt-PT" sz="4000" b="0" strike="noStrike" spc="-1" dirty="0">
+                <a:solidFill>
+                  <a:srgbClr val="870F11"/>
+                </a:solidFill>
+                <a:latin typeface="Calibri"/>
+              </a:rPr>
+              <a:t>Realização do povoamento da base de dados</a:t>
+            </a:r>
+            <a:endParaRPr lang="en-US" sz="4000" b="0" strike="noStrike" spc="-1" dirty="0">
+              <a:latin typeface="Arial"/>
+            </a:endParaRPr>
+          </a:p>
+        </p:txBody>
+      </p:sp>
+      <p:sp>
+        <p:nvSpPr>
+          <p:cNvPr id="57" name="Retângulo 4">
+            <a:extLst>
+              <a:ext uri="{FF2B5EF4-FFF2-40B4-BE49-F238E27FC236}">
+                <a16:creationId xmlns:a16="http://schemas.microsoft.com/office/drawing/2014/main" id="{6671C18A-7FCB-422C-3818-E585B2E26A0F}"/>
+              </a:ext>
+            </a:extLst>
+          </p:cNvPr>
+          <p:cNvSpPr/>
+          <p:nvPr/>
+        </p:nvSpPr>
+        <p:spPr>
+          <a:xfrm>
+            <a:off x="0" y="6233760"/>
+            <a:ext cx="12189960" cy="622080"/>
+          </a:xfrm>
+          <a:prstGeom prst="rect">
+            <a:avLst/>
+          </a:prstGeom>
+          <a:solidFill>
+            <a:srgbClr val="870F11"/>
+          </a:solidFill>
+          <a:ln>
+            <a:solidFill>
+              <a:srgbClr val="870F11"/>
+            </a:solidFill>
+          </a:ln>
+        </p:spPr>
+        <p:style>
+          <a:lnRef idx="2">
+            <a:schemeClr val="accent1">
+              <a:shade val="50000"/>
+            </a:schemeClr>
+          </a:lnRef>
+          <a:fillRef idx="1">
+            <a:schemeClr val="accent1"/>
+          </a:fillRef>
+          <a:effectRef idx="0">
+            <a:schemeClr val="accent1"/>
+          </a:effectRef>
+          <a:fontRef idx="minor"/>
+        </p:style>
+        <p:txBody>
+          <a:bodyPr/>
+          <a:lstStyle/>
+          <a:p>
+            <a:endParaRPr lang="pt-PT"/>
+          </a:p>
+        </p:txBody>
+      </p:sp>
+      <p:sp>
+        <p:nvSpPr>
+          <p:cNvPr id="58" name="CaixaDeTexto 5">
+            <a:extLst>
+              <a:ext uri="{FF2B5EF4-FFF2-40B4-BE49-F238E27FC236}">
+                <a16:creationId xmlns:a16="http://schemas.microsoft.com/office/drawing/2014/main" id="{2E62E0EA-FBB6-85D3-25A0-F7CB349CFA76}"/>
+              </a:ext>
+            </a:extLst>
+          </p:cNvPr>
+          <p:cNvSpPr/>
+          <p:nvPr/>
+        </p:nvSpPr>
+        <p:spPr>
+          <a:xfrm>
+            <a:off x="1489680" y="1828800"/>
+            <a:ext cx="9024480" cy="829543"/>
+          </a:xfrm>
+          <a:prstGeom prst="rect">
+            <a:avLst/>
+          </a:prstGeom>
+          <a:noFill/>
+          <a:ln w="0">
+            <a:noFill/>
+          </a:ln>
+        </p:spPr>
+        <p:style>
+          <a:lnRef idx="0">
+            <a:scrgbClr r="0" g="0" b="0"/>
+          </a:lnRef>
+          <a:fillRef idx="0">
+            <a:scrgbClr r="0" g="0" b="0"/>
+          </a:fillRef>
+          <a:effectRef idx="0">
+            <a:scrgbClr r="0" g="0" b="0"/>
+          </a:effectRef>
+          <a:fontRef idx="minor"/>
+        </p:style>
+        <p:txBody>
+          <a:bodyPr vertOverflow="overflow" horzOverflow="overflow" lIns="90000" tIns="45000" rIns="90000" bIns="45000" numCol="1" spcCol="0" anchor="t">
+            <a:spAutoFit/>
+          </a:bodyPr>
+          <a:lstStyle/>
+          <a:p>
+            <a:pPr algn="ctr">
+              <a:lnSpc>
+                <a:spcPct val="100000"/>
+              </a:lnSpc>
+              <a:buNone/>
+            </a:pPr>
+            <a:endParaRPr lang="en-US" sz="2400" b="0" strike="noStrike" spc="-1" dirty="0">
+              <a:latin typeface="Arial"/>
+            </a:endParaRPr>
+          </a:p>
+          <a:p>
+            <a:pPr algn="ctr">
+              <a:lnSpc>
+                <a:spcPct val="100000"/>
+              </a:lnSpc>
+              <a:buNone/>
+            </a:pPr>
+            <a:endParaRPr lang="en-US" sz="2400" b="0" strike="noStrike" spc="-1" dirty="0">
+              <a:latin typeface="Arial"/>
+            </a:endParaRPr>
+          </a:p>
+        </p:txBody>
+      </p:sp>
+      <p:pic>
+        <p:nvPicPr>
+          <p:cNvPr id="59" name="Imagem 3">
+            <a:extLst>
+              <a:ext uri="{FF2B5EF4-FFF2-40B4-BE49-F238E27FC236}">
+                <a16:creationId xmlns:a16="http://schemas.microsoft.com/office/drawing/2014/main" id="{4A3396C5-5594-C421-AC65-8FDA3C8B2E9C}"/>
+              </a:ext>
+            </a:extLst>
+          </p:cNvPr>
+          <p:cNvPicPr/>
+          <p:nvPr/>
+        </p:nvPicPr>
+        <p:blipFill>
+          <a:blip r:embed="rId2"/>
+          <a:stretch/>
+        </p:blipFill>
+        <p:spPr>
+          <a:xfrm>
+            <a:off x="3240" y="6261480"/>
+            <a:ext cx="1236960" cy="709200"/>
+          </a:xfrm>
+          <a:prstGeom prst="rect">
+            <a:avLst/>
+          </a:prstGeom>
+          <a:ln w="0">
+            <a:noFill/>
+          </a:ln>
+        </p:spPr>
+      </p:pic>
+      <p:sp>
+        <p:nvSpPr>
+          <p:cNvPr id="60" name="CaixaDeTexto 1">
+            <a:extLst>
+              <a:ext uri="{FF2B5EF4-FFF2-40B4-BE49-F238E27FC236}">
+                <a16:creationId xmlns:a16="http://schemas.microsoft.com/office/drawing/2014/main" id="{88CE43D7-BEB3-6276-9BAC-96CA1FAAA183}"/>
+              </a:ext>
+            </a:extLst>
+          </p:cNvPr>
+          <p:cNvSpPr/>
+          <p:nvPr/>
+        </p:nvSpPr>
+        <p:spPr>
+          <a:xfrm>
+            <a:off x="6629400" y="6362640"/>
+            <a:ext cx="5855760" cy="337100"/>
+          </a:xfrm>
+          <a:prstGeom prst="rect">
+            <a:avLst/>
+          </a:prstGeom>
+          <a:noFill/>
+          <a:ln w="0">
+            <a:noFill/>
+          </a:ln>
+        </p:spPr>
+        <p:style>
+          <a:lnRef idx="0">
+            <a:scrgbClr r="0" g="0" b="0"/>
+          </a:lnRef>
+          <a:fillRef idx="0">
+            <a:scrgbClr r="0" g="0" b="0"/>
+          </a:fillRef>
+          <a:effectRef idx="0">
+            <a:scrgbClr r="0" g="0" b="0"/>
+          </a:effectRef>
+          <a:fontRef idx="minor"/>
+        </p:style>
+        <p:txBody>
+          <a:bodyPr vertOverflow="overflow" horzOverflow="overflow" lIns="90000" tIns="45000" rIns="90000" bIns="45000" numCol="1" spcCol="0" anchor="t">
+            <a:spAutoFit/>
+          </a:bodyPr>
+          <a:lstStyle/>
+          <a:p>
+            <a:pPr>
+              <a:lnSpc>
+                <a:spcPct val="100000"/>
+              </a:lnSpc>
+              <a:buNone/>
+            </a:pPr>
+            <a:r>
+              <a:rPr lang="pt-PT" sz="1600" b="0" strike="noStrike" spc="-1" dirty="0">
+                <a:solidFill>
+                  <a:srgbClr val="FFFFFF"/>
+                </a:solidFill>
+                <a:latin typeface="Calibri"/>
+                <a:ea typeface="DejaVu Sans"/>
+              </a:rPr>
+              <a:t>Bases de Dados – Jogos Olímpicos   |   Parte 2 - Grupo 8</a:t>
+            </a:r>
+            <a:endParaRPr lang="en-US" sz="1600" b="0" strike="noStrike" spc="-1" dirty="0">
+              <a:latin typeface="Arial"/>
+            </a:endParaRPr>
+          </a:p>
+        </p:txBody>
+      </p:sp>
+      <p:pic>
+        <p:nvPicPr>
+          <p:cNvPr id="10242" name="Picture 2">
+            <a:extLst>
+              <a:ext uri="{FF2B5EF4-FFF2-40B4-BE49-F238E27FC236}">
+                <a16:creationId xmlns:a16="http://schemas.microsoft.com/office/drawing/2014/main" id="{80596567-30B1-1C39-8AA1-B63A5DD3F64C}"/>
+              </a:ext>
+            </a:extLst>
+          </p:cNvPr>
+          <p:cNvPicPr>
+            <a:picLocks noChangeAspect="1" noChangeArrowheads="1"/>
+          </p:cNvPicPr>
+          <p:nvPr/>
+        </p:nvPicPr>
+        <p:blipFill>
+          <a:blip r:embed="rId3">
+            <a:extLst>
+              <a:ext uri="{28A0092B-C50C-407E-A947-70E740481C1C}">
+                <a14:useLocalDpi xmlns:a14="http://schemas.microsoft.com/office/drawing/2010/main" val="0"/>
+              </a:ext>
+            </a:extLst>
+          </a:blip>
+          <a:srcRect l="-9" t="-18" r="-9" b="-18"/>
+          <a:stretch>
+            <a:fillRect/>
+          </a:stretch>
+        </p:blipFill>
+        <p:spPr bwMode="auto">
+          <a:xfrm>
+            <a:off x="2991406" y="1909788"/>
+            <a:ext cx="6207148" cy="3038423"/>
+          </a:xfrm>
+          <a:prstGeom prst="rect">
+            <a:avLst/>
+          </a:prstGeom>
+          <a:ln w="38100" cap="sq">
+            <a:solidFill>
+              <a:srgbClr val="000000"/>
+            </a:solidFill>
+            <a:prstDash val="solid"/>
+            <a:miter lim="800000"/>
+          </a:ln>
+          <a:effectLst>
+            <a:outerShdw blurRad="50800" dist="38100" dir="2700000" algn="tl" rotWithShape="0">
+              <a:srgbClr val="000000">
+                <a:alpha val="43000"/>
+              </a:srgbClr>
+            </a:outerShdw>
+          </a:effectLst>
+          <a:extLst>
+            <a:ext uri="{91240B29-F687-4F45-9708-019B960494DF}">
+              <a14:hiddenLine xmlns:a14="http://schemas.microsoft.com/office/drawing/2010/main" w="9525">
+                <a:solidFill>
+                  <a:srgbClr val="000000"/>
+                </a:solidFill>
+                <a:miter lim="800000"/>
+                <a:headEnd/>
+                <a:tailEnd/>
+              </a14:hiddenLine>
+            </a:ext>
+          </a:extLst>
+        </p:spPr>
+      </p:pic>
+    </p:spTree>
+    <p:extLst>
+      <p:ext uri="{BB962C8B-B14F-4D97-AF65-F5344CB8AC3E}">
+        <p14:creationId xmlns:p14="http://schemas.microsoft.com/office/powerpoint/2010/main" val="270399567"/>
+      </p:ext>
+    </p:extLst>
+  </p:cSld>
+  <p:clrMapOvr>
+    <a:masterClrMapping/>
+  </p:clrMapOvr>
+</p:sld>
+</file>
+
+<file path=ppt/slides/slide28.xml><?xml version="1.0" encoding="utf-8"?>
+<p:sld xmlns:a="http://schemas.openxmlformats.org/drawingml/2006/main" xmlns:r="http://schemas.openxmlformats.org/officeDocument/2006/relationships" xmlns:p="http://schemas.openxmlformats.org/presentationml/2006/main" show="0">
+  <p:cSld>
+    <p:spTree>
+      <p:nvGrpSpPr>
+        <p:cNvPr id="1" name="">
+          <a:extLst>
+            <a:ext uri="{FF2B5EF4-FFF2-40B4-BE49-F238E27FC236}">
+              <a16:creationId xmlns:a16="http://schemas.microsoft.com/office/drawing/2014/main" id="{91A17F26-F19D-F84C-15D8-BE31E795FC0F}"/>
+            </a:ext>
+          </a:extLst>
+        </p:cNvPr>
+        <p:cNvGrpSpPr/>
+        <p:nvPr/>
+      </p:nvGrpSpPr>
+      <p:grpSpPr>
+        <a:xfrm>
+          <a:off x="0" y="0"/>
+          <a:ext cx="0" cy="0"/>
+          <a:chOff x="0" y="0"/>
+          <a:chExt cx="0" cy="0"/>
+        </a:xfrm>
+      </p:grpSpPr>
+      <p:sp>
+        <p:nvSpPr>
+          <p:cNvPr id="56" name="PlaceHolder 1">
+            <a:extLst>
+              <a:ext uri="{FF2B5EF4-FFF2-40B4-BE49-F238E27FC236}">
+                <a16:creationId xmlns:a16="http://schemas.microsoft.com/office/drawing/2014/main" id="{12E4286C-506D-0CD3-AD53-191E98379652}"/>
+              </a:ext>
+            </a:extLst>
+          </p:cNvPr>
+          <p:cNvSpPr>
+            <a:spLocks noGrp="1"/>
+          </p:cNvSpPr>
+          <p:nvPr>
+            <p:ph type="title"/>
+          </p:nvPr>
+        </p:nvSpPr>
+        <p:spPr>
+          <a:xfrm>
+            <a:off x="1381320" y="576563"/>
+            <a:ext cx="9427320" cy="829544"/>
+          </a:xfrm>
+          <a:prstGeom prst="rect">
+            <a:avLst/>
+          </a:prstGeom>
+          <a:noFill/>
+          <a:ln w="0">
+            <a:noFill/>
+          </a:ln>
+        </p:spPr>
+        <p:txBody>
+          <a:bodyPr lIns="0" tIns="0" rIns="0" bIns="0" anchor="b">
+            <a:noAutofit/>
+          </a:bodyPr>
+          <a:lstStyle/>
+          <a:p>
+            <a:pPr algn="ctr">
+              <a:lnSpc>
+                <a:spcPct val="90000"/>
+              </a:lnSpc>
+              <a:buNone/>
+            </a:pPr>
+            <a:r>
+              <a:rPr lang="pt-PT" sz="4000" b="0" strike="noStrike" spc="-1" dirty="0">
+                <a:solidFill>
+                  <a:srgbClr val="870F11"/>
+                </a:solidFill>
+                <a:latin typeface="Calibri"/>
+              </a:rPr>
+              <a:t>Realização do povoamento da base de dados</a:t>
+            </a:r>
+            <a:endParaRPr lang="en-US" sz="4000" b="0" strike="noStrike" spc="-1" dirty="0">
+              <a:latin typeface="Arial"/>
+            </a:endParaRPr>
+          </a:p>
+        </p:txBody>
+      </p:sp>
+      <p:sp>
+        <p:nvSpPr>
+          <p:cNvPr id="57" name="Retângulo 4">
+            <a:extLst>
+              <a:ext uri="{FF2B5EF4-FFF2-40B4-BE49-F238E27FC236}">
+                <a16:creationId xmlns:a16="http://schemas.microsoft.com/office/drawing/2014/main" id="{29832E5F-C15E-4F7A-79A3-8501A471A611}"/>
+              </a:ext>
+            </a:extLst>
+          </p:cNvPr>
+          <p:cNvSpPr/>
+          <p:nvPr/>
+        </p:nvSpPr>
+        <p:spPr>
+          <a:xfrm>
+            <a:off x="0" y="6233760"/>
+            <a:ext cx="12189960" cy="622080"/>
+          </a:xfrm>
+          <a:prstGeom prst="rect">
+            <a:avLst/>
+          </a:prstGeom>
+          <a:solidFill>
+            <a:srgbClr val="870F11"/>
+          </a:solidFill>
+          <a:ln>
+            <a:solidFill>
+              <a:srgbClr val="870F11"/>
+            </a:solidFill>
+          </a:ln>
+        </p:spPr>
+        <p:style>
+          <a:lnRef idx="2">
+            <a:schemeClr val="accent1">
+              <a:shade val="50000"/>
+            </a:schemeClr>
+          </a:lnRef>
+          <a:fillRef idx="1">
+            <a:schemeClr val="accent1"/>
+          </a:fillRef>
+          <a:effectRef idx="0">
+            <a:schemeClr val="accent1"/>
+          </a:effectRef>
+          <a:fontRef idx="minor"/>
+        </p:style>
+        <p:txBody>
+          <a:bodyPr/>
+          <a:lstStyle/>
+          <a:p>
+            <a:endParaRPr lang="pt-PT"/>
+          </a:p>
+        </p:txBody>
+      </p:sp>
+      <p:pic>
+        <p:nvPicPr>
+          <p:cNvPr id="59" name="Imagem 3">
+            <a:extLst>
+              <a:ext uri="{FF2B5EF4-FFF2-40B4-BE49-F238E27FC236}">
+                <a16:creationId xmlns:a16="http://schemas.microsoft.com/office/drawing/2014/main" id="{E8C6CD50-64CA-B4B3-E860-F5FB7ABF5E6C}"/>
+              </a:ext>
+            </a:extLst>
+          </p:cNvPr>
+          <p:cNvPicPr/>
+          <p:nvPr/>
+        </p:nvPicPr>
+        <p:blipFill>
+          <a:blip r:embed="rId2"/>
+          <a:stretch/>
+        </p:blipFill>
+        <p:spPr>
+          <a:xfrm>
+            <a:off x="3240" y="6261480"/>
+            <a:ext cx="1236960" cy="709200"/>
+          </a:xfrm>
+          <a:prstGeom prst="rect">
+            <a:avLst/>
+          </a:prstGeom>
+          <a:ln w="0">
+            <a:noFill/>
+          </a:ln>
+        </p:spPr>
+      </p:pic>
+      <p:sp>
+        <p:nvSpPr>
+          <p:cNvPr id="60" name="CaixaDeTexto 1">
+            <a:extLst>
+              <a:ext uri="{FF2B5EF4-FFF2-40B4-BE49-F238E27FC236}">
+                <a16:creationId xmlns:a16="http://schemas.microsoft.com/office/drawing/2014/main" id="{CE02FEEA-9170-9258-035C-2805F0549F92}"/>
+              </a:ext>
+            </a:extLst>
+          </p:cNvPr>
+          <p:cNvSpPr/>
+          <p:nvPr/>
+        </p:nvSpPr>
+        <p:spPr>
+          <a:xfrm>
+            <a:off x="6629400" y="6362640"/>
+            <a:ext cx="5855760" cy="337100"/>
+          </a:xfrm>
+          <a:prstGeom prst="rect">
+            <a:avLst/>
+          </a:prstGeom>
+          <a:noFill/>
+          <a:ln w="0">
+            <a:noFill/>
+          </a:ln>
+        </p:spPr>
+        <p:style>
+          <a:lnRef idx="0">
+            <a:scrgbClr r="0" g="0" b="0"/>
+          </a:lnRef>
+          <a:fillRef idx="0">
+            <a:scrgbClr r="0" g="0" b="0"/>
+          </a:fillRef>
+          <a:effectRef idx="0">
+            <a:scrgbClr r="0" g="0" b="0"/>
+          </a:effectRef>
+          <a:fontRef idx="minor"/>
+        </p:style>
+        <p:txBody>
+          <a:bodyPr vertOverflow="overflow" horzOverflow="overflow" lIns="90000" tIns="45000" rIns="90000" bIns="45000" numCol="1" spcCol="0" anchor="t">
+            <a:spAutoFit/>
+          </a:bodyPr>
+          <a:lstStyle/>
+          <a:p>
+            <a:pPr>
+              <a:lnSpc>
+                <a:spcPct val="100000"/>
+              </a:lnSpc>
+              <a:buNone/>
+            </a:pPr>
+            <a:r>
+              <a:rPr lang="pt-PT" sz="1600" b="0" strike="noStrike" spc="-1" dirty="0">
+                <a:solidFill>
+                  <a:srgbClr val="FFFFFF"/>
+                </a:solidFill>
+                <a:latin typeface="Calibri"/>
+                <a:ea typeface="DejaVu Sans"/>
+              </a:rPr>
+              <a:t>Bases de Dados – Jogos Olímpicos   |   Parte 2 - Grupo 8</a:t>
+            </a:r>
+            <a:endParaRPr lang="en-US" sz="1600" b="0" strike="noStrike" spc="-1" dirty="0">
+              <a:latin typeface="Arial"/>
+            </a:endParaRPr>
+          </a:p>
+        </p:txBody>
+      </p:sp>
+      <p:pic>
+        <p:nvPicPr>
+          <p:cNvPr id="11266" name="Picture 2">
+            <a:extLst>
+              <a:ext uri="{FF2B5EF4-FFF2-40B4-BE49-F238E27FC236}">
+                <a16:creationId xmlns:a16="http://schemas.microsoft.com/office/drawing/2014/main" id="{DE657A32-71E0-D5AD-F875-A288C084EF10}"/>
+              </a:ext>
+            </a:extLst>
+          </p:cNvPr>
+          <p:cNvPicPr>
+            <a:picLocks noChangeAspect="1" noChangeArrowheads="1"/>
+          </p:cNvPicPr>
+          <p:nvPr/>
+        </p:nvPicPr>
+        <p:blipFill rotWithShape="1">
+          <a:blip r:embed="rId3">
+            <a:extLst>
+              <a:ext uri="{28A0092B-C50C-407E-A947-70E740481C1C}">
+                <a14:useLocalDpi xmlns:a14="http://schemas.microsoft.com/office/drawing/2010/main" val="0"/>
+              </a:ext>
+            </a:extLst>
+          </a:blip>
+          <a:srcRect l="-12" t="-12" r="12136" b="68680"/>
+          <a:stretch/>
+        </p:blipFill>
+        <p:spPr bwMode="auto">
+          <a:xfrm>
+            <a:off x="1528277" y="2074056"/>
+            <a:ext cx="4131129" cy="1616135"/>
+          </a:xfrm>
+          <a:prstGeom prst="rect">
+            <a:avLst/>
+          </a:prstGeom>
+          <a:ln w="38100" cap="sq">
+            <a:solidFill>
+              <a:srgbClr val="000000"/>
+            </a:solidFill>
+            <a:prstDash val="solid"/>
+            <a:miter lim="800000"/>
+          </a:ln>
+          <a:effectLst>
+            <a:outerShdw blurRad="50800" dist="38100" dir="2700000" algn="tl" rotWithShape="0">
+              <a:srgbClr val="000000">
+                <a:alpha val="43000"/>
+              </a:srgbClr>
+            </a:outerShdw>
+          </a:effectLst>
+          <a:extLst>
+            <a:ext uri="{91240B29-F687-4F45-9708-019B960494DF}">
+              <a14:hiddenLine xmlns:a14="http://schemas.microsoft.com/office/drawing/2010/main" w="9525">
+                <a:solidFill>
+                  <a:srgbClr val="000000"/>
+                </a:solidFill>
+                <a:miter lim="800000"/>
+                <a:headEnd/>
+                <a:tailEnd/>
+              </a14:hiddenLine>
+            </a:ext>
+          </a:extLst>
+        </p:spPr>
+      </p:pic>
+      <p:pic>
+        <p:nvPicPr>
+          <p:cNvPr id="11267" name="Picture 3">
+            <a:extLst>
+              <a:ext uri="{FF2B5EF4-FFF2-40B4-BE49-F238E27FC236}">
+                <a16:creationId xmlns:a16="http://schemas.microsoft.com/office/drawing/2014/main" id="{1231B61F-19D2-F21A-9BDA-27FBC6C99A71}"/>
+              </a:ext>
+            </a:extLst>
+          </p:cNvPr>
+          <p:cNvPicPr>
+            <a:picLocks noChangeAspect="1" noChangeArrowheads="1"/>
+          </p:cNvPicPr>
+          <p:nvPr/>
+        </p:nvPicPr>
+        <p:blipFill rotWithShape="1">
+          <a:blip r:embed="rId3">
+            <a:extLst>
+              <a:ext uri="{28A0092B-C50C-407E-A947-70E740481C1C}">
+                <a14:useLocalDpi xmlns:a14="http://schemas.microsoft.com/office/drawing/2010/main" val="0"/>
+              </a:ext>
+            </a:extLst>
+          </a:blip>
+          <a:srcRect l="2235" t="32236" r="28084" b="35096"/>
+          <a:stretch/>
+        </p:blipFill>
+        <p:spPr bwMode="auto">
+          <a:xfrm>
+            <a:off x="4530907" y="2882124"/>
+            <a:ext cx="3275746" cy="1685058"/>
+          </a:xfrm>
+          <a:prstGeom prst="rect">
+            <a:avLst/>
+          </a:prstGeom>
+          <a:ln w="38100" cap="sq">
+            <a:solidFill>
+              <a:srgbClr val="000000"/>
+            </a:solidFill>
+            <a:prstDash val="solid"/>
+            <a:miter lim="800000"/>
+          </a:ln>
+          <a:effectLst>
+            <a:outerShdw blurRad="50800" dist="38100" dir="2700000" algn="tl" rotWithShape="0">
+              <a:srgbClr val="000000">
+                <a:alpha val="43000"/>
+              </a:srgbClr>
+            </a:outerShdw>
+          </a:effectLst>
+          <a:extLst>
+            <a:ext uri="{91240B29-F687-4F45-9708-019B960494DF}">
+              <a14:hiddenLine xmlns:a14="http://schemas.microsoft.com/office/drawing/2010/main" w="9525">
+                <a:solidFill>
+                  <a:srgbClr val="000000"/>
+                </a:solidFill>
+                <a:miter lim="800000"/>
+                <a:headEnd/>
+                <a:tailEnd/>
+              </a14:hiddenLine>
+            </a:ext>
+          </a:extLst>
+        </p:spPr>
+      </p:pic>
+      <p:pic>
+        <p:nvPicPr>
+          <p:cNvPr id="11268" name="Picture 4">
+            <a:extLst>
+              <a:ext uri="{FF2B5EF4-FFF2-40B4-BE49-F238E27FC236}">
+                <a16:creationId xmlns:a16="http://schemas.microsoft.com/office/drawing/2014/main" id="{889B61E0-06F6-2953-A43F-9F1720F8002B}"/>
+              </a:ext>
+            </a:extLst>
+          </p:cNvPr>
+          <p:cNvPicPr>
+            <a:picLocks noChangeAspect="1" noChangeArrowheads="1"/>
+          </p:cNvPicPr>
+          <p:nvPr/>
+        </p:nvPicPr>
+        <p:blipFill rotWithShape="1">
+          <a:blip r:embed="rId3">
+            <a:extLst>
+              <a:ext uri="{28A0092B-C50C-407E-A947-70E740481C1C}">
+                <a14:useLocalDpi xmlns:a14="http://schemas.microsoft.com/office/drawing/2010/main" val="0"/>
+              </a:ext>
+            </a:extLst>
+          </a:blip>
+          <a:srcRect l="-12" t="67344" r="26129" b="-12"/>
+          <a:stretch/>
+        </p:blipFill>
+        <p:spPr bwMode="auto">
+          <a:xfrm>
+            <a:off x="7109467" y="3880753"/>
+            <a:ext cx="3473255" cy="1685058"/>
+          </a:xfrm>
+          <a:prstGeom prst="rect">
+            <a:avLst/>
+          </a:prstGeom>
+          <a:ln w="38100" cap="sq">
+            <a:solidFill>
+              <a:srgbClr val="000000"/>
+            </a:solidFill>
+            <a:prstDash val="solid"/>
+            <a:miter lim="800000"/>
+          </a:ln>
+          <a:effectLst>
+            <a:outerShdw blurRad="50800" dist="38100" dir="2700000" algn="tl" rotWithShape="0">
+              <a:srgbClr val="000000">
+                <a:alpha val="43000"/>
+              </a:srgbClr>
+            </a:outerShdw>
+          </a:effectLst>
+          <a:extLst>
+            <a:ext uri="{91240B29-F687-4F45-9708-019B960494DF}">
+              <a14:hiddenLine xmlns:a14="http://schemas.microsoft.com/office/drawing/2010/main" w="9525">
+                <a:solidFill>
+                  <a:srgbClr val="000000"/>
+                </a:solidFill>
+                <a:miter lim="800000"/>
+                <a:headEnd/>
+                <a:tailEnd/>
+              </a14:hiddenLine>
+            </a:ext>
+          </a:extLst>
+        </p:spPr>
+      </p:pic>
+    </p:spTree>
+    <p:extLst>
+      <p:ext uri="{BB962C8B-B14F-4D97-AF65-F5344CB8AC3E}">
+        <p14:creationId xmlns:p14="http://schemas.microsoft.com/office/powerpoint/2010/main" val="1250331163"/>
+      </p:ext>
+    </p:extLst>
+  </p:cSld>
+  <p:clrMapOvr>
+    <a:masterClrMapping/>
+  </p:clrMapOvr>
+</p:sld>
+</file>
+
+<file path=ppt/slides/slide29.xml><?xml version="1.0" encoding="utf-8"?>
+<p:sld xmlns:a="http://schemas.openxmlformats.org/drawingml/2006/main" xmlns:r="http://schemas.openxmlformats.org/officeDocument/2006/relationships" xmlns:p="http://schemas.openxmlformats.org/presentationml/2006/main" show="0">
+  <p:cSld>
+    <p:spTree>
+      <p:nvGrpSpPr>
+        <p:cNvPr id="1" name="">
+          <a:extLst>
+            <a:ext uri="{FF2B5EF4-FFF2-40B4-BE49-F238E27FC236}">
+              <a16:creationId xmlns:a16="http://schemas.microsoft.com/office/drawing/2014/main" id="{37479A80-D4F1-AE39-0546-BCCB1758E9D4}"/>
+            </a:ext>
+          </a:extLst>
+        </p:cNvPr>
+        <p:cNvGrpSpPr/>
+        <p:nvPr/>
+      </p:nvGrpSpPr>
+      <p:grpSpPr>
+        <a:xfrm>
+          <a:off x="0" y="0"/>
+          <a:ext cx="0" cy="0"/>
+          <a:chOff x="0" y="0"/>
+          <a:chExt cx="0" cy="0"/>
+        </a:xfrm>
+      </p:grpSpPr>
+      <p:sp>
+        <p:nvSpPr>
+          <p:cNvPr id="56" name="PlaceHolder 1">
+            <a:extLst>
+              <a:ext uri="{FF2B5EF4-FFF2-40B4-BE49-F238E27FC236}">
+                <a16:creationId xmlns:a16="http://schemas.microsoft.com/office/drawing/2014/main" id="{10910C99-3D13-A67C-7069-A5B41F5FB6BA}"/>
+              </a:ext>
+            </a:extLst>
+          </p:cNvPr>
+          <p:cNvSpPr>
+            <a:spLocks noGrp="1"/>
+          </p:cNvSpPr>
+          <p:nvPr>
+            <p:ph type="title"/>
+          </p:nvPr>
+        </p:nvSpPr>
+        <p:spPr>
+          <a:xfrm>
+            <a:off x="1381320" y="576563"/>
+            <a:ext cx="9427320" cy="829544"/>
+          </a:xfrm>
+          <a:prstGeom prst="rect">
+            <a:avLst/>
+          </a:prstGeom>
+          <a:noFill/>
+          <a:ln w="0">
+            <a:noFill/>
+          </a:ln>
+        </p:spPr>
+        <p:txBody>
+          <a:bodyPr lIns="0" tIns="0" rIns="0" bIns="0" anchor="b">
+            <a:noAutofit/>
+          </a:bodyPr>
+          <a:lstStyle/>
+          <a:p>
+            <a:pPr algn="ctr">
+              <a:lnSpc>
+                <a:spcPct val="90000"/>
+              </a:lnSpc>
+              <a:buNone/>
+            </a:pPr>
+            <a:r>
+              <a:rPr lang="pt-PT" sz="4000" b="0" strike="noStrike" spc="-1" dirty="0">
+                <a:solidFill>
+                  <a:srgbClr val="870F11"/>
+                </a:solidFill>
+                <a:latin typeface="Calibri"/>
+              </a:rPr>
+              <a:t>Realização do povoamento da base de dados</a:t>
+            </a:r>
+            <a:endParaRPr lang="en-US" sz="4000" b="0" strike="noStrike" spc="-1" dirty="0">
+              <a:latin typeface="Arial"/>
+            </a:endParaRPr>
+          </a:p>
+        </p:txBody>
+      </p:sp>
+      <p:sp>
+        <p:nvSpPr>
+          <p:cNvPr id="57" name="Retângulo 4">
+            <a:extLst>
+              <a:ext uri="{FF2B5EF4-FFF2-40B4-BE49-F238E27FC236}">
+                <a16:creationId xmlns:a16="http://schemas.microsoft.com/office/drawing/2014/main" id="{CEBFF533-265B-30FD-198F-033B3D30A0D2}"/>
+              </a:ext>
+            </a:extLst>
+          </p:cNvPr>
+          <p:cNvSpPr/>
+          <p:nvPr/>
+        </p:nvSpPr>
+        <p:spPr>
+          <a:xfrm>
+            <a:off x="0" y="6233760"/>
+            <a:ext cx="12189960" cy="622080"/>
+          </a:xfrm>
+          <a:prstGeom prst="rect">
+            <a:avLst/>
+          </a:prstGeom>
+          <a:solidFill>
+            <a:srgbClr val="870F11"/>
+          </a:solidFill>
+          <a:ln>
+            <a:solidFill>
+              <a:srgbClr val="870F11"/>
+            </a:solidFill>
+          </a:ln>
+        </p:spPr>
+        <p:style>
+          <a:lnRef idx="2">
+            <a:schemeClr val="accent1">
+              <a:shade val="50000"/>
+            </a:schemeClr>
+          </a:lnRef>
+          <a:fillRef idx="1">
+            <a:schemeClr val="accent1"/>
+          </a:fillRef>
+          <a:effectRef idx="0">
+            <a:schemeClr val="accent1"/>
+          </a:effectRef>
+          <a:fontRef idx="minor"/>
+        </p:style>
+        <p:txBody>
+          <a:bodyPr/>
+          <a:lstStyle/>
+          <a:p>
+            <a:endParaRPr lang="pt-PT"/>
+          </a:p>
+        </p:txBody>
+      </p:sp>
+      <p:sp>
+        <p:nvSpPr>
+          <p:cNvPr id="58" name="CaixaDeTexto 5">
+            <a:extLst>
+              <a:ext uri="{FF2B5EF4-FFF2-40B4-BE49-F238E27FC236}">
+                <a16:creationId xmlns:a16="http://schemas.microsoft.com/office/drawing/2014/main" id="{669F9E13-7EAD-C6C5-E91A-72A0DBC1102D}"/>
+              </a:ext>
+            </a:extLst>
+          </p:cNvPr>
+          <p:cNvSpPr/>
+          <p:nvPr/>
+        </p:nvSpPr>
+        <p:spPr>
+          <a:xfrm>
+            <a:off x="1489680" y="1828800"/>
+            <a:ext cx="9024480" cy="829543"/>
+          </a:xfrm>
+          <a:prstGeom prst="rect">
+            <a:avLst/>
+          </a:prstGeom>
+          <a:noFill/>
+          <a:ln w="0">
+            <a:noFill/>
+          </a:ln>
+        </p:spPr>
+        <p:style>
+          <a:lnRef idx="0">
+            <a:scrgbClr r="0" g="0" b="0"/>
+          </a:lnRef>
+          <a:fillRef idx="0">
+            <a:scrgbClr r="0" g="0" b="0"/>
+          </a:fillRef>
+          <a:effectRef idx="0">
+            <a:scrgbClr r="0" g="0" b="0"/>
+          </a:effectRef>
+          <a:fontRef idx="minor"/>
+        </p:style>
+        <p:txBody>
+          <a:bodyPr vertOverflow="overflow" horzOverflow="overflow" lIns="90000" tIns="45000" rIns="90000" bIns="45000" numCol="1" spcCol="0" anchor="t">
+            <a:spAutoFit/>
+          </a:bodyPr>
+          <a:lstStyle/>
+          <a:p>
+            <a:pPr algn="ctr">
+              <a:lnSpc>
+                <a:spcPct val="100000"/>
+              </a:lnSpc>
+              <a:buNone/>
+            </a:pPr>
+            <a:endParaRPr lang="en-US" sz="2400" b="0" strike="noStrike" spc="-1" dirty="0">
+              <a:latin typeface="Arial"/>
+            </a:endParaRPr>
+          </a:p>
+          <a:p>
+            <a:pPr algn="ctr">
+              <a:lnSpc>
+                <a:spcPct val="100000"/>
+              </a:lnSpc>
+              <a:buNone/>
+            </a:pPr>
+            <a:endParaRPr lang="en-US" sz="2400" b="0" strike="noStrike" spc="-1" dirty="0">
+              <a:latin typeface="Arial"/>
+            </a:endParaRPr>
+          </a:p>
+        </p:txBody>
+      </p:sp>
+      <p:pic>
+        <p:nvPicPr>
+          <p:cNvPr id="59" name="Imagem 3">
+            <a:extLst>
+              <a:ext uri="{FF2B5EF4-FFF2-40B4-BE49-F238E27FC236}">
+                <a16:creationId xmlns:a16="http://schemas.microsoft.com/office/drawing/2014/main" id="{6E72CC51-3DCB-5FB9-23B4-469F868202BC}"/>
+              </a:ext>
+            </a:extLst>
+          </p:cNvPr>
+          <p:cNvPicPr/>
+          <p:nvPr/>
+        </p:nvPicPr>
+        <p:blipFill>
+          <a:blip r:embed="rId2"/>
+          <a:stretch/>
+        </p:blipFill>
+        <p:spPr>
+          <a:xfrm>
+            <a:off x="3240" y="6261480"/>
+            <a:ext cx="1236960" cy="709200"/>
+          </a:xfrm>
+          <a:prstGeom prst="rect">
+            <a:avLst/>
+          </a:prstGeom>
+          <a:ln w="0">
+            <a:noFill/>
+          </a:ln>
+        </p:spPr>
+      </p:pic>
+      <p:sp>
+        <p:nvSpPr>
+          <p:cNvPr id="60" name="CaixaDeTexto 1">
+            <a:extLst>
+              <a:ext uri="{FF2B5EF4-FFF2-40B4-BE49-F238E27FC236}">
+                <a16:creationId xmlns:a16="http://schemas.microsoft.com/office/drawing/2014/main" id="{C65ABCE5-1EC2-B75B-E9DA-7742F9EA993C}"/>
+              </a:ext>
+            </a:extLst>
+          </p:cNvPr>
+          <p:cNvSpPr/>
+          <p:nvPr/>
+        </p:nvSpPr>
+        <p:spPr>
+          <a:xfrm>
+            <a:off x="6629400" y="6362640"/>
+            <a:ext cx="5855760" cy="337100"/>
+          </a:xfrm>
+          <a:prstGeom prst="rect">
+            <a:avLst/>
+          </a:prstGeom>
+          <a:noFill/>
+          <a:ln w="0">
+            <a:noFill/>
+          </a:ln>
+        </p:spPr>
+        <p:style>
+          <a:lnRef idx="0">
+            <a:scrgbClr r="0" g="0" b="0"/>
+          </a:lnRef>
+          <a:fillRef idx="0">
+            <a:scrgbClr r="0" g="0" b="0"/>
+          </a:fillRef>
+          <a:effectRef idx="0">
+            <a:scrgbClr r="0" g="0" b="0"/>
+          </a:effectRef>
+          <a:fontRef idx="minor"/>
+        </p:style>
+        <p:txBody>
+          <a:bodyPr vertOverflow="overflow" horzOverflow="overflow" lIns="90000" tIns="45000" rIns="90000" bIns="45000" numCol="1" spcCol="0" anchor="t">
+            <a:spAutoFit/>
+          </a:bodyPr>
+          <a:lstStyle/>
+          <a:p>
+            <a:pPr>
+              <a:lnSpc>
+                <a:spcPct val="100000"/>
+              </a:lnSpc>
+              <a:buNone/>
+            </a:pPr>
+            <a:r>
+              <a:rPr lang="pt-PT" sz="1600" b="0" strike="noStrike" spc="-1" dirty="0">
+                <a:solidFill>
+                  <a:srgbClr val="FFFFFF"/>
+                </a:solidFill>
+                <a:latin typeface="Calibri"/>
+                <a:ea typeface="DejaVu Sans"/>
+              </a:rPr>
+              <a:t>Bases de Dados – Jogos Olímpicos   |   Parte 2 - Grupo 8</a:t>
+            </a:r>
+            <a:endParaRPr lang="en-US" sz="1600" b="0" strike="noStrike" spc="-1" dirty="0">
+              <a:latin typeface="Arial"/>
+            </a:endParaRPr>
+          </a:p>
+        </p:txBody>
+      </p:sp>
+      <p:pic>
+        <p:nvPicPr>
+          <p:cNvPr id="12290" name="Picture 2">
+            <a:extLst>
+              <a:ext uri="{FF2B5EF4-FFF2-40B4-BE49-F238E27FC236}">
+                <a16:creationId xmlns:a16="http://schemas.microsoft.com/office/drawing/2014/main" id="{B86B9210-518D-484F-A87F-45B6998416FC}"/>
+              </a:ext>
+            </a:extLst>
+          </p:cNvPr>
+          <p:cNvPicPr>
+            <a:picLocks noChangeAspect="1" noChangeArrowheads="1"/>
+          </p:cNvPicPr>
+          <p:nvPr/>
+        </p:nvPicPr>
+        <p:blipFill rotWithShape="1">
+          <a:blip r:embed="rId3">
+            <a:extLst>
+              <a:ext uri="{28A0092B-C50C-407E-A947-70E740481C1C}">
+                <a14:useLocalDpi xmlns:a14="http://schemas.microsoft.com/office/drawing/2010/main" val="0"/>
+              </a:ext>
+            </a:extLst>
+          </a:blip>
+          <a:srcRect l="-17" t="-17" r="-17" b="50672"/>
+          <a:stretch/>
+        </p:blipFill>
+        <p:spPr bwMode="auto">
+          <a:xfrm>
+            <a:off x="1381320" y="2517878"/>
+            <a:ext cx="4600613" cy="2250065"/>
+          </a:xfrm>
+          <a:prstGeom prst="rect">
+            <a:avLst/>
+          </a:prstGeom>
+          <a:ln w="38100" cap="sq">
+            <a:solidFill>
+              <a:srgbClr val="000000"/>
+            </a:solidFill>
+            <a:prstDash val="solid"/>
+            <a:miter lim="800000"/>
+          </a:ln>
+          <a:effectLst>
+            <a:outerShdw blurRad="50800" dist="38100" dir="2700000" algn="tl" rotWithShape="0">
+              <a:srgbClr val="000000">
+                <a:alpha val="43000"/>
+              </a:srgbClr>
+            </a:outerShdw>
+          </a:effectLst>
+          <a:extLst>
+            <a:ext uri="{91240B29-F687-4F45-9708-019B960494DF}">
+              <a14:hiddenLine xmlns:a14="http://schemas.microsoft.com/office/drawing/2010/main" w="9525">
+                <a:solidFill>
+                  <a:srgbClr val="000000"/>
+                </a:solidFill>
+                <a:miter lim="800000"/>
+                <a:headEnd/>
+                <a:tailEnd/>
+              </a14:hiddenLine>
+            </a:ext>
+          </a:extLst>
+        </p:spPr>
+      </p:pic>
+      <p:pic>
+        <p:nvPicPr>
+          <p:cNvPr id="12291" name="Picture 3">
+            <a:extLst>
+              <a:ext uri="{FF2B5EF4-FFF2-40B4-BE49-F238E27FC236}">
+                <a16:creationId xmlns:a16="http://schemas.microsoft.com/office/drawing/2014/main" id="{1F41B68C-18D6-4D2B-0A20-F9CABE2B26EE}"/>
+              </a:ext>
+            </a:extLst>
+          </p:cNvPr>
+          <p:cNvPicPr>
+            <a:picLocks noChangeAspect="1" noChangeArrowheads="1"/>
+          </p:cNvPicPr>
+          <p:nvPr/>
+        </p:nvPicPr>
+        <p:blipFill rotWithShape="1">
+          <a:blip r:embed="rId3">
+            <a:extLst>
+              <a:ext uri="{28A0092B-C50C-407E-A947-70E740481C1C}">
+                <a14:useLocalDpi xmlns:a14="http://schemas.microsoft.com/office/drawing/2010/main" val="0"/>
+              </a:ext>
+            </a:extLst>
+          </a:blip>
+          <a:srcRect l="-17" t="49354" r="-17" b="-17"/>
+          <a:stretch/>
+        </p:blipFill>
+        <p:spPr bwMode="auto">
+          <a:xfrm>
+            <a:off x="6255584" y="2517878"/>
+            <a:ext cx="4577856" cy="2298737"/>
+          </a:xfrm>
+          <a:prstGeom prst="rect">
+            <a:avLst/>
+          </a:prstGeom>
+          <a:ln w="38100" cap="sq">
+            <a:solidFill>
+              <a:srgbClr val="000000"/>
+            </a:solidFill>
+            <a:prstDash val="solid"/>
+            <a:miter lim="800000"/>
+          </a:ln>
+          <a:effectLst>
+            <a:outerShdw blurRad="50800" dist="38100" dir="2700000" algn="tl" rotWithShape="0">
+              <a:srgbClr val="000000">
+                <a:alpha val="43000"/>
+              </a:srgbClr>
+            </a:outerShdw>
+          </a:effectLst>
+          <a:extLst>
+            <a:ext uri="{91240B29-F687-4F45-9708-019B960494DF}">
+              <a14:hiddenLine xmlns:a14="http://schemas.microsoft.com/office/drawing/2010/main" w="9525">
+                <a:solidFill>
+                  <a:srgbClr val="000000"/>
+                </a:solidFill>
+                <a:miter lim="800000"/>
+                <a:headEnd/>
+                <a:tailEnd/>
+              </a14:hiddenLine>
+            </a:ext>
+          </a:extLst>
+        </p:spPr>
+      </p:pic>
+    </p:spTree>
+    <p:extLst>
+      <p:ext uri="{BB962C8B-B14F-4D97-AF65-F5344CB8AC3E}">
+        <p14:creationId xmlns:p14="http://schemas.microsoft.com/office/powerpoint/2010/main" val="1642968259"/>
       </p:ext>
     </p:extLst>
   </p:cSld>
@@ -12504,6 +15210,1766 @@
     <p:extLst>
       <p:ext uri="{BB962C8B-B14F-4D97-AF65-F5344CB8AC3E}">
         <p14:creationId xmlns:p14="http://schemas.microsoft.com/office/powerpoint/2010/main" val="1823249849"/>
+      </p:ext>
+    </p:extLst>
+  </p:cSld>
+  <p:clrMapOvr>
+    <a:masterClrMapping/>
+  </p:clrMapOvr>
+</p:sld>
+</file>
+
+<file path=ppt/slides/slide30.xml><?xml version="1.0" encoding="utf-8"?>
+<p:sld xmlns:a="http://schemas.openxmlformats.org/drawingml/2006/main" xmlns:r="http://schemas.openxmlformats.org/officeDocument/2006/relationships" xmlns:p="http://schemas.openxmlformats.org/presentationml/2006/main" show="0">
+  <p:cSld>
+    <p:spTree>
+      <p:nvGrpSpPr>
+        <p:cNvPr id="1" name="">
+          <a:extLst>
+            <a:ext uri="{FF2B5EF4-FFF2-40B4-BE49-F238E27FC236}">
+              <a16:creationId xmlns:a16="http://schemas.microsoft.com/office/drawing/2014/main" id="{3CD1E8A6-6355-4B67-F38A-A926FC7A2287}"/>
+            </a:ext>
+          </a:extLst>
+        </p:cNvPr>
+        <p:cNvGrpSpPr/>
+        <p:nvPr/>
+      </p:nvGrpSpPr>
+      <p:grpSpPr>
+        <a:xfrm>
+          <a:off x="0" y="0"/>
+          <a:ext cx="0" cy="0"/>
+          <a:chOff x="0" y="0"/>
+          <a:chExt cx="0" cy="0"/>
+        </a:xfrm>
+      </p:grpSpPr>
+      <p:sp>
+        <p:nvSpPr>
+          <p:cNvPr id="56" name="PlaceHolder 1">
+            <a:extLst>
+              <a:ext uri="{FF2B5EF4-FFF2-40B4-BE49-F238E27FC236}">
+                <a16:creationId xmlns:a16="http://schemas.microsoft.com/office/drawing/2014/main" id="{E18C3FF3-4A16-C5E0-063D-FE00A0B865E4}"/>
+              </a:ext>
+            </a:extLst>
+          </p:cNvPr>
+          <p:cNvSpPr>
+            <a:spLocks noGrp="1"/>
+          </p:cNvSpPr>
+          <p:nvPr>
+            <p:ph type="title"/>
+          </p:nvPr>
+        </p:nvSpPr>
+        <p:spPr>
+          <a:xfrm>
+            <a:off x="1381320" y="576563"/>
+            <a:ext cx="9427320" cy="829544"/>
+          </a:xfrm>
+          <a:prstGeom prst="rect">
+            <a:avLst/>
+          </a:prstGeom>
+          <a:noFill/>
+          <a:ln w="0">
+            <a:noFill/>
+          </a:ln>
+        </p:spPr>
+        <p:txBody>
+          <a:bodyPr lIns="0" tIns="0" rIns="0" bIns="0" anchor="b">
+            <a:noAutofit/>
+          </a:bodyPr>
+          <a:lstStyle/>
+          <a:p>
+            <a:pPr algn="ctr">
+              <a:lnSpc>
+                <a:spcPct val="90000"/>
+              </a:lnSpc>
+              <a:buNone/>
+            </a:pPr>
+            <a:r>
+              <a:rPr lang="pt-PT" sz="4000" b="0" strike="noStrike" spc="-1" dirty="0">
+                <a:solidFill>
+                  <a:srgbClr val="870F11"/>
+                </a:solidFill>
+                <a:latin typeface="Calibri"/>
+              </a:rPr>
+              <a:t>Realização do povoamento da base de dados</a:t>
+            </a:r>
+            <a:endParaRPr lang="en-US" sz="4000" b="0" strike="noStrike" spc="-1" dirty="0">
+              <a:latin typeface="Arial"/>
+            </a:endParaRPr>
+          </a:p>
+        </p:txBody>
+      </p:sp>
+      <p:sp>
+        <p:nvSpPr>
+          <p:cNvPr id="57" name="Retângulo 4">
+            <a:extLst>
+              <a:ext uri="{FF2B5EF4-FFF2-40B4-BE49-F238E27FC236}">
+                <a16:creationId xmlns:a16="http://schemas.microsoft.com/office/drawing/2014/main" id="{BF32A6BB-1448-BAEC-C97C-4CE8A338C444}"/>
+              </a:ext>
+            </a:extLst>
+          </p:cNvPr>
+          <p:cNvSpPr/>
+          <p:nvPr/>
+        </p:nvSpPr>
+        <p:spPr>
+          <a:xfrm>
+            <a:off x="0" y="6233760"/>
+            <a:ext cx="12189960" cy="622080"/>
+          </a:xfrm>
+          <a:prstGeom prst="rect">
+            <a:avLst/>
+          </a:prstGeom>
+          <a:solidFill>
+            <a:srgbClr val="870F11"/>
+          </a:solidFill>
+          <a:ln>
+            <a:solidFill>
+              <a:srgbClr val="870F11"/>
+            </a:solidFill>
+          </a:ln>
+        </p:spPr>
+        <p:style>
+          <a:lnRef idx="2">
+            <a:schemeClr val="accent1">
+              <a:shade val="50000"/>
+            </a:schemeClr>
+          </a:lnRef>
+          <a:fillRef idx="1">
+            <a:schemeClr val="accent1"/>
+          </a:fillRef>
+          <a:effectRef idx="0">
+            <a:schemeClr val="accent1"/>
+          </a:effectRef>
+          <a:fontRef idx="minor"/>
+        </p:style>
+        <p:txBody>
+          <a:bodyPr/>
+          <a:lstStyle/>
+          <a:p>
+            <a:endParaRPr lang="pt-PT"/>
+          </a:p>
+        </p:txBody>
+      </p:sp>
+      <p:pic>
+        <p:nvPicPr>
+          <p:cNvPr id="59" name="Imagem 3">
+            <a:extLst>
+              <a:ext uri="{FF2B5EF4-FFF2-40B4-BE49-F238E27FC236}">
+                <a16:creationId xmlns:a16="http://schemas.microsoft.com/office/drawing/2014/main" id="{A1D0F681-B036-1FC6-1E7D-268AF9CFFF37}"/>
+              </a:ext>
+            </a:extLst>
+          </p:cNvPr>
+          <p:cNvPicPr/>
+          <p:nvPr/>
+        </p:nvPicPr>
+        <p:blipFill>
+          <a:blip r:embed="rId2"/>
+          <a:stretch/>
+        </p:blipFill>
+        <p:spPr>
+          <a:xfrm>
+            <a:off x="3240" y="6261480"/>
+            <a:ext cx="1236960" cy="709200"/>
+          </a:xfrm>
+          <a:prstGeom prst="rect">
+            <a:avLst/>
+          </a:prstGeom>
+          <a:ln w="0">
+            <a:noFill/>
+          </a:ln>
+        </p:spPr>
+      </p:pic>
+      <p:sp>
+        <p:nvSpPr>
+          <p:cNvPr id="60" name="CaixaDeTexto 1">
+            <a:extLst>
+              <a:ext uri="{FF2B5EF4-FFF2-40B4-BE49-F238E27FC236}">
+                <a16:creationId xmlns:a16="http://schemas.microsoft.com/office/drawing/2014/main" id="{D282A45F-0B03-A68A-2E55-1B3AB74E3B4F}"/>
+              </a:ext>
+            </a:extLst>
+          </p:cNvPr>
+          <p:cNvSpPr/>
+          <p:nvPr/>
+        </p:nvSpPr>
+        <p:spPr>
+          <a:xfrm>
+            <a:off x="6629400" y="6362640"/>
+            <a:ext cx="5855760" cy="337100"/>
+          </a:xfrm>
+          <a:prstGeom prst="rect">
+            <a:avLst/>
+          </a:prstGeom>
+          <a:noFill/>
+          <a:ln w="0">
+            <a:noFill/>
+          </a:ln>
+        </p:spPr>
+        <p:style>
+          <a:lnRef idx="0">
+            <a:scrgbClr r="0" g="0" b="0"/>
+          </a:lnRef>
+          <a:fillRef idx="0">
+            <a:scrgbClr r="0" g="0" b="0"/>
+          </a:fillRef>
+          <a:effectRef idx="0">
+            <a:scrgbClr r="0" g="0" b="0"/>
+          </a:effectRef>
+          <a:fontRef idx="minor"/>
+        </p:style>
+        <p:txBody>
+          <a:bodyPr vertOverflow="overflow" horzOverflow="overflow" lIns="90000" tIns="45000" rIns="90000" bIns="45000" numCol="1" spcCol="0" anchor="t">
+            <a:spAutoFit/>
+          </a:bodyPr>
+          <a:lstStyle/>
+          <a:p>
+            <a:pPr>
+              <a:lnSpc>
+                <a:spcPct val="100000"/>
+              </a:lnSpc>
+              <a:buNone/>
+            </a:pPr>
+            <a:r>
+              <a:rPr lang="pt-PT" sz="1600" b="0" strike="noStrike" spc="-1" dirty="0">
+                <a:solidFill>
+                  <a:srgbClr val="FFFFFF"/>
+                </a:solidFill>
+                <a:latin typeface="Calibri"/>
+                <a:ea typeface="DejaVu Sans"/>
+              </a:rPr>
+              <a:t>Bases de Dados – Jogos Olímpicos   |   Parte 2 - Grupo 8</a:t>
+            </a:r>
+            <a:endParaRPr lang="en-US" sz="1600" b="0" strike="noStrike" spc="-1" dirty="0">
+              <a:latin typeface="Arial"/>
+            </a:endParaRPr>
+          </a:p>
+        </p:txBody>
+      </p:sp>
+      <p:pic>
+        <p:nvPicPr>
+          <p:cNvPr id="13314" name="Picture 2">
+            <a:extLst>
+              <a:ext uri="{FF2B5EF4-FFF2-40B4-BE49-F238E27FC236}">
+                <a16:creationId xmlns:a16="http://schemas.microsoft.com/office/drawing/2014/main" id="{5ACA0D08-8D44-822E-8A1B-22CD0923A4C9}"/>
+              </a:ext>
+            </a:extLst>
+          </p:cNvPr>
+          <p:cNvPicPr>
+            <a:picLocks noChangeAspect="1" noChangeArrowheads="1"/>
+          </p:cNvPicPr>
+          <p:nvPr/>
+        </p:nvPicPr>
+        <p:blipFill rotWithShape="1">
+          <a:blip r:embed="rId3">
+            <a:extLst>
+              <a:ext uri="{28A0092B-C50C-407E-A947-70E740481C1C}">
+                <a14:useLocalDpi xmlns:a14="http://schemas.microsoft.com/office/drawing/2010/main" val="0"/>
+              </a:ext>
+            </a:extLst>
+          </a:blip>
+          <a:srcRect l="-11" t="-12" r="44585" b="68458"/>
+          <a:stretch/>
+        </p:blipFill>
+        <p:spPr bwMode="auto">
+          <a:xfrm>
+            <a:off x="967252" y="2183666"/>
+            <a:ext cx="2683054" cy="1482858"/>
+          </a:xfrm>
+          <a:prstGeom prst="rect">
+            <a:avLst/>
+          </a:prstGeom>
+          <a:ln w="38100" cap="sq">
+            <a:solidFill>
+              <a:srgbClr val="000000"/>
+            </a:solidFill>
+            <a:prstDash val="solid"/>
+            <a:miter lim="800000"/>
+          </a:ln>
+          <a:effectLst>
+            <a:outerShdw blurRad="50800" dist="38100" dir="2700000" algn="tl" rotWithShape="0">
+              <a:srgbClr val="000000">
+                <a:alpha val="43000"/>
+              </a:srgbClr>
+            </a:outerShdw>
+          </a:effectLst>
+          <a:extLst>
+            <a:ext uri="{91240B29-F687-4F45-9708-019B960494DF}">
+              <a14:hiddenLine xmlns:a14="http://schemas.microsoft.com/office/drawing/2010/main" w="9525">
+                <a:solidFill>
+                  <a:srgbClr val="000000"/>
+                </a:solidFill>
+                <a:miter lim="800000"/>
+                <a:headEnd/>
+                <a:tailEnd/>
+              </a14:hiddenLine>
+            </a:ext>
+          </a:extLst>
+        </p:spPr>
+      </p:pic>
+      <p:pic>
+        <p:nvPicPr>
+          <p:cNvPr id="13315" name="Picture 3">
+            <a:extLst>
+              <a:ext uri="{FF2B5EF4-FFF2-40B4-BE49-F238E27FC236}">
+                <a16:creationId xmlns:a16="http://schemas.microsoft.com/office/drawing/2014/main" id="{F1C71F68-BB18-A814-CC58-00BEA581D073}"/>
+              </a:ext>
+            </a:extLst>
+          </p:cNvPr>
+          <p:cNvPicPr>
+            <a:picLocks noChangeAspect="1" noChangeArrowheads="1"/>
+          </p:cNvPicPr>
+          <p:nvPr/>
+        </p:nvPicPr>
+        <p:blipFill rotWithShape="1">
+          <a:blip r:embed="rId3">
+            <a:extLst>
+              <a:ext uri="{28A0092B-C50C-407E-A947-70E740481C1C}">
+                <a14:useLocalDpi xmlns:a14="http://schemas.microsoft.com/office/drawing/2010/main" val="0"/>
+              </a:ext>
+            </a:extLst>
+          </a:blip>
+          <a:srcRect l="-12" t="33382" r="4405" b="35779"/>
+          <a:stretch/>
+        </p:blipFill>
+        <p:spPr bwMode="auto">
+          <a:xfrm>
+            <a:off x="3366820" y="2901295"/>
+            <a:ext cx="4628183" cy="1449238"/>
+          </a:xfrm>
+          <a:prstGeom prst="rect">
+            <a:avLst/>
+          </a:prstGeom>
+          <a:ln w="38100" cap="sq">
+            <a:solidFill>
+              <a:srgbClr val="000000"/>
+            </a:solidFill>
+            <a:prstDash val="solid"/>
+            <a:miter lim="800000"/>
+          </a:ln>
+          <a:effectLst>
+            <a:outerShdw blurRad="50800" dist="38100" dir="2700000" algn="tl" rotWithShape="0">
+              <a:srgbClr val="000000">
+                <a:alpha val="43000"/>
+              </a:srgbClr>
+            </a:outerShdw>
+          </a:effectLst>
+          <a:extLst>
+            <a:ext uri="{91240B29-F687-4F45-9708-019B960494DF}">
+              <a14:hiddenLine xmlns:a14="http://schemas.microsoft.com/office/drawing/2010/main" w="9525">
+                <a:solidFill>
+                  <a:srgbClr val="000000"/>
+                </a:solidFill>
+                <a:miter lim="800000"/>
+                <a:headEnd/>
+                <a:tailEnd/>
+              </a14:hiddenLine>
+            </a:ext>
+          </a:extLst>
+        </p:spPr>
+      </p:pic>
+      <p:pic>
+        <p:nvPicPr>
+          <p:cNvPr id="13316" name="Picture 4">
+            <a:extLst>
+              <a:ext uri="{FF2B5EF4-FFF2-40B4-BE49-F238E27FC236}">
+                <a16:creationId xmlns:a16="http://schemas.microsoft.com/office/drawing/2014/main" id="{D8F67264-D36E-4087-93EC-2AF565145166}"/>
+              </a:ext>
+            </a:extLst>
+          </p:cNvPr>
+          <p:cNvPicPr>
+            <a:picLocks noChangeAspect="1" noChangeArrowheads="1"/>
+          </p:cNvPicPr>
+          <p:nvPr/>
+        </p:nvPicPr>
+        <p:blipFill rotWithShape="1">
+          <a:blip r:embed="rId3">
+            <a:extLst>
+              <a:ext uri="{28A0092B-C50C-407E-A947-70E740481C1C}">
+                <a14:useLocalDpi xmlns:a14="http://schemas.microsoft.com/office/drawing/2010/main" val="0"/>
+              </a:ext>
+            </a:extLst>
+          </a:blip>
+          <a:srcRect l="-11" t="65887" r="12832" b="-12"/>
+          <a:stretch/>
+        </p:blipFill>
+        <p:spPr bwMode="auto">
+          <a:xfrm>
+            <a:off x="7206598" y="3587730"/>
+            <a:ext cx="4220155" cy="1603705"/>
+          </a:xfrm>
+          <a:prstGeom prst="rect">
+            <a:avLst/>
+          </a:prstGeom>
+          <a:ln w="38100" cap="sq">
+            <a:solidFill>
+              <a:srgbClr val="000000"/>
+            </a:solidFill>
+            <a:prstDash val="solid"/>
+            <a:miter lim="800000"/>
+          </a:ln>
+          <a:effectLst>
+            <a:outerShdw blurRad="50800" dist="38100" dir="2700000" algn="tl" rotWithShape="0">
+              <a:srgbClr val="000000">
+                <a:alpha val="43000"/>
+              </a:srgbClr>
+            </a:outerShdw>
+          </a:effectLst>
+          <a:extLst>
+            <a:ext uri="{91240B29-F687-4F45-9708-019B960494DF}">
+              <a14:hiddenLine xmlns:a14="http://schemas.microsoft.com/office/drawing/2010/main" w="9525">
+                <a:solidFill>
+                  <a:srgbClr val="000000"/>
+                </a:solidFill>
+                <a:miter lim="800000"/>
+                <a:headEnd/>
+                <a:tailEnd/>
+              </a14:hiddenLine>
+            </a:ext>
+          </a:extLst>
+        </p:spPr>
+      </p:pic>
+    </p:spTree>
+    <p:extLst>
+      <p:ext uri="{BB962C8B-B14F-4D97-AF65-F5344CB8AC3E}">
+        <p14:creationId xmlns:p14="http://schemas.microsoft.com/office/powerpoint/2010/main" val="1613570868"/>
+      </p:ext>
+    </p:extLst>
+  </p:cSld>
+  <p:clrMapOvr>
+    <a:masterClrMapping/>
+  </p:clrMapOvr>
+</p:sld>
+</file>
+
+<file path=ppt/slides/slide31.xml><?xml version="1.0" encoding="utf-8"?>
+<p:sld xmlns:a="http://schemas.openxmlformats.org/drawingml/2006/main" xmlns:r="http://schemas.openxmlformats.org/officeDocument/2006/relationships" xmlns:p="http://schemas.openxmlformats.org/presentationml/2006/main" show="0">
+  <p:cSld>
+    <p:spTree>
+      <p:nvGrpSpPr>
+        <p:cNvPr id="1" name="">
+          <a:extLst>
+            <a:ext uri="{FF2B5EF4-FFF2-40B4-BE49-F238E27FC236}">
+              <a16:creationId xmlns:a16="http://schemas.microsoft.com/office/drawing/2014/main" id="{8DD07B41-99D8-E3BE-CDE6-BAB9111DFBFE}"/>
+            </a:ext>
+          </a:extLst>
+        </p:cNvPr>
+        <p:cNvGrpSpPr/>
+        <p:nvPr/>
+      </p:nvGrpSpPr>
+      <p:grpSpPr>
+        <a:xfrm>
+          <a:off x="0" y="0"/>
+          <a:ext cx="0" cy="0"/>
+          <a:chOff x="0" y="0"/>
+          <a:chExt cx="0" cy="0"/>
+        </a:xfrm>
+      </p:grpSpPr>
+      <p:sp>
+        <p:nvSpPr>
+          <p:cNvPr id="56" name="PlaceHolder 1">
+            <a:extLst>
+              <a:ext uri="{FF2B5EF4-FFF2-40B4-BE49-F238E27FC236}">
+                <a16:creationId xmlns:a16="http://schemas.microsoft.com/office/drawing/2014/main" id="{44379786-5021-E5E7-7B92-02D01E8D1F29}"/>
+              </a:ext>
+            </a:extLst>
+          </p:cNvPr>
+          <p:cNvSpPr>
+            <a:spLocks noGrp="1"/>
+          </p:cNvSpPr>
+          <p:nvPr>
+            <p:ph type="title"/>
+          </p:nvPr>
+        </p:nvSpPr>
+        <p:spPr>
+          <a:xfrm>
+            <a:off x="1381320" y="576563"/>
+            <a:ext cx="9427320" cy="829544"/>
+          </a:xfrm>
+          <a:prstGeom prst="rect">
+            <a:avLst/>
+          </a:prstGeom>
+          <a:noFill/>
+          <a:ln w="0">
+            <a:noFill/>
+          </a:ln>
+        </p:spPr>
+        <p:txBody>
+          <a:bodyPr lIns="0" tIns="0" rIns="0" bIns="0" anchor="b">
+            <a:noAutofit/>
+          </a:bodyPr>
+          <a:lstStyle/>
+          <a:p>
+            <a:pPr algn="ctr">
+              <a:lnSpc>
+                <a:spcPct val="90000"/>
+              </a:lnSpc>
+              <a:buNone/>
+            </a:pPr>
+            <a:r>
+              <a:rPr lang="pt-PT" sz="4000" b="0" strike="noStrike" spc="-1" dirty="0">
+                <a:solidFill>
+                  <a:srgbClr val="870F11"/>
+                </a:solidFill>
+                <a:latin typeface="Calibri"/>
+              </a:rPr>
+              <a:t>Realização do povoamento da base de dados</a:t>
+            </a:r>
+            <a:endParaRPr lang="en-US" sz="4000" b="0" strike="noStrike" spc="-1" dirty="0">
+              <a:latin typeface="Arial"/>
+            </a:endParaRPr>
+          </a:p>
+        </p:txBody>
+      </p:sp>
+      <p:sp>
+        <p:nvSpPr>
+          <p:cNvPr id="57" name="Retângulo 4">
+            <a:extLst>
+              <a:ext uri="{FF2B5EF4-FFF2-40B4-BE49-F238E27FC236}">
+                <a16:creationId xmlns:a16="http://schemas.microsoft.com/office/drawing/2014/main" id="{5EB98864-1B1D-BC44-8989-AEE045400CDA}"/>
+              </a:ext>
+            </a:extLst>
+          </p:cNvPr>
+          <p:cNvSpPr/>
+          <p:nvPr/>
+        </p:nvSpPr>
+        <p:spPr>
+          <a:xfrm>
+            <a:off x="0" y="6233760"/>
+            <a:ext cx="12189960" cy="622080"/>
+          </a:xfrm>
+          <a:prstGeom prst="rect">
+            <a:avLst/>
+          </a:prstGeom>
+          <a:solidFill>
+            <a:srgbClr val="870F11"/>
+          </a:solidFill>
+          <a:ln>
+            <a:solidFill>
+              <a:srgbClr val="870F11"/>
+            </a:solidFill>
+          </a:ln>
+        </p:spPr>
+        <p:style>
+          <a:lnRef idx="2">
+            <a:schemeClr val="accent1">
+              <a:shade val="50000"/>
+            </a:schemeClr>
+          </a:lnRef>
+          <a:fillRef idx="1">
+            <a:schemeClr val="accent1"/>
+          </a:fillRef>
+          <a:effectRef idx="0">
+            <a:schemeClr val="accent1"/>
+          </a:effectRef>
+          <a:fontRef idx="minor"/>
+        </p:style>
+        <p:txBody>
+          <a:bodyPr/>
+          <a:lstStyle/>
+          <a:p>
+            <a:endParaRPr lang="pt-PT"/>
+          </a:p>
+        </p:txBody>
+      </p:sp>
+      <p:sp>
+        <p:nvSpPr>
+          <p:cNvPr id="58" name="CaixaDeTexto 5">
+            <a:extLst>
+              <a:ext uri="{FF2B5EF4-FFF2-40B4-BE49-F238E27FC236}">
+                <a16:creationId xmlns:a16="http://schemas.microsoft.com/office/drawing/2014/main" id="{B0FD9931-AB42-35B9-CA5E-25F447C37481}"/>
+              </a:ext>
+            </a:extLst>
+          </p:cNvPr>
+          <p:cNvSpPr/>
+          <p:nvPr/>
+        </p:nvSpPr>
+        <p:spPr>
+          <a:xfrm>
+            <a:off x="1489680" y="1828800"/>
+            <a:ext cx="9024480" cy="829543"/>
+          </a:xfrm>
+          <a:prstGeom prst="rect">
+            <a:avLst/>
+          </a:prstGeom>
+          <a:noFill/>
+          <a:ln w="0">
+            <a:noFill/>
+          </a:ln>
+        </p:spPr>
+        <p:style>
+          <a:lnRef idx="0">
+            <a:scrgbClr r="0" g="0" b="0"/>
+          </a:lnRef>
+          <a:fillRef idx="0">
+            <a:scrgbClr r="0" g="0" b="0"/>
+          </a:fillRef>
+          <a:effectRef idx="0">
+            <a:scrgbClr r="0" g="0" b="0"/>
+          </a:effectRef>
+          <a:fontRef idx="minor"/>
+        </p:style>
+        <p:txBody>
+          <a:bodyPr vertOverflow="overflow" horzOverflow="overflow" lIns="90000" tIns="45000" rIns="90000" bIns="45000" numCol="1" spcCol="0" anchor="t">
+            <a:spAutoFit/>
+          </a:bodyPr>
+          <a:lstStyle/>
+          <a:p>
+            <a:pPr algn="ctr">
+              <a:lnSpc>
+                <a:spcPct val="100000"/>
+              </a:lnSpc>
+              <a:buNone/>
+            </a:pPr>
+            <a:endParaRPr lang="en-US" sz="2400" b="0" strike="noStrike" spc="-1" dirty="0">
+              <a:latin typeface="Arial"/>
+            </a:endParaRPr>
+          </a:p>
+          <a:p>
+            <a:pPr algn="ctr">
+              <a:lnSpc>
+                <a:spcPct val="100000"/>
+              </a:lnSpc>
+              <a:buNone/>
+            </a:pPr>
+            <a:endParaRPr lang="en-US" sz="2400" b="0" strike="noStrike" spc="-1" dirty="0">
+              <a:latin typeface="Arial"/>
+            </a:endParaRPr>
+          </a:p>
+        </p:txBody>
+      </p:sp>
+      <p:pic>
+        <p:nvPicPr>
+          <p:cNvPr id="59" name="Imagem 3">
+            <a:extLst>
+              <a:ext uri="{FF2B5EF4-FFF2-40B4-BE49-F238E27FC236}">
+                <a16:creationId xmlns:a16="http://schemas.microsoft.com/office/drawing/2014/main" id="{74D3BB7A-5C9F-EB5E-A62A-B1962F82724F}"/>
+              </a:ext>
+            </a:extLst>
+          </p:cNvPr>
+          <p:cNvPicPr/>
+          <p:nvPr/>
+        </p:nvPicPr>
+        <p:blipFill>
+          <a:blip r:embed="rId2"/>
+          <a:stretch/>
+        </p:blipFill>
+        <p:spPr>
+          <a:xfrm>
+            <a:off x="3240" y="6261480"/>
+            <a:ext cx="1236960" cy="709200"/>
+          </a:xfrm>
+          <a:prstGeom prst="rect">
+            <a:avLst/>
+          </a:prstGeom>
+          <a:ln w="0">
+            <a:noFill/>
+          </a:ln>
+        </p:spPr>
+      </p:pic>
+      <p:sp>
+        <p:nvSpPr>
+          <p:cNvPr id="60" name="CaixaDeTexto 1">
+            <a:extLst>
+              <a:ext uri="{FF2B5EF4-FFF2-40B4-BE49-F238E27FC236}">
+                <a16:creationId xmlns:a16="http://schemas.microsoft.com/office/drawing/2014/main" id="{D8628BAC-E8FD-20D5-7DD0-914051336CE2}"/>
+              </a:ext>
+            </a:extLst>
+          </p:cNvPr>
+          <p:cNvSpPr/>
+          <p:nvPr/>
+        </p:nvSpPr>
+        <p:spPr>
+          <a:xfrm>
+            <a:off x="6629400" y="6362640"/>
+            <a:ext cx="5855760" cy="337100"/>
+          </a:xfrm>
+          <a:prstGeom prst="rect">
+            <a:avLst/>
+          </a:prstGeom>
+          <a:noFill/>
+          <a:ln w="0">
+            <a:noFill/>
+          </a:ln>
+        </p:spPr>
+        <p:style>
+          <a:lnRef idx="0">
+            <a:scrgbClr r="0" g="0" b="0"/>
+          </a:lnRef>
+          <a:fillRef idx="0">
+            <a:scrgbClr r="0" g="0" b="0"/>
+          </a:fillRef>
+          <a:effectRef idx="0">
+            <a:scrgbClr r="0" g="0" b="0"/>
+          </a:effectRef>
+          <a:fontRef idx="minor"/>
+        </p:style>
+        <p:txBody>
+          <a:bodyPr vertOverflow="overflow" horzOverflow="overflow" lIns="90000" tIns="45000" rIns="90000" bIns="45000" numCol="1" spcCol="0" anchor="t">
+            <a:spAutoFit/>
+          </a:bodyPr>
+          <a:lstStyle/>
+          <a:p>
+            <a:pPr>
+              <a:lnSpc>
+                <a:spcPct val="100000"/>
+              </a:lnSpc>
+              <a:buNone/>
+            </a:pPr>
+            <a:r>
+              <a:rPr lang="pt-PT" sz="1600" b="0" strike="noStrike" spc="-1" dirty="0">
+                <a:solidFill>
+                  <a:srgbClr val="FFFFFF"/>
+                </a:solidFill>
+                <a:latin typeface="Calibri"/>
+                <a:ea typeface="DejaVu Sans"/>
+              </a:rPr>
+              <a:t>Bases de Dados – Jogos Olímpicos   |   Parte 2 - Grupo 8</a:t>
+            </a:r>
+            <a:endParaRPr lang="en-US" sz="1600" b="0" strike="noStrike" spc="-1" dirty="0">
+              <a:latin typeface="Arial"/>
+            </a:endParaRPr>
+          </a:p>
+        </p:txBody>
+      </p:sp>
+      <p:pic>
+        <p:nvPicPr>
+          <p:cNvPr id="14338" name="Picture 2">
+            <a:extLst>
+              <a:ext uri="{FF2B5EF4-FFF2-40B4-BE49-F238E27FC236}">
+                <a16:creationId xmlns:a16="http://schemas.microsoft.com/office/drawing/2014/main" id="{3299E49E-3E3D-C151-0DFA-C9444534BE48}"/>
+              </a:ext>
+            </a:extLst>
+          </p:cNvPr>
+          <p:cNvPicPr>
+            <a:picLocks noChangeAspect="1" noChangeArrowheads="1"/>
+          </p:cNvPicPr>
+          <p:nvPr/>
+        </p:nvPicPr>
+        <p:blipFill rotWithShape="1">
+          <a:blip r:embed="rId3">
+            <a:extLst>
+              <a:ext uri="{28A0092B-C50C-407E-A947-70E740481C1C}">
+                <a14:useLocalDpi xmlns:a14="http://schemas.microsoft.com/office/drawing/2010/main" val="0"/>
+              </a:ext>
+            </a:extLst>
+          </a:blip>
+          <a:srcRect l="-9" t="-18" r="-9" b="-18"/>
+          <a:stretch/>
+        </p:blipFill>
+        <p:spPr bwMode="auto">
+          <a:xfrm>
+            <a:off x="3304757" y="2225970"/>
+            <a:ext cx="5394325" cy="2628900"/>
+          </a:xfrm>
+          <a:prstGeom prst="rect">
+            <a:avLst/>
+          </a:prstGeom>
+          <a:ln w="38100" cap="sq">
+            <a:solidFill>
+              <a:srgbClr val="000000"/>
+            </a:solidFill>
+            <a:prstDash val="solid"/>
+            <a:miter lim="800000"/>
+          </a:ln>
+          <a:effectLst>
+            <a:outerShdw blurRad="50800" dist="38100" dir="2700000" algn="tl" rotWithShape="0">
+              <a:srgbClr val="000000">
+                <a:alpha val="43000"/>
+              </a:srgbClr>
+            </a:outerShdw>
+          </a:effectLst>
+          <a:extLst>
+            <a:ext uri="{91240B29-F687-4F45-9708-019B960494DF}">
+              <a14:hiddenLine xmlns:a14="http://schemas.microsoft.com/office/drawing/2010/main" w="9525">
+                <a:solidFill>
+                  <a:srgbClr val="000000"/>
+                </a:solidFill>
+                <a:miter lim="800000"/>
+                <a:headEnd/>
+                <a:tailEnd/>
+              </a14:hiddenLine>
+            </a:ext>
+          </a:extLst>
+        </p:spPr>
+      </p:pic>
+    </p:spTree>
+    <p:extLst>
+      <p:ext uri="{BB962C8B-B14F-4D97-AF65-F5344CB8AC3E}">
+        <p14:creationId xmlns:p14="http://schemas.microsoft.com/office/powerpoint/2010/main" val="366089135"/>
+      </p:ext>
+    </p:extLst>
+  </p:cSld>
+  <p:clrMapOvr>
+    <a:masterClrMapping/>
+  </p:clrMapOvr>
+</p:sld>
+</file>
+
+<file path=ppt/slides/slide32.xml><?xml version="1.0" encoding="utf-8"?>
+<p:sld xmlns:a="http://schemas.openxmlformats.org/drawingml/2006/main" xmlns:r="http://schemas.openxmlformats.org/officeDocument/2006/relationships" xmlns:p="http://schemas.openxmlformats.org/presentationml/2006/main" show="0">
+  <p:cSld>
+    <p:spTree>
+      <p:nvGrpSpPr>
+        <p:cNvPr id="1" name="">
+          <a:extLst>
+            <a:ext uri="{FF2B5EF4-FFF2-40B4-BE49-F238E27FC236}">
+              <a16:creationId xmlns:a16="http://schemas.microsoft.com/office/drawing/2014/main" id="{71F3144C-A4A9-A5E5-A996-F5C233650D05}"/>
+            </a:ext>
+          </a:extLst>
+        </p:cNvPr>
+        <p:cNvGrpSpPr/>
+        <p:nvPr/>
+      </p:nvGrpSpPr>
+      <p:grpSpPr>
+        <a:xfrm>
+          <a:off x="0" y="0"/>
+          <a:ext cx="0" cy="0"/>
+          <a:chOff x="0" y="0"/>
+          <a:chExt cx="0" cy="0"/>
+        </a:xfrm>
+      </p:grpSpPr>
+      <p:sp>
+        <p:nvSpPr>
+          <p:cNvPr id="56" name="PlaceHolder 1">
+            <a:extLst>
+              <a:ext uri="{FF2B5EF4-FFF2-40B4-BE49-F238E27FC236}">
+                <a16:creationId xmlns:a16="http://schemas.microsoft.com/office/drawing/2014/main" id="{CAF407F5-BDD2-4923-1E27-71979BE6100E}"/>
+              </a:ext>
+            </a:extLst>
+          </p:cNvPr>
+          <p:cNvSpPr>
+            <a:spLocks noGrp="1"/>
+          </p:cNvSpPr>
+          <p:nvPr>
+            <p:ph type="title"/>
+          </p:nvPr>
+        </p:nvSpPr>
+        <p:spPr>
+          <a:xfrm>
+            <a:off x="1381320" y="576563"/>
+            <a:ext cx="9427320" cy="829544"/>
+          </a:xfrm>
+          <a:prstGeom prst="rect">
+            <a:avLst/>
+          </a:prstGeom>
+          <a:noFill/>
+          <a:ln w="0">
+            <a:noFill/>
+          </a:ln>
+        </p:spPr>
+        <p:txBody>
+          <a:bodyPr lIns="0" tIns="0" rIns="0" bIns="0" anchor="b">
+            <a:noAutofit/>
+          </a:bodyPr>
+          <a:lstStyle/>
+          <a:p>
+            <a:pPr algn="ctr">
+              <a:lnSpc>
+                <a:spcPct val="90000"/>
+              </a:lnSpc>
+              <a:buNone/>
+            </a:pPr>
+            <a:r>
+              <a:rPr lang="pt-PT" sz="4000" b="0" strike="noStrike" spc="-1" dirty="0">
+                <a:solidFill>
+                  <a:srgbClr val="870F11"/>
+                </a:solidFill>
+                <a:latin typeface="Calibri"/>
+              </a:rPr>
+              <a:t>Realização do povoamento da base de dados</a:t>
+            </a:r>
+            <a:endParaRPr lang="en-US" sz="4000" b="0" strike="noStrike" spc="-1" dirty="0">
+              <a:latin typeface="Arial"/>
+            </a:endParaRPr>
+          </a:p>
+        </p:txBody>
+      </p:sp>
+      <p:sp>
+        <p:nvSpPr>
+          <p:cNvPr id="57" name="Retângulo 4">
+            <a:extLst>
+              <a:ext uri="{FF2B5EF4-FFF2-40B4-BE49-F238E27FC236}">
+                <a16:creationId xmlns:a16="http://schemas.microsoft.com/office/drawing/2014/main" id="{EA28AE00-0030-FC5F-A02F-AE4ADBD23271}"/>
+              </a:ext>
+            </a:extLst>
+          </p:cNvPr>
+          <p:cNvSpPr/>
+          <p:nvPr/>
+        </p:nvSpPr>
+        <p:spPr>
+          <a:xfrm>
+            <a:off x="0" y="6233760"/>
+            <a:ext cx="12189960" cy="622080"/>
+          </a:xfrm>
+          <a:prstGeom prst="rect">
+            <a:avLst/>
+          </a:prstGeom>
+          <a:solidFill>
+            <a:srgbClr val="870F11"/>
+          </a:solidFill>
+          <a:ln>
+            <a:solidFill>
+              <a:srgbClr val="870F11"/>
+            </a:solidFill>
+          </a:ln>
+        </p:spPr>
+        <p:style>
+          <a:lnRef idx="2">
+            <a:schemeClr val="accent1">
+              <a:shade val="50000"/>
+            </a:schemeClr>
+          </a:lnRef>
+          <a:fillRef idx="1">
+            <a:schemeClr val="accent1"/>
+          </a:fillRef>
+          <a:effectRef idx="0">
+            <a:schemeClr val="accent1"/>
+          </a:effectRef>
+          <a:fontRef idx="minor"/>
+        </p:style>
+        <p:txBody>
+          <a:bodyPr/>
+          <a:lstStyle/>
+          <a:p>
+            <a:endParaRPr lang="pt-PT"/>
+          </a:p>
+        </p:txBody>
+      </p:sp>
+      <p:sp>
+        <p:nvSpPr>
+          <p:cNvPr id="58" name="CaixaDeTexto 5">
+            <a:extLst>
+              <a:ext uri="{FF2B5EF4-FFF2-40B4-BE49-F238E27FC236}">
+                <a16:creationId xmlns:a16="http://schemas.microsoft.com/office/drawing/2014/main" id="{AE749BC5-F56E-57C3-0659-362E055A3289}"/>
+              </a:ext>
+            </a:extLst>
+          </p:cNvPr>
+          <p:cNvSpPr/>
+          <p:nvPr/>
+        </p:nvSpPr>
+        <p:spPr>
+          <a:xfrm>
+            <a:off x="1489680" y="1828800"/>
+            <a:ext cx="9024480" cy="829543"/>
+          </a:xfrm>
+          <a:prstGeom prst="rect">
+            <a:avLst/>
+          </a:prstGeom>
+          <a:noFill/>
+          <a:ln w="0">
+            <a:noFill/>
+          </a:ln>
+        </p:spPr>
+        <p:style>
+          <a:lnRef idx="0">
+            <a:scrgbClr r="0" g="0" b="0"/>
+          </a:lnRef>
+          <a:fillRef idx="0">
+            <a:scrgbClr r="0" g="0" b="0"/>
+          </a:fillRef>
+          <a:effectRef idx="0">
+            <a:scrgbClr r="0" g="0" b="0"/>
+          </a:effectRef>
+          <a:fontRef idx="minor"/>
+        </p:style>
+        <p:txBody>
+          <a:bodyPr vertOverflow="overflow" horzOverflow="overflow" lIns="90000" tIns="45000" rIns="90000" bIns="45000" numCol="1" spcCol="0" anchor="t">
+            <a:spAutoFit/>
+          </a:bodyPr>
+          <a:lstStyle/>
+          <a:p>
+            <a:pPr algn="ctr">
+              <a:lnSpc>
+                <a:spcPct val="100000"/>
+              </a:lnSpc>
+              <a:buNone/>
+            </a:pPr>
+            <a:endParaRPr lang="en-US" sz="2400" b="0" strike="noStrike" spc="-1" dirty="0">
+              <a:latin typeface="Arial"/>
+            </a:endParaRPr>
+          </a:p>
+          <a:p>
+            <a:pPr algn="ctr">
+              <a:lnSpc>
+                <a:spcPct val="100000"/>
+              </a:lnSpc>
+              <a:buNone/>
+            </a:pPr>
+            <a:endParaRPr lang="en-US" sz="2400" b="0" strike="noStrike" spc="-1" dirty="0">
+              <a:latin typeface="Arial"/>
+            </a:endParaRPr>
+          </a:p>
+        </p:txBody>
+      </p:sp>
+      <p:pic>
+        <p:nvPicPr>
+          <p:cNvPr id="59" name="Imagem 3">
+            <a:extLst>
+              <a:ext uri="{FF2B5EF4-FFF2-40B4-BE49-F238E27FC236}">
+                <a16:creationId xmlns:a16="http://schemas.microsoft.com/office/drawing/2014/main" id="{C8917520-F696-4296-3B45-ED5D285214A3}"/>
+              </a:ext>
+            </a:extLst>
+          </p:cNvPr>
+          <p:cNvPicPr/>
+          <p:nvPr/>
+        </p:nvPicPr>
+        <p:blipFill>
+          <a:blip r:embed="rId2"/>
+          <a:stretch/>
+        </p:blipFill>
+        <p:spPr>
+          <a:xfrm>
+            <a:off x="3240" y="6261480"/>
+            <a:ext cx="1236960" cy="709200"/>
+          </a:xfrm>
+          <a:prstGeom prst="rect">
+            <a:avLst/>
+          </a:prstGeom>
+          <a:ln w="0">
+            <a:noFill/>
+          </a:ln>
+        </p:spPr>
+      </p:pic>
+      <p:sp>
+        <p:nvSpPr>
+          <p:cNvPr id="60" name="CaixaDeTexto 1">
+            <a:extLst>
+              <a:ext uri="{FF2B5EF4-FFF2-40B4-BE49-F238E27FC236}">
+                <a16:creationId xmlns:a16="http://schemas.microsoft.com/office/drawing/2014/main" id="{8C0C4D62-42F6-61F6-DF86-552DA893B926}"/>
+              </a:ext>
+            </a:extLst>
+          </p:cNvPr>
+          <p:cNvSpPr/>
+          <p:nvPr/>
+        </p:nvSpPr>
+        <p:spPr>
+          <a:xfrm>
+            <a:off x="6629400" y="6362640"/>
+            <a:ext cx="5855760" cy="337100"/>
+          </a:xfrm>
+          <a:prstGeom prst="rect">
+            <a:avLst/>
+          </a:prstGeom>
+          <a:noFill/>
+          <a:ln w="0">
+            <a:noFill/>
+          </a:ln>
+        </p:spPr>
+        <p:style>
+          <a:lnRef idx="0">
+            <a:scrgbClr r="0" g="0" b="0"/>
+          </a:lnRef>
+          <a:fillRef idx="0">
+            <a:scrgbClr r="0" g="0" b="0"/>
+          </a:fillRef>
+          <a:effectRef idx="0">
+            <a:scrgbClr r="0" g="0" b="0"/>
+          </a:effectRef>
+          <a:fontRef idx="minor"/>
+        </p:style>
+        <p:txBody>
+          <a:bodyPr vertOverflow="overflow" horzOverflow="overflow" lIns="90000" tIns="45000" rIns="90000" bIns="45000" numCol="1" spcCol="0" anchor="t">
+            <a:spAutoFit/>
+          </a:bodyPr>
+          <a:lstStyle/>
+          <a:p>
+            <a:pPr>
+              <a:lnSpc>
+                <a:spcPct val="100000"/>
+              </a:lnSpc>
+              <a:buNone/>
+            </a:pPr>
+            <a:r>
+              <a:rPr lang="pt-PT" sz="1600" b="0" strike="noStrike" spc="-1" dirty="0">
+                <a:solidFill>
+                  <a:srgbClr val="FFFFFF"/>
+                </a:solidFill>
+                <a:latin typeface="Calibri"/>
+                <a:ea typeface="DejaVu Sans"/>
+              </a:rPr>
+              <a:t>Bases de Dados – Jogos Olímpicos   |   Parte 2 - Grupo 8</a:t>
+            </a:r>
+            <a:endParaRPr lang="en-US" sz="1600" b="0" strike="noStrike" spc="-1" dirty="0">
+              <a:latin typeface="Arial"/>
+            </a:endParaRPr>
+          </a:p>
+        </p:txBody>
+      </p:sp>
+      <p:sp>
+        <p:nvSpPr>
+          <p:cNvPr id="3" name="CaixaDeTexto 2">
+            <a:extLst>
+              <a:ext uri="{FF2B5EF4-FFF2-40B4-BE49-F238E27FC236}">
+                <a16:creationId xmlns:a16="http://schemas.microsoft.com/office/drawing/2014/main" id="{6C3FCFF0-AE32-D8F5-A1AA-5A8988FC05DD}"/>
+              </a:ext>
+            </a:extLst>
+          </p:cNvPr>
+          <p:cNvSpPr txBox="1"/>
+          <p:nvPr/>
+        </p:nvSpPr>
+        <p:spPr>
+          <a:xfrm>
+            <a:off x="2972218" y="2484222"/>
+            <a:ext cx="6245524" cy="1889556"/>
+          </a:xfrm>
+          <a:prstGeom prst="rect">
+            <a:avLst/>
+          </a:prstGeom>
+          <a:noFill/>
+        </p:spPr>
+        <p:txBody>
+          <a:bodyPr wrap="square">
+            <a:spAutoFit/>
+          </a:bodyPr>
+          <a:lstStyle/>
+          <a:p>
+            <a:pPr indent="457200" algn="just">
+              <a:lnSpc>
+                <a:spcPct val="150000"/>
+              </a:lnSpc>
+            </a:pPr>
+            <a:r>
+              <a:rPr lang="pt-PT" sz="2000" dirty="0">
+                <a:effectLst/>
+                <a:latin typeface="Consolas" panose="020B0609020204030204" pitchFamily="49" charset="0"/>
+                <a:ea typeface="Times New Roman" panose="02020603050405020304" pitchFamily="18" charset="0"/>
+              </a:rPr>
+              <a:t>O processo de povoamento deve ser realizado desta forma para garantir que a estrutura do banco de dados esteja devidamente organizada e funcional.</a:t>
+            </a:r>
+          </a:p>
+        </p:txBody>
+      </p:sp>
+    </p:spTree>
+    <p:extLst>
+      <p:ext uri="{BB962C8B-B14F-4D97-AF65-F5344CB8AC3E}">
+        <p14:creationId xmlns:p14="http://schemas.microsoft.com/office/powerpoint/2010/main" val="3979954115"/>
+      </p:ext>
+    </p:extLst>
+  </p:cSld>
+  <p:clrMapOvr>
+    <a:masterClrMapping/>
+  </p:clrMapOvr>
+</p:sld>
+</file>
+
+<file path=ppt/slides/slide33.xml><?xml version="1.0" encoding="utf-8"?>
+<p:sld xmlns:a="http://schemas.openxmlformats.org/drawingml/2006/main" xmlns:r="http://schemas.openxmlformats.org/officeDocument/2006/relationships" xmlns:p="http://schemas.openxmlformats.org/presentationml/2006/main" show="0">
+  <p:cSld>
+    <p:spTree>
+      <p:nvGrpSpPr>
+        <p:cNvPr id="1" name="">
+          <a:extLst>
+            <a:ext uri="{FF2B5EF4-FFF2-40B4-BE49-F238E27FC236}">
+              <a16:creationId xmlns:a16="http://schemas.microsoft.com/office/drawing/2014/main" id="{1802E84C-F8F2-A930-8E2A-A927E02237C9}"/>
+            </a:ext>
+          </a:extLst>
+        </p:cNvPr>
+        <p:cNvGrpSpPr/>
+        <p:nvPr/>
+      </p:nvGrpSpPr>
+      <p:grpSpPr>
+        <a:xfrm>
+          <a:off x="0" y="0"/>
+          <a:ext cx="0" cy="0"/>
+          <a:chOff x="0" y="0"/>
+          <a:chExt cx="0" cy="0"/>
+        </a:xfrm>
+      </p:grpSpPr>
+      <p:sp>
+        <p:nvSpPr>
+          <p:cNvPr id="56" name="PlaceHolder 1">
+            <a:extLst>
+              <a:ext uri="{FF2B5EF4-FFF2-40B4-BE49-F238E27FC236}">
+                <a16:creationId xmlns:a16="http://schemas.microsoft.com/office/drawing/2014/main" id="{C8B1E1DF-02FB-F479-D305-A31867503FC2}"/>
+              </a:ext>
+            </a:extLst>
+          </p:cNvPr>
+          <p:cNvSpPr>
+            <a:spLocks noGrp="1"/>
+          </p:cNvSpPr>
+          <p:nvPr>
+            <p:ph type="title"/>
+          </p:nvPr>
+        </p:nvSpPr>
+        <p:spPr>
+          <a:xfrm>
+            <a:off x="1489680" y="576562"/>
+            <a:ext cx="9024480" cy="1096137"/>
+          </a:xfrm>
+          <a:prstGeom prst="rect">
+            <a:avLst/>
+          </a:prstGeom>
+          <a:noFill/>
+          <a:ln w="0">
+            <a:noFill/>
+          </a:ln>
+        </p:spPr>
+        <p:txBody>
+          <a:bodyPr lIns="0" tIns="0" rIns="0" bIns="0" anchor="b">
+            <a:noAutofit/>
+          </a:bodyPr>
+          <a:lstStyle/>
+          <a:p>
+            <a:pPr algn="ctr">
+              <a:lnSpc>
+                <a:spcPct val="90000"/>
+              </a:lnSpc>
+              <a:buNone/>
+            </a:pPr>
+            <a:r>
+              <a:rPr lang="pt-PT" sz="4000" b="0" strike="noStrike" spc="-1" dirty="0">
+                <a:solidFill>
+                  <a:srgbClr val="870F11"/>
+                </a:solidFill>
+                <a:latin typeface="Calibri"/>
+              </a:rPr>
+              <a:t>Tradução das interrogações do utilizador para SQL</a:t>
+            </a:r>
+            <a:endParaRPr lang="en-US" sz="4000" b="0" strike="noStrike" spc="-1" dirty="0">
+              <a:latin typeface="Arial"/>
+            </a:endParaRPr>
+          </a:p>
+        </p:txBody>
+      </p:sp>
+      <p:sp>
+        <p:nvSpPr>
+          <p:cNvPr id="57" name="Retângulo 4">
+            <a:extLst>
+              <a:ext uri="{FF2B5EF4-FFF2-40B4-BE49-F238E27FC236}">
+                <a16:creationId xmlns:a16="http://schemas.microsoft.com/office/drawing/2014/main" id="{4944B325-8F52-DB0F-D9C5-3AFEB6756526}"/>
+              </a:ext>
+            </a:extLst>
+          </p:cNvPr>
+          <p:cNvSpPr/>
+          <p:nvPr/>
+        </p:nvSpPr>
+        <p:spPr>
+          <a:xfrm>
+            <a:off x="0" y="6233760"/>
+            <a:ext cx="12189960" cy="622080"/>
+          </a:xfrm>
+          <a:prstGeom prst="rect">
+            <a:avLst/>
+          </a:prstGeom>
+          <a:solidFill>
+            <a:srgbClr val="870F11"/>
+          </a:solidFill>
+          <a:ln>
+            <a:solidFill>
+              <a:srgbClr val="870F11"/>
+            </a:solidFill>
+          </a:ln>
+        </p:spPr>
+        <p:style>
+          <a:lnRef idx="2">
+            <a:schemeClr val="accent1">
+              <a:shade val="50000"/>
+            </a:schemeClr>
+          </a:lnRef>
+          <a:fillRef idx="1">
+            <a:schemeClr val="accent1"/>
+          </a:fillRef>
+          <a:effectRef idx="0">
+            <a:schemeClr val="accent1"/>
+          </a:effectRef>
+          <a:fontRef idx="minor"/>
+        </p:style>
+        <p:txBody>
+          <a:bodyPr/>
+          <a:lstStyle/>
+          <a:p>
+            <a:endParaRPr lang="pt-PT"/>
+          </a:p>
+        </p:txBody>
+      </p:sp>
+      <p:sp>
+        <p:nvSpPr>
+          <p:cNvPr id="58" name="CaixaDeTexto 5">
+            <a:extLst>
+              <a:ext uri="{FF2B5EF4-FFF2-40B4-BE49-F238E27FC236}">
+                <a16:creationId xmlns:a16="http://schemas.microsoft.com/office/drawing/2014/main" id="{50124AC2-9560-247D-8F37-A46E682BCF88}"/>
+              </a:ext>
+            </a:extLst>
+          </p:cNvPr>
+          <p:cNvSpPr/>
+          <p:nvPr/>
+        </p:nvSpPr>
+        <p:spPr>
+          <a:xfrm>
+            <a:off x="1489680" y="1828800"/>
+            <a:ext cx="9024480" cy="829543"/>
+          </a:xfrm>
+          <a:prstGeom prst="rect">
+            <a:avLst/>
+          </a:prstGeom>
+          <a:noFill/>
+          <a:ln w="0">
+            <a:noFill/>
+          </a:ln>
+        </p:spPr>
+        <p:style>
+          <a:lnRef idx="0">
+            <a:scrgbClr r="0" g="0" b="0"/>
+          </a:lnRef>
+          <a:fillRef idx="0">
+            <a:scrgbClr r="0" g="0" b="0"/>
+          </a:fillRef>
+          <a:effectRef idx="0">
+            <a:scrgbClr r="0" g="0" b="0"/>
+          </a:effectRef>
+          <a:fontRef idx="minor"/>
+        </p:style>
+        <p:txBody>
+          <a:bodyPr vertOverflow="overflow" horzOverflow="overflow" lIns="90000" tIns="45000" rIns="90000" bIns="45000" numCol="1" spcCol="0" anchor="t">
+            <a:spAutoFit/>
+          </a:bodyPr>
+          <a:lstStyle/>
+          <a:p>
+            <a:pPr algn="ctr">
+              <a:lnSpc>
+                <a:spcPct val="100000"/>
+              </a:lnSpc>
+              <a:buNone/>
+            </a:pPr>
+            <a:endParaRPr lang="en-US" sz="2400" b="0" strike="noStrike" spc="-1" dirty="0">
+              <a:latin typeface="Arial"/>
+            </a:endParaRPr>
+          </a:p>
+          <a:p>
+            <a:pPr algn="ctr">
+              <a:lnSpc>
+                <a:spcPct val="100000"/>
+              </a:lnSpc>
+              <a:buNone/>
+            </a:pPr>
+            <a:endParaRPr lang="en-US" sz="2400" b="0" strike="noStrike" spc="-1" dirty="0">
+              <a:latin typeface="Arial"/>
+            </a:endParaRPr>
+          </a:p>
+        </p:txBody>
+      </p:sp>
+      <p:pic>
+        <p:nvPicPr>
+          <p:cNvPr id="59" name="Imagem 3">
+            <a:extLst>
+              <a:ext uri="{FF2B5EF4-FFF2-40B4-BE49-F238E27FC236}">
+                <a16:creationId xmlns:a16="http://schemas.microsoft.com/office/drawing/2014/main" id="{43925B1E-5E6A-1849-00F4-72F409A227AE}"/>
+              </a:ext>
+            </a:extLst>
+          </p:cNvPr>
+          <p:cNvPicPr/>
+          <p:nvPr/>
+        </p:nvPicPr>
+        <p:blipFill>
+          <a:blip r:embed="rId2"/>
+          <a:stretch/>
+        </p:blipFill>
+        <p:spPr>
+          <a:xfrm>
+            <a:off x="3240" y="6261480"/>
+            <a:ext cx="1236960" cy="709200"/>
+          </a:xfrm>
+          <a:prstGeom prst="rect">
+            <a:avLst/>
+          </a:prstGeom>
+          <a:ln w="0">
+            <a:noFill/>
+          </a:ln>
+        </p:spPr>
+      </p:pic>
+      <p:sp>
+        <p:nvSpPr>
+          <p:cNvPr id="60" name="CaixaDeTexto 1">
+            <a:extLst>
+              <a:ext uri="{FF2B5EF4-FFF2-40B4-BE49-F238E27FC236}">
+                <a16:creationId xmlns:a16="http://schemas.microsoft.com/office/drawing/2014/main" id="{A87CF107-9066-5623-85B6-0B757D524B0A}"/>
+              </a:ext>
+            </a:extLst>
+          </p:cNvPr>
+          <p:cNvSpPr/>
+          <p:nvPr/>
+        </p:nvSpPr>
+        <p:spPr>
+          <a:xfrm>
+            <a:off x="6629400" y="6362640"/>
+            <a:ext cx="5855760" cy="337100"/>
+          </a:xfrm>
+          <a:prstGeom prst="rect">
+            <a:avLst/>
+          </a:prstGeom>
+          <a:noFill/>
+          <a:ln w="0">
+            <a:noFill/>
+          </a:ln>
+        </p:spPr>
+        <p:style>
+          <a:lnRef idx="0">
+            <a:scrgbClr r="0" g="0" b="0"/>
+          </a:lnRef>
+          <a:fillRef idx="0">
+            <a:scrgbClr r="0" g="0" b="0"/>
+          </a:fillRef>
+          <a:effectRef idx="0">
+            <a:scrgbClr r="0" g="0" b="0"/>
+          </a:effectRef>
+          <a:fontRef idx="minor"/>
+        </p:style>
+        <p:txBody>
+          <a:bodyPr vertOverflow="overflow" horzOverflow="overflow" lIns="90000" tIns="45000" rIns="90000" bIns="45000" numCol="1" spcCol="0" anchor="t">
+            <a:spAutoFit/>
+          </a:bodyPr>
+          <a:lstStyle/>
+          <a:p>
+            <a:pPr>
+              <a:lnSpc>
+                <a:spcPct val="100000"/>
+              </a:lnSpc>
+              <a:buNone/>
+            </a:pPr>
+            <a:r>
+              <a:rPr lang="pt-PT" sz="1600" b="0" strike="noStrike" spc="-1" dirty="0">
+                <a:solidFill>
+                  <a:srgbClr val="FFFFFF"/>
+                </a:solidFill>
+                <a:latin typeface="Calibri"/>
+                <a:ea typeface="DejaVu Sans"/>
+              </a:rPr>
+              <a:t>Bases de Dados – Jogos Olímpicos   |   Parte 2 - Grupo 8</a:t>
+            </a:r>
+            <a:endParaRPr lang="en-US" sz="1600" b="0" strike="noStrike" spc="-1" dirty="0">
+              <a:latin typeface="Arial"/>
+            </a:endParaRPr>
+          </a:p>
+        </p:txBody>
+      </p:sp>
+    </p:spTree>
+    <p:extLst>
+      <p:ext uri="{BB962C8B-B14F-4D97-AF65-F5344CB8AC3E}">
+        <p14:creationId xmlns:p14="http://schemas.microsoft.com/office/powerpoint/2010/main" val="4017792625"/>
+      </p:ext>
+    </p:extLst>
+  </p:cSld>
+  <p:clrMapOvr>
+    <a:masterClrMapping/>
+  </p:clrMapOvr>
+</p:sld>
+</file>
+
+<file path=ppt/slides/slide34.xml><?xml version="1.0" encoding="utf-8"?>
+<p:sld xmlns:a="http://schemas.openxmlformats.org/drawingml/2006/main" xmlns:r="http://schemas.openxmlformats.org/officeDocument/2006/relationships" xmlns:p="http://schemas.openxmlformats.org/presentationml/2006/main" show="0">
+  <p:cSld>
+    <p:spTree>
+      <p:nvGrpSpPr>
+        <p:cNvPr id="1" name="">
+          <a:extLst>
+            <a:ext uri="{FF2B5EF4-FFF2-40B4-BE49-F238E27FC236}">
+              <a16:creationId xmlns:a16="http://schemas.microsoft.com/office/drawing/2014/main" id="{8EA051DF-9370-6E1F-A966-FCFFF3AFAA4E}"/>
+            </a:ext>
+          </a:extLst>
+        </p:cNvPr>
+        <p:cNvGrpSpPr/>
+        <p:nvPr/>
+      </p:nvGrpSpPr>
+      <p:grpSpPr>
+        <a:xfrm>
+          <a:off x="0" y="0"/>
+          <a:ext cx="0" cy="0"/>
+          <a:chOff x="0" y="0"/>
+          <a:chExt cx="0" cy="0"/>
+        </a:xfrm>
+      </p:grpSpPr>
+      <p:sp>
+        <p:nvSpPr>
+          <p:cNvPr id="51" name="PlaceHolder 1">
+            <a:extLst>
+              <a:ext uri="{FF2B5EF4-FFF2-40B4-BE49-F238E27FC236}">
+                <a16:creationId xmlns:a16="http://schemas.microsoft.com/office/drawing/2014/main" id="{F5167765-DEF6-8118-1BA0-EACD0A05728A}"/>
+              </a:ext>
+            </a:extLst>
+          </p:cNvPr>
+          <p:cNvSpPr>
+            <a:spLocks noGrp="1"/>
+          </p:cNvSpPr>
+          <p:nvPr>
+            <p:ph type="title"/>
+          </p:nvPr>
+        </p:nvSpPr>
+        <p:spPr>
+          <a:xfrm>
+            <a:off x="1525680" y="275040"/>
+            <a:ext cx="9141840" cy="1153080"/>
+          </a:xfrm>
+          <a:prstGeom prst="rect">
+            <a:avLst/>
+          </a:prstGeom>
+          <a:noFill/>
+          <a:ln w="0">
+            <a:noFill/>
+          </a:ln>
+        </p:spPr>
+        <p:txBody>
+          <a:bodyPr lIns="0" tIns="0" rIns="0" bIns="0" anchor="b">
+            <a:noAutofit/>
+          </a:bodyPr>
+          <a:lstStyle/>
+          <a:p>
+            <a:pPr algn="ctr">
+              <a:lnSpc>
+                <a:spcPct val="90000"/>
+              </a:lnSpc>
+              <a:buNone/>
+            </a:pPr>
+            <a:r>
+              <a:rPr lang="pt-PT" sz="4400" b="0" u="sng" strike="noStrike" spc="-1" dirty="0">
+                <a:solidFill>
+                  <a:srgbClr val="870F11"/>
+                </a:solidFill>
+                <a:uFillTx/>
+                <a:latin typeface="Calibri"/>
+              </a:rPr>
+              <a:t>Conclusão e Trabalho Futuro</a:t>
+            </a:r>
+            <a:endParaRPr lang="en-US" sz="4400" b="0" strike="noStrike" spc="-1" dirty="0">
+              <a:latin typeface="Arial"/>
+            </a:endParaRPr>
+          </a:p>
+        </p:txBody>
+      </p:sp>
+      <p:sp>
+        <p:nvSpPr>
+          <p:cNvPr id="52" name="Retângulo 4">
+            <a:extLst>
+              <a:ext uri="{FF2B5EF4-FFF2-40B4-BE49-F238E27FC236}">
+                <a16:creationId xmlns:a16="http://schemas.microsoft.com/office/drawing/2014/main" id="{69301A0B-E77F-3789-C9E4-6579746AE1F2}"/>
+              </a:ext>
+            </a:extLst>
+          </p:cNvPr>
+          <p:cNvSpPr/>
+          <p:nvPr/>
+        </p:nvSpPr>
+        <p:spPr>
+          <a:xfrm>
+            <a:off x="0" y="6233760"/>
+            <a:ext cx="12189960" cy="622080"/>
+          </a:xfrm>
+          <a:prstGeom prst="rect">
+            <a:avLst/>
+          </a:prstGeom>
+          <a:solidFill>
+            <a:srgbClr val="870F11"/>
+          </a:solidFill>
+          <a:ln>
+            <a:solidFill>
+              <a:srgbClr val="870F11"/>
+            </a:solidFill>
+          </a:ln>
+        </p:spPr>
+        <p:style>
+          <a:lnRef idx="2">
+            <a:schemeClr val="accent1">
+              <a:shade val="50000"/>
+            </a:schemeClr>
+          </a:lnRef>
+          <a:fillRef idx="1">
+            <a:schemeClr val="accent1"/>
+          </a:fillRef>
+          <a:effectRef idx="0">
+            <a:schemeClr val="accent1"/>
+          </a:effectRef>
+          <a:fontRef idx="minor"/>
+        </p:style>
+        <p:txBody>
+          <a:bodyPr/>
+          <a:lstStyle/>
+          <a:p>
+            <a:endParaRPr lang="pt-PT"/>
+          </a:p>
+        </p:txBody>
+      </p:sp>
+      <p:sp>
+        <p:nvSpPr>
+          <p:cNvPr id="53" name="CaixaDeTexto 5">
+            <a:extLst>
+              <a:ext uri="{FF2B5EF4-FFF2-40B4-BE49-F238E27FC236}">
+                <a16:creationId xmlns:a16="http://schemas.microsoft.com/office/drawing/2014/main" id="{9627A777-B39B-0638-8DF6-212D4B3F7B50}"/>
+              </a:ext>
+            </a:extLst>
+          </p:cNvPr>
+          <p:cNvSpPr/>
+          <p:nvPr/>
+        </p:nvSpPr>
+        <p:spPr>
+          <a:xfrm>
+            <a:off x="1814400" y="1845720"/>
+            <a:ext cx="6792840" cy="1598984"/>
+          </a:xfrm>
+          <a:prstGeom prst="rect">
+            <a:avLst/>
+          </a:prstGeom>
+          <a:noFill/>
+          <a:ln w="0">
+            <a:noFill/>
+          </a:ln>
+        </p:spPr>
+        <p:style>
+          <a:lnRef idx="0">
+            <a:scrgbClr r="0" g="0" b="0"/>
+          </a:lnRef>
+          <a:fillRef idx="0">
+            <a:scrgbClr r="0" g="0" b="0"/>
+          </a:fillRef>
+          <a:effectRef idx="0">
+            <a:scrgbClr r="0" g="0" b="0"/>
+          </a:effectRef>
+          <a:fontRef idx="minor"/>
+        </p:style>
+        <p:txBody>
+          <a:bodyPr vertOverflow="overflow" horzOverflow="overflow" lIns="90000" tIns="45000" rIns="90000" bIns="45000" numCol="1" spcCol="0" anchor="t">
+            <a:spAutoFit/>
+          </a:bodyPr>
+          <a:lstStyle/>
+          <a:p>
+            <a:pPr>
+              <a:lnSpc>
+                <a:spcPct val="150000"/>
+              </a:lnSpc>
+              <a:buNone/>
+            </a:pPr>
+            <a:endParaRPr lang="en-US" sz="2000" b="0" strike="noStrike" spc="-1" dirty="0">
+              <a:latin typeface="Arial"/>
+            </a:endParaRPr>
+          </a:p>
+          <a:p>
+            <a:pPr>
+              <a:lnSpc>
+                <a:spcPct val="100000"/>
+              </a:lnSpc>
+              <a:buNone/>
+            </a:pPr>
+            <a:endParaRPr lang="en-US" sz="2000" b="0" strike="noStrike" spc="-1" dirty="0">
+              <a:latin typeface="Arial"/>
+            </a:endParaRPr>
+          </a:p>
+          <a:p>
+            <a:pPr algn="ctr">
+              <a:lnSpc>
+                <a:spcPct val="100000"/>
+              </a:lnSpc>
+              <a:buNone/>
+            </a:pPr>
+            <a:endParaRPr lang="en-US" sz="2400" b="0" strike="noStrike" spc="-1" dirty="0">
+              <a:latin typeface="Arial"/>
+            </a:endParaRPr>
+          </a:p>
+          <a:p>
+            <a:pPr algn="ctr">
+              <a:lnSpc>
+                <a:spcPct val="100000"/>
+              </a:lnSpc>
+              <a:buNone/>
+            </a:pPr>
+            <a:endParaRPr lang="en-US" sz="2400" b="0" strike="noStrike" spc="-1" dirty="0">
+              <a:latin typeface="Arial"/>
+            </a:endParaRPr>
+          </a:p>
+        </p:txBody>
+      </p:sp>
+      <p:pic>
+        <p:nvPicPr>
+          <p:cNvPr id="54" name="Imagem 3">
+            <a:extLst>
+              <a:ext uri="{FF2B5EF4-FFF2-40B4-BE49-F238E27FC236}">
+                <a16:creationId xmlns:a16="http://schemas.microsoft.com/office/drawing/2014/main" id="{6E7FEA2B-DBA8-4F6D-6745-525908B5D127}"/>
+              </a:ext>
+            </a:extLst>
+          </p:cNvPr>
+          <p:cNvPicPr/>
+          <p:nvPr/>
+        </p:nvPicPr>
+        <p:blipFill>
+          <a:blip r:embed="rId2"/>
+          <a:stretch/>
+        </p:blipFill>
+        <p:spPr>
+          <a:xfrm>
+            <a:off x="3240" y="6261480"/>
+            <a:ext cx="1236960" cy="709200"/>
+          </a:xfrm>
+          <a:prstGeom prst="rect">
+            <a:avLst/>
+          </a:prstGeom>
+          <a:ln w="0">
+            <a:noFill/>
+          </a:ln>
+        </p:spPr>
+      </p:pic>
+      <p:sp>
+        <p:nvSpPr>
+          <p:cNvPr id="55" name="CaixaDeTexto 3">
+            <a:extLst>
+              <a:ext uri="{FF2B5EF4-FFF2-40B4-BE49-F238E27FC236}">
+                <a16:creationId xmlns:a16="http://schemas.microsoft.com/office/drawing/2014/main" id="{BF610D12-74BC-50E5-A694-277F36CC9E56}"/>
+              </a:ext>
+            </a:extLst>
+          </p:cNvPr>
+          <p:cNvSpPr/>
+          <p:nvPr/>
+        </p:nvSpPr>
+        <p:spPr>
+          <a:xfrm>
+            <a:off x="6629400" y="6362640"/>
+            <a:ext cx="5855760" cy="337100"/>
+          </a:xfrm>
+          <a:prstGeom prst="rect">
+            <a:avLst/>
+          </a:prstGeom>
+          <a:noFill/>
+          <a:ln w="0">
+            <a:noFill/>
+          </a:ln>
+        </p:spPr>
+        <p:style>
+          <a:lnRef idx="0">
+            <a:scrgbClr r="0" g="0" b="0"/>
+          </a:lnRef>
+          <a:fillRef idx="0">
+            <a:scrgbClr r="0" g="0" b="0"/>
+          </a:fillRef>
+          <a:effectRef idx="0">
+            <a:scrgbClr r="0" g="0" b="0"/>
+          </a:effectRef>
+          <a:fontRef idx="minor"/>
+        </p:style>
+        <p:txBody>
+          <a:bodyPr vertOverflow="overflow" horzOverflow="overflow" lIns="90000" tIns="45000" rIns="90000" bIns="45000" numCol="1" spcCol="0" anchor="t">
+            <a:spAutoFit/>
+          </a:bodyPr>
+          <a:lstStyle/>
+          <a:p>
+            <a:pPr>
+              <a:lnSpc>
+                <a:spcPct val="100000"/>
+              </a:lnSpc>
+              <a:buNone/>
+            </a:pPr>
+            <a:r>
+              <a:rPr lang="pt-PT" sz="1600" b="0" strike="noStrike" spc="-1" dirty="0">
+                <a:solidFill>
+                  <a:srgbClr val="FFFFFF"/>
+                </a:solidFill>
+                <a:latin typeface="Calibri"/>
+                <a:ea typeface="DejaVu Sans"/>
+              </a:rPr>
+              <a:t>Bases de Dados – Jogos Olímpicos   |   Parte 2 - Grupo 8</a:t>
+            </a:r>
+            <a:endParaRPr lang="en-US" sz="1600" b="0" strike="noStrike" spc="-1" dirty="0">
+              <a:latin typeface="Arial"/>
+            </a:endParaRPr>
+          </a:p>
+        </p:txBody>
+      </p:sp>
+    </p:spTree>
+    <p:extLst>
+      <p:ext uri="{BB962C8B-B14F-4D97-AF65-F5344CB8AC3E}">
+        <p14:creationId xmlns:p14="http://schemas.microsoft.com/office/powerpoint/2010/main" val="106293796"/>
       </p:ext>
     </p:extLst>
   </p:cSld>

--- a/BD_TPgr8-pt2.pptx
+++ b/BD_TPgr8-pt2.pptx
@@ -5,7 +5,7 @@
     <p:sldMasterId id="2147483648" r:id="rId1"/>
   </p:sldMasterIdLst>
   <p:notesMasterIdLst>
-    <p:notesMasterId r:id="rId36"/>
+    <p:notesMasterId r:id="rId42"/>
   </p:notesMasterIdLst>
   <p:sldIdLst>
     <p:sldId id="256" r:id="rId2"/>
@@ -41,7 +41,13 @@
     <p:sldId id="288" r:id="rId32"/>
     <p:sldId id="291" r:id="rId33"/>
     <p:sldId id="289" r:id="rId34"/>
-    <p:sldId id="269" r:id="rId35"/>
+    <p:sldId id="292" r:id="rId35"/>
+    <p:sldId id="296" r:id="rId36"/>
+    <p:sldId id="293" r:id="rId37"/>
+    <p:sldId id="294" r:id="rId38"/>
+    <p:sldId id="295" r:id="rId39"/>
+    <p:sldId id="297" r:id="rId40"/>
+    <p:sldId id="269" r:id="rId41"/>
   </p:sldIdLst>
   <p:sldSz cx="12192000" cy="6858000"/>
   <p:notesSz cx="7772400" cy="10058400"/>
@@ -16640,6 +16646,65 @@
           </a:p>
         </p:txBody>
       </p:sp>
+      <p:sp>
+        <p:nvSpPr>
+          <p:cNvPr id="3" name="CaixaDeTexto 2">
+            <a:extLst>
+              <a:ext uri="{FF2B5EF4-FFF2-40B4-BE49-F238E27FC236}">
+                <a16:creationId xmlns:a16="http://schemas.microsoft.com/office/drawing/2014/main" id="{0711F713-5D9B-3C40-CF01-5B3CDA92E072}"/>
+              </a:ext>
+            </a:extLst>
+          </p:cNvPr>
+          <p:cNvSpPr txBox="1"/>
+          <p:nvPr/>
+        </p:nvSpPr>
+        <p:spPr>
+          <a:xfrm>
+            <a:off x="2156697" y="1672699"/>
+            <a:ext cx="7690446" cy="4659545"/>
+          </a:xfrm>
+          <a:prstGeom prst="rect">
+            <a:avLst/>
+          </a:prstGeom>
+          <a:noFill/>
+        </p:spPr>
+        <p:txBody>
+          <a:bodyPr wrap="square">
+            <a:spAutoFit/>
+          </a:bodyPr>
+          <a:lstStyle/>
+          <a:p>
+            <a:pPr indent="457200" algn="just">
+              <a:lnSpc>
+                <a:spcPct val="150000"/>
+              </a:lnSpc>
+            </a:pPr>
+            <a:r>
+              <a:rPr lang="pt-PT" sz="2000" dirty="0">
+                <a:effectLst/>
+                <a:latin typeface="Consolas" panose="020B0609020204030204" pitchFamily="49" charset="0"/>
+                <a:ea typeface="Times New Roman" panose="02020603050405020304" pitchFamily="18" charset="0"/>
+              </a:rPr>
+              <a:t>Depois de realizar o povoamento das tabelas, começamos a elaborar e a executar algumas queries para testar a estrutura e verificar se os dados estavam organizados de forma correta. Essas consultas foram desenvolvidas com o objetivo de explorar as informações armazenadas, garantindo que a modelagem atenda às necessidades propostas inicialmente.</a:t>
+            </a:r>
+          </a:p>
+          <a:p>
+            <a:pPr indent="457200" algn="just">
+              <a:lnSpc>
+                <a:spcPct val="150000"/>
+              </a:lnSpc>
+            </a:pPr>
+            <a:r>
+              <a:rPr lang="pt-PT" sz="2000" dirty="0">
+                <a:effectLst/>
+                <a:latin typeface="Consolas" panose="020B0609020204030204" pitchFamily="49" charset="0"/>
+                <a:ea typeface="Times New Roman" panose="02020603050405020304" pitchFamily="18" charset="0"/>
+              </a:rPr>
+              <a:t>Tendo isto dito apresentamos aqui algumas das queries que utilizamos como testes para a base de dados.</a:t>
+            </a:r>
+          </a:p>
+        </p:txBody>
+      </p:sp>
     </p:spTree>
     <p:extLst>
       <p:ext uri="{BB962C8B-B14F-4D97-AF65-F5344CB8AC3E}">
@@ -16661,7 +16726,7 @@
         <p:cNvPr id="1" name="">
           <a:extLst>
             <a:ext uri="{FF2B5EF4-FFF2-40B4-BE49-F238E27FC236}">
-              <a16:creationId xmlns:a16="http://schemas.microsoft.com/office/drawing/2014/main" id="{8EA051DF-9370-6E1F-A966-FCFFF3AFAA4E}"/>
+              <a16:creationId xmlns:a16="http://schemas.microsoft.com/office/drawing/2014/main" id="{32FE0F7C-989B-02E2-D4B7-D7D48AFE2912}"/>
             </a:ext>
           </a:extLst>
         </p:cNvPr>
@@ -16678,10 +16743,10 @@
       </p:grpSpPr>
       <p:sp>
         <p:nvSpPr>
-          <p:cNvPr id="51" name="PlaceHolder 1">
+          <p:cNvPr id="56" name="PlaceHolder 1">
             <a:extLst>
               <a:ext uri="{FF2B5EF4-FFF2-40B4-BE49-F238E27FC236}">
-                <a16:creationId xmlns:a16="http://schemas.microsoft.com/office/drawing/2014/main" id="{F5167765-DEF6-8118-1BA0-EACD0A05728A}"/>
+                <a16:creationId xmlns:a16="http://schemas.microsoft.com/office/drawing/2014/main" id="{9E516310-F963-96A3-8B3A-738F98D4DF67}"/>
               </a:ext>
             </a:extLst>
           </p:cNvPr>
@@ -16694,8 +16759,8 @@
         </p:nvSpPr>
         <p:spPr>
           <a:xfrm>
-            <a:off x="1525680" y="275040"/>
-            <a:ext cx="9141840" cy="1153080"/>
+            <a:off x="1489680" y="576562"/>
+            <a:ext cx="9024480" cy="1096137"/>
           </a:xfrm>
           <a:prstGeom prst="rect">
             <a:avLst/>
@@ -16718,16 +16783,15 @@
               <a:buNone/>
             </a:pPr>
             <a:r>
-              <a:rPr lang="pt-PT" sz="4400" b="0" u="sng" strike="noStrike" spc="-1" dirty="0">
+              <a:rPr lang="pt-PT" sz="4000" b="0" strike="noStrike" spc="-1" dirty="0">
                 <a:solidFill>
                   <a:srgbClr val="870F11"/>
                 </a:solidFill>
-                <a:uFillTx/>
                 <a:latin typeface="Calibri"/>
               </a:rPr>
-              <a:t>Conclusão e Trabalho Futuro</a:t>
+              <a:t>Tradução das interrogações do utilizador para SQL</a:t>
             </a:r>
-            <a:endParaRPr lang="en-US" sz="4400" b="0" strike="noStrike" spc="-1" dirty="0">
+            <a:endParaRPr lang="en-US" sz="4000" b="0" strike="noStrike" spc="-1" dirty="0">
               <a:latin typeface="Arial"/>
             </a:endParaRPr>
           </a:p>
@@ -16735,10 +16799,10 @@
       </p:sp>
       <p:sp>
         <p:nvSpPr>
-          <p:cNvPr id="52" name="Retângulo 4">
+          <p:cNvPr id="57" name="Retângulo 4">
             <a:extLst>
               <a:ext uri="{FF2B5EF4-FFF2-40B4-BE49-F238E27FC236}">
-                <a16:creationId xmlns:a16="http://schemas.microsoft.com/office/drawing/2014/main" id="{69301A0B-E77F-3789-C9E4-6579746AE1F2}"/>
+                <a16:creationId xmlns:a16="http://schemas.microsoft.com/office/drawing/2014/main" id="{FCBEB019-D30B-5B47-A18E-697CA6D3C54A}"/>
               </a:ext>
             </a:extLst>
           </p:cNvPr>
@@ -16786,10 +16850,10 @@
       </p:sp>
       <p:sp>
         <p:nvSpPr>
-          <p:cNvPr id="53" name="CaixaDeTexto 5">
+          <p:cNvPr id="58" name="CaixaDeTexto 5">
             <a:extLst>
               <a:ext uri="{FF2B5EF4-FFF2-40B4-BE49-F238E27FC236}">
-                <a16:creationId xmlns:a16="http://schemas.microsoft.com/office/drawing/2014/main" id="{9627A777-B39B-0638-8DF6-212D4B3F7B50}"/>
+                <a16:creationId xmlns:a16="http://schemas.microsoft.com/office/drawing/2014/main" id="{EB33FF6E-F0F1-DD77-AC6A-DEC930861CCA}"/>
               </a:ext>
             </a:extLst>
           </p:cNvPr>
@@ -16798,8 +16862,8 @@
         </p:nvSpPr>
         <p:spPr>
           <a:xfrm>
-            <a:off x="1814400" y="1845720"/>
-            <a:ext cx="6792840" cy="1598984"/>
+            <a:off x="1489680" y="1828800"/>
+            <a:ext cx="9024480" cy="829543"/>
           </a:xfrm>
           <a:prstGeom prst="rect">
             <a:avLst/>
@@ -16826,28 +16890,6 @@
             <a:spAutoFit/>
           </a:bodyPr>
           <a:lstStyle/>
-          <a:p>
-            <a:pPr>
-              <a:lnSpc>
-                <a:spcPct val="150000"/>
-              </a:lnSpc>
-              <a:buNone/>
-            </a:pPr>
-            <a:endParaRPr lang="en-US" sz="2000" b="0" strike="noStrike" spc="-1" dirty="0">
-              <a:latin typeface="Arial"/>
-            </a:endParaRPr>
-          </a:p>
-          <a:p>
-            <a:pPr>
-              <a:lnSpc>
-                <a:spcPct val="100000"/>
-              </a:lnSpc>
-              <a:buNone/>
-            </a:pPr>
-            <a:endParaRPr lang="en-US" sz="2000" b="0" strike="noStrike" spc="-1" dirty="0">
-              <a:latin typeface="Arial"/>
-            </a:endParaRPr>
-          </a:p>
           <a:p>
             <a:pPr algn="ctr">
               <a:lnSpc>
@@ -16874,10 +16916,10 @@
       </p:sp>
       <p:pic>
         <p:nvPicPr>
-          <p:cNvPr id="54" name="Imagem 3">
+          <p:cNvPr id="59" name="Imagem 3">
             <a:extLst>
               <a:ext uri="{FF2B5EF4-FFF2-40B4-BE49-F238E27FC236}">
-                <a16:creationId xmlns:a16="http://schemas.microsoft.com/office/drawing/2014/main" id="{6E7FEA2B-DBA8-4F6D-6745-525908B5D127}"/>
+                <a16:creationId xmlns:a16="http://schemas.microsoft.com/office/drawing/2014/main" id="{E0D0ABD6-333D-5AF5-90AA-3092B4D605CB}"/>
               </a:ext>
             </a:extLst>
           </p:cNvPr>
@@ -16903,10 +16945,10 @@
       </p:pic>
       <p:sp>
         <p:nvSpPr>
-          <p:cNvPr id="55" name="CaixaDeTexto 3">
+          <p:cNvPr id="60" name="CaixaDeTexto 1">
             <a:extLst>
               <a:ext uri="{FF2B5EF4-FFF2-40B4-BE49-F238E27FC236}">
-                <a16:creationId xmlns:a16="http://schemas.microsoft.com/office/drawing/2014/main" id="{BF610D12-74BC-50E5-A694-277F36CC9E56}"/>
+                <a16:creationId xmlns:a16="http://schemas.microsoft.com/office/drawing/2014/main" id="{A952F90D-C50D-9B92-0BA0-B9357181768B}"/>
               </a:ext>
             </a:extLst>
           </p:cNvPr>
@@ -16966,10 +17008,1826 @@
           </a:p>
         </p:txBody>
       </p:sp>
+      <p:pic>
+        <p:nvPicPr>
+          <p:cNvPr id="15362" name="Picture 2">
+            <a:extLst>
+              <a:ext uri="{FF2B5EF4-FFF2-40B4-BE49-F238E27FC236}">
+                <a16:creationId xmlns:a16="http://schemas.microsoft.com/office/drawing/2014/main" id="{B3394DD3-F7B5-B57D-9A4C-347C33CD25B2}"/>
+              </a:ext>
+            </a:extLst>
+          </p:cNvPr>
+          <p:cNvPicPr>
+            <a:picLocks noChangeAspect="1" noChangeArrowheads="1"/>
+          </p:cNvPicPr>
+          <p:nvPr/>
+        </p:nvPicPr>
+        <p:blipFill>
+          <a:blip r:embed="rId3">
+            <a:extLst>
+              <a:ext uri="{28A0092B-C50C-407E-A947-70E740481C1C}">
+                <a14:useLocalDpi xmlns:a14="http://schemas.microsoft.com/office/drawing/2010/main" val="0"/>
+              </a:ext>
+            </a:extLst>
+          </a:blip>
+          <a:srcRect l="-12" t="-40" r="-12" b="-40"/>
+          <a:stretch>
+            <a:fillRect/>
+          </a:stretch>
+        </p:blipFill>
+        <p:spPr bwMode="auto">
+          <a:xfrm>
+            <a:off x="1592223" y="2381592"/>
+            <a:ext cx="9007553" cy="3004545"/>
+          </a:xfrm>
+          <a:prstGeom prst="rect">
+            <a:avLst/>
+          </a:prstGeom>
+          <a:ln w="38100" cap="sq">
+            <a:solidFill>
+              <a:srgbClr val="000000"/>
+            </a:solidFill>
+            <a:prstDash val="solid"/>
+            <a:miter lim="800000"/>
+          </a:ln>
+          <a:effectLst>
+            <a:outerShdw blurRad="50800" dist="38100" dir="2700000" algn="tl" rotWithShape="0">
+              <a:srgbClr val="000000">
+                <a:alpha val="43000"/>
+              </a:srgbClr>
+            </a:outerShdw>
+          </a:effectLst>
+          <a:extLst>
+            <a:ext uri="{91240B29-F687-4F45-9708-019B960494DF}">
+              <a14:hiddenLine xmlns:a14="http://schemas.microsoft.com/office/drawing/2010/main" w="9525">
+                <a:solidFill>
+                  <a:srgbClr val="000000"/>
+                </a:solidFill>
+                <a:miter lim="800000"/>
+                <a:headEnd/>
+                <a:tailEnd/>
+              </a14:hiddenLine>
+            </a:ext>
+          </a:extLst>
+        </p:spPr>
+      </p:pic>
     </p:spTree>
     <p:extLst>
       <p:ext uri="{BB962C8B-B14F-4D97-AF65-F5344CB8AC3E}">
-        <p14:creationId xmlns:p14="http://schemas.microsoft.com/office/powerpoint/2010/main" val="106293796"/>
+        <p14:creationId xmlns:p14="http://schemas.microsoft.com/office/powerpoint/2010/main" val="97567918"/>
+      </p:ext>
+    </p:extLst>
+  </p:cSld>
+  <p:clrMapOvr>
+    <a:masterClrMapping/>
+  </p:clrMapOvr>
+</p:sld>
+</file>
+
+<file path=ppt/slides/slide35.xml><?xml version="1.0" encoding="utf-8"?>
+<p:sld xmlns:a="http://schemas.openxmlformats.org/drawingml/2006/main" xmlns:r="http://schemas.openxmlformats.org/officeDocument/2006/relationships" xmlns:p="http://schemas.openxmlformats.org/presentationml/2006/main" show="0">
+  <p:cSld>
+    <p:spTree>
+      <p:nvGrpSpPr>
+        <p:cNvPr id="1" name="">
+          <a:extLst>
+            <a:ext uri="{FF2B5EF4-FFF2-40B4-BE49-F238E27FC236}">
+              <a16:creationId xmlns:a16="http://schemas.microsoft.com/office/drawing/2014/main" id="{83521F07-4E1F-49F9-2D02-DD55B77794D9}"/>
+            </a:ext>
+          </a:extLst>
+        </p:cNvPr>
+        <p:cNvGrpSpPr/>
+        <p:nvPr/>
+      </p:nvGrpSpPr>
+      <p:grpSpPr>
+        <a:xfrm>
+          <a:off x="0" y="0"/>
+          <a:ext cx="0" cy="0"/>
+          <a:chOff x="0" y="0"/>
+          <a:chExt cx="0" cy="0"/>
+        </a:xfrm>
+      </p:grpSpPr>
+      <p:sp>
+        <p:nvSpPr>
+          <p:cNvPr id="56" name="PlaceHolder 1">
+            <a:extLst>
+              <a:ext uri="{FF2B5EF4-FFF2-40B4-BE49-F238E27FC236}">
+                <a16:creationId xmlns:a16="http://schemas.microsoft.com/office/drawing/2014/main" id="{A5DAF35C-CED3-5228-6B82-0AB26D2BA57D}"/>
+              </a:ext>
+            </a:extLst>
+          </p:cNvPr>
+          <p:cNvSpPr>
+            <a:spLocks noGrp="1"/>
+          </p:cNvSpPr>
+          <p:nvPr>
+            <p:ph type="title"/>
+          </p:nvPr>
+        </p:nvSpPr>
+        <p:spPr>
+          <a:xfrm>
+            <a:off x="1489680" y="576562"/>
+            <a:ext cx="9024480" cy="1096137"/>
+          </a:xfrm>
+          <a:prstGeom prst="rect">
+            <a:avLst/>
+          </a:prstGeom>
+          <a:noFill/>
+          <a:ln w="0">
+            <a:noFill/>
+          </a:ln>
+        </p:spPr>
+        <p:txBody>
+          <a:bodyPr lIns="0" tIns="0" rIns="0" bIns="0" anchor="b">
+            <a:noAutofit/>
+          </a:bodyPr>
+          <a:lstStyle/>
+          <a:p>
+            <a:pPr algn="ctr">
+              <a:lnSpc>
+                <a:spcPct val="90000"/>
+              </a:lnSpc>
+              <a:buNone/>
+            </a:pPr>
+            <a:r>
+              <a:rPr lang="pt-PT" sz="4000" b="0" strike="noStrike" spc="-1" dirty="0">
+                <a:solidFill>
+                  <a:srgbClr val="870F11"/>
+                </a:solidFill>
+                <a:latin typeface="Calibri"/>
+              </a:rPr>
+              <a:t>Tradução das interrogações do utilizador para SQL</a:t>
+            </a:r>
+            <a:endParaRPr lang="en-US" sz="4000" b="0" strike="noStrike" spc="-1" dirty="0">
+              <a:latin typeface="Arial"/>
+            </a:endParaRPr>
+          </a:p>
+        </p:txBody>
+      </p:sp>
+      <p:sp>
+        <p:nvSpPr>
+          <p:cNvPr id="57" name="Retângulo 4">
+            <a:extLst>
+              <a:ext uri="{FF2B5EF4-FFF2-40B4-BE49-F238E27FC236}">
+                <a16:creationId xmlns:a16="http://schemas.microsoft.com/office/drawing/2014/main" id="{C13E8AAB-9159-12D3-0020-B11C619A75C7}"/>
+              </a:ext>
+            </a:extLst>
+          </p:cNvPr>
+          <p:cNvSpPr/>
+          <p:nvPr/>
+        </p:nvSpPr>
+        <p:spPr>
+          <a:xfrm>
+            <a:off x="0" y="6233760"/>
+            <a:ext cx="12189960" cy="622080"/>
+          </a:xfrm>
+          <a:prstGeom prst="rect">
+            <a:avLst/>
+          </a:prstGeom>
+          <a:solidFill>
+            <a:srgbClr val="870F11"/>
+          </a:solidFill>
+          <a:ln>
+            <a:solidFill>
+              <a:srgbClr val="870F11"/>
+            </a:solidFill>
+          </a:ln>
+        </p:spPr>
+        <p:style>
+          <a:lnRef idx="2">
+            <a:schemeClr val="accent1">
+              <a:shade val="50000"/>
+            </a:schemeClr>
+          </a:lnRef>
+          <a:fillRef idx="1">
+            <a:schemeClr val="accent1"/>
+          </a:fillRef>
+          <a:effectRef idx="0">
+            <a:schemeClr val="accent1"/>
+          </a:effectRef>
+          <a:fontRef idx="minor"/>
+        </p:style>
+        <p:txBody>
+          <a:bodyPr/>
+          <a:lstStyle/>
+          <a:p>
+            <a:endParaRPr lang="pt-PT"/>
+          </a:p>
+        </p:txBody>
+      </p:sp>
+      <p:sp>
+        <p:nvSpPr>
+          <p:cNvPr id="58" name="CaixaDeTexto 5">
+            <a:extLst>
+              <a:ext uri="{FF2B5EF4-FFF2-40B4-BE49-F238E27FC236}">
+                <a16:creationId xmlns:a16="http://schemas.microsoft.com/office/drawing/2014/main" id="{C67CD105-BD21-B63B-E0C9-A4328B074B28}"/>
+              </a:ext>
+            </a:extLst>
+          </p:cNvPr>
+          <p:cNvSpPr/>
+          <p:nvPr/>
+        </p:nvSpPr>
+        <p:spPr>
+          <a:xfrm>
+            <a:off x="1489680" y="1828800"/>
+            <a:ext cx="9024480" cy="829543"/>
+          </a:xfrm>
+          <a:prstGeom prst="rect">
+            <a:avLst/>
+          </a:prstGeom>
+          <a:noFill/>
+          <a:ln w="0">
+            <a:noFill/>
+          </a:ln>
+        </p:spPr>
+        <p:style>
+          <a:lnRef idx="0">
+            <a:scrgbClr r="0" g="0" b="0"/>
+          </a:lnRef>
+          <a:fillRef idx="0">
+            <a:scrgbClr r="0" g="0" b="0"/>
+          </a:fillRef>
+          <a:effectRef idx="0">
+            <a:scrgbClr r="0" g="0" b="0"/>
+          </a:effectRef>
+          <a:fontRef idx="minor"/>
+        </p:style>
+        <p:txBody>
+          <a:bodyPr vertOverflow="overflow" horzOverflow="overflow" lIns="90000" tIns="45000" rIns="90000" bIns="45000" numCol="1" spcCol="0" anchor="t">
+            <a:spAutoFit/>
+          </a:bodyPr>
+          <a:lstStyle/>
+          <a:p>
+            <a:pPr algn="ctr">
+              <a:lnSpc>
+                <a:spcPct val="100000"/>
+              </a:lnSpc>
+              <a:buNone/>
+            </a:pPr>
+            <a:endParaRPr lang="en-US" sz="2400" b="0" strike="noStrike" spc="-1" dirty="0">
+              <a:latin typeface="Arial"/>
+            </a:endParaRPr>
+          </a:p>
+          <a:p>
+            <a:pPr algn="ctr">
+              <a:lnSpc>
+                <a:spcPct val="100000"/>
+              </a:lnSpc>
+              <a:buNone/>
+            </a:pPr>
+            <a:endParaRPr lang="en-US" sz="2400" b="0" strike="noStrike" spc="-1" dirty="0">
+              <a:latin typeface="Arial"/>
+            </a:endParaRPr>
+          </a:p>
+        </p:txBody>
+      </p:sp>
+      <p:pic>
+        <p:nvPicPr>
+          <p:cNvPr id="59" name="Imagem 3">
+            <a:extLst>
+              <a:ext uri="{FF2B5EF4-FFF2-40B4-BE49-F238E27FC236}">
+                <a16:creationId xmlns:a16="http://schemas.microsoft.com/office/drawing/2014/main" id="{26E5CAE5-3538-39E7-6D88-DB23ECF76F87}"/>
+              </a:ext>
+            </a:extLst>
+          </p:cNvPr>
+          <p:cNvPicPr/>
+          <p:nvPr/>
+        </p:nvPicPr>
+        <p:blipFill>
+          <a:blip r:embed="rId2"/>
+          <a:stretch/>
+        </p:blipFill>
+        <p:spPr>
+          <a:xfrm>
+            <a:off x="3240" y="6261480"/>
+            <a:ext cx="1236960" cy="709200"/>
+          </a:xfrm>
+          <a:prstGeom prst="rect">
+            <a:avLst/>
+          </a:prstGeom>
+          <a:ln w="0">
+            <a:noFill/>
+          </a:ln>
+        </p:spPr>
+      </p:pic>
+      <p:sp>
+        <p:nvSpPr>
+          <p:cNvPr id="60" name="CaixaDeTexto 1">
+            <a:extLst>
+              <a:ext uri="{FF2B5EF4-FFF2-40B4-BE49-F238E27FC236}">
+                <a16:creationId xmlns:a16="http://schemas.microsoft.com/office/drawing/2014/main" id="{DC1ADE9C-4860-F386-9DAA-1FD78C39BA4F}"/>
+              </a:ext>
+            </a:extLst>
+          </p:cNvPr>
+          <p:cNvSpPr/>
+          <p:nvPr/>
+        </p:nvSpPr>
+        <p:spPr>
+          <a:xfrm>
+            <a:off x="6629400" y="6362640"/>
+            <a:ext cx="5855760" cy="337100"/>
+          </a:xfrm>
+          <a:prstGeom prst="rect">
+            <a:avLst/>
+          </a:prstGeom>
+          <a:noFill/>
+          <a:ln w="0">
+            <a:noFill/>
+          </a:ln>
+        </p:spPr>
+        <p:style>
+          <a:lnRef idx="0">
+            <a:scrgbClr r="0" g="0" b="0"/>
+          </a:lnRef>
+          <a:fillRef idx="0">
+            <a:scrgbClr r="0" g="0" b="0"/>
+          </a:fillRef>
+          <a:effectRef idx="0">
+            <a:scrgbClr r="0" g="0" b="0"/>
+          </a:effectRef>
+          <a:fontRef idx="minor"/>
+        </p:style>
+        <p:txBody>
+          <a:bodyPr vertOverflow="overflow" horzOverflow="overflow" lIns="90000" tIns="45000" rIns="90000" bIns="45000" numCol="1" spcCol="0" anchor="t">
+            <a:spAutoFit/>
+          </a:bodyPr>
+          <a:lstStyle/>
+          <a:p>
+            <a:pPr>
+              <a:lnSpc>
+                <a:spcPct val="100000"/>
+              </a:lnSpc>
+              <a:buNone/>
+            </a:pPr>
+            <a:r>
+              <a:rPr lang="pt-PT" sz="1600" b="0" strike="noStrike" spc="-1" dirty="0">
+                <a:solidFill>
+                  <a:srgbClr val="FFFFFF"/>
+                </a:solidFill>
+                <a:latin typeface="Calibri"/>
+                <a:ea typeface="DejaVu Sans"/>
+              </a:rPr>
+              <a:t>Bases de Dados – Jogos Olímpicos   |   Parte 2 - Grupo 8</a:t>
+            </a:r>
+            <a:endParaRPr lang="en-US" sz="1600" b="0" strike="noStrike" spc="-1" dirty="0">
+              <a:latin typeface="Arial"/>
+            </a:endParaRPr>
+          </a:p>
+        </p:txBody>
+      </p:sp>
+      <p:pic>
+        <p:nvPicPr>
+          <p:cNvPr id="17411" name="Picture 3">
+            <a:extLst>
+              <a:ext uri="{FF2B5EF4-FFF2-40B4-BE49-F238E27FC236}">
+                <a16:creationId xmlns:a16="http://schemas.microsoft.com/office/drawing/2014/main" id="{69F11D26-0C59-F105-2FC5-EE80BDF7E14B}"/>
+              </a:ext>
+            </a:extLst>
+          </p:cNvPr>
+          <p:cNvPicPr>
+            <a:picLocks noChangeAspect="1" noChangeArrowheads="1"/>
+          </p:cNvPicPr>
+          <p:nvPr/>
+        </p:nvPicPr>
+        <p:blipFill>
+          <a:blip r:embed="rId3">
+            <a:extLst>
+              <a:ext uri="{28A0092B-C50C-407E-A947-70E740481C1C}">
+                <a14:useLocalDpi xmlns:a14="http://schemas.microsoft.com/office/drawing/2010/main" val="0"/>
+              </a:ext>
+            </a:extLst>
+          </a:blip>
+          <a:srcRect l="-14" t="-55" r="-14" b="-55"/>
+          <a:stretch>
+            <a:fillRect/>
+          </a:stretch>
+        </p:blipFill>
+        <p:spPr bwMode="auto">
+          <a:xfrm>
+            <a:off x="1332751" y="2171982"/>
+            <a:ext cx="9526498" cy="2514035"/>
+          </a:xfrm>
+          <a:prstGeom prst="rect">
+            <a:avLst/>
+          </a:prstGeom>
+          <a:ln w="38100" cap="sq">
+            <a:solidFill>
+              <a:srgbClr val="000000"/>
+            </a:solidFill>
+            <a:prstDash val="solid"/>
+            <a:miter lim="800000"/>
+          </a:ln>
+          <a:effectLst>
+            <a:outerShdw blurRad="50800" dist="38100" dir="2700000" algn="tl" rotWithShape="0">
+              <a:srgbClr val="000000">
+                <a:alpha val="43000"/>
+              </a:srgbClr>
+            </a:outerShdw>
+          </a:effectLst>
+          <a:extLst>
+            <a:ext uri="{91240B29-F687-4F45-9708-019B960494DF}">
+              <a14:hiddenLine xmlns:a14="http://schemas.microsoft.com/office/drawing/2010/main" w="9525">
+                <a:solidFill>
+                  <a:srgbClr val="000000"/>
+                </a:solidFill>
+                <a:miter lim="800000"/>
+                <a:headEnd/>
+                <a:tailEnd/>
+              </a14:hiddenLine>
+            </a:ext>
+          </a:extLst>
+        </p:spPr>
+      </p:pic>
+    </p:spTree>
+    <p:extLst>
+      <p:ext uri="{BB962C8B-B14F-4D97-AF65-F5344CB8AC3E}">
+        <p14:creationId xmlns:p14="http://schemas.microsoft.com/office/powerpoint/2010/main" val="1184171978"/>
+      </p:ext>
+    </p:extLst>
+  </p:cSld>
+  <p:clrMapOvr>
+    <a:masterClrMapping/>
+  </p:clrMapOvr>
+</p:sld>
+</file>
+
+<file path=ppt/slides/slide36.xml><?xml version="1.0" encoding="utf-8"?>
+<p:sld xmlns:a="http://schemas.openxmlformats.org/drawingml/2006/main" xmlns:r="http://schemas.openxmlformats.org/officeDocument/2006/relationships" xmlns:p="http://schemas.openxmlformats.org/presentationml/2006/main" show="0">
+  <p:cSld>
+    <p:spTree>
+      <p:nvGrpSpPr>
+        <p:cNvPr id="1" name="">
+          <a:extLst>
+            <a:ext uri="{FF2B5EF4-FFF2-40B4-BE49-F238E27FC236}">
+              <a16:creationId xmlns:a16="http://schemas.microsoft.com/office/drawing/2014/main" id="{834EE7F9-8458-9B60-049F-5C2630696827}"/>
+            </a:ext>
+          </a:extLst>
+        </p:cNvPr>
+        <p:cNvGrpSpPr/>
+        <p:nvPr/>
+      </p:nvGrpSpPr>
+      <p:grpSpPr>
+        <a:xfrm>
+          <a:off x="0" y="0"/>
+          <a:ext cx="0" cy="0"/>
+          <a:chOff x="0" y="0"/>
+          <a:chExt cx="0" cy="0"/>
+        </a:xfrm>
+      </p:grpSpPr>
+      <p:sp>
+        <p:nvSpPr>
+          <p:cNvPr id="56" name="PlaceHolder 1">
+            <a:extLst>
+              <a:ext uri="{FF2B5EF4-FFF2-40B4-BE49-F238E27FC236}">
+                <a16:creationId xmlns:a16="http://schemas.microsoft.com/office/drawing/2014/main" id="{3D2CBB03-3468-59F0-31CB-183AE0046D96}"/>
+              </a:ext>
+            </a:extLst>
+          </p:cNvPr>
+          <p:cNvSpPr>
+            <a:spLocks noGrp="1"/>
+          </p:cNvSpPr>
+          <p:nvPr>
+            <p:ph type="title"/>
+          </p:nvPr>
+        </p:nvSpPr>
+        <p:spPr>
+          <a:xfrm>
+            <a:off x="1489680" y="576562"/>
+            <a:ext cx="9024480" cy="1096137"/>
+          </a:xfrm>
+          <a:prstGeom prst="rect">
+            <a:avLst/>
+          </a:prstGeom>
+          <a:noFill/>
+          <a:ln w="0">
+            <a:noFill/>
+          </a:ln>
+        </p:spPr>
+        <p:txBody>
+          <a:bodyPr lIns="0" tIns="0" rIns="0" bIns="0" anchor="b">
+            <a:noAutofit/>
+          </a:bodyPr>
+          <a:lstStyle/>
+          <a:p>
+            <a:pPr algn="ctr">
+              <a:lnSpc>
+                <a:spcPct val="90000"/>
+              </a:lnSpc>
+              <a:buNone/>
+            </a:pPr>
+            <a:r>
+              <a:rPr lang="pt-PT" sz="4000" b="0" strike="noStrike" spc="-1" dirty="0">
+                <a:solidFill>
+                  <a:srgbClr val="870F11"/>
+                </a:solidFill>
+                <a:latin typeface="Calibri"/>
+              </a:rPr>
+              <a:t>Tradução das interrogações do utilizador para SQL</a:t>
+            </a:r>
+            <a:endParaRPr lang="en-US" sz="4000" b="0" strike="noStrike" spc="-1" dirty="0">
+              <a:latin typeface="Arial"/>
+            </a:endParaRPr>
+          </a:p>
+        </p:txBody>
+      </p:sp>
+      <p:sp>
+        <p:nvSpPr>
+          <p:cNvPr id="57" name="Retângulo 4">
+            <a:extLst>
+              <a:ext uri="{FF2B5EF4-FFF2-40B4-BE49-F238E27FC236}">
+                <a16:creationId xmlns:a16="http://schemas.microsoft.com/office/drawing/2014/main" id="{01BA3BCF-1EF4-2C62-FA00-815BCEEE5A0E}"/>
+              </a:ext>
+            </a:extLst>
+          </p:cNvPr>
+          <p:cNvSpPr/>
+          <p:nvPr/>
+        </p:nvSpPr>
+        <p:spPr>
+          <a:xfrm>
+            <a:off x="0" y="6233760"/>
+            <a:ext cx="12189960" cy="622080"/>
+          </a:xfrm>
+          <a:prstGeom prst="rect">
+            <a:avLst/>
+          </a:prstGeom>
+          <a:solidFill>
+            <a:srgbClr val="870F11"/>
+          </a:solidFill>
+          <a:ln>
+            <a:solidFill>
+              <a:srgbClr val="870F11"/>
+            </a:solidFill>
+          </a:ln>
+        </p:spPr>
+        <p:style>
+          <a:lnRef idx="2">
+            <a:schemeClr val="accent1">
+              <a:shade val="50000"/>
+            </a:schemeClr>
+          </a:lnRef>
+          <a:fillRef idx="1">
+            <a:schemeClr val="accent1"/>
+          </a:fillRef>
+          <a:effectRef idx="0">
+            <a:schemeClr val="accent1"/>
+          </a:effectRef>
+          <a:fontRef idx="minor"/>
+        </p:style>
+        <p:txBody>
+          <a:bodyPr/>
+          <a:lstStyle/>
+          <a:p>
+            <a:endParaRPr lang="pt-PT"/>
+          </a:p>
+        </p:txBody>
+      </p:sp>
+      <p:sp>
+        <p:nvSpPr>
+          <p:cNvPr id="58" name="CaixaDeTexto 5">
+            <a:extLst>
+              <a:ext uri="{FF2B5EF4-FFF2-40B4-BE49-F238E27FC236}">
+                <a16:creationId xmlns:a16="http://schemas.microsoft.com/office/drawing/2014/main" id="{0A5A540A-D493-D6BE-7D2A-0FBAD50F45CF}"/>
+              </a:ext>
+            </a:extLst>
+          </p:cNvPr>
+          <p:cNvSpPr/>
+          <p:nvPr/>
+        </p:nvSpPr>
+        <p:spPr>
+          <a:xfrm>
+            <a:off x="1489680" y="1828800"/>
+            <a:ext cx="9024480" cy="829543"/>
+          </a:xfrm>
+          <a:prstGeom prst="rect">
+            <a:avLst/>
+          </a:prstGeom>
+          <a:noFill/>
+          <a:ln w="0">
+            <a:noFill/>
+          </a:ln>
+        </p:spPr>
+        <p:style>
+          <a:lnRef idx="0">
+            <a:scrgbClr r="0" g="0" b="0"/>
+          </a:lnRef>
+          <a:fillRef idx="0">
+            <a:scrgbClr r="0" g="0" b="0"/>
+          </a:fillRef>
+          <a:effectRef idx="0">
+            <a:scrgbClr r="0" g="0" b="0"/>
+          </a:effectRef>
+          <a:fontRef idx="minor"/>
+        </p:style>
+        <p:txBody>
+          <a:bodyPr vertOverflow="overflow" horzOverflow="overflow" lIns="90000" tIns="45000" rIns="90000" bIns="45000" numCol="1" spcCol="0" anchor="t">
+            <a:spAutoFit/>
+          </a:bodyPr>
+          <a:lstStyle/>
+          <a:p>
+            <a:pPr algn="ctr">
+              <a:lnSpc>
+                <a:spcPct val="100000"/>
+              </a:lnSpc>
+              <a:buNone/>
+            </a:pPr>
+            <a:endParaRPr lang="en-US" sz="2400" b="0" strike="noStrike" spc="-1" dirty="0">
+              <a:latin typeface="Arial"/>
+            </a:endParaRPr>
+          </a:p>
+          <a:p>
+            <a:pPr algn="ctr">
+              <a:lnSpc>
+                <a:spcPct val="100000"/>
+              </a:lnSpc>
+              <a:buNone/>
+            </a:pPr>
+            <a:endParaRPr lang="en-US" sz="2400" b="0" strike="noStrike" spc="-1" dirty="0">
+              <a:latin typeface="Arial"/>
+            </a:endParaRPr>
+          </a:p>
+        </p:txBody>
+      </p:sp>
+      <p:pic>
+        <p:nvPicPr>
+          <p:cNvPr id="59" name="Imagem 3">
+            <a:extLst>
+              <a:ext uri="{FF2B5EF4-FFF2-40B4-BE49-F238E27FC236}">
+                <a16:creationId xmlns:a16="http://schemas.microsoft.com/office/drawing/2014/main" id="{105F8328-3408-8040-2C10-C0831162C975}"/>
+              </a:ext>
+            </a:extLst>
+          </p:cNvPr>
+          <p:cNvPicPr/>
+          <p:nvPr/>
+        </p:nvPicPr>
+        <p:blipFill>
+          <a:blip r:embed="rId2"/>
+          <a:stretch/>
+        </p:blipFill>
+        <p:spPr>
+          <a:xfrm>
+            <a:off x="3240" y="6261480"/>
+            <a:ext cx="1236960" cy="709200"/>
+          </a:xfrm>
+          <a:prstGeom prst="rect">
+            <a:avLst/>
+          </a:prstGeom>
+          <a:ln w="0">
+            <a:noFill/>
+          </a:ln>
+        </p:spPr>
+      </p:pic>
+      <p:sp>
+        <p:nvSpPr>
+          <p:cNvPr id="60" name="CaixaDeTexto 1">
+            <a:extLst>
+              <a:ext uri="{FF2B5EF4-FFF2-40B4-BE49-F238E27FC236}">
+                <a16:creationId xmlns:a16="http://schemas.microsoft.com/office/drawing/2014/main" id="{ABF6BC0D-EFA8-5B4F-D0FE-1821BEB292E3}"/>
+              </a:ext>
+            </a:extLst>
+          </p:cNvPr>
+          <p:cNvSpPr/>
+          <p:nvPr/>
+        </p:nvSpPr>
+        <p:spPr>
+          <a:xfrm>
+            <a:off x="6629400" y="6362640"/>
+            <a:ext cx="5855760" cy="337100"/>
+          </a:xfrm>
+          <a:prstGeom prst="rect">
+            <a:avLst/>
+          </a:prstGeom>
+          <a:noFill/>
+          <a:ln w="0">
+            <a:noFill/>
+          </a:ln>
+        </p:spPr>
+        <p:style>
+          <a:lnRef idx="0">
+            <a:scrgbClr r="0" g="0" b="0"/>
+          </a:lnRef>
+          <a:fillRef idx="0">
+            <a:scrgbClr r="0" g="0" b="0"/>
+          </a:fillRef>
+          <a:effectRef idx="0">
+            <a:scrgbClr r="0" g="0" b="0"/>
+          </a:effectRef>
+          <a:fontRef idx="minor"/>
+        </p:style>
+        <p:txBody>
+          <a:bodyPr vertOverflow="overflow" horzOverflow="overflow" lIns="90000" tIns="45000" rIns="90000" bIns="45000" numCol="1" spcCol="0" anchor="t">
+            <a:spAutoFit/>
+          </a:bodyPr>
+          <a:lstStyle/>
+          <a:p>
+            <a:pPr>
+              <a:lnSpc>
+                <a:spcPct val="100000"/>
+              </a:lnSpc>
+              <a:buNone/>
+            </a:pPr>
+            <a:r>
+              <a:rPr lang="pt-PT" sz="1600" b="0" strike="noStrike" spc="-1" dirty="0">
+                <a:solidFill>
+                  <a:srgbClr val="FFFFFF"/>
+                </a:solidFill>
+                <a:latin typeface="Calibri"/>
+                <a:ea typeface="DejaVu Sans"/>
+              </a:rPr>
+              <a:t>Bases de Dados – Jogos Olímpicos   |   Parte 2 - Grupo 8</a:t>
+            </a:r>
+            <a:endParaRPr lang="en-US" sz="1600" b="0" strike="noStrike" spc="-1" dirty="0">
+              <a:latin typeface="Arial"/>
+            </a:endParaRPr>
+          </a:p>
+        </p:txBody>
+      </p:sp>
+      <p:pic>
+        <p:nvPicPr>
+          <p:cNvPr id="16386" name="Imagem 1">
+            <a:extLst>
+              <a:ext uri="{FF2B5EF4-FFF2-40B4-BE49-F238E27FC236}">
+                <a16:creationId xmlns:a16="http://schemas.microsoft.com/office/drawing/2014/main" id="{3D2147A1-D081-4C5F-49D3-AC26AF7FB58B}"/>
+              </a:ext>
+            </a:extLst>
+          </p:cNvPr>
+          <p:cNvPicPr>
+            <a:picLocks noChangeAspect="1" noChangeArrowheads="1"/>
+          </p:cNvPicPr>
+          <p:nvPr/>
+        </p:nvPicPr>
+        <p:blipFill>
+          <a:blip r:embed="rId3">
+            <a:extLst>
+              <a:ext uri="{28A0092B-C50C-407E-A947-70E740481C1C}">
+                <a14:useLocalDpi xmlns:a14="http://schemas.microsoft.com/office/drawing/2010/main" val="0"/>
+              </a:ext>
+            </a:extLst>
+          </a:blip>
+          <a:srcRect/>
+          <a:stretch>
+            <a:fillRect/>
+          </a:stretch>
+        </p:blipFill>
+        <p:spPr bwMode="auto">
+          <a:xfrm>
+            <a:off x="1002121" y="2243571"/>
+            <a:ext cx="10185718" cy="2734917"/>
+          </a:xfrm>
+          <a:prstGeom prst="rect">
+            <a:avLst/>
+          </a:prstGeom>
+          <a:ln w="38100" cap="sq">
+            <a:solidFill>
+              <a:srgbClr val="000000"/>
+            </a:solidFill>
+            <a:prstDash val="solid"/>
+            <a:miter lim="800000"/>
+          </a:ln>
+          <a:effectLst>
+            <a:outerShdw blurRad="50800" dist="38100" dir="2700000" algn="tl" rotWithShape="0">
+              <a:srgbClr val="000000">
+                <a:alpha val="43000"/>
+              </a:srgbClr>
+            </a:outerShdw>
+          </a:effectLst>
+          <a:extLst>
+            <a:ext uri="{909E8E84-426E-40DD-AFC4-6F175D3DCCD1}">
+              <a14:hiddenFill xmlns:a14="http://schemas.microsoft.com/office/drawing/2010/main">
+                <a:solidFill>
+                  <a:srgbClr val="FFFFFF"/>
+                </a:solidFill>
+              </a14:hiddenFill>
+            </a:ext>
+            <a:ext uri="{91240B29-F687-4F45-9708-019B960494DF}">
+              <a14:hiddenLine xmlns:a14="http://schemas.microsoft.com/office/drawing/2010/main" w="9525">
+                <a:solidFill>
+                  <a:srgbClr val="000000"/>
+                </a:solidFill>
+                <a:miter lim="800000"/>
+                <a:headEnd/>
+                <a:tailEnd/>
+              </a14:hiddenLine>
+            </a:ext>
+          </a:extLst>
+        </p:spPr>
+      </p:pic>
+    </p:spTree>
+    <p:extLst>
+      <p:ext uri="{BB962C8B-B14F-4D97-AF65-F5344CB8AC3E}">
+        <p14:creationId xmlns:p14="http://schemas.microsoft.com/office/powerpoint/2010/main" val="2920255066"/>
+      </p:ext>
+    </p:extLst>
+  </p:cSld>
+  <p:clrMapOvr>
+    <a:masterClrMapping/>
+  </p:clrMapOvr>
+</p:sld>
+</file>
+
+<file path=ppt/slides/slide37.xml><?xml version="1.0" encoding="utf-8"?>
+<p:sld xmlns:a="http://schemas.openxmlformats.org/drawingml/2006/main" xmlns:r="http://schemas.openxmlformats.org/officeDocument/2006/relationships" xmlns:p="http://schemas.openxmlformats.org/presentationml/2006/main" show="0">
+  <p:cSld>
+    <p:spTree>
+      <p:nvGrpSpPr>
+        <p:cNvPr id="1" name="">
+          <a:extLst>
+            <a:ext uri="{FF2B5EF4-FFF2-40B4-BE49-F238E27FC236}">
+              <a16:creationId xmlns:a16="http://schemas.microsoft.com/office/drawing/2014/main" id="{B9602CE5-4858-B8B9-6247-9549CBF383FB}"/>
+            </a:ext>
+          </a:extLst>
+        </p:cNvPr>
+        <p:cNvGrpSpPr/>
+        <p:nvPr/>
+      </p:nvGrpSpPr>
+      <p:grpSpPr>
+        <a:xfrm>
+          <a:off x="0" y="0"/>
+          <a:ext cx="0" cy="0"/>
+          <a:chOff x="0" y="0"/>
+          <a:chExt cx="0" cy="0"/>
+        </a:xfrm>
+      </p:grpSpPr>
+      <p:sp>
+        <p:nvSpPr>
+          <p:cNvPr id="56" name="PlaceHolder 1">
+            <a:extLst>
+              <a:ext uri="{FF2B5EF4-FFF2-40B4-BE49-F238E27FC236}">
+                <a16:creationId xmlns:a16="http://schemas.microsoft.com/office/drawing/2014/main" id="{5485EFFE-DD8A-8C97-5DEF-EB69EE5200BA}"/>
+              </a:ext>
+            </a:extLst>
+          </p:cNvPr>
+          <p:cNvSpPr>
+            <a:spLocks noGrp="1"/>
+          </p:cNvSpPr>
+          <p:nvPr>
+            <p:ph type="title"/>
+          </p:nvPr>
+        </p:nvSpPr>
+        <p:spPr>
+          <a:xfrm>
+            <a:off x="1489680" y="576562"/>
+            <a:ext cx="9024480" cy="1096137"/>
+          </a:xfrm>
+          <a:prstGeom prst="rect">
+            <a:avLst/>
+          </a:prstGeom>
+          <a:noFill/>
+          <a:ln w="0">
+            <a:noFill/>
+          </a:ln>
+        </p:spPr>
+        <p:txBody>
+          <a:bodyPr lIns="0" tIns="0" rIns="0" bIns="0" anchor="b">
+            <a:noAutofit/>
+          </a:bodyPr>
+          <a:lstStyle/>
+          <a:p>
+            <a:pPr algn="ctr">
+              <a:lnSpc>
+                <a:spcPct val="90000"/>
+              </a:lnSpc>
+              <a:buNone/>
+            </a:pPr>
+            <a:r>
+              <a:rPr lang="pt-PT" sz="4000" b="0" strike="noStrike" spc="-1" dirty="0">
+                <a:solidFill>
+                  <a:srgbClr val="870F11"/>
+                </a:solidFill>
+                <a:latin typeface="Calibri"/>
+              </a:rPr>
+              <a:t>Tradução das interrogações do utilizador para SQL</a:t>
+            </a:r>
+            <a:endParaRPr lang="en-US" sz="4000" b="0" strike="noStrike" spc="-1" dirty="0">
+              <a:latin typeface="Arial"/>
+            </a:endParaRPr>
+          </a:p>
+        </p:txBody>
+      </p:sp>
+      <p:sp>
+        <p:nvSpPr>
+          <p:cNvPr id="57" name="Retângulo 4">
+            <a:extLst>
+              <a:ext uri="{FF2B5EF4-FFF2-40B4-BE49-F238E27FC236}">
+                <a16:creationId xmlns:a16="http://schemas.microsoft.com/office/drawing/2014/main" id="{23D4FDCD-D292-0132-1760-B908041EE9BC}"/>
+              </a:ext>
+            </a:extLst>
+          </p:cNvPr>
+          <p:cNvSpPr/>
+          <p:nvPr/>
+        </p:nvSpPr>
+        <p:spPr>
+          <a:xfrm>
+            <a:off x="0" y="6233760"/>
+            <a:ext cx="12189960" cy="622080"/>
+          </a:xfrm>
+          <a:prstGeom prst="rect">
+            <a:avLst/>
+          </a:prstGeom>
+          <a:solidFill>
+            <a:srgbClr val="870F11"/>
+          </a:solidFill>
+          <a:ln>
+            <a:solidFill>
+              <a:srgbClr val="870F11"/>
+            </a:solidFill>
+          </a:ln>
+        </p:spPr>
+        <p:style>
+          <a:lnRef idx="2">
+            <a:schemeClr val="accent1">
+              <a:shade val="50000"/>
+            </a:schemeClr>
+          </a:lnRef>
+          <a:fillRef idx="1">
+            <a:schemeClr val="accent1"/>
+          </a:fillRef>
+          <a:effectRef idx="0">
+            <a:schemeClr val="accent1"/>
+          </a:effectRef>
+          <a:fontRef idx="minor"/>
+        </p:style>
+        <p:txBody>
+          <a:bodyPr/>
+          <a:lstStyle/>
+          <a:p>
+            <a:endParaRPr lang="pt-PT"/>
+          </a:p>
+        </p:txBody>
+      </p:sp>
+      <p:sp>
+        <p:nvSpPr>
+          <p:cNvPr id="58" name="CaixaDeTexto 5">
+            <a:extLst>
+              <a:ext uri="{FF2B5EF4-FFF2-40B4-BE49-F238E27FC236}">
+                <a16:creationId xmlns:a16="http://schemas.microsoft.com/office/drawing/2014/main" id="{06B8DCED-8B63-7F0C-76FD-B14849514D63}"/>
+              </a:ext>
+            </a:extLst>
+          </p:cNvPr>
+          <p:cNvSpPr/>
+          <p:nvPr/>
+        </p:nvSpPr>
+        <p:spPr>
+          <a:xfrm>
+            <a:off x="1489680" y="1828800"/>
+            <a:ext cx="9024480" cy="829543"/>
+          </a:xfrm>
+          <a:prstGeom prst="rect">
+            <a:avLst/>
+          </a:prstGeom>
+          <a:noFill/>
+          <a:ln w="0">
+            <a:noFill/>
+          </a:ln>
+        </p:spPr>
+        <p:style>
+          <a:lnRef idx="0">
+            <a:scrgbClr r="0" g="0" b="0"/>
+          </a:lnRef>
+          <a:fillRef idx="0">
+            <a:scrgbClr r="0" g="0" b="0"/>
+          </a:fillRef>
+          <a:effectRef idx="0">
+            <a:scrgbClr r="0" g="0" b="0"/>
+          </a:effectRef>
+          <a:fontRef idx="minor"/>
+        </p:style>
+        <p:txBody>
+          <a:bodyPr vertOverflow="overflow" horzOverflow="overflow" lIns="90000" tIns="45000" rIns="90000" bIns="45000" numCol="1" spcCol="0" anchor="t">
+            <a:spAutoFit/>
+          </a:bodyPr>
+          <a:lstStyle/>
+          <a:p>
+            <a:pPr algn="ctr">
+              <a:lnSpc>
+                <a:spcPct val="100000"/>
+              </a:lnSpc>
+              <a:buNone/>
+            </a:pPr>
+            <a:endParaRPr lang="en-US" sz="2400" b="0" strike="noStrike" spc="-1" dirty="0">
+              <a:latin typeface="Arial"/>
+            </a:endParaRPr>
+          </a:p>
+          <a:p>
+            <a:pPr algn="ctr">
+              <a:lnSpc>
+                <a:spcPct val="100000"/>
+              </a:lnSpc>
+              <a:buNone/>
+            </a:pPr>
+            <a:endParaRPr lang="en-US" sz="2400" b="0" strike="noStrike" spc="-1" dirty="0">
+              <a:latin typeface="Arial"/>
+            </a:endParaRPr>
+          </a:p>
+        </p:txBody>
+      </p:sp>
+      <p:pic>
+        <p:nvPicPr>
+          <p:cNvPr id="59" name="Imagem 3">
+            <a:extLst>
+              <a:ext uri="{FF2B5EF4-FFF2-40B4-BE49-F238E27FC236}">
+                <a16:creationId xmlns:a16="http://schemas.microsoft.com/office/drawing/2014/main" id="{002D8968-B2AC-CA7C-87A6-08CFC54DDA9C}"/>
+              </a:ext>
+            </a:extLst>
+          </p:cNvPr>
+          <p:cNvPicPr/>
+          <p:nvPr/>
+        </p:nvPicPr>
+        <p:blipFill>
+          <a:blip r:embed="rId2"/>
+          <a:stretch/>
+        </p:blipFill>
+        <p:spPr>
+          <a:xfrm>
+            <a:off x="3240" y="6261480"/>
+            <a:ext cx="1236960" cy="709200"/>
+          </a:xfrm>
+          <a:prstGeom prst="rect">
+            <a:avLst/>
+          </a:prstGeom>
+          <a:ln w="0">
+            <a:noFill/>
+          </a:ln>
+        </p:spPr>
+      </p:pic>
+      <p:sp>
+        <p:nvSpPr>
+          <p:cNvPr id="60" name="CaixaDeTexto 1">
+            <a:extLst>
+              <a:ext uri="{FF2B5EF4-FFF2-40B4-BE49-F238E27FC236}">
+                <a16:creationId xmlns:a16="http://schemas.microsoft.com/office/drawing/2014/main" id="{655C1821-37FB-A030-8B68-3AD0A9D907CF}"/>
+              </a:ext>
+            </a:extLst>
+          </p:cNvPr>
+          <p:cNvSpPr/>
+          <p:nvPr/>
+        </p:nvSpPr>
+        <p:spPr>
+          <a:xfrm>
+            <a:off x="6629400" y="6362640"/>
+            <a:ext cx="5855760" cy="337100"/>
+          </a:xfrm>
+          <a:prstGeom prst="rect">
+            <a:avLst/>
+          </a:prstGeom>
+          <a:noFill/>
+          <a:ln w="0">
+            <a:noFill/>
+          </a:ln>
+        </p:spPr>
+        <p:style>
+          <a:lnRef idx="0">
+            <a:scrgbClr r="0" g="0" b="0"/>
+          </a:lnRef>
+          <a:fillRef idx="0">
+            <a:scrgbClr r="0" g="0" b="0"/>
+          </a:fillRef>
+          <a:effectRef idx="0">
+            <a:scrgbClr r="0" g="0" b="0"/>
+          </a:effectRef>
+          <a:fontRef idx="minor"/>
+        </p:style>
+        <p:txBody>
+          <a:bodyPr vertOverflow="overflow" horzOverflow="overflow" lIns="90000" tIns="45000" rIns="90000" bIns="45000" numCol="1" spcCol="0" anchor="t">
+            <a:spAutoFit/>
+          </a:bodyPr>
+          <a:lstStyle/>
+          <a:p>
+            <a:pPr>
+              <a:lnSpc>
+                <a:spcPct val="100000"/>
+              </a:lnSpc>
+              <a:buNone/>
+            </a:pPr>
+            <a:r>
+              <a:rPr lang="pt-PT" sz="1600" b="0" strike="noStrike" spc="-1" dirty="0">
+                <a:solidFill>
+                  <a:srgbClr val="FFFFFF"/>
+                </a:solidFill>
+                <a:latin typeface="Calibri"/>
+                <a:ea typeface="DejaVu Sans"/>
+              </a:rPr>
+              <a:t>Bases de Dados – Jogos Olímpicos   |   Parte 2 - Grupo 8</a:t>
+            </a:r>
+            <a:endParaRPr lang="en-US" sz="1600" b="0" strike="noStrike" spc="-1" dirty="0">
+              <a:latin typeface="Arial"/>
+            </a:endParaRPr>
+          </a:p>
+        </p:txBody>
+      </p:sp>
+      <p:pic>
+        <p:nvPicPr>
+          <p:cNvPr id="18434" name="Picture 2">
+            <a:extLst>
+              <a:ext uri="{FF2B5EF4-FFF2-40B4-BE49-F238E27FC236}">
+                <a16:creationId xmlns:a16="http://schemas.microsoft.com/office/drawing/2014/main" id="{A2639C6B-F819-59A3-AE1F-718A90394978}"/>
+              </a:ext>
+            </a:extLst>
+          </p:cNvPr>
+          <p:cNvPicPr>
+            <a:picLocks noChangeAspect="1" noChangeArrowheads="1"/>
+          </p:cNvPicPr>
+          <p:nvPr/>
+        </p:nvPicPr>
+        <p:blipFill>
+          <a:blip r:embed="rId3">
+            <a:extLst>
+              <a:ext uri="{28A0092B-C50C-407E-A947-70E740481C1C}">
+                <a14:useLocalDpi xmlns:a14="http://schemas.microsoft.com/office/drawing/2010/main" val="0"/>
+              </a:ext>
+            </a:extLst>
+          </a:blip>
+          <a:srcRect l="-15" t="-40" r="-15" b="-40"/>
+          <a:stretch>
+            <a:fillRect/>
+          </a:stretch>
+        </p:blipFill>
+        <p:spPr bwMode="auto">
+          <a:xfrm>
+            <a:off x="1582740" y="2243571"/>
+            <a:ext cx="9024480" cy="3534112"/>
+          </a:xfrm>
+          <a:prstGeom prst="rect">
+            <a:avLst/>
+          </a:prstGeom>
+          <a:ln w="38100" cap="sq">
+            <a:solidFill>
+              <a:srgbClr val="000000"/>
+            </a:solidFill>
+            <a:prstDash val="solid"/>
+            <a:miter lim="800000"/>
+          </a:ln>
+          <a:effectLst>
+            <a:outerShdw blurRad="50800" dist="38100" dir="2700000" algn="tl" rotWithShape="0">
+              <a:srgbClr val="000000">
+                <a:alpha val="43000"/>
+              </a:srgbClr>
+            </a:outerShdw>
+          </a:effectLst>
+          <a:extLst>
+            <a:ext uri="{91240B29-F687-4F45-9708-019B960494DF}">
+              <a14:hiddenLine xmlns:a14="http://schemas.microsoft.com/office/drawing/2010/main" w="9525">
+                <a:solidFill>
+                  <a:srgbClr val="000000"/>
+                </a:solidFill>
+                <a:miter lim="800000"/>
+                <a:headEnd/>
+                <a:tailEnd/>
+              </a14:hiddenLine>
+            </a:ext>
+          </a:extLst>
+        </p:spPr>
+      </p:pic>
+    </p:spTree>
+    <p:extLst>
+      <p:ext uri="{BB962C8B-B14F-4D97-AF65-F5344CB8AC3E}">
+        <p14:creationId xmlns:p14="http://schemas.microsoft.com/office/powerpoint/2010/main" val="401376195"/>
+      </p:ext>
+    </p:extLst>
+  </p:cSld>
+  <p:clrMapOvr>
+    <a:masterClrMapping/>
+  </p:clrMapOvr>
+</p:sld>
+</file>
+
+<file path=ppt/slides/slide38.xml><?xml version="1.0" encoding="utf-8"?>
+<p:sld xmlns:a="http://schemas.openxmlformats.org/drawingml/2006/main" xmlns:r="http://schemas.openxmlformats.org/officeDocument/2006/relationships" xmlns:p="http://schemas.openxmlformats.org/presentationml/2006/main" show="0">
+  <p:cSld>
+    <p:spTree>
+      <p:nvGrpSpPr>
+        <p:cNvPr id="1" name="">
+          <a:extLst>
+            <a:ext uri="{FF2B5EF4-FFF2-40B4-BE49-F238E27FC236}">
+              <a16:creationId xmlns:a16="http://schemas.microsoft.com/office/drawing/2014/main" id="{8F19B2B3-08C6-432C-BCF7-C4403FB79761}"/>
+            </a:ext>
+          </a:extLst>
+        </p:cNvPr>
+        <p:cNvGrpSpPr/>
+        <p:nvPr/>
+      </p:nvGrpSpPr>
+      <p:grpSpPr>
+        <a:xfrm>
+          <a:off x="0" y="0"/>
+          <a:ext cx="0" cy="0"/>
+          <a:chOff x="0" y="0"/>
+          <a:chExt cx="0" cy="0"/>
+        </a:xfrm>
+      </p:grpSpPr>
+      <p:sp>
+        <p:nvSpPr>
+          <p:cNvPr id="56" name="PlaceHolder 1">
+            <a:extLst>
+              <a:ext uri="{FF2B5EF4-FFF2-40B4-BE49-F238E27FC236}">
+                <a16:creationId xmlns:a16="http://schemas.microsoft.com/office/drawing/2014/main" id="{E7061AA5-0EE5-91CA-5B9B-B8E4B619F40F}"/>
+              </a:ext>
+            </a:extLst>
+          </p:cNvPr>
+          <p:cNvSpPr>
+            <a:spLocks noGrp="1"/>
+          </p:cNvSpPr>
+          <p:nvPr>
+            <p:ph type="title"/>
+          </p:nvPr>
+        </p:nvSpPr>
+        <p:spPr>
+          <a:xfrm>
+            <a:off x="1489680" y="576562"/>
+            <a:ext cx="9024480" cy="1096137"/>
+          </a:xfrm>
+          <a:prstGeom prst="rect">
+            <a:avLst/>
+          </a:prstGeom>
+          <a:noFill/>
+          <a:ln w="0">
+            <a:noFill/>
+          </a:ln>
+        </p:spPr>
+        <p:txBody>
+          <a:bodyPr lIns="0" tIns="0" rIns="0" bIns="0" anchor="b">
+            <a:noAutofit/>
+          </a:bodyPr>
+          <a:lstStyle/>
+          <a:p>
+            <a:pPr algn="ctr">
+              <a:lnSpc>
+                <a:spcPct val="90000"/>
+              </a:lnSpc>
+              <a:buNone/>
+            </a:pPr>
+            <a:r>
+              <a:rPr lang="pt-PT" sz="4000" b="0" strike="noStrike" spc="-1" dirty="0">
+                <a:solidFill>
+                  <a:srgbClr val="870F11"/>
+                </a:solidFill>
+                <a:latin typeface="Calibri"/>
+              </a:rPr>
+              <a:t>Tradução das interrogações do utilizador para SQL</a:t>
+            </a:r>
+            <a:endParaRPr lang="en-US" sz="4000" b="0" strike="noStrike" spc="-1" dirty="0">
+              <a:latin typeface="Arial"/>
+            </a:endParaRPr>
+          </a:p>
+        </p:txBody>
+      </p:sp>
+      <p:sp>
+        <p:nvSpPr>
+          <p:cNvPr id="57" name="Retângulo 4">
+            <a:extLst>
+              <a:ext uri="{FF2B5EF4-FFF2-40B4-BE49-F238E27FC236}">
+                <a16:creationId xmlns:a16="http://schemas.microsoft.com/office/drawing/2014/main" id="{43E791B0-B736-1BAE-C323-33CB62D26DCB}"/>
+              </a:ext>
+            </a:extLst>
+          </p:cNvPr>
+          <p:cNvSpPr/>
+          <p:nvPr/>
+        </p:nvSpPr>
+        <p:spPr>
+          <a:xfrm>
+            <a:off x="0" y="6233760"/>
+            <a:ext cx="12189960" cy="622080"/>
+          </a:xfrm>
+          <a:prstGeom prst="rect">
+            <a:avLst/>
+          </a:prstGeom>
+          <a:solidFill>
+            <a:srgbClr val="870F11"/>
+          </a:solidFill>
+          <a:ln>
+            <a:solidFill>
+              <a:srgbClr val="870F11"/>
+            </a:solidFill>
+          </a:ln>
+        </p:spPr>
+        <p:style>
+          <a:lnRef idx="2">
+            <a:schemeClr val="accent1">
+              <a:shade val="50000"/>
+            </a:schemeClr>
+          </a:lnRef>
+          <a:fillRef idx="1">
+            <a:schemeClr val="accent1"/>
+          </a:fillRef>
+          <a:effectRef idx="0">
+            <a:schemeClr val="accent1"/>
+          </a:effectRef>
+          <a:fontRef idx="minor"/>
+        </p:style>
+        <p:txBody>
+          <a:bodyPr/>
+          <a:lstStyle/>
+          <a:p>
+            <a:endParaRPr lang="pt-PT"/>
+          </a:p>
+        </p:txBody>
+      </p:sp>
+      <p:sp>
+        <p:nvSpPr>
+          <p:cNvPr id="58" name="CaixaDeTexto 5">
+            <a:extLst>
+              <a:ext uri="{FF2B5EF4-FFF2-40B4-BE49-F238E27FC236}">
+                <a16:creationId xmlns:a16="http://schemas.microsoft.com/office/drawing/2014/main" id="{C00BEC9D-3108-A847-7879-57D36454D915}"/>
+              </a:ext>
+            </a:extLst>
+          </p:cNvPr>
+          <p:cNvSpPr/>
+          <p:nvPr/>
+        </p:nvSpPr>
+        <p:spPr>
+          <a:xfrm>
+            <a:off x="1489680" y="1828800"/>
+            <a:ext cx="9024480" cy="829543"/>
+          </a:xfrm>
+          <a:prstGeom prst="rect">
+            <a:avLst/>
+          </a:prstGeom>
+          <a:noFill/>
+          <a:ln w="0">
+            <a:noFill/>
+          </a:ln>
+        </p:spPr>
+        <p:style>
+          <a:lnRef idx="0">
+            <a:scrgbClr r="0" g="0" b="0"/>
+          </a:lnRef>
+          <a:fillRef idx="0">
+            <a:scrgbClr r="0" g="0" b="0"/>
+          </a:fillRef>
+          <a:effectRef idx="0">
+            <a:scrgbClr r="0" g="0" b="0"/>
+          </a:effectRef>
+          <a:fontRef idx="minor"/>
+        </p:style>
+        <p:txBody>
+          <a:bodyPr vertOverflow="overflow" horzOverflow="overflow" lIns="90000" tIns="45000" rIns="90000" bIns="45000" numCol="1" spcCol="0" anchor="t">
+            <a:spAutoFit/>
+          </a:bodyPr>
+          <a:lstStyle/>
+          <a:p>
+            <a:pPr algn="ctr">
+              <a:lnSpc>
+                <a:spcPct val="100000"/>
+              </a:lnSpc>
+              <a:buNone/>
+            </a:pPr>
+            <a:endParaRPr lang="en-US" sz="2400" b="0" strike="noStrike" spc="-1" dirty="0">
+              <a:latin typeface="Arial"/>
+            </a:endParaRPr>
+          </a:p>
+          <a:p>
+            <a:pPr algn="ctr">
+              <a:lnSpc>
+                <a:spcPct val="100000"/>
+              </a:lnSpc>
+              <a:buNone/>
+            </a:pPr>
+            <a:endParaRPr lang="en-US" sz="2400" b="0" strike="noStrike" spc="-1" dirty="0">
+              <a:latin typeface="Arial"/>
+            </a:endParaRPr>
+          </a:p>
+        </p:txBody>
+      </p:sp>
+      <p:pic>
+        <p:nvPicPr>
+          <p:cNvPr id="59" name="Imagem 3">
+            <a:extLst>
+              <a:ext uri="{FF2B5EF4-FFF2-40B4-BE49-F238E27FC236}">
+                <a16:creationId xmlns:a16="http://schemas.microsoft.com/office/drawing/2014/main" id="{A1B7BE71-E39F-B03A-4078-85326E5B54EB}"/>
+              </a:ext>
+            </a:extLst>
+          </p:cNvPr>
+          <p:cNvPicPr/>
+          <p:nvPr/>
+        </p:nvPicPr>
+        <p:blipFill>
+          <a:blip r:embed="rId2"/>
+          <a:stretch/>
+        </p:blipFill>
+        <p:spPr>
+          <a:xfrm>
+            <a:off x="3240" y="6261480"/>
+            <a:ext cx="1236960" cy="709200"/>
+          </a:xfrm>
+          <a:prstGeom prst="rect">
+            <a:avLst/>
+          </a:prstGeom>
+          <a:ln w="0">
+            <a:noFill/>
+          </a:ln>
+        </p:spPr>
+      </p:pic>
+      <p:sp>
+        <p:nvSpPr>
+          <p:cNvPr id="60" name="CaixaDeTexto 1">
+            <a:extLst>
+              <a:ext uri="{FF2B5EF4-FFF2-40B4-BE49-F238E27FC236}">
+                <a16:creationId xmlns:a16="http://schemas.microsoft.com/office/drawing/2014/main" id="{7761CD0D-171C-C51D-047C-4A24E1509D82}"/>
+              </a:ext>
+            </a:extLst>
+          </p:cNvPr>
+          <p:cNvSpPr/>
+          <p:nvPr/>
+        </p:nvSpPr>
+        <p:spPr>
+          <a:xfrm>
+            <a:off x="6629400" y="6362640"/>
+            <a:ext cx="5855760" cy="337100"/>
+          </a:xfrm>
+          <a:prstGeom prst="rect">
+            <a:avLst/>
+          </a:prstGeom>
+          <a:noFill/>
+          <a:ln w="0">
+            <a:noFill/>
+          </a:ln>
+        </p:spPr>
+        <p:style>
+          <a:lnRef idx="0">
+            <a:scrgbClr r="0" g="0" b="0"/>
+          </a:lnRef>
+          <a:fillRef idx="0">
+            <a:scrgbClr r="0" g="0" b="0"/>
+          </a:fillRef>
+          <a:effectRef idx="0">
+            <a:scrgbClr r="0" g="0" b="0"/>
+          </a:effectRef>
+          <a:fontRef idx="minor"/>
+        </p:style>
+        <p:txBody>
+          <a:bodyPr vertOverflow="overflow" horzOverflow="overflow" lIns="90000" tIns="45000" rIns="90000" bIns="45000" numCol="1" spcCol="0" anchor="t">
+            <a:spAutoFit/>
+          </a:bodyPr>
+          <a:lstStyle/>
+          <a:p>
+            <a:pPr>
+              <a:lnSpc>
+                <a:spcPct val="100000"/>
+              </a:lnSpc>
+              <a:buNone/>
+            </a:pPr>
+            <a:r>
+              <a:rPr lang="pt-PT" sz="1600" b="0" strike="noStrike" spc="-1" dirty="0">
+                <a:solidFill>
+                  <a:srgbClr val="FFFFFF"/>
+                </a:solidFill>
+                <a:latin typeface="Calibri"/>
+                <a:ea typeface="DejaVu Sans"/>
+              </a:rPr>
+              <a:t>Bases de Dados – Jogos Olímpicos   |   Parte 2 - Grupo 8</a:t>
+            </a:r>
+            <a:endParaRPr lang="en-US" sz="1600" b="0" strike="noStrike" spc="-1" dirty="0">
+              <a:latin typeface="Arial"/>
+            </a:endParaRPr>
+          </a:p>
+        </p:txBody>
+      </p:sp>
+      <p:sp>
+        <p:nvSpPr>
+          <p:cNvPr id="2" name="CaixaDeTexto 1">
+            <a:extLst>
+              <a:ext uri="{FF2B5EF4-FFF2-40B4-BE49-F238E27FC236}">
+                <a16:creationId xmlns:a16="http://schemas.microsoft.com/office/drawing/2014/main" id="{D25B3F85-3D02-0621-868C-7BA1D6B66734}"/>
+              </a:ext>
+            </a:extLst>
+          </p:cNvPr>
+          <p:cNvSpPr txBox="1"/>
+          <p:nvPr/>
+        </p:nvSpPr>
+        <p:spPr>
+          <a:xfrm>
+            <a:off x="2404705" y="2658343"/>
+            <a:ext cx="7194430" cy="1889556"/>
+          </a:xfrm>
+          <a:prstGeom prst="rect">
+            <a:avLst/>
+          </a:prstGeom>
+          <a:noFill/>
+        </p:spPr>
+        <p:txBody>
+          <a:bodyPr wrap="square" rtlCol="0">
+            <a:spAutoFit/>
+          </a:bodyPr>
+          <a:lstStyle/>
+          <a:p>
+            <a:pPr algn="just">
+              <a:lnSpc>
+                <a:spcPct val="150000"/>
+              </a:lnSpc>
+            </a:pPr>
+            <a:r>
+              <a:rPr lang="pt-PT" sz="2000" dirty="0">
+                <a:latin typeface="Consolas" panose="020B0609020204030204" pitchFamily="49" charset="0"/>
+              </a:rPr>
+              <a:t>	Estes são apenas alguns dos exemplos de queries de exploração da base de dados, mas elas já são capazes de demonstrar as capacidades e das possíveis aplicações desta mesma base.</a:t>
+            </a:r>
+          </a:p>
+        </p:txBody>
+      </p:sp>
+    </p:spTree>
+    <p:extLst>
+      <p:ext uri="{BB962C8B-B14F-4D97-AF65-F5344CB8AC3E}">
+        <p14:creationId xmlns:p14="http://schemas.microsoft.com/office/powerpoint/2010/main" val="1372692518"/>
+      </p:ext>
+    </p:extLst>
+  </p:cSld>
+  <p:clrMapOvr>
+    <a:masterClrMapping/>
+  </p:clrMapOvr>
+</p:sld>
+</file>
+
+<file path=ppt/slides/slide39.xml><?xml version="1.0" encoding="utf-8"?>
+<p:sld xmlns:a="http://schemas.openxmlformats.org/drawingml/2006/main" xmlns:r="http://schemas.openxmlformats.org/officeDocument/2006/relationships" xmlns:p="http://schemas.openxmlformats.org/presentationml/2006/main" show="0">
+  <p:cSld>
+    <p:spTree>
+      <p:nvGrpSpPr>
+        <p:cNvPr id="1" name="">
+          <a:extLst>
+            <a:ext uri="{FF2B5EF4-FFF2-40B4-BE49-F238E27FC236}">
+              <a16:creationId xmlns:a16="http://schemas.microsoft.com/office/drawing/2014/main" id="{8EFE96B5-BFDE-85F6-CC2B-208B0B509FB8}"/>
+            </a:ext>
+          </a:extLst>
+        </p:cNvPr>
+        <p:cNvGrpSpPr/>
+        <p:nvPr/>
+      </p:nvGrpSpPr>
+      <p:grpSpPr>
+        <a:xfrm>
+          <a:off x="0" y="0"/>
+          <a:ext cx="0" cy="0"/>
+          <a:chOff x="0" y="0"/>
+          <a:chExt cx="0" cy="0"/>
+        </a:xfrm>
+      </p:grpSpPr>
+      <p:sp>
+        <p:nvSpPr>
+          <p:cNvPr id="56" name="PlaceHolder 1">
+            <a:extLst>
+              <a:ext uri="{FF2B5EF4-FFF2-40B4-BE49-F238E27FC236}">
+                <a16:creationId xmlns:a16="http://schemas.microsoft.com/office/drawing/2014/main" id="{E6B93583-90BC-42CF-CD09-8EDEBAA89226}"/>
+              </a:ext>
+            </a:extLst>
+          </p:cNvPr>
+          <p:cNvSpPr>
+            <a:spLocks noGrp="1"/>
+          </p:cNvSpPr>
+          <p:nvPr>
+            <p:ph type="title"/>
+          </p:nvPr>
+        </p:nvSpPr>
+        <p:spPr>
+          <a:xfrm>
+            <a:off x="1489680" y="576562"/>
+            <a:ext cx="9024480" cy="1096137"/>
+          </a:xfrm>
+          <a:prstGeom prst="rect">
+            <a:avLst/>
+          </a:prstGeom>
+          <a:noFill/>
+          <a:ln w="0">
+            <a:noFill/>
+          </a:ln>
+        </p:spPr>
+        <p:txBody>
+          <a:bodyPr lIns="0" tIns="0" rIns="0" bIns="0" anchor="b">
+            <a:noAutofit/>
+          </a:bodyPr>
+          <a:lstStyle/>
+          <a:p>
+            <a:pPr algn="ctr">
+              <a:lnSpc>
+                <a:spcPct val="90000"/>
+              </a:lnSpc>
+              <a:buNone/>
+            </a:pPr>
+            <a:r>
+              <a:rPr lang="pt-PT" sz="4000" b="0" strike="noStrike" spc="-1" dirty="0">
+                <a:solidFill>
+                  <a:srgbClr val="870F11"/>
+                </a:solidFill>
+                <a:latin typeface="Calibri"/>
+              </a:rPr>
+              <a:t>Tradução das interrogações do utilizador para SQL</a:t>
+            </a:r>
+            <a:endParaRPr lang="en-US" sz="4000" b="0" strike="noStrike" spc="-1" dirty="0">
+              <a:latin typeface="Arial"/>
+            </a:endParaRPr>
+          </a:p>
+        </p:txBody>
+      </p:sp>
+      <p:sp>
+        <p:nvSpPr>
+          <p:cNvPr id="57" name="Retângulo 4">
+            <a:extLst>
+              <a:ext uri="{FF2B5EF4-FFF2-40B4-BE49-F238E27FC236}">
+                <a16:creationId xmlns:a16="http://schemas.microsoft.com/office/drawing/2014/main" id="{C2879FD4-6C58-C78F-CDC2-3F5994F5F602}"/>
+              </a:ext>
+            </a:extLst>
+          </p:cNvPr>
+          <p:cNvSpPr/>
+          <p:nvPr/>
+        </p:nvSpPr>
+        <p:spPr>
+          <a:xfrm>
+            <a:off x="0" y="6233760"/>
+            <a:ext cx="12189960" cy="622080"/>
+          </a:xfrm>
+          <a:prstGeom prst="rect">
+            <a:avLst/>
+          </a:prstGeom>
+          <a:solidFill>
+            <a:srgbClr val="870F11"/>
+          </a:solidFill>
+          <a:ln>
+            <a:solidFill>
+              <a:srgbClr val="870F11"/>
+            </a:solidFill>
+          </a:ln>
+        </p:spPr>
+        <p:style>
+          <a:lnRef idx="2">
+            <a:schemeClr val="accent1">
+              <a:shade val="50000"/>
+            </a:schemeClr>
+          </a:lnRef>
+          <a:fillRef idx="1">
+            <a:schemeClr val="accent1"/>
+          </a:fillRef>
+          <a:effectRef idx="0">
+            <a:schemeClr val="accent1"/>
+          </a:effectRef>
+          <a:fontRef idx="minor"/>
+        </p:style>
+        <p:txBody>
+          <a:bodyPr/>
+          <a:lstStyle/>
+          <a:p>
+            <a:endParaRPr lang="pt-PT"/>
+          </a:p>
+        </p:txBody>
+      </p:sp>
+      <p:sp>
+        <p:nvSpPr>
+          <p:cNvPr id="58" name="CaixaDeTexto 5">
+            <a:extLst>
+              <a:ext uri="{FF2B5EF4-FFF2-40B4-BE49-F238E27FC236}">
+                <a16:creationId xmlns:a16="http://schemas.microsoft.com/office/drawing/2014/main" id="{61203661-EDB4-DF42-5A41-22E2EA24C5CA}"/>
+              </a:ext>
+            </a:extLst>
+          </p:cNvPr>
+          <p:cNvSpPr/>
+          <p:nvPr/>
+        </p:nvSpPr>
+        <p:spPr>
+          <a:xfrm>
+            <a:off x="1489680" y="1828800"/>
+            <a:ext cx="9024480" cy="829543"/>
+          </a:xfrm>
+          <a:prstGeom prst="rect">
+            <a:avLst/>
+          </a:prstGeom>
+          <a:noFill/>
+          <a:ln w="0">
+            <a:noFill/>
+          </a:ln>
+        </p:spPr>
+        <p:style>
+          <a:lnRef idx="0">
+            <a:scrgbClr r="0" g="0" b="0"/>
+          </a:lnRef>
+          <a:fillRef idx="0">
+            <a:scrgbClr r="0" g="0" b="0"/>
+          </a:fillRef>
+          <a:effectRef idx="0">
+            <a:scrgbClr r="0" g="0" b="0"/>
+          </a:effectRef>
+          <a:fontRef idx="minor"/>
+        </p:style>
+        <p:txBody>
+          <a:bodyPr vertOverflow="overflow" horzOverflow="overflow" lIns="90000" tIns="45000" rIns="90000" bIns="45000" numCol="1" spcCol="0" anchor="t">
+            <a:spAutoFit/>
+          </a:bodyPr>
+          <a:lstStyle/>
+          <a:p>
+            <a:pPr algn="ctr">
+              <a:lnSpc>
+                <a:spcPct val="100000"/>
+              </a:lnSpc>
+              <a:buNone/>
+            </a:pPr>
+            <a:endParaRPr lang="en-US" sz="2400" b="0" strike="noStrike" spc="-1" dirty="0">
+              <a:latin typeface="Arial"/>
+            </a:endParaRPr>
+          </a:p>
+          <a:p>
+            <a:pPr algn="ctr">
+              <a:lnSpc>
+                <a:spcPct val="100000"/>
+              </a:lnSpc>
+              <a:buNone/>
+            </a:pPr>
+            <a:endParaRPr lang="en-US" sz="2400" b="0" strike="noStrike" spc="-1" dirty="0">
+              <a:latin typeface="Arial"/>
+            </a:endParaRPr>
+          </a:p>
+        </p:txBody>
+      </p:sp>
+      <p:pic>
+        <p:nvPicPr>
+          <p:cNvPr id="59" name="Imagem 3">
+            <a:extLst>
+              <a:ext uri="{FF2B5EF4-FFF2-40B4-BE49-F238E27FC236}">
+                <a16:creationId xmlns:a16="http://schemas.microsoft.com/office/drawing/2014/main" id="{88A9571C-296F-58F0-0035-BD776466C981}"/>
+              </a:ext>
+            </a:extLst>
+          </p:cNvPr>
+          <p:cNvPicPr/>
+          <p:nvPr/>
+        </p:nvPicPr>
+        <p:blipFill>
+          <a:blip r:embed="rId2"/>
+          <a:stretch/>
+        </p:blipFill>
+        <p:spPr>
+          <a:xfrm>
+            <a:off x="3240" y="6261480"/>
+            <a:ext cx="1236960" cy="709200"/>
+          </a:xfrm>
+          <a:prstGeom prst="rect">
+            <a:avLst/>
+          </a:prstGeom>
+          <a:ln w="0">
+            <a:noFill/>
+          </a:ln>
+        </p:spPr>
+      </p:pic>
+      <p:sp>
+        <p:nvSpPr>
+          <p:cNvPr id="60" name="CaixaDeTexto 1">
+            <a:extLst>
+              <a:ext uri="{FF2B5EF4-FFF2-40B4-BE49-F238E27FC236}">
+                <a16:creationId xmlns:a16="http://schemas.microsoft.com/office/drawing/2014/main" id="{3B223991-32BB-19FC-7139-44C2DDF49104}"/>
+              </a:ext>
+            </a:extLst>
+          </p:cNvPr>
+          <p:cNvSpPr/>
+          <p:nvPr/>
+        </p:nvSpPr>
+        <p:spPr>
+          <a:xfrm>
+            <a:off x="6629400" y="6362640"/>
+            <a:ext cx="5855760" cy="337100"/>
+          </a:xfrm>
+          <a:prstGeom prst="rect">
+            <a:avLst/>
+          </a:prstGeom>
+          <a:noFill/>
+          <a:ln w="0">
+            <a:noFill/>
+          </a:ln>
+        </p:spPr>
+        <p:style>
+          <a:lnRef idx="0">
+            <a:scrgbClr r="0" g="0" b="0"/>
+          </a:lnRef>
+          <a:fillRef idx="0">
+            <a:scrgbClr r="0" g="0" b="0"/>
+          </a:fillRef>
+          <a:effectRef idx="0">
+            <a:scrgbClr r="0" g="0" b="0"/>
+          </a:effectRef>
+          <a:fontRef idx="minor"/>
+        </p:style>
+        <p:txBody>
+          <a:bodyPr vertOverflow="overflow" horzOverflow="overflow" lIns="90000" tIns="45000" rIns="90000" bIns="45000" numCol="1" spcCol="0" anchor="t">
+            <a:spAutoFit/>
+          </a:bodyPr>
+          <a:lstStyle/>
+          <a:p>
+            <a:pPr>
+              <a:lnSpc>
+                <a:spcPct val="100000"/>
+              </a:lnSpc>
+              <a:buNone/>
+            </a:pPr>
+            <a:r>
+              <a:rPr lang="pt-PT" sz="1600" b="0" strike="noStrike" spc="-1" dirty="0">
+                <a:solidFill>
+                  <a:srgbClr val="FFFFFF"/>
+                </a:solidFill>
+                <a:latin typeface="Calibri"/>
+                <a:ea typeface="DejaVu Sans"/>
+              </a:rPr>
+              <a:t>Bases de Dados – Jogos Olímpicos   |   Parte 2 - Grupo 8</a:t>
+            </a:r>
+            <a:endParaRPr lang="en-US" sz="1600" b="0" strike="noStrike" spc="-1" dirty="0">
+              <a:latin typeface="Arial"/>
+            </a:endParaRPr>
+          </a:p>
+        </p:txBody>
+      </p:sp>
+    </p:spTree>
+    <p:extLst>
+      <p:ext uri="{BB962C8B-B14F-4D97-AF65-F5344CB8AC3E}">
+        <p14:creationId xmlns:p14="http://schemas.microsoft.com/office/powerpoint/2010/main" val="1698634826"/>
       </p:ext>
     </p:extLst>
   </p:cSld>
@@ -17371,6 +19229,332 @@
         </p:txBody>
       </p:sp>
     </p:spTree>
+  </p:cSld>
+  <p:clrMapOvr>
+    <a:masterClrMapping/>
+  </p:clrMapOvr>
+</p:sld>
+</file>
+
+<file path=ppt/slides/slide40.xml><?xml version="1.0" encoding="utf-8"?>
+<p:sld xmlns:a="http://schemas.openxmlformats.org/drawingml/2006/main" xmlns:r="http://schemas.openxmlformats.org/officeDocument/2006/relationships" xmlns:p="http://schemas.openxmlformats.org/presentationml/2006/main" show="0">
+  <p:cSld>
+    <p:spTree>
+      <p:nvGrpSpPr>
+        <p:cNvPr id="1" name="">
+          <a:extLst>
+            <a:ext uri="{FF2B5EF4-FFF2-40B4-BE49-F238E27FC236}">
+              <a16:creationId xmlns:a16="http://schemas.microsoft.com/office/drawing/2014/main" id="{8EA051DF-9370-6E1F-A966-FCFFF3AFAA4E}"/>
+            </a:ext>
+          </a:extLst>
+        </p:cNvPr>
+        <p:cNvGrpSpPr/>
+        <p:nvPr/>
+      </p:nvGrpSpPr>
+      <p:grpSpPr>
+        <a:xfrm>
+          <a:off x="0" y="0"/>
+          <a:ext cx="0" cy="0"/>
+          <a:chOff x="0" y="0"/>
+          <a:chExt cx="0" cy="0"/>
+        </a:xfrm>
+      </p:grpSpPr>
+      <p:sp>
+        <p:nvSpPr>
+          <p:cNvPr id="51" name="PlaceHolder 1">
+            <a:extLst>
+              <a:ext uri="{FF2B5EF4-FFF2-40B4-BE49-F238E27FC236}">
+                <a16:creationId xmlns:a16="http://schemas.microsoft.com/office/drawing/2014/main" id="{F5167765-DEF6-8118-1BA0-EACD0A05728A}"/>
+              </a:ext>
+            </a:extLst>
+          </p:cNvPr>
+          <p:cNvSpPr>
+            <a:spLocks noGrp="1"/>
+          </p:cNvSpPr>
+          <p:nvPr>
+            <p:ph type="title"/>
+          </p:nvPr>
+        </p:nvSpPr>
+        <p:spPr>
+          <a:xfrm>
+            <a:off x="1525680" y="275040"/>
+            <a:ext cx="9141840" cy="1153080"/>
+          </a:xfrm>
+          <a:prstGeom prst="rect">
+            <a:avLst/>
+          </a:prstGeom>
+          <a:noFill/>
+          <a:ln w="0">
+            <a:noFill/>
+          </a:ln>
+        </p:spPr>
+        <p:txBody>
+          <a:bodyPr lIns="0" tIns="0" rIns="0" bIns="0" anchor="b">
+            <a:noAutofit/>
+          </a:bodyPr>
+          <a:lstStyle/>
+          <a:p>
+            <a:pPr algn="ctr">
+              <a:lnSpc>
+                <a:spcPct val="90000"/>
+              </a:lnSpc>
+              <a:buNone/>
+            </a:pPr>
+            <a:r>
+              <a:rPr lang="pt-PT" sz="4400" b="0" u="sng" strike="noStrike" spc="-1" dirty="0">
+                <a:solidFill>
+                  <a:srgbClr val="870F11"/>
+                </a:solidFill>
+                <a:uFillTx/>
+                <a:latin typeface="Calibri"/>
+              </a:rPr>
+              <a:t>Conclusão e Trabalho Futuro</a:t>
+            </a:r>
+            <a:endParaRPr lang="en-US" sz="4400" b="0" strike="noStrike" spc="-1" dirty="0">
+              <a:latin typeface="Arial"/>
+            </a:endParaRPr>
+          </a:p>
+        </p:txBody>
+      </p:sp>
+      <p:sp>
+        <p:nvSpPr>
+          <p:cNvPr id="52" name="Retângulo 4">
+            <a:extLst>
+              <a:ext uri="{FF2B5EF4-FFF2-40B4-BE49-F238E27FC236}">
+                <a16:creationId xmlns:a16="http://schemas.microsoft.com/office/drawing/2014/main" id="{69301A0B-E77F-3789-C9E4-6579746AE1F2}"/>
+              </a:ext>
+            </a:extLst>
+          </p:cNvPr>
+          <p:cNvSpPr/>
+          <p:nvPr/>
+        </p:nvSpPr>
+        <p:spPr>
+          <a:xfrm>
+            <a:off x="0" y="6233760"/>
+            <a:ext cx="12189960" cy="622080"/>
+          </a:xfrm>
+          <a:prstGeom prst="rect">
+            <a:avLst/>
+          </a:prstGeom>
+          <a:solidFill>
+            <a:srgbClr val="870F11"/>
+          </a:solidFill>
+          <a:ln>
+            <a:solidFill>
+              <a:srgbClr val="870F11"/>
+            </a:solidFill>
+          </a:ln>
+        </p:spPr>
+        <p:style>
+          <a:lnRef idx="2">
+            <a:schemeClr val="accent1">
+              <a:shade val="50000"/>
+            </a:schemeClr>
+          </a:lnRef>
+          <a:fillRef idx="1">
+            <a:schemeClr val="accent1"/>
+          </a:fillRef>
+          <a:effectRef idx="0">
+            <a:schemeClr val="accent1"/>
+          </a:effectRef>
+          <a:fontRef idx="minor"/>
+        </p:style>
+        <p:txBody>
+          <a:bodyPr/>
+          <a:lstStyle/>
+          <a:p>
+            <a:endParaRPr lang="pt-PT"/>
+          </a:p>
+        </p:txBody>
+      </p:sp>
+      <p:sp>
+        <p:nvSpPr>
+          <p:cNvPr id="53" name="CaixaDeTexto 5">
+            <a:extLst>
+              <a:ext uri="{FF2B5EF4-FFF2-40B4-BE49-F238E27FC236}">
+                <a16:creationId xmlns:a16="http://schemas.microsoft.com/office/drawing/2014/main" id="{9627A777-B39B-0638-8DF6-212D4B3F7B50}"/>
+              </a:ext>
+            </a:extLst>
+          </p:cNvPr>
+          <p:cNvSpPr/>
+          <p:nvPr/>
+        </p:nvSpPr>
+        <p:spPr>
+          <a:xfrm>
+            <a:off x="1814400" y="1845720"/>
+            <a:ext cx="6792840" cy="1598984"/>
+          </a:xfrm>
+          <a:prstGeom prst="rect">
+            <a:avLst/>
+          </a:prstGeom>
+          <a:noFill/>
+          <a:ln w="0">
+            <a:noFill/>
+          </a:ln>
+        </p:spPr>
+        <p:style>
+          <a:lnRef idx="0">
+            <a:scrgbClr r="0" g="0" b="0"/>
+          </a:lnRef>
+          <a:fillRef idx="0">
+            <a:scrgbClr r="0" g="0" b="0"/>
+          </a:fillRef>
+          <a:effectRef idx="0">
+            <a:scrgbClr r="0" g="0" b="0"/>
+          </a:effectRef>
+          <a:fontRef idx="minor"/>
+        </p:style>
+        <p:txBody>
+          <a:bodyPr vertOverflow="overflow" horzOverflow="overflow" lIns="90000" tIns="45000" rIns="90000" bIns="45000" numCol="1" spcCol="0" anchor="t">
+            <a:spAutoFit/>
+          </a:bodyPr>
+          <a:lstStyle/>
+          <a:p>
+            <a:pPr>
+              <a:lnSpc>
+                <a:spcPct val="150000"/>
+              </a:lnSpc>
+              <a:buNone/>
+            </a:pPr>
+            <a:endParaRPr lang="en-US" sz="2000" b="0" strike="noStrike" spc="-1" dirty="0">
+              <a:latin typeface="Arial"/>
+            </a:endParaRPr>
+          </a:p>
+          <a:p>
+            <a:pPr>
+              <a:lnSpc>
+                <a:spcPct val="100000"/>
+              </a:lnSpc>
+              <a:buNone/>
+            </a:pPr>
+            <a:endParaRPr lang="en-US" sz="2000" b="0" strike="noStrike" spc="-1" dirty="0">
+              <a:latin typeface="Arial"/>
+            </a:endParaRPr>
+          </a:p>
+          <a:p>
+            <a:pPr algn="ctr">
+              <a:lnSpc>
+                <a:spcPct val="100000"/>
+              </a:lnSpc>
+              <a:buNone/>
+            </a:pPr>
+            <a:endParaRPr lang="en-US" sz="2400" b="0" strike="noStrike" spc="-1" dirty="0">
+              <a:latin typeface="Arial"/>
+            </a:endParaRPr>
+          </a:p>
+          <a:p>
+            <a:pPr algn="ctr">
+              <a:lnSpc>
+                <a:spcPct val="100000"/>
+              </a:lnSpc>
+              <a:buNone/>
+            </a:pPr>
+            <a:endParaRPr lang="en-US" sz="2400" b="0" strike="noStrike" spc="-1" dirty="0">
+              <a:latin typeface="Arial"/>
+            </a:endParaRPr>
+          </a:p>
+        </p:txBody>
+      </p:sp>
+      <p:pic>
+        <p:nvPicPr>
+          <p:cNvPr id="54" name="Imagem 3">
+            <a:extLst>
+              <a:ext uri="{FF2B5EF4-FFF2-40B4-BE49-F238E27FC236}">
+                <a16:creationId xmlns:a16="http://schemas.microsoft.com/office/drawing/2014/main" id="{6E7FEA2B-DBA8-4F6D-6745-525908B5D127}"/>
+              </a:ext>
+            </a:extLst>
+          </p:cNvPr>
+          <p:cNvPicPr/>
+          <p:nvPr/>
+        </p:nvPicPr>
+        <p:blipFill>
+          <a:blip r:embed="rId2"/>
+          <a:stretch/>
+        </p:blipFill>
+        <p:spPr>
+          <a:xfrm>
+            <a:off x="3240" y="6261480"/>
+            <a:ext cx="1236960" cy="709200"/>
+          </a:xfrm>
+          <a:prstGeom prst="rect">
+            <a:avLst/>
+          </a:prstGeom>
+          <a:ln w="0">
+            <a:noFill/>
+          </a:ln>
+        </p:spPr>
+      </p:pic>
+      <p:sp>
+        <p:nvSpPr>
+          <p:cNvPr id="55" name="CaixaDeTexto 3">
+            <a:extLst>
+              <a:ext uri="{FF2B5EF4-FFF2-40B4-BE49-F238E27FC236}">
+                <a16:creationId xmlns:a16="http://schemas.microsoft.com/office/drawing/2014/main" id="{BF610D12-74BC-50E5-A694-277F36CC9E56}"/>
+              </a:ext>
+            </a:extLst>
+          </p:cNvPr>
+          <p:cNvSpPr/>
+          <p:nvPr/>
+        </p:nvSpPr>
+        <p:spPr>
+          <a:xfrm>
+            <a:off x="6629400" y="6362640"/>
+            <a:ext cx="5855760" cy="337100"/>
+          </a:xfrm>
+          <a:prstGeom prst="rect">
+            <a:avLst/>
+          </a:prstGeom>
+          <a:noFill/>
+          <a:ln w="0">
+            <a:noFill/>
+          </a:ln>
+        </p:spPr>
+        <p:style>
+          <a:lnRef idx="0">
+            <a:scrgbClr r="0" g="0" b="0"/>
+          </a:lnRef>
+          <a:fillRef idx="0">
+            <a:scrgbClr r="0" g="0" b="0"/>
+          </a:fillRef>
+          <a:effectRef idx="0">
+            <a:scrgbClr r="0" g="0" b="0"/>
+          </a:effectRef>
+          <a:fontRef idx="minor"/>
+        </p:style>
+        <p:txBody>
+          <a:bodyPr vertOverflow="overflow" horzOverflow="overflow" lIns="90000" tIns="45000" rIns="90000" bIns="45000" numCol="1" spcCol="0" anchor="t">
+            <a:spAutoFit/>
+          </a:bodyPr>
+          <a:lstStyle/>
+          <a:p>
+            <a:pPr>
+              <a:lnSpc>
+                <a:spcPct val="100000"/>
+              </a:lnSpc>
+              <a:buNone/>
+            </a:pPr>
+            <a:r>
+              <a:rPr lang="pt-PT" sz="1600" b="0" strike="noStrike" spc="-1" dirty="0">
+                <a:solidFill>
+                  <a:srgbClr val="FFFFFF"/>
+                </a:solidFill>
+                <a:latin typeface="Calibri"/>
+                <a:ea typeface="DejaVu Sans"/>
+              </a:rPr>
+              <a:t>Bases de Dados – Jogos Olímpicos   |   Parte 2 - Grupo 8</a:t>
+            </a:r>
+            <a:endParaRPr lang="en-US" sz="1600" b="0" strike="noStrike" spc="-1" dirty="0">
+              <a:latin typeface="Arial"/>
+            </a:endParaRPr>
+          </a:p>
+        </p:txBody>
+      </p:sp>
+    </p:spTree>
+    <p:extLst>
+      <p:ext uri="{BB962C8B-B14F-4D97-AF65-F5344CB8AC3E}">
+        <p14:creationId xmlns:p14="http://schemas.microsoft.com/office/powerpoint/2010/main" val="106293796"/>
+      </p:ext>
+    </p:extLst>
   </p:cSld>
   <p:clrMapOvr>
     <a:masterClrMapping/>

--- a/BD_TPgr8-pt2.pptx
+++ b/BD_TPgr8-pt2.pptx
@@ -5,7 +5,7 @@
     <p:sldMasterId id="2147483648" r:id="rId1"/>
   </p:sldMasterIdLst>
   <p:notesMasterIdLst>
-    <p:notesMasterId r:id="rId42"/>
+    <p:notesMasterId r:id="rId56"/>
   </p:notesMasterIdLst>
   <p:sldIdLst>
     <p:sldId id="256" r:id="rId2"/>
@@ -47,7 +47,21 @@
     <p:sldId id="294" r:id="rId38"/>
     <p:sldId id="295" r:id="rId39"/>
     <p:sldId id="297" r:id="rId40"/>
-    <p:sldId id="269" r:id="rId41"/>
+    <p:sldId id="298" r:id="rId41"/>
+    <p:sldId id="299" r:id="rId42"/>
+    <p:sldId id="300" r:id="rId43"/>
+    <p:sldId id="302" r:id="rId44"/>
+    <p:sldId id="301" r:id="rId45"/>
+    <p:sldId id="308" r:id="rId46"/>
+    <p:sldId id="304" r:id="rId47"/>
+    <p:sldId id="303" r:id="rId48"/>
+    <p:sldId id="306" r:id="rId49"/>
+    <p:sldId id="309" r:id="rId50"/>
+    <p:sldId id="305" r:id="rId51"/>
+    <p:sldId id="307" r:id="rId52"/>
+    <p:sldId id="310" r:id="rId53"/>
+    <p:sldId id="311" r:id="rId54"/>
+    <p:sldId id="269" r:id="rId55"/>
   </p:sldIdLst>
   <p:sldSz cx="12192000" cy="6858000"/>
   <p:notesSz cx="7772400" cy="10058400"/>
@@ -18605,7 +18619,7 @@
                 </a:solidFill>
                 <a:latin typeface="Calibri"/>
               </a:rPr>
-              <a:t>Tradução das interrogações do utilizador para SQL</a:t>
+              <a:t>Definição e caracterização de vistas de utilização em SQL</a:t>
             </a:r>
             <a:endParaRPr lang="en-US" sz="4000" b="0" strike="noStrike" spc="-1" dirty="0">
               <a:latin typeface="Arial"/>
@@ -18820,6 +18834,72 @@
             </a:r>
             <a:endParaRPr lang="en-US" sz="1600" b="0" strike="noStrike" spc="-1" dirty="0">
               <a:latin typeface="Arial"/>
+            </a:endParaRPr>
+          </a:p>
+        </p:txBody>
+      </p:sp>
+      <p:sp>
+        <p:nvSpPr>
+          <p:cNvPr id="3" name="CaixaDeTexto 2">
+            <a:extLst>
+              <a:ext uri="{FF2B5EF4-FFF2-40B4-BE49-F238E27FC236}">
+                <a16:creationId xmlns:a16="http://schemas.microsoft.com/office/drawing/2014/main" id="{59F2E4A2-5581-76F1-8041-C4C49A387183}"/>
+              </a:ext>
+            </a:extLst>
+          </p:cNvPr>
+          <p:cNvSpPr txBox="1"/>
+          <p:nvPr/>
+        </p:nvSpPr>
+        <p:spPr>
+          <a:xfrm>
+            <a:off x="2023312" y="2032538"/>
+            <a:ext cx="8143336" cy="3736216"/>
+          </a:xfrm>
+          <a:prstGeom prst="rect">
+            <a:avLst/>
+          </a:prstGeom>
+          <a:noFill/>
+        </p:spPr>
+        <p:txBody>
+          <a:bodyPr wrap="square">
+            <a:spAutoFit/>
+          </a:bodyPr>
+          <a:lstStyle/>
+          <a:p>
+            <a:pPr marL="285750" indent="-285750" algn="just">
+              <a:lnSpc>
+                <a:spcPct val="150000"/>
+              </a:lnSpc>
+              <a:buFont typeface="Arial" panose="020B0604020202020204" pitchFamily="34" charset="0"/>
+              <a:buChar char="•"/>
+            </a:pPr>
+            <a:r>
+              <a:rPr lang="pt-PT" sz="2000" dirty="0">
+                <a:effectLst/>
+                <a:latin typeface="Consolas" panose="020B0609020204030204" pitchFamily="49" charset="0"/>
+                <a:ea typeface="Times New Roman" panose="02020603050405020304" pitchFamily="18" charset="0"/>
+              </a:rPr>
+              <a:t>Este capítulo tem como objetivo criar estruturas que consolidem os dados mais relevantes e frequentemente consultados, simplificando o acesso e a reutilização dessas informações.</a:t>
+            </a:r>
+          </a:p>
+          <a:p>
+            <a:pPr marL="285750" indent="-285750" algn="just">
+              <a:lnSpc>
+                <a:spcPct val="150000"/>
+              </a:lnSpc>
+              <a:buFont typeface="Arial" panose="020B0604020202020204" pitchFamily="34" charset="0"/>
+              <a:buChar char="•"/>
+            </a:pPr>
+            <a:r>
+              <a:rPr lang="pt-PT" sz="2000" dirty="0">
+                <a:effectLst/>
+                <a:latin typeface="Consolas" panose="020B0609020204030204" pitchFamily="49" charset="0"/>
+                <a:ea typeface="Times New Roman" panose="02020603050405020304" pitchFamily="18" charset="0"/>
+              </a:rPr>
+              <a:t>Exploraremos como as vistas podem ser criadas para representar cenários específicos de análise, combinando dados de várias tabelas e agrupando-os de forma lógica.</a:t>
+            </a:r>
+            <a:endParaRPr lang="pt-PT" sz="2000" dirty="0">
+              <a:latin typeface="Consolas" panose="020B0609020204030204" pitchFamily="49" charset="0"/>
             </a:endParaRPr>
           </a:p>
         </p:txBody>
@@ -19244,7 +19324,7 @@
         <p:cNvPr id="1" name="">
           <a:extLst>
             <a:ext uri="{FF2B5EF4-FFF2-40B4-BE49-F238E27FC236}">
-              <a16:creationId xmlns:a16="http://schemas.microsoft.com/office/drawing/2014/main" id="{8EA051DF-9370-6E1F-A966-FCFFF3AFAA4E}"/>
+              <a16:creationId xmlns:a16="http://schemas.microsoft.com/office/drawing/2014/main" id="{9A7977BB-FBAC-281A-1D41-BB7C6AB8A052}"/>
             </a:ext>
           </a:extLst>
         </p:cNvPr>
@@ -19261,10 +19341,10 @@
       </p:grpSpPr>
       <p:sp>
         <p:nvSpPr>
-          <p:cNvPr id="51" name="PlaceHolder 1">
-            <a:extLst>
-              <a:ext uri="{FF2B5EF4-FFF2-40B4-BE49-F238E27FC236}">
-                <a16:creationId xmlns:a16="http://schemas.microsoft.com/office/drawing/2014/main" id="{F5167765-DEF6-8118-1BA0-EACD0A05728A}"/>
+          <p:cNvPr id="56" name="PlaceHolder 1">
+            <a:extLst>
+              <a:ext uri="{FF2B5EF4-FFF2-40B4-BE49-F238E27FC236}">
+                <a16:creationId xmlns:a16="http://schemas.microsoft.com/office/drawing/2014/main" id="{989AD208-3F9A-E186-B045-943A14A9070D}"/>
               </a:ext>
             </a:extLst>
           </p:cNvPr>
@@ -19277,8 +19357,8 @@
         </p:nvSpPr>
         <p:spPr>
           <a:xfrm>
-            <a:off x="1525680" y="275040"/>
-            <a:ext cx="9141840" cy="1153080"/>
+            <a:off x="1489680" y="576562"/>
+            <a:ext cx="9024480" cy="1096137"/>
           </a:xfrm>
           <a:prstGeom prst="rect">
             <a:avLst/>
@@ -19301,16 +19381,15 @@
               <a:buNone/>
             </a:pPr>
             <a:r>
-              <a:rPr lang="pt-PT" sz="4400" b="0" u="sng" strike="noStrike" spc="-1" dirty="0">
+              <a:rPr lang="pt-PT" sz="4000" b="0" strike="noStrike" spc="-1" dirty="0">
                 <a:solidFill>
                   <a:srgbClr val="870F11"/>
                 </a:solidFill>
-                <a:uFillTx/>
                 <a:latin typeface="Calibri"/>
               </a:rPr>
-              <a:t>Conclusão e Trabalho Futuro</a:t>
+              <a:t>Definição e caracterização de vistas de utilização em SQL</a:t>
             </a:r>
-            <a:endParaRPr lang="en-US" sz="4400" b="0" strike="noStrike" spc="-1" dirty="0">
+            <a:endParaRPr lang="en-US" sz="4000" b="0" strike="noStrike" spc="-1" dirty="0">
               <a:latin typeface="Arial"/>
             </a:endParaRPr>
           </a:p>
@@ -19318,10 +19397,10 @@
       </p:sp>
       <p:sp>
         <p:nvSpPr>
-          <p:cNvPr id="52" name="Retângulo 4">
-            <a:extLst>
-              <a:ext uri="{FF2B5EF4-FFF2-40B4-BE49-F238E27FC236}">
-                <a16:creationId xmlns:a16="http://schemas.microsoft.com/office/drawing/2014/main" id="{69301A0B-E77F-3789-C9E4-6579746AE1F2}"/>
+          <p:cNvPr id="57" name="Retângulo 4">
+            <a:extLst>
+              <a:ext uri="{FF2B5EF4-FFF2-40B4-BE49-F238E27FC236}">
+                <a16:creationId xmlns:a16="http://schemas.microsoft.com/office/drawing/2014/main" id="{7C2A7CDC-D242-B979-3B6A-BA524517B312}"/>
               </a:ext>
             </a:extLst>
           </p:cNvPr>
@@ -19369,10 +19448,10 @@
       </p:sp>
       <p:sp>
         <p:nvSpPr>
-          <p:cNvPr id="53" name="CaixaDeTexto 5">
-            <a:extLst>
-              <a:ext uri="{FF2B5EF4-FFF2-40B4-BE49-F238E27FC236}">
-                <a16:creationId xmlns:a16="http://schemas.microsoft.com/office/drawing/2014/main" id="{9627A777-B39B-0638-8DF6-212D4B3F7B50}"/>
+          <p:cNvPr id="58" name="CaixaDeTexto 5">
+            <a:extLst>
+              <a:ext uri="{FF2B5EF4-FFF2-40B4-BE49-F238E27FC236}">
+                <a16:creationId xmlns:a16="http://schemas.microsoft.com/office/drawing/2014/main" id="{EA7DE1E0-A8BC-7BD9-59C4-405E1A756665}"/>
               </a:ext>
             </a:extLst>
           </p:cNvPr>
@@ -19381,8 +19460,8 @@
         </p:nvSpPr>
         <p:spPr>
           <a:xfrm>
-            <a:off x="1814400" y="1845720"/>
-            <a:ext cx="6792840" cy="1598984"/>
+            <a:off x="1489680" y="1828800"/>
+            <a:ext cx="9024480" cy="829543"/>
           </a:xfrm>
           <a:prstGeom prst="rect">
             <a:avLst/>
@@ -19409,28 +19488,6 @@
             <a:spAutoFit/>
           </a:bodyPr>
           <a:lstStyle/>
-          <a:p>
-            <a:pPr>
-              <a:lnSpc>
-                <a:spcPct val="150000"/>
-              </a:lnSpc>
-              <a:buNone/>
-            </a:pPr>
-            <a:endParaRPr lang="en-US" sz="2000" b="0" strike="noStrike" spc="-1" dirty="0">
-              <a:latin typeface="Arial"/>
-            </a:endParaRPr>
-          </a:p>
-          <a:p>
-            <a:pPr>
-              <a:lnSpc>
-                <a:spcPct val="100000"/>
-              </a:lnSpc>
-              <a:buNone/>
-            </a:pPr>
-            <a:endParaRPr lang="en-US" sz="2000" b="0" strike="noStrike" spc="-1" dirty="0">
-              <a:latin typeface="Arial"/>
-            </a:endParaRPr>
-          </a:p>
           <a:p>
             <a:pPr algn="ctr">
               <a:lnSpc>
@@ -19457,10 +19514,10 @@
       </p:sp>
       <p:pic>
         <p:nvPicPr>
-          <p:cNvPr id="54" name="Imagem 3">
-            <a:extLst>
-              <a:ext uri="{FF2B5EF4-FFF2-40B4-BE49-F238E27FC236}">
-                <a16:creationId xmlns:a16="http://schemas.microsoft.com/office/drawing/2014/main" id="{6E7FEA2B-DBA8-4F6D-6745-525908B5D127}"/>
+          <p:cNvPr id="59" name="Imagem 3">
+            <a:extLst>
+              <a:ext uri="{FF2B5EF4-FFF2-40B4-BE49-F238E27FC236}">
+                <a16:creationId xmlns:a16="http://schemas.microsoft.com/office/drawing/2014/main" id="{D71D9329-0F0D-9BE0-4B3F-1307E6A99818}"/>
               </a:ext>
             </a:extLst>
           </p:cNvPr>
@@ -19486,10 +19543,10 @@
       </p:pic>
       <p:sp>
         <p:nvSpPr>
-          <p:cNvPr id="55" name="CaixaDeTexto 3">
-            <a:extLst>
-              <a:ext uri="{FF2B5EF4-FFF2-40B4-BE49-F238E27FC236}">
-                <a16:creationId xmlns:a16="http://schemas.microsoft.com/office/drawing/2014/main" id="{BF610D12-74BC-50E5-A694-277F36CC9E56}"/>
+          <p:cNvPr id="60" name="CaixaDeTexto 1">
+            <a:extLst>
+              <a:ext uri="{FF2B5EF4-FFF2-40B4-BE49-F238E27FC236}">
+                <a16:creationId xmlns:a16="http://schemas.microsoft.com/office/drawing/2014/main" id="{C6C4E565-A2A6-0635-9B99-44C019B35BAE}"/>
               </a:ext>
             </a:extLst>
           </p:cNvPr>
@@ -19549,10 +19606,3528 @@
           </a:p>
         </p:txBody>
       </p:sp>
+      <p:pic>
+        <p:nvPicPr>
+          <p:cNvPr id="19458" name="Imagem 1">
+            <a:extLst>
+              <a:ext uri="{FF2B5EF4-FFF2-40B4-BE49-F238E27FC236}">
+                <a16:creationId xmlns:a16="http://schemas.microsoft.com/office/drawing/2014/main" id="{3833EA43-E9D6-2740-70D9-D4E930B7C1B0}"/>
+              </a:ext>
+            </a:extLst>
+          </p:cNvPr>
+          <p:cNvPicPr>
+            <a:picLocks noChangeAspect="1" noChangeArrowheads="1"/>
+          </p:cNvPicPr>
+          <p:nvPr/>
+        </p:nvPicPr>
+        <p:blipFill rotWithShape="1">
+          <a:blip r:embed="rId3">
+            <a:extLst>
+              <a:ext uri="{28A0092B-C50C-407E-A947-70E740481C1C}">
+                <a14:useLocalDpi xmlns:a14="http://schemas.microsoft.com/office/drawing/2010/main" val="0"/>
+              </a:ext>
+            </a:extLst>
+          </a:blip>
+          <a:srcRect r="4045"/>
+          <a:stretch/>
+        </p:blipFill>
+        <p:spPr bwMode="auto">
+          <a:xfrm>
+            <a:off x="1336167" y="2318916"/>
+            <a:ext cx="9517626" cy="3008027"/>
+          </a:xfrm>
+          <a:prstGeom prst="rect">
+            <a:avLst/>
+          </a:prstGeom>
+          <a:ln w="38100" cap="sq">
+            <a:solidFill>
+              <a:srgbClr val="000000"/>
+            </a:solidFill>
+            <a:prstDash val="solid"/>
+            <a:miter lim="800000"/>
+          </a:ln>
+          <a:effectLst>
+            <a:outerShdw blurRad="50800" dist="38100" dir="2700000" algn="tl" rotWithShape="0">
+              <a:srgbClr val="000000">
+                <a:alpha val="43000"/>
+              </a:srgbClr>
+            </a:outerShdw>
+          </a:effectLst>
+          <a:extLst>
+            <a:ext uri="{909E8E84-426E-40DD-AFC4-6F175D3DCCD1}">
+              <a14:hiddenFill xmlns:a14="http://schemas.microsoft.com/office/drawing/2010/main">
+                <a:solidFill>
+                  <a:srgbClr val="FFFFFF"/>
+                </a:solidFill>
+              </a14:hiddenFill>
+            </a:ext>
+            <a:ext uri="{91240B29-F687-4F45-9708-019B960494DF}">
+              <a14:hiddenLine xmlns:a14="http://schemas.microsoft.com/office/drawing/2010/main" w="9525">
+                <a:solidFill>
+                  <a:srgbClr val="000000"/>
+                </a:solidFill>
+                <a:miter lim="800000"/>
+                <a:headEnd/>
+                <a:tailEnd/>
+              </a14:hiddenLine>
+            </a:ext>
+          </a:extLst>
+        </p:spPr>
+      </p:pic>
     </p:spTree>
     <p:extLst>
       <p:ext uri="{BB962C8B-B14F-4D97-AF65-F5344CB8AC3E}">
-        <p14:creationId xmlns:p14="http://schemas.microsoft.com/office/powerpoint/2010/main" val="106293796"/>
+        <p14:creationId xmlns:p14="http://schemas.microsoft.com/office/powerpoint/2010/main" val="420661221"/>
+      </p:ext>
+    </p:extLst>
+  </p:cSld>
+  <p:clrMapOvr>
+    <a:masterClrMapping/>
+  </p:clrMapOvr>
+</p:sld>
+</file>
+
+<file path=ppt/slides/slide41.xml><?xml version="1.0" encoding="utf-8"?>
+<p:sld xmlns:a="http://schemas.openxmlformats.org/drawingml/2006/main" xmlns:r="http://schemas.openxmlformats.org/officeDocument/2006/relationships" xmlns:p="http://schemas.openxmlformats.org/presentationml/2006/main" show="0">
+  <p:cSld>
+    <p:spTree>
+      <p:nvGrpSpPr>
+        <p:cNvPr id="1" name="">
+          <a:extLst>
+            <a:ext uri="{FF2B5EF4-FFF2-40B4-BE49-F238E27FC236}">
+              <a16:creationId xmlns:a16="http://schemas.microsoft.com/office/drawing/2014/main" id="{57AF0AE7-C843-B58F-6A55-9DC7E115B99F}"/>
+            </a:ext>
+          </a:extLst>
+        </p:cNvPr>
+        <p:cNvGrpSpPr/>
+        <p:nvPr/>
+      </p:nvGrpSpPr>
+      <p:grpSpPr>
+        <a:xfrm>
+          <a:off x="0" y="0"/>
+          <a:ext cx="0" cy="0"/>
+          <a:chOff x="0" y="0"/>
+          <a:chExt cx="0" cy="0"/>
+        </a:xfrm>
+      </p:grpSpPr>
+      <p:sp>
+        <p:nvSpPr>
+          <p:cNvPr id="56" name="PlaceHolder 1">
+            <a:extLst>
+              <a:ext uri="{FF2B5EF4-FFF2-40B4-BE49-F238E27FC236}">
+                <a16:creationId xmlns:a16="http://schemas.microsoft.com/office/drawing/2014/main" id="{03CB93AE-13AF-92CB-4ED4-7AB2D956541B}"/>
+              </a:ext>
+            </a:extLst>
+          </p:cNvPr>
+          <p:cNvSpPr>
+            <a:spLocks noGrp="1"/>
+          </p:cNvSpPr>
+          <p:nvPr>
+            <p:ph type="title"/>
+          </p:nvPr>
+        </p:nvSpPr>
+        <p:spPr>
+          <a:xfrm>
+            <a:off x="1489680" y="576562"/>
+            <a:ext cx="9024480" cy="1096137"/>
+          </a:xfrm>
+          <a:prstGeom prst="rect">
+            <a:avLst/>
+          </a:prstGeom>
+          <a:noFill/>
+          <a:ln w="0">
+            <a:noFill/>
+          </a:ln>
+        </p:spPr>
+        <p:txBody>
+          <a:bodyPr lIns="0" tIns="0" rIns="0" bIns="0" anchor="b">
+            <a:noAutofit/>
+          </a:bodyPr>
+          <a:lstStyle/>
+          <a:p>
+            <a:pPr algn="ctr">
+              <a:lnSpc>
+                <a:spcPct val="90000"/>
+              </a:lnSpc>
+              <a:buNone/>
+            </a:pPr>
+            <a:r>
+              <a:rPr lang="pt-PT" sz="4000" b="0" strike="noStrike" spc="-1" dirty="0">
+                <a:solidFill>
+                  <a:srgbClr val="870F11"/>
+                </a:solidFill>
+                <a:latin typeface="Calibri"/>
+              </a:rPr>
+              <a:t>Definição e caracterização de vistas de utilização em SQL</a:t>
+            </a:r>
+            <a:endParaRPr lang="en-US" sz="4000" b="0" strike="noStrike" spc="-1" dirty="0">
+              <a:latin typeface="Arial"/>
+            </a:endParaRPr>
+          </a:p>
+        </p:txBody>
+      </p:sp>
+      <p:sp>
+        <p:nvSpPr>
+          <p:cNvPr id="57" name="Retângulo 4">
+            <a:extLst>
+              <a:ext uri="{FF2B5EF4-FFF2-40B4-BE49-F238E27FC236}">
+                <a16:creationId xmlns:a16="http://schemas.microsoft.com/office/drawing/2014/main" id="{34EE7332-E5E2-97B3-3ACB-9D1D714D67A7}"/>
+              </a:ext>
+            </a:extLst>
+          </p:cNvPr>
+          <p:cNvSpPr/>
+          <p:nvPr/>
+        </p:nvSpPr>
+        <p:spPr>
+          <a:xfrm>
+            <a:off x="0" y="6233760"/>
+            <a:ext cx="12189960" cy="622080"/>
+          </a:xfrm>
+          <a:prstGeom prst="rect">
+            <a:avLst/>
+          </a:prstGeom>
+          <a:solidFill>
+            <a:srgbClr val="870F11"/>
+          </a:solidFill>
+          <a:ln>
+            <a:solidFill>
+              <a:srgbClr val="870F11"/>
+            </a:solidFill>
+          </a:ln>
+        </p:spPr>
+        <p:style>
+          <a:lnRef idx="2">
+            <a:schemeClr val="accent1">
+              <a:shade val="50000"/>
+            </a:schemeClr>
+          </a:lnRef>
+          <a:fillRef idx="1">
+            <a:schemeClr val="accent1"/>
+          </a:fillRef>
+          <a:effectRef idx="0">
+            <a:schemeClr val="accent1"/>
+          </a:effectRef>
+          <a:fontRef idx="minor"/>
+        </p:style>
+        <p:txBody>
+          <a:bodyPr/>
+          <a:lstStyle/>
+          <a:p>
+            <a:endParaRPr lang="pt-PT"/>
+          </a:p>
+        </p:txBody>
+      </p:sp>
+      <p:pic>
+        <p:nvPicPr>
+          <p:cNvPr id="59" name="Imagem 3">
+            <a:extLst>
+              <a:ext uri="{FF2B5EF4-FFF2-40B4-BE49-F238E27FC236}">
+                <a16:creationId xmlns:a16="http://schemas.microsoft.com/office/drawing/2014/main" id="{15328B9E-4EF8-1D49-A40D-289EE80AAE3E}"/>
+              </a:ext>
+            </a:extLst>
+          </p:cNvPr>
+          <p:cNvPicPr/>
+          <p:nvPr/>
+        </p:nvPicPr>
+        <p:blipFill>
+          <a:blip r:embed="rId2"/>
+          <a:stretch/>
+        </p:blipFill>
+        <p:spPr>
+          <a:xfrm>
+            <a:off x="3240" y="6261480"/>
+            <a:ext cx="1236960" cy="709200"/>
+          </a:xfrm>
+          <a:prstGeom prst="rect">
+            <a:avLst/>
+          </a:prstGeom>
+          <a:ln w="0">
+            <a:noFill/>
+          </a:ln>
+        </p:spPr>
+      </p:pic>
+      <p:sp>
+        <p:nvSpPr>
+          <p:cNvPr id="60" name="CaixaDeTexto 1">
+            <a:extLst>
+              <a:ext uri="{FF2B5EF4-FFF2-40B4-BE49-F238E27FC236}">
+                <a16:creationId xmlns:a16="http://schemas.microsoft.com/office/drawing/2014/main" id="{A49CDA91-AAAE-FE38-3360-FAFBB4672EE5}"/>
+              </a:ext>
+            </a:extLst>
+          </p:cNvPr>
+          <p:cNvSpPr/>
+          <p:nvPr/>
+        </p:nvSpPr>
+        <p:spPr>
+          <a:xfrm>
+            <a:off x="6629400" y="6362640"/>
+            <a:ext cx="5855760" cy="337100"/>
+          </a:xfrm>
+          <a:prstGeom prst="rect">
+            <a:avLst/>
+          </a:prstGeom>
+          <a:noFill/>
+          <a:ln w="0">
+            <a:noFill/>
+          </a:ln>
+        </p:spPr>
+        <p:style>
+          <a:lnRef idx="0">
+            <a:scrgbClr r="0" g="0" b="0"/>
+          </a:lnRef>
+          <a:fillRef idx="0">
+            <a:scrgbClr r="0" g="0" b="0"/>
+          </a:fillRef>
+          <a:effectRef idx="0">
+            <a:scrgbClr r="0" g="0" b="0"/>
+          </a:effectRef>
+          <a:fontRef idx="minor"/>
+        </p:style>
+        <p:txBody>
+          <a:bodyPr vertOverflow="overflow" horzOverflow="overflow" lIns="90000" tIns="45000" rIns="90000" bIns="45000" numCol="1" spcCol="0" anchor="t">
+            <a:spAutoFit/>
+          </a:bodyPr>
+          <a:lstStyle/>
+          <a:p>
+            <a:pPr>
+              <a:lnSpc>
+                <a:spcPct val="100000"/>
+              </a:lnSpc>
+              <a:buNone/>
+            </a:pPr>
+            <a:r>
+              <a:rPr lang="pt-PT" sz="1600" b="0" strike="noStrike" spc="-1" dirty="0">
+                <a:solidFill>
+                  <a:srgbClr val="FFFFFF"/>
+                </a:solidFill>
+                <a:latin typeface="Calibri"/>
+                <a:ea typeface="DejaVu Sans"/>
+              </a:rPr>
+              <a:t>Bases de Dados – Jogos Olímpicos   |   Parte 2 - Grupo 8</a:t>
+            </a:r>
+            <a:endParaRPr lang="en-US" sz="1600" b="0" strike="noStrike" spc="-1" dirty="0">
+              <a:latin typeface="Arial"/>
+            </a:endParaRPr>
+          </a:p>
+        </p:txBody>
+      </p:sp>
+      <p:pic>
+        <p:nvPicPr>
+          <p:cNvPr id="20482" name="Imagem 1">
+            <a:extLst>
+              <a:ext uri="{FF2B5EF4-FFF2-40B4-BE49-F238E27FC236}">
+                <a16:creationId xmlns:a16="http://schemas.microsoft.com/office/drawing/2014/main" id="{BF10CE31-B91D-9D70-7DB8-D33280FC6203}"/>
+              </a:ext>
+            </a:extLst>
+          </p:cNvPr>
+          <p:cNvPicPr>
+            <a:picLocks noChangeAspect="1" noChangeArrowheads="1"/>
+          </p:cNvPicPr>
+          <p:nvPr/>
+        </p:nvPicPr>
+        <p:blipFill rotWithShape="1">
+          <a:blip r:embed="rId3">
+            <a:extLst>
+              <a:ext uri="{28A0092B-C50C-407E-A947-70E740481C1C}">
+                <a14:useLocalDpi xmlns:a14="http://schemas.microsoft.com/office/drawing/2010/main" val="0"/>
+              </a:ext>
+            </a:extLst>
+          </a:blip>
+          <a:srcRect r="10719"/>
+          <a:stretch/>
+        </p:blipFill>
+        <p:spPr bwMode="auto">
+          <a:xfrm>
+            <a:off x="973857" y="2270973"/>
+            <a:ext cx="10242245" cy="3004545"/>
+          </a:xfrm>
+          <a:prstGeom prst="rect">
+            <a:avLst/>
+          </a:prstGeom>
+          <a:ln w="38100" cap="sq">
+            <a:solidFill>
+              <a:srgbClr val="000000"/>
+            </a:solidFill>
+            <a:prstDash val="solid"/>
+            <a:miter lim="800000"/>
+          </a:ln>
+          <a:effectLst>
+            <a:outerShdw blurRad="50800" dist="38100" dir="2700000" algn="tl" rotWithShape="0">
+              <a:srgbClr val="000000">
+                <a:alpha val="43000"/>
+              </a:srgbClr>
+            </a:outerShdw>
+          </a:effectLst>
+          <a:extLst>
+            <a:ext uri="{909E8E84-426E-40DD-AFC4-6F175D3DCCD1}">
+              <a14:hiddenFill xmlns:a14="http://schemas.microsoft.com/office/drawing/2010/main">
+                <a:solidFill>
+                  <a:srgbClr val="FFFFFF"/>
+                </a:solidFill>
+              </a14:hiddenFill>
+            </a:ext>
+            <a:ext uri="{91240B29-F687-4F45-9708-019B960494DF}">
+              <a14:hiddenLine xmlns:a14="http://schemas.microsoft.com/office/drawing/2010/main" w="9525">
+                <a:solidFill>
+                  <a:srgbClr val="000000"/>
+                </a:solidFill>
+                <a:miter lim="800000"/>
+                <a:headEnd/>
+                <a:tailEnd/>
+              </a14:hiddenLine>
+            </a:ext>
+          </a:extLst>
+        </p:spPr>
+      </p:pic>
+    </p:spTree>
+    <p:extLst>
+      <p:ext uri="{BB962C8B-B14F-4D97-AF65-F5344CB8AC3E}">
+        <p14:creationId xmlns:p14="http://schemas.microsoft.com/office/powerpoint/2010/main" val="1810652808"/>
+      </p:ext>
+    </p:extLst>
+  </p:cSld>
+  <p:clrMapOvr>
+    <a:masterClrMapping/>
+  </p:clrMapOvr>
+</p:sld>
+</file>
+
+<file path=ppt/slides/slide42.xml><?xml version="1.0" encoding="utf-8"?>
+<p:sld xmlns:a="http://schemas.openxmlformats.org/drawingml/2006/main" xmlns:r="http://schemas.openxmlformats.org/officeDocument/2006/relationships" xmlns:p="http://schemas.openxmlformats.org/presentationml/2006/main" show="0">
+  <p:cSld>
+    <p:spTree>
+      <p:nvGrpSpPr>
+        <p:cNvPr id="1" name="">
+          <a:extLst>
+            <a:ext uri="{FF2B5EF4-FFF2-40B4-BE49-F238E27FC236}">
+              <a16:creationId xmlns:a16="http://schemas.microsoft.com/office/drawing/2014/main" id="{475F6C09-FE74-041E-3876-6E4660A20733}"/>
+            </a:ext>
+          </a:extLst>
+        </p:cNvPr>
+        <p:cNvGrpSpPr/>
+        <p:nvPr/>
+      </p:nvGrpSpPr>
+      <p:grpSpPr>
+        <a:xfrm>
+          <a:off x="0" y="0"/>
+          <a:ext cx="0" cy="0"/>
+          <a:chOff x="0" y="0"/>
+          <a:chExt cx="0" cy="0"/>
+        </a:xfrm>
+      </p:grpSpPr>
+      <p:sp>
+        <p:nvSpPr>
+          <p:cNvPr id="56" name="PlaceHolder 1">
+            <a:extLst>
+              <a:ext uri="{FF2B5EF4-FFF2-40B4-BE49-F238E27FC236}">
+                <a16:creationId xmlns:a16="http://schemas.microsoft.com/office/drawing/2014/main" id="{E24678AC-59C2-41D7-3B65-784D0FDEFB48}"/>
+              </a:ext>
+            </a:extLst>
+          </p:cNvPr>
+          <p:cNvSpPr>
+            <a:spLocks noGrp="1"/>
+          </p:cNvSpPr>
+          <p:nvPr>
+            <p:ph type="title"/>
+          </p:nvPr>
+        </p:nvSpPr>
+        <p:spPr>
+          <a:xfrm>
+            <a:off x="1489680" y="576562"/>
+            <a:ext cx="9024480" cy="1096137"/>
+          </a:xfrm>
+          <a:prstGeom prst="rect">
+            <a:avLst/>
+          </a:prstGeom>
+          <a:noFill/>
+          <a:ln w="0">
+            <a:noFill/>
+          </a:ln>
+        </p:spPr>
+        <p:txBody>
+          <a:bodyPr lIns="0" tIns="0" rIns="0" bIns="0" anchor="b">
+            <a:noAutofit/>
+          </a:bodyPr>
+          <a:lstStyle/>
+          <a:p>
+            <a:pPr algn="ctr">
+              <a:lnSpc>
+                <a:spcPct val="90000"/>
+              </a:lnSpc>
+              <a:buNone/>
+            </a:pPr>
+            <a:r>
+              <a:rPr lang="pt-PT" sz="4000" b="0" strike="noStrike" spc="-1" dirty="0">
+                <a:solidFill>
+                  <a:srgbClr val="870F11"/>
+                </a:solidFill>
+                <a:latin typeface="Calibri"/>
+              </a:rPr>
+              <a:t>Definição e caracterização de vistas de utilização em SQL</a:t>
+            </a:r>
+            <a:endParaRPr lang="en-US" sz="4000" b="0" strike="noStrike" spc="-1" dirty="0">
+              <a:latin typeface="Arial"/>
+            </a:endParaRPr>
+          </a:p>
+        </p:txBody>
+      </p:sp>
+      <p:sp>
+        <p:nvSpPr>
+          <p:cNvPr id="57" name="Retângulo 4">
+            <a:extLst>
+              <a:ext uri="{FF2B5EF4-FFF2-40B4-BE49-F238E27FC236}">
+                <a16:creationId xmlns:a16="http://schemas.microsoft.com/office/drawing/2014/main" id="{78428E9D-0827-5B23-E076-4290B7B10601}"/>
+              </a:ext>
+            </a:extLst>
+          </p:cNvPr>
+          <p:cNvSpPr/>
+          <p:nvPr/>
+        </p:nvSpPr>
+        <p:spPr>
+          <a:xfrm>
+            <a:off x="0" y="6233760"/>
+            <a:ext cx="12189960" cy="622080"/>
+          </a:xfrm>
+          <a:prstGeom prst="rect">
+            <a:avLst/>
+          </a:prstGeom>
+          <a:solidFill>
+            <a:srgbClr val="870F11"/>
+          </a:solidFill>
+          <a:ln>
+            <a:solidFill>
+              <a:srgbClr val="870F11"/>
+            </a:solidFill>
+          </a:ln>
+        </p:spPr>
+        <p:style>
+          <a:lnRef idx="2">
+            <a:schemeClr val="accent1">
+              <a:shade val="50000"/>
+            </a:schemeClr>
+          </a:lnRef>
+          <a:fillRef idx="1">
+            <a:schemeClr val="accent1"/>
+          </a:fillRef>
+          <a:effectRef idx="0">
+            <a:schemeClr val="accent1"/>
+          </a:effectRef>
+          <a:fontRef idx="minor"/>
+        </p:style>
+        <p:txBody>
+          <a:bodyPr/>
+          <a:lstStyle/>
+          <a:p>
+            <a:endParaRPr lang="pt-PT"/>
+          </a:p>
+        </p:txBody>
+      </p:sp>
+      <p:sp>
+        <p:nvSpPr>
+          <p:cNvPr id="58" name="CaixaDeTexto 5">
+            <a:extLst>
+              <a:ext uri="{FF2B5EF4-FFF2-40B4-BE49-F238E27FC236}">
+                <a16:creationId xmlns:a16="http://schemas.microsoft.com/office/drawing/2014/main" id="{0D1EDA0F-2A5F-FD96-818C-C3350317B7D2}"/>
+              </a:ext>
+            </a:extLst>
+          </p:cNvPr>
+          <p:cNvSpPr/>
+          <p:nvPr/>
+        </p:nvSpPr>
+        <p:spPr>
+          <a:xfrm>
+            <a:off x="1489680" y="1828800"/>
+            <a:ext cx="9024480" cy="829543"/>
+          </a:xfrm>
+          <a:prstGeom prst="rect">
+            <a:avLst/>
+          </a:prstGeom>
+          <a:noFill/>
+          <a:ln w="0">
+            <a:noFill/>
+          </a:ln>
+        </p:spPr>
+        <p:style>
+          <a:lnRef idx="0">
+            <a:scrgbClr r="0" g="0" b="0"/>
+          </a:lnRef>
+          <a:fillRef idx="0">
+            <a:scrgbClr r="0" g="0" b="0"/>
+          </a:fillRef>
+          <a:effectRef idx="0">
+            <a:scrgbClr r="0" g="0" b="0"/>
+          </a:effectRef>
+          <a:fontRef idx="minor"/>
+        </p:style>
+        <p:txBody>
+          <a:bodyPr vertOverflow="overflow" horzOverflow="overflow" lIns="90000" tIns="45000" rIns="90000" bIns="45000" numCol="1" spcCol="0" anchor="t">
+            <a:spAutoFit/>
+          </a:bodyPr>
+          <a:lstStyle/>
+          <a:p>
+            <a:pPr algn="ctr">
+              <a:lnSpc>
+                <a:spcPct val="100000"/>
+              </a:lnSpc>
+              <a:buNone/>
+            </a:pPr>
+            <a:endParaRPr lang="en-US" sz="2400" b="0" strike="noStrike" spc="-1" dirty="0">
+              <a:latin typeface="Arial"/>
+            </a:endParaRPr>
+          </a:p>
+          <a:p>
+            <a:pPr algn="ctr">
+              <a:lnSpc>
+                <a:spcPct val="100000"/>
+              </a:lnSpc>
+              <a:buNone/>
+            </a:pPr>
+            <a:endParaRPr lang="en-US" sz="2400" b="0" strike="noStrike" spc="-1" dirty="0">
+              <a:latin typeface="Arial"/>
+            </a:endParaRPr>
+          </a:p>
+        </p:txBody>
+      </p:sp>
+      <p:pic>
+        <p:nvPicPr>
+          <p:cNvPr id="59" name="Imagem 3">
+            <a:extLst>
+              <a:ext uri="{FF2B5EF4-FFF2-40B4-BE49-F238E27FC236}">
+                <a16:creationId xmlns:a16="http://schemas.microsoft.com/office/drawing/2014/main" id="{98FBF2CF-5B75-C184-9163-508A18F68D3A}"/>
+              </a:ext>
+            </a:extLst>
+          </p:cNvPr>
+          <p:cNvPicPr/>
+          <p:nvPr/>
+        </p:nvPicPr>
+        <p:blipFill>
+          <a:blip r:embed="rId2"/>
+          <a:stretch/>
+        </p:blipFill>
+        <p:spPr>
+          <a:xfrm>
+            <a:off x="3240" y="6261480"/>
+            <a:ext cx="1236960" cy="709200"/>
+          </a:xfrm>
+          <a:prstGeom prst="rect">
+            <a:avLst/>
+          </a:prstGeom>
+          <a:ln w="0">
+            <a:noFill/>
+          </a:ln>
+        </p:spPr>
+      </p:pic>
+      <p:sp>
+        <p:nvSpPr>
+          <p:cNvPr id="60" name="CaixaDeTexto 1">
+            <a:extLst>
+              <a:ext uri="{FF2B5EF4-FFF2-40B4-BE49-F238E27FC236}">
+                <a16:creationId xmlns:a16="http://schemas.microsoft.com/office/drawing/2014/main" id="{D62E2DB1-E7CC-85AF-0D65-BFE523CD11C0}"/>
+              </a:ext>
+            </a:extLst>
+          </p:cNvPr>
+          <p:cNvSpPr/>
+          <p:nvPr/>
+        </p:nvSpPr>
+        <p:spPr>
+          <a:xfrm>
+            <a:off x="6629400" y="6362640"/>
+            <a:ext cx="5855760" cy="337100"/>
+          </a:xfrm>
+          <a:prstGeom prst="rect">
+            <a:avLst/>
+          </a:prstGeom>
+          <a:noFill/>
+          <a:ln w="0">
+            <a:noFill/>
+          </a:ln>
+        </p:spPr>
+        <p:style>
+          <a:lnRef idx="0">
+            <a:scrgbClr r="0" g="0" b="0"/>
+          </a:lnRef>
+          <a:fillRef idx="0">
+            <a:scrgbClr r="0" g="0" b="0"/>
+          </a:fillRef>
+          <a:effectRef idx="0">
+            <a:scrgbClr r="0" g="0" b="0"/>
+          </a:effectRef>
+          <a:fontRef idx="minor"/>
+        </p:style>
+        <p:txBody>
+          <a:bodyPr vertOverflow="overflow" horzOverflow="overflow" lIns="90000" tIns="45000" rIns="90000" bIns="45000" numCol="1" spcCol="0" anchor="t">
+            <a:spAutoFit/>
+          </a:bodyPr>
+          <a:lstStyle/>
+          <a:p>
+            <a:pPr>
+              <a:lnSpc>
+                <a:spcPct val="100000"/>
+              </a:lnSpc>
+              <a:buNone/>
+            </a:pPr>
+            <a:r>
+              <a:rPr lang="pt-PT" sz="1600" b="0" strike="noStrike" spc="-1" dirty="0">
+                <a:solidFill>
+                  <a:srgbClr val="FFFFFF"/>
+                </a:solidFill>
+                <a:latin typeface="Calibri"/>
+                <a:ea typeface="DejaVu Sans"/>
+              </a:rPr>
+              <a:t>Bases de Dados – Jogos Olímpicos   |   Parte 2 - Grupo 8</a:t>
+            </a:r>
+            <a:endParaRPr lang="en-US" sz="1600" b="0" strike="noStrike" spc="-1" dirty="0">
+              <a:latin typeface="Arial"/>
+            </a:endParaRPr>
+          </a:p>
+        </p:txBody>
+      </p:sp>
+      <p:pic>
+        <p:nvPicPr>
+          <p:cNvPr id="21506" name="Imagem 1">
+            <a:extLst>
+              <a:ext uri="{FF2B5EF4-FFF2-40B4-BE49-F238E27FC236}">
+                <a16:creationId xmlns:a16="http://schemas.microsoft.com/office/drawing/2014/main" id="{420D5FA6-8AE5-0520-D386-96D95EA6685E}"/>
+              </a:ext>
+            </a:extLst>
+          </p:cNvPr>
+          <p:cNvPicPr>
+            <a:picLocks noChangeAspect="1" noChangeArrowheads="1"/>
+          </p:cNvPicPr>
+          <p:nvPr/>
+        </p:nvPicPr>
+        <p:blipFill>
+          <a:blip r:embed="rId3">
+            <a:extLst>
+              <a:ext uri="{28A0092B-C50C-407E-A947-70E740481C1C}">
+                <a14:useLocalDpi xmlns:a14="http://schemas.microsoft.com/office/drawing/2010/main" val="0"/>
+              </a:ext>
+            </a:extLst>
+          </a:blip>
+          <a:srcRect/>
+          <a:stretch>
+            <a:fillRect/>
+          </a:stretch>
+        </p:blipFill>
+        <p:spPr bwMode="auto">
+          <a:xfrm>
+            <a:off x="2003129" y="2243571"/>
+            <a:ext cx="8183701" cy="2764591"/>
+          </a:xfrm>
+          <a:prstGeom prst="rect">
+            <a:avLst/>
+          </a:prstGeom>
+          <a:ln w="38100" cap="sq">
+            <a:solidFill>
+              <a:srgbClr val="000000"/>
+            </a:solidFill>
+            <a:prstDash val="solid"/>
+            <a:miter lim="800000"/>
+          </a:ln>
+          <a:effectLst>
+            <a:outerShdw blurRad="50800" dist="38100" dir="2700000" algn="tl" rotWithShape="0">
+              <a:srgbClr val="000000">
+                <a:alpha val="43000"/>
+              </a:srgbClr>
+            </a:outerShdw>
+          </a:effectLst>
+          <a:extLst>
+            <a:ext uri="{909E8E84-426E-40DD-AFC4-6F175D3DCCD1}">
+              <a14:hiddenFill xmlns:a14="http://schemas.microsoft.com/office/drawing/2010/main">
+                <a:solidFill>
+                  <a:srgbClr val="FFFFFF"/>
+                </a:solidFill>
+              </a14:hiddenFill>
+            </a:ext>
+            <a:ext uri="{91240B29-F687-4F45-9708-019B960494DF}">
+              <a14:hiddenLine xmlns:a14="http://schemas.microsoft.com/office/drawing/2010/main" w="9525">
+                <a:solidFill>
+                  <a:srgbClr val="000000"/>
+                </a:solidFill>
+                <a:miter lim="800000"/>
+                <a:headEnd/>
+                <a:tailEnd/>
+              </a14:hiddenLine>
+            </a:ext>
+          </a:extLst>
+        </p:spPr>
+      </p:pic>
+    </p:spTree>
+    <p:extLst>
+      <p:ext uri="{BB962C8B-B14F-4D97-AF65-F5344CB8AC3E}">
+        <p14:creationId xmlns:p14="http://schemas.microsoft.com/office/powerpoint/2010/main" val="1626967017"/>
+      </p:ext>
+    </p:extLst>
+  </p:cSld>
+  <p:clrMapOvr>
+    <a:masterClrMapping/>
+  </p:clrMapOvr>
+</p:sld>
+</file>
+
+<file path=ppt/slides/slide43.xml><?xml version="1.0" encoding="utf-8"?>
+<p:sld xmlns:a="http://schemas.openxmlformats.org/drawingml/2006/main" xmlns:r="http://schemas.openxmlformats.org/officeDocument/2006/relationships" xmlns:p="http://schemas.openxmlformats.org/presentationml/2006/main" show="0">
+  <p:cSld>
+    <p:spTree>
+      <p:nvGrpSpPr>
+        <p:cNvPr id="1" name="">
+          <a:extLst>
+            <a:ext uri="{FF2B5EF4-FFF2-40B4-BE49-F238E27FC236}">
+              <a16:creationId xmlns:a16="http://schemas.microsoft.com/office/drawing/2014/main" id="{4926C62E-2E90-796E-607A-504BD331762F}"/>
+            </a:ext>
+          </a:extLst>
+        </p:cNvPr>
+        <p:cNvGrpSpPr/>
+        <p:nvPr/>
+      </p:nvGrpSpPr>
+      <p:grpSpPr>
+        <a:xfrm>
+          <a:off x="0" y="0"/>
+          <a:ext cx="0" cy="0"/>
+          <a:chOff x="0" y="0"/>
+          <a:chExt cx="0" cy="0"/>
+        </a:xfrm>
+      </p:grpSpPr>
+      <p:sp>
+        <p:nvSpPr>
+          <p:cNvPr id="56" name="PlaceHolder 1">
+            <a:extLst>
+              <a:ext uri="{FF2B5EF4-FFF2-40B4-BE49-F238E27FC236}">
+                <a16:creationId xmlns:a16="http://schemas.microsoft.com/office/drawing/2014/main" id="{B6D97671-A852-A95D-C528-E48370750690}"/>
+              </a:ext>
+            </a:extLst>
+          </p:cNvPr>
+          <p:cNvSpPr>
+            <a:spLocks noGrp="1"/>
+          </p:cNvSpPr>
+          <p:nvPr>
+            <p:ph type="title"/>
+          </p:nvPr>
+        </p:nvSpPr>
+        <p:spPr>
+          <a:xfrm>
+            <a:off x="1489680" y="576562"/>
+            <a:ext cx="9024480" cy="1096137"/>
+          </a:xfrm>
+          <a:prstGeom prst="rect">
+            <a:avLst/>
+          </a:prstGeom>
+          <a:noFill/>
+          <a:ln w="0">
+            <a:noFill/>
+          </a:ln>
+        </p:spPr>
+        <p:txBody>
+          <a:bodyPr lIns="0" tIns="0" rIns="0" bIns="0" anchor="b">
+            <a:noAutofit/>
+          </a:bodyPr>
+          <a:lstStyle/>
+          <a:p>
+            <a:pPr algn="ctr">
+              <a:lnSpc>
+                <a:spcPct val="90000"/>
+              </a:lnSpc>
+              <a:buNone/>
+            </a:pPr>
+            <a:r>
+              <a:rPr lang="pt-PT" sz="4000" b="0" strike="noStrike" spc="-1" dirty="0">
+                <a:solidFill>
+                  <a:srgbClr val="870F11"/>
+                </a:solidFill>
+                <a:latin typeface="Calibri"/>
+              </a:rPr>
+              <a:t>Definição e caracterização de vistas de utilização em SQL</a:t>
+            </a:r>
+            <a:endParaRPr lang="en-US" sz="4000" b="0" strike="noStrike" spc="-1" dirty="0">
+              <a:latin typeface="Arial"/>
+            </a:endParaRPr>
+          </a:p>
+        </p:txBody>
+      </p:sp>
+      <p:sp>
+        <p:nvSpPr>
+          <p:cNvPr id="57" name="Retângulo 4">
+            <a:extLst>
+              <a:ext uri="{FF2B5EF4-FFF2-40B4-BE49-F238E27FC236}">
+                <a16:creationId xmlns:a16="http://schemas.microsoft.com/office/drawing/2014/main" id="{2FEFD813-B2F8-4BAE-BFC2-6FDE50D3EA00}"/>
+              </a:ext>
+            </a:extLst>
+          </p:cNvPr>
+          <p:cNvSpPr/>
+          <p:nvPr/>
+        </p:nvSpPr>
+        <p:spPr>
+          <a:xfrm>
+            <a:off x="0" y="6233760"/>
+            <a:ext cx="12189960" cy="622080"/>
+          </a:xfrm>
+          <a:prstGeom prst="rect">
+            <a:avLst/>
+          </a:prstGeom>
+          <a:solidFill>
+            <a:srgbClr val="870F11"/>
+          </a:solidFill>
+          <a:ln>
+            <a:solidFill>
+              <a:srgbClr val="870F11"/>
+            </a:solidFill>
+          </a:ln>
+        </p:spPr>
+        <p:style>
+          <a:lnRef idx="2">
+            <a:schemeClr val="accent1">
+              <a:shade val="50000"/>
+            </a:schemeClr>
+          </a:lnRef>
+          <a:fillRef idx="1">
+            <a:schemeClr val="accent1"/>
+          </a:fillRef>
+          <a:effectRef idx="0">
+            <a:schemeClr val="accent1"/>
+          </a:effectRef>
+          <a:fontRef idx="minor"/>
+        </p:style>
+        <p:txBody>
+          <a:bodyPr/>
+          <a:lstStyle/>
+          <a:p>
+            <a:endParaRPr lang="pt-PT"/>
+          </a:p>
+        </p:txBody>
+      </p:sp>
+      <p:sp>
+        <p:nvSpPr>
+          <p:cNvPr id="58" name="CaixaDeTexto 5">
+            <a:extLst>
+              <a:ext uri="{FF2B5EF4-FFF2-40B4-BE49-F238E27FC236}">
+                <a16:creationId xmlns:a16="http://schemas.microsoft.com/office/drawing/2014/main" id="{BF5EDF7C-02CE-72B0-C84F-9C309C137610}"/>
+              </a:ext>
+            </a:extLst>
+          </p:cNvPr>
+          <p:cNvSpPr/>
+          <p:nvPr/>
+        </p:nvSpPr>
+        <p:spPr>
+          <a:xfrm>
+            <a:off x="1489680" y="1828800"/>
+            <a:ext cx="9024480" cy="829543"/>
+          </a:xfrm>
+          <a:prstGeom prst="rect">
+            <a:avLst/>
+          </a:prstGeom>
+          <a:noFill/>
+          <a:ln w="0">
+            <a:noFill/>
+          </a:ln>
+        </p:spPr>
+        <p:style>
+          <a:lnRef idx="0">
+            <a:scrgbClr r="0" g="0" b="0"/>
+          </a:lnRef>
+          <a:fillRef idx="0">
+            <a:scrgbClr r="0" g="0" b="0"/>
+          </a:fillRef>
+          <a:effectRef idx="0">
+            <a:scrgbClr r="0" g="0" b="0"/>
+          </a:effectRef>
+          <a:fontRef idx="minor"/>
+        </p:style>
+        <p:txBody>
+          <a:bodyPr vertOverflow="overflow" horzOverflow="overflow" lIns="90000" tIns="45000" rIns="90000" bIns="45000" numCol="1" spcCol="0" anchor="t">
+            <a:spAutoFit/>
+          </a:bodyPr>
+          <a:lstStyle/>
+          <a:p>
+            <a:pPr algn="ctr">
+              <a:lnSpc>
+                <a:spcPct val="100000"/>
+              </a:lnSpc>
+              <a:buNone/>
+            </a:pPr>
+            <a:endParaRPr lang="en-US" sz="2400" b="0" strike="noStrike" spc="-1" dirty="0">
+              <a:latin typeface="Arial"/>
+            </a:endParaRPr>
+          </a:p>
+          <a:p>
+            <a:pPr algn="ctr">
+              <a:lnSpc>
+                <a:spcPct val="100000"/>
+              </a:lnSpc>
+              <a:buNone/>
+            </a:pPr>
+            <a:endParaRPr lang="en-US" sz="2400" b="0" strike="noStrike" spc="-1" dirty="0">
+              <a:latin typeface="Arial"/>
+            </a:endParaRPr>
+          </a:p>
+        </p:txBody>
+      </p:sp>
+      <p:pic>
+        <p:nvPicPr>
+          <p:cNvPr id="59" name="Imagem 3">
+            <a:extLst>
+              <a:ext uri="{FF2B5EF4-FFF2-40B4-BE49-F238E27FC236}">
+                <a16:creationId xmlns:a16="http://schemas.microsoft.com/office/drawing/2014/main" id="{5C9495C8-D95C-7AD6-CAF5-1AE364BB0C65}"/>
+              </a:ext>
+            </a:extLst>
+          </p:cNvPr>
+          <p:cNvPicPr/>
+          <p:nvPr/>
+        </p:nvPicPr>
+        <p:blipFill>
+          <a:blip r:embed="rId2"/>
+          <a:stretch/>
+        </p:blipFill>
+        <p:spPr>
+          <a:xfrm>
+            <a:off x="3240" y="6261480"/>
+            <a:ext cx="1236960" cy="709200"/>
+          </a:xfrm>
+          <a:prstGeom prst="rect">
+            <a:avLst/>
+          </a:prstGeom>
+          <a:ln w="0">
+            <a:noFill/>
+          </a:ln>
+        </p:spPr>
+      </p:pic>
+      <p:sp>
+        <p:nvSpPr>
+          <p:cNvPr id="60" name="CaixaDeTexto 1">
+            <a:extLst>
+              <a:ext uri="{FF2B5EF4-FFF2-40B4-BE49-F238E27FC236}">
+                <a16:creationId xmlns:a16="http://schemas.microsoft.com/office/drawing/2014/main" id="{B0C5478B-4C81-9462-B5F1-C2BA9020DB3F}"/>
+              </a:ext>
+            </a:extLst>
+          </p:cNvPr>
+          <p:cNvSpPr/>
+          <p:nvPr/>
+        </p:nvSpPr>
+        <p:spPr>
+          <a:xfrm>
+            <a:off x="6629400" y="6362640"/>
+            <a:ext cx="5855760" cy="337100"/>
+          </a:xfrm>
+          <a:prstGeom prst="rect">
+            <a:avLst/>
+          </a:prstGeom>
+          <a:noFill/>
+          <a:ln w="0">
+            <a:noFill/>
+          </a:ln>
+        </p:spPr>
+        <p:style>
+          <a:lnRef idx="0">
+            <a:scrgbClr r="0" g="0" b="0"/>
+          </a:lnRef>
+          <a:fillRef idx="0">
+            <a:scrgbClr r="0" g="0" b="0"/>
+          </a:fillRef>
+          <a:effectRef idx="0">
+            <a:scrgbClr r="0" g="0" b="0"/>
+          </a:effectRef>
+          <a:fontRef idx="minor"/>
+        </p:style>
+        <p:txBody>
+          <a:bodyPr vertOverflow="overflow" horzOverflow="overflow" lIns="90000" tIns="45000" rIns="90000" bIns="45000" numCol="1" spcCol="0" anchor="t">
+            <a:spAutoFit/>
+          </a:bodyPr>
+          <a:lstStyle/>
+          <a:p>
+            <a:pPr>
+              <a:lnSpc>
+                <a:spcPct val="100000"/>
+              </a:lnSpc>
+              <a:buNone/>
+            </a:pPr>
+            <a:r>
+              <a:rPr lang="pt-PT" sz="1600" b="0" strike="noStrike" spc="-1" dirty="0">
+                <a:solidFill>
+                  <a:srgbClr val="FFFFFF"/>
+                </a:solidFill>
+                <a:latin typeface="Calibri"/>
+                <a:ea typeface="DejaVu Sans"/>
+              </a:rPr>
+              <a:t>Bases de Dados – Jogos Olímpicos   |   Parte 2 - Grupo 8</a:t>
+            </a:r>
+            <a:endParaRPr lang="en-US" sz="1600" b="0" strike="noStrike" spc="-1" dirty="0">
+              <a:latin typeface="Arial"/>
+            </a:endParaRPr>
+          </a:p>
+        </p:txBody>
+      </p:sp>
+      <p:pic>
+        <p:nvPicPr>
+          <p:cNvPr id="22530" name="Imagem 1">
+            <a:extLst>
+              <a:ext uri="{FF2B5EF4-FFF2-40B4-BE49-F238E27FC236}">
+                <a16:creationId xmlns:a16="http://schemas.microsoft.com/office/drawing/2014/main" id="{533B0F9A-9F7C-8AA2-95ED-63DA870C06A6}"/>
+              </a:ext>
+            </a:extLst>
+          </p:cNvPr>
+          <p:cNvPicPr>
+            <a:picLocks noChangeAspect="1" noChangeArrowheads="1"/>
+          </p:cNvPicPr>
+          <p:nvPr/>
+        </p:nvPicPr>
+        <p:blipFill>
+          <a:blip r:embed="rId3">
+            <a:extLst>
+              <a:ext uri="{28A0092B-C50C-407E-A947-70E740481C1C}">
+                <a14:useLocalDpi xmlns:a14="http://schemas.microsoft.com/office/drawing/2010/main" val="0"/>
+              </a:ext>
+            </a:extLst>
+          </a:blip>
+          <a:srcRect/>
+          <a:stretch>
+            <a:fillRect/>
+          </a:stretch>
+        </p:blipFill>
+        <p:spPr bwMode="auto">
+          <a:xfrm>
+            <a:off x="1582740" y="2243571"/>
+            <a:ext cx="9024480" cy="2837553"/>
+          </a:xfrm>
+          <a:prstGeom prst="rect">
+            <a:avLst/>
+          </a:prstGeom>
+          <a:ln w="38100" cap="sq">
+            <a:solidFill>
+              <a:srgbClr val="000000"/>
+            </a:solidFill>
+            <a:prstDash val="solid"/>
+            <a:miter lim="800000"/>
+          </a:ln>
+          <a:effectLst>
+            <a:outerShdw blurRad="50800" dist="38100" dir="2700000" algn="tl" rotWithShape="0">
+              <a:srgbClr val="000000">
+                <a:alpha val="43000"/>
+              </a:srgbClr>
+            </a:outerShdw>
+          </a:effectLst>
+          <a:extLst>
+            <a:ext uri="{909E8E84-426E-40DD-AFC4-6F175D3DCCD1}">
+              <a14:hiddenFill xmlns:a14="http://schemas.microsoft.com/office/drawing/2010/main">
+                <a:solidFill>
+                  <a:srgbClr val="FFFFFF"/>
+                </a:solidFill>
+              </a14:hiddenFill>
+            </a:ext>
+            <a:ext uri="{91240B29-F687-4F45-9708-019B960494DF}">
+              <a14:hiddenLine xmlns:a14="http://schemas.microsoft.com/office/drawing/2010/main" w="9525">
+                <a:solidFill>
+                  <a:srgbClr val="000000"/>
+                </a:solidFill>
+                <a:miter lim="800000"/>
+                <a:headEnd/>
+                <a:tailEnd/>
+              </a14:hiddenLine>
+            </a:ext>
+          </a:extLst>
+        </p:spPr>
+      </p:pic>
+    </p:spTree>
+    <p:extLst>
+      <p:ext uri="{BB962C8B-B14F-4D97-AF65-F5344CB8AC3E}">
+        <p14:creationId xmlns:p14="http://schemas.microsoft.com/office/powerpoint/2010/main" val="1805177610"/>
+      </p:ext>
+    </p:extLst>
+  </p:cSld>
+  <p:clrMapOvr>
+    <a:masterClrMapping/>
+  </p:clrMapOvr>
+</p:sld>
+</file>
+
+<file path=ppt/slides/slide44.xml><?xml version="1.0" encoding="utf-8"?>
+<p:sld xmlns:a="http://schemas.openxmlformats.org/drawingml/2006/main" xmlns:r="http://schemas.openxmlformats.org/officeDocument/2006/relationships" xmlns:p="http://schemas.openxmlformats.org/presentationml/2006/main" show="0">
+  <p:cSld>
+    <p:spTree>
+      <p:nvGrpSpPr>
+        <p:cNvPr id="1" name="">
+          <a:extLst>
+            <a:ext uri="{FF2B5EF4-FFF2-40B4-BE49-F238E27FC236}">
+              <a16:creationId xmlns:a16="http://schemas.microsoft.com/office/drawing/2014/main" id="{266F1D24-3444-370B-CB25-84D399A3B18B}"/>
+            </a:ext>
+          </a:extLst>
+        </p:cNvPr>
+        <p:cNvGrpSpPr/>
+        <p:nvPr/>
+      </p:nvGrpSpPr>
+      <p:grpSpPr>
+        <a:xfrm>
+          <a:off x="0" y="0"/>
+          <a:ext cx="0" cy="0"/>
+          <a:chOff x="0" y="0"/>
+          <a:chExt cx="0" cy="0"/>
+        </a:xfrm>
+      </p:grpSpPr>
+      <p:sp>
+        <p:nvSpPr>
+          <p:cNvPr id="56" name="PlaceHolder 1">
+            <a:extLst>
+              <a:ext uri="{FF2B5EF4-FFF2-40B4-BE49-F238E27FC236}">
+                <a16:creationId xmlns:a16="http://schemas.microsoft.com/office/drawing/2014/main" id="{CDBA496C-1B6B-6B13-E7C6-161E699DA718}"/>
+              </a:ext>
+            </a:extLst>
+          </p:cNvPr>
+          <p:cNvSpPr>
+            <a:spLocks noGrp="1"/>
+          </p:cNvSpPr>
+          <p:nvPr>
+            <p:ph type="title"/>
+          </p:nvPr>
+        </p:nvSpPr>
+        <p:spPr>
+          <a:xfrm>
+            <a:off x="1489680" y="576562"/>
+            <a:ext cx="9024480" cy="1096137"/>
+          </a:xfrm>
+          <a:prstGeom prst="rect">
+            <a:avLst/>
+          </a:prstGeom>
+          <a:noFill/>
+          <a:ln w="0">
+            <a:noFill/>
+          </a:ln>
+        </p:spPr>
+        <p:txBody>
+          <a:bodyPr lIns="0" tIns="0" rIns="0" bIns="0" anchor="b">
+            <a:noAutofit/>
+          </a:bodyPr>
+          <a:lstStyle/>
+          <a:p>
+            <a:pPr algn="ctr">
+              <a:lnSpc>
+                <a:spcPct val="90000"/>
+              </a:lnSpc>
+              <a:buNone/>
+            </a:pPr>
+            <a:r>
+              <a:rPr lang="pt-PT" sz="4000" b="0" strike="noStrike" spc="-1" dirty="0">
+                <a:solidFill>
+                  <a:srgbClr val="870F11"/>
+                </a:solidFill>
+                <a:latin typeface="Calibri"/>
+              </a:rPr>
+              <a:t>Definição dos perfis de utilização para cada utilizador da base de dados</a:t>
+            </a:r>
+            <a:endParaRPr lang="en-US" sz="4000" b="0" strike="noStrike" spc="-1" dirty="0">
+              <a:latin typeface="Arial"/>
+            </a:endParaRPr>
+          </a:p>
+        </p:txBody>
+      </p:sp>
+      <p:sp>
+        <p:nvSpPr>
+          <p:cNvPr id="57" name="Retângulo 4">
+            <a:extLst>
+              <a:ext uri="{FF2B5EF4-FFF2-40B4-BE49-F238E27FC236}">
+                <a16:creationId xmlns:a16="http://schemas.microsoft.com/office/drawing/2014/main" id="{1512CC11-538D-F461-D5D6-B2B814AD3E8F}"/>
+              </a:ext>
+            </a:extLst>
+          </p:cNvPr>
+          <p:cNvSpPr/>
+          <p:nvPr/>
+        </p:nvSpPr>
+        <p:spPr>
+          <a:xfrm>
+            <a:off x="0" y="6233760"/>
+            <a:ext cx="12189960" cy="622080"/>
+          </a:xfrm>
+          <a:prstGeom prst="rect">
+            <a:avLst/>
+          </a:prstGeom>
+          <a:solidFill>
+            <a:srgbClr val="870F11"/>
+          </a:solidFill>
+          <a:ln>
+            <a:solidFill>
+              <a:srgbClr val="870F11"/>
+            </a:solidFill>
+          </a:ln>
+        </p:spPr>
+        <p:style>
+          <a:lnRef idx="2">
+            <a:schemeClr val="accent1">
+              <a:shade val="50000"/>
+            </a:schemeClr>
+          </a:lnRef>
+          <a:fillRef idx="1">
+            <a:schemeClr val="accent1"/>
+          </a:fillRef>
+          <a:effectRef idx="0">
+            <a:schemeClr val="accent1"/>
+          </a:effectRef>
+          <a:fontRef idx="minor"/>
+        </p:style>
+        <p:txBody>
+          <a:bodyPr/>
+          <a:lstStyle/>
+          <a:p>
+            <a:endParaRPr lang="pt-PT"/>
+          </a:p>
+        </p:txBody>
+      </p:sp>
+      <p:sp>
+        <p:nvSpPr>
+          <p:cNvPr id="58" name="CaixaDeTexto 5">
+            <a:extLst>
+              <a:ext uri="{FF2B5EF4-FFF2-40B4-BE49-F238E27FC236}">
+                <a16:creationId xmlns:a16="http://schemas.microsoft.com/office/drawing/2014/main" id="{93CABFB6-8B9E-1002-C490-7F674E7401F8}"/>
+              </a:ext>
+            </a:extLst>
+          </p:cNvPr>
+          <p:cNvSpPr/>
+          <p:nvPr/>
+        </p:nvSpPr>
+        <p:spPr>
+          <a:xfrm>
+            <a:off x="1489680" y="1828800"/>
+            <a:ext cx="9024480" cy="829543"/>
+          </a:xfrm>
+          <a:prstGeom prst="rect">
+            <a:avLst/>
+          </a:prstGeom>
+          <a:noFill/>
+          <a:ln w="0">
+            <a:noFill/>
+          </a:ln>
+        </p:spPr>
+        <p:style>
+          <a:lnRef idx="0">
+            <a:scrgbClr r="0" g="0" b="0"/>
+          </a:lnRef>
+          <a:fillRef idx="0">
+            <a:scrgbClr r="0" g="0" b="0"/>
+          </a:fillRef>
+          <a:effectRef idx="0">
+            <a:scrgbClr r="0" g="0" b="0"/>
+          </a:effectRef>
+          <a:fontRef idx="minor"/>
+        </p:style>
+        <p:txBody>
+          <a:bodyPr vertOverflow="overflow" horzOverflow="overflow" lIns="90000" tIns="45000" rIns="90000" bIns="45000" numCol="1" spcCol="0" anchor="t">
+            <a:spAutoFit/>
+          </a:bodyPr>
+          <a:lstStyle/>
+          <a:p>
+            <a:pPr algn="ctr">
+              <a:lnSpc>
+                <a:spcPct val="100000"/>
+              </a:lnSpc>
+              <a:buNone/>
+            </a:pPr>
+            <a:endParaRPr lang="en-US" sz="2400" b="0" strike="noStrike" spc="-1" dirty="0">
+              <a:latin typeface="Arial"/>
+            </a:endParaRPr>
+          </a:p>
+          <a:p>
+            <a:pPr algn="ctr">
+              <a:lnSpc>
+                <a:spcPct val="100000"/>
+              </a:lnSpc>
+              <a:buNone/>
+            </a:pPr>
+            <a:endParaRPr lang="en-US" sz="2400" b="0" strike="noStrike" spc="-1" dirty="0">
+              <a:latin typeface="Arial"/>
+            </a:endParaRPr>
+          </a:p>
+        </p:txBody>
+      </p:sp>
+      <p:pic>
+        <p:nvPicPr>
+          <p:cNvPr id="59" name="Imagem 3">
+            <a:extLst>
+              <a:ext uri="{FF2B5EF4-FFF2-40B4-BE49-F238E27FC236}">
+                <a16:creationId xmlns:a16="http://schemas.microsoft.com/office/drawing/2014/main" id="{90999E14-6F5F-1552-B3E0-1EA601DA5323}"/>
+              </a:ext>
+            </a:extLst>
+          </p:cNvPr>
+          <p:cNvPicPr/>
+          <p:nvPr/>
+        </p:nvPicPr>
+        <p:blipFill>
+          <a:blip r:embed="rId2"/>
+          <a:stretch/>
+        </p:blipFill>
+        <p:spPr>
+          <a:xfrm>
+            <a:off x="3240" y="6261480"/>
+            <a:ext cx="1236960" cy="709200"/>
+          </a:xfrm>
+          <a:prstGeom prst="rect">
+            <a:avLst/>
+          </a:prstGeom>
+          <a:ln w="0">
+            <a:noFill/>
+          </a:ln>
+        </p:spPr>
+      </p:pic>
+      <p:sp>
+        <p:nvSpPr>
+          <p:cNvPr id="60" name="CaixaDeTexto 1">
+            <a:extLst>
+              <a:ext uri="{FF2B5EF4-FFF2-40B4-BE49-F238E27FC236}">
+                <a16:creationId xmlns:a16="http://schemas.microsoft.com/office/drawing/2014/main" id="{D6430A43-BF43-C662-1BC6-1BC1BE7A9701}"/>
+              </a:ext>
+            </a:extLst>
+          </p:cNvPr>
+          <p:cNvSpPr/>
+          <p:nvPr/>
+        </p:nvSpPr>
+        <p:spPr>
+          <a:xfrm>
+            <a:off x="6629400" y="6362640"/>
+            <a:ext cx="5855760" cy="337100"/>
+          </a:xfrm>
+          <a:prstGeom prst="rect">
+            <a:avLst/>
+          </a:prstGeom>
+          <a:noFill/>
+          <a:ln w="0">
+            <a:noFill/>
+          </a:ln>
+        </p:spPr>
+        <p:style>
+          <a:lnRef idx="0">
+            <a:scrgbClr r="0" g="0" b="0"/>
+          </a:lnRef>
+          <a:fillRef idx="0">
+            <a:scrgbClr r="0" g="0" b="0"/>
+          </a:fillRef>
+          <a:effectRef idx="0">
+            <a:scrgbClr r="0" g="0" b="0"/>
+          </a:effectRef>
+          <a:fontRef idx="minor"/>
+        </p:style>
+        <p:txBody>
+          <a:bodyPr vertOverflow="overflow" horzOverflow="overflow" lIns="90000" tIns="45000" rIns="90000" bIns="45000" numCol="1" spcCol="0" anchor="t">
+            <a:spAutoFit/>
+          </a:bodyPr>
+          <a:lstStyle/>
+          <a:p>
+            <a:pPr>
+              <a:lnSpc>
+                <a:spcPct val="100000"/>
+              </a:lnSpc>
+              <a:buNone/>
+            </a:pPr>
+            <a:r>
+              <a:rPr lang="pt-PT" sz="1600" b="0" strike="noStrike" spc="-1" dirty="0">
+                <a:solidFill>
+                  <a:srgbClr val="FFFFFF"/>
+                </a:solidFill>
+                <a:latin typeface="Calibri"/>
+                <a:ea typeface="DejaVu Sans"/>
+              </a:rPr>
+              <a:t>Bases de Dados – Jogos Olímpicos   |   Parte 2 - Grupo 8</a:t>
+            </a:r>
+            <a:endParaRPr lang="en-US" sz="1600" b="0" strike="noStrike" spc="-1" dirty="0">
+              <a:latin typeface="Arial"/>
+            </a:endParaRPr>
+          </a:p>
+        </p:txBody>
+      </p:sp>
+      <p:sp>
+        <p:nvSpPr>
+          <p:cNvPr id="2" name="CaixaDeTexto 9">
+            <a:extLst>
+              <a:ext uri="{FF2B5EF4-FFF2-40B4-BE49-F238E27FC236}">
+                <a16:creationId xmlns:a16="http://schemas.microsoft.com/office/drawing/2014/main" id="{58730A98-1BF0-AA04-19CC-D77BBC145B82}"/>
+              </a:ext>
+            </a:extLst>
+          </p:cNvPr>
+          <p:cNvSpPr/>
+          <p:nvPr/>
+        </p:nvSpPr>
+        <p:spPr>
+          <a:xfrm>
+            <a:off x="1582740" y="1945124"/>
+            <a:ext cx="9024480" cy="1426437"/>
+          </a:xfrm>
+          <a:prstGeom prst="rect">
+            <a:avLst/>
+          </a:prstGeom>
+          <a:noFill/>
+          <a:ln w="0">
+            <a:noFill/>
+          </a:ln>
+        </p:spPr>
+        <p:style>
+          <a:lnRef idx="0">
+            <a:scrgbClr r="0" g="0" b="0"/>
+          </a:lnRef>
+          <a:fillRef idx="0">
+            <a:scrgbClr r="0" g="0" b="0"/>
+          </a:fillRef>
+          <a:effectRef idx="0">
+            <a:scrgbClr r="0" g="0" b="0"/>
+          </a:effectRef>
+          <a:fontRef idx="minor"/>
+        </p:style>
+        <p:txBody>
+          <a:bodyPr vertOverflow="overflow" horzOverflow="overflow" wrap="square" lIns="90000" tIns="45000" rIns="90000" bIns="45000" numCol="1" spcCol="0" anchor="t">
+            <a:spAutoFit/>
+          </a:bodyPr>
+          <a:lstStyle/>
+          <a:p>
+            <a:pPr marL="343080" indent="-343080" algn="just">
+              <a:lnSpc>
+                <a:spcPct val="150000"/>
+              </a:lnSpc>
+              <a:buClr>
+                <a:srgbClr val="000000"/>
+              </a:buClr>
+              <a:buFont typeface="Arial"/>
+              <a:buChar char="•"/>
+            </a:pPr>
+            <a:r>
+              <a:rPr lang="en" sz="2000" spc="-1" dirty="0">
+                <a:solidFill>
+                  <a:srgbClr val="000000"/>
+                </a:solidFill>
+                <a:latin typeface="Consolas"/>
+              </a:rPr>
+              <a:t>A primeira etapa durante a definição dos perfis de utilização é definir o perfil do administrator de base de dados em questão</a:t>
+            </a:r>
+          </a:p>
+        </p:txBody>
+      </p:sp>
+      <p:pic>
+        <p:nvPicPr>
+          <p:cNvPr id="23554" name="Imagem 1">
+            <a:extLst>
+              <a:ext uri="{FF2B5EF4-FFF2-40B4-BE49-F238E27FC236}">
+                <a16:creationId xmlns:a16="http://schemas.microsoft.com/office/drawing/2014/main" id="{815ABD80-D914-4F51-E6F1-551190FFBCDE}"/>
+              </a:ext>
+            </a:extLst>
+          </p:cNvPr>
+          <p:cNvPicPr>
+            <a:picLocks noChangeAspect="1" noChangeArrowheads="1"/>
+          </p:cNvPicPr>
+          <p:nvPr/>
+        </p:nvPicPr>
+        <p:blipFill>
+          <a:blip r:embed="rId3">
+            <a:extLst>
+              <a:ext uri="{28A0092B-C50C-407E-A947-70E740481C1C}">
+                <a14:useLocalDpi xmlns:a14="http://schemas.microsoft.com/office/drawing/2010/main" val="0"/>
+              </a:ext>
+            </a:extLst>
+          </a:blip>
+          <a:srcRect/>
+          <a:stretch>
+            <a:fillRect/>
+          </a:stretch>
+        </p:blipFill>
+        <p:spPr bwMode="auto">
+          <a:xfrm>
+            <a:off x="1582740" y="3587280"/>
+            <a:ext cx="9216268" cy="853359"/>
+          </a:xfrm>
+          <a:prstGeom prst="rect">
+            <a:avLst/>
+          </a:prstGeom>
+          <a:ln w="38100" cap="sq">
+            <a:solidFill>
+              <a:srgbClr val="000000"/>
+            </a:solidFill>
+            <a:prstDash val="solid"/>
+            <a:miter lim="800000"/>
+          </a:ln>
+          <a:effectLst>
+            <a:outerShdw blurRad="50800" dist="38100" dir="2700000" algn="tl" rotWithShape="0">
+              <a:srgbClr val="000000">
+                <a:alpha val="43000"/>
+              </a:srgbClr>
+            </a:outerShdw>
+          </a:effectLst>
+          <a:extLst>
+            <a:ext uri="{909E8E84-426E-40DD-AFC4-6F175D3DCCD1}">
+              <a14:hiddenFill xmlns:a14="http://schemas.microsoft.com/office/drawing/2010/main">
+                <a:solidFill>
+                  <a:srgbClr val="FFFFFF"/>
+                </a:solidFill>
+              </a14:hiddenFill>
+            </a:ext>
+            <a:ext uri="{91240B29-F687-4F45-9708-019B960494DF}">
+              <a14:hiddenLine xmlns:a14="http://schemas.microsoft.com/office/drawing/2010/main" w="9525">
+                <a:solidFill>
+                  <a:srgbClr val="000000"/>
+                </a:solidFill>
+                <a:miter lim="800000"/>
+                <a:headEnd/>
+                <a:tailEnd/>
+              </a14:hiddenLine>
+            </a:ext>
+          </a:extLst>
+        </p:spPr>
+      </p:pic>
+      <p:sp>
+        <p:nvSpPr>
+          <p:cNvPr id="3" name="CaixaDeTexto 9">
+            <a:extLst>
+              <a:ext uri="{FF2B5EF4-FFF2-40B4-BE49-F238E27FC236}">
+                <a16:creationId xmlns:a16="http://schemas.microsoft.com/office/drawing/2014/main" id="{553228D0-2380-33DF-04E7-B4DC4A5C32E3}"/>
+              </a:ext>
+            </a:extLst>
+          </p:cNvPr>
+          <p:cNvSpPr/>
+          <p:nvPr/>
+        </p:nvSpPr>
+        <p:spPr>
+          <a:xfrm>
+            <a:off x="1582740" y="4742883"/>
+            <a:ext cx="9024480" cy="1426437"/>
+          </a:xfrm>
+          <a:prstGeom prst="rect">
+            <a:avLst/>
+          </a:prstGeom>
+          <a:noFill/>
+          <a:ln w="0">
+            <a:noFill/>
+          </a:ln>
+        </p:spPr>
+        <p:style>
+          <a:lnRef idx="0">
+            <a:scrgbClr r="0" g="0" b="0"/>
+          </a:lnRef>
+          <a:fillRef idx="0">
+            <a:scrgbClr r="0" g="0" b="0"/>
+          </a:fillRef>
+          <a:effectRef idx="0">
+            <a:scrgbClr r="0" g="0" b="0"/>
+          </a:effectRef>
+          <a:fontRef idx="minor"/>
+        </p:style>
+        <p:txBody>
+          <a:bodyPr vertOverflow="overflow" horzOverflow="overflow" wrap="square" lIns="90000" tIns="45000" rIns="90000" bIns="45000" numCol="1" spcCol="0" anchor="t">
+            <a:spAutoFit/>
+          </a:bodyPr>
+          <a:lstStyle/>
+          <a:p>
+            <a:pPr marL="343080" indent="-343080" algn="just">
+              <a:lnSpc>
+                <a:spcPct val="150000"/>
+              </a:lnSpc>
+              <a:buClr>
+                <a:srgbClr val="000000"/>
+              </a:buClr>
+              <a:buFont typeface="Arial"/>
+              <a:buChar char="•"/>
+            </a:pPr>
+            <a:r>
+              <a:rPr lang="en" sz="2000" spc="-1" dirty="0">
+                <a:solidFill>
+                  <a:srgbClr val="000000"/>
+                </a:solidFill>
+                <a:latin typeface="Consolas"/>
+              </a:rPr>
+              <a:t>Este passo é necessário porque é o administrador que será o responsável por atribuir e revogar as permissões dos outros utilizadores.</a:t>
+            </a:r>
+          </a:p>
+        </p:txBody>
+      </p:sp>
+    </p:spTree>
+    <p:extLst>
+      <p:ext uri="{BB962C8B-B14F-4D97-AF65-F5344CB8AC3E}">
+        <p14:creationId xmlns:p14="http://schemas.microsoft.com/office/powerpoint/2010/main" val="1523401664"/>
+      </p:ext>
+    </p:extLst>
+  </p:cSld>
+  <p:clrMapOvr>
+    <a:masterClrMapping/>
+  </p:clrMapOvr>
+</p:sld>
+</file>
+
+<file path=ppt/slides/slide45.xml><?xml version="1.0" encoding="utf-8"?>
+<p:sld xmlns:a="http://schemas.openxmlformats.org/drawingml/2006/main" xmlns:r="http://schemas.openxmlformats.org/officeDocument/2006/relationships" xmlns:p="http://schemas.openxmlformats.org/presentationml/2006/main" show="0">
+  <p:cSld>
+    <p:spTree>
+      <p:nvGrpSpPr>
+        <p:cNvPr id="1" name="">
+          <a:extLst>
+            <a:ext uri="{FF2B5EF4-FFF2-40B4-BE49-F238E27FC236}">
+              <a16:creationId xmlns:a16="http://schemas.microsoft.com/office/drawing/2014/main" id="{BC21AAF7-1B99-8D49-FFAB-C1259896CB0A}"/>
+            </a:ext>
+          </a:extLst>
+        </p:cNvPr>
+        <p:cNvGrpSpPr/>
+        <p:nvPr/>
+      </p:nvGrpSpPr>
+      <p:grpSpPr>
+        <a:xfrm>
+          <a:off x="0" y="0"/>
+          <a:ext cx="0" cy="0"/>
+          <a:chOff x="0" y="0"/>
+          <a:chExt cx="0" cy="0"/>
+        </a:xfrm>
+      </p:grpSpPr>
+      <p:sp>
+        <p:nvSpPr>
+          <p:cNvPr id="56" name="PlaceHolder 1">
+            <a:extLst>
+              <a:ext uri="{FF2B5EF4-FFF2-40B4-BE49-F238E27FC236}">
+                <a16:creationId xmlns:a16="http://schemas.microsoft.com/office/drawing/2014/main" id="{2AE3BB74-8F63-C073-CA71-6B5D6C78789B}"/>
+              </a:ext>
+            </a:extLst>
+          </p:cNvPr>
+          <p:cNvSpPr>
+            <a:spLocks noGrp="1"/>
+          </p:cNvSpPr>
+          <p:nvPr>
+            <p:ph type="title"/>
+          </p:nvPr>
+        </p:nvSpPr>
+        <p:spPr>
+          <a:xfrm>
+            <a:off x="1489680" y="576562"/>
+            <a:ext cx="9024480" cy="1096137"/>
+          </a:xfrm>
+          <a:prstGeom prst="rect">
+            <a:avLst/>
+          </a:prstGeom>
+          <a:noFill/>
+          <a:ln w="0">
+            <a:noFill/>
+          </a:ln>
+        </p:spPr>
+        <p:txBody>
+          <a:bodyPr lIns="0" tIns="0" rIns="0" bIns="0" anchor="b">
+            <a:noAutofit/>
+          </a:bodyPr>
+          <a:lstStyle/>
+          <a:p>
+            <a:pPr algn="ctr">
+              <a:lnSpc>
+                <a:spcPct val="90000"/>
+              </a:lnSpc>
+              <a:buNone/>
+            </a:pPr>
+            <a:r>
+              <a:rPr lang="pt-PT" sz="4000" b="0" strike="noStrike" spc="-1" dirty="0">
+                <a:solidFill>
+                  <a:srgbClr val="870F11"/>
+                </a:solidFill>
+                <a:latin typeface="Calibri"/>
+              </a:rPr>
+              <a:t>Definição dos perfis de utilização para cada utilizador da base de dados</a:t>
+            </a:r>
+            <a:endParaRPr lang="en-US" sz="4000" b="0" strike="noStrike" spc="-1" dirty="0">
+              <a:latin typeface="Arial"/>
+            </a:endParaRPr>
+          </a:p>
+        </p:txBody>
+      </p:sp>
+      <p:sp>
+        <p:nvSpPr>
+          <p:cNvPr id="57" name="Retângulo 4">
+            <a:extLst>
+              <a:ext uri="{FF2B5EF4-FFF2-40B4-BE49-F238E27FC236}">
+                <a16:creationId xmlns:a16="http://schemas.microsoft.com/office/drawing/2014/main" id="{65D77116-1DD2-7FB6-8DD8-F1BCBFE2A734}"/>
+              </a:ext>
+            </a:extLst>
+          </p:cNvPr>
+          <p:cNvSpPr/>
+          <p:nvPr/>
+        </p:nvSpPr>
+        <p:spPr>
+          <a:xfrm>
+            <a:off x="0" y="6233760"/>
+            <a:ext cx="12189960" cy="622080"/>
+          </a:xfrm>
+          <a:prstGeom prst="rect">
+            <a:avLst/>
+          </a:prstGeom>
+          <a:solidFill>
+            <a:srgbClr val="870F11"/>
+          </a:solidFill>
+          <a:ln>
+            <a:solidFill>
+              <a:srgbClr val="870F11"/>
+            </a:solidFill>
+          </a:ln>
+        </p:spPr>
+        <p:style>
+          <a:lnRef idx="2">
+            <a:schemeClr val="accent1">
+              <a:shade val="50000"/>
+            </a:schemeClr>
+          </a:lnRef>
+          <a:fillRef idx="1">
+            <a:schemeClr val="accent1"/>
+          </a:fillRef>
+          <a:effectRef idx="0">
+            <a:schemeClr val="accent1"/>
+          </a:effectRef>
+          <a:fontRef idx="minor"/>
+        </p:style>
+        <p:txBody>
+          <a:bodyPr/>
+          <a:lstStyle/>
+          <a:p>
+            <a:endParaRPr lang="pt-PT"/>
+          </a:p>
+        </p:txBody>
+      </p:sp>
+      <p:pic>
+        <p:nvPicPr>
+          <p:cNvPr id="59" name="Imagem 3">
+            <a:extLst>
+              <a:ext uri="{FF2B5EF4-FFF2-40B4-BE49-F238E27FC236}">
+                <a16:creationId xmlns:a16="http://schemas.microsoft.com/office/drawing/2014/main" id="{F4EE0978-B5FA-B297-4F8E-9D92056EBCAC}"/>
+              </a:ext>
+            </a:extLst>
+          </p:cNvPr>
+          <p:cNvPicPr/>
+          <p:nvPr/>
+        </p:nvPicPr>
+        <p:blipFill>
+          <a:blip r:embed="rId2"/>
+          <a:stretch/>
+        </p:blipFill>
+        <p:spPr>
+          <a:xfrm>
+            <a:off x="3240" y="6261480"/>
+            <a:ext cx="1236960" cy="709200"/>
+          </a:xfrm>
+          <a:prstGeom prst="rect">
+            <a:avLst/>
+          </a:prstGeom>
+          <a:ln w="0">
+            <a:noFill/>
+          </a:ln>
+        </p:spPr>
+      </p:pic>
+      <p:sp>
+        <p:nvSpPr>
+          <p:cNvPr id="60" name="CaixaDeTexto 1">
+            <a:extLst>
+              <a:ext uri="{FF2B5EF4-FFF2-40B4-BE49-F238E27FC236}">
+                <a16:creationId xmlns:a16="http://schemas.microsoft.com/office/drawing/2014/main" id="{7AE1CF7D-1DB1-83F1-393F-94AAC34145C7}"/>
+              </a:ext>
+            </a:extLst>
+          </p:cNvPr>
+          <p:cNvSpPr/>
+          <p:nvPr/>
+        </p:nvSpPr>
+        <p:spPr>
+          <a:xfrm>
+            <a:off x="6629400" y="6362640"/>
+            <a:ext cx="5855760" cy="337100"/>
+          </a:xfrm>
+          <a:prstGeom prst="rect">
+            <a:avLst/>
+          </a:prstGeom>
+          <a:noFill/>
+          <a:ln w="0">
+            <a:noFill/>
+          </a:ln>
+        </p:spPr>
+        <p:style>
+          <a:lnRef idx="0">
+            <a:scrgbClr r="0" g="0" b="0"/>
+          </a:lnRef>
+          <a:fillRef idx="0">
+            <a:scrgbClr r="0" g="0" b="0"/>
+          </a:fillRef>
+          <a:effectRef idx="0">
+            <a:scrgbClr r="0" g="0" b="0"/>
+          </a:effectRef>
+          <a:fontRef idx="minor"/>
+        </p:style>
+        <p:txBody>
+          <a:bodyPr vertOverflow="overflow" horzOverflow="overflow" lIns="90000" tIns="45000" rIns="90000" bIns="45000" numCol="1" spcCol="0" anchor="t">
+            <a:spAutoFit/>
+          </a:bodyPr>
+          <a:lstStyle/>
+          <a:p>
+            <a:pPr>
+              <a:lnSpc>
+                <a:spcPct val="100000"/>
+              </a:lnSpc>
+              <a:buNone/>
+            </a:pPr>
+            <a:r>
+              <a:rPr lang="pt-PT" sz="1600" b="0" strike="noStrike" spc="-1" dirty="0">
+                <a:solidFill>
+                  <a:srgbClr val="FFFFFF"/>
+                </a:solidFill>
+                <a:latin typeface="Calibri"/>
+                <a:ea typeface="DejaVu Sans"/>
+              </a:rPr>
+              <a:t>Bases de Dados – Jogos Olímpicos   |   Parte 2 - Grupo 8</a:t>
+            </a:r>
+            <a:endParaRPr lang="en-US" sz="1600" b="0" strike="noStrike" spc="-1" dirty="0">
+              <a:latin typeface="Arial"/>
+            </a:endParaRPr>
+          </a:p>
+        </p:txBody>
+      </p:sp>
+      <p:sp>
+        <p:nvSpPr>
+          <p:cNvPr id="2" name="CaixaDeTexto 9">
+            <a:extLst>
+              <a:ext uri="{FF2B5EF4-FFF2-40B4-BE49-F238E27FC236}">
+                <a16:creationId xmlns:a16="http://schemas.microsoft.com/office/drawing/2014/main" id="{71C1BCED-030D-BC18-337C-02D104EBBACA}"/>
+              </a:ext>
+            </a:extLst>
+          </p:cNvPr>
+          <p:cNvSpPr/>
+          <p:nvPr/>
+        </p:nvSpPr>
+        <p:spPr>
+          <a:xfrm>
+            <a:off x="1396552" y="2316681"/>
+            <a:ext cx="9396856" cy="3273097"/>
+          </a:xfrm>
+          <a:prstGeom prst="rect">
+            <a:avLst/>
+          </a:prstGeom>
+          <a:noFill/>
+          <a:ln w="0">
+            <a:noFill/>
+          </a:ln>
+        </p:spPr>
+        <p:style>
+          <a:lnRef idx="0">
+            <a:scrgbClr r="0" g="0" b="0"/>
+          </a:lnRef>
+          <a:fillRef idx="0">
+            <a:scrgbClr r="0" g="0" b="0"/>
+          </a:fillRef>
+          <a:effectRef idx="0">
+            <a:scrgbClr r="0" g="0" b="0"/>
+          </a:effectRef>
+          <a:fontRef idx="minor"/>
+        </p:style>
+        <p:txBody>
+          <a:bodyPr vertOverflow="overflow" horzOverflow="overflow" wrap="square" lIns="90000" tIns="45000" rIns="90000" bIns="45000" numCol="1" spcCol="0" anchor="t">
+            <a:spAutoFit/>
+          </a:bodyPr>
+          <a:lstStyle/>
+          <a:p>
+            <a:pPr marL="285750" indent="-285750" algn="just">
+              <a:lnSpc>
+                <a:spcPct val="150000"/>
+              </a:lnSpc>
+              <a:buFont typeface="Arial" panose="020B0604020202020204" pitchFamily="34" charset="0"/>
+              <a:buChar char="•"/>
+            </a:pPr>
+            <a:r>
+              <a:rPr lang="pt-PT" sz="2000" dirty="0">
+                <a:effectLst/>
+                <a:latin typeface="Consolas" panose="020B0609020204030204" pitchFamily="49" charset="0"/>
+                <a:ea typeface="Times New Roman" panose="02020603050405020304" pitchFamily="18" charset="0"/>
+              </a:rPr>
+              <a:t>Num contexto real, haveria dezenas talvez centenas de utilizadores.</a:t>
+            </a:r>
+          </a:p>
+          <a:p>
+            <a:pPr marL="742950" lvl="1" indent="-285750" algn="just">
+              <a:lnSpc>
+                <a:spcPct val="150000"/>
+              </a:lnSpc>
+              <a:buFont typeface="Arial" panose="020B0604020202020204" pitchFamily="34" charset="0"/>
+              <a:buChar char="•"/>
+            </a:pPr>
+            <a:r>
+              <a:rPr lang="pt-PT" sz="2000" dirty="0">
+                <a:effectLst/>
+                <a:latin typeface="Consolas" panose="020B0609020204030204" pitchFamily="49" charset="0"/>
+                <a:ea typeface="Times New Roman" panose="02020603050405020304" pitchFamily="18" charset="0"/>
+              </a:rPr>
+              <a:t>Logo, faz sentido começar por definir alguns grupos de usuários. </a:t>
+            </a:r>
+          </a:p>
+          <a:p>
+            <a:pPr marL="285750" indent="-285750" algn="just">
+              <a:lnSpc>
+                <a:spcPct val="150000"/>
+              </a:lnSpc>
+              <a:buFont typeface="Arial" panose="020B0604020202020204" pitchFamily="34" charset="0"/>
+              <a:buChar char="•"/>
+            </a:pPr>
+            <a:r>
+              <a:rPr lang="pt-PT" sz="2000" dirty="0">
+                <a:effectLst/>
+                <a:latin typeface="Consolas" panose="020B0609020204030204" pitchFamily="49" charset="0"/>
+                <a:ea typeface="Times New Roman" panose="02020603050405020304" pitchFamily="18" charset="0"/>
+              </a:rPr>
+              <a:t>Dessa forma, é mais fácil de controlar quais usuários possuem quais permissões bem como alterar em larga escala de maneira rápida e fácil.</a:t>
+            </a:r>
+          </a:p>
+        </p:txBody>
+      </p:sp>
+    </p:spTree>
+    <p:extLst>
+      <p:ext uri="{BB962C8B-B14F-4D97-AF65-F5344CB8AC3E}">
+        <p14:creationId xmlns:p14="http://schemas.microsoft.com/office/powerpoint/2010/main" val="1819705694"/>
+      </p:ext>
+    </p:extLst>
+  </p:cSld>
+  <p:clrMapOvr>
+    <a:masterClrMapping/>
+  </p:clrMapOvr>
+</p:sld>
+</file>
+
+<file path=ppt/slides/slide46.xml><?xml version="1.0" encoding="utf-8"?>
+<p:sld xmlns:a="http://schemas.openxmlformats.org/drawingml/2006/main" xmlns:r="http://schemas.openxmlformats.org/officeDocument/2006/relationships" xmlns:p="http://schemas.openxmlformats.org/presentationml/2006/main" show="0">
+  <p:cSld>
+    <p:spTree>
+      <p:nvGrpSpPr>
+        <p:cNvPr id="1" name="">
+          <a:extLst>
+            <a:ext uri="{FF2B5EF4-FFF2-40B4-BE49-F238E27FC236}">
+              <a16:creationId xmlns:a16="http://schemas.microsoft.com/office/drawing/2014/main" id="{4C25C8C1-2C0E-B23E-F004-B727D4D60D63}"/>
+            </a:ext>
+          </a:extLst>
+        </p:cNvPr>
+        <p:cNvGrpSpPr/>
+        <p:nvPr/>
+      </p:nvGrpSpPr>
+      <p:grpSpPr>
+        <a:xfrm>
+          <a:off x="0" y="0"/>
+          <a:ext cx="0" cy="0"/>
+          <a:chOff x="0" y="0"/>
+          <a:chExt cx="0" cy="0"/>
+        </a:xfrm>
+      </p:grpSpPr>
+      <p:sp>
+        <p:nvSpPr>
+          <p:cNvPr id="56" name="PlaceHolder 1">
+            <a:extLst>
+              <a:ext uri="{FF2B5EF4-FFF2-40B4-BE49-F238E27FC236}">
+                <a16:creationId xmlns:a16="http://schemas.microsoft.com/office/drawing/2014/main" id="{6FA3A582-799B-D6A2-3EB9-74A49FB59140}"/>
+              </a:ext>
+            </a:extLst>
+          </p:cNvPr>
+          <p:cNvSpPr>
+            <a:spLocks noGrp="1"/>
+          </p:cNvSpPr>
+          <p:nvPr>
+            <p:ph type="title"/>
+          </p:nvPr>
+        </p:nvSpPr>
+        <p:spPr>
+          <a:xfrm>
+            <a:off x="1489680" y="576562"/>
+            <a:ext cx="9024480" cy="1096137"/>
+          </a:xfrm>
+          <a:prstGeom prst="rect">
+            <a:avLst/>
+          </a:prstGeom>
+          <a:noFill/>
+          <a:ln w="0">
+            <a:noFill/>
+          </a:ln>
+        </p:spPr>
+        <p:txBody>
+          <a:bodyPr lIns="0" tIns="0" rIns="0" bIns="0" anchor="b">
+            <a:noAutofit/>
+          </a:bodyPr>
+          <a:lstStyle/>
+          <a:p>
+            <a:pPr algn="ctr">
+              <a:lnSpc>
+                <a:spcPct val="90000"/>
+              </a:lnSpc>
+              <a:buNone/>
+            </a:pPr>
+            <a:r>
+              <a:rPr lang="pt-PT" sz="4000" b="0" strike="noStrike" spc="-1" dirty="0">
+                <a:solidFill>
+                  <a:srgbClr val="870F11"/>
+                </a:solidFill>
+                <a:latin typeface="Calibri"/>
+              </a:rPr>
+              <a:t>Definição dos perfis de utilização para cada utilizador da base de dados</a:t>
+            </a:r>
+            <a:endParaRPr lang="en-US" sz="4000" b="0" strike="noStrike" spc="-1" dirty="0">
+              <a:latin typeface="Arial"/>
+            </a:endParaRPr>
+          </a:p>
+        </p:txBody>
+      </p:sp>
+      <p:sp>
+        <p:nvSpPr>
+          <p:cNvPr id="57" name="Retângulo 4">
+            <a:extLst>
+              <a:ext uri="{FF2B5EF4-FFF2-40B4-BE49-F238E27FC236}">
+                <a16:creationId xmlns:a16="http://schemas.microsoft.com/office/drawing/2014/main" id="{8047866D-3A42-A9F2-4F03-C877EB18134E}"/>
+              </a:ext>
+            </a:extLst>
+          </p:cNvPr>
+          <p:cNvSpPr/>
+          <p:nvPr/>
+        </p:nvSpPr>
+        <p:spPr>
+          <a:xfrm>
+            <a:off x="0" y="6233760"/>
+            <a:ext cx="12189960" cy="622080"/>
+          </a:xfrm>
+          <a:prstGeom prst="rect">
+            <a:avLst/>
+          </a:prstGeom>
+          <a:solidFill>
+            <a:srgbClr val="870F11"/>
+          </a:solidFill>
+          <a:ln>
+            <a:solidFill>
+              <a:srgbClr val="870F11"/>
+            </a:solidFill>
+          </a:ln>
+        </p:spPr>
+        <p:style>
+          <a:lnRef idx="2">
+            <a:schemeClr val="accent1">
+              <a:shade val="50000"/>
+            </a:schemeClr>
+          </a:lnRef>
+          <a:fillRef idx="1">
+            <a:schemeClr val="accent1"/>
+          </a:fillRef>
+          <a:effectRef idx="0">
+            <a:schemeClr val="accent1"/>
+          </a:effectRef>
+          <a:fontRef idx="minor"/>
+        </p:style>
+        <p:txBody>
+          <a:bodyPr/>
+          <a:lstStyle/>
+          <a:p>
+            <a:endParaRPr lang="pt-PT"/>
+          </a:p>
+        </p:txBody>
+      </p:sp>
+      <p:pic>
+        <p:nvPicPr>
+          <p:cNvPr id="59" name="Imagem 3">
+            <a:extLst>
+              <a:ext uri="{FF2B5EF4-FFF2-40B4-BE49-F238E27FC236}">
+                <a16:creationId xmlns:a16="http://schemas.microsoft.com/office/drawing/2014/main" id="{330AC8D5-DC8E-903E-85F1-052641536060}"/>
+              </a:ext>
+            </a:extLst>
+          </p:cNvPr>
+          <p:cNvPicPr/>
+          <p:nvPr/>
+        </p:nvPicPr>
+        <p:blipFill>
+          <a:blip r:embed="rId2"/>
+          <a:stretch/>
+        </p:blipFill>
+        <p:spPr>
+          <a:xfrm>
+            <a:off x="3240" y="6261480"/>
+            <a:ext cx="1236960" cy="709200"/>
+          </a:xfrm>
+          <a:prstGeom prst="rect">
+            <a:avLst/>
+          </a:prstGeom>
+          <a:ln w="0">
+            <a:noFill/>
+          </a:ln>
+        </p:spPr>
+      </p:pic>
+      <p:sp>
+        <p:nvSpPr>
+          <p:cNvPr id="60" name="CaixaDeTexto 1">
+            <a:extLst>
+              <a:ext uri="{FF2B5EF4-FFF2-40B4-BE49-F238E27FC236}">
+                <a16:creationId xmlns:a16="http://schemas.microsoft.com/office/drawing/2014/main" id="{14066009-ECDA-BB83-4B57-D24A7C5ED8B1}"/>
+              </a:ext>
+            </a:extLst>
+          </p:cNvPr>
+          <p:cNvSpPr/>
+          <p:nvPr/>
+        </p:nvSpPr>
+        <p:spPr>
+          <a:xfrm>
+            <a:off x="6629400" y="6362640"/>
+            <a:ext cx="5855760" cy="337100"/>
+          </a:xfrm>
+          <a:prstGeom prst="rect">
+            <a:avLst/>
+          </a:prstGeom>
+          <a:noFill/>
+          <a:ln w="0">
+            <a:noFill/>
+          </a:ln>
+        </p:spPr>
+        <p:style>
+          <a:lnRef idx="0">
+            <a:scrgbClr r="0" g="0" b="0"/>
+          </a:lnRef>
+          <a:fillRef idx="0">
+            <a:scrgbClr r="0" g="0" b="0"/>
+          </a:fillRef>
+          <a:effectRef idx="0">
+            <a:scrgbClr r="0" g="0" b="0"/>
+          </a:effectRef>
+          <a:fontRef idx="minor"/>
+        </p:style>
+        <p:txBody>
+          <a:bodyPr vertOverflow="overflow" horzOverflow="overflow" lIns="90000" tIns="45000" rIns="90000" bIns="45000" numCol="1" spcCol="0" anchor="t">
+            <a:spAutoFit/>
+          </a:bodyPr>
+          <a:lstStyle/>
+          <a:p>
+            <a:pPr>
+              <a:lnSpc>
+                <a:spcPct val="100000"/>
+              </a:lnSpc>
+              <a:buNone/>
+            </a:pPr>
+            <a:r>
+              <a:rPr lang="pt-PT" sz="1600" b="0" strike="noStrike" spc="-1" dirty="0">
+                <a:solidFill>
+                  <a:srgbClr val="FFFFFF"/>
+                </a:solidFill>
+                <a:latin typeface="Calibri"/>
+                <a:ea typeface="DejaVu Sans"/>
+              </a:rPr>
+              <a:t>Bases de Dados – Jogos Olímpicos   |   Parte 2 - Grupo 8</a:t>
+            </a:r>
+            <a:endParaRPr lang="en-US" sz="1600" b="0" strike="noStrike" spc="-1" dirty="0">
+              <a:latin typeface="Arial"/>
+            </a:endParaRPr>
+          </a:p>
+        </p:txBody>
+      </p:sp>
+      <p:sp>
+        <p:nvSpPr>
+          <p:cNvPr id="2" name="CaixaDeTexto 9">
+            <a:extLst>
+              <a:ext uri="{FF2B5EF4-FFF2-40B4-BE49-F238E27FC236}">
+                <a16:creationId xmlns:a16="http://schemas.microsoft.com/office/drawing/2014/main" id="{EC9778FF-FB74-6D6C-AAE0-84F77C94E411}"/>
+              </a:ext>
+            </a:extLst>
+          </p:cNvPr>
+          <p:cNvSpPr/>
+          <p:nvPr/>
+        </p:nvSpPr>
+        <p:spPr>
+          <a:xfrm>
+            <a:off x="1677840" y="2254116"/>
+            <a:ext cx="8836320" cy="2349767"/>
+          </a:xfrm>
+          <a:prstGeom prst="rect">
+            <a:avLst/>
+          </a:prstGeom>
+          <a:noFill/>
+          <a:ln w="0">
+            <a:noFill/>
+          </a:ln>
+        </p:spPr>
+        <p:style>
+          <a:lnRef idx="0">
+            <a:scrgbClr r="0" g="0" b="0"/>
+          </a:lnRef>
+          <a:fillRef idx="0">
+            <a:scrgbClr r="0" g="0" b="0"/>
+          </a:fillRef>
+          <a:effectRef idx="0">
+            <a:scrgbClr r="0" g="0" b="0"/>
+          </a:effectRef>
+          <a:fontRef idx="minor"/>
+        </p:style>
+        <p:txBody>
+          <a:bodyPr vertOverflow="overflow" horzOverflow="overflow" wrap="square" lIns="90000" tIns="45000" rIns="90000" bIns="45000" numCol="1" spcCol="0" anchor="t">
+            <a:spAutoFit/>
+          </a:bodyPr>
+          <a:lstStyle/>
+          <a:p>
+            <a:pPr marL="285750" indent="-285750" algn="just">
+              <a:lnSpc>
+                <a:spcPct val="150000"/>
+              </a:lnSpc>
+              <a:buFont typeface="Arial" panose="020B0604020202020204" pitchFamily="34" charset="0"/>
+              <a:buChar char="•"/>
+            </a:pPr>
+            <a:r>
+              <a:rPr lang="pt-PT" sz="2000" dirty="0">
+                <a:effectLst/>
+                <a:latin typeface="Consolas" panose="020B0609020204030204" pitchFamily="49" charset="0"/>
+                <a:ea typeface="Times New Roman" panose="02020603050405020304" pitchFamily="18" charset="0"/>
+              </a:rPr>
+              <a:t>Os grupos que criamos foram os: </a:t>
+            </a:r>
+          </a:p>
+          <a:p>
+            <a:pPr marL="742950" lvl="1" indent="-285750" algn="just">
+              <a:lnSpc>
+                <a:spcPct val="150000"/>
+              </a:lnSpc>
+              <a:buFont typeface="Arial" panose="020B0604020202020204" pitchFamily="34" charset="0"/>
+              <a:buChar char="•"/>
+            </a:pPr>
+            <a:r>
+              <a:rPr lang="pt-PT" sz="2000" dirty="0">
+                <a:effectLst/>
+                <a:latin typeface="Consolas" panose="020B0609020204030204" pitchFamily="49" charset="0"/>
+                <a:ea typeface="Times New Roman" panose="02020603050405020304" pitchFamily="18" charset="0"/>
+              </a:rPr>
+              <a:t>Organizadores</a:t>
+            </a:r>
+          </a:p>
+          <a:p>
+            <a:pPr marL="742950" lvl="1" indent="-285750" algn="just">
+              <a:lnSpc>
+                <a:spcPct val="150000"/>
+              </a:lnSpc>
+              <a:buFont typeface="Arial" panose="020B0604020202020204" pitchFamily="34" charset="0"/>
+              <a:buChar char="•"/>
+            </a:pPr>
+            <a:r>
+              <a:rPr lang="pt-PT" sz="2000" dirty="0">
+                <a:effectLst/>
+                <a:latin typeface="Consolas" panose="020B0609020204030204" pitchFamily="49" charset="0"/>
+                <a:ea typeface="Times New Roman" panose="02020603050405020304" pitchFamily="18" charset="0"/>
+              </a:rPr>
+              <a:t>Juiz</a:t>
+            </a:r>
+            <a:endParaRPr lang="pt-PT" sz="2000" dirty="0">
+              <a:latin typeface="Consolas" panose="020B0609020204030204" pitchFamily="49" charset="0"/>
+              <a:ea typeface="Times New Roman" panose="02020603050405020304" pitchFamily="18" charset="0"/>
+            </a:endParaRPr>
+          </a:p>
+          <a:p>
+            <a:pPr marL="742950" lvl="1" indent="-285750" algn="just">
+              <a:lnSpc>
+                <a:spcPct val="150000"/>
+              </a:lnSpc>
+              <a:buFont typeface="Arial" panose="020B0604020202020204" pitchFamily="34" charset="0"/>
+              <a:buChar char="•"/>
+            </a:pPr>
+            <a:r>
+              <a:rPr lang="pt-PT" sz="2000" dirty="0">
+                <a:effectLst/>
+                <a:latin typeface="Consolas" panose="020B0609020204030204" pitchFamily="49" charset="0"/>
+                <a:ea typeface="Times New Roman" panose="02020603050405020304" pitchFamily="18" charset="0"/>
+              </a:rPr>
+              <a:t>Gerente de delegações</a:t>
+            </a:r>
+          </a:p>
+          <a:p>
+            <a:pPr marL="742950" lvl="1" indent="-285750" algn="just">
+              <a:lnSpc>
+                <a:spcPct val="150000"/>
+              </a:lnSpc>
+              <a:buFont typeface="Arial" panose="020B0604020202020204" pitchFamily="34" charset="0"/>
+              <a:buChar char="•"/>
+            </a:pPr>
+            <a:r>
+              <a:rPr lang="pt-PT" sz="2000" dirty="0" err="1">
+                <a:effectLst/>
+                <a:latin typeface="Consolas" panose="020B0609020204030204" pitchFamily="49" charset="0"/>
+                <a:ea typeface="Times New Roman" panose="02020603050405020304" pitchFamily="18" charset="0"/>
+              </a:rPr>
+              <a:t>Usuario</a:t>
+            </a:r>
+            <a:endParaRPr lang="pt-PT" sz="2000" dirty="0">
+              <a:effectLst/>
+              <a:latin typeface="Consolas" panose="020B0609020204030204" pitchFamily="49" charset="0"/>
+              <a:ea typeface="Times New Roman" panose="02020603050405020304" pitchFamily="18" charset="0"/>
+            </a:endParaRPr>
+          </a:p>
+        </p:txBody>
+      </p:sp>
+    </p:spTree>
+    <p:extLst>
+      <p:ext uri="{BB962C8B-B14F-4D97-AF65-F5344CB8AC3E}">
+        <p14:creationId xmlns:p14="http://schemas.microsoft.com/office/powerpoint/2010/main" val="2110938410"/>
+      </p:ext>
+    </p:extLst>
+  </p:cSld>
+  <p:clrMapOvr>
+    <a:masterClrMapping/>
+  </p:clrMapOvr>
+</p:sld>
+</file>
+
+<file path=ppt/slides/slide47.xml><?xml version="1.0" encoding="utf-8"?>
+<p:sld xmlns:a="http://schemas.openxmlformats.org/drawingml/2006/main" xmlns:r="http://schemas.openxmlformats.org/officeDocument/2006/relationships" xmlns:p="http://schemas.openxmlformats.org/presentationml/2006/main" show="0">
+  <p:cSld>
+    <p:spTree>
+      <p:nvGrpSpPr>
+        <p:cNvPr id="1" name="">
+          <a:extLst>
+            <a:ext uri="{FF2B5EF4-FFF2-40B4-BE49-F238E27FC236}">
+              <a16:creationId xmlns:a16="http://schemas.microsoft.com/office/drawing/2014/main" id="{76CA36C3-C79B-E646-079C-9738A6EB3306}"/>
+            </a:ext>
+          </a:extLst>
+        </p:cNvPr>
+        <p:cNvGrpSpPr/>
+        <p:nvPr/>
+      </p:nvGrpSpPr>
+      <p:grpSpPr>
+        <a:xfrm>
+          <a:off x="0" y="0"/>
+          <a:ext cx="0" cy="0"/>
+          <a:chOff x="0" y="0"/>
+          <a:chExt cx="0" cy="0"/>
+        </a:xfrm>
+      </p:grpSpPr>
+      <p:sp>
+        <p:nvSpPr>
+          <p:cNvPr id="56" name="PlaceHolder 1">
+            <a:extLst>
+              <a:ext uri="{FF2B5EF4-FFF2-40B4-BE49-F238E27FC236}">
+                <a16:creationId xmlns:a16="http://schemas.microsoft.com/office/drawing/2014/main" id="{E874688A-0B43-12B8-A3CE-CCB207A550BD}"/>
+              </a:ext>
+            </a:extLst>
+          </p:cNvPr>
+          <p:cNvSpPr>
+            <a:spLocks noGrp="1"/>
+          </p:cNvSpPr>
+          <p:nvPr>
+            <p:ph type="title"/>
+          </p:nvPr>
+        </p:nvSpPr>
+        <p:spPr>
+          <a:xfrm>
+            <a:off x="1489680" y="576562"/>
+            <a:ext cx="9024480" cy="1096137"/>
+          </a:xfrm>
+          <a:prstGeom prst="rect">
+            <a:avLst/>
+          </a:prstGeom>
+          <a:noFill/>
+          <a:ln w="0">
+            <a:noFill/>
+          </a:ln>
+        </p:spPr>
+        <p:txBody>
+          <a:bodyPr lIns="0" tIns="0" rIns="0" bIns="0" anchor="b">
+            <a:noAutofit/>
+          </a:bodyPr>
+          <a:lstStyle/>
+          <a:p>
+            <a:pPr algn="ctr">
+              <a:lnSpc>
+                <a:spcPct val="90000"/>
+              </a:lnSpc>
+              <a:buNone/>
+            </a:pPr>
+            <a:r>
+              <a:rPr lang="pt-PT" sz="4000" b="0" strike="noStrike" spc="-1" dirty="0">
+                <a:solidFill>
+                  <a:srgbClr val="870F11"/>
+                </a:solidFill>
+                <a:latin typeface="Calibri"/>
+              </a:rPr>
+              <a:t>Definição dos perfis de utilização para cada utilizador da base de dados</a:t>
+            </a:r>
+            <a:endParaRPr lang="en-US" sz="4000" b="0" strike="noStrike" spc="-1" dirty="0">
+              <a:latin typeface="Arial"/>
+            </a:endParaRPr>
+          </a:p>
+        </p:txBody>
+      </p:sp>
+      <p:sp>
+        <p:nvSpPr>
+          <p:cNvPr id="57" name="Retângulo 4">
+            <a:extLst>
+              <a:ext uri="{FF2B5EF4-FFF2-40B4-BE49-F238E27FC236}">
+                <a16:creationId xmlns:a16="http://schemas.microsoft.com/office/drawing/2014/main" id="{1E61CD28-EE5B-5B8E-B9E9-80B809FC644A}"/>
+              </a:ext>
+            </a:extLst>
+          </p:cNvPr>
+          <p:cNvSpPr/>
+          <p:nvPr/>
+        </p:nvSpPr>
+        <p:spPr>
+          <a:xfrm>
+            <a:off x="0" y="6233760"/>
+            <a:ext cx="12189960" cy="622080"/>
+          </a:xfrm>
+          <a:prstGeom prst="rect">
+            <a:avLst/>
+          </a:prstGeom>
+          <a:solidFill>
+            <a:srgbClr val="870F11"/>
+          </a:solidFill>
+          <a:ln>
+            <a:solidFill>
+              <a:srgbClr val="870F11"/>
+            </a:solidFill>
+          </a:ln>
+        </p:spPr>
+        <p:style>
+          <a:lnRef idx="2">
+            <a:schemeClr val="accent1">
+              <a:shade val="50000"/>
+            </a:schemeClr>
+          </a:lnRef>
+          <a:fillRef idx="1">
+            <a:schemeClr val="accent1"/>
+          </a:fillRef>
+          <a:effectRef idx="0">
+            <a:schemeClr val="accent1"/>
+          </a:effectRef>
+          <a:fontRef idx="minor"/>
+        </p:style>
+        <p:txBody>
+          <a:bodyPr/>
+          <a:lstStyle/>
+          <a:p>
+            <a:endParaRPr lang="pt-PT"/>
+          </a:p>
+        </p:txBody>
+      </p:sp>
+      <p:sp>
+        <p:nvSpPr>
+          <p:cNvPr id="58" name="CaixaDeTexto 5">
+            <a:extLst>
+              <a:ext uri="{FF2B5EF4-FFF2-40B4-BE49-F238E27FC236}">
+                <a16:creationId xmlns:a16="http://schemas.microsoft.com/office/drawing/2014/main" id="{F995916E-0915-1C4A-7DE9-EEF5FE93DD7B}"/>
+              </a:ext>
+            </a:extLst>
+          </p:cNvPr>
+          <p:cNvSpPr/>
+          <p:nvPr/>
+        </p:nvSpPr>
+        <p:spPr>
+          <a:xfrm>
+            <a:off x="1489680" y="1828800"/>
+            <a:ext cx="9024480" cy="829543"/>
+          </a:xfrm>
+          <a:prstGeom prst="rect">
+            <a:avLst/>
+          </a:prstGeom>
+          <a:noFill/>
+          <a:ln w="0">
+            <a:noFill/>
+          </a:ln>
+        </p:spPr>
+        <p:style>
+          <a:lnRef idx="0">
+            <a:scrgbClr r="0" g="0" b="0"/>
+          </a:lnRef>
+          <a:fillRef idx="0">
+            <a:scrgbClr r="0" g="0" b="0"/>
+          </a:fillRef>
+          <a:effectRef idx="0">
+            <a:scrgbClr r="0" g="0" b="0"/>
+          </a:effectRef>
+          <a:fontRef idx="minor"/>
+        </p:style>
+        <p:txBody>
+          <a:bodyPr vertOverflow="overflow" horzOverflow="overflow" lIns="90000" tIns="45000" rIns="90000" bIns="45000" numCol="1" spcCol="0" anchor="t">
+            <a:spAutoFit/>
+          </a:bodyPr>
+          <a:lstStyle/>
+          <a:p>
+            <a:pPr algn="ctr">
+              <a:lnSpc>
+                <a:spcPct val="100000"/>
+              </a:lnSpc>
+              <a:buNone/>
+            </a:pPr>
+            <a:endParaRPr lang="en-US" sz="2400" b="0" strike="noStrike" spc="-1" dirty="0">
+              <a:latin typeface="Arial"/>
+            </a:endParaRPr>
+          </a:p>
+          <a:p>
+            <a:pPr algn="ctr">
+              <a:lnSpc>
+                <a:spcPct val="100000"/>
+              </a:lnSpc>
+              <a:buNone/>
+            </a:pPr>
+            <a:endParaRPr lang="en-US" sz="2400" b="0" strike="noStrike" spc="-1" dirty="0">
+              <a:latin typeface="Arial"/>
+            </a:endParaRPr>
+          </a:p>
+        </p:txBody>
+      </p:sp>
+      <p:pic>
+        <p:nvPicPr>
+          <p:cNvPr id="59" name="Imagem 3">
+            <a:extLst>
+              <a:ext uri="{FF2B5EF4-FFF2-40B4-BE49-F238E27FC236}">
+                <a16:creationId xmlns:a16="http://schemas.microsoft.com/office/drawing/2014/main" id="{080D2D5A-79D9-CDE4-D3A0-851F55D480CD}"/>
+              </a:ext>
+            </a:extLst>
+          </p:cNvPr>
+          <p:cNvPicPr/>
+          <p:nvPr/>
+        </p:nvPicPr>
+        <p:blipFill>
+          <a:blip r:embed="rId2"/>
+          <a:stretch/>
+        </p:blipFill>
+        <p:spPr>
+          <a:xfrm>
+            <a:off x="3240" y="6261480"/>
+            <a:ext cx="1236960" cy="709200"/>
+          </a:xfrm>
+          <a:prstGeom prst="rect">
+            <a:avLst/>
+          </a:prstGeom>
+          <a:ln w="0">
+            <a:noFill/>
+          </a:ln>
+        </p:spPr>
+      </p:pic>
+      <p:sp>
+        <p:nvSpPr>
+          <p:cNvPr id="60" name="CaixaDeTexto 1">
+            <a:extLst>
+              <a:ext uri="{FF2B5EF4-FFF2-40B4-BE49-F238E27FC236}">
+                <a16:creationId xmlns:a16="http://schemas.microsoft.com/office/drawing/2014/main" id="{9DCF4738-FDC1-E616-D63E-ADAC5D6CC68D}"/>
+              </a:ext>
+            </a:extLst>
+          </p:cNvPr>
+          <p:cNvSpPr/>
+          <p:nvPr/>
+        </p:nvSpPr>
+        <p:spPr>
+          <a:xfrm>
+            <a:off x="6629400" y="6362640"/>
+            <a:ext cx="5855760" cy="337100"/>
+          </a:xfrm>
+          <a:prstGeom prst="rect">
+            <a:avLst/>
+          </a:prstGeom>
+          <a:noFill/>
+          <a:ln w="0">
+            <a:noFill/>
+          </a:ln>
+        </p:spPr>
+        <p:style>
+          <a:lnRef idx="0">
+            <a:scrgbClr r="0" g="0" b="0"/>
+          </a:lnRef>
+          <a:fillRef idx="0">
+            <a:scrgbClr r="0" g="0" b="0"/>
+          </a:fillRef>
+          <a:effectRef idx="0">
+            <a:scrgbClr r="0" g="0" b="0"/>
+          </a:effectRef>
+          <a:fontRef idx="minor"/>
+        </p:style>
+        <p:txBody>
+          <a:bodyPr vertOverflow="overflow" horzOverflow="overflow" lIns="90000" tIns="45000" rIns="90000" bIns="45000" numCol="1" spcCol="0" anchor="t">
+            <a:spAutoFit/>
+          </a:bodyPr>
+          <a:lstStyle/>
+          <a:p>
+            <a:pPr>
+              <a:lnSpc>
+                <a:spcPct val="100000"/>
+              </a:lnSpc>
+              <a:buNone/>
+            </a:pPr>
+            <a:r>
+              <a:rPr lang="pt-PT" sz="1600" b="0" strike="noStrike" spc="-1" dirty="0">
+                <a:solidFill>
+                  <a:srgbClr val="FFFFFF"/>
+                </a:solidFill>
+                <a:latin typeface="Calibri"/>
+                <a:ea typeface="DejaVu Sans"/>
+              </a:rPr>
+              <a:t>Bases de Dados – Jogos Olímpicos   |   Parte 2 - Grupo 8</a:t>
+            </a:r>
+            <a:endParaRPr lang="en-US" sz="1600" b="0" strike="noStrike" spc="-1" dirty="0">
+              <a:latin typeface="Arial"/>
+            </a:endParaRPr>
+          </a:p>
+        </p:txBody>
+      </p:sp>
+      <p:pic>
+        <p:nvPicPr>
+          <p:cNvPr id="24578" name="Imagem 1">
+            <a:extLst>
+              <a:ext uri="{FF2B5EF4-FFF2-40B4-BE49-F238E27FC236}">
+                <a16:creationId xmlns:a16="http://schemas.microsoft.com/office/drawing/2014/main" id="{4FD64AD4-26FA-E3D7-B268-0593E6828D06}"/>
+              </a:ext>
+            </a:extLst>
+          </p:cNvPr>
+          <p:cNvPicPr>
+            <a:picLocks noChangeAspect="1" noChangeArrowheads="1"/>
+          </p:cNvPicPr>
+          <p:nvPr/>
+        </p:nvPicPr>
+        <p:blipFill>
+          <a:blip r:embed="rId3">
+            <a:extLst>
+              <a:ext uri="{28A0092B-C50C-407E-A947-70E740481C1C}">
+                <a14:useLocalDpi xmlns:a14="http://schemas.microsoft.com/office/drawing/2010/main" val="0"/>
+              </a:ext>
+            </a:extLst>
+          </a:blip>
+          <a:srcRect/>
+          <a:stretch>
+            <a:fillRect/>
+          </a:stretch>
+        </p:blipFill>
+        <p:spPr bwMode="auto">
+          <a:xfrm>
+            <a:off x="1176775" y="2243571"/>
+            <a:ext cx="9836410" cy="829542"/>
+          </a:xfrm>
+          <a:prstGeom prst="rect">
+            <a:avLst/>
+          </a:prstGeom>
+          <a:ln w="38100" cap="sq">
+            <a:solidFill>
+              <a:srgbClr val="000000"/>
+            </a:solidFill>
+            <a:prstDash val="solid"/>
+            <a:miter lim="800000"/>
+          </a:ln>
+          <a:effectLst>
+            <a:outerShdw blurRad="50800" dist="38100" dir="2700000" algn="tl" rotWithShape="0">
+              <a:srgbClr val="000000">
+                <a:alpha val="43000"/>
+              </a:srgbClr>
+            </a:outerShdw>
+          </a:effectLst>
+          <a:extLst>
+            <a:ext uri="{909E8E84-426E-40DD-AFC4-6F175D3DCCD1}">
+              <a14:hiddenFill xmlns:a14="http://schemas.microsoft.com/office/drawing/2010/main">
+                <a:solidFill>
+                  <a:srgbClr val="FFFFFF"/>
+                </a:solidFill>
+              </a14:hiddenFill>
+            </a:ext>
+            <a:ext uri="{91240B29-F687-4F45-9708-019B960494DF}">
+              <a14:hiddenLine xmlns:a14="http://schemas.microsoft.com/office/drawing/2010/main" w="9525">
+                <a:solidFill>
+                  <a:srgbClr val="000000"/>
+                </a:solidFill>
+                <a:miter lim="800000"/>
+                <a:headEnd/>
+                <a:tailEnd/>
+              </a14:hiddenLine>
+            </a:ext>
+          </a:extLst>
+        </p:spPr>
+      </p:pic>
+      <p:pic>
+        <p:nvPicPr>
+          <p:cNvPr id="24579" name="Imagem 1">
+            <a:extLst>
+              <a:ext uri="{FF2B5EF4-FFF2-40B4-BE49-F238E27FC236}">
+                <a16:creationId xmlns:a16="http://schemas.microsoft.com/office/drawing/2014/main" id="{CA75F25E-6544-F2E4-F4FC-228254611D09}"/>
+              </a:ext>
+            </a:extLst>
+          </p:cNvPr>
+          <p:cNvPicPr>
+            <a:picLocks noChangeAspect="1" noChangeArrowheads="1"/>
+          </p:cNvPicPr>
+          <p:nvPr/>
+        </p:nvPicPr>
+        <p:blipFill>
+          <a:blip r:embed="rId4">
+            <a:extLst>
+              <a:ext uri="{28A0092B-C50C-407E-A947-70E740481C1C}">
+                <a14:useLocalDpi xmlns:a14="http://schemas.microsoft.com/office/drawing/2010/main" val="0"/>
+              </a:ext>
+            </a:extLst>
+          </a:blip>
+          <a:srcRect/>
+          <a:stretch>
+            <a:fillRect/>
+          </a:stretch>
+        </p:blipFill>
+        <p:spPr bwMode="auto">
+          <a:xfrm>
+            <a:off x="1475423" y="3497546"/>
+            <a:ext cx="9052994" cy="2331106"/>
+          </a:xfrm>
+          <a:prstGeom prst="rect">
+            <a:avLst/>
+          </a:prstGeom>
+          <a:ln w="38100" cap="sq">
+            <a:solidFill>
+              <a:srgbClr val="000000"/>
+            </a:solidFill>
+            <a:prstDash val="solid"/>
+            <a:miter lim="800000"/>
+          </a:ln>
+          <a:effectLst>
+            <a:outerShdw blurRad="50800" dist="38100" dir="2700000" algn="tl" rotWithShape="0">
+              <a:srgbClr val="000000">
+                <a:alpha val="43000"/>
+              </a:srgbClr>
+            </a:outerShdw>
+          </a:effectLst>
+          <a:extLst>
+            <a:ext uri="{909E8E84-426E-40DD-AFC4-6F175D3DCCD1}">
+              <a14:hiddenFill xmlns:a14="http://schemas.microsoft.com/office/drawing/2010/main">
+                <a:solidFill>
+                  <a:srgbClr val="FFFFFF"/>
+                </a:solidFill>
+              </a14:hiddenFill>
+            </a:ext>
+            <a:ext uri="{91240B29-F687-4F45-9708-019B960494DF}">
+              <a14:hiddenLine xmlns:a14="http://schemas.microsoft.com/office/drawing/2010/main" w="9525">
+                <a:solidFill>
+                  <a:srgbClr val="000000"/>
+                </a:solidFill>
+                <a:miter lim="800000"/>
+                <a:headEnd/>
+                <a:tailEnd/>
+              </a14:hiddenLine>
+            </a:ext>
+          </a:extLst>
+        </p:spPr>
+      </p:pic>
+    </p:spTree>
+    <p:extLst>
+      <p:ext uri="{BB962C8B-B14F-4D97-AF65-F5344CB8AC3E}">
+        <p14:creationId xmlns:p14="http://schemas.microsoft.com/office/powerpoint/2010/main" val="335688405"/>
+      </p:ext>
+    </p:extLst>
+  </p:cSld>
+  <p:clrMapOvr>
+    <a:masterClrMapping/>
+  </p:clrMapOvr>
+</p:sld>
+</file>
+
+<file path=ppt/slides/slide48.xml><?xml version="1.0" encoding="utf-8"?>
+<p:sld xmlns:a="http://schemas.openxmlformats.org/drawingml/2006/main" xmlns:r="http://schemas.openxmlformats.org/officeDocument/2006/relationships" xmlns:p="http://schemas.openxmlformats.org/presentationml/2006/main" show="0">
+  <p:cSld>
+    <p:spTree>
+      <p:nvGrpSpPr>
+        <p:cNvPr id="1" name="">
+          <a:extLst>
+            <a:ext uri="{FF2B5EF4-FFF2-40B4-BE49-F238E27FC236}">
+              <a16:creationId xmlns:a16="http://schemas.microsoft.com/office/drawing/2014/main" id="{56161A91-7B6C-A99B-077B-60C314490AF0}"/>
+            </a:ext>
+          </a:extLst>
+        </p:cNvPr>
+        <p:cNvGrpSpPr/>
+        <p:nvPr/>
+      </p:nvGrpSpPr>
+      <p:grpSpPr>
+        <a:xfrm>
+          <a:off x="0" y="0"/>
+          <a:ext cx="0" cy="0"/>
+          <a:chOff x="0" y="0"/>
+          <a:chExt cx="0" cy="0"/>
+        </a:xfrm>
+      </p:grpSpPr>
+      <p:sp>
+        <p:nvSpPr>
+          <p:cNvPr id="56" name="PlaceHolder 1">
+            <a:extLst>
+              <a:ext uri="{FF2B5EF4-FFF2-40B4-BE49-F238E27FC236}">
+                <a16:creationId xmlns:a16="http://schemas.microsoft.com/office/drawing/2014/main" id="{694BD585-50D3-1D49-58B9-9EC5A7F09CFB}"/>
+              </a:ext>
+            </a:extLst>
+          </p:cNvPr>
+          <p:cNvSpPr>
+            <a:spLocks noGrp="1"/>
+          </p:cNvSpPr>
+          <p:nvPr>
+            <p:ph type="title"/>
+          </p:nvPr>
+        </p:nvSpPr>
+        <p:spPr>
+          <a:xfrm>
+            <a:off x="1489680" y="576562"/>
+            <a:ext cx="9024480" cy="1096137"/>
+          </a:xfrm>
+          <a:prstGeom prst="rect">
+            <a:avLst/>
+          </a:prstGeom>
+          <a:noFill/>
+          <a:ln w="0">
+            <a:noFill/>
+          </a:ln>
+        </p:spPr>
+        <p:txBody>
+          <a:bodyPr lIns="0" tIns="0" rIns="0" bIns="0" anchor="b">
+            <a:noAutofit/>
+          </a:bodyPr>
+          <a:lstStyle/>
+          <a:p>
+            <a:pPr algn="ctr">
+              <a:lnSpc>
+                <a:spcPct val="90000"/>
+              </a:lnSpc>
+              <a:buNone/>
+            </a:pPr>
+            <a:r>
+              <a:rPr lang="pt-PT" sz="4000" b="0" strike="noStrike" spc="-1" dirty="0">
+                <a:solidFill>
+                  <a:srgbClr val="870F11"/>
+                </a:solidFill>
+                <a:latin typeface="Calibri"/>
+              </a:rPr>
+              <a:t>Definição dos perfis de utilização para cada utilizador da base de dados</a:t>
+            </a:r>
+            <a:endParaRPr lang="en-US" sz="4000" b="0" strike="noStrike" spc="-1" dirty="0">
+              <a:latin typeface="Arial"/>
+            </a:endParaRPr>
+          </a:p>
+        </p:txBody>
+      </p:sp>
+      <p:sp>
+        <p:nvSpPr>
+          <p:cNvPr id="57" name="Retângulo 4">
+            <a:extLst>
+              <a:ext uri="{FF2B5EF4-FFF2-40B4-BE49-F238E27FC236}">
+                <a16:creationId xmlns:a16="http://schemas.microsoft.com/office/drawing/2014/main" id="{4BDAAE04-9BC7-8DE3-BEB5-7734A02FD91B}"/>
+              </a:ext>
+            </a:extLst>
+          </p:cNvPr>
+          <p:cNvSpPr/>
+          <p:nvPr/>
+        </p:nvSpPr>
+        <p:spPr>
+          <a:xfrm>
+            <a:off x="0" y="6233760"/>
+            <a:ext cx="12189960" cy="622080"/>
+          </a:xfrm>
+          <a:prstGeom prst="rect">
+            <a:avLst/>
+          </a:prstGeom>
+          <a:solidFill>
+            <a:srgbClr val="870F11"/>
+          </a:solidFill>
+          <a:ln>
+            <a:solidFill>
+              <a:srgbClr val="870F11"/>
+            </a:solidFill>
+          </a:ln>
+        </p:spPr>
+        <p:style>
+          <a:lnRef idx="2">
+            <a:schemeClr val="accent1">
+              <a:shade val="50000"/>
+            </a:schemeClr>
+          </a:lnRef>
+          <a:fillRef idx="1">
+            <a:schemeClr val="accent1"/>
+          </a:fillRef>
+          <a:effectRef idx="0">
+            <a:schemeClr val="accent1"/>
+          </a:effectRef>
+          <a:fontRef idx="minor"/>
+        </p:style>
+        <p:txBody>
+          <a:bodyPr/>
+          <a:lstStyle/>
+          <a:p>
+            <a:endParaRPr lang="pt-PT"/>
+          </a:p>
+        </p:txBody>
+      </p:sp>
+      <p:sp>
+        <p:nvSpPr>
+          <p:cNvPr id="58" name="CaixaDeTexto 5">
+            <a:extLst>
+              <a:ext uri="{FF2B5EF4-FFF2-40B4-BE49-F238E27FC236}">
+                <a16:creationId xmlns:a16="http://schemas.microsoft.com/office/drawing/2014/main" id="{137E1842-D4DC-054B-9948-6A08CEA5A6AC}"/>
+              </a:ext>
+            </a:extLst>
+          </p:cNvPr>
+          <p:cNvSpPr/>
+          <p:nvPr/>
+        </p:nvSpPr>
+        <p:spPr>
+          <a:xfrm>
+            <a:off x="1489680" y="1828800"/>
+            <a:ext cx="9024480" cy="829543"/>
+          </a:xfrm>
+          <a:prstGeom prst="rect">
+            <a:avLst/>
+          </a:prstGeom>
+          <a:noFill/>
+          <a:ln w="0">
+            <a:noFill/>
+          </a:ln>
+        </p:spPr>
+        <p:style>
+          <a:lnRef idx="0">
+            <a:scrgbClr r="0" g="0" b="0"/>
+          </a:lnRef>
+          <a:fillRef idx="0">
+            <a:scrgbClr r="0" g="0" b="0"/>
+          </a:fillRef>
+          <a:effectRef idx="0">
+            <a:scrgbClr r="0" g="0" b="0"/>
+          </a:effectRef>
+          <a:fontRef idx="minor"/>
+        </p:style>
+        <p:txBody>
+          <a:bodyPr vertOverflow="overflow" horzOverflow="overflow" lIns="90000" tIns="45000" rIns="90000" bIns="45000" numCol="1" spcCol="0" anchor="t">
+            <a:spAutoFit/>
+          </a:bodyPr>
+          <a:lstStyle/>
+          <a:p>
+            <a:pPr algn="ctr">
+              <a:lnSpc>
+                <a:spcPct val="100000"/>
+              </a:lnSpc>
+              <a:buNone/>
+            </a:pPr>
+            <a:endParaRPr lang="en-US" sz="2400" b="0" strike="noStrike" spc="-1" dirty="0">
+              <a:latin typeface="Arial"/>
+            </a:endParaRPr>
+          </a:p>
+          <a:p>
+            <a:pPr algn="ctr">
+              <a:lnSpc>
+                <a:spcPct val="100000"/>
+              </a:lnSpc>
+              <a:buNone/>
+            </a:pPr>
+            <a:endParaRPr lang="en-US" sz="2400" b="0" strike="noStrike" spc="-1" dirty="0">
+              <a:latin typeface="Arial"/>
+            </a:endParaRPr>
+          </a:p>
+        </p:txBody>
+      </p:sp>
+      <p:pic>
+        <p:nvPicPr>
+          <p:cNvPr id="59" name="Imagem 3">
+            <a:extLst>
+              <a:ext uri="{FF2B5EF4-FFF2-40B4-BE49-F238E27FC236}">
+                <a16:creationId xmlns:a16="http://schemas.microsoft.com/office/drawing/2014/main" id="{22C7FFC3-B31F-998F-2522-FC7F84CE4631}"/>
+              </a:ext>
+            </a:extLst>
+          </p:cNvPr>
+          <p:cNvPicPr/>
+          <p:nvPr/>
+        </p:nvPicPr>
+        <p:blipFill>
+          <a:blip r:embed="rId2"/>
+          <a:stretch/>
+        </p:blipFill>
+        <p:spPr>
+          <a:xfrm>
+            <a:off x="3240" y="6261480"/>
+            <a:ext cx="1236960" cy="709200"/>
+          </a:xfrm>
+          <a:prstGeom prst="rect">
+            <a:avLst/>
+          </a:prstGeom>
+          <a:ln w="0">
+            <a:noFill/>
+          </a:ln>
+        </p:spPr>
+      </p:pic>
+      <p:sp>
+        <p:nvSpPr>
+          <p:cNvPr id="60" name="CaixaDeTexto 1">
+            <a:extLst>
+              <a:ext uri="{FF2B5EF4-FFF2-40B4-BE49-F238E27FC236}">
+                <a16:creationId xmlns:a16="http://schemas.microsoft.com/office/drawing/2014/main" id="{3AA9ADB9-0918-0E44-C3D4-ED6972038761}"/>
+              </a:ext>
+            </a:extLst>
+          </p:cNvPr>
+          <p:cNvSpPr/>
+          <p:nvPr/>
+        </p:nvSpPr>
+        <p:spPr>
+          <a:xfrm>
+            <a:off x="6629400" y="6362640"/>
+            <a:ext cx="5855760" cy="337100"/>
+          </a:xfrm>
+          <a:prstGeom prst="rect">
+            <a:avLst/>
+          </a:prstGeom>
+          <a:noFill/>
+          <a:ln w="0">
+            <a:noFill/>
+          </a:ln>
+        </p:spPr>
+        <p:style>
+          <a:lnRef idx="0">
+            <a:scrgbClr r="0" g="0" b="0"/>
+          </a:lnRef>
+          <a:fillRef idx="0">
+            <a:scrgbClr r="0" g="0" b="0"/>
+          </a:fillRef>
+          <a:effectRef idx="0">
+            <a:scrgbClr r="0" g="0" b="0"/>
+          </a:effectRef>
+          <a:fontRef idx="minor"/>
+        </p:style>
+        <p:txBody>
+          <a:bodyPr vertOverflow="overflow" horzOverflow="overflow" lIns="90000" tIns="45000" rIns="90000" bIns="45000" numCol="1" spcCol="0" anchor="t">
+            <a:spAutoFit/>
+          </a:bodyPr>
+          <a:lstStyle/>
+          <a:p>
+            <a:pPr>
+              <a:lnSpc>
+                <a:spcPct val="100000"/>
+              </a:lnSpc>
+              <a:buNone/>
+            </a:pPr>
+            <a:r>
+              <a:rPr lang="pt-PT" sz="1600" b="0" strike="noStrike" spc="-1" dirty="0">
+                <a:solidFill>
+                  <a:srgbClr val="FFFFFF"/>
+                </a:solidFill>
+                <a:latin typeface="Calibri"/>
+                <a:ea typeface="DejaVu Sans"/>
+              </a:rPr>
+              <a:t>Bases de Dados – Jogos Olímpicos   |   Parte 2 - Grupo 8</a:t>
+            </a:r>
+            <a:endParaRPr lang="en-US" sz="1600" b="0" strike="noStrike" spc="-1" dirty="0">
+              <a:latin typeface="Arial"/>
+            </a:endParaRPr>
+          </a:p>
+        </p:txBody>
+      </p:sp>
+      <p:pic>
+        <p:nvPicPr>
+          <p:cNvPr id="25602" name="Imagem 1">
+            <a:extLst>
+              <a:ext uri="{FF2B5EF4-FFF2-40B4-BE49-F238E27FC236}">
+                <a16:creationId xmlns:a16="http://schemas.microsoft.com/office/drawing/2014/main" id="{4F3659DE-C494-EE73-984B-DFA0ADFB0C74}"/>
+              </a:ext>
+            </a:extLst>
+          </p:cNvPr>
+          <p:cNvPicPr>
+            <a:picLocks noChangeAspect="1" noChangeArrowheads="1"/>
+          </p:cNvPicPr>
+          <p:nvPr/>
+        </p:nvPicPr>
+        <p:blipFill>
+          <a:blip r:embed="rId3">
+            <a:extLst>
+              <a:ext uri="{28A0092B-C50C-407E-A947-70E740481C1C}">
+                <a14:useLocalDpi xmlns:a14="http://schemas.microsoft.com/office/drawing/2010/main" val="0"/>
+              </a:ext>
+            </a:extLst>
+          </a:blip>
+          <a:srcRect/>
+          <a:stretch>
+            <a:fillRect/>
+          </a:stretch>
+        </p:blipFill>
+        <p:spPr bwMode="auto">
+          <a:xfrm>
+            <a:off x="1345043" y="2622619"/>
+            <a:ext cx="9499873" cy="2200441"/>
+          </a:xfrm>
+          <a:prstGeom prst="rect">
+            <a:avLst/>
+          </a:prstGeom>
+          <a:ln w="38100" cap="sq">
+            <a:solidFill>
+              <a:srgbClr val="000000"/>
+            </a:solidFill>
+            <a:prstDash val="solid"/>
+            <a:miter lim="800000"/>
+          </a:ln>
+          <a:effectLst>
+            <a:outerShdw blurRad="50800" dist="38100" dir="2700000" algn="tl" rotWithShape="0">
+              <a:srgbClr val="000000">
+                <a:alpha val="43000"/>
+              </a:srgbClr>
+            </a:outerShdw>
+          </a:effectLst>
+          <a:extLst>
+            <a:ext uri="{909E8E84-426E-40DD-AFC4-6F175D3DCCD1}">
+              <a14:hiddenFill xmlns:a14="http://schemas.microsoft.com/office/drawing/2010/main">
+                <a:solidFill>
+                  <a:srgbClr val="FFFFFF"/>
+                </a:solidFill>
+              </a14:hiddenFill>
+            </a:ext>
+            <a:ext uri="{91240B29-F687-4F45-9708-019B960494DF}">
+              <a14:hiddenLine xmlns:a14="http://schemas.microsoft.com/office/drawing/2010/main" w="9525">
+                <a:solidFill>
+                  <a:srgbClr val="000000"/>
+                </a:solidFill>
+                <a:miter lim="800000"/>
+                <a:headEnd/>
+                <a:tailEnd/>
+              </a14:hiddenLine>
+            </a:ext>
+          </a:extLst>
+        </p:spPr>
+      </p:pic>
+    </p:spTree>
+    <p:extLst>
+      <p:ext uri="{BB962C8B-B14F-4D97-AF65-F5344CB8AC3E}">
+        <p14:creationId xmlns:p14="http://schemas.microsoft.com/office/powerpoint/2010/main" val="1590355522"/>
+      </p:ext>
+    </p:extLst>
+  </p:cSld>
+  <p:clrMapOvr>
+    <a:masterClrMapping/>
+  </p:clrMapOvr>
+</p:sld>
+</file>
+
+<file path=ppt/slides/slide49.xml><?xml version="1.0" encoding="utf-8"?>
+<p:sld xmlns:a="http://schemas.openxmlformats.org/drawingml/2006/main" xmlns:r="http://schemas.openxmlformats.org/officeDocument/2006/relationships" xmlns:p="http://schemas.openxmlformats.org/presentationml/2006/main" show="0">
+  <p:cSld>
+    <p:spTree>
+      <p:nvGrpSpPr>
+        <p:cNvPr id="1" name="">
+          <a:extLst>
+            <a:ext uri="{FF2B5EF4-FFF2-40B4-BE49-F238E27FC236}">
+              <a16:creationId xmlns:a16="http://schemas.microsoft.com/office/drawing/2014/main" id="{8F7B6BB5-EA72-CCF1-0018-4FE35CEDBDBC}"/>
+            </a:ext>
+          </a:extLst>
+        </p:cNvPr>
+        <p:cNvGrpSpPr/>
+        <p:nvPr/>
+      </p:nvGrpSpPr>
+      <p:grpSpPr>
+        <a:xfrm>
+          <a:off x="0" y="0"/>
+          <a:ext cx="0" cy="0"/>
+          <a:chOff x="0" y="0"/>
+          <a:chExt cx="0" cy="0"/>
+        </a:xfrm>
+      </p:grpSpPr>
+      <p:sp>
+        <p:nvSpPr>
+          <p:cNvPr id="56" name="PlaceHolder 1">
+            <a:extLst>
+              <a:ext uri="{FF2B5EF4-FFF2-40B4-BE49-F238E27FC236}">
+                <a16:creationId xmlns:a16="http://schemas.microsoft.com/office/drawing/2014/main" id="{1D7467A9-DE63-674B-59C3-4B2B9DF41AF3}"/>
+              </a:ext>
+            </a:extLst>
+          </p:cNvPr>
+          <p:cNvSpPr>
+            <a:spLocks noGrp="1"/>
+          </p:cNvSpPr>
+          <p:nvPr>
+            <p:ph type="title"/>
+          </p:nvPr>
+        </p:nvSpPr>
+        <p:spPr>
+          <a:xfrm>
+            <a:off x="1489680" y="576562"/>
+            <a:ext cx="9024480" cy="1096137"/>
+          </a:xfrm>
+          <a:prstGeom prst="rect">
+            <a:avLst/>
+          </a:prstGeom>
+          <a:noFill/>
+          <a:ln w="0">
+            <a:noFill/>
+          </a:ln>
+        </p:spPr>
+        <p:txBody>
+          <a:bodyPr lIns="0" tIns="0" rIns="0" bIns="0" anchor="b">
+            <a:noAutofit/>
+          </a:bodyPr>
+          <a:lstStyle/>
+          <a:p>
+            <a:pPr algn="ctr">
+              <a:lnSpc>
+                <a:spcPct val="90000"/>
+              </a:lnSpc>
+              <a:buNone/>
+            </a:pPr>
+            <a:r>
+              <a:rPr lang="pt-PT" sz="4000" b="0" strike="noStrike" spc="-1" dirty="0">
+                <a:solidFill>
+                  <a:srgbClr val="870F11"/>
+                </a:solidFill>
+                <a:latin typeface="Calibri"/>
+              </a:rPr>
+              <a:t>Definição dos perfis de utilização para cada utilizador da base de dados</a:t>
+            </a:r>
+            <a:endParaRPr lang="en-US" sz="4000" b="0" strike="noStrike" spc="-1" dirty="0">
+              <a:latin typeface="Arial"/>
+            </a:endParaRPr>
+          </a:p>
+        </p:txBody>
+      </p:sp>
+      <p:sp>
+        <p:nvSpPr>
+          <p:cNvPr id="57" name="Retângulo 4">
+            <a:extLst>
+              <a:ext uri="{FF2B5EF4-FFF2-40B4-BE49-F238E27FC236}">
+                <a16:creationId xmlns:a16="http://schemas.microsoft.com/office/drawing/2014/main" id="{A2C33D35-6183-A4A1-92FF-52BF486A9E89}"/>
+              </a:ext>
+            </a:extLst>
+          </p:cNvPr>
+          <p:cNvSpPr/>
+          <p:nvPr/>
+        </p:nvSpPr>
+        <p:spPr>
+          <a:xfrm>
+            <a:off x="0" y="6233760"/>
+            <a:ext cx="12189960" cy="622080"/>
+          </a:xfrm>
+          <a:prstGeom prst="rect">
+            <a:avLst/>
+          </a:prstGeom>
+          <a:solidFill>
+            <a:srgbClr val="870F11"/>
+          </a:solidFill>
+          <a:ln>
+            <a:solidFill>
+              <a:srgbClr val="870F11"/>
+            </a:solidFill>
+          </a:ln>
+        </p:spPr>
+        <p:style>
+          <a:lnRef idx="2">
+            <a:schemeClr val="accent1">
+              <a:shade val="50000"/>
+            </a:schemeClr>
+          </a:lnRef>
+          <a:fillRef idx="1">
+            <a:schemeClr val="accent1"/>
+          </a:fillRef>
+          <a:effectRef idx="0">
+            <a:schemeClr val="accent1"/>
+          </a:effectRef>
+          <a:fontRef idx="minor"/>
+        </p:style>
+        <p:txBody>
+          <a:bodyPr/>
+          <a:lstStyle/>
+          <a:p>
+            <a:endParaRPr lang="pt-PT"/>
+          </a:p>
+        </p:txBody>
+      </p:sp>
+      <p:sp>
+        <p:nvSpPr>
+          <p:cNvPr id="58" name="CaixaDeTexto 5">
+            <a:extLst>
+              <a:ext uri="{FF2B5EF4-FFF2-40B4-BE49-F238E27FC236}">
+                <a16:creationId xmlns:a16="http://schemas.microsoft.com/office/drawing/2014/main" id="{BFCC6B91-59AC-BD76-9274-837AF1AAA737}"/>
+              </a:ext>
+            </a:extLst>
+          </p:cNvPr>
+          <p:cNvSpPr/>
+          <p:nvPr/>
+        </p:nvSpPr>
+        <p:spPr>
+          <a:xfrm>
+            <a:off x="1489680" y="1828800"/>
+            <a:ext cx="9024480" cy="829543"/>
+          </a:xfrm>
+          <a:prstGeom prst="rect">
+            <a:avLst/>
+          </a:prstGeom>
+          <a:noFill/>
+          <a:ln w="0">
+            <a:noFill/>
+          </a:ln>
+        </p:spPr>
+        <p:style>
+          <a:lnRef idx="0">
+            <a:scrgbClr r="0" g="0" b="0"/>
+          </a:lnRef>
+          <a:fillRef idx="0">
+            <a:scrgbClr r="0" g="0" b="0"/>
+          </a:fillRef>
+          <a:effectRef idx="0">
+            <a:scrgbClr r="0" g="0" b="0"/>
+          </a:effectRef>
+          <a:fontRef idx="minor"/>
+        </p:style>
+        <p:txBody>
+          <a:bodyPr vertOverflow="overflow" horzOverflow="overflow" lIns="90000" tIns="45000" rIns="90000" bIns="45000" numCol="1" spcCol="0" anchor="t">
+            <a:spAutoFit/>
+          </a:bodyPr>
+          <a:lstStyle/>
+          <a:p>
+            <a:pPr algn="ctr">
+              <a:lnSpc>
+                <a:spcPct val="100000"/>
+              </a:lnSpc>
+              <a:buNone/>
+            </a:pPr>
+            <a:endParaRPr lang="en-US" sz="2400" b="0" strike="noStrike" spc="-1" dirty="0">
+              <a:latin typeface="Arial"/>
+            </a:endParaRPr>
+          </a:p>
+          <a:p>
+            <a:pPr algn="ctr">
+              <a:lnSpc>
+                <a:spcPct val="100000"/>
+              </a:lnSpc>
+              <a:buNone/>
+            </a:pPr>
+            <a:endParaRPr lang="en-US" sz="2400" b="0" strike="noStrike" spc="-1" dirty="0">
+              <a:latin typeface="Arial"/>
+            </a:endParaRPr>
+          </a:p>
+        </p:txBody>
+      </p:sp>
+      <p:pic>
+        <p:nvPicPr>
+          <p:cNvPr id="59" name="Imagem 3">
+            <a:extLst>
+              <a:ext uri="{FF2B5EF4-FFF2-40B4-BE49-F238E27FC236}">
+                <a16:creationId xmlns:a16="http://schemas.microsoft.com/office/drawing/2014/main" id="{866733BD-7F56-30BA-7D45-1C8ED23113FB}"/>
+              </a:ext>
+            </a:extLst>
+          </p:cNvPr>
+          <p:cNvPicPr/>
+          <p:nvPr/>
+        </p:nvPicPr>
+        <p:blipFill>
+          <a:blip r:embed="rId2"/>
+          <a:stretch/>
+        </p:blipFill>
+        <p:spPr>
+          <a:xfrm>
+            <a:off x="3240" y="6261480"/>
+            <a:ext cx="1236960" cy="709200"/>
+          </a:xfrm>
+          <a:prstGeom prst="rect">
+            <a:avLst/>
+          </a:prstGeom>
+          <a:ln w="0">
+            <a:noFill/>
+          </a:ln>
+        </p:spPr>
+      </p:pic>
+      <p:sp>
+        <p:nvSpPr>
+          <p:cNvPr id="60" name="CaixaDeTexto 1">
+            <a:extLst>
+              <a:ext uri="{FF2B5EF4-FFF2-40B4-BE49-F238E27FC236}">
+                <a16:creationId xmlns:a16="http://schemas.microsoft.com/office/drawing/2014/main" id="{6E6564FE-6DCF-0CF6-8629-7CA492631D34}"/>
+              </a:ext>
+            </a:extLst>
+          </p:cNvPr>
+          <p:cNvSpPr/>
+          <p:nvPr/>
+        </p:nvSpPr>
+        <p:spPr>
+          <a:xfrm>
+            <a:off x="6629400" y="6362640"/>
+            <a:ext cx="5855760" cy="337100"/>
+          </a:xfrm>
+          <a:prstGeom prst="rect">
+            <a:avLst/>
+          </a:prstGeom>
+          <a:noFill/>
+          <a:ln w="0">
+            <a:noFill/>
+          </a:ln>
+        </p:spPr>
+        <p:style>
+          <a:lnRef idx="0">
+            <a:scrgbClr r="0" g="0" b="0"/>
+          </a:lnRef>
+          <a:fillRef idx="0">
+            <a:scrgbClr r="0" g="0" b="0"/>
+          </a:fillRef>
+          <a:effectRef idx="0">
+            <a:scrgbClr r="0" g="0" b="0"/>
+          </a:effectRef>
+          <a:fontRef idx="minor"/>
+        </p:style>
+        <p:txBody>
+          <a:bodyPr vertOverflow="overflow" horzOverflow="overflow" lIns="90000" tIns="45000" rIns="90000" bIns="45000" numCol="1" spcCol="0" anchor="t">
+            <a:spAutoFit/>
+          </a:bodyPr>
+          <a:lstStyle/>
+          <a:p>
+            <a:pPr>
+              <a:lnSpc>
+                <a:spcPct val="100000"/>
+              </a:lnSpc>
+              <a:buNone/>
+            </a:pPr>
+            <a:r>
+              <a:rPr lang="pt-PT" sz="1600" b="0" strike="noStrike" spc="-1" dirty="0">
+                <a:solidFill>
+                  <a:srgbClr val="FFFFFF"/>
+                </a:solidFill>
+                <a:latin typeface="Calibri"/>
+                <a:ea typeface="DejaVu Sans"/>
+              </a:rPr>
+              <a:t>Bases de Dados – Jogos Olímpicos   |   Parte 2 - Grupo 8</a:t>
+            </a:r>
+            <a:endParaRPr lang="en-US" sz="1600" b="0" strike="noStrike" spc="-1" dirty="0">
+              <a:latin typeface="Arial"/>
+            </a:endParaRPr>
+          </a:p>
+        </p:txBody>
+      </p:sp>
+      <p:pic>
+        <p:nvPicPr>
+          <p:cNvPr id="26626" name="Imagem 1">
+            <a:extLst>
+              <a:ext uri="{FF2B5EF4-FFF2-40B4-BE49-F238E27FC236}">
+                <a16:creationId xmlns:a16="http://schemas.microsoft.com/office/drawing/2014/main" id="{06ECA97C-87FF-CEAF-CA60-DAED5F8C7D24}"/>
+              </a:ext>
+            </a:extLst>
+          </p:cNvPr>
+          <p:cNvPicPr>
+            <a:picLocks noChangeAspect="1" noChangeArrowheads="1"/>
+          </p:cNvPicPr>
+          <p:nvPr/>
+        </p:nvPicPr>
+        <p:blipFill>
+          <a:blip r:embed="rId3">
+            <a:extLst>
+              <a:ext uri="{28A0092B-C50C-407E-A947-70E740481C1C}">
+                <a14:useLocalDpi xmlns:a14="http://schemas.microsoft.com/office/drawing/2010/main" val="0"/>
+              </a:ext>
+            </a:extLst>
+          </a:blip>
+          <a:srcRect/>
+          <a:stretch>
+            <a:fillRect/>
+          </a:stretch>
+        </p:blipFill>
+        <p:spPr bwMode="auto">
+          <a:xfrm>
+            <a:off x="1280288" y="2460434"/>
+            <a:ext cx="9629384" cy="2397440"/>
+          </a:xfrm>
+          <a:prstGeom prst="rect">
+            <a:avLst/>
+          </a:prstGeom>
+          <a:ln w="38100" cap="sq">
+            <a:solidFill>
+              <a:srgbClr val="000000"/>
+            </a:solidFill>
+            <a:prstDash val="solid"/>
+            <a:miter lim="800000"/>
+          </a:ln>
+          <a:effectLst>
+            <a:outerShdw blurRad="50800" dist="38100" dir="2700000" algn="tl" rotWithShape="0">
+              <a:srgbClr val="000000">
+                <a:alpha val="43000"/>
+              </a:srgbClr>
+            </a:outerShdw>
+          </a:effectLst>
+          <a:extLst>
+            <a:ext uri="{909E8E84-426E-40DD-AFC4-6F175D3DCCD1}">
+              <a14:hiddenFill xmlns:a14="http://schemas.microsoft.com/office/drawing/2010/main">
+                <a:solidFill>
+                  <a:srgbClr val="FFFFFF"/>
+                </a:solidFill>
+              </a14:hiddenFill>
+            </a:ext>
+            <a:ext uri="{91240B29-F687-4F45-9708-019B960494DF}">
+              <a14:hiddenLine xmlns:a14="http://schemas.microsoft.com/office/drawing/2010/main" w="9525">
+                <a:solidFill>
+                  <a:srgbClr val="000000"/>
+                </a:solidFill>
+                <a:miter lim="800000"/>
+                <a:headEnd/>
+                <a:tailEnd/>
+              </a14:hiddenLine>
+            </a:ext>
+          </a:extLst>
+        </p:spPr>
+      </p:pic>
+    </p:spTree>
+    <p:extLst>
+      <p:ext uri="{BB962C8B-B14F-4D97-AF65-F5344CB8AC3E}">
+        <p14:creationId xmlns:p14="http://schemas.microsoft.com/office/powerpoint/2010/main" val="3812649219"/>
       </p:ext>
     </p:extLst>
   </p:cSld>
@@ -20072,6 +23647,1660 @@
         </p:txBody>
       </p:sp>
     </p:spTree>
+  </p:cSld>
+  <p:clrMapOvr>
+    <a:masterClrMapping/>
+  </p:clrMapOvr>
+</p:sld>
+</file>
+
+<file path=ppt/slides/slide50.xml><?xml version="1.0" encoding="utf-8"?>
+<p:sld xmlns:a="http://schemas.openxmlformats.org/drawingml/2006/main" xmlns:r="http://schemas.openxmlformats.org/officeDocument/2006/relationships" xmlns:p="http://schemas.openxmlformats.org/presentationml/2006/main" show="0">
+  <p:cSld>
+    <p:spTree>
+      <p:nvGrpSpPr>
+        <p:cNvPr id="1" name="">
+          <a:extLst>
+            <a:ext uri="{FF2B5EF4-FFF2-40B4-BE49-F238E27FC236}">
+              <a16:creationId xmlns:a16="http://schemas.microsoft.com/office/drawing/2014/main" id="{3065863E-8FE8-8D86-38D3-80C4A09AC913}"/>
+            </a:ext>
+          </a:extLst>
+        </p:cNvPr>
+        <p:cNvGrpSpPr/>
+        <p:nvPr/>
+      </p:nvGrpSpPr>
+      <p:grpSpPr>
+        <a:xfrm>
+          <a:off x="0" y="0"/>
+          <a:ext cx="0" cy="0"/>
+          <a:chOff x="0" y="0"/>
+          <a:chExt cx="0" cy="0"/>
+        </a:xfrm>
+      </p:grpSpPr>
+      <p:sp>
+        <p:nvSpPr>
+          <p:cNvPr id="56" name="PlaceHolder 1">
+            <a:extLst>
+              <a:ext uri="{FF2B5EF4-FFF2-40B4-BE49-F238E27FC236}">
+                <a16:creationId xmlns:a16="http://schemas.microsoft.com/office/drawing/2014/main" id="{E859EDD4-8AA9-35B9-C362-3560FC18CF9C}"/>
+              </a:ext>
+            </a:extLst>
+          </p:cNvPr>
+          <p:cNvSpPr>
+            <a:spLocks noGrp="1"/>
+          </p:cNvSpPr>
+          <p:nvPr>
+            <p:ph type="title"/>
+          </p:nvPr>
+        </p:nvSpPr>
+        <p:spPr>
+          <a:xfrm>
+            <a:off x="1489680" y="576562"/>
+            <a:ext cx="9024480" cy="1096137"/>
+          </a:xfrm>
+          <a:prstGeom prst="rect">
+            <a:avLst/>
+          </a:prstGeom>
+          <a:noFill/>
+          <a:ln w="0">
+            <a:noFill/>
+          </a:ln>
+        </p:spPr>
+        <p:txBody>
+          <a:bodyPr lIns="0" tIns="0" rIns="0" bIns="0" anchor="b">
+            <a:noAutofit/>
+          </a:bodyPr>
+          <a:lstStyle/>
+          <a:p>
+            <a:pPr algn="ctr">
+              <a:lnSpc>
+                <a:spcPct val="90000"/>
+              </a:lnSpc>
+              <a:buNone/>
+            </a:pPr>
+            <a:r>
+              <a:rPr lang="pt-PT" sz="4000" b="0" strike="noStrike" spc="-1" dirty="0">
+                <a:solidFill>
+                  <a:srgbClr val="870F11"/>
+                </a:solidFill>
+                <a:latin typeface="Calibri"/>
+              </a:rPr>
+              <a:t>Definição dos perfis de utilização para cada utilizador da base de dados</a:t>
+            </a:r>
+            <a:endParaRPr lang="en-US" sz="4000" b="0" strike="noStrike" spc="-1" dirty="0">
+              <a:latin typeface="Arial"/>
+            </a:endParaRPr>
+          </a:p>
+        </p:txBody>
+      </p:sp>
+      <p:sp>
+        <p:nvSpPr>
+          <p:cNvPr id="57" name="Retângulo 4">
+            <a:extLst>
+              <a:ext uri="{FF2B5EF4-FFF2-40B4-BE49-F238E27FC236}">
+                <a16:creationId xmlns:a16="http://schemas.microsoft.com/office/drawing/2014/main" id="{4E72E7B0-4C96-9364-C675-57F6DC445EC3}"/>
+              </a:ext>
+            </a:extLst>
+          </p:cNvPr>
+          <p:cNvSpPr/>
+          <p:nvPr/>
+        </p:nvSpPr>
+        <p:spPr>
+          <a:xfrm>
+            <a:off x="0" y="6233760"/>
+            <a:ext cx="12189960" cy="622080"/>
+          </a:xfrm>
+          <a:prstGeom prst="rect">
+            <a:avLst/>
+          </a:prstGeom>
+          <a:solidFill>
+            <a:srgbClr val="870F11"/>
+          </a:solidFill>
+          <a:ln>
+            <a:solidFill>
+              <a:srgbClr val="870F11"/>
+            </a:solidFill>
+          </a:ln>
+        </p:spPr>
+        <p:style>
+          <a:lnRef idx="2">
+            <a:schemeClr val="accent1">
+              <a:shade val="50000"/>
+            </a:schemeClr>
+          </a:lnRef>
+          <a:fillRef idx="1">
+            <a:schemeClr val="accent1"/>
+          </a:fillRef>
+          <a:effectRef idx="0">
+            <a:schemeClr val="accent1"/>
+          </a:effectRef>
+          <a:fontRef idx="minor"/>
+        </p:style>
+        <p:txBody>
+          <a:bodyPr/>
+          <a:lstStyle/>
+          <a:p>
+            <a:endParaRPr lang="pt-PT"/>
+          </a:p>
+        </p:txBody>
+      </p:sp>
+      <p:pic>
+        <p:nvPicPr>
+          <p:cNvPr id="59" name="Imagem 3">
+            <a:extLst>
+              <a:ext uri="{FF2B5EF4-FFF2-40B4-BE49-F238E27FC236}">
+                <a16:creationId xmlns:a16="http://schemas.microsoft.com/office/drawing/2014/main" id="{6AD4EBFC-C567-5228-806C-46E8D5579CFE}"/>
+              </a:ext>
+            </a:extLst>
+          </p:cNvPr>
+          <p:cNvPicPr/>
+          <p:nvPr/>
+        </p:nvPicPr>
+        <p:blipFill>
+          <a:blip r:embed="rId2"/>
+          <a:stretch/>
+        </p:blipFill>
+        <p:spPr>
+          <a:xfrm>
+            <a:off x="3240" y="6261480"/>
+            <a:ext cx="1236960" cy="709200"/>
+          </a:xfrm>
+          <a:prstGeom prst="rect">
+            <a:avLst/>
+          </a:prstGeom>
+          <a:ln w="0">
+            <a:noFill/>
+          </a:ln>
+        </p:spPr>
+      </p:pic>
+      <p:sp>
+        <p:nvSpPr>
+          <p:cNvPr id="60" name="CaixaDeTexto 1">
+            <a:extLst>
+              <a:ext uri="{FF2B5EF4-FFF2-40B4-BE49-F238E27FC236}">
+                <a16:creationId xmlns:a16="http://schemas.microsoft.com/office/drawing/2014/main" id="{6C0029FB-9E23-0654-E509-2F67A3D513CC}"/>
+              </a:ext>
+            </a:extLst>
+          </p:cNvPr>
+          <p:cNvSpPr/>
+          <p:nvPr/>
+        </p:nvSpPr>
+        <p:spPr>
+          <a:xfrm>
+            <a:off x="6629400" y="6362640"/>
+            <a:ext cx="5855760" cy="337100"/>
+          </a:xfrm>
+          <a:prstGeom prst="rect">
+            <a:avLst/>
+          </a:prstGeom>
+          <a:noFill/>
+          <a:ln w="0">
+            <a:noFill/>
+          </a:ln>
+        </p:spPr>
+        <p:style>
+          <a:lnRef idx="0">
+            <a:scrgbClr r="0" g="0" b="0"/>
+          </a:lnRef>
+          <a:fillRef idx="0">
+            <a:scrgbClr r="0" g="0" b="0"/>
+          </a:fillRef>
+          <a:effectRef idx="0">
+            <a:scrgbClr r="0" g="0" b="0"/>
+          </a:effectRef>
+          <a:fontRef idx="minor"/>
+        </p:style>
+        <p:txBody>
+          <a:bodyPr vertOverflow="overflow" horzOverflow="overflow" lIns="90000" tIns="45000" rIns="90000" bIns="45000" numCol="1" spcCol="0" anchor="t">
+            <a:spAutoFit/>
+          </a:bodyPr>
+          <a:lstStyle/>
+          <a:p>
+            <a:pPr>
+              <a:lnSpc>
+                <a:spcPct val="100000"/>
+              </a:lnSpc>
+              <a:buNone/>
+            </a:pPr>
+            <a:r>
+              <a:rPr lang="pt-PT" sz="1600" b="0" strike="noStrike" spc="-1" dirty="0">
+                <a:solidFill>
+                  <a:srgbClr val="FFFFFF"/>
+                </a:solidFill>
+                <a:latin typeface="Calibri"/>
+                <a:ea typeface="DejaVu Sans"/>
+              </a:rPr>
+              <a:t>Bases de Dados – Jogos Olímpicos   |   Parte 2 - Grupo 8</a:t>
+            </a:r>
+            <a:endParaRPr lang="en-US" sz="1600" b="0" strike="noStrike" spc="-1" dirty="0">
+              <a:latin typeface="Arial"/>
+            </a:endParaRPr>
+          </a:p>
+        </p:txBody>
+      </p:sp>
+      <p:sp>
+        <p:nvSpPr>
+          <p:cNvPr id="2" name="CaixaDeTexto 9">
+            <a:extLst>
+              <a:ext uri="{FF2B5EF4-FFF2-40B4-BE49-F238E27FC236}">
+                <a16:creationId xmlns:a16="http://schemas.microsoft.com/office/drawing/2014/main" id="{1C9C18B7-0B12-065E-B2BD-BA043474355C}"/>
+              </a:ext>
+            </a:extLst>
+          </p:cNvPr>
+          <p:cNvSpPr/>
+          <p:nvPr/>
+        </p:nvSpPr>
+        <p:spPr>
+          <a:xfrm>
+            <a:off x="2592226" y="2484949"/>
+            <a:ext cx="6819388" cy="1888102"/>
+          </a:xfrm>
+          <a:prstGeom prst="rect">
+            <a:avLst/>
+          </a:prstGeom>
+          <a:noFill/>
+          <a:ln w="0">
+            <a:noFill/>
+          </a:ln>
+        </p:spPr>
+        <p:style>
+          <a:lnRef idx="0">
+            <a:scrgbClr r="0" g="0" b="0"/>
+          </a:lnRef>
+          <a:fillRef idx="0">
+            <a:scrgbClr r="0" g="0" b="0"/>
+          </a:fillRef>
+          <a:effectRef idx="0">
+            <a:scrgbClr r="0" g="0" b="0"/>
+          </a:effectRef>
+          <a:fontRef idx="minor"/>
+        </p:style>
+        <p:txBody>
+          <a:bodyPr vertOverflow="overflow" horzOverflow="overflow" wrap="square" lIns="90000" tIns="45000" rIns="90000" bIns="45000" numCol="1" spcCol="0" anchor="t">
+            <a:spAutoFit/>
+          </a:bodyPr>
+          <a:lstStyle/>
+          <a:p>
+            <a:pPr algn="just">
+              <a:lnSpc>
+                <a:spcPct val="150000"/>
+              </a:lnSpc>
+            </a:pPr>
+            <a:r>
+              <a:rPr lang="pt-PT" sz="2000" dirty="0">
+                <a:effectLst/>
+                <a:latin typeface="Consolas" panose="020B0609020204030204" pitchFamily="49" charset="0"/>
+                <a:ea typeface="Times New Roman" panose="02020603050405020304" pitchFamily="18" charset="0"/>
+              </a:rPr>
+              <a:t>Estes grupos são apenas alguns exemplos do que é possível fazer em SQL e não representam os perfis de utilização necessários na gestão de uma base de dados real em sua totalidade.</a:t>
+            </a:r>
+          </a:p>
+        </p:txBody>
+      </p:sp>
+    </p:spTree>
+    <p:extLst>
+      <p:ext uri="{BB962C8B-B14F-4D97-AF65-F5344CB8AC3E}">
+        <p14:creationId xmlns:p14="http://schemas.microsoft.com/office/powerpoint/2010/main" val="988330002"/>
+      </p:ext>
+    </p:extLst>
+  </p:cSld>
+  <p:clrMapOvr>
+    <a:masterClrMapping/>
+  </p:clrMapOvr>
+</p:sld>
+</file>
+
+<file path=ppt/slides/slide51.xml><?xml version="1.0" encoding="utf-8"?>
+<p:sld xmlns:a="http://schemas.openxmlformats.org/drawingml/2006/main" xmlns:r="http://schemas.openxmlformats.org/officeDocument/2006/relationships" xmlns:p="http://schemas.openxmlformats.org/presentationml/2006/main" show="0">
+  <p:cSld>
+    <p:spTree>
+      <p:nvGrpSpPr>
+        <p:cNvPr id="1" name="">
+          <a:extLst>
+            <a:ext uri="{FF2B5EF4-FFF2-40B4-BE49-F238E27FC236}">
+              <a16:creationId xmlns:a16="http://schemas.microsoft.com/office/drawing/2014/main" id="{498783E8-6F45-571F-1982-5DB5845127DA}"/>
+            </a:ext>
+          </a:extLst>
+        </p:cNvPr>
+        <p:cNvGrpSpPr/>
+        <p:nvPr/>
+      </p:nvGrpSpPr>
+      <p:grpSpPr>
+        <a:xfrm>
+          <a:off x="0" y="0"/>
+          <a:ext cx="0" cy="0"/>
+          <a:chOff x="0" y="0"/>
+          <a:chExt cx="0" cy="0"/>
+        </a:xfrm>
+      </p:grpSpPr>
+      <p:sp>
+        <p:nvSpPr>
+          <p:cNvPr id="56" name="PlaceHolder 1">
+            <a:extLst>
+              <a:ext uri="{FF2B5EF4-FFF2-40B4-BE49-F238E27FC236}">
+                <a16:creationId xmlns:a16="http://schemas.microsoft.com/office/drawing/2014/main" id="{4F1A9917-A4E5-54CB-600E-B543738C54B8}"/>
+              </a:ext>
+            </a:extLst>
+          </p:cNvPr>
+          <p:cNvSpPr>
+            <a:spLocks noGrp="1"/>
+          </p:cNvSpPr>
+          <p:nvPr>
+            <p:ph type="title"/>
+          </p:nvPr>
+        </p:nvSpPr>
+        <p:spPr>
+          <a:xfrm>
+            <a:off x="1489680" y="576562"/>
+            <a:ext cx="9024480" cy="1096137"/>
+          </a:xfrm>
+          <a:prstGeom prst="rect">
+            <a:avLst/>
+          </a:prstGeom>
+          <a:noFill/>
+          <a:ln w="0">
+            <a:noFill/>
+          </a:ln>
+        </p:spPr>
+        <p:txBody>
+          <a:bodyPr lIns="0" tIns="0" rIns="0" bIns="0" anchor="b">
+            <a:noAutofit/>
+          </a:bodyPr>
+          <a:lstStyle/>
+          <a:p>
+            <a:pPr algn="ctr">
+              <a:lnSpc>
+                <a:spcPct val="90000"/>
+              </a:lnSpc>
+              <a:buNone/>
+            </a:pPr>
+            <a:r>
+              <a:rPr lang="pt-PT" sz="4000" b="0" strike="noStrike" spc="-1" dirty="0">
+                <a:solidFill>
+                  <a:srgbClr val="870F11"/>
+                </a:solidFill>
+                <a:latin typeface="Calibri"/>
+              </a:rPr>
+              <a:t>Definição dos perfis de utilização para cada utilizador da base de dados</a:t>
+            </a:r>
+            <a:endParaRPr lang="en-US" sz="4000" b="0" strike="noStrike" spc="-1" dirty="0">
+              <a:latin typeface="Arial"/>
+            </a:endParaRPr>
+          </a:p>
+        </p:txBody>
+      </p:sp>
+      <p:sp>
+        <p:nvSpPr>
+          <p:cNvPr id="57" name="Retângulo 4">
+            <a:extLst>
+              <a:ext uri="{FF2B5EF4-FFF2-40B4-BE49-F238E27FC236}">
+                <a16:creationId xmlns:a16="http://schemas.microsoft.com/office/drawing/2014/main" id="{3273FC8F-C539-7CE4-6C53-991276EE2198}"/>
+              </a:ext>
+            </a:extLst>
+          </p:cNvPr>
+          <p:cNvSpPr/>
+          <p:nvPr/>
+        </p:nvSpPr>
+        <p:spPr>
+          <a:xfrm>
+            <a:off x="0" y="6233760"/>
+            <a:ext cx="12189960" cy="622080"/>
+          </a:xfrm>
+          <a:prstGeom prst="rect">
+            <a:avLst/>
+          </a:prstGeom>
+          <a:solidFill>
+            <a:srgbClr val="870F11"/>
+          </a:solidFill>
+          <a:ln>
+            <a:solidFill>
+              <a:srgbClr val="870F11"/>
+            </a:solidFill>
+          </a:ln>
+        </p:spPr>
+        <p:style>
+          <a:lnRef idx="2">
+            <a:schemeClr val="accent1">
+              <a:shade val="50000"/>
+            </a:schemeClr>
+          </a:lnRef>
+          <a:fillRef idx="1">
+            <a:schemeClr val="accent1"/>
+          </a:fillRef>
+          <a:effectRef idx="0">
+            <a:schemeClr val="accent1"/>
+          </a:effectRef>
+          <a:fontRef idx="minor"/>
+        </p:style>
+        <p:txBody>
+          <a:bodyPr/>
+          <a:lstStyle/>
+          <a:p>
+            <a:endParaRPr lang="pt-PT"/>
+          </a:p>
+        </p:txBody>
+      </p:sp>
+      <p:sp>
+        <p:nvSpPr>
+          <p:cNvPr id="58" name="CaixaDeTexto 5">
+            <a:extLst>
+              <a:ext uri="{FF2B5EF4-FFF2-40B4-BE49-F238E27FC236}">
+                <a16:creationId xmlns:a16="http://schemas.microsoft.com/office/drawing/2014/main" id="{1AED0749-3DE6-4DC7-C23A-B32B638D4C7E}"/>
+              </a:ext>
+            </a:extLst>
+          </p:cNvPr>
+          <p:cNvSpPr/>
+          <p:nvPr/>
+        </p:nvSpPr>
+        <p:spPr>
+          <a:xfrm>
+            <a:off x="1489680" y="1828800"/>
+            <a:ext cx="9024480" cy="829543"/>
+          </a:xfrm>
+          <a:prstGeom prst="rect">
+            <a:avLst/>
+          </a:prstGeom>
+          <a:noFill/>
+          <a:ln w="0">
+            <a:noFill/>
+          </a:ln>
+        </p:spPr>
+        <p:style>
+          <a:lnRef idx="0">
+            <a:scrgbClr r="0" g="0" b="0"/>
+          </a:lnRef>
+          <a:fillRef idx="0">
+            <a:scrgbClr r="0" g="0" b="0"/>
+          </a:fillRef>
+          <a:effectRef idx="0">
+            <a:scrgbClr r="0" g="0" b="0"/>
+          </a:effectRef>
+          <a:fontRef idx="minor"/>
+        </p:style>
+        <p:txBody>
+          <a:bodyPr vertOverflow="overflow" horzOverflow="overflow" lIns="90000" tIns="45000" rIns="90000" bIns="45000" numCol="1" spcCol="0" anchor="t">
+            <a:spAutoFit/>
+          </a:bodyPr>
+          <a:lstStyle/>
+          <a:p>
+            <a:pPr algn="ctr">
+              <a:lnSpc>
+                <a:spcPct val="100000"/>
+              </a:lnSpc>
+              <a:buNone/>
+            </a:pPr>
+            <a:endParaRPr lang="en-US" sz="2400" b="0" strike="noStrike" spc="-1" dirty="0">
+              <a:latin typeface="Arial"/>
+            </a:endParaRPr>
+          </a:p>
+          <a:p>
+            <a:pPr algn="ctr">
+              <a:lnSpc>
+                <a:spcPct val="100000"/>
+              </a:lnSpc>
+              <a:buNone/>
+            </a:pPr>
+            <a:endParaRPr lang="en-US" sz="2400" b="0" strike="noStrike" spc="-1" dirty="0">
+              <a:latin typeface="Arial"/>
+            </a:endParaRPr>
+          </a:p>
+        </p:txBody>
+      </p:sp>
+      <p:pic>
+        <p:nvPicPr>
+          <p:cNvPr id="59" name="Imagem 3">
+            <a:extLst>
+              <a:ext uri="{FF2B5EF4-FFF2-40B4-BE49-F238E27FC236}">
+                <a16:creationId xmlns:a16="http://schemas.microsoft.com/office/drawing/2014/main" id="{53B5A92D-4F72-7913-B197-DF6920BDE412}"/>
+              </a:ext>
+            </a:extLst>
+          </p:cNvPr>
+          <p:cNvPicPr/>
+          <p:nvPr/>
+        </p:nvPicPr>
+        <p:blipFill>
+          <a:blip r:embed="rId2"/>
+          <a:stretch/>
+        </p:blipFill>
+        <p:spPr>
+          <a:xfrm>
+            <a:off x="3240" y="6261480"/>
+            <a:ext cx="1236960" cy="709200"/>
+          </a:xfrm>
+          <a:prstGeom prst="rect">
+            <a:avLst/>
+          </a:prstGeom>
+          <a:ln w="0">
+            <a:noFill/>
+          </a:ln>
+        </p:spPr>
+      </p:pic>
+      <p:sp>
+        <p:nvSpPr>
+          <p:cNvPr id="60" name="CaixaDeTexto 1">
+            <a:extLst>
+              <a:ext uri="{FF2B5EF4-FFF2-40B4-BE49-F238E27FC236}">
+                <a16:creationId xmlns:a16="http://schemas.microsoft.com/office/drawing/2014/main" id="{5730EB3C-7CC8-3481-F7C6-B9F9F52E8A15}"/>
+              </a:ext>
+            </a:extLst>
+          </p:cNvPr>
+          <p:cNvSpPr/>
+          <p:nvPr/>
+        </p:nvSpPr>
+        <p:spPr>
+          <a:xfrm>
+            <a:off x="6629400" y="6362640"/>
+            <a:ext cx="5855760" cy="337100"/>
+          </a:xfrm>
+          <a:prstGeom prst="rect">
+            <a:avLst/>
+          </a:prstGeom>
+          <a:noFill/>
+          <a:ln w="0">
+            <a:noFill/>
+          </a:ln>
+        </p:spPr>
+        <p:style>
+          <a:lnRef idx="0">
+            <a:scrgbClr r="0" g="0" b="0"/>
+          </a:lnRef>
+          <a:fillRef idx="0">
+            <a:scrgbClr r="0" g="0" b="0"/>
+          </a:fillRef>
+          <a:effectRef idx="0">
+            <a:scrgbClr r="0" g="0" b="0"/>
+          </a:effectRef>
+          <a:fontRef idx="minor"/>
+        </p:style>
+        <p:txBody>
+          <a:bodyPr vertOverflow="overflow" horzOverflow="overflow" lIns="90000" tIns="45000" rIns="90000" bIns="45000" numCol="1" spcCol="0" anchor="t">
+            <a:spAutoFit/>
+          </a:bodyPr>
+          <a:lstStyle/>
+          <a:p>
+            <a:pPr>
+              <a:lnSpc>
+                <a:spcPct val="100000"/>
+              </a:lnSpc>
+              <a:buNone/>
+            </a:pPr>
+            <a:r>
+              <a:rPr lang="pt-PT" sz="1600" b="0" strike="noStrike" spc="-1" dirty="0">
+                <a:solidFill>
+                  <a:srgbClr val="FFFFFF"/>
+                </a:solidFill>
+                <a:latin typeface="Calibri"/>
+                <a:ea typeface="DejaVu Sans"/>
+              </a:rPr>
+              <a:t>Bases de Dados – Jogos Olímpicos   |   Parte 2 - Grupo 8</a:t>
+            </a:r>
+            <a:endParaRPr lang="en-US" sz="1600" b="0" strike="noStrike" spc="-1" dirty="0">
+              <a:latin typeface="Arial"/>
+            </a:endParaRPr>
+          </a:p>
+        </p:txBody>
+      </p:sp>
+      <p:sp>
+        <p:nvSpPr>
+          <p:cNvPr id="3" name="CaixaDeTexto 2">
+            <a:extLst>
+              <a:ext uri="{FF2B5EF4-FFF2-40B4-BE49-F238E27FC236}">
+                <a16:creationId xmlns:a16="http://schemas.microsoft.com/office/drawing/2014/main" id="{3788204A-1EE1-D85D-C473-7F90A52EAE59}"/>
+              </a:ext>
+            </a:extLst>
+          </p:cNvPr>
+          <p:cNvSpPr txBox="1"/>
+          <p:nvPr/>
+        </p:nvSpPr>
+        <p:spPr>
+          <a:xfrm>
+            <a:off x="2472906" y="2484222"/>
+            <a:ext cx="7246188" cy="1889556"/>
+          </a:xfrm>
+          <a:prstGeom prst="rect">
+            <a:avLst/>
+          </a:prstGeom>
+          <a:noFill/>
+        </p:spPr>
+        <p:txBody>
+          <a:bodyPr wrap="square">
+            <a:spAutoFit/>
+          </a:bodyPr>
+          <a:lstStyle/>
+          <a:p>
+            <a:pPr algn="just">
+              <a:lnSpc>
+                <a:spcPct val="150000"/>
+              </a:lnSpc>
+            </a:pPr>
+            <a:r>
+              <a:rPr lang="pt-PT" sz="2000" dirty="0">
+                <a:effectLst/>
+                <a:latin typeface="Consolas" panose="020B0609020204030204" pitchFamily="49" charset="0"/>
+                <a:ea typeface="Times New Roman" panose="02020603050405020304" pitchFamily="18" charset="0"/>
+              </a:rPr>
+              <a:t>O próximo passo foi criar alguns usuários e apenas atribuir a qual grupo eles pertencem. Esta forma de definir utilizadores é rápida e evita que um utilizador receba permissões indevidas.</a:t>
+            </a:r>
+            <a:endParaRPr lang="pt-PT" sz="2000" dirty="0">
+              <a:latin typeface="Consolas" panose="020B0609020204030204" pitchFamily="49" charset="0"/>
+            </a:endParaRPr>
+          </a:p>
+        </p:txBody>
+      </p:sp>
+    </p:spTree>
+    <p:extLst>
+      <p:ext uri="{BB962C8B-B14F-4D97-AF65-F5344CB8AC3E}">
+        <p14:creationId xmlns:p14="http://schemas.microsoft.com/office/powerpoint/2010/main" val="2558534598"/>
+      </p:ext>
+    </p:extLst>
+  </p:cSld>
+  <p:clrMapOvr>
+    <a:masterClrMapping/>
+  </p:clrMapOvr>
+</p:sld>
+</file>
+
+<file path=ppt/slides/slide52.xml><?xml version="1.0" encoding="utf-8"?>
+<p:sld xmlns:a="http://schemas.openxmlformats.org/drawingml/2006/main" xmlns:r="http://schemas.openxmlformats.org/officeDocument/2006/relationships" xmlns:p="http://schemas.openxmlformats.org/presentationml/2006/main" show="0">
+  <p:cSld>
+    <p:spTree>
+      <p:nvGrpSpPr>
+        <p:cNvPr id="1" name="">
+          <a:extLst>
+            <a:ext uri="{FF2B5EF4-FFF2-40B4-BE49-F238E27FC236}">
+              <a16:creationId xmlns:a16="http://schemas.microsoft.com/office/drawing/2014/main" id="{B44B983D-BA8C-03DA-9402-1734678C762B}"/>
+            </a:ext>
+          </a:extLst>
+        </p:cNvPr>
+        <p:cNvGrpSpPr/>
+        <p:nvPr/>
+      </p:nvGrpSpPr>
+      <p:grpSpPr>
+        <a:xfrm>
+          <a:off x="0" y="0"/>
+          <a:ext cx="0" cy="0"/>
+          <a:chOff x="0" y="0"/>
+          <a:chExt cx="0" cy="0"/>
+        </a:xfrm>
+      </p:grpSpPr>
+      <p:sp>
+        <p:nvSpPr>
+          <p:cNvPr id="56" name="PlaceHolder 1">
+            <a:extLst>
+              <a:ext uri="{FF2B5EF4-FFF2-40B4-BE49-F238E27FC236}">
+                <a16:creationId xmlns:a16="http://schemas.microsoft.com/office/drawing/2014/main" id="{AC413050-9F04-B7F4-F9C4-CCDFBDBDFEC9}"/>
+              </a:ext>
+            </a:extLst>
+          </p:cNvPr>
+          <p:cNvSpPr>
+            <a:spLocks noGrp="1"/>
+          </p:cNvSpPr>
+          <p:nvPr>
+            <p:ph type="title"/>
+          </p:nvPr>
+        </p:nvSpPr>
+        <p:spPr>
+          <a:xfrm>
+            <a:off x="1489680" y="576562"/>
+            <a:ext cx="9024480" cy="1096137"/>
+          </a:xfrm>
+          <a:prstGeom prst="rect">
+            <a:avLst/>
+          </a:prstGeom>
+          <a:noFill/>
+          <a:ln w="0">
+            <a:noFill/>
+          </a:ln>
+        </p:spPr>
+        <p:txBody>
+          <a:bodyPr lIns="0" tIns="0" rIns="0" bIns="0" anchor="b">
+            <a:noAutofit/>
+          </a:bodyPr>
+          <a:lstStyle/>
+          <a:p>
+            <a:pPr algn="ctr">
+              <a:lnSpc>
+                <a:spcPct val="90000"/>
+              </a:lnSpc>
+              <a:buNone/>
+            </a:pPr>
+            <a:r>
+              <a:rPr lang="pt-PT" sz="4000" b="0" strike="noStrike" spc="-1" dirty="0">
+                <a:solidFill>
+                  <a:srgbClr val="870F11"/>
+                </a:solidFill>
+                <a:latin typeface="Calibri"/>
+              </a:rPr>
+              <a:t>Definição dos perfis de utilização para cada utilizador da base de dados</a:t>
+            </a:r>
+            <a:endParaRPr lang="en-US" sz="4000" b="0" strike="noStrike" spc="-1" dirty="0">
+              <a:latin typeface="Arial"/>
+            </a:endParaRPr>
+          </a:p>
+        </p:txBody>
+      </p:sp>
+      <p:sp>
+        <p:nvSpPr>
+          <p:cNvPr id="57" name="Retângulo 4">
+            <a:extLst>
+              <a:ext uri="{FF2B5EF4-FFF2-40B4-BE49-F238E27FC236}">
+                <a16:creationId xmlns:a16="http://schemas.microsoft.com/office/drawing/2014/main" id="{242F99F1-71A8-4128-AED8-824936463DEC}"/>
+              </a:ext>
+            </a:extLst>
+          </p:cNvPr>
+          <p:cNvSpPr/>
+          <p:nvPr/>
+        </p:nvSpPr>
+        <p:spPr>
+          <a:xfrm>
+            <a:off x="0" y="6233760"/>
+            <a:ext cx="12189960" cy="622080"/>
+          </a:xfrm>
+          <a:prstGeom prst="rect">
+            <a:avLst/>
+          </a:prstGeom>
+          <a:solidFill>
+            <a:srgbClr val="870F11"/>
+          </a:solidFill>
+          <a:ln>
+            <a:solidFill>
+              <a:srgbClr val="870F11"/>
+            </a:solidFill>
+          </a:ln>
+        </p:spPr>
+        <p:style>
+          <a:lnRef idx="2">
+            <a:schemeClr val="accent1">
+              <a:shade val="50000"/>
+            </a:schemeClr>
+          </a:lnRef>
+          <a:fillRef idx="1">
+            <a:schemeClr val="accent1"/>
+          </a:fillRef>
+          <a:effectRef idx="0">
+            <a:schemeClr val="accent1"/>
+          </a:effectRef>
+          <a:fontRef idx="minor"/>
+        </p:style>
+        <p:txBody>
+          <a:bodyPr/>
+          <a:lstStyle/>
+          <a:p>
+            <a:endParaRPr lang="pt-PT"/>
+          </a:p>
+        </p:txBody>
+      </p:sp>
+      <p:pic>
+        <p:nvPicPr>
+          <p:cNvPr id="59" name="Imagem 3">
+            <a:extLst>
+              <a:ext uri="{FF2B5EF4-FFF2-40B4-BE49-F238E27FC236}">
+                <a16:creationId xmlns:a16="http://schemas.microsoft.com/office/drawing/2014/main" id="{535F9A21-479D-974A-493F-4C349380B201}"/>
+              </a:ext>
+            </a:extLst>
+          </p:cNvPr>
+          <p:cNvPicPr/>
+          <p:nvPr/>
+        </p:nvPicPr>
+        <p:blipFill>
+          <a:blip r:embed="rId2"/>
+          <a:stretch/>
+        </p:blipFill>
+        <p:spPr>
+          <a:xfrm>
+            <a:off x="3240" y="6261480"/>
+            <a:ext cx="1236960" cy="709200"/>
+          </a:xfrm>
+          <a:prstGeom prst="rect">
+            <a:avLst/>
+          </a:prstGeom>
+          <a:ln w="0">
+            <a:noFill/>
+          </a:ln>
+        </p:spPr>
+      </p:pic>
+      <p:sp>
+        <p:nvSpPr>
+          <p:cNvPr id="60" name="CaixaDeTexto 1">
+            <a:extLst>
+              <a:ext uri="{FF2B5EF4-FFF2-40B4-BE49-F238E27FC236}">
+                <a16:creationId xmlns:a16="http://schemas.microsoft.com/office/drawing/2014/main" id="{D8D1A145-1A34-5A7B-5C4D-FC016529BF55}"/>
+              </a:ext>
+            </a:extLst>
+          </p:cNvPr>
+          <p:cNvSpPr/>
+          <p:nvPr/>
+        </p:nvSpPr>
+        <p:spPr>
+          <a:xfrm>
+            <a:off x="6629400" y="6362640"/>
+            <a:ext cx="5855760" cy="337100"/>
+          </a:xfrm>
+          <a:prstGeom prst="rect">
+            <a:avLst/>
+          </a:prstGeom>
+          <a:noFill/>
+          <a:ln w="0">
+            <a:noFill/>
+          </a:ln>
+        </p:spPr>
+        <p:style>
+          <a:lnRef idx="0">
+            <a:scrgbClr r="0" g="0" b="0"/>
+          </a:lnRef>
+          <a:fillRef idx="0">
+            <a:scrgbClr r="0" g="0" b="0"/>
+          </a:fillRef>
+          <a:effectRef idx="0">
+            <a:scrgbClr r="0" g="0" b="0"/>
+          </a:effectRef>
+          <a:fontRef idx="minor"/>
+        </p:style>
+        <p:txBody>
+          <a:bodyPr vertOverflow="overflow" horzOverflow="overflow" lIns="90000" tIns="45000" rIns="90000" bIns="45000" numCol="1" spcCol="0" anchor="t">
+            <a:spAutoFit/>
+          </a:bodyPr>
+          <a:lstStyle/>
+          <a:p>
+            <a:pPr>
+              <a:lnSpc>
+                <a:spcPct val="100000"/>
+              </a:lnSpc>
+              <a:buNone/>
+            </a:pPr>
+            <a:r>
+              <a:rPr lang="pt-PT" sz="1600" b="0" strike="noStrike" spc="-1" dirty="0">
+                <a:solidFill>
+                  <a:srgbClr val="FFFFFF"/>
+                </a:solidFill>
+                <a:latin typeface="Calibri"/>
+                <a:ea typeface="DejaVu Sans"/>
+              </a:rPr>
+              <a:t>Bases de Dados – Jogos Olímpicos   |   Parte 2 - Grupo 8</a:t>
+            </a:r>
+            <a:endParaRPr lang="en-US" sz="1600" b="0" strike="noStrike" spc="-1" dirty="0">
+              <a:latin typeface="Arial"/>
+            </a:endParaRPr>
+          </a:p>
+        </p:txBody>
+      </p:sp>
+      <p:pic>
+        <p:nvPicPr>
+          <p:cNvPr id="27650" name="Imagem 1">
+            <a:extLst>
+              <a:ext uri="{FF2B5EF4-FFF2-40B4-BE49-F238E27FC236}">
+                <a16:creationId xmlns:a16="http://schemas.microsoft.com/office/drawing/2014/main" id="{D99CA642-6B63-2B9D-E742-B529CD01E381}"/>
+              </a:ext>
+            </a:extLst>
+          </p:cNvPr>
+          <p:cNvPicPr>
+            <a:picLocks noChangeAspect="1" noChangeArrowheads="1"/>
+          </p:cNvPicPr>
+          <p:nvPr/>
+        </p:nvPicPr>
+        <p:blipFill>
+          <a:blip r:embed="rId3">
+            <a:extLst>
+              <a:ext uri="{28A0092B-C50C-407E-A947-70E740481C1C}">
+                <a14:useLocalDpi xmlns:a14="http://schemas.microsoft.com/office/drawing/2010/main" val="0"/>
+              </a:ext>
+            </a:extLst>
+          </a:blip>
+          <a:srcRect/>
+          <a:stretch>
+            <a:fillRect/>
+          </a:stretch>
+        </p:blipFill>
+        <p:spPr bwMode="auto">
+          <a:xfrm>
+            <a:off x="3291263" y="2034896"/>
+            <a:ext cx="5421313" cy="457200"/>
+          </a:xfrm>
+          <a:prstGeom prst="rect">
+            <a:avLst/>
+          </a:prstGeom>
+          <a:ln/>
+        </p:spPr>
+        <p:style>
+          <a:lnRef idx="2">
+            <a:schemeClr val="dk1"/>
+          </a:lnRef>
+          <a:fillRef idx="1">
+            <a:schemeClr val="lt1"/>
+          </a:fillRef>
+          <a:effectRef idx="0">
+            <a:schemeClr val="dk1"/>
+          </a:effectRef>
+          <a:fontRef idx="minor">
+            <a:schemeClr val="dk1"/>
+          </a:fontRef>
+        </p:style>
+      </p:pic>
+      <p:pic>
+        <p:nvPicPr>
+          <p:cNvPr id="27651" name="Imagem 1">
+            <a:extLst>
+              <a:ext uri="{FF2B5EF4-FFF2-40B4-BE49-F238E27FC236}">
+                <a16:creationId xmlns:a16="http://schemas.microsoft.com/office/drawing/2014/main" id="{8F818904-6949-666D-E5DA-D93075E17214}"/>
+              </a:ext>
+            </a:extLst>
+          </p:cNvPr>
+          <p:cNvPicPr>
+            <a:picLocks noChangeAspect="1" noChangeArrowheads="1"/>
+          </p:cNvPicPr>
+          <p:nvPr/>
+        </p:nvPicPr>
+        <p:blipFill>
+          <a:blip r:embed="rId4">
+            <a:extLst>
+              <a:ext uri="{28A0092B-C50C-407E-A947-70E740481C1C}">
+                <a14:useLocalDpi xmlns:a14="http://schemas.microsoft.com/office/drawing/2010/main" val="0"/>
+              </a:ext>
+            </a:extLst>
+          </a:blip>
+          <a:srcRect/>
+          <a:stretch>
+            <a:fillRect/>
+          </a:stretch>
+        </p:blipFill>
+        <p:spPr bwMode="auto">
+          <a:xfrm>
+            <a:off x="3291262" y="2811886"/>
+            <a:ext cx="5421313" cy="979487"/>
+          </a:xfrm>
+          <a:prstGeom prst="rect">
+            <a:avLst/>
+          </a:prstGeom>
+          <a:ln/>
+        </p:spPr>
+        <p:style>
+          <a:lnRef idx="2">
+            <a:schemeClr val="dk1"/>
+          </a:lnRef>
+          <a:fillRef idx="1">
+            <a:schemeClr val="lt1"/>
+          </a:fillRef>
+          <a:effectRef idx="0">
+            <a:schemeClr val="dk1"/>
+          </a:effectRef>
+          <a:fontRef idx="minor">
+            <a:schemeClr val="dk1"/>
+          </a:fontRef>
+        </p:style>
+      </p:pic>
+      <p:pic>
+        <p:nvPicPr>
+          <p:cNvPr id="27652" name="Imagem 1">
+            <a:extLst>
+              <a:ext uri="{FF2B5EF4-FFF2-40B4-BE49-F238E27FC236}">
+                <a16:creationId xmlns:a16="http://schemas.microsoft.com/office/drawing/2014/main" id="{38B855FB-1698-DC08-104D-0C946B7AE20B}"/>
+              </a:ext>
+            </a:extLst>
+          </p:cNvPr>
+          <p:cNvPicPr>
+            <a:picLocks noChangeAspect="1" noChangeArrowheads="1"/>
+          </p:cNvPicPr>
+          <p:nvPr/>
+        </p:nvPicPr>
+        <p:blipFill>
+          <a:blip r:embed="rId5">
+            <a:extLst>
+              <a:ext uri="{28A0092B-C50C-407E-A947-70E740481C1C}">
+                <a14:useLocalDpi xmlns:a14="http://schemas.microsoft.com/office/drawing/2010/main" val="0"/>
+              </a:ext>
+            </a:extLst>
+          </a:blip>
+          <a:srcRect/>
+          <a:stretch>
+            <a:fillRect/>
+          </a:stretch>
+        </p:blipFill>
+        <p:spPr bwMode="auto">
+          <a:xfrm>
+            <a:off x="3311900" y="4160601"/>
+            <a:ext cx="5421313" cy="457200"/>
+          </a:xfrm>
+          <a:prstGeom prst="rect">
+            <a:avLst/>
+          </a:prstGeom>
+          <a:ln/>
+        </p:spPr>
+        <p:style>
+          <a:lnRef idx="2">
+            <a:schemeClr val="dk1"/>
+          </a:lnRef>
+          <a:fillRef idx="1">
+            <a:schemeClr val="lt1"/>
+          </a:fillRef>
+          <a:effectRef idx="0">
+            <a:schemeClr val="dk1"/>
+          </a:effectRef>
+          <a:fontRef idx="minor">
+            <a:schemeClr val="dk1"/>
+          </a:fontRef>
+        </p:style>
+      </p:pic>
+      <p:pic>
+        <p:nvPicPr>
+          <p:cNvPr id="27653" name="Imagem 1">
+            <a:extLst>
+              <a:ext uri="{FF2B5EF4-FFF2-40B4-BE49-F238E27FC236}">
+                <a16:creationId xmlns:a16="http://schemas.microsoft.com/office/drawing/2014/main" id="{3F594C8D-F873-0305-3B9C-D32B1FFE5C22}"/>
+              </a:ext>
+            </a:extLst>
+          </p:cNvPr>
+          <p:cNvPicPr>
+            <a:picLocks noChangeAspect="1" noChangeArrowheads="1"/>
+          </p:cNvPicPr>
+          <p:nvPr/>
+        </p:nvPicPr>
+        <p:blipFill>
+          <a:blip r:embed="rId6">
+            <a:extLst>
+              <a:ext uri="{28A0092B-C50C-407E-A947-70E740481C1C}">
+                <a14:useLocalDpi xmlns:a14="http://schemas.microsoft.com/office/drawing/2010/main" val="0"/>
+              </a:ext>
+            </a:extLst>
+          </a:blip>
+          <a:srcRect/>
+          <a:stretch>
+            <a:fillRect/>
+          </a:stretch>
+        </p:blipFill>
+        <p:spPr bwMode="auto">
+          <a:xfrm>
+            <a:off x="3311900" y="5089096"/>
+            <a:ext cx="5400675" cy="828675"/>
+          </a:xfrm>
+          <a:prstGeom prst="rect">
+            <a:avLst/>
+          </a:prstGeom>
+          <a:ln/>
+        </p:spPr>
+        <p:style>
+          <a:lnRef idx="2">
+            <a:schemeClr val="dk1"/>
+          </a:lnRef>
+          <a:fillRef idx="1">
+            <a:schemeClr val="lt1"/>
+          </a:fillRef>
+          <a:effectRef idx="0">
+            <a:schemeClr val="dk1"/>
+          </a:effectRef>
+          <a:fontRef idx="minor">
+            <a:schemeClr val="dk1"/>
+          </a:fontRef>
+        </p:style>
+      </p:pic>
+    </p:spTree>
+    <p:extLst>
+      <p:ext uri="{BB962C8B-B14F-4D97-AF65-F5344CB8AC3E}">
+        <p14:creationId xmlns:p14="http://schemas.microsoft.com/office/powerpoint/2010/main" val="1409550482"/>
+      </p:ext>
+    </p:extLst>
+  </p:cSld>
+  <p:clrMapOvr>
+    <a:masterClrMapping/>
+  </p:clrMapOvr>
+</p:sld>
+</file>
+
+<file path=ppt/slides/slide53.xml><?xml version="1.0" encoding="utf-8"?>
+<p:sld xmlns:a="http://schemas.openxmlformats.org/drawingml/2006/main" xmlns:r="http://schemas.openxmlformats.org/officeDocument/2006/relationships" xmlns:p="http://schemas.openxmlformats.org/presentationml/2006/main" show="0">
+  <p:cSld>
+    <p:spTree>
+      <p:nvGrpSpPr>
+        <p:cNvPr id="1" name="">
+          <a:extLst>
+            <a:ext uri="{FF2B5EF4-FFF2-40B4-BE49-F238E27FC236}">
+              <a16:creationId xmlns:a16="http://schemas.microsoft.com/office/drawing/2014/main" id="{02F575C3-0E84-8496-C93F-B0A113378129}"/>
+            </a:ext>
+          </a:extLst>
+        </p:cNvPr>
+        <p:cNvGrpSpPr/>
+        <p:nvPr/>
+      </p:nvGrpSpPr>
+      <p:grpSpPr>
+        <a:xfrm>
+          <a:off x="0" y="0"/>
+          <a:ext cx="0" cy="0"/>
+          <a:chOff x="0" y="0"/>
+          <a:chExt cx="0" cy="0"/>
+        </a:xfrm>
+      </p:grpSpPr>
+      <p:sp>
+        <p:nvSpPr>
+          <p:cNvPr id="56" name="PlaceHolder 1">
+            <a:extLst>
+              <a:ext uri="{FF2B5EF4-FFF2-40B4-BE49-F238E27FC236}">
+                <a16:creationId xmlns:a16="http://schemas.microsoft.com/office/drawing/2014/main" id="{E1FFCFB6-6D72-3639-2974-0922DF5FC8DC}"/>
+              </a:ext>
+            </a:extLst>
+          </p:cNvPr>
+          <p:cNvSpPr>
+            <a:spLocks noGrp="1"/>
+          </p:cNvSpPr>
+          <p:nvPr>
+            <p:ph type="title"/>
+          </p:nvPr>
+        </p:nvSpPr>
+        <p:spPr>
+          <a:xfrm>
+            <a:off x="1489680" y="576563"/>
+            <a:ext cx="9024480" cy="829544"/>
+          </a:xfrm>
+          <a:prstGeom prst="rect">
+            <a:avLst/>
+          </a:prstGeom>
+          <a:noFill/>
+          <a:ln w="0">
+            <a:noFill/>
+          </a:ln>
+        </p:spPr>
+        <p:txBody>
+          <a:bodyPr lIns="0" tIns="0" rIns="0" bIns="0" anchor="b">
+            <a:noAutofit/>
+          </a:bodyPr>
+          <a:lstStyle/>
+          <a:p>
+            <a:pPr algn="ctr">
+              <a:lnSpc>
+                <a:spcPct val="90000"/>
+              </a:lnSpc>
+              <a:buNone/>
+            </a:pPr>
+            <a:r>
+              <a:rPr lang="pt-PT" sz="4000" b="0" strike="noStrike" spc="-1" dirty="0">
+                <a:solidFill>
+                  <a:srgbClr val="870F11"/>
+                </a:solidFill>
+                <a:latin typeface="Calibri"/>
+              </a:rPr>
+              <a:t>Indexação do Sistema de Dados</a:t>
+            </a:r>
+            <a:endParaRPr lang="en-US" sz="4000" b="0" strike="noStrike" spc="-1" dirty="0">
+              <a:latin typeface="Arial"/>
+            </a:endParaRPr>
+          </a:p>
+        </p:txBody>
+      </p:sp>
+      <p:sp>
+        <p:nvSpPr>
+          <p:cNvPr id="57" name="Retângulo 4">
+            <a:extLst>
+              <a:ext uri="{FF2B5EF4-FFF2-40B4-BE49-F238E27FC236}">
+                <a16:creationId xmlns:a16="http://schemas.microsoft.com/office/drawing/2014/main" id="{B1BE420F-FB58-9BC5-3BD1-CC407B07C736}"/>
+              </a:ext>
+            </a:extLst>
+          </p:cNvPr>
+          <p:cNvSpPr/>
+          <p:nvPr/>
+        </p:nvSpPr>
+        <p:spPr>
+          <a:xfrm>
+            <a:off x="0" y="6233760"/>
+            <a:ext cx="12189960" cy="622080"/>
+          </a:xfrm>
+          <a:prstGeom prst="rect">
+            <a:avLst/>
+          </a:prstGeom>
+          <a:solidFill>
+            <a:srgbClr val="870F11"/>
+          </a:solidFill>
+          <a:ln>
+            <a:solidFill>
+              <a:srgbClr val="870F11"/>
+            </a:solidFill>
+          </a:ln>
+        </p:spPr>
+        <p:style>
+          <a:lnRef idx="2">
+            <a:schemeClr val="accent1">
+              <a:shade val="50000"/>
+            </a:schemeClr>
+          </a:lnRef>
+          <a:fillRef idx="1">
+            <a:schemeClr val="accent1"/>
+          </a:fillRef>
+          <a:effectRef idx="0">
+            <a:schemeClr val="accent1"/>
+          </a:effectRef>
+          <a:fontRef idx="minor"/>
+        </p:style>
+        <p:txBody>
+          <a:bodyPr/>
+          <a:lstStyle/>
+          <a:p>
+            <a:endParaRPr lang="pt-PT"/>
+          </a:p>
+        </p:txBody>
+      </p:sp>
+      <p:pic>
+        <p:nvPicPr>
+          <p:cNvPr id="59" name="Imagem 3">
+            <a:extLst>
+              <a:ext uri="{FF2B5EF4-FFF2-40B4-BE49-F238E27FC236}">
+                <a16:creationId xmlns:a16="http://schemas.microsoft.com/office/drawing/2014/main" id="{114EA53F-B6C1-EF9A-ECEE-BB8547040C9D}"/>
+              </a:ext>
+            </a:extLst>
+          </p:cNvPr>
+          <p:cNvPicPr/>
+          <p:nvPr/>
+        </p:nvPicPr>
+        <p:blipFill>
+          <a:blip r:embed="rId2"/>
+          <a:stretch/>
+        </p:blipFill>
+        <p:spPr>
+          <a:xfrm>
+            <a:off x="3240" y="6261480"/>
+            <a:ext cx="1236960" cy="709200"/>
+          </a:xfrm>
+          <a:prstGeom prst="rect">
+            <a:avLst/>
+          </a:prstGeom>
+          <a:ln w="0">
+            <a:noFill/>
+          </a:ln>
+        </p:spPr>
+      </p:pic>
+      <p:sp>
+        <p:nvSpPr>
+          <p:cNvPr id="60" name="CaixaDeTexto 1">
+            <a:extLst>
+              <a:ext uri="{FF2B5EF4-FFF2-40B4-BE49-F238E27FC236}">
+                <a16:creationId xmlns:a16="http://schemas.microsoft.com/office/drawing/2014/main" id="{EC0CBA65-04BB-5317-AE3C-059B8ECCD197}"/>
+              </a:ext>
+            </a:extLst>
+          </p:cNvPr>
+          <p:cNvSpPr/>
+          <p:nvPr/>
+        </p:nvSpPr>
+        <p:spPr>
+          <a:xfrm>
+            <a:off x="6629400" y="6362640"/>
+            <a:ext cx="5855760" cy="337100"/>
+          </a:xfrm>
+          <a:prstGeom prst="rect">
+            <a:avLst/>
+          </a:prstGeom>
+          <a:noFill/>
+          <a:ln w="0">
+            <a:noFill/>
+          </a:ln>
+        </p:spPr>
+        <p:style>
+          <a:lnRef idx="0">
+            <a:scrgbClr r="0" g="0" b="0"/>
+          </a:lnRef>
+          <a:fillRef idx="0">
+            <a:scrgbClr r="0" g="0" b="0"/>
+          </a:fillRef>
+          <a:effectRef idx="0">
+            <a:scrgbClr r="0" g="0" b="0"/>
+          </a:effectRef>
+          <a:fontRef idx="minor"/>
+        </p:style>
+        <p:txBody>
+          <a:bodyPr vertOverflow="overflow" horzOverflow="overflow" lIns="90000" tIns="45000" rIns="90000" bIns="45000" numCol="1" spcCol="0" anchor="t">
+            <a:spAutoFit/>
+          </a:bodyPr>
+          <a:lstStyle/>
+          <a:p>
+            <a:pPr>
+              <a:lnSpc>
+                <a:spcPct val="100000"/>
+              </a:lnSpc>
+              <a:buNone/>
+            </a:pPr>
+            <a:r>
+              <a:rPr lang="pt-PT" sz="1600" b="0" strike="noStrike" spc="-1" dirty="0">
+                <a:solidFill>
+                  <a:srgbClr val="FFFFFF"/>
+                </a:solidFill>
+                <a:latin typeface="Calibri"/>
+                <a:ea typeface="DejaVu Sans"/>
+              </a:rPr>
+              <a:t>Bases de Dados – Jogos Olímpicos   |   Parte 2 - Grupo 8</a:t>
+            </a:r>
+            <a:endParaRPr lang="en-US" sz="1600" b="0" strike="noStrike" spc="-1" dirty="0">
+              <a:latin typeface="Arial"/>
+            </a:endParaRPr>
+          </a:p>
+        </p:txBody>
+      </p:sp>
+    </p:spTree>
+    <p:extLst>
+      <p:ext uri="{BB962C8B-B14F-4D97-AF65-F5344CB8AC3E}">
+        <p14:creationId xmlns:p14="http://schemas.microsoft.com/office/powerpoint/2010/main" val="1279005386"/>
+      </p:ext>
+    </p:extLst>
+  </p:cSld>
+  <p:clrMapOvr>
+    <a:masterClrMapping/>
+  </p:clrMapOvr>
+</p:sld>
+</file>
+
+<file path=ppt/slides/slide54.xml><?xml version="1.0" encoding="utf-8"?>
+<p:sld xmlns:a="http://schemas.openxmlformats.org/drawingml/2006/main" xmlns:r="http://schemas.openxmlformats.org/officeDocument/2006/relationships" xmlns:p="http://schemas.openxmlformats.org/presentationml/2006/main" show="0">
+  <p:cSld>
+    <p:spTree>
+      <p:nvGrpSpPr>
+        <p:cNvPr id="1" name="">
+          <a:extLst>
+            <a:ext uri="{FF2B5EF4-FFF2-40B4-BE49-F238E27FC236}">
+              <a16:creationId xmlns:a16="http://schemas.microsoft.com/office/drawing/2014/main" id="{8EA051DF-9370-6E1F-A966-FCFFF3AFAA4E}"/>
+            </a:ext>
+          </a:extLst>
+        </p:cNvPr>
+        <p:cNvGrpSpPr/>
+        <p:nvPr/>
+      </p:nvGrpSpPr>
+      <p:grpSpPr>
+        <a:xfrm>
+          <a:off x="0" y="0"/>
+          <a:ext cx="0" cy="0"/>
+          <a:chOff x="0" y="0"/>
+          <a:chExt cx="0" cy="0"/>
+        </a:xfrm>
+      </p:grpSpPr>
+      <p:sp>
+        <p:nvSpPr>
+          <p:cNvPr id="51" name="PlaceHolder 1">
+            <a:extLst>
+              <a:ext uri="{FF2B5EF4-FFF2-40B4-BE49-F238E27FC236}">
+                <a16:creationId xmlns:a16="http://schemas.microsoft.com/office/drawing/2014/main" id="{F5167765-DEF6-8118-1BA0-EACD0A05728A}"/>
+              </a:ext>
+            </a:extLst>
+          </p:cNvPr>
+          <p:cNvSpPr>
+            <a:spLocks noGrp="1"/>
+          </p:cNvSpPr>
+          <p:nvPr>
+            <p:ph type="title"/>
+          </p:nvPr>
+        </p:nvSpPr>
+        <p:spPr>
+          <a:xfrm>
+            <a:off x="1525680" y="275040"/>
+            <a:ext cx="9141840" cy="1153080"/>
+          </a:xfrm>
+          <a:prstGeom prst="rect">
+            <a:avLst/>
+          </a:prstGeom>
+          <a:noFill/>
+          <a:ln w="0">
+            <a:noFill/>
+          </a:ln>
+        </p:spPr>
+        <p:txBody>
+          <a:bodyPr lIns="0" tIns="0" rIns="0" bIns="0" anchor="b">
+            <a:noAutofit/>
+          </a:bodyPr>
+          <a:lstStyle/>
+          <a:p>
+            <a:pPr algn="ctr">
+              <a:lnSpc>
+                <a:spcPct val="90000"/>
+              </a:lnSpc>
+              <a:buNone/>
+            </a:pPr>
+            <a:r>
+              <a:rPr lang="pt-PT" sz="4400" b="0" u="sng" strike="noStrike" spc="-1" dirty="0">
+                <a:solidFill>
+                  <a:srgbClr val="870F11"/>
+                </a:solidFill>
+                <a:uFillTx/>
+                <a:latin typeface="Calibri"/>
+              </a:rPr>
+              <a:t>Conclusão e Trabalho Futuro</a:t>
+            </a:r>
+            <a:endParaRPr lang="en-US" sz="4400" b="0" strike="noStrike" spc="-1" dirty="0">
+              <a:latin typeface="Arial"/>
+            </a:endParaRPr>
+          </a:p>
+        </p:txBody>
+      </p:sp>
+      <p:sp>
+        <p:nvSpPr>
+          <p:cNvPr id="52" name="Retângulo 4">
+            <a:extLst>
+              <a:ext uri="{FF2B5EF4-FFF2-40B4-BE49-F238E27FC236}">
+                <a16:creationId xmlns:a16="http://schemas.microsoft.com/office/drawing/2014/main" id="{69301A0B-E77F-3789-C9E4-6579746AE1F2}"/>
+              </a:ext>
+            </a:extLst>
+          </p:cNvPr>
+          <p:cNvSpPr/>
+          <p:nvPr/>
+        </p:nvSpPr>
+        <p:spPr>
+          <a:xfrm>
+            <a:off x="0" y="6233760"/>
+            <a:ext cx="12189960" cy="622080"/>
+          </a:xfrm>
+          <a:prstGeom prst="rect">
+            <a:avLst/>
+          </a:prstGeom>
+          <a:solidFill>
+            <a:srgbClr val="870F11"/>
+          </a:solidFill>
+          <a:ln>
+            <a:solidFill>
+              <a:srgbClr val="870F11"/>
+            </a:solidFill>
+          </a:ln>
+        </p:spPr>
+        <p:style>
+          <a:lnRef idx="2">
+            <a:schemeClr val="accent1">
+              <a:shade val="50000"/>
+            </a:schemeClr>
+          </a:lnRef>
+          <a:fillRef idx="1">
+            <a:schemeClr val="accent1"/>
+          </a:fillRef>
+          <a:effectRef idx="0">
+            <a:schemeClr val="accent1"/>
+          </a:effectRef>
+          <a:fontRef idx="minor"/>
+        </p:style>
+        <p:txBody>
+          <a:bodyPr/>
+          <a:lstStyle/>
+          <a:p>
+            <a:endParaRPr lang="pt-PT"/>
+          </a:p>
+        </p:txBody>
+      </p:sp>
+      <p:sp>
+        <p:nvSpPr>
+          <p:cNvPr id="53" name="CaixaDeTexto 5">
+            <a:extLst>
+              <a:ext uri="{FF2B5EF4-FFF2-40B4-BE49-F238E27FC236}">
+                <a16:creationId xmlns:a16="http://schemas.microsoft.com/office/drawing/2014/main" id="{9627A777-B39B-0638-8DF6-212D4B3F7B50}"/>
+              </a:ext>
+            </a:extLst>
+          </p:cNvPr>
+          <p:cNvSpPr/>
+          <p:nvPr/>
+        </p:nvSpPr>
+        <p:spPr>
+          <a:xfrm>
+            <a:off x="1814400" y="1845720"/>
+            <a:ext cx="6792840" cy="1598984"/>
+          </a:xfrm>
+          <a:prstGeom prst="rect">
+            <a:avLst/>
+          </a:prstGeom>
+          <a:noFill/>
+          <a:ln w="0">
+            <a:noFill/>
+          </a:ln>
+        </p:spPr>
+        <p:style>
+          <a:lnRef idx="0">
+            <a:scrgbClr r="0" g="0" b="0"/>
+          </a:lnRef>
+          <a:fillRef idx="0">
+            <a:scrgbClr r="0" g="0" b="0"/>
+          </a:fillRef>
+          <a:effectRef idx="0">
+            <a:scrgbClr r="0" g="0" b="0"/>
+          </a:effectRef>
+          <a:fontRef idx="minor"/>
+        </p:style>
+        <p:txBody>
+          <a:bodyPr vertOverflow="overflow" horzOverflow="overflow" lIns="90000" tIns="45000" rIns="90000" bIns="45000" numCol="1" spcCol="0" anchor="t">
+            <a:spAutoFit/>
+          </a:bodyPr>
+          <a:lstStyle/>
+          <a:p>
+            <a:pPr>
+              <a:lnSpc>
+                <a:spcPct val="150000"/>
+              </a:lnSpc>
+              <a:buNone/>
+            </a:pPr>
+            <a:endParaRPr lang="en-US" sz="2000" b="0" strike="noStrike" spc="-1" dirty="0">
+              <a:latin typeface="Arial"/>
+            </a:endParaRPr>
+          </a:p>
+          <a:p>
+            <a:pPr>
+              <a:lnSpc>
+                <a:spcPct val="100000"/>
+              </a:lnSpc>
+              <a:buNone/>
+            </a:pPr>
+            <a:endParaRPr lang="en-US" sz="2000" b="0" strike="noStrike" spc="-1" dirty="0">
+              <a:latin typeface="Arial"/>
+            </a:endParaRPr>
+          </a:p>
+          <a:p>
+            <a:pPr algn="ctr">
+              <a:lnSpc>
+                <a:spcPct val="100000"/>
+              </a:lnSpc>
+              <a:buNone/>
+            </a:pPr>
+            <a:endParaRPr lang="en-US" sz="2400" b="0" strike="noStrike" spc="-1" dirty="0">
+              <a:latin typeface="Arial"/>
+            </a:endParaRPr>
+          </a:p>
+          <a:p>
+            <a:pPr algn="ctr">
+              <a:lnSpc>
+                <a:spcPct val="100000"/>
+              </a:lnSpc>
+              <a:buNone/>
+            </a:pPr>
+            <a:endParaRPr lang="en-US" sz="2400" b="0" strike="noStrike" spc="-1" dirty="0">
+              <a:latin typeface="Arial"/>
+            </a:endParaRPr>
+          </a:p>
+        </p:txBody>
+      </p:sp>
+      <p:pic>
+        <p:nvPicPr>
+          <p:cNvPr id="54" name="Imagem 3">
+            <a:extLst>
+              <a:ext uri="{FF2B5EF4-FFF2-40B4-BE49-F238E27FC236}">
+                <a16:creationId xmlns:a16="http://schemas.microsoft.com/office/drawing/2014/main" id="{6E7FEA2B-DBA8-4F6D-6745-525908B5D127}"/>
+              </a:ext>
+            </a:extLst>
+          </p:cNvPr>
+          <p:cNvPicPr/>
+          <p:nvPr/>
+        </p:nvPicPr>
+        <p:blipFill>
+          <a:blip r:embed="rId2"/>
+          <a:stretch/>
+        </p:blipFill>
+        <p:spPr>
+          <a:xfrm>
+            <a:off x="3240" y="6261480"/>
+            <a:ext cx="1236960" cy="709200"/>
+          </a:xfrm>
+          <a:prstGeom prst="rect">
+            <a:avLst/>
+          </a:prstGeom>
+          <a:ln w="0">
+            <a:noFill/>
+          </a:ln>
+        </p:spPr>
+      </p:pic>
+      <p:sp>
+        <p:nvSpPr>
+          <p:cNvPr id="55" name="CaixaDeTexto 3">
+            <a:extLst>
+              <a:ext uri="{FF2B5EF4-FFF2-40B4-BE49-F238E27FC236}">
+                <a16:creationId xmlns:a16="http://schemas.microsoft.com/office/drawing/2014/main" id="{BF610D12-74BC-50E5-A694-277F36CC9E56}"/>
+              </a:ext>
+            </a:extLst>
+          </p:cNvPr>
+          <p:cNvSpPr/>
+          <p:nvPr/>
+        </p:nvSpPr>
+        <p:spPr>
+          <a:xfrm>
+            <a:off x="6629400" y="6362640"/>
+            <a:ext cx="5855760" cy="337100"/>
+          </a:xfrm>
+          <a:prstGeom prst="rect">
+            <a:avLst/>
+          </a:prstGeom>
+          <a:noFill/>
+          <a:ln w="0">
+            <a:noFill/>
+          </a:ln>
+        </p:spPr>
+        <p:style>
+          <a:lnRef idx="0">
+            <a:scrgbClr r="0" g="0" b="0"/>
+          </a:lnRef>
+          <a:fillRef idx="0">
+            <a:scrgbClr r="0" g="0" b="0"/>
+          </a:fillRef>
+          <a:effectRef idx="0">
+            <a:scrgbClr r="0" g="0" b="0"/>
+          </a:effectRef>
+          <a:fontRef idx="minor"/>
+        </p:style>
+        <p:txBody>
+          <a:bodyPr vertOverflow="overflow" horzOverflow="overflow" lIns="90000" tIns="45000" rIns="90000" bIns="45000" numCol="1" spcCol="0" anchor="t">
+            <a:spAutoFit/>
+          </a:bodyPr>
+          <a:lstStyle/>
+          <a:p>
+            <a:pPr>
+              <a:lnSpc>
+                <a:spcPct val="100000"/>
+              </a:lnSpc>
+              <a:buNone/>
+            </a:pPr>
+            <a:r>
+              <a:rPr lang="pt-PT" sz="1600" b="0" strike="noStrike" spc="-1" dirty="0">
+                <a:solidFill>
+                  <a:srgbClr val="FFFFFF"/>
+                </a:solidFill>
+                <a:latin typeface="Calibri"/>
+                <a:ea typeface="DejaVu Sans"/>
+              </a:rPr>
+              <a:t>Bases de Dados – Jogos Olímpicos   |   Parte 2 - Grupo 8</a:t>
+            </a:r>
+            <a:endParaRPr lang="en-US" sz="1600" b="0" strike="noStrike" spc="-1" dirty="0">
+              <a:latin typeface="Arial"/>
+            </a:endParaRPr>
+          </a:p>
+        </p:txBody>
+      </p:sp>
+    </p:spTree>
+    <p:extLst>
+      <p:ext uri="{BB962C8B-B14F-4D97-AF65-F5344CB8AC3E}">
+        <p14:creationId xmlns:p14="http://schemas.microsoft.com/office/powerpoint/2010/main" val="106293796"/>
+      </p:ext>
+    </p:extLst>
   </p:cSld>
   <p:clrMapOvr>
     <a:masterClrMapping/>

--- a/BD_TPgr8-pt2.pptx
+++ b/BD_TPgr8-pt2.pptx
@@ -5,7 +5,7 @@
     <p:sldMasterId id="2147483648" r:id="rId1"/>
   </p:sldMasterIdLst>
   <p:notesMasterIdLst>
-    <p:notesMasterId r:id="rId56"/>
+    <p:notesMasterId r:id="rId60"/>
   </p:notesMasterIdLst>
   <p:sldIdLst>
     <p:sldId id="256" r:id="rId2"/>
@@ -61,7 +61,11 @@
     <p:sldId id="307" r:id="rId52"/>
     <p:sldId id="310" r:id="rId53"/>
     <p:sldId id="311" r:id="rId54"/>
-    <p:sldId id="269" r:id="rId55"/>
+    <p:sldId id="314" r:id="rId55"/>
+    <p:sldId id="312" r:id="rId56"/>
+    <p:sldId id="313" r:id="rId57"/>
+    <p:sldId id="315" r:id="rId58"/>
+    <p:sldId id="269" r:id="rId59"/>
   </p:sldIdLst>
   <p:sldSz cx="12192000" cy="6858000"/>
   <p:notesSz cx="7772400" cy="10058400"/>
@@ -24786,7 +24790,7 @@
         </p:nvSpPr>
         <p:spPr>
           <a:xfrm>
-            <a:off x="1489680" y="576563"/>
+            <a:off x="1489680" y="208400"/>
             <a:ext cx="9024480" cy="829544"/>
           </a:xfrm>
           <a:prstGeom prst="rect">
@@ -24969,6 +24973,89 @@
           </a:p>
         </p:txBody>
       </p:sp>
+      <p:sp>
+        <p:nvSpPr>
+          <p:cNvPr id="4" name="CaixaDeTexto 3">
+            <a:extLst>
+              <a:ext uri="{FF2B5EF4-FFF2-40B4-BE49-F238E27FC236}">
+                <a16:creationId xmlns:a16="http://schemas.microsoft.com/office/drawing/2014/main" id="{FCC3F08E-1DB4-C706-A586-66F9DF39559B}"/>
+              </a:ext>
+            </a:extLst>
+          </p:cNvPr>
+          <p:cNvSpPr txBox="1"/>
+          <p:nvPr/>
+        </p:nvSpPr>
+        <p:spPr>
+          <a:xfrm>
+            <a:off x="1489680" y="1509775"/>
+            <a:ext cx="9024480" cy="4659545"/>
+          </a:xfrm>
+          <a:prstGeom prst="rect">
+            <a:avLst/>
+          </a:prstGeom>
+          <a:noFill/>
+        </p:spPr>
+        <p:txBody>
+          <a:bodyPr wrap="square">
+            <a:spAutoFit/>
+          </a:bodyPr>
+          <a:lstStyle/>
+          <a:p>
+            <a:pPr marL="342900" indent="-342900" algn="just">
+              <a:lnSpc>
+                <a:spcPct val="150000"/>
+              </a:lnSpc>
+              <a:buFont typeface="Arial" panose="020B0604020202020204" pitchFamily="34" charset="0"/>
+              <a:buChar char="•"/>
+            </a:pPr>
+            <a:r>
+              <a:rPr lang="pt-PT" sz="2000" dirty="0">
+                <a:effectLst/>
+                <a:latin typeface="Consolas" panose="020B0609020204030204" pitchFamily="49" charset="0"/>
+                <a:ea typeface="Times New Roman" panose="02020603050405020304" pitchFamily="18" charset="0"/>
+              </a:rPr>
+              <a:t>Nesta secção aborda-se a necessidade de implementar uma metodologia de indexação na base de dados para melhorar a eficiência das operações de pesquisa e manipulação de dados.</a:t>
+            </a:r>
+          </a:p>
+          <a:p>
+            <a:pPr marL="342900" indent="-342900" algn="just">
+              <a:lnSpc>
+                <a:spcPct val="150000"/>
+              </a:lnSpc>
+              <a:buFont typeface="Arial" panose="020B0604020202020204" pitchFamily="34" charset="0"/>
+              <a:buChar char="•"/>
+            </a:pPr>
+            <a:r>
+              <a:rPr lang="pt-PT" sz="2000" dirty="0">
+                <a:effectLst/>
+                <a:latin typeface="Consolas" panose="020B0609020204030204" pitchFamily="49" charset="0"/>
+                <a:ea typeface="Times New Roman" panose="02020603050405020304" pitchFamily="18" charset="0"/>
+              </a:rPr>
+              <a:t>O primeiro passo envolve a identificação das tabelas e colunas com maior frequência de acesso, uma vez que estas necessitarão de índices para otimizar o desempenho.</a:t>
+            </a:r>
+          </a:p>
+          <a:p>
+            <a:pPr marL="342900" indent="-342900" algn="just">
+              <a:lnSpc>
+                <a:spcPct val="150000"/>
+              </a:lnSpc>
+              <a:buFont typeface="Arial" panose="020B0604020202020204" pitchFamily="34" charset="0"/>
+              <a:buChar char="•"/>
+            </a:pPr>
+            <a:r>
+              <a:rPr lang="pt-PT" sz="2000" dirty="0">
+                <a:effectLst/>
+                <a:latin typeface="Consolas" panose="020B0609020204030204" pitchFamily="49" charset="0"/>
+                <a:ea typeface="Times New Roman" panose="02020603050405020304" pitchFamily="18" charset="0"/>
+              </a:rPr>
+              <a:t>Após uma análise cuidadosa, verificou-se que as tabelas Atleta, Resultado, Evento, Modalidade, Competição e Delegação desempenham um papel central no sistema e estarão sujeitas a consultas frequentes.</a:t>
+            </a:r>
+            <a:endParaRPr lang="pt-PT" sz="2000" dirty="0">
+              <a:latin typeface="Consolas" panose="020B0609020204030204" pitchFamily="49" charset="0"/>
+            </a:endParaRPr>
+          </a:p>
+        </p:txBody>
+      </p:sp>
     </p:spTree>
     <p:extLst>
       <p:ext uri="{BB962C8B-B14F-4D97-AF65-F5344CB8AC3E}">
@@ -24983,6 +25070,1457 @@
 </file>
 
 <file path=ppt/slides/slide54.xml><?xml version="1.0" encoding="utf-8"?>
+<p:sld xmlns:a="http://schemas.openxmlformats.org/drawingml/2006/main" xmlns:r="http://schemas.openxmlformats.org/officeDocument/2006/relationships" xmlns:p="http://schemas.openxmlformats.org/presentationml/2006/main" show="0">
+  <p:cSld>
+    <p:spTree>
+      <p:nvGrpSpPr>
+        <p:cNvPr id="1" name="">
+          <a:extLst>
+            <a:ext uri="{FF2B5EF4-FFF2-40B4-BE49-F238E27FC236}">
+              <a16:creationId xmlns:a16="http://schemas.microsoft.com/office/drawing/2014/main" id="{A88E159E-1F3C-47C4-2BE3-D85E5ADEF6A3}"/>
+            </a:ext>
+          </a:extLst>
+        </p:cNvPr>
+        <p:cNvGrpSpPr/>
+        <p:nvPr/>
+      </p:nvGrpSpPr>
+      <p:grpSpPr>
+        <a:xfrm>
+          <a:off x="0" y="0"/>
+          <a:ext cx="0" cy="0"/>
+          <a:chOff x="0" y="0"/>
+          <a:chExt cx="0" cy="0"/>
+        </a:xfrm>
+      </p:grpSpPr>
+      <p:sp>
+        <p:nvSpPr>
+          <p:cNvPr id="56" name="PlaceHolder 1">
+            <a:extLst>
+              <a:ext uri="{FF2B5EF4-FFF2-40B4-BE49-F238E27FC236}">
+                <a16:creationId xmlns:a16="http://schemas.microsoft.com/office/drawing/2014/main" id="{770E7ED2-AAC5-3347-D2DE-40A7377943DD}"/>
+              </a:ext>
+            </a:extLst>
+          </p:cNvPr>
+          <p:cNvSpPr>
+            <a:spLocks noGrp="1"/>
+          </p:cNvSpPr>
+          <p:nvPr>
+            <p:ph type="title"/>
+          </p:nvPr>
+        </p:nvSpPr>
+        <p:spPr>
+          <a:xfrm>
+            <a:off x="1489680" y="208400"/>
+            <a:ext cx="9024480" cy="829544"/>
+          </a:xfrm>
+          <a:prstGeom prst="rect">
+            <a:avLst/>
+          </a:prstGeom>
+          <a:noFill/>
+          <a:ln w="0">
+            <a:noFill/>
+          </a:ln>
+        </p:spPr>
+        <p:txBody>
+          <a:bodyPr lIns="0" tIns="0" rIns="0" bIns="0" anchor="b">
+            <a:noAutofit/>
+          </a:bodyPr>
+          <a:lstStyle/>
+          <a:p>
+            <a:pPr algn="ctr">
+              <a:lnSpc>
+                <a:spcPct val="90000"/>
+              </a:lnSpc>
+              <a:buNone/>
+            </a:pPr>
+            <a:r>
+              <a:rPr lang="pt-PT" sz="4000" b="0" strike="noStrike" spc="-1" dirty="0">
+                <a:solidFill>
+                  <a:srgbClr val="870F11"/>
+                </a:solidFill>
+                <a:latin typeface="Calibri"/>
+              </a:rPr>
+              <a:t>Indexação do Sistema de Dados</a:t>
+            </a:r>
+            <a:endParaRPr lang="en-US" sz="4000" b="0" strike="noStrike" spc="-1" dirty="0">
+              <a:latin typeface="Arial"/>
+            </a:endParaRPr>
+          </a:p>
+        </p:txBody>
+      </p:sp>
+      <p:sp>
+        <p:nvSpPr>
+          <p:cNvPr id="57" name="Retângulo 4">
+            <a:extLst>
+              <a:ext uri="{FF2B5EF4-FFF2-40B4-BE49-F238E27FC236}">
+                <a16:creationId xmlns:a16="http://schemas.microsoft.com/office/drawing/2014/main" id="{08B60A7F-9513-15CC-C57D-ED080C0EFA7B}"/>
+              </a:ext>
+            </a:extLst>
+          </p:cNvPr>
+          <p:cNvSpPr/>
+          <p:nvPr/>
+        </p:nvSpPr>
+        <p:spPr>
+          <a:xfrm>
+            <a:off x="0" y="6233760"/>
+            <a:ext cx="12189960" cy="622080"/>
+          </a:xfrm>
+          <a:prstGeom prst="rect">
+            <a:avLst/>
+          </a:prstGeom>
+          <a:solidFill>
+            <a:srgbClr val="870F11"/>
+          </a:solidFill>
+          <a:ln>
+            <a:solidFill>
+              <a:srgbClr val="870F11"/>
+            </a:solidFill>
+          </a:ln>
+        </p:spPr>
+        <p:style>
+          <a:lnRef idx="2">
+            <a:schemeClr val="accent1">
+              <a:shade val="50000"/>
+            </a:schemeClr>
+          </a:lnRef>
+          <a:fillRef idx="1">
+            <a:schemeClr val="accent1"/>
+          </a:fillRef>
+          <a:effectRef idx="0">
+            <a:schemeClr val="accent1"/>
+          </a:effectRef>
+          <a:fontRef idx="minor"/>
+        </p:style>
+        <p:txBody>
+          <a:bodyPr/>
+          <a:lstStyle/>
+          <a:p>
+            <a:endParaRPr lang="pt-PT"/>
+          </a:p>
+        </p:txBody>
+      </p:sp>
+      <p:pic>
+        <p:nvPicPr>
+          <p:cNvPr id="59" name="Imagem 3">
+            <a:extLst>
+              <a:ext uri="{FF2B5EF4-FFF2-40B4-BE49-F238E27FC236}">
+                <a16:creationId xmlns:a16="http://schemas.microsoft.com/office/drawing/2014/main" id="{39486043-F841-E35F-03A6-B51625844CD6}"/>
+              </a:ext>
+            </a:extLst>
+          </p:cNvPr>
+          <p:cNvPicPr/>
+          <p:nvPr/>
+        </p:nvPicPr>
+        <p:blipFill>
+          <a:blip r:embed="rId2"/>
+          <a:stretch/>
+        </p:blipFill>
+        <p:spPr>
+          <a:xfrm>
+            <a:off x="3240" y="6261480"/>
+            <a:ext cx="1236960" cy="709200"/>
+          </a:xfrm>
+          <a:prstGeom prst="rect">
+            <a:avLst/>
+          </a:prstGeom>
+          <a:ln w="0">
+            <a:noFill/>
+          </a:ln>
+        </p:spPr>
+      </p:pic>
+      <p:sp>
+        <p:nvSpPr>
+          <p:cNvPr id="60" name="CaixaDeTexto 1">
+            <a:extLst>
+              <a:ext uri="{FF2B5EF4-FFF2-40B4-BE49-F238E27FC236}">
+                <a16:creationId xmlns:a16="http://schemas.microsoft.com/office/drawing/2014/main" id="{150EA3F4-8F4F-C8EA-8990-EB9F8AE33F8B}"/>
+              </a:ext>
+            </a:extLst>
+          </p:cNvPr>
+          <p:cNvSpPr/>
+          <p:nvPr/>
+        </p:nvSpPr>
+        <p:spPr>
+          <a:xfrm>
+            <a:off x="6629400" y="6362640"/>
+            <a:ext cx="5855760" cy="337100"/>
+          </a:xfrm>
+          <a:prstGeom prst="rect">
+            <a:avLst/>
+          </a:prstGeom>
+          <a:noFill/>
+          <a:ln w="0">
+            <a:noFill/>
+          </a:ln>
+        </p:spPr>
+        <p:style>
+          <a:lnRef idx="0">
+            <a:scrgbClr r="0" g="0" b="0"/>
+          </a:lnRef>
+          <a:fillRef idx="0">
+            <a:scrgbClr r="0" g="0" b="0"/>
+          </a:fillRef>
+          <a:effectRef idx="0">
+            <a:scrgbClr r="0" g="0" b="0"/>
+          </a:effectRef>
+          <a:fontRef idx="minor"/>
+        </p:style>
+        <p:txBody>
+          <a:bodyPr vertOverflow="overflow" horzOverflow="overflow" lIns="90000" tIns="45000" rIns="90000" bIns="45000" numCol="1" spcCol="0" anchor="t">
+            <a:spAutoFit/>
+          </a:bodyPr>
+          <a:lstStyle/>
+          <a:p>
+            <a:pPr>
+              <a:lnSpc>
+                <a:spcPct val="100000"/>
+              </a:lnSpc>
+              <a:buNone/>
+            </a:pPr>
+            <a:r>
+              <a:rPr lang="pt-PT" sz="1600" b="0" strike="noStrike" spc="-1" dirty="0">
+                <a:solidFill>
+                  <a:srgbClr val="FFFFFF"/>
+                </a:solidFill>
+                <a:latin typeface="Calibri"/>
+                <a:ea typeface="DejaVu Sans"/>
+              </a:rPr>
+              <a:t>Bases de Dados – Jogos Olímpicos   |   Parte 2 - Grupo 8</a:t>
+            </a:r>
+            <a:endParaRPr lang="en-US" sz="1600" b="0" strike="noStrike" spc="-1" dirty="0">
+              <a:latin typeface="Arial"/>
+            </a:endParaRPr>
+          </a:p>
+        </p:txBody>
+      </p:sp>
+      <p:pic>
+        <p:nvPicPr>
+          <p:cNvPr id="28674" name="Imagem 1">
+            <a:extLst>
+              <a:ext uri="{FF2B5EF4-FFF2-40B4-BE49-F238E27FC236}">
+                <a16:creationId xmlns:a16="http://schemas.microsoft.com/office/drawing/2014/main" id="{AB6F854C-C4F2-70C8-39AB-C50405DE9155}"/>
+              </a:ext>
+            </a:extLst>
+          </p:cNvPr>
+          <p:cNvPicPr>
+            <a:picLocks noChangeAspect="1" noChangeArrowheads="1"/>
+          </p:cNvPicPr>
+          <p:nvPr/>
+        </p:nvPicPr>
+        <p:blipFill>
+          <a:blip r:embed="rId3">
+            <a:extLst>
+              <a:ext uri="{28A0092B-C50C-407E-A947-70E740481C1C}">
+                <a14:useLocalDpi xmlns:a14="http://schemas.microsoft.com/office/drawing/2010/main" val="0"/>
+              </a:ext>
+            </a:extLst>
+          </a:blip>
+          <a:srcRect/>
+          <a:stretch>
+            <a:fillRect/>
+          </a:stretch>
+        </p:blipFill>
+        <p:spPr bwMode="auto">
+          <a:xfrm>
+            <a:off x="1569727" y="1491402"/>
+            <a:ext cx="9050505" cy="622080"/>
+          </a:xfrm>
+          <a:prstGeom prst="rect">
+            <a:avLst/>
+          </a:prstGeom>
+          <a:ln/>
+        </p:spPr>
+        <p:style>
+          <a:lnRef idx="2">
+            <a:schemeClr val="dk1"/>
+          </a:lnRef>
+          <a:fillRef idx="1">
+            <a:schemeClr val="lt1"/>
+          </a:fillRef>
+          <a:effectRef idx="0">
+            <a:schemeClr val="dk1"/>
+          </a:effectRef>
+          <a:fontRef idx="minor">
+            <a:schemeClr val="dk1"/>
+          </a:fontRef>
+        </p:style>
+      </p:pic>
+      <p:pic>
+        <p:nvPicPr>
+          <p:cNvPr id="28675" name="Imagem 1">
+            <a:extLst>
+              <a:ext uri="{FF2B5EF4-FFF2-40B4-BE49-F238E27FC236}">
+                <a16:creationId xmlns:a16="http://schemas.microsoft.com/office/drawing/2014/main" id="{2E3268A8-EA74-F659-B283-FDB4A168D168}"/>
+              </a:ext>
+            </a:extLst>
+          </p:cNvPr>
+          <p:cNvPicPr>
+            <a:picLocks noChangeAspect="1" noChangeArrowheads="1"/>
+          </p:cNvPicPr>
+          <p:nvPr/>
+        </p:nvPicPr>
+        <p:blipFill>
+          <a:blip r:embed="rId4">
+            <a:extLst>
+              <a:ext uri="{28A0092B-C50C-407E-A947-70E740481C1C}">
+                <a14:useLocalDpi xmlns:a14="http://schemas.microsoft.com/office/drawing/2010/main" val="0"/>
+              </a:ext>
+            </a:extLst>
+          </a:blip>
+          <a:srcRect/>
+          <a:stretch>
+            <a:fillRect/>
+          </a:stretch>
+        </p:blipFill>
+        <p:spPr bwMode="auto">
+          <a:xfrm>
+            <a:off x="202801" y="2283928"/>
+            <a:ext cx="11786398" cy="566023"/>
+          </a:xfrm>
+          <a:prstGeom prst="rect">
+            <a:avLst/>
+          </a:prstGeom>
+          <a:ln/>
+        </p:spPr>
+        <p:style>
+          <a:lnRef idx="2">
+            <a:schemeClr val="dk1"/>
+          </a:lnRef>
+          <a:fillRef idx="1">
+            <a:schemeClr val="lt1"/>
+          </a:fillRef>
+          <a:effectRef idx="0">
+            <a:schemeClr val="dk1"/>
+          </a:effectRef>
+          <a:fontRef idx="minor">
+            <a:schemeClr val="dk1"/>
+          </a:fontRef>
+        </p:style>
+      </p:pic>
+      <p:pic>
+        <p:nvPicPr>
+          <p:cNvPr id="28676" name="Imagem 1">
+            <a:extLst>
+              <a:ext uri="{FF2B5EF4-FFF2-40B4-BE49-F238E27FC236}">
+                <a16:creationId xmlns:a16="http://schemas.microsoft.com/office/drawing/2014/main" id="{AC52E0E7-D341-FA7B-45FB-AD1266EBB3D2}"/>
+              </a:ext>
+            </a:extLst>
+          </p:cNvPr>
+          <p:cNvPicPr>
+            <a:picLocks noChangeAspect="1" noChangeArrowheads="1"/>
+          </p:cNvPicPr>
+          <p:nvPr/>
+        </p:nvPicPr>
+        <p:blipFill>
+          <a:blip r:embed="rId5">
+            <a:extLst>
+              <a:ext uri="{28A0092B-C50C-407E-A947-70E740481C1C}">
+                <a14:useLocalDpi xmlns:a14="http://schemas.microsoft.com/office/drawing/2010/main" val="0"/>
+              </a:ext>
+            </a:extLst>
+          </a:blip>
+          <a:srcRect/>
+          <a:stretch>
+            <a:fillRect/>
+          </a:stretch>
+        </p:blipFill>
+        <p:spPr bwMode="auto">
+          <a:xfrm>
+            <a:off x="943853" y="3024427"/>
+            <a:ext cx="10302252" cy="622080"/>
+          </a:xfrm>
+          <a:prstGeom prst="rect">
+            <a:avLst/>
+          </a:prstGeom>
+          <a:ln/>
+        </p:spPr>
+        <p:style>
+          <a:lnRef idx="2">
+            <a:schemeClr val="dk1"/>
+          </a:lnRef>
+          <a:fillRef idx="1">
+            <a:schemeClr val="lt1"/>
+          </a:fillRef>
+          <a:effectRef idx="0">
+            <a:schemeClr val="dk1"/>
+          </a:effectRef>
+          <a:fontRef idx="minor">
+            <a:schemeClr val="dk1"/>
+          </a:fontRef>
+        </p:style>
+      </p:pic>
+      <p:pic>
+        <p:nvPicPr>
+          <p:cNvPr id="28677" name="Imagem 1">
+            <a:extLst>
+              <a:ext uri="{FF2B5EF4-FFF2-40B4-BE49-F238E27FC236}">
+                <a16:creationId xmlns:a16="http://schemas.microsoft.com/office/drawing/2014/main" id="{7D867F6D-6137-6606-2538-BC11BFA9DCC1}"/>
+              </a:ext>
+            </a:extLst>
+          </p:cNvPr>
+          <p:cNvPicPr>
+            <a:picLocks noChangeAspect="1" noChangeArrowheads="1"/>
+          </p:cNvPicPr>
+          <p:nvPr/>
+        </p:nvPicPr>
+        <p:blipFill>
+          <a:blip r:embed="rId6">
+            <a:extLst>
+              <a:ext uri="{28A0092B-C50C-407E-A947-70E740481C1C}">
+                <a14:useLocalDpi xmlns:a14="http://schemas.microsoft.com/office/drawing/2010/main" val="0"/>
+              </a:ext>
+            </a:extLst>
+          </a:blip>
+          <a:srcRect/>
+          <a:stretch>
+            <a:fillRect/>
+          </a:stretch>
+        </p:blipFill>
+        <p:spPr bwMode="auto">
+          <a:xfrm>
+            <a:off x="516767" y="3820983"/>
+            <a:ext cx="11156424" cy="622080"/>
+          </a:xfrm>
+          <a:prstGeom prst="rect">
+            <a:avLst/>
+          </a:prstGeom>
+          <a:ln/>
+        </p:spPr>
+        <p:style>
+          <a:lnRef idx="2">
+            <a:schemeClr val="dk1"/>
+          </a:lnRef>
+          <a:fillRef idx="1">
+            <a:schemeClr val="lt1"/>
+          </a:fillRef>
+          <a:effectRef idx="0">
+            <a:schemeClr val="dk1"/>
+          </a:effectRef>
+          <a:fontRef idx="minor">
+            <a:schemeClr val="dk1"/>
+          </a:fontRef>
+        </p:style>
+      </p:pic>
+      <p:pic>
+        <p:nvPicPr>
+          <p:cNvPr id="28678" name="Imagem 1">
+            <a:extLst>
+              <a:ext uri="{FF2B5EF4-FFF2-40B4-BE49-F238E27FC236}">
+                <a16:creationId xmlns:a16="http://schemas.microsoft.com/office/drawing/2014/main" id="{84C03966-1CF1-0103-B1D4-205348549AB3}"/>
+              </a:ext>
+            </a:extLst>
+          </p:cNvPr>
+          <p:cNvPicPr>
+            <a:picLocks noChangeAspect="1" noChangeArrowheads="1"/>
+          </p:cNvPicPr>
+          <p:nvPr/>
+        </p:nvPicPr>
+        <p:blipFill>
+          <a:blip r:embed="rId7">
+            <a:extLst>
+              <a:ext uri="{28A0092B-C50C-407E-A947-70E740481C1C}">
+                <a14:useLocalDpi xmlns:a14="http://schemas.microsoft.com/office/drawing/2010/main" val="0"/>
+              </a:ext>
+            </a:extLst>
+          </a:blip>
+          <a:srcRect/>
+          <a:stretch>
+            <a:fillRect/>
+          </a:stretch>
+        </p:blipFill>
+        <p:spPr bwMode="auto">
+          <a:xfrm>
+            <a:off x="1022341" y="4617539"/>
+            <a:ext cx="10223764" cy="622080"/>
+          </a:xfrm>
+          <a:prstGeom prst="rect">
+            <a:avLst/>
+          </a:prstGeom>
+          <a:ln/>
+        </p:spPr>
+        <p:style>
+          <a:lnRef idx="2">
+            <a:schemeClr val="dk1"/>
+          </a:lnRef>
+          <a:fillRef idx="1">
+            <a:schemeClr val="lt1"/>
+          </a:fillRef>
+          <a:effectRef idx="0">
+            <a:schemeClr val="dk1"/>
+          </a:effectRef>
+          <a:fontRef idx="minor">
+            <a:schemeClr val="dk1"/>
+          </a:fontRef>
+        </p:style>
+      </p:pic>
+      <p:pic>
+        <p:nvPicPr>
+          <p:cNvPr id="28679" name="Imagem 1">
+            <a:extLst>
+              <a:ext uri="{FF2B5EF4-FFF2-40B4-BE49-F238E27FC236}">
+                <a16:creationId xmlns:a16="http://schemas.microsoft.com/office/drawing/2014/main" id="{6C3404AB-663D-F6E9-D6EB-C54D74A3FAE8}"/>
+              </a:ext>
+            </a:extLst>
+          </p:cNvPr>
+          <p:cNvPicPr>
+            <a:picLocks noChangeAspect="1" noChangeArrowheads="1"/>
+          </p:cNvPicPr>
+          <p:nvPr/>
+        </p:nvPicPr>
+        <p:blipFill>
+          <a:blip r:embed="rId8">
+            <a:extLst>
+              <a:ext uri="{28A0092B-C50C-407E-A947-70E740481C1C}">
+                <a14:useLocalDpi xmlns:a14="http://schemas.microsoft.com/office/drawing/2010/main" val="0"/>
+              </a:ext>
+            </a:extLst>
+          </a:blip>
+          <a:srcRect/>
+          <a:stretch>
+            <a:fillRect/>
+          </a:stretch>
+        </p:blipFill>
+        <p:spPr bwMode="auto">
+          <a:xfrm>
+            <a:off x="1470518" y="5414095"/>
+            <a:ext cx="9062804" cy="622080"/>
+          </a:xfrm>
+          <a:prstGeom prst="rect">
+            <a:avLst/>
+          </a:prstGeom>
+          <a:ln/>
+        </p:spPr>
+        <p:style>
+          <a:lnRef idx="2">
+            <a:schemeClr val="dk1"/>
+          </a:lnRef>
+          <a:fillRef idx="1">
+            <a:schemeClr val="lt1"/>
+          </a:fillRef>
+          <a:effectRef idx="0">
+            <a:schemeClr val="dk1"/>
+          </a:effectRef>
+          <a:fontRef idx="minor">
+            <a:schemeClr val="dk1"/>
+          </a:fontRef>
+        </p:style>
+      </p:pic>
+    </p:spTree>
+    <p:extLst>
+      <p:ext uri="{BB962C8B-B14F-4D97-AF65-F5344CB8AC3E}">
+        <p14:creationId xmlns:p14="http://schemas.microsoft.com/office/powerpoint/2010/main" val="2028742181"/>
+      </p:ext>
+    </p:extLst>
+  </p:cSld>
+  <p:clrMapOvr>
+    <a:masterClrMapping/>
+  </p:clrMapOvr>
+</p:sld>
+</file>
+
+<file path=ppt/slides/slide55.xml><?xml version="1.0" encoding="utf-8"?>
+<p:sld xmlns:a="http://schemas.openxmlformats.org/drawingml/2006/main" xmlns:r="http://schemas.openxmlformats.org/officeDocument/2006/relationships" xmlns:p="http://schemas.openxmlformats.org/presentationml/2006/main" show="0">
+  <p:cSld>
+    <p:spTree>
+      <p:nvGrpSpPr>
+        <p:cNvPr id="1" name="">
+          <a:extLst>
+            <a:ext uri="{FF2B5EF4-FFF2-40B4-BE49-F238E27FC236}">
+              <a16:creationId xmlns:a16="http://schemas.microsoft.com/office/drawing/2014/main" id="{7D1BFCE3-1BDF-1D6C-F933-1388EB673EAF}"/>
+            </a:ext>
+          </a:extLst>
+        </p:cNvPr>
+        <p:cNvGrpSpPr/>
+        <p:nvPr/>
+      </p:nvGrpSpPr>
+      <p:grpSpPr>
+        <a:xfrm>
+          <a:off x="0" y="0"/>
+          <a:ext cx="0" cy="0"/>
+          <a:chOff x="0" y="0"/>
+          <a:chExt cx="0" cy="0"/>
+        </a:xfrm>
+      </p:grpSpPr>
+      <p:sp>
+        <p:nvSpPr>
+          <p:cNvPr id="56" name="PlaceHolder 1">
+            <a:extLst>
+              <a:ext uri="{FF2B5EF4-FFF2-40B4-BE49-F238E27FC236}">
+                <a16:creationId xmlns:a16="http://schemas.microsoft.com/office/drawing/2014/main" id="{AAE76413-2F41-1F41-66FE-A785F1B5DCA0}"/>
+              </a:ext>
+            </a:extLst>
+          </p:cNvPr>
+          <p:cNvSpPr>
+            <a:spLocks noGrp="1"/>
+          </p:cNvSpPr>
+          <p:nvPr>
+            <p:ph type="title"/>
+          </p:nvPr>
+        </p:nvSpPr>
+        <p:spPr>
+          <a:xfrm>
+            <a:off x="1489680" y="208400"/>
+            <a:ext cx="9024480" cy="829544"/>
+          </a:xfrm>
+          <a:prstGeom prst="rect">
+            <a:avLst/>
+          </a:prstGeom>
+          <a:noFill/>
+          <a:ln w="0">
+            <a:noFill/>
+          </a:ln>
+        </p:spPr>
+        <p:txBody>
+          <a:bodyPr lIns="0" tIns="0" rIns="0" bIns="0" anchor="b">
+            <a:noAutofit/>
+          </a:bodyPr>
+          <a:lstStyle/>
+          <a:p>
+            <a:pPr algn="ctr">
+              <a:lnSpc>
+                <a:spcPct val="90000"/>
+              </a:lnSpc>
+              <a:buNone/>
+            </a:pPr>
+            <a:r>
+              <a:rPr lang="pt-PT" sz="4000" b="0" strike="noStrike" spc="-1" dirty="0">
+                <a:solidFill>
+                  <a:srgbClr val="870F11"/>
+                </a:solidFill>
+                <a:latin typeface="Calibri"/>
+              </a:rPr>
+              <a:t>Indexação do Sistema de Dados</a:t>
+            </a:r>
+            <a:endParaRPr lang="en-US" sz="4000" b="0" strike="noStrike" spc="-1" dirty="0">
+              <a:latin typeface="Arial"/>
+            </a:endParaRPr>
+          </a:p>
+        </p:txBody>
+      </p:sp>
+      <p:sp>
+        <p:nvSpPr>
+          <p:cNvPr id="57" name="Retângulo 4">
+            <a:extLst>
+              <a:ext uri="{FF2B5EF4-FFF2-40B4-BE49-F238E27FC236}">
+                <a16:creationId xmlns:a16="http://schemas.microsoft.com/office/drawing/2014/main" id="{8812A488-215D-0E1A-39A6-BD7E5EC20949}"/>
+              </a:ext>
+            </a:extLst>
+          </p:cNvPr>
+          <p:cNvSpPr/>
+          <p:nvPr/>
+        </p:nvSpPr>
+        <p:spPr>
+          <a:xfrm>
+            <a:off x="0" y="6233760"/>
+            <a:ext cx="12189960" cy="622080"/>
+          </a:xfrm>
+          <a:prstGeom prst="rect">
+            <a:avLst/>
+          </a:prstGeom>
+          <a:solidFill>
+            <a:srgbClr val="870F11"/>
+          </a:solidFill>
+          <a:ln>
+            <a:solidFill>
+              <a:srgbClr val="870F11"/>
+            </a:solidFill>
+          </a:ln>
+        </p:spPr>
+        <p:style>
+          <a:lnRef idx="2">
+            <a:schemeClr val="accent1">
+              <a:shade val="50000"/>
+            </a:schemeClr>
+          </a:lnRef>
+          <a:fillRef idx="1">
+            <a:schemeClr val="accent1"/>
+          </a:fillRef>
+          <a:effectRef idx="0">
+            <a:schemeClr val="accent1"/>
+          </a:effectRef>
+          <a:fontRef idx="minor"/>
+        </p:style>
+        <p:txBody>
+          <a:bodyPr/>
+          <a:lstStyle/>
+          <a:p>
+            <a:endParaRPr lang="pt-PT"/>
+          </a:p>
+        </p:txBody>
+      </p:sp>
+      <p:pic>
+        <p:nvPicPr>
+          <p:cNvPr id="59" name="Imagem 3">
+            <a:extLst>
+              <a:ext uri="{FF2B5EF4-FFF2-40B4-BE49-F238E27FC236}">
+                <a16:creationId xmlns:a16="http://schemas.microsoft.com/office/drawing/2014/main" id="{5419E048-4629-BBC6-24D7-2E83786AB65A}"/>
+              </a:ext>
+            </a:extLst>
+          </p:cNvPr>
+          <p:cNvPicPr/>
+          <p:nvPr/>
+        </p:nvPicPr>
+        <p:blipFill>
+          <a:blip r:embed="rId2"/>
+          <a:stretch/>
+        </p:blipFill>
+        <p:spPr>
+          <a:xfrm>
+            <a:off x="3240" y="6261480"/>
+            <a:ext cx="1236960" cy="709200"/>
+          </a:xfrm>
+          <a:prstGeom prst="rect">
+            <a:avLst/>
+          </a:prstGeom>
+          <a:ln w="0">
+            <a:noFill/>
+          </a:ln>
+        </p:spPr>
+      </p:pic>
+      <p:sp>
+        <p:nvSpPr>
+          <p:cNvPr id="60" name="CaixaDeTexto 1">
+            <a:extLst>
+              <a:ext uri="{FF2B5EF4-FFF2-40B4-BE49-F238E27FC236}">
+                <a16:creationId xmlns:a16="http://schemas.microsoft.com/office/drawing/2014/main" id="{957464E1-0395-43EE-9754-2C42B56D1737}"/>
+              </a:ext>
+            </a:extLst>
+          </p:cNvPr>
+          <p:cNvSpPr/>
+          <p:nvPr/>
+        </p:nvSpPr>
+        <p:spPr>
+          <a:xfrm>
+            <a:off x="6629400" y="6362640"/>
+            <a:ext cx="5855760" cy="337100"/>
+          </a:xfrm>
+          <a:prstGeom prst="rect">
+            <a:avLst/>
+          </a:prstGeom>
+          <a:noFill/>
+          <a:ln w="0">
+            <a:noFill/>
+          </a:ln>
+        </p:spPr>
+        <p:style>
+          <a:lnRef idx="0">
+            <a:scrgbClr r="0" g="0" b="0"/>
+          </a:lnRef>
+          <a:fillRef idx="0">
+            <a:scrgbClr r="0" g="0" b="0"/>
+          </a:fillRef>
+          <a:effectRef idx="0">
+            <a:scrgbClr r="0" g="0" b="0"/>
+          </a:effectRef>
+          <a:fontRef idx="minor"/>
+        </p:style>
+        <p:txBody>
+          <a:bodyPr vertOverflow="overflow" horzOverflow="overflow" lIns="90000" tIns="45000" rIns="90000" bIns="45000" numCol="1" spcCol="0" anchor="t">
+            <a:spAutoFit/>
+          </a:bodyPr>
+          <a:lstStyle/>
+          <a:p>
+            <a:pPr>
+              <a:lnSpc>
+                <a:spcPct val="100000"/>
+              </a:lnSpc>
+              <a:buNone/>
+            </a:pPr>
+            <a:r>
+              <a:rPr lang="pt-PT" sz="1600" b="0" strike="noStrike" spc="-1" dirty="0">
+                <a:solidFill>
+                  <a:srgbClr val="FFFFFF"/>
+                </a:solidFill>
+                <a:latin typeface="Calibri"/>
+                <a:ea typeface="DejaVu Sans"/>
+              </a:rPr>
+              <a:t>Bases de Dados – Jogos Olímpicos   |   Parte 2 - Grupo 8</a:t>
+            </a:r>
+            <a:endParaRPr lang="en-US" sz="1600" b="0" strike="noStrike" spc="-1" dirty="0">
+              <a:latin typeface="Arial"/>
+            </a:endParaRPr>
+          </a:p>
+        </p:txBody>
+      </p:sp>
+      <p:sp>
+        <p:nvSpPr>
+          <p:cNvPr id="3" name="CaixaDeTexto 2">
+            <a:extLst>
+              <a:ext uri="{FF2B5EF4-FFF2-40B4-BE49-F238E27FC236}">
+                <a16:creationId xmlns:a16="http://schemas.microsoft.com/office/drawing/2014/main" id="{621438F7-3D2C-134A-8D84-59F17E87C209}"/>
+              </a:ext>
+            </a:extLst>
+          </p:cNvPr>
+          <p:cNvSpPr txBox="1"/>
+          <p:nvPr/>
+        </p:nvSpPr>
+        <p:spPr>
+          <a:xfrm>
+            <a:off x="224858" y="1112550"/>
+            <a:ext cx="11740243" cy="5121210"/>
+          </a:xfrm>
+          <a:prstGeom prst="rect">
+            <a:avLst/>
+          </a:prstGeom>
+          <a:noFill/>
+        </p:spPr>
+        <p:txBody>
+          <a:bodyPr wrap="square">
+            <a:spAutoFit/>
+          </a:bodyPr>
+          <a:lstStyle/>
+          <a:p>
+            <a:pPr algn="just">
+              <a:lnSpc>
+                <a:spcPct val="150000"/>
+              </a:lnSpc>
+            </a:pPr>
+            <a:r>
+              <a:rPr lang="pt-PT" sz="2000" dirty="0">
+                <a:effectLst/>
+                <a:latin typeface="Consolas" panose="020B0609020204030204" pitchFamily="49" charset="0"/>
+                <a:ea typeface="Times New Roman" panose="02020603050405020304" pitchFamily="18" charset="0"/>
+              </a:rPr>
+              <a:t>A criação destes índices é justificada por três motivos principais:</a:t>
+            </a:r>
+          </a:p>
+          <a:p>
+            <a:pPr marL="342900" lvl="0" indent="-342900" algn="just">
+              <a:lnSpc>
+                <a:spcPct val="150000"/>
+              </a:lnSpc>
+              <a:buFont typeface="+mj-lt"/>
+              <a:buAutoNum type="arabicPeriod"/>
+              <a:tabLst>
+                <a:tab pos="252095" algn="l"/>
+              </a:tabLst>
+            </a:pPr>
+            <a:r>
+              <a:rPr lang="pt-PT" sz="2000" b="1" dirty="0">
+                <a:effectLst/>
+                <a:latin typeface="Consolas" panose="020B0609020204030204" pitchFamily="49" charset="0"/>
+                <a:ea typeface="Times New Roman" panose="02020603050405020304" pitchFamily="18" charset="0"/>
+              </a:rPr>
+              <a:t>Melhoria do desempenho nas consultas: </a:t>
+            </a:r>
+            <a:r>
+              <a:rPr lang="pt-PT" sz="2000" dirty="0">
+                <a:effectLst/>
+                <a:latin typeface="Consolas" panose="020B0609020204030204" pitchFamily="49" charset="0"/>
+                <a:ea typeface="Times New Roman" panose="02020603050405020304" pitchFamily="18" charset="0"/>
+              </a:rPr>
+              <a:t>Os índices permitem localizar rapidamente os registos necessários, garantindo tempos de resposta mais curtos em operações de leitura.</a:t>
+            </a:r>
+          </a:p>
+          <a:p>
+            <a:pPr marL="342900" lvl="0" indent="-342900" algn="just">
+              <a:lnSpc>
+                <a:spcPct val="150000"/>
+              </a:lnSpc>
+              <a:buFont typeface="+mj-lt"/>
+              <a:buAutoNum type="arabicPeriod"/>
+              <a:tabLst>
+                <a:tab pos="252095" algn="l"/>
+              </a:tabLst>
+            </a:pPr>
+            <a:r>
+              <a:rPr lang="pt-PT" sz="2000" b="1" dirty="0">
+                <a:effectLst/>
+                <a:latin typeface="Consolas" panose="020B0609020204030204" pitchFamily="49" charset="0"/>
+                <a:ea typeface="Times New Roman" panose="02020603050405020304" pitchFamily="18" charset="0"/>
+              </a:rPr>
+              <a:t>Redução do processamento desnecessário:</a:t>
+            </a:r>
+            <a:r>
+              <a:rPr lang="pt-PT" sz="2000" dirty="0">
+                <a:effectLst/>
+                <a:latin typeface="Consolas" panose="020B0609020204030204" pitchFamily="49" charset="0"/>
+                <a:ea typeface="Times New Roman" panose="02020603050405020304" pitchFamily="18" charset="0"/>
+              </a:rPr>
+              <a:t> Com índices, o sistema pode aceder diretamente aos registos relevantes, evitando a necessidade de percorrer toda a tabela.</a:t>
+            </a:r>
+          </a:p>
+          <a:p>
+            <a:pPr marL="342900" lvl="0" indent="-342900" algn="just">
+              <a:lnSpc>
+                <a:spcPct val="150000"/>
+              </a:lnSpc>
+              <a:buFont typeface="+mj-lt"/>
+              <a:buAutoNum type="arabicPeriod"/>
+              <a:tabLst>
+                <a:tab pos="252095" algn="l"/>
+              </a:tabLst>
+            </a:pPr>
+            <a:r>
+              <a:rPr lang="pt-PT" sz="2000" b="1" dirty="0">
+                <a:effectLst/>
+                <a:latin typeface="Consolas" panose="020B0609020204030204" pitchFamily="49" charset="0"/>
+                <a:ea typeface="Times New Roman" panose="02020603050405020304" pitchFamily="18" charset="0"/>
+              </a:rPr>
+              <a:t>Escalabilidade do sistema:</a:t>
+            </a:r>
+            <a:r>
+              <a:rPr lang="pt-PT" sz="2000" dirty="0">
+                <a:effectLst/>
+                <a:latin typeface="Consolas" panose="020B0609020204030204" pitchFamily="49" charset="0"/>
+                <a:ea typeface="Times New Roman" panose="02020603050405020304" pitchFamily="18" charset="0"/>
+              </a:rPr>
+              <a:t> Embora o volume de dados vá crescer consideravelmente (1200% em quatro anos), o crescimento é previsível e </a:t>
+            </a:r>
+            <a:r>
+              <a:rPr lang="pt-PT" sz="2000" dirty="0" err="1">
+                <a:effectLst/>
+                <a:latin typeface="Consolas" panose="020B0609020204030204" pitchFamily="49" charset="0"/>
+                <a:ea typeface="Times New Roman" panose="02020603050405020304" pitchFamily="18" charset="0"/>
+              </a:rPr>
+              <a:t>gerenciável</a:t>
+            </a:r>
+            <a:r>
+              <a:rPr lang="pt-PT" sz="2000" dirty="0">
+                <a:effectLst/>
+                <a:latin typeface="Consolas" panose="020B0609020204030204" pitchFamily="49" charset="0"/>
+                <a:ea typeface="Times New Roman" panose="02020603050405020304" pitchFamily="18" charset="0"/>
+              </a:rPr>
+              <a:t> devido à estrutura e restrições do sistema. O uso de índices garante que, mesmo com esse aumento, as operações de consulta permaneçam eficientes.</a:t>
+            </a:r>
+          </a:p>
+        </p:txBody>
+      </p:sp>
+    </p:spTree>
+    <p:extLst>
+      <p:ext uri="{BB962C8B-B14F-4D97-AF65-F5344CB8AC3E}">
+        <p14:creationId xmlns:p14="http://schemas.microsoft.com/office/powerpoint/2010/main" val="403561794"/>
+      </p:ext>
+    </p:extLst>
+  </p:cSld>
+  <p:clrMapOvr>
+    <a:masterClrMapping/>
+  </p:clrMapOvr>
+</p:sld>
+</file>
+
+<file path=ppt/slides/slide56.xml><?xml version="1.0" encoding="utf-8"?>
+<p:sld xmlns:a="http://schemas.openxmlformats.org/drawingml/2006/main" xmlns:r="http://schemas.openxmlformats.org/officeDocument/2006/relationships" xmlns:p="http://schemas.openxmlformats.org/presentationml/2006/main" show="0">
+  <p:cSld>
+    <p:spTree>
+      <p:nvGrpSpPr>
+        <p:cNvPr id="1" name="">
+          <a:extLst>
+            <a:ext uri="{FF2B5EF4-FFF2-40B4-BE49-F238E27FC236}">
+              <a16:creationId xmlns:a16="http://schemas.microsoft.com/office/drawing/2014/main" id="{1206EB69-CED1-25B9-7C36-3B513C18E6CC}"/>
+            </a:ext>
+          </a:extLst>
+        </p:cNvPr>
+        <p:cNvGrpSpPr/>
+        <p:nvPr/>
+      </p:nvGrpSpPr>
+      <p:grpSpPr>
+        <a:xfrm>
+          <a:off x="0" y="0"/>
+          <a:ext cx="0" cy="0"/>
+          <a:chOff x="0" y="0"/>
+          <a:chExt cx="0" cy="0"/>
+        </a:xfrm>
+      </p:grpSpPr>
+      <p:sp>
+        <p:nvSpPr>
+          <p:cNvPr id="56" name="PlaceHolder 1">
+            <a:extLst>
+              <a:ext uri="{FF2B5EF4-FFF2-40B4-BE49-F238E27FC236}">
+                <a16:creationId xmlns:a16="http://schemas.microsoft.com/office/drawing/2014/main" id="{F970B91A-8349-B827-3A37-BD07D4FF8AC6}"/>
+              </a:ext>
+            </a:extLst>
+          </p:cNvPr>
+          <p:cNvSpPr>
+            <a:spLocks noGrp="1"/>
+          </p:cNvSpPr>
+          <p:nvPr>
+            <p:ph type="title"/>
+          </p:nvPr>
+        </p:nvSpPr>
+        <p:spPr>
+          <a:xfrm>
+            <a:off x="1489680" y="208400"/>
+            <a:ext cx="9024480" cy="829544"/>
+          </a:xfrm>
+          <a:prstGeom prst="rect">
+            <a:avLst/>
+          </a:prstGeom>
+          <a:noFill/>
+          <a:ln w="0">
+            <a:noFill/>
+          </a:ln>
+        </p:spPr>
+        <p:txBody>
+          <a:bodyPr lIns="0" tIns="0" rIns="0" bIns="0" anchor="b">
+            <a:noAutofit/>
+          </a:bodyPr>
+          <a:lstStyle/>
+          <a:p>
+            <a:pPr algn="ctr">
+              <a:lnSpc>
+                <a:spcPct val="90000"/>
+              </a:lnSpc>
+              <a:buNone/>
+            </a:pPr>
+            <a:r>
+              <a:rPr lang="pt-PT" sz="4000" b="0" strike="noStrike" spc="-1" dirty="0">
+                <a:solidFill>
+                  <a:srgbClr val="870F11"/>
+                </a:solidFill>
+                <a:latin typeface="Calibri"/>
+              </a:rPr>
+              <a:t>Indexação do Sistema de Dados</a:t>
+            </a:r>
+            <a:endParaRPr lang="en-US" sz="4000" b="0" strike="noStrike" spc="-1" dirty="0">
+              <a:latin typeface="Arial"/>
+            </a:endParaRPr>
+          </a:p>
+        </p:txBody>
+      </p:sp>
+      <p:sp>
+        <p:nvSpPr>
+          <p:cNvPr id="57" name="Retângulo 4">
+            <a:extLst>
+              <a:ext uri="{FF2B5EF4-FFF2-40B4-BE49-F238E27FC236}">
+                <a16:creationId xmlns:a16="http://schemas.microsoft.com/office/drawing/2014/main" id="{EDF9E02C-9C99-99BB-F9A6-AFD85C68E678}"/>
+              </a:ext>
+            </a:extLst>
+          </p:cNvPr>
+          <p:cNvSpPr/>
+          <p:nvPr/>
+        </p:nvSpPr>
+        <p:spPr>
+          <a:xfrm>
+            <a:off x="0" y="6233760"/>
+            <a:ext cx="12189960" cy="622080"/>
+          </a:xfrm>
+          <a:prstGeom prst="rect">
+            <a:avLst/>
+          </a:prstGeom>
+          <a:solidFill>
+            <a:srgbClr val="870F11"/>
+          </a:solidFill>
+          <a:ln>
+            <a:solidFill>
+              <a:srgbClr val="870F11"/>
+            </a:solidFill>
+          </a:ln>
+        </p:spPr>
+        <p:style>
+          <a:lnRef idx="2">
+            <a:schemeClr val="accent1">
+              <a:shade val="50000"/>
+            </a:schemeClr>
+          </a:lnRef>
+          <a:fillRef idx="1">
+            <a:schemeClr val="accent1"/>
+          </a:fillRef>
+          <a:effectRef idx="0">
+            <a:schemeClr val="accent1"/>
+          </a:effectRef>
+          <a:fontRef idx="minor"/>
+        </p:style>
+        <p:txBody>
+          <a:bodyPr/>
+          <a:lstStyle/>
+          <a:p>
+            <a:endParaRPr lang="pt-PT"/>
+          </a:p>
+        </p:txBody>
+      </p:sp>
+      <p:pic>
+        <p:nvPicPr>
+          <p:cNvPr id="59" name="Imagem 3">
+            <a:extLst>
+              <a:ext uri="{FF2B5EF4-FFF2-40B4-BE49-F238E27FC236}">
+                <a16:creationId xmlns:a16="http://schemas.microsoft.com/office/drawing/2014/main" id="{5384A989-909A-5620-0D12-874FB5EBAE06}"/>
+              </a:ext>
+            </a:extLst>
+          </p:cNvPr>
+          <p:cNvPicPr/>
+          <p:nvPr/>
+        </p:nvPicPr>
+        <p:blipFill>
+          <a:blip r:embed="rId2"/>
+          <a:stretch/>
+        </p:blipFill>
+        <p:spPr>
+          <a:xfrm>
+            <a:off x="3240" y="6261480"/>
+            <a:ext cx="1236960" cy="709200"/>
+          </a:xfrm>
+          <a:prstGeom prst="rect">
+            <a:avLst/>
+          </a:prstGeom>
+          <a:ln w="0">
+            <a:noFill/>
+          </a:ln>
+        </p:spPr>
+      </p:pic>
+      <p:sp>
+        <p:nvSpPr>
+          <p:cNvPr id="60" name="CaixaDeTexto 1">
+            <a:extLst>
+              <a:ext uri="{FF2B5EF4-FFF2-40B4-BE49-F238E27FC236}">
+                <a16:creationId xmlns:a16="http://schemas.microsoft.com/office/drawing/2014/main" id="{C4BBF83A-7BAD-C1B5-CF06-C36D6D8BA577}"/>
+              </a:ext>
+            </a:extLst>
+          </p:cNvPr>
+          <p:cNvSpPr/>
+          <p:nvPr/>
+        </p:nvSpPr>
+        <p:spPr>
+          <a:xfrm>
+            <a:off x="6629400" y="6362640"/>
+            <a:ext cx="5855760" cy="337100"/>
+          </a:xfrm>
+          <a:prstGeom prst="rect">
+            <a:avLst/>
+          </a:prstGeom>
+          <a:noFill/>
+          <a:ln w="0">
+            <a:noFill/>
+          </a:ln>
+        </p:spPr>
+        <p:style>
+          <a:lnRef idx="0">
+            <a:scrgbClr r="0" g="0" b="0"/>
+          </a:lnRef>
+          <a:fillRef idx="0">
+            <a:scrgbClr r="0" g="0" b="0"/>
+          </a:fillRef>
+          <a:effectRef idx="0">
+            <a:scrgbClr r="0" g="0" b="0"/>
+          </a:effectRef>
+          <a:fontRef idx="minor"/>
+        </p:style>
+        <p:txBody>
+          <a:bodyPr vertOverflow="overflow" horzOverflow="overflow" lIns="90000" tIns="45000" rIns="90000" bIns="45000" numCol="1" spcCol="0" anchor="t">
+            <a:spAutoFit/>
+          </a:bodyPr>
+          <a:lstStyle/>
+          <a:p>
+            <a:pPr>
+              <a:lnSpc>
+                <a:spcPct val="100000"/>
+              </a:lnSpc>
+              <a:buNone/>
+            </a:pPr>
+            <a:r>
+              <a:rPr lang="pt-PT" sz="1600" b="0" strike="noStrike" spc="-1" dirty="0">
+                <a:solidFill>
+                  <a:srgbClr val="FFFFFF"/>
+                </a:solidFill>
+                <a:latin typeface="Calibri"/>
+                <a:ea typeface="DejaVu Sans"/>
+              </a:rPr>
+              <a:t>Bases de Dados – Jogos Olímpicos   |   Parte 2 - Grupo 8</a:t>
+            </a:r>
+            <a:endParaRPr lang="en-US" sz="1600" b="0" strike="noStrike" spc="-1" dirty="0">
+              <a:latin typeface="Arial"/>
+            </a:endParaRPr>
+          </a:p>
+        </p:txBody>
+      </p:sp>
+      <p:sp>
+        <p:nvSpPr>
+          <p:cNvPr id="3" name="CaixaDeTexto 2">
+            <a:extLst>
+              <a:ext uri="{FF2B5EF4-FFF2-40B4-BE49-F238E27FC236}">
+                <a16:creationId xmlns:a16="http://schemas.microsoft.com/office/drawing/2014/main" id="{E11A3B48-E444-92A2-BDCF-14159D1C52B9}"/>
+              </a:ext>
+            </a:extLst>
+          </p:cNvPr>
+          <p:cNvSpPr txBox="1"/>
+          <p:nvPr/>
+        </p:nvSpPr>
+        <p:spPr>
+          <a:xfrm>
+            <a:off x="2061823" y="1791724"/>
+            <a:ext cx="8066314" cy="3274551"/>
+          </a:xfrm>
+          <a:prstGeom prst="rect">
+            <a:avLst/>
+          </a:prstGeom>
+          <a:noFill/>
+        </p:spPr>
+        <p:txBody>
+          <a:bodyPr wrap="square">
+            <a:spAutoFit/>
+          </a:bodyPr>
+          <a:lstStyle/>
+          <a:p>
+            <a:pPr algn="just">
+              <a:lnSpc>
+                <a:spcPct val="150000"/>
+              </a:lnSpc>
+            </a:pPr>
+            <a:r>
+              <a:rPr lang="pt-PT" sz="2000" dirty="0">
+                <a:effectLst/>
+                <a:latin typeface="Consolas" panose="020B0609020204030204" pitchFamily="49" charset="0"/>
+                <a:ea typeface="Times New Roman" panose="02020603050405020304" pitchFamily="18" charset="0"/>
+              </a:rPr>
+              <a:t>No contexto do sistema, os índices foram aplicados estrategicamente para alinhar-se com os padrões de uso previstos, assegurando que o desempenho da base de dados seja otimizado. É importante notar que não foi necessário criar índices para chaves primárias, pois estas são automaticamente indexadas no momento da sua definição.</a:t>
+            </a:r>
+            <a:endParaRPr lang="pt-PT" sz="2000" dirty="0">
+              <a:latin typeface="Consolas" panose="020B0609020204030204" pitchFamily="49" charset="0"/>
+            </a:endParaRPr>
+          </a:p>
+        </p:txBody>
+      </p:sp>
+    </p:spTree>
+    <p:extLst>
+      <p:ext uri="{BB962C8B-B14F-4D97-AF65-F5344CB8AC3E}">
+        <p14:creationId xmlns:p14="http://schemas.microsoft.com/office/powerpoint/2010/main" val="2279883036"/>
+      </p:ext>
+    </p:extLst>
+  </p:cSld>
+  <p:clrMapOvr>
+    <a:masterClrMapping/>
+  </p:clrMapOvr>
+</p:sld>
+</file>
+
+<file path=ppt/slides/slide57.xml><?xml version="1.0" encoding="utf-8"?>
+<p:sld xmlns:a="http://schemas.openxmlformats.org/drawingml/2006/main" xmlns:r="http://schemas.openxmlformats.org/officeDocument/2006/relationships" xmlns:p="http://schemas.openxmlformats.org/presentationml/2006/main" show="0">
+  <p:cSld>
+    <p:spTree>
+      <p:nvGrpSpPr>
+        <p:cNvPr id="1" name="">
+          <a:extLst>
+            <a:ext uri="{FF2B5EF4-FFF2-40B4-BE49-F238E27FC236}">
+              <a16:creationId xmlns:a16="http://schemas.microsoft.com/office/drawing/2014/main" id="{AA43F1EF-7E32-E420-92BE-D87CA29040FA}"/>
+            </a:ext>
+          </a:extLst>
+        </p:cNvPr>
+        <p:cNvGrpSpPr/>
+        <p:nvPr/>
+      </p:nvGrpSpPr>
+      <p:grpSpPr>
+        <a:xfrm>
+          <a:off x="0" y="0"/>
+          <a:ext cx="0" cy="0"/>
+          <a:chOff x="0" y="0"/>
+          <a:chExt cx="0" cy="0"/>
+        </a:xfrm>
+      </p:grpSpPr>
+      <p:sp>
+        <p:nvSpPr>
+          <p:cNvPr id="56" name="PlaceHolder 1">
+            <a:extLst>
+              <a:ext uri="{FF2B5EF4-FFF2-40B4-BE49-F238E27FC236}">
+                <a16:creationId xmlns:a16="http://schemas.microsoft.com/office/drawing/2014/main" id="{DCA2862B-C29F-1805-25ED-6D50B306BFDC}"/>
+              </a:ext>
+            </a:extLst>
+          </p:cNvPr>
+          <p:cNvSpPr>
+            <a:spLocks noGrp="1"/>
+          </p:cNvSpPr>
+          <p:nvPr>
+            <p:ph type="title"/>
+          </p:nvPr>
+        </p:nvSpPr>
+        <p:spPr>
+          <a:xfrm>
+            <a:off x="1489680" y="208400"/>
+            <a:ext cx="9024480" cy="829544"/>
+          </a:xfrm>
+          <a:prstGeom prst="rect">
+            <a:avLst/>
+          </a:prstGeom>
+          <a:noFill/>
+          <a:ln w="0">
+            <a:noFill/>
+          </a:ln>
+        </p:spPr>
+        <p:txBody>
+          <a:bodyPr lIns="0" tIns="0" rIns="0" bIns="0" anchor="b">
+            <a:noAutofit/>
+          </a:bodyPr>
+          <a:lstStyle/>
+          <a:p>
+            <a:pPr algn="ctr">
+              <a:lnSpc>
+                <a:spcPct val="90000"/>
+              </a:lnSpc>
+              <a:buNone/>
+            </a:pPr>
+            <a:r>
+              <a:rPr lang="pt-PT" sz="4000" b="0" strike="noStrike" spc="-1">
+                <a:solidFill>
+                  <a:srgbClr val="870F11"/>
+                </a:solidFill>
+                <a:latin typeface="Calibri"/>
+              </a:rPr>
+              <a:t>Procedimentos Implementados</a:t>
+            </a:r>
+            <a:endParaRPr lang="en-US" sz="4000" b="0" strike="noStrike" spc="-1" dirty="0">
+              <a:latin typeface="Arial"/>
+            </a:endParaRPr>
+          </a:p>
+        </p:txBody>
+      </p:sp>
+      <p:sp>
+        <p:nvSpPr>
+          <p:cNvPr id="57" name="Retângulo 4">
+            <a:extLst>
+              <a:ext uri="{FF2B5EF4-FFF2-40B4-BE49-F238E27FC236}">
+                <a16:creationId xmlns:a16="http://schemas.microsoft.com/office/drawing/2014/main" id="{9909AC49-A72C-8E1B-FD3B-F65DB5541743}"/>
+              </a:ext>
+            </a:extLst>
+          </p:cNvPr>
+          <p:cNvSpPr/>
+          <p:nvPr/>
+        </p:nvSpPr>
+        <p:spPr>
+          <a:xfrm>
+            <a:off x="0" y="6233760"/>
+            <a:ext cx="12189960" cy="622080"/>
+          </a:xfrm>
+          <a:prstGeom prst="rect">
+            <a:avLst/>
+          </a:prstGeom>
+          <a:solidFill>
+            <a:srgbClr val="870F11"/>
+          </a:solidFill>
+          <a:ln>
+            <a:solidFill>
+              <a:srgbClr val="870F11"/>
+            </a:solidFill>
+          </a:ln>
+        </p:spPr>
+        <p:style>
+          <a:lnRef idx="2">
+            <a:schemeClr val="accent1">
+              <a:shade val="50000"/>
+            </a:schemeClr>
+          </a:lnRef>
+          <a:fillRef idx="1">
+            <a:schemeClr val="accent1"/>
+          </a:fillRef>
+          <a:effectRef idx="0">
+            <a:schemeClr val="accent1"/>
+          </a:effectRef>
+          <a:fontRef idx="minor"/>
+        </p:style>
+        <p:txBody>
+          <a:bodyPr/>
+          <a:lstStyle/>
+          <a:p>
+            <a:endParaRPr lang="pt-PT"/>
+          </a:p>
+        </p:txBody>
+      </p:sp>
+      <p:pic>
+        <p:nvPicPr>
+          <p:cNvPr id="59" name="Imagem 3">
+            <a:extLst>
+              <a:ext uri="{FF2B5EF4-FFF2-40B4-BE49-F238E27FC236}">
+                <a16:creationId xmlns:a16="http://schemas.microsoft.com/office/drawing/2014/main" id="{B9521D03-E2E6-457B-4D96-987B320D296E}"/>
+              </a:ext>
+            </a:extLst>
+          </p:cNvPr>
+          <p:cNvPicPr/>
+          <p:nvPr/>
+        </p:nvPicPr>
+        <p:blipFill>
+          <a:blip r:embed="rId2"/>
+          <a:stretch/>
+        </p:blipFill>
+        <p:spPr>
+          <a:xfrm>
+            <a:off x="3240" y="6261480"/>
+            <a:ext cx="1236960" cy="709200"/>
+          </a:xfrm>
+          <a:prstGeom prst="rect">
+            <a:avLst/>
+          </a:prstGeom>
+          <a:ln w="0">
+            <a:noFill/>
+          </a:ln>
+        </p:spPr>
+      </p:pic>
+      <p:sp>
+        <p:nvSpPr>
+          <p:cNvPr id="60" name="CaixaDeTexto 1">
+            <a:extLst>
+              <a:ext uri="{FF2B5EF4-FFF2-40B4-BE49-F238E27FC236}">
+                <a16:creationId xmlns:a16="http://schemas.microsoft.com/office/drawing/2014/main" id="{BA875166-9CB6-EDE2-4EA2-7776EC6BC7E2}"/>
+              </a:ext>
+            </a:extLst>
+          </p:cNvPr>
+          <p:cNvSpPr/>
+          <p:nvPr/>
+        </p:nvSpPr>
+        <p:spPr>
+          <a:xfrm>
+            <a:off x="6629400" y="6362640"/>
+            <a:ext cx="5855760" cy="337100"/>
+          </a:xfrm>
+          <a:prstGeom prst="rect">
+            <a:avLst/>
+          </a:prstGeom>
+          <a:noFill/>
+          <a:ln w="0">
+            <a:noFill/>
+          </a:ln>
+        </p:spPr>
+        <p:style>
+          <a:lnRef idx="0">
+            <a:scrgbClr r="0" g="0" b="0"/>
+          </a:lnRef>
+          <a:fillRef idx="0">
+            <a:scrgbClr r="0" g="0" b="0"/>
+          </a:fillRef>
+          <a:effectRef idx="0">
+            <a:scrgbClr r="0" g="0" b="0"/>
+          </a:effectRef>
+          <a:fontRef idx="minor"/>
+        </p:style>
+        <p:txBody>
+          <a:bodyPr vertOverflow="overflow" horzOverflow="overflow" lIns="90000" tIns="45000" rIns="90000" bIns="45000" numCol="1" spcCol="0" anchor="t">
+            <a:spAutoFit/>
+          </a:bodyPr>
+          <a:lstStyle/>
+          <a:p>
+            <a:pPr>
+              <a:lnSpc>
+                <a:spcPct val="100000"/>
+              </a:lnSpc>
+              <a:buNone/>
+            </a:pPr>
+            <a:r>
+              <a:rPr lang="pt-PT" sz="1600" b="0" strike="noStrike" spc="-1" dirty="0">
+                <a:solidFill>
+                  <a:srgbClr val="FFFFFF"/>
+                </a:solidFill>
+                <a:latin typeface="Calibri"/>
+                <a:ea typeface="DejaVu Sans"/>
+              </a:rPr>
+              <a:t>Bases de Dados – Jogos Olímpicos   |   Parte 2 - Grupo 8</a:t>
+            </a:r>
+            <a:endParaRPr lang="en-US" sz="1600" b="0" strike="noStrike" spc="-1" dirty="0">
+              <a:latin typeface="Arial"/>
+            </a:endParaRPr>
+          </a:p>
+        </p:txBody>
+      </p:sp>
+    </p:spTree>
+    <p:extLst>
+      <p:ext uri="{BB962C8B-B14F-4D97-AF65-F5344CB8AC3E}">
+        <p14:creationId xmlns:p14="http://schemas.microsoft.com/office/powerpoint/2010/main" val="4204355002"/>
+      </p:ext>
+    </p:extLst>
+  </p:cSld>
+  <p:clrMapOvr>
+    <a:masterClrMapping/>
+  </p:clrMapOvr>
+</p:sld>
+</file>
+
+<file path=ppt/slides/slide58.xml><?xml version="1.0" encoding="utf-8"?>
 <p:sld xmlns:a="http://schemas.openxmlformats.org/drawingml/2006/main" xmlns:r="http://schemas.openxmlformats.org/officeDocument/2006/relationships" xmlns:p="http://schemas.openxmlformats.org/presentationml/2006/main" show="0">
   <p:cSld>
     <p:spTree>

--- a/BD_TPgr8-pt2.pptx
+++ b/BD_TPgr8-pt2.pptx
@@ -5,7 +5,7 @@
     <p:sldMasterId id="2147483648" r:id="rId1"/>
   </p:sldMasterIdLst>
   <p:notesMasterIdLst>
-    <p:notesMasterId r:id="rId60"/>
+    <p:notesMasterId r:id="rId68"/>
   </p:notesMasterIdLst>
   <p:sldIdLst>
     <p:sldId id="256" r:id="rId2"/>
@@ -65,7 +65,15 @@
     <p:sldId id="312" r:id="rId56"/>
     <p:sldId id="313" r:id="rId57"/>
     <p:sldId id="315" r:id="rId58"/>
-    <p:sldId id="269" r:id="rId59"/>
+    <p:sldId id="318" r:id="rId59"/>
+    <p:sldId id="317" r:id="rId60"/>
+    <p:sldId id="319" r:id="rId61"/>
+    <p:sldId id="320" r:id="rId62"/>
+    <p:sldId id="321" r:id="rId63"/>
+    <p:sldId id="323" r:id="rId64"/>
+    <p:sldId id="322" r:id="rId65"/>
+    <p:sldId id="269" r:id="rId66"/>
+    <p:sldId id="324" r:id="rId67"/>
   </p:sldIdLst>
   <p:sldSz cx="12192000" cy="6858000"/>
   <p:notesSz cx="7772400" cy="10058400"/>
@@ -26324,7 +26332,7 @@
         </p:nvSpPr>
         <p:spPr>
           <a:xfrm>
-            <a:off x="1489680" y="208400"/>
+            <a:off x="1489680" y="624240"/>
             <a:ext cx="9024480" cy="829544"/>
           </a:xfrm>
           <a:prstGeom prst="rect">
@@ -26348,7 +26356,7 @@
               <a:buNone/>
             </a:pPr>
             <a:r>
-              <a:rPr lang="pt-PT" sz="4000" b="0" strike="noStrike" spc="-1">
+              <a:rPr lang="pt-PT" sz="4000" b="0" strike="noStrike" spc="-1" dirty="0">
                 <a:solidFill>
                   <a:srgbClr val="870F11"/>
                 </a:solidFill>
@@ -26503,6 +26511,53 @@
             </a:r>
             <a:endParaRPr lang="en-US" sz="1600" b="0" strike="noStrike" spc="-1" dirty="0">
               <a:latin typeface="Arial"/>
+            </a:endParaRPr>
+          </a:p>
+        </p:txBody>
+      </p:sp>
+      <p:sp>
+        <p:nvSpPr>
+          <p:cNvPr id="3" name="CaixaDeTexto 2">
+            <a:extLst>
+              <a:ext uri="{FF2B5EF4-FFF2-40B4-BE49-F238E27FC236}">
+                <a16:creationId xmlns:a16="http://schemas.microsoft.com/office/drawing/2014/main" id="{0D321D28-E086-42B6-48DD-F950E5DEBB0C}"/>
+              </a:ext>
+            </a:extLst>
+          </p:cNvPr>
+          <p:cNvSpPr txBox="1"/>
+          <p:nvPr/>
+        </p:nvSpPr>
+        <p:spPr>
+          <a:xfrm>
+            <a:off x="1489680" y="2484222"/>
+            <a:ext cx="9024480" cy="1889556"/>
+          </a:xfrm>
+          <a:prstGeom prst="rect">
+            <a:avLst/>
+          </a:prstGeom>
+          <a:noFill/>
+        </p:spPr>
+        <p:txBody>
+          <a:bodyPr wrap="square">
+            <a:spAutoFit/>
+          </a:bodyPr>
+          <a:lstStyle/>
+          <a:p>
+            <a:pPr algn="just">
+              <a:lnSpc>
+                <a:spcPct val="150000"/>
+              </a:lnSpc>
+            </a:pPr>
+            <a:r>
+              <a:rPr lang="pt-PT" sz="2000" dirty="0">
+                <a:effectLst/>
+                <a:latin typeface="Consolas" panose="020B0609020204030204" pitchFamily="49" charset="0"/>
+                <a:ea typeface="Times New Roman" panose="02020603050405020304" pitchFamily="18" charset="0"/>
+              </a:rPr>
+              <a:t>	Numa base de dados completa, com diversos usuários utilizando frequentemente, a criação de procedimentos torna-se necessária para garantir o desempenho e, muitas vezes, a segurança da base de dados.</a:t>
+            </a:r>
+            <a:endParaRPr lang="pt-PT" sz="2000" dirty="0">
+              <a:latin typeface="Consolas" panose="020B0609020204030204" pitchFamily="49" charset="0"/>
             </a:endParaRPr>
           </a:p>
         </p:txBody>
@@ -26528,7 +26583,7 @@
         <p:cNvPr id="1" name="">
           <a:extLst>
             <a:ext uri="{FF2B5EF4-FFF2-40B4-BE49-F238E27FC236}">
-              <a16:creationId xmlns:a16="http://schemas.microsoft.com/office/drawing/2014/main" id="{8EA051DF-9370-6E1F-A966-FCFFF3AFAA4E}"/>
+              <a16:creationId xmlns:a16="http://schemas.microsoft.com/office/drawing/2014/main" id="{19C3B320-C744-6CB6-BEFD-8C19E9EAB880}"/>
             </a:ext>
           </a:extLst>
         </p:cNvPr>
@@ -26545,10 +26600,10 @@
       </p:grpSpPr>
       <p:sp>
         <p:nvSpPr>
-          <p:cNvPr id="51" name="PlaceHolder 1">
-            <a:extLst>
-              <a:ext uri="{FF2B5EF4-FFF2-40B4-BE49-F238E27FC236}">
-                <a16:creationId xmlns:a16="http://schemas.microsoft.com/office/drawing/2014/main" id="{F5167765-DEF6-8118-1BA0-EACD0A05728A}"/>
+          <p:cNvPr id="56" name="PlaceHolder 1">
+            <a:extLst>
+              <a:ext uri="{FF2B5EF4-FFF2-40B4-BE49-F238E27FC236}">
+                <a16:creationId xmlns:a16="http://schemas.microsoft.com/office/drawing/2014/main" id="{59076DBE-B972-A7F3-39E5-31FC0FB00750}"/>
               </a:ext>
             </a:extLst>
           </p:cNvPr>
@@ -26561,8 +26616,8 @@
         </p:nvSpPr>
         <p:spPr>
           <a:xfrm>
-            <a:off x="1525680" y="275040"/>
-            <a:ext cx="9141840" cy="1153080"/>
+            <a:off x="1489680" y="624240"/>
+            <a:ext cx="9024480" cy="829544"/>
           </a:xfrm>
           <a:prstGeom prst="rect">
             <a:avLst/>
@@ -26585,16 +26640,15 @@
               <a:buNone/>
             </a:pPr>
             <a:r>
-              <a:rPr lang="pt-PT" sz="4400" b="0" u="sng" strike="noStrike" spc="-1" dirty="0">
+              <a:rPr lang="pt-PT" sz="4000" b="0" strike="noStrike" spc="-1" dirty="0">
                 <a:solidFill>
                   <a:srgbClr val="870F11"/>
                 </a:solidFill>
-                <a:uFillTx/>
                 <a:latin typeface="Calibri"/>
               </a:rPr>
-              <a:t>Conclusão e Trabalho Futuro</a:t>
+              <a:t>Procedimentos Implementados</a:t>
             </a:r>
-            <a:endParaRPr lang="en-US" sz="4400" b="0" strike="noStrike" spc="-1" dirty="0">
+            <a:endParaRPr lang="en-US" sz="4000" b="0" strike="noStrike" spc="-1" dirty="0">
               <a:latin typeface="Arial"/>
             </a:endParaRPr>
           </a:p>
@@ -26602,10 +26656,10 @@
       </p:sp>
       <p:sp>
         <p:nvSpPr>
-          <p:cNvPr id="52" name="Retângulo 4">
-            <a:extLst>
-              <a:ext uri="{FF2B5EF4-FFF2-40B4-BE49-F238E27FC236}">
-                <a16:creationId xmlns:a16="http://schemas.microsoft.com/office/drawing/2014/main" id="{69301A0B-E77F-3789-C9E4-6579746AE1F2}"/>
+          <p:cNvPr id="57" name="Retângulo 4">
+            <a:extLst>
+              <a:ext uri="{FF2B5EF4-FFF2-40B4-BE49-F238E27FC236}">
+                <a16:creationId xmlns:a16="http://schemas.microsoft.com/office/drawing/2014/main" id="{3B61B321-1784-E757-E1A0-FDEB67AF8F6C}"/>
               </a:ext>
             </a:extLst>
           </p:cNvPr>
@@ -26651,100 +26705,12 @@
           </a:p>
         </p:txBody>
       </p:sp>
-      <p:sp>
-        <p:nvSpPr>
-          <p:cNvPr id="53" name="CaixaDeTexto 5">
-            <a:extLst>
-              <a:ext uri="{FF2B5EF4-FFF2-40B4-BE49-F238E27FC236}">
-                <a16:creationId xmlns:a16="http://schemas.microsoft.com/office/drawing/2014/main" id="{9627A777-B39B-0638-8DF6-212D4B3F7B50}"/>
-              </a:ext>
-            </a:extLst>
-          </p:cNvPr>
-          <p:cNvSpPr/>
-          <p:nvPr/>
-        </p:nvSpPr>
-        <p:spPr>
-          <a:xfrm>
-            <a:off x="1814400" y="1845720"/>
-            <a:ext cx="6792840" cy="1598984"/>
-          </a:xfrm>
-          <a:prstGeom prst="rect">
-            <a:avLst/>
-          </a:prstGeom>
-          <a:noFill/>
-          <a:ln w="0">
-            <a:noFill/>
-          </a:ln>
-        </p:spPr>
-        <p:style>
-          <a:lnRef idx="0">
-            <a:scrgbClr r="0" g="0" b="0"/>
-          </a:lnRef>
-          <a:fillRef idx="0">
-            <a:scrgbClr r="0" g="0" b="0"/>
-          </a:fillRef>
-          <a:effectRef idx="0">
-            <a:scrgbClr r="0" g="0" b="0"/>
-          </a:effectRef>
-          <a:fontRef idx="minor"/>
-        </p:style>
-        <p:txBody>
-          <a:bodyPr vertOverflow="overflow" horzOverflow="overflow" lIns="90000" tIns="45000" rIns="90000" bIns="45000" numCol="1" spcCol="0" anchor="t">
-            <a:spAutoFit/>
-          </a:bodyPr>
-          <a:lstStyle/>
-          <a:p>
-            <a:pPr>
-              <a:lnSpc>
-                <a:spcPct val="150000"/>
-              </a:lnSpc>
-              <a:buNone/>
-            </a:pPr>
-            <a:endParaRPr lang="en-US" sz="2000" b="0" strike="noStrike" spc="-1" dirty="0">
-              <a:latin typeface="Arial"/>
-            </a:endParaRPr>
-          </a:p>
-          <a:p>
-            <a:pPr>
-              <a:lnSpc>
-                <a:spcPct val="100000"/>
-              </a:lnSpc>
-              <a:buNone/>
-            </a:pPr>
-            <a:endParaRPr lang="en-US" sz="2000" b="0" strike="noStrike" spc="-1" dirty="0">
-              <a:latin typeface="Arial"/>
-            </a:endParaRPr>
-          </a:p>
-          <a:p>
-            <a:pPr algn="ctr">
-              <a:lnSpc>
-                <a:spcPct val="100000"/>
-              </a:lnSpc>
-              <a:buNone/>
-            </a:pPr>
-            <a:endParaRPr lang="en-US" sz="2400" b="0" strike="noStrike" spc="-1" dirty="0">
-              <a:latin typeface="Arial"/>
-            </a:endParaRPr>
-          </a:p>
-          <a:p>
-            <a:pPr algn="ctr">
-              <a:lnSpc>
-                <a:spcPct val="100000"/>
-              </a:lnSpc>
-              <a:buNone/>
-            </a:pPr>
-            <a:endParaRPr lang="en-US" sz="2400" b="0" strike="noStrike" spc="-1" dirty="0">
-              <a:latin typeface="Arial"/>
-            </a:endParaRPr>
-          </a:p>
-        </p:txBody>
-      </p:sp>
       <p:pic>
         <p:nvPicPr>
-          <p:cNvPr id="54" name="Imagem 3">
-            <a:extLst>
-              <a:ext uri="{FF2B5EF4-FFF2-40B4-BE49-F238E27FC236}">
-                <a16:creationId xmlns:a16="http://schemas.microsoft.com/office/drawing/2014/main" id="{6E7FEA2B-DBA8-4F6D-6745-525908B5D127}"/>
+          <p:cNvPr id="59" name="Imagem 3">
+            <a:extLst>
+              <a:ext uri="{FF2B5EF4-FFF2-40B4-BE49-F238E27FC236}">
+                <a16:creationId xmlns:a16="http://schemas.microsoft.com/office/drawing/2014/main" id="{98C24DE4-64BC-2F8B-AEF6-FD7A786EBEE8}"/>
               </a:ext>
             </a:extLst>
           </p:cNvPr>
@@ -26770,10 +26736,10 @@
       </p:pic>
       <p:sp>
         <p:nvSpPr>
-          <p:cNvPr id="55" name="CaixaDeTexto 3">
-            <a:extLst>
-              <a:ext uri="{FF2B5EF4-FFF2-40B4-BE49-F238E27FC236}">
-                <a16:creationId xmlns:a16="http://schemas.microsoft.com/office/drawing/2014/main" id="{BF610D12-74BC-50E5-A694-277F36CC9E56}"/>
+          <p:cNvPr id="60" name="CaixaDeTexto 1">
+            <a:extLst>
+              <a:ext uri="{FF2B5EF4-FFF2-40B4-BE49-F238E27FC236}">
+                <a16:creationId xmlns:a16="http://schemas.microsoft.com/office/drawing/2014/main" id="{58A6B845-A5C0-7DE0-6EF9-DA68CFF81F41}"/>
               </a:ext>
             </a:extLst>
           </p:cNvPr>
@@ -26833,10 +26799,387 @@
           </a:p>
         </p:txBody>
       </p:sp>
+      <p:pic>
+        <p:nvPicPr>
+          <p:cNvPr id="29698" name="Imagem 1">
+            <a:extLst>
+              <a:ext uri="{FF2B5EF4-FFF2-40B4-BE49-F238E27FC236}">
+                <a16:creationId xmlns:a16="http://schemas.microsoft.com/office/drawing/2014/main" id="{B6FEC6A4-4E6B-9B8E-89E4-A910A4C31AD0}"/>
+              </a:ext>
+            </a:extLst>
+          </p:cNvPr>
+          <p:cNvPicPr>
+            <a:picLocks noChangeAspect="1" noChangeArrowheads="1"/>
+          </p:cNvPicPr>
+          <p:nvPr/>
+        </p:nvPicPr>
+        <p:blipFill>
+          <a:blip r:embed="rId3">
+            <a:extLst>
+              <a:ext uri="{28A0092B-C50C-407E-A947-70E740481C1C}">
+                <a14:useLocalDpi xmlns:a14="http://schemas.microsoft.com/office/drawing/2010/main" val="0"/>
+              </a:ext>
+            </a:extLst>
+          </a:blip>
+          <a:srcRect/>
+          <a:stretch>
+            <a:fillRect/>
+          </a:stretch>
+        </p:blipFill>
+        <p:spPr bwMode="auto">
+          <a:xfrm>
+            <a:off x="3301582" y="1909403"/>
+            <a:ext cx="5400675" cy="3868738"/>
+          </a:xfrm>
+          <a:prstGeom prst="rect">
+            <a:avLst/>
+          </a:prstGeom>
+          <a:ln w="38100" cap="sq">
+            <a:solidFill>
+              <a:srgbClr val="000000"/>
+            </a:solidFill>
+            <a:prstDash val="solid"/>
+            <a:miter lim="800000"/>
+          </a:ln>
+          <a:effectLst>
+            <a:outerShdw blurRad="50800" dist="38100" dir="2700000" algn="tl" rotWithShape="0">
+              <a:srgbClr val="000000">
+                <a:alpha val="43000"/>
+              </a:srgbClr>
+            </a:outerShdw>
+          </a:effectLst>
+          <a:extLst>
+            <a:ext uri="{909E8E84-426E-40DD-AFC4-6F175D3DCCD1}">
+              <a14:hiddenFill xmlns:a14="http://schemas.microsoft.com/office/drawing/2010/main">
+                <a:solidFill>
+                  <a:srgbClr val="FFFFFF"/>
+                </a:solidFill>
+              </a14:hiddenFill>
+            </a:ext>
+            <a:ext uri="{91240B29-F687-4F45-9708-019B960494DF}">
+              <a14:hiddenLine xmlns:a14="http://schemas.microsoft.com/office/drawing/2010/main" w="9525">
+                <a:solidFill>
+                  <a:srgbClr val="000000"/>
+                </a:solidFill>
+                <a:miter lim="800000"/>
+                <a:headEnd/>
+                <a:tailEnd/>
+              </a14:hiddenLine>
+            </a:ext>
+          </a:extLst>
+        </p:spPr>
+      </p:pic>
     </p:spTree>
     <p:extLst>
       <p:ext uri="{BB962C8B-B14F-4D97-AF65-F5344CB8AC3E}">
-        <p14:creationId xmlns:p14="http://schemas.microsoft.com/office/powerpoint/2010/main" val="106293796"/>
+        <p14:creationId xmlns:p14="http://schemas.microsoft.com/office/powerpoint/2010/main" val="3036176453"/>
+      </p:ext>
+    </p:extLst>
+  </p:cSld>
+  <p:clrMapOvr>
+    <a:masterClrMapping/>
+  </p:clrMapOvr>
+</p:sld>
+</file>
+
+<file path=ppt/slides/slide59.xml><?xml version="1.0" encoding="utf-8"?>
+<p:sld xmlns:a="http://schemas.openxmlformats.org/drawingml/2006/main" xmlns:r="http://schemas.openxmlformats.org/officeDocument/2006/relationships" xmlns:p="http://schemas.openxmlformats.org/presentationml/2006/main" show="0">
+  <p:cSld>
+    <p:spTree>
+      <p:nvGrpSpPr>
+        <p:cNvPr id="1" name="">
+          <a:extLst>
+            <a:ext uri="{FF2B5EF4-FFF2-40B4-BE49-F238E27FC236}">
+              <a16:creationId xmlns:a16="http://schemas.microsoft.com/office/drawing/2014/main" id="{DE9F2522-FA95-438B-4D92-4340CCF6C10A}"/>
+            </a:ext>
+          </a:extLst>
+        </p:cNvPr>
+        <p:cNvGrpSpPr/>
+        <p:nvPr/>
+      </p:nvGrpSpPr>
+      <p:grpSpPr>
+        <a:xfrm>
+          <a:off x="0" y="0"/>
+          <a:ext cx="0" cy="0"/>
+          <a:chOff x="0" y="0"/>
+          <a:chExt cx="0" cy="0"/>
+        </a:xfrm>
+      </p:grpSpPr>
+      <p:sp>
+        <p:nvSpPr>
+          <p:cNvPr id="56" name="PlaceHolder 1">
+            <a:extLst>
+              <a:ext uri="{FF2B5EF4-FFF2-40B4-BE49-F238E27FC236}">
+                <a16:creationId xmlns:a16="http://schemas.microsoft.com/office/drawing/2014/main" id="{C4640B8B-266C-EFC4-8727-CECF4775C410}"/>
+              </a:ext>
+            </a:extLst>
+          </p:cNvPr>
+          <p:cNvSpPr>
+            <a:spLocks noGrp="1"/>
+          </p:cNvSpPr>
+          <p:nvPr>
+            <p:ph type="title"/>
+          </p:nvPr>
+        </p:nvSpPr>
+        <p:spPr>
+          <a:xfrm>
+            <a:off x="1489680" y="624240"/>
+            <a:ext cx="9024480" cy="829544"/>
+          </a:xfrm>
+          <a:prstGeom prst="rect">
+            <a:avLst/>
+          </a:prstGeom>
+          <a:noFill/>
+          <a:ln w="0">
+            <a:noFill/>
+          </a:ln>
+        </p:spPr>
+        <p:txBody>
+          <a:bodyPr lIns="0" tIns="0" rIns="0" bIns="0" anchor="b">
+            <a:noAutofit/>
+          </a:bodyPr>
+          <a:lstStyle/>
+          <a:p>
+            <a:pPr algn="ctr">
+              <a:lnSpc>
+                <a:spcPct val="90000"/>
+              </a:lnSpc>
+              <a:buNone/>
+            </a:pPr>
+            <a:r>
+              <a:rPr lang="pt-PT" sz="4000" b="0" strike="noStrike" spc="-1" dirty="0">
+                <a:solidFill>
+                  <a:srgbClr val="870F11"/>
+                </a:solidFill>
+                <a:latin typeface="Calibri"/>
+              </a:rPr>
+              <a:t>Procedimentos Implementados</a:t>
+            </a:r>
+            <a:endParaRPr lang="en-US" sz="4000" b="0" strike="noStrike" spc="-1" dirty="0">
+              <a:latin typeface="Arial"/>
+            </a:endParaRPr>
+          </a:p>
+        </p:txBody>
+      </p:sp>
+      <p:sp>
+        <p:nvSpPr>
+          <p:cNvPr id="57" name="Retângulo 4">
+            <a:extLst>
+              <a:ext uri="{FF2B5EF4-FFF2-40B4-BE49-F238E27FC236}">
+                <a16:creationId xmlns:a16="http://schemas.microsoft.com/office/drawing/2014/main" id="{D069113D-8A8F-890A-F8AD-7B34B0E7ACE5}"/>
+              </a:ext>
+            </a:extLst>
+          </p:cNvPr>
+          <p:cNvSpPr/>
+          <p:nvPr/>
+        </p:nvSpPr>
+        <p:spPr>
+          <a:xfrm>
+            <a:off x="0" y="6233760"/>
+            <a:ext cx="12189960" cy="622080"/>
+          </a:xfrm>
+          <a:prstGeom prst="rect">
+            <a:avLst/>
+          </a:prstGeom>
+          <a:solidFill>
+            <a:srgbClr val="870F11"/>
+          </a:solidFill>
+          <a:ln>
+            <a:solidFill>
+              <a:srgbClr val="870F11"/>
+            </a:solidFill>
+          </a:ln>
+        </p:spPr>
+        <p:style>
+          <a:lnRef idx="2">
+            <a:schemeClr val="accent1">
+              <a:shade val="50000"/>
+            </a:schemeClr>
+          </a:lnRef>
+          <a:fillRef idx="1">
+            <a:schemeClr val="accent1"/>
+          </a:fillRef>
+          <a:effectRef idx="0">
+            <a:schemeClr val="accent1"/>
+          </a:effectRef>
+          <a:fontRef idx="minor"/>
+        </p:style>
+        <p:txBody>
+          <a:bodyPr/>
+          <a:lstStyle/>
+          <a:p>
+            <a:endParaRPr lang="pt-PT"/>
+          </a:p>
+        </p:txBody>
+      </p:sp>
+      <p:pic>
+        <p:nvPicPr>
+          <p:cNvPr id="59" name="Imagem 3">
+            <a:extLst>
+              <a:ext uri="{FF2B5EF4-FFF2-40B4-BE49-F238E27FC236}">
+                <a16:creationId xmlns:a16="http://schemas.microsoft.com/office/drawing/2014/main" id="{967B414C-79BF-67A6-7136-04E5BFD19FBE}"/>
+              </a:ext>
+            </a:extLst>
+          </p:cNvPr>
+          <p:cNvPicPr/>
+          <p:nvPr/>
+        </p:nvPicPr>
+        <p:blipFill>
+          <a:blip r:embed="rId2"/>
+          <a:stretch/>
+        </p:blipFill>
+        <p:spPr>
+          <a:xfrm>
+            <a:off x="3240" y="6261480"/>
+            <a:ext cx="1236960" cy="709200"/>
+          </a:xfrm>
+          <a:prstGeom prst="rect">
+            <a:avLst/>
+          </a:prstGeom>
+          <a:ln w="0">
+            <a:noFill/>
+          </a:ln>
+        </p:spPr>
+      </p:pic>
+      <p:sp>
+        <p:nvSpPr>
+          <p:cNvPr id="60" name="CaixaDeTexto 1">
+            <a:extLst>
+              <a:ext uri="{FF2B5EF4-FFF2-40B4-BE49-F238E27FC236}">
+                <a16:creationId xmlns:a16="http://schemas.microsoft.com/office/drawing/2014/main" id="{4ED331D5-339F-F192-1874-945FAA4465BB}"/>
+              </a:ext>
+            </a:extLst>
+          </p:cNvPr>
+          <p:cNvSpPr/>
+          <p:nvPr/>
+        </p:nvSpPr>
+        <p:spPr>
+          <a:xfrm>
+            <a:off x="6629400" y="6362640"/>
+            <a:ext cx="5855760" cy="337100"/>
+          </a:xfrm>
+          <a:prstGeom prst="rect">
+            <a:avLst/>
+          </a:prstGeom>
+          <a:noFill/>
+          <a:ln w="0">
+            <a:noFill/>
+          </a:ln>
+        </p:spPr>
+        <p:style>
+          <a:lnRef idx="0">
+            <a:scrgbClr r="0" g="0" b="0"/>
+          </a:lnRef>
+          <a:fillRef idx="0">
+            <a:scrgbClr r="0" g="0" b="0"/>
+          </a:fillRef>
+          <a:effectRef idx="0">
+            <a:scrgbClr r="0" g="0" b="0"/>
+          </a:effectRef>
+          <a:fontRef idx="minor"/>
+        </p:style>
+        <p:txBody>
+          <a:bodyPr vertOverflow="overflow" horzOverflow="overflow" lIns="90000" tIns="45000" rIns="90000" bIns="45000" numCol="1" spcCol="0" anchor="t">
+            <a:spAutoFit/>
+          </a:bodyPr>
+          <a:lstStyle/>
+          <a:p>
+            <a:pPr>
+              <a:lnSpc>
+                <a:spcPct val="100000"/>
+              </a:lnSpc>
+              <a:buNone/>
+            </a:pPr>
+            <a:r>
+              <a:rPr lang="pt-PT" sz="1600" b="0" strike="noStrike" spc="-1" dirty="0">
+                <a:solidFill>
+                  <a:srgbClr val="FFFFFF"/>
+                </a:solidFill>
+                <a:latin typeface="Calibri"/>
+                <a:ea typeface="DejaVu Sans"/>
+              </a:rPr>
+              <a:t>Bases de Dados – Jogos Olímpicos   |   Parte 2 - Grupo 8</a:t>
+            </a:r>
+            <a:endParaRPr lang="en-US" sz="1600" b="0" strike="noStrike" spc="-1" dirty="0">
+              <a:latin typeface="Arial"/>
+            </a:endParaRPr>
+          </a:p>
+        </p:txBody>
+      </p:sp>
+      <p:pic>
+        <p:nvPicPr>
+          <p:cNvPr id="30722" name="Imagem 1">
+            <a:extLst>
+              <a:ext uri="{FF2B5EF4-FFF2-40B4-BE49-F238E27FC236}">
+                <a16:creationId xmlns:a16="http://schemas.microsoft.com/office/drawing/2014/main" id="{DDC22ADA-30F6-939F-22BE-184FF937126A}"/>
+              </a:ext>
+            </a:extLst>
+          </p:cNvPr>
+          <p:cNvPicPr>
+            <a:picLocks noChangeAspect="1" noChangeArrowheads="1"/>
+          </p:cNvPicPr>
+          <p:nvPr/>
+        </p:nvPicPr>
+        <p:blipFill>
+          <a:blip r:embed="rId3">
+            <a:extLst>
+              <a:ext uri="{28A0092B-C50C-407E-A947-70E740481C1C}">
+                <a14:useLocalDpi xmlns:a14="http://schemas.microsoft.com/office/drawing/2010/main" val="0"/>
+              </a:ext>
+            </a:extLst>
+          </a:blip>
+          <a:srcRect t="523"/>
+          <a:stretch>
+            <a:fillRect/>
+          </a:stretch>
+        </p:blipFill>
+        <p:spPr bwMode="auto">
+          <a:xfrm>
+            <a:off x="3291263" y="2014972"/>
+            <a:ext cx="5421313" cy="3657600"/>
+          </a:xfrm>
+          <a:prstGeom prst="rect">
+            <a:avLst/>
+          </a:prstGeom>
+          <a:ln w="38100" cap="sq">
+            <a:solidFill>
+              <a:srgbClr val="000000"/>
+            </a:solidFill>
+            <a:prstDash val="solid"/>
+            <a:miter lim="800000"/>
+          </a:ln>
+          <a:effectLst>
+            <a:outerShdw blurRad="50800" dist="38100" dir="2700000" algn="tl" rotWithShape="0">
+              <a:srgbClr val="000000">
+                <a:alpha val="43000"/>
+              </a:srgbClr>
+            </a:outerShdw>
+          </a:effectLst>
+          <a:extLst>
+            <a:ext uri="{909E8E84-426E-40DD-AFC4-6F175D3DCCD1}">
+              <a14:hiddenFill xmlns:a14="http://schemas.microsoft.com/office/drawing/2010/main">
+                <a:solidFill>
+                  <a:srgbClr val="FFFFFF"/>
+                </a:solidFill>
+              </a14:hiddenFill>
+            </a:ext>
+            <a:ext uri="{91240B29-F687-4F45-9708-019B960494DF}">
+              <a14:hiddenLine xmlns:a14="http://schemas.microsoft.com/office/drawing/2010/main" w="9525">
+                <a:solidFill>
+                  <a:srgbClr val="000000"/>
+                </a:solidFill>
+                <a:miter lim="800000"/>
+                <a:headEnd/>
+                <a:tailEnd/>
+              </a14:hiddenLine>
+            </a:ext>
+          </a:extLst>
+        </p:spPr>
+      </p:pic>
+    </p:spTree>
+    <p:extLst>
+      <p:ext uri="{BB962C8B-B14F-4D97-AF65-F5344CB8AC3E}">
+        <p14:creationId xmlns:p14="http://schemas.microsoft.com/office/powerpoint/2010/main" val="2855643576"/>
       </p:ext>
     </p:extLst>
   </p:cSld>
@@ -27228,6 +27571,2292 @@
     <p:extLst>
       <p:ext uri="{BB962C8B-B14F-4D97-AF65-F5344CB8AC3E}">
         <p14:creationId xmlns:p14="http://schemas.microsoft.com/office/powerpoint/2010/main" val="1435271720"/>
+      </p:ext>
+    </p:extLst>
+  </p:cSld>
+  <p:clrMapOvr>
+    <a:masterClrMapping/>
+  </p:clrMapOvr>
+</p:sld>
+</file>
+
+<file path=ppt/slides/slide60.xml><?xml version="1.0" encoding="utf-8"?>
+<p:sld xmlns:a="http://schemas.openxmlformats.org/drawingml/2006/main" xmlns:r="http://schemas.openxmlformats.org/officeDocument/2006/relationships" xmlns:p="http://schemas.openxmlformats.org/presentationml/2006/main" show="0">
+  <p:cSld>
+    <p:spTree>
+      <p:nvGrpSpPr>
+        <p:cNvPr id="1" name="">
+          <a:extLst>
+            <a:ext uri="{FF2B5EF4-FFF2-40B4-BE49-F238E27FC236}">
+              <a16:creationId xmlns:a16="http://schemas.microsoft.com/office/drawing/2014/main" id="{0D655262-B24C-7671-8A55-2F8E85DFE409}"/>
+            </a:ext>
+          </a:extLst>
+        </p:cNvPr>
+        <p:cNvGrpSpPr/>
+        <p:nvPr/>
+      </p:nvGrpSpPr>
+      <p:grpSpPr>
+        <a:xfrm>
+          <a:off x="0" y="0"/>
+          <a:ext cx="0" cy="0"/>
+          <a:chOff x="0" y="0"/>
+          <a:chExt cx="0" cy="0"/>
+        </a:xfrm>
+      </p:grpSpPr>
+      <p:sp>
+        <p:nvSpPr>
+          <p:cNvPr id="56" name="PlaceHolder 1">
+            <a:extLst>
+              <a:ext uri="{FF2B5EF4-FFF2-40B4-BE49-F238E27FC236}">
+                <a16:creationId xmlns:a16="http://schemas.microsoft.com/office/drawing/2014/main" id="{BD5A0032-D07A-D5A3-A797-6AE32B2CE95E}"/>
+              </a:ext>
+            </a:extLst>
+          </p:cNvPr>
+          <p:cNvSpPr>
+            <a:spLocks noGrp="1"/>
+          </p:cNvSpPr>
+          <p:nvPr>
+            <p:ph type="title"/>
+          </p:nvPr>
+        </p:nvSpPr>
+        <p:spPr>
+          <a:xfrm>
+            <a:off x="1489680" y="624240"/>
+            <a:ext cx="9024480" cy="829544"/>
+          </a:xfrm>
+          <a:prstGeom prst="rect">
+            <a:avLst/>
+          </a:prstGeom>
+          <a:noFill/>
+          <a:ln w="0">
+            <a:noFill/>
+          </a:ln>
+        </p:spPr>
+        <p:txBody>
+          <a:bodyPr lIns="0" tIns="0" rIns="0" bIns="0" anchor="b">
+            <a:noAutofit/>
+          </a:bodyPr>
+          <a:lstStyle/>
+          <a:p>
+            <a:pPr algn="ctr">
+              <a:lnSpc>
+                <a:spcPct val="90000"/>
+              </a:lnSpc>
+              <a:buNone/>
+            </a:pPr>
+            <a:r>
+              <a:rPr lang="pt-PT" sz="4000" b="0" strike="noStrike" spc="-1" dirty="0">
+                <a:solidFill>
+                  <a:srgbClr val="870F11"/>
+                </a:solidFill>
+                <a:latin typeface="Calibri"/>
+              </a:rPr>
+              <a:t>Procedimentos Implementados</a:t>
+            </a:r>
+            <a:endParaRPr lang="en-US" sz="4000" b="0" strike="noStrike" spc="-1" dirty="0">
+              <a:latin typeface="Arial"/>
+            </a:endParaRPr>
+          </a:p>
+        </p:txBody>
+      </p:sp>
+      <p:sp>
+        <p:nvSpPr>
+          <p:cNvPr id="57" name="Retângulo 4">
+            <a:extLst>
+              <a:ext uri="{FF2B5EF4-FFF2-40B4-BE49-F238E27FC236}">
+                <a16:creationId xmlns:a16="http://schemas.microsoft.com/office/drawing/2014/main" id="{3A01E036-3B0F-1ABA-F59C-11A83A802CF3}"/>
+              </a:ext>
+            </a:extLst>
+          </p:cNvPr>
+          <p:cNvSpPr/>
+          <p:nvPr/>
+        </p:nvSpPr>
+        <p:spPr>
+          <a:xfrm>
+            <a:off x="0" y="6233760"/>
+            <a:ext cx="12189960" cy="622080"/>
+          </a:xfrm>
+          <a:prstGeom prst="rect">
+            <a:avLst/>
+          </a:prstGeom>
+          <a:solidFill>
+            <a:srgbClr val="870F11"/>
+          </a:solidFill>
+          <a:ln>
+            <a:solidFill>
+              <a:srgbClr val="870F11"/>
+            </a:solidFill>
+          </a:ln>
+        </p:spPr>
+        <p:style>
+          <a:lnRef idx="2">
+            <a:schemeClr val="accent1">
+              <a:shade val="50000"/>
+            </a:schemeClr>
+          </a:lnRef>
+          <a:fillRef idx="1">
+            <a:schemeClr val="accent1"/>
+          </a:fillRef>
+          <a:effectRef idx="0">
+            <a:schemeClr val="accent1"/>
+          </a:effectRef>
+          <a:fontRef idx="minor"/>
+        </p:style>
+        <p:txBody>
+          <a:bodyPr/>
+          <a:lstStyle/>
+          <a:p>
+            <a:endParaRPr lang="pt-PT"/>
+          </a:p>
+        </p:txBody>
+      </p:sp>
+      <p:pic>
+        <p:nvPicPr>
+          <p:cNvPr id="59" name="Imagem 3">
+            <a:extLst>
+              <a:ext uri="{FF2B5EF4-FFF2-40B4-BE49-F238E27FC236}">
+                <a16:creationId xmlns:a16="http://schemas.microsoft.com/office/drawing/2014/main" id="{FE4AC13C-B171-2B4B-4485-02D09B13007C}"/>
+              </a:ext>
+            </a:extLst>
+          </p:cNvPr>
+          <p:cNvPicPr/>
+          <p:nvPr/>
+        </p:nvPicPr>
+        <p:blipFill>
+          <a:blip r:embed="rId2"/>
+          <a:stretch/>
+        </p:blipFill>
+        <p:spPr>
+          <a:xfrm>
+            <a:off x="3240" y="6261480"/>
+            <a:ext cx="1236960" cy="709200"/>
+          </a:xfrm>
+          <a:prstGeom prst="rect">
+            <a:avLst/>
+          </a:prstGeom>
+          <a:ln w="0">
+            <a:noFill/>
+          </a:ln>
+        </p:spPr>
+      </p:pic>
+      <p:sp>
+        <p:nvSpPr>
+          <p:cNvPr id="60" name="CaixaDeTexto 1">
+            <a:extLst>
+              <a:ext uri="{FF2B5EF4-FFF2-40B4-BE49-F238E27FC236}">
+                <a16:creationId xmlns:a16="http://schemas.microsoft.com/office/drawing/2014/main" id="{8AC8EBC3-0CBA-0C6B-970D-034F699518B7}"/>
+              </a:ext>
+            </a:extLst>
+          </p:cNvPr>
+          <p:cNvSpPr/>
+          <p:nvPr/>
+        </p:nvSpPr>
+        <p:spPr>
+          <a:xfrm>
+            <a:off x="6629400" y="6362640"/>
+            <a:ext cx="5855760" cy="337100"/>
+          </a:xfrm>
+          <a:prstGeom prst="rect">
+            <a:avLst/>
+          </a:prstGeom>
+          <a:noFill/>
+          <a:ln w="0">
+            <a:noFill/>
+          </a:ln>
+        </p:spPr>
+        <p:style>
+          <a:lnRef idx="0">
+            <a:scrgbClr r="0" g="0" b="0"/>
+          </a:lnRef>
+          <a:fillRef idx="0">
+            <a:scrgbClr r="0" g="0" b="0"/>
+          </a:fillRef>
+          <a:effectRef idx="0">
+            <a:scrgbClr r="0" g="0" b="0"/>
+          </a:effectRef>
+          <a:fontRef idx="minor"/>
+        </p:style>
+        <p:txBody>
+          <a:bodyPr vertOverflow="overflow" horzOverflow="overflow" lIns="90000" tIns="45000" rIns="90000" bIns="45000" numCol="1" spcCol="0" anchor="t">
+            <a:spAutoFit/>
+          </a:bodyPr>
+          <a:lstStyle/>
+          <a:p>
+            <a:pPr>
+              <a:lnSpc>
+                <a:spcPct val="100000"/>
+              </a:lnSpc>
+              <a:buNone/>
+            </a:pPr>
+            <a:r>
+              <a:rPr lang="pt-PT" sz="1600" b="0" strike="noStrike" spc="-1" dirty="0">
+                <a:solidFill>
+                  <a:srgbClr val="FFFFFF"/>
+                </a:solidFill>
+                <a:latin typeface="Calibri"/>
+                <a:ea typeface="DejaVu Sans"/>
+              </a:rPr>
+              <a:t>Bases de Dados – Jogos Olímpicos   |   Parte 2 - Grupo 8</a:t>
+            </a:r>
+            <a:endParaRPr lang="en-US" sz="1600" b="0" strike="noStrike" spc="-1" dirty="0">
+              <a:latin typeface="Arial"/>
+            </a:endParaRPr>
+          </a:p>
+        </p:txBody>
+      </p:sp>
+      <p:pic>
+        <p:nvPicPr>
+          <p:cNvPr id="31746" name="Imagem 1">
+            <a:extLst>
+              <a:ext uri="{FF2B5EF4-FFF2-40B4-BE49-F238E27FC236}">
+                <a16:creationId xmlns:a16="http://schemas.microsoft.com/office/drawing/2014/main" id="{797DF086-48ED-D4C0-13B4-0B4628F26CC7}"/>
+              </a:ext>
+            </a:extLst>
+          </p:cNvPr>
+          <p:cNvPicPr>
+            <a:picLocks noChangeAspect="1" noChangeArrowheads="1"/>
+          </p:cNvPicPr>
+          <p:nvPr/>
+        </p:nvPicPr>
+        <p:blipFill>
+          <a:blip r:embed="rId3">
+            <a:extLst>
+              <a:ext uri="{28A0092B-C50C-407E-A947-70E740481C1C}">
+                <a14:useLocalDpi xmlns:a14="http://schemas.microsoft.com/office/drawing/2010/main" val="0"/>
+              </a:ext>
+            </a:extLst>
+          </a:blip>
+          <a:srcRect/>
+          <a:stretch>
+            <a:fillRect/>
+          </a:stretch>
+        </p:blipFill>
+        <p:spPr bwMode="auto">
+          <a:xfrm>
+            <a:off x="3024086" y="2139043"/>
+            <a:ext cx="6143828" cy="3479403"/>
+          </a:xfrm>
+          <a:prstGeom prst="rect">
+            <a:avLst/>
+          </a:prstGeom>
+          <a:ln w="38100" cap="sq">
+            <a:solidFill>
+              <a:srgbClr val="000000"/>
+            </a:solidFill>
+            <a:prstDash val="solid"/>
+            <a:miter lim="800000"/>
+          </a:ln>
+          <a:effectLst>
+            <a:outerShdw blurRad="50800" dist="38100" dir="2700000" algn="tl" rotWithShape="0">
+              <a:srgbClr val="000000">
+                <a:alpha val="43000"/>
+              </a:srgbClr>
+            </a:outerShdw>
+          </a:effectLst>
+          <a:extLst>
+            <a:ext uri="{909E8E84-426E-40DD-AFC4-6F175D3DCCD1}">
+              <a14:hiddenFill xmlns:a14="http://schemas.microsoft.com/office/drawing/2010/main">
+                <a:solidFill>
+                  <a:srgbClr val="FFFFFF"/>
+                </a:solidFill>
+              </a14:hiddenFill>
+            </a:ext>
+            <a:ext uri="{91240B29-F687-4F45-9708-019B960494DF}">
+              <a14:hiddenLine xmlns:a14="http://schemas.microsoft.com/office/drawing/2010/main" w="9525">
+                <a:solidFill>
+                  <a:srgbClr val="000000"/>
+                </a:solidFill>
+                <a:miter lim="800000"/>
+                <a:headEnd/>
+                <a:tailEnd/>
+              </a14:hiddenLine>
+            </a:ext>
+          </a:extLst>
+        </p:spPr>
+      </p:pic>
+    </p:spTree>
+    <p:extLst>
+      <p:ext uri="{BB962C8B-B14F-4D97-AF65-F5344CB8AC3E}">
+        <p14:creationId xmlns:p14="http://schemas.microsoft.com/office/powerpoint/2010/main" val="698793355"/>
+      </p:ext>
+    </p:extLst>
+  </p:cSld>
+  <p:clrMapOvr>
+    <a:masterClrMapping/>
+  </p:clrMapOvr>
+</p:sld>
+</file>
+
+<file path=ppt/slides/slide61.xml><?xml version="1.0" encoding="utf-8"?>
+<p:sld xmlns:a="http://schemas.openxmlformats.org/drawingml/2006/main" xmlns:r="http://schemas.openxmlformats.org/officeDocument/2006/relationships" xmlns:p="http://schemas.openxmlformats.org/presentationml/2006/main" show="0">
+  <p:cSld>
+    <p:spTree>
+      <p:nvGrpSpPr>
+        <p:cNvPr id="1" name="">
+          <a:extLst>
+            <a:ext uri="{FF2B5EF4-FFF2-40B4-BE49-F238E27FC236}">
+              <a16:creationId xmlns:a16="http://schemas.microsoft.com/office/drawing/2014/main" id="{2882AECC-8B6C-481A-3CB8-986F84A84CD1}"/>
+            </a:ext>
+          </a:extLst>
+        </p:cNvPr>
+        <p:cNvGrpSpPr/>
+        <p:nvPr/>
+      </p:nvGrpSpPr>
+      <p:grpSpPr>
+        <a:xfrm>
+          <a:off x="0" y="0"/>
+          <a:ext cx="0" cy="0"/>
+          <a:chOff x="0" y="0"/>
+          <a:chExt cx="0" cy="0"/>
+        </a:xfrm>
+      </p:grpSpPr>
+      <p:sp>
+        <p:nvSpPr>
+          <p:cNvPr id="56" name="PlaceHolder 1">
+            <a:extLst>
+              <a:ext uri="{FF2B5EF4-FFF2-40B4-BE49-F238E27FC236}">
+                <a16:creationId xmlns:a16="http://schemas.microsoft.com/office/drawing/2014/main" id="{ABF35E2E-8801-6265-14AD-17A5BBCD867E}"/>
+              </a:ext>
+            </a:extLst>
+          </p:cNvPr>
+          <p:cNvSpPr>
+            <a:spLocks noGrp="1"/>
+          </p:cNvSpPr>
+          <p:nvPr>
+            <p:ph type="title"/>
+          </p:nvPr>
+        </p:nvSpPr>
+        <p:spPr>
+          <a:xfrm>
+            <a:off x="1489680" y="624240"/>
+            <a:ext cx="9024480" cy="829544"/>
+          </a:xfrm>
+          <a:prstGeom prst="rect">
+            <a:avLst/>
+          </a:prstGeom>
+          <a:noFill/>
+          <a:ln w="0">
+            <a:noFill/>
+          </a:ln>
+        </p:spPr>
+        <p:txBody>
+          <a:bodyPr lIns="0" tIns="0" rIns="0" bIns="0" anchor="b">
+            <a:noAutofit/>
+          </a:bodyPr>
+          <a:lstStyle/>
+          <a:p>
+            <a:pPr algn="ctr">
+              <a:lnSpc>
+                <a:spcPct val="90000"/>
+              </a:lnSpc>
+              <a:buNone/>
+            </a:pPr>
+            <a:r>
+              <a:rPr lang="pt-PT" sz="4000" b="0" strike="noStrike" spc="-1" dirty="0">
+                <a:solidFill>
+                  <a:srgbClr val="870F11"/>
+                </a:solidFill>
+                <a:latin typeface="Calibri"/>
+              </a:rPr>
+              <a:t>Procedimentos Implementados</a:t>
+            </a:r>
+            <a:endParaRPr lang="en-US" sz="4000" b="0" strike="noStrike" spc="-1" dirty="0">
+              <a:latin typeface="Arial"/>
+            </a:endParaRPr>
+          </a:p>
+        </p:txBody>
+      </p:sp>
+      <p:sp>
+        <p:nvSpPr>
+          <p:cNvPr id="57" name="Retângulo 4">
+            <a:extLst>
+              <a:ext uri="{FF2B5EF4-FFF2-40B4-BE49-F238E27FC236}">
+                <a16:creationId xmlns:a16="http://schemas.microsoft.com/office/drawing/2014/main" id="{0C6F7137-1773-1D1A-39C9-EBD0EA28EE9D}"/>
+              </a:ext>
+            </a:extLst>
+          </p:cNvPr>
+          <p:cNvSpPr/>
+          <p:nvPr/>
+        </p:nvSpPr>
+        <p:spPr>
+          <a:xfrm>
+            <a:off x="0" y="6233760"/>
+            <a:ext cx="12189960" cy="622080"/>
+          </a:xfrm>
+          <a:prstGeom prst="rect">
+            <a:avLst/>
+          </a:prstGeom>
+          <a:solidFill>
+            <a:srgbClr val="870F11"/>
+          </a:solidFill>
+          <a:ln>
+            <a:solidFill>
+              <a:srgbClr val="870F11"/>
+            </a:solidFill>
+          </a:ln>
+        </p:spPr>
+        <p:style>
+          <a:lnRef idx="2">
+            <a:schemeClr val="accent1">
+              <a:shade val="50000"/>
+            </a:schemeClr>
+          </a:lnRef>
+          <a:fillRef idx="1">
+            <a:schemeClr val="accent1"/>
+          </a:fillRef>
+          <a:effectRef idx="0">
+            <a:schemeClr val="accent1"/>
+          </a:effectRef>
+          <a:fontRef idx="minor"/>
+        </p:style>
+        <p:txBody>
+          <a:bodyPr/>
+          <a:lstStyle/>
+          <a:p>
+            <a:endParaRPr lang="pt-PT"/>
+          </a:p>
+        </p:txBody>
+      </p:sp>
+      <p:pic>
+        <p:nvPicPr>
+          <p:cNvPr id="59" name="Imagem 3">
+            <a:extLst>
+              <a:ext uri="{FF2B5EF4-FFF2-40B4-BE49-F238E27FC236}">
+                <a16:creationId xmlns:a16="http://schemas.microsoft.com/office/drawing/2014/main" id="{7F347116-B056-5E62-05E8-FADC5BB3AA3E}"/>
+              </a:ext>
+            </a:extLst>
+          </p:cNvPr>
+          <p:cNvPicPr/>
+          <p:nvPr/>
+        </p:nvPicPr>
+        <p:blipFill>
+          <a:blip r:embed="rId2"/>
+          <a:stretch/>
+        </p:blipFill>
+        <p:spPr>
+          <a:xfrm>
+            <a:off x="3240" y="6261480"/>
+            <a:ext cx="1236960" cy="709200"/>
+          </a:xfrm>
+          <a:prstGeom prst="rect">
+            <a:avLst/>
+          </a:prstGeom>
+          <a:ln w="0">
+            <a:noFill/>
+          </a:ln>
+        </p:spPr>
+      </p:pic>
+      <p:sp>
+        <p:nvSpPr>
+          <p:cNvPr id="60" name="CaixaDeTexto 1">
+            <a:extLst>
+              <a:ext uri="{FF2B5EF4-FFF2-40B4-BE49-F238E27FC236}">
+                <a16:creationId xmlns:a16="http://schemas.microsoft.com/office/drawing/2014/main" id="{CC4A4AE5-04BF-702A-DB23-D6D49DECDBF7}"/>
+              </a:ext>
+            </a:extLst>
+          </p:cNvPr>
+          <p:cNvSpPr/>
+          <p:nvPr/>
+        </p:nvSpPr>
+        <p:spPr>
+          <a:xfrm>
+            <a:off x="6629400" y="6362640"/>
+            <a:ext cx="5855760" cy="337100"/>
+          </a:xfrm>
+          <a:prstGeom prst="rect">
+            <a:avLst/>
+          </a:prstGeom>
+          <a:noFill/>
+          <a:ln w="0">
+            <a:noFill/>
+          </a:ln>
+        </p:spPr>
+        <p:style>
+          <a:lnRef idx="0">
+            <a:scrgbClr r="0" g="0" b="0"/>
+          </a:lnRef>
+          <a:fillRef idx="0">
+            <a:scrgbClr r="0" g="0" b="0"/>
+          </a:fillRef>
+          <a:effectRef idx="0">
+            <a:scrgbClr r="0" g="0" b="0"/>
+          </a:effectRef>
+          <a:fontRef idx="minor"/>
+        </p:style>
+        <p:txBody>
+          <a:bodyPr vertOverflow="overflow" horzOverflow="overflow" lIns="90000" tIns="45000" rIns="90000" bIns="45000" numCol="1" spcCol="0" anchor="t">
+            <a:spAutoFit/>
+          </a:bodyPr>
+          <a:lstStyle/>
+          <a:p>
+            <a:pPr>
+              <a:lnSpc>
+                <a:spcPct val="100000"/>
+              </a:lnSpc>
+              <a:buNone/>
+            </a:pPr>
+            <a:r>
+              <a:rPr lang="pt-PT" sz="1600" b="0" strike="noStrike" spc="-1" dirty="0">
+                <a:solidFill>
+                  <a:srgbClr val="FFFFFF"/>
+                </a:solidFill>
+                <a:latin typeface="Calibri"/>
+                <a:ea typeface="DejaVu Sans"/>
+              </a:rPr>
+              <a:t>Bases de Dados – Jogos Olímpicos   |   Parte 2 - Grupo 8</a:t>
+            </a:r>
+            <a:endParaRPr lang="en-US" sz="1600" b="0" strike="noStrike" spc="-1" dirty="0">
+              <a:latin typeface="Arial"/>
+            </a:endParaRPr>
+          </a:p>
+        </p:txBody>
+      </p:sp>
+      <p:pic>
+        <p:nvPicPr>
+          <p:cNvPr id="32770" name="Imagem 1">
+            <a:extLst>
+              <a:ext uri="{FF2B5EF4-FFF2-40B4-BE49-F238E27FC236}">
+                <a16:creationId xmlns:a16="http://schemas.microsoft.com/office/drawing/2014/main" id="{459EAB79-E517-DB3D-5FA0-FD3E0D50D66F}"/>
+              </a:ext>
+            </a:extLst>
+          </p:cNvPr>
+          <p:cNvPicPr>
+            <a:picLocks noChangeAspect="1" noChangeArrowheads="1"/>
+          </p:cNvPicPr>
+          <p:nvPr/>
+        </p:nvPicPr>
+        <p:blipFill>
+          <a:blip r:embed="rId3">
+            <a:extLst>
+              <a:ext uri="{28A0092B-C50C-407E-A947-70E740481C1C}">
+                <a14:useLocalDpi xmlns:a14="http://schemas.microsoft.com/office/drawing/2010/main" val="0"/>
+              </a:ext>
+            </a:extLst>
+          </a:blip>
+          <a:srcRect/>
+          <a:stretch>
+            <a:fillRect/>
+          </a:stretch>
+        </p:blipFill>
+        <p:spPr bwMode="auto">
+          <a:xfrm>
+            <a:off x="3301582" y="1917340"/>
+            <a:ext cx="5400675" cy="3852863"/>
+          </a:xfrm>
+          <a:prstGeom prst="rect">
+            <a:avLst/>
+          </a:prstGeom>
+          <a:ln w="38100" cap="sq">
+            <a:solidFill>
+              <a:srgbClr val="000000"/>
+            </a:solidFill>
+            <a:prstDash val="solid"/>
+            <a:miter lim="800000"/>
+          </a:ln>
+          <a:effectLst>
+            <a:outerShdw blurRad="50800" dist="38100" dir="2700000" algn="tl" rotWithShape="0">
+              <a:srgbClr val="000000">
+                <a:alpha val="43000"/>
+              </a:srgbClr>
+            </a:outerShdw>
+          </a:effectLst>
+          <a:extLst>
+            <a:ext uri="{909E8E84-426E-40DD-AFC4-6F175D3DCCD1}">
+              <a14:hiddenFill xmlns:a14="http://schemas.microsoft.com/office/drawing/2010/main">
+                <a:solidFill>
+                  <a:srgbClr val="FFFFFF"/>
+                </a:solidFill>
+              </a14:hiddenFill>
+            </a:ext>
+            <a:ext uri="{91240B29-F687-4F45-9708-019B960494DF}">
+              <a14:hiddenLine xmlns:a14="http://schemas.microsoft.com/office/drawing/2010/main" w="9525">
+                <a:solidFill>
+                  <a:srgbClr val="000000"/>
+                </a:solidFill>
+                <a:miter lim="800000"/>
+                <a:headEnd/>
+                <a:tailEnd/>
+              </a14:hiddenLine>
+            </a:ext>
+          </a:extLst>
+        </p:spPr>
+      </p:pic>
+    </p:spTree>
+    <p:extLst>
+      <p:ext uri="{BB962C8B-B14F-4D97-AF65-F5344CB8AC3E}">
+        <p14:creationId xmlns:p14="http://schemas.microsoft.com/office/powerpoint/2010/main" val="4046202285"/>
+      </p:ext>
+    </p:extLst>
+  </p:cSld>
+  <p:clrMapOvr>
+    <a:masterClrMapping/>
+  </p:clrMapOvr>
+</p:sld>
+</file>
+
+<file path=ppt/slides/slide62.xml><?xml version="1.0" encoding="utf-8"?>
+<p:sld xmlns:a="http://schemas.openxmlformats.org/drawingml/2006/main" xmlns:r="http://schemas.openxmlformats.org/officeDocument/2006/relationships" xmlns:p="http://schemas.openxmlformats.org/presentationml/2006/main" show="0">
+  <p:cSld>
+    <p:spTree>
+      <p:nvGrpSpPr>
+        <p:cNvPr id="1" name="">
+          <a:extLst>
+            <a:ext uri="{FF2B5EF4-FFF2-40B4-BE49-F238E27FC236}">
+              <a16:creationId xmlns:a16="http://schemas.microsoft.com/office/drawing/2014/main" id="{28B1A174-72CD-82C9-7656-7B78247B826D}"/>
+            </a:ext>
+          </a:extLst>
+        </p:cNvPr>
+        <p:cNvGrpSpPr/>
+        <p:nvPr/>
+      </p:nvGrpSpPr>
+      <p:grpSpPr>
+        <a:xfrm>
+          <a:off x="0" y="0"/>
+          <a:ext cx="0" cy="0"/>
+          <a:chOff x="0" y="0"/>
+          <a:chExt cx="0" cy="0"/>
+        </a:xfrm>
+      </p:grpSpPr>
+      <p:sp>
+        <p:nvSpPr>
+          <p:cNvPr id="56" name="PlaceHolder 1">
+            <a:extLst>
+              <a:ext uri="{FF2B5EF4-FFF2-40B4-BE49-F238E27FC236}">
+                <a16:creationId xmlns:a16="http://schemas.microsoft.com/office/drawing/2014/main" id="{CA1F02F1-AE23-B2EE-B708-3B59EC536828}"/>
+              </a:ext>
+            </a:extLst>
+          </p:cNvPr>
+          <p:cNvSpPr>
+            <a:spLocks noGrp="1"/>
+          </p:cNvSpPr>
+          <p:nvPr>
+            <p:ph type="title"/>
+          </p:nvPr>
+        </p:nvSpPr>
+        <p:spPr>
+          <a:xfrm>
+            <a:off x="1489680" y="208399"/>
+            <a:ext cx="9024480" cy="1130543"/>
+          </a:xfrm>
+          <a:prstGeom prst="rect">
+            <a:avLst/>
+          </a:prstGeom>
+          <a:noFill/>
+          <a:ln w="0">
+            <a:noFill/>
+          </a:ln>
+        </p:spPr>
+        <p:txBody>
+          <a:bodyPr lIns="0" tIns="0" rIns="0" bIns="0" anchor="b">
+            <a:noAutofit/>
+          </a:bodyPr>
+          <a:lstStyle/>
+          <a:p>
+            <a:pPr algn="ctr">
+              <a:lnSpc>
+                <a:spcPct val="90000"/>
+              </a:lnSpc>
+              <a:buNone/>
+            </a:pPr>
+            <a:r>
+              <a:rPr lang="pt-PT" sz="4000" b="0" strike="noStrike" spc="-1" dirty="0">
+                <a:solidFill>
+                  <a:srgbClr val="870F11"/>
+                </a:solidFill>
+                <a:latin typeface="Calibri"/>
+              </a:rPr>
+              <a:t>Plano de Segurança e </a:t>
+            </a:r>
+            <a:br>
+              <a:rPr lang="pt-PT" sz="4000" b="0" strike="noStrike" spc="-1" dirty="0">
+                <a:solidFill>
+                  <a:srgbClr val="870F11"/>
+                </a:solidFill>
+                <a:latin typeface="Calibri"/>
+              </a:rPr>
+            </a:br>
+            <a:r>
+              <a:rPr lang="pt-PT" sz="4000" b="0" strike="noStrike" spc="-1" dirty="0">
+                <a:solidFill>
+                  <a:srgbClr val="870F11"/>
+                </a:solidFill>
+                <a:latin typeface="Calibri"/>
+              </a:rPr>
+              <a:t>Recuperação de Dados</a:t>
+            </a:r>
+            <a:endParaRPr lang="en-US" sz="4000" b="0" strike="noStrike" spc="-1" dirty="0">
+              <a:latin typeface="Arial"/>
+            </a:endParaRPr>
+          </a:p>
+        </p:txBody>
+      </p:sp>
+      <p:sp>
+        <p:nvSpPr>
+          <p:cNvPr id="57" name="Retângulo 4">
+            <a:extLst>
+              <a:ext uri="{FF2B5EF4-FFF2-40B4-BE49-F238E27FC236}">
+                <a16:creationId xmlns:a16="http://schemas.microsoft.com/office/drawing/2014/main" id="{FFF1D286-3820-464D-6378-18BE79E4E282}"/>
+              </a:ext>
+            </a:extLst>
+          </p:cNvPr>
+          <p:cNvSpPr/>
+          <p:nvPr/>
+        </p:nvSpPr>
+        <p:spPr>
+          <a:xfrm>
+            <a:off x="0" y="6233760"/>
+            <a:ext cx="12189960" cy="622080"/>
+          </a:xfrm>
+          <a:prstGeom prst="rect">
+            <a:avLst/>
+          </a:prstGeom>
+          <a:solidFill>
+            <a:srgbClr val="870F11"/>
+          </a:solidFill>
+          <a:ln>
+            <a:solidFill>
+              <a:srgbClr val="870F11"/>
+            </a:solidFill>
+          </a:ln>
+        </p:spPr>
+        <p:style>
+          <a:lnRef idx="2">
+            <a:schemeClr val="accent1">
+              <a:shade val="50000"/>
+            </a:schemeClr>
+          </a:lnRef>
+          <a:fillRef idx="1">
+            <a:schemeClr val="accent1"/>
+          </a:fillRef>
+          <a:effectRef idx="0">
+            <a:schemeClr val="accent1"/>
+          </a:effectRef>
+          <a:fontRef idx="minor"/>
+        </p:style>
+        <p:txBody>
+          <a:bodyPr/>
+          <a:lstStyle/>
+          <a:p>
+            <a:endParaRPr lang="pt-PT"/>
+          </a:p>
+        </p:txBody>
+      </p:sp>
+      <p:pic>
+        <p:nvPicPr>
+          <p:cNvPr id="59" name="Imagem 3">
+            <a:extLst>
+              <a:ext uri="{FF2B5EF4-FFF2-40B4-BE49-F238E27FC236}">
+                <a16:creationId xmlns:a16="http://schemas.microsoft.com/office/drawing/2014/main" id="{FFEEF66F-CE7D-DCD2-5954-1C84F4E09A18}"/>
+              </a:ext>
+            </a:extLst>
+          </p:cNvPr>
+          <p:cNvPicPr/>
+          <p:nvPr/>
+        </p:nvPicPr>
+        <p:blipFill>
+          <a:blip r:embed="rId2"/>
+          <a:stretch/>
+        </p:blipFill>
+        <p:spPr>
+          <a:xfrm>
+            <a:off x="3240" y="6261480"/>
+            <a:ext cx="1236960" cy="709200"/>
+          </a:xfrm>
+          <a:prstGeom prst="rect">
+            <a:avLst/>
+          </a:prstGeom>
+          <a:ln w="0">
+            <a:noFill/>
+          </a:ln>
+        </p:spPr>
+      </p:pic>
+      <p:sp>
+        <p:nvSpPr>
+          <p:cNvPr id="60" name="CaixaDeTexto 1">
+            <a:extLst>
+              <a:ext uri="{FF2B5EF4-FFF2-40B4-BE49-F238E27FC236}">
+                <a16:creationId xmlns:a16="http://schemas.microsoft.com/office/drawing/2014/main" id="{E0DABF80-FE78-59A7-F80A-EE569033BC49}"/>
+              </a:ext>
+            </a:extLst>
+          </p:cNvPr>
+          <p:cNvSpPr/>
+          <p:nvPr/>
+        </p:nvSpPr>
+        <p:spPr>
+          <a:xfrm>
+            <a:off x="6629400" y="6362640"/>
+            <a:ext cx="5855760" cy="337100"/>
+          </a:xfrm>
+          <a:prstGeom prst="rect">
+            <a:avLst/>
+          </a:prstGeom>
+          <a:noFill/>
+          <a:ln w="0">
+            <a:noFill/>
+          </a:ln>
+        </p:spPr>
+        <p:style>
+          <a:lnRef idx="0">
+            <a:scrgbClr r="0" g="0" b="0"/>
+          </a:lnRef>
+          <a:fillRef idx="0">
+            <a:scrgbClr r="0" g="0" b="0"/>
+          </a:fillRef>
+          <a:effectRef idx="0">
+            <a:scrgbClr r="0" g="0" b="0"/>
+          </a:effectRef>
+          <a:fontRef idx="minor"/>
+        </p:style>
+        <p:txBody>
+          <a:bodyPr vertOverflow="overflow" horzOverflow="overflow" lIns="90000" tIns="45000" rIns="90000" bIns="45000" numCol="1" spcCol="0" anchor="t">
+            <a:spAutoFit/>
+          </a:bodyPr>
+          <a:lstStyle/>
+          <a:p>
+            <a:pPr>
+              <a:lnSpc>
+                <a:spcPct val="100000"/>
+              </a:lnSpc>
+              <a:buNone/>
+            </a:pPr>
+            <a:r>
+              <a:rPr lang="pt-PT" sz="1600" b="0" strike="noStrike" spc="-1" dirty="0">
+                <a:solidFill>
+                  <a:srgbClr val="FFFFFF"/>
+                </a:solidFill>
+                <a:latin typeface="Calibri"/>
+                <a:ea typeface="DejaVu Sans"/>
+              </a:rPr>
+              <a:t>Bases de Dados – Jogos Olímpicos   |   Parte 2 - Grupo 8</a:t>
+            </a:r>
+            <a:endParaRPr lang="en-US" sz="1600" b="0" strike="noStrike" spc="-1" dirty="0">
+              <a:latin typeface="Arial"/>
+            </a:endParaRPr>
+          </a:p>
+        </p:txBody>
+      </p:sp>
+      <p:sp>
+        <p:nvSpPr>
+          <p:cNvPr id="3" name="CaixaDeTexto 2">
+            <a:extLst>
+              <a:ext uri="{FF2B5EF4-FFF2-40B4-BE49-F238E27FC236}">
+                <a16:creationId xmlns:a16="http://schemas.microsoft.com/office/drawing/2014/main" id="{1EAD3B5D-A052-CC71-6535-2F26792DC072}"/>
+              </a:ext>
+            </a:extLst>
+          </p:cNvPr>
+          <p:cNvSpPr txBox="1"/>
+          <p:nvPr/>
+        </p:nvSpPr>
+        <p:spPr>
+          <a:xfrm>
+            <a:off x="1508080" y="1687411"/>
+            <a:ext cx="9173800" cy="4197880"/>
+          </a:xfrm>
+          <a:prstGeom prst="rect">
+            <a:avLst/>
+          </a:prstGeom>
+          <a:noFill/>
+        </p:spPr>
+        <p:txBody>
+          <a:bodyPr wrap="square">
+            <a:spAutoFit/>
+          </a:bodyPr>
+          <a:lstStyle/>
+          <a:p>
+            <a:pPr algn="just">
+              <a:lnSpc>
+                <a:spcPct val="150000"/>
+              </a:lnSpc>
+            </a:pPr>
+            <a:r>
+              <a:rPr lang="pt-PT" sz="2000" dirty="0">
+                <a:effectLst/>
+                <a:latin typeface="Consolas" panose="020B0609020204030204" pitchFamily="49" charset="0"/>
+                <a:ea typeface="Times New Roman" panose="02020603050405020304" pitchFamily="18" charset="0"/>
+              </a:rPr>
+              <a:t>O último passo da Implementação Física desta Base de Dados é o Plano de Segurança e Recuperação de Dados. No contexto do trabalho, no qual a base de dados trata-se de eventos desportivos multimodalidades, a segurança e recuperação de dados são aspetos essenciais devido à importância e sensibilidade das informações, como detalhes dos eventos, participantes, horários e afins. Um bom plano de backup e recuperação minimiza o risco de perda de dados em caso de falhas técnicas, ataques cibernéticos ou erros humanos.</a:t>
+            </a:r>
+          </a:p>
+        </p:txBody>
+      </p:sp>
+    </p:spTree>
+    <p:extLst>
+      <p:ext uri="{BB962C8B-B14F-4D97-AF65-F5344CB8AC3E}">
+        <p14:creationId xmlns:p14="http://schemas.microsoft.com/office/powerpoint/2010/main" val="618725798"/>
+      </p:ext>
+    </p:extLst>
+  </p:cSld>
+  <p:clrMapOvr>
+    <a:masterClrMapping/>
+  </p:clrMapOvr>
+</p:sld>
+</file>
+
+<file path=ppt/slides/slide63.xml><?xml version="1.0" encoding="utf-8"?>
+<p:sld xmlns:a="http://schemas.openxmlformats.org/drawingml/2006/main" xmlns:r="http://schemas.openxmlformats.org/officeDocument/2006/relationships" xmlns:p="http://schemas.openxmlformats.org/presentationml/2006/main" show="0">
+  <p:cSld>
+    <p:spTree>
+      <p:nvGrpSpPr>
+        <p:cNvPr id="1" name="">
+          <a:extLst>
+            <a:ext uri="{FF2B5EF4-FFF2-40B4-BE49-F238E27FC236}">
+              <a16:creationId xmlns:a16="http://schemas.microsoft.com/office/drawing/2014/main" id="{16F2282F-5393-F562-4716-EB2F32EB423A}"/>
+            </a:ext>
+          </a:extLst>
+        </p:cNvPr>
+        <p:cNvGrpSpPr/>
+        <p:nvPr/>
+      </p:nvGrpSpPr>
+      <p:grpSpPr>
+        <a:xfrm>
+          <a:off x="0" y="0"/>
+          <a:ext cx="0" cy="0"/>
+          <a:chOff x="0" y="0"/>
+          <a:chExt cx="0" cy="0"/>
+        </a:xfrm>
+      </p:grpSpPr>
+      <p:sp>
+        <p:nvSpPr>
+          <p:cNvPr id="56" name="PlaceHolder 1">
+            <a:extLst>
+              <a:ext uri="{FF2B5EF4-FFF2-40B4-BE49-F238E27FC236}">
+                <a16:creationId xmlns:a16="http://schemas.microsoft.com/office/drawing/2014/main" id="{AA3993CB-BCB6-63EB-7FD9-944266EDC104}"/>
+              </a:ext>
+            </a:extLst>
+          </p:cNvPr>
+          <p:cNvSpPr>
+            <a:spLocks noGrp="1"/>
+          </p:cNvSpPr>
+          <p:nvPr>
+            <p:ph type="title"/>
+          </p:nvPr>
+        </p:nvSpPr>
+        <p:spPr>
+          <a:xfrm>
+            <a:off x="1489680" y="208399"/>
+            <a:ext cx="9024480" cy="1130543"/>
+          </a:xfrm>
+          <a:prstGeom prst="rect">
+            <a:avLst/>
+          </a:prstGeom>
+          <a:noFill/>
+          <a:ln w="0">
+            <a:noFill/>
+          </a:ln>
+        </p:spPr>
+        <p:txBody>
+          <a:bodyPr lIns="0" tIns="0" rIns="0" bIns="0" anchor="b">
+            <a:noAutofit/>
+          </a:bodyPr>
+          <a:lstStyle/>
+          <a:p>
+            <a:pPr algn="ctr">
+              <a:lnSpc>
+                <a:spcPct val="90000"/>
+              </a:lnSpc>
+              <a:buNone/>
+            </a:pPr>
+            <a:r>
+              <a:rPr lang="pt-PT" sz="4000" b="0" strike="noStrike" spc="-1" dirty="0">
+                <a:solidFill>
+                  <a:srgbClr val="870F11"/>
+                </a:solidFill>
+                <a:latin typeface="Calibri"/>
+              </a:rPr>
+              <a:t>Plano de Segurança e </a:t>
+            </a:r>
+            <a:br>
+              <a:rPr lang="pt-PT" sz="4000" b="0" strike="noStrike" spc="-1" dirty="0">
+                <a:solidFill>
+                  <a:srgbClr val="870F11"/>
+                </a:solidFill>
+                <a:latin typeface="Calibri"/>
+              </a:rPr>
+            </a:br>
+            <a:r>
+              <a:rPr lang="pt-PT" sz="4000" b="0" strike="noStrike" spc="-1" dirty="0">
+                <a:solidFill>
+                  <a:srgbClr val="870F11"/>
+                </a:solidFill>
+                <a:latin typeface="Calibri"/>
+              </a:rPr>
+              <a:t>Recuperação de Dados</a:t>
+            </a:r>
+            <a:endParaRPr lang="en-US" sz="4000" b="0" strike="noStrike" spc="-1" dirty="0">
+              <a:latin typeface="Arial"/>
+            </a:endParaRPr>
+          </a:p>
+        </p:txBody>
+      </p:sp>
+      <p:sp>
+        <p:nvSpPr>
+          <p:cNvPr id="57" name="Retângulo 4">
+            <a:extLst>
+              <a:ext uri="{FF2B5EF4-FFF2-40B4-BE49-F238E27FC236}">
+                <a16:creationId xmlns:a16="http://schemas.microsoft.com/office/drawing/2014/main" id="{DE289867-C7DE-3ABC-43A9-A070F498FF52}"/>
+              </a:ext>
+            </a:extLst>
+          </p:cNvPr>
+          <p:cNvSpPr/>
+          <p:nvPr/>
+        </p:nvSpPr>
+        <p:spPr>
+          <a:xfrm>
+            <a:off x="0" y="6233760"/>
+            <a:ext cx="12189960" cy="622080"/>
+          </a:xfrm>
+          <a:prstGeom prst="rect">
+            <a:avLst/>
+          </a:prstGeom>
+          <a:solidFill>
+            <a:srgbClr val="870F11"/>
+          </a:solidFill>
+          <a:ln>
+            <a:solidFill>
+              <a:srgbClr val="870F11"/>
+            </a:solidFill>
+          </a:ln>
+        </p:spPr>
+        <p:style>
+          <a:lnRef idx="2">
+            <a:schemeClr val="accent1">
+              <a:shade val="50000"/>
+            </a:schemeClr>
+          </a:lnRef>
+          <a:fillRef idx="1">
+            <a:schemeClr val="accent1"/>
+          </a:fillRef>
+          <a:effectRef idx="0">
+            <a:schemeClr val="accent1"/>
+          </a:effectRef>
+          <a:fontRef idx="minor"/>
+        </p:style>
+        <p:txBody>
+          <a:bodyPr/>
+          <a:lstStyle/>
+          <a:p>
+            <a:endParaRPr lang="pt-PT"/>
+          </a:p>
+        </p:txBody>
+      </p:sp>
+      <p:pic>
+        <p:nvPicPr>
+          <p:cNvPr id="59" name="Imagem 3">
+            <a:extLst>
+              <a:ext uri="{FF2B5EF4-FFF2-40B4-BE49-F238E27FC236}">
+                <a16:creationId xmlns:a16="http://schemas.microsoft.com/office/drawing/2014/main" id="{C54BA371-84BA-A446-8C69-C5EB6B6204CF}"/>
+              </a:ext>
+            </a:extLst>
+          </p:cNvPr>
+          <p:cNvPicPr/>
+          <p:nvPr/>
+        </p:nvPicPr>
+        <p:blipFill>
+          <a:blip r:embed="rId2"/>
+          <a:stretch/>
+        </p:blipFill>
+        <p:spPr>
+          <a:xfrm>
+            <a:off x="3240" y="6261480"/>
+            <a:ext cx="1236960" cy="709200"/>
+          </a:xfrm>
+          <a:prstGeom prst="rect">
+            <a:avLst/>
+          </a:prstGeom>
+          <a:ln w="0">
+            <a:noFill/>
+          </a:ln>
+        </p:spPr>
+      </p:pic>
+      <p:sp>
+        <p:nvSpPr>
+          <p:cNvPr id="60" name="CaixaDeTexto 1">
+            <a:extLst>
+              <a:ext uri="{FF2B5EF4-FFF2-40B4-BE49-F238E27FC236}">
+                <a16:creationId xmlns:a16="http://schemas.microsoft.com/office/drawing/2014/main" id="{089B95B8-2467-7FF3-683F-126098422B04}"/>
+              </a:ext>
+            </a:extLst>
+          </p:cNvPr>
+          <p:cNvSpPr/>
+          <p:nvPr/>
+        </p:nvSpPr>
+        <p:spPr>
+          <a:xfrm>
+            <a:off x="6629400" y="6362640"/>
+            <a:ext cx="5855760" cy="337100"/>
+          </a:xfrm>
+          <a:prstGeom prst="rect">
+            <a:avLst/>
+          </a:prstGeom>
+          <a:noFill/>
+          <a:ln w="0">
+            <a:noFill/>
+          </a:ln>
+        </p:spPr>
+        <p:style>
+          <a:lnRef idx="0">
+            <a:scrgbClr r="0" g="0" b="0"/>
+          </a:lnRef>
+          <a:fillRef idx="0">
+            <a:scrgbClr r="0" g="0" b="0"/>
+          </a:fillRef>
+          <a:effectRef idx="0">
+            <a:scrgbClr r="0" g="0" b="0"/>
+          </a:effectRef>
+          <a:fontRef idx="minor"/>
+        </p:style>
+        <p:txBody>
+          <a:bodyPr vertOverflow="overflow" horzOverflow="overflow" lIns="90000" tIns="45000" rIns="90000" bIns="45000" numCol="1" spcCol="0" anchor="t">
+            <a:spAutoFit/>
+          </a:bodyPr>
+          <a:lstStyle/>
+          <a:p>
+            <a:pPr>
+              <a:lnSpc>
+                <a:spcPct val="100000"/>
+              </a:lnSpc>
+              <a:buNone/>
+            </a:pPr>
+            <a:r>
+              <a:rPr lang="pt-PT" sz="1600" b="0" strike="noStrike" spc="-1" dirty="0">
+                <a:solidFill>
+                  <a:srgbClr val="FFFFFF"/>
+                </a:solidFill>
+                <a:latin typeface="Calibri"/>
+                <a:ea typeface="DejaVu Sans"/>
+              </a:rPr>
+              <a:t>Bases de Dados – Jogos Olímpicos   |   Parte 2 - Grupo 8</a:t>
+            </a:r>
+            <a:endParaRPr lang="en-US" sz="1600" b="0" strike="noStrike" spc="-1" dirty="0">
+              <a:latin typeface="Arial"/>
+            </a:endParaRPr>
+          </a:p>
+        </p:txBody>
+      </p:sp>
+      <p:sp>
+        <p:nvSpPr>
+          <p:cNvPr id="3" name="CaixaDeTexto 2">
+            <a:extLst>
+              <a:ext uri="{FF2B5EF4-FFF2-40B4-BE49-F238E27FC236}">
+                <a16:creationId xmlns:a16="http://schemas.microsoft.com/office/drawing/2014/main" id="{2B44C81B-ECCE-09C3-FFCD-CC978D4D929B}"/>
+              </a:ext>
+            </a:extLst>
+          </p:cNvPr>
+          <p:cNvSpPr txBox="1"/>
+          <p:nvPr/>
+        </p:nvSpPr>
+        <p:spPr>
+          <a:xfrm>
+            <a:off x="1508080" y="1687411"/>
+            <a:ext cx="9173800" cy="4197880"/>
+          </a:xfrm>
+          <a:prstGeom prst="rect">
+            <a:avLst/>
+          </a:prstGeom>
+          <a:noFill/>
+        </p:spPr>
+        <p:txBody>
+          <a:bodyPr wrap="square">
+            <a:spAutoFit/>
+          </a:bodyPr>
+          <a:lstStyle/>
+          <a:p>
+            <a:pPr algn="just">
+              <a:lnSpc>
+                <a:spcPct val="150000"/>
+              </a:lnSpc>
+            </a:pPr>
+            <a:r>
+              <a:rPr lang="pt-PT" sz="2000" dirty="0">
+                <a:effectLst/>
+                <a:latin typeface="Consolas" panose="020B0609020204030204" pitchFamily="49" charset="0"/>
+                <a:ea typeface="Times New Roman" panose="02020603050405020304" pitchFamily="18" charset="0"/>
+              </a:rPr>
+              <a:t>Quanto a etapa de backup, uma opção é a de backups incrementais diários e completos semanais. Os backups incrementais salvam apenas os dados alterados desde o último backup, seja este backup completo ou não, o que economiza espaço e tempo. Já os backups completos, realizados semanalmente, garantem uma cópia integral dos dados, assegurando que nada será perdido. Além disso, backups podem ser armazenados em mais de um disco rígido (hard drive) ou até em mais do que um local para maior segurança.</a:t>
+            </a:r>
+          </a:p>
+        </p:txBody>
+      </p:sp>
+    </p:spTree>
+    <p:extLst>
+      <p:ext uri="{BB962C8B-B14F-4D97-AF65-F5344CB8AC3E}">
+        <p14:creationId xmlns:p14="http://schemas.microsoft.com/office/powerpoint/2010/main" val="3360812197"/>
+      </p:ext>
+    </p:extLst>
+  </p:cSld>
+  <p:clrMapOvr>
+    <a:masterClrMapping/>
+  </p:clrMapOvr>
+</p:sld>
+</file>
+
+<file path=ppt/slides/slide64.xml><?xml version="1.0" encoding="utf-8"?>
+<p:sld xmlns:a="http://schemas.openxmlformats.org/drawingml/2006/main" xmlns:r="http://schemas.openxmlformats.org/officeDocument/2006/relationships" xmlns:p="http://schemas.openxmlformats.org/presentationml/2006/main" show="0">
+  <p:cSld>
+    <p:spTree>
+      <p:nvGrpSpPr>
+        <p:cNvPr id="1" name="">
+          <a:extLst>
+            <a:ext uri="{FF2B5EF4-FFF2-40B4-BE49-F238E27FC236}">
+              <a16:creationId xmlns:a16="http://schemas.microsoft.com/office/drawing/2014/main" id="{319019DF-13C8-D50B-CC44-1595C655A40F}"/>
+            </a:ext>
+          </a:extLst>
+        </p:cNvPr>
+        <p:cNvGrpSpPr/>
+        <p:nvPr/>
+      </p:nvGrpSpPr>
+      <p:grpSpPr>
+        <a:xfrm>
+          <a:off x="0" y="0"/>
+          <a:ext cx="0" cy="0"/>
+          <a:chOff x="0" y="0"/>
+          <a:chExt cx="0" cy="0"/>
+        </a:xfrm>
+      </p:grpSpPr>
+      <p:sp>
+        <p:nvSpPr>
+          <p:cNvPr id="56" name="PlaceHolder 1">
+            <a:extLst>
+              <a:ext uri="{FF2B5EF4-FFF2-40B4-BE49-F238E27FC236}">
+                <a16:creationId xmlns:a16="http://schemas.microsoft.com/office/drawing/2014/main" id="{5B3D4FF6-E131-9757-C96A-AC5AC5E0D651}"/>
+              </a:ext>
+            </a:extLst>
+          </p:cNvPr>
+          <p:cNvSpPr>
+            <a:spLocks noGrp="1"/>
+          </p:cNvSpPr>
+          <p:nvPr>
+            <p:ph type="title"/>
+          </p:nvPr>
+        </p:nvSpPr>
+        <p:spPr>
+          <a:xfrm>
+            <a:off x="1489680" y="208399"/>
+            <a:ext cx="9024480" cy="1130543"/>
+          </a:xfrm>
+          <a:prstGeom prst="rect">
+            <a:avLst/>
+          </a:prstGeom>
+          <a:noFill/>
+          <a:ln w="0">
+            <a:noFill/>
+          </a:ln>
+        </p:spPr>
+        <p:txBody>
+          <a:bodyPr lIns="0" tIns="0" rIns="0" bIns="0" anchor="b">
+            <a:noAutofit/>
+          </a:bodyPr>
+          <a:lstStyle/>
+          <a:p>
+            <a:pPr algn="ctr">
+              <a:lnSpc>
+                <a:spcPct val="90000"/>
+              </a:lnSpc>
+              <a:buNone/>
+            </a:pPr>
+            <a:r>
+              <a:rPr lang="pt-PT" sz="4000" b="0" strike="noStrike" spc="-1" dirty="0">
+                <a:solidFill>
+                  <a:srgbClr val="870F11"/>
+                </a:solidFill>
+                <a:latin typeface="Calibri"/>
+              </a:rPr>
+              <a:t>Plano de Segurança e </a:t>
+            </a:r>
+            <a:br>
+              <a:rPr lang="pt-PT" sz="4000" b="0" strike="noStrike" spc="-1" dirty="0">
+                <a:solidFill>
+                  <a:srgbClr val="870F11"/>
+                </a:solidFill>
+                <a:latin typeface="Calibri"/>
+              </a:rPr>
+            </a:br>
+            <a:r>
+              <a:rPr lang="pt-PT" sz="4000" b="0" strike="noStrike" spc="-1" dirty="0">
+                <a:solidFill>
+                  <a:srgbClr val="870F11"/>
+                </a:solidFill>
+                <a:latin typeface="Calibri"/>
+              </a:rPr>
+              <a:t>Recuperação de Dados</a:t>
+            </a:r>
+            <a:endParaRPr lang="en-US" sz="4000" b="0" strike="noStrike" spc="-1" dirty="0">
+              <a:latin typeface="Arial"/>
+            </a:endParaRPr>
+          </a:p>
+        </p:txBody>
+      </p:sp>
+      <p:sp>
+        <p:nvSpPr>
+          <p:cNvPr id="57" name="Retângulo 4">
+            <a:extLst>
+              <a:ext uri="{FF2B5EF4-FFF2-40B4-BE49-F238E27FC236}">
+                <a16:creationId xmlns:a16="http://schemas.microsoft.com/office/drawing/2014/main" id="{DA9A64F4-F31A-A455-4DAC-D2D64F966D70}"/>
+              </a:ext>
+            </a:extLst>
+          </p:cNvPr>
+          <p:cNvSpPr/>
+          <p:nvPr/>
+        </p:nvSpPr>
+        <p:spPr>
+          <a:xfrm>
+            <a:off x="0" y="6233760"/>
+            <a:ext cx="12189960" cy="622080"/>
+          </a:xfrm>
+          <a:prstGeom prst="rect">
+            <a:avLst/>
+          </a:prstGeom>
+          <a:solidFill>
+            <a:srgbClr val="870F11"/>
+          </a:solidFill>
+          <a:ln>
+            <a:solidFill>
+              <a:srgbClr val="870F11"/>
+            </a:solidFill>
+          </a:ln>
+        </p:spPr>
+        <p:style>
+          <a:lnRef idx="2">
+            <a:schemeClr val="accent1">
+              <a:shade val="50000"/>
+            </a:schemeClr>
+          </a:lnRef>
+          <a:fillRef idx="1">
+            <a:schemeClr val="accent1"/>
+          </a:fillRef>
+          <a:effectRef idx="0">
+            <a:schemeClr val="accent1"/>
+          </a:effectRef>
+          <a:fontRef idx="minor"/>
+        </p:style>
+        <p:txBody>
+          <a:bodyPr/>
+          <a:lstStyle/>
+          <a:p>
+            <a:endParaRPr lang="pt-PT"/>
+          </a:p>
+        </p:txBody>
+      </p:sp>
+      <p:pic>
+        <p:nvPicPr>
+          <p:cNvPr id="59" name="Imagem 3">
+            <a:extLst>
+              <a:ext uri="{FF2B5EF4-FFF2-40B4-BE49-F238E27FC236}">
+                <a16:creationId xmlns:a16="http://schemas.microsoft.com/office/drawing/2014/main" id="{6BDED7FD-6F81-3FC4-95D6-86BC76A68A92}"/>
+              </a:ext>
+            </a:extLst>
+          </p:cNvPr>
+          <p:cNvPicPr/>
+          <p:nvPr/>
+        </p:nvPicPr>
+        <p:blipFill>
+          <a:blip r:embed="rId2"/>
+          <a:stretch/>
+        </p:blipFill>
+        <p:spPr>
+          <a:xfrm>
+            <a:off x="3240" y="6261480"/>
+            <a:ext cx="1236960" cy="709200"/>
+          </a:xfrm>
+          <a:prstGeom prst="rect">
+            <a:avLst/>
+          </a:prstGeom>
+          <a:ln w="0">
+            <a:noFill/>
+          </a:ln>
+        </p:spPr>
+      </p:pic>
+      <p:sp>
+        <p:nvSpPr>
+          <p:cNvPr id="60" name="CaixaDeTexto 1">
+            <a:extLst>
+              <a:ext uri="{FF2B5EF4-FFF2-40B4-BE49-F238E27FC236}">
+                <a16:creationId xmlns:a16="http://schemas.microsoft.com/office/drawing/2014/main" id="{48BB1AEA-B6C5-2433-D2C9-DFB6D3BD78E9}"/>
+              </a:ext>
+            </a:extLst>
+          </p:cNvPr>
+          <p:cNvSpPr/>
+          <p:nvPr/>
+        </p:nvSpPr>
+        <p:spPr>
+          <a:xfrm>
+            <a:off x="6629400" y="6362640"/>
+            <a:ext cx="5855760" cy="337100"/>
+          </a:xfrm>
+          <a:prstGeom prst="rect">
+            <a:avLst/>
+          </a:prstGeom>
+          <a:noFill/>
+          <a:ln w="0">
+            <a:noFill/>
+          </a:ln>
+        </p:spPr>
+        <p:style>
+          <a:lnRef idx="0">
+            <a:scrgbClr r="0" g="0" b="0"/>
+          </a:lnRef>
+          <a:fillRef idx="0">
+            <a:scrgbClr r="0" g="0" b="0"/>
+          </a:fillRef>
+          <a:effectRef idx="0">
+            <a:scrgbClr r="0" g="0" b="0"/>
+          </a:effectRef>
+          <a:fontRef idx="minor"/>
+        </p:style>
+        <p:txBody>
+          <a:bodyPr vertOverflow="overflow" horzOverflow="overflow" lIns="90000" tIns="45000" rIns="90000" bIns="45000" numCol="1" spcCol="0" anchor="t">
+            <a:spAutoFit/>
+          </a:bodyPr>
+          <a:lstStyle/>
+          <a:p>
+            <a:pPr>
+              <a:lnSpc>
+                <a:spcPct val="100000"/>
+              </a:lnSpc>
+              <a:buNone/>
+            </a:pPr>
+            <a:r>
+              <a:rPr lang="pt-PT" sz="1600" b="0" strike="noStrike" spc="-1" dirty="0">
+                <a:solidFill>
+                  <a:srgbClr val="FFFFFF"/>
+                </a:solidFill>
+                <a:latin typeface="Calibri"/>
+                <a:ea typeface="DejaVu Sans"/>
+              </a:rPr>
+              <a:t>Bases de Dados – Jogos Olímpicos   |   Parte 2 - Grupo 8</a:t>
+            </a:r>
+            <a:endParaRPr lang="en-US" sz="1600" b="0" strike="noStrike" spc="-1" dirty="0">
+              <a:latin typeface="Arial"/>
+            </a:endParaRPr>
+          </a:p>
+        </p:txBody>
+      </p:sp>
+      <p:sp>
+        <p:nvSpPr>
+          <p:cNvPr id="3" name="CaixaDeTexto 2">
+            <a:extLst>
+              <a:ext uri="{FF2B5EF4-FFF2-40B4-BE49-F238E27FC236}">
+                <a16:creationId xmlns:a16="http://schemas.microsoft.com/office/drawing/2014/main" id="{DDB7938C-4707-8BED-4B99-4FB39D10AA66}"/>
+              </a:ext>
+            </a:extLst>
+          </p:cNvPr>
+          <p:cNvSpPr txBox="1"/>
+          <p:nvPr/>
+        </p:nvSpPr>
+        <p:spPr>
+          <a:xfrm>
+            <a:off x="1508080" y="2379908"/>
+            <a:ext cx="9173800" cy="2812886"/>
+          </a:xfrm>
+          <a:prstGeom prst="rect">
+            <a:avLst/>
+          </a:prstGeom>
+          <a:noFill/>
+        </p:spPr>
+        <p:txBody>
+          <a:bodyPr wrap="square">
+            <a:spAutoFit/>
+          </a:bodyPr>
+          <a:lstStyle/>
+          <a:p>
+            <a:pPr algn="just">
+              <a:lnSpc>
+                <a:spcPct val="150000"/>
+              </a:lnSpc>
+            </a:pPr>
+            <a:r>
+              <a:rPr lang="pt-PT" sz="2000" dirty="0">
+                <a:effectLst/>
+                <a:latin typeface="Consolas" panose="020B0609020204030204" pitchFamily="49" charset="0"/>
+                <a:ea typeface="Times New Roman" panose="02020603050405020304" pitchFamily="18" charset="0"/>
+              </a:rPr>
+              <a:t>A recuperação pode ser feita restaurando os arquivos de backup completos e aplicando, em seguida, os backups incrementais para atualizar os dados ao estado mais recente. Esse processo pode ser lento, dependendo de quantos backups incrementais foram realizados, e deve ser documentado e testado regularmente para garantir sua eficiência em situações de emergência.</a:t>
+            </a:r>
+          </a:p>
+        </p:txBody>
+      </p:sp>
+    </p:spTree>
+    <p:extLst>
+      <p:ext uri="{BB962C8B-B14F-4D97-AF65-F5344CB8AC3E}">
+        <p14:creationId xmlns:p14="http://schemas.microsoft.com/office/powerpoint/2010/main" val="1918244784"/>
+      </p:ext>
+    </p:extLst>
+  </p:cSld>
+  <p:clrMapOvr>
+    <a:masterClrMapping/>
+  </p:clrMapOvr>
+</p:sld>
+</file>
+
+<file path=ppt/slides/slide65.xml><?xml version="1.0" encoding="utf-8"?>
+<p:sld xmlns:a="http://schemas.openxmlformats.org/drawingml/2006/main" xmlns:r="http://schemas.openxmlformats.org/officeDocument/2006/relationships" xmlns:p="http://schemas.openxmlformats.org/presentationml/2006/main" show="0">
+  <p:cSld>
+    <p:spTree>
+      <p:nvGrpSpPr>
+        <p:cNvPr id="1" name="">
+          <a:extLst>
+            <a:ext uri="{FF2B5EF4-FFF2-40B4-BE49-F238E27FC236}">
+              <a16:creationId xmlns:a16="http://schemas.microsoft.com/office/drawing/2014/main" id="{8EA051DF-9370-6E1F-A966-FCFFF3AFAA4E}"/>
+            </a:ext>
+          </a:extLst>
+        </p:cNvPr>
+        <p:cNvGrpSpPr/>
+        <p:nvPr/>
+      </p:nvGrpSpPr>
+      <p:grpSpPr>
+        <a:xfrm>
+          <a:off x="0" y="0"/>
+          <a:ext cx="0" cy="0"/>
+          <a:chOff x="0" y="0"/>
+          <a:chExt cx="0" cy="0"/>
+        </a:xfrm>
+      </p:grpSpPr>
+      <p:sp>
+        <p:nvSpPr>
+          <p:cNvPr id="51" name="PlaceHolder 1">
+            <a:extLst>
+              <a:ext uri="{FF2B5EF4-FFF2-40B4-BE49-F238E27FC236}">
+                <a16:creationId xmlns:a16="http://schemas.microsoft.com/office/drawing/2014/main" id="{F5167765-DEF6-8118-1BA0-EACD0A05728A}"/>
+              </a:ext>
+            </a:extLst>
+          </p:cNvPr>
+          <p:cNvSpPr>
+            <a:spLocks noGrp="1"/>
+          </p:cNvSpPr>
+          <p:nvPr>
+            <p:ph type="title"/>
+          </p:nvPr>
+        </p:nvSpPr>
+        <p:spPr>
+          <a:xfrm>
+            <a:off x="1525680" y="275040"/>
+            <a:ext cx="9141840" cy="1153080"/>
+          </a:xfrm>
+          <a:prstGeom prst="rect">
+            <a:avLst/>
+          </a:prstGeom>
+          <a:noFill/>
+          <a:ln w="0">
+            <a:noFill/>
+          </a:ln>
+        </p:spPr>
+        <p:txBody>
+          <a:bodyPr lIns="0" tIns="0" rIns="0" bIns="0" anchor="b">
+            <a:noAutofit/>
+          </a:bodyPr>
+          <a:lstStyle/>
+          <a:p>
+            <a:pPr algn="ctr">
+              <a:lnSpc>
+                <a:spcPct val="90000"/>
+              </a:lnSpc>
+              <a:buNone/>
+            </a:pPr>
+            <a:r>
+              <a:rPr lang="pt-PT" sz="4400" b="0" u="sng" strike="noStrike" spc="-1" dirty="0">
+                <a:solidFill>
+                  <a:srgbClr val="870F11"/>
+                </a:solidFill>
+                <a:uFillTx/>
+                <a:latin typeface="Calibri"/>
+              </a:rPr>
+              <a:t>Conclusão e Trabalho Futuro</a:t>
+            </a:r>
+            <a:endParaRPr lang="en-US" sz="4400" b="0" strike="noStrike" spc="-1" dirty="0">
+              <a:latin typeface="Arial"/>
+            </a:endParaRPr>
+          </a:p>
+        </p:txBody>
+      </p:sp>
+      <p:sp>
+        <p:nvSpPr>
+          <p:cNvPr id="52" name="Retângulo 4">
+            <a:extLst>
+              <a:ext uri="{FF2B5EF4-FFF2-40B4-BE49-F238E27FC236}">
+                <a16:creationId xmlns:a16="http://schemas.microsoft.com/office/drawing/2014/main" id="{69301A0B-E77F-3789-C9E4-6579746AE1F2}"/>
+              </a:ext>
+            </a:extLst>
+          </p:cNvPr>
+          <p:cNvSpPr/>
+          <p:nvPr/>
+        </p:nvSpPr>
+        <p:spPr>
+          <a:xfrm>
+            <a:off x="0" y="6233760"/>
+            <a:ext cx="12189960" cy="622080"/>
+          </a:xfrm>
+          <a:prstGeom prst="rect">
+            <a:avLst/>
+          </a:prstGeom>
+          <a:solidFill>
+            <a:srgbClr val="870F11"/>
+          </a:solidFill>
+          <a:ln>
+            <a:solidFill>
+              <a:srgbClr val="870F11"/>
+            </a:solidFill>
+          </a:ln>
+        </p:spPr>
+        <p:style>
+          <a:lnRef idx="2">
+            <a:schemeClr val="accent1">
+              <a:shade val="50000"/>
+            </a:schemeClr>
+          </a:lnRef>
+          <a:fillRef idx="1">
+            <a:schemeClr val="accent1"/>
+          </a:fillRef>
+          <a:effectRef idx="0">
+            <a:schemeClr val="accent1"/>
+          </a:effectRef>
+          <a:fontRef idx="minor"/>
+        </p:style>
+        <p:txBody>
+          <a:bodyPr/>
+          <a:lstStyle/>
+          <a:p>
+            <a:endParaRPr lang="pt-PT"/>
+          </a:p>
+        </p:txBody>
+      </p:sp>
+      <p:sp>
+        <p:nvSpPr>
+          <p:cNvPr id="53" name="CaixaDeTexto 5">
+            <a:extLst>
+              <a:ext uri="{FF2B5EF4-FFF2-40B4-BE49-F238E27FC236}">
+                <a16:creationId xmlns:a16="http://schemas.microsoft.com/office/drawing/2014/main" id="{9627A777-B39B-0638-8DF6-212D4B3F7B50}"/>
+              </a:ext>
+            </a:extLst>
+          </p:cNvPr>
+          <p:cNvSpPr/>
+          <p:nvPr/>
+        </p:nvSpPr>
+        <p:spPr>
+          <a:xfrm>
+            <a:off x="1814400" y="1845720"/>
+            <a:ext cx="6792840" cy="1598984"/>
+          </a:xfrm>
+          <a:prstGeom prst="rect">
+            <a:avLst/>
+          </a:prstGeom>
+          <a:noFill/>
+          <a:ln w="0">
+            <a:noFill/>
+          </a:ln>
+        </p:spPr>
+        <p:style>
+          <a:lnRef idx="0">
+            <a:scrgbClr r="0" g="0" b="0"/>
+          </a:lnRef>
+          <a:fillRef idx="0">
+            <a:scrgbClr r="0" g="0" b="0"/>
+          </a:fillRef>
+          <a:effectRef idx="0">
+            <a:scrgbClr r="0" g="0" b="0"/>
+          </a:effectRef>
+          <a:fontRef idx="minor"/>
+        </p:style>
+        <p:txBody>
+          <a:bodyPr vertOverflow="overflow" horzOverflow="overflow" lIns="90000" tIns="45000" rIns="90000" bIns="45000" numCol="1" spcCol="0" anchor="t">
+            <a:spAutoFit/>
+          </a:bodyPr>
+          <a:lstStyle/>
+          <a:p>
+            <a:pPr>
+              <a:lnSpc>
+                <a:spcPct val="150000"/>
+              </a:lnSpc>
+              <a:buNone/>
+            </a:pPr>
+            <a:endParaRPr lang="en-US" sz="2000" b="0" strike="noStrike" spc="-1" dirty="0">
+              <a:latin typeface="Arial"/>
+            </a:endParaRPr>
+          </a:p>
+          <a:p>
+            <a:pPr>
+              <a:lnSpc>
+                <a:spcPct val="100000"/>
+              </a:lnSpc>
+              <a:buNone/>
+            </a:pPr>
+            <a:endParaRPr lang="en-US" sz="2000" b="0" strike="noStrike" spc="-1" dirty="0">
+              <a:latin typeface="Arial"/>
+            </a:endParaRPr>
+          </a:p>
+          <a:p>
+            <a:pPr algn="ctr">
+              <a:lnSpc>
+                <a:spcPct val="100000"/>
+              </a:lnSpc>
+              <a:buNone/>
+            </a:pPr>
+            <a:endParaRPr lang="en-US" sz="2400" b="0" strike="noStrike" spc="-1" dirty="0">
+              <a:latin typeface="Arial"/>
+            </a:endParaRPr>
+          </a:p>
+          <a:p>
+            <a:pPr algn="ctr">
+              <a:lnSpc>
+                <a:spcPct val="100000"/>
+              </a:lnSpc>
+              <a:buNone/>
+            </a:pPr>
+            <a:endParaRPr lang="en-US" sz="2400" b="0" strike="noStrike" spc="-1" dirty="0">
+              <a:latin typeface="Arial"/>
+            </a:endParaRPr>
+          </a:p>
+        </p:txBody>
+      </p:sp>
+      <p:pic>
+        <p:nvPicPr>
+          <p:cNvPr id="54" name="Imagem 3">
+            <a:extLst>
+              <a:ext uri="{FF2B5EF4-FFF2-40B4-BE49-F238E27FC236}">
+                <a16:creationId xmlns:a16="http://schemas.microsoft.com/office/drawing/2014/main" id="{6E7FEA2B-DBA8-4F6D-6745-525908B5D127}"/>
+              </a:ext>
+            </a:extLst>
+          </p:cNvPr>
+          <p:cNvPicPr/>
+          <p:nvPr/>
+        </p:nvPicPr>
+        <p:blipFill>
+          <a:blip r:embed="rId2"/>
+          <a:stretch/>
+        </p:blipFill>
+        <p:spPr>
+          <a:xfrm>
+            <a:off x="3240" y="6261480"/>
+            <a:ext cx="1236960" cy="709200"/>
+          </a:xfrm>
+          <a:prstGeom prst="rect">
+            <a:avLst/>
+          </a:prstGeom>
+          <a:ln w="0">
+            <a:noFill/>
+          </a:ln>
+        </p:spPr>
+      </p:pic>
+      <p:sp>
+        <p:nvSpPr>
+          <p:cNvPr id="55" name="CaixaDeTexto 3">
+            <a:extLst>
+              <a:ext uri="{FF2B5EF4-FFF2-40B4-BE49-F238E27FC236}">
+                <a16:creationId xmlns:a16="http://schemas.microsoft.com/office/drawing/2014/main" id="{BF610D12-74BC-50E5-A694-277F36CC9E56}"/>
+              </a:ext>
+            </a:extLst>
+          </p:cNvPr>
+          <p:cNvSpPr/>
+          <p:nvPr/>
+        </p:nvSpPr>
+        <p:spPr>
+          <a:xfrm>
+            <a:off x="6629400" y="6362640"/>
+            <a:ext cx="5855760" cy="337100"/>
+          </a:xfrm>
+          <a:prstGeom prst="rect">
+            <a:avLst/>
+          </a:prstGeom>
+          <a:noFill/>
+          <a:ln w="0">
+            <a:noFill/>
+          </a:ln>
+        </p:spPr>
+        <p:style>
+          <a:lnRef idx="0">
+            <a:scrgbClr r="0" g="0" b="0"/>
+          </a:lnRef>
+          <a:fillRef idx="0">
+            <a:scrgbClr r="0" g="0" b="0"/>
+          </a:fillRef>
+          <a:effectRef idx="0">
+            <a:scrgbClr r="0" g="0" b="0"/>
+          </a:effectRef>
+          <a:fontRef idx="minor"/>
+        </p:style>
+        <p:txBody>
+          <a:bodyPr vertOverflow="overflow" horzOverflow="overflow" lIns="90000" tIns="45000" rIns="90000" bIns="45000" numCol="1" spcCol="0" anchor="t">
+            <a:spAutoFit/>
+          </a:bodyPr>
+          <a:lstStyle/>
+          <a:p>
+            <a:pPr>
+              <a:lnSpc>
+                <a:spcPct val="100000"/>
+              </a:lnSpc>
+              <a:buNone/>
+            </a:pPr>
+            <a:r>
+              <a:rPr lang="pt-PT" sz="1600" b="0" strike="noStrike" spc="-1" dirty="0">
+                <a:solidFill>
+                  <a:srgbClr val="FFFFFF"/>
+                </a:solidFill>
+                <a:latin typeface="Calibri"/>
+                <a:ea typeface="DejaVu Sans"/>
+              </a:rPr>
+              <a:t>Bases de Dados – Jogos Olímpicos   |   Parte 2 - Grupo 8</a:t>
+            </a:r>
+            <a:endParaRPr lang="en-US" sz="1600" b="0" strike="noStrike" spc="-1" dirty="0">
+              <a:latin typeface="Arial"/>
+            </a:endParaRPr>
+          </a:p>
+        </p:txBody>
+      </p:sp>
+      <p:sp>
+        <p:nvSpPr>
+          <p:cNvPr id="3" name="CaixaDeTexto 2">
+            <a:extLst>
+              <a:ext uri="{FF2B5EF4-FFF2-40B4-BE49-F238E27FC236}">
+                <a16:creationId xmlns:a16="http://schemas.microsoft.com/office/drawing/2014/main" id="{97894DE0-CE3F-B056-8275-6BDCFA4DEBE3}"/>
+              </a:ext>
+            </a:extLst>
+          </p:cNvPr>
+          <p:cNvSpPr txBox="1"/>
+          <p:nvPr/>
+        </p:nvSpPr>
+        <p:spPr>
+          <a:xfrm>
+            <a:off x="1814400" y="1638032"/>
+            <a:ext cx="8358300" cy="4197880"/>
+          </a:xfrm>
+          <a:prstGeom prst="rect">
+            <a:avLst/>
+          </a:prstGeom>
+          <a:noFill/>
+        </p:spPr>
+        <p:txBody>
+          <a:bodyPr wrap="square">
+            <a:spAutoFit/>
+          </a:bodyPr>
+          <a:lstStyle/>
+          <a:p>
+            <a:pPr indent="457200" algn="just">
+              <a:lnSpc>
+                <a:spcPct val="150000"/>
+              </a:lnSpc>
+            </a:pPr>
+            <a:r>
+              <a:rPr lang="pt-PT" sz="2000" dirty="0">
+                <a:effectLst/>
+                <a:latin typeface="Consolas" panose="020B0609020204030204" pitchFamily="49" charset="0"/>
+                <a:ea typeface="Times New Roman" panose="02020603050405020304" pitchFamily="18" charset="0"/>
+              </a:rPr>
+              <a:t>O trabalho realizado, abrangendo os modelos conceitual, lógico e físico, foi concluído, destacando-se pela clareza na definição das entidades e seus relacionamentos, além da transição eficiente entre as etapas, culminando na implementação em SQL. A utilização do </a:t>
+            </a:r>
+            <a:r>
+              <a:rPr lang="pt-PT" sz="2000" dirty="0" err="1">
+                <a:effectLst/>
+                <a:latin typeface="Consolas" panose="020B0609020204030204" pitchFamily="49" charset="0"/>
+                <a:ea typeface="Times New Roman" panose="02020603050405020304" pitchFamily="18" charset="0"/>
+              </a:rPr>
+              <a:t>brModelo</a:t>
+            </a:r>
+            <a:r>
+              <a:rPr lang="pt-PT" sz="2000" dirty="0">
+                <a:effectLst/>
+                <a:latin typeface="Consolas" panose="020B0609020204030204" pitchFamily="49" charset="0"/>
+                <a:ea typeface="Times New Roman" panose="02020603050405020304" pitchFamily="18" charset="0"/>
+              </a:rPr>
+              <a:t> na modelagem conceitual proporcionou uma visão clara e bem estruturada do sistema, enquanto a modelagem lógica no MySQL assegurou uma base sólida para a implementação física.</a:t>
+            </a:r>
+            <a:endParaRPr lang="pt-PT" sz="2000" dirty="0">
+              <a:latin typeface="Consolas" panose="020B0609020204030204" pitchFamily="49" charset="0"/>
+            </a:endParaRPr>
+          </a:p>
+        </p:txBody>
+      </p:sp>
+    </p:spTree>
+    <p:extLst>
+      <p:ext uri="{BB962C8B-B14F-4D97-AF65-F5344CB8AC3E}">
+        <p14:creationId xmlns:p14="http://schemas.microsoft.com/office/powerpoint/2010/main" val="106293796"/>
+      </p:ext>
+    </p:extLst>
+  </p:cSld>
+  <p:clrMapOvr>
+    <a:masterClrMapping/>
+  </p:clrMapOvr>
+</p:sld>
+</file>
+
+<file path=ppt/slides/slide66.xml><?xml version="1.0" encoding="utf-8"?>
+<p:sld xmlns:a="http://schemas.openxmlformats.org/drawingml/2006/main" xmlns:r="http://schemas.openxmlformats.org/officeDocument/2006/relationships" xmlns:p="http://schemas.openxmlformats.org/presentationml/2006/main" show="0">
+  <p:cSld>
+    <p:spTree>
+      <p:nvGrpSpPr>
+        <p:cNvPr id="1" name="">
+          <a:extLst>
+            <a:ext uri="{FF2B5EF4-FFF2-40B4-BE49-F238E27FC236}">
+              <a16:creationId xmlns:a16="http://schemas.microsoft.com/office/drawing/2014/main" id="{042235E3-EED1-2F7F-97E4-28E08BF658EA}"/>
+            </a:ext>
+          </a:extLst>
+        </p:cNvPr>
+        <p:cNvGrpSpPr/>
+        <p:nvPr/>
+      </p:nvGrpSpPr>
+      <p:grpSpPr>
+        <a:xfrm>
+          <a:off x="0" y="0"/>
+          <a:ext cx="0" cy="0"/>
+          <a:chOff x="0" y="0"/>
+          <a:chExt cx="0" cy="0"/>
+        </a:xfrm>
+      </p:grpSpPr>
+      <p:sp>
+        <p:nvSpPr>
+          <p:cNvPr id="51" name="PlaceHolder 1">
+            <a:extLst>
+              <a:ext uri="{FF2B5EF4-FFF2-40B4-BE49-F238E27FC236}">
+                <a16:creationId xmlns:a16="http://schemas.microsoft.com/office/drawing/2014/main" id="{BFD9F450-1BE7-B0A4-64C2-7C930B5A7544}"/>
+              </a:ext>
+            </a:extLst>
+          </p:cNvPr>
+          <p:cNvSpPr>
+            <a:spLocks noGrp="1"/>
+          </p:cNvSpPr>
+          <p:nvPr>
+            <p:ph type="title"/>
+          </p:nvPr>
+        </p:nvSpPr>
+        <p:spPr>
+          <a:xfrm>
+            <a:off x="1525680" y="275040"/>
+            <a:ext cx="9141840" cy="1153080"/>
+          </a:xfrm>
+          <a:prstGeom prst="rect">
+            <a:avLst/>
+          </a:prstGeom>
+          <a:noFill/>
+          <a:ln w="0">
+            <a:noFill/>
+          </a:ln>
+        </p:spPr>
+        <p:txBody>
+          <a:bodyPr lIns="0" tIns="0" rIns="0" bIns="0" anchor="b">
+            <a:noAutofit/>
+          </a:bodyPr>
+          <a:lstStyle/>
+          <a:p>
+            <a:pPr algn="ctr">
+              <a:lnSpc>
+                <a:spcPct val="90000"/>
+              </a:lnSpc>
+              <a:buNone/>
+            </a:pPr>
+            <a:r>
+              <a:rPr lang="pt-PT" sz="4400" b="0" u="sng" strike="noStrike" spc="-1" dirty="0">
+                <a:solidFill>
+                  <a:srgbClr val="870F11"/>
+                </a:solidFill>
+                <a:uFillTx/>
+                <a:latin typeface="Calibri"/>
+              </a:rPr>
+              <a:t>Conclusão e Trabalho Futuro</a:t>
+            </a:r>
+            <a:endParaRPr lang="en-US" sz="4400" b="0" strike="noStrike" spc="-1" dirty="0">
+              <a:latin typeface="Arial"/>
+            </a:endParaRPr>
+          </a:p>
+        </p:txBody>
+      </p:sp>
+      <p:sp>
+        <p:nvSpPr>
+          <p:cNvPr id="52" name="Retângulo 4">
+            <a:extLst>
+              <a:ext uri="{FF2B5EF4-FFF2-40B4-BE49-F238E27FC236}">
+                <a16:creationId xmlns:a16="http://schemas.microsoft.com/office/drawing/2014/main" id="{87A80A7E-9C8C-ECE0-415A-21118DEFE114}"/>
+              </a:ext>
+            </a:extLst>
+          </p:cNvPr>
+          <p:cNvSpPr/>
+          <p:nvPr/>
+        </p:nvSpPr>
+        <p:spPr>
+          <a:xfrm>
+            <a:off x="0" y="6233760"/>
+            <a:ext cx="12189960" cy="622080"/>
+          </a:xfrm>
+          <a:prstGeom prst="rect">
+            <a:avLst/>
+          </a:prstGeom>
+          <a:solidFill>
+            <a:srgbClr val="870F11"/>
+          </a:solidFill>
+          <a:ln>
+            <a:solidFill>
+              <a:srgbClr val="870F11"/>
+            </a:solidFill>
+          </a:ln>
+        </p:spPr>
+        <p:style>
+          <a:lnRef idx="2">
+            <a:schemeClr val="accent1">
+              <a:shade val="50000"/>
+            </a:schemeClr>
+          </a:lnRef>
+          <a:fillRef idx="1">
+            <a:schemeClr val="accent1"/>
+          </a:fillRef>
+          <a:effectRef idx="0">
+            <a:schemeClr val="accent1"/>
+          </a:effectRef>
+          <a:fontRef idx="minor"/>
+        </p:style>
+        <p:txBody>
+          <a:bodyPr/>
+          <a:lstStyle/>
+          <a:p>
+            <a:endParaRPr lang="pt-PT"/>
+          </a:p>
+        </p:txBody>
+      </p:sp>
+      <p:sp>
+        <p:nvSpPr>
+          <p:cNvPr id="53" name="CaixaDeTexto 5">
+            <a:extLst>
+              <a:ext uri="{FF2B5EF4-FFF2-40B4-BE49-F238E27FC236}">
+                <a16:creationId xmlns:a16="http://schemas.microsoft.com/office/drawing/2014/main" id="{71805C84-2A34-F908-F7FB-7737114110EA}"/>
+              </a:ext>
+            </a:extLst>
+          </p:cNvPr>
+          <p:cNvSpPr/>
+          <p:nvPr/>
+        </p:nvSpPr>
+        <p:spPr>
+          <a:xfrm>
+            <a:off x="1814400" y="1845720"/>
+            <a:ext cx="6792840" cy="1598984"/>
+          </a:xfrm>
+          <a:prstGeom prst="rect">
+            <a:avLst/>
+          </a:prstGeom>
+          <a:noFill/>
+          <a:ln w="0">
+            <a:noFill/>
+          </a:ln>
+        </p:spPr>
+        <p:style>
+          <a:lnRef idx="0">
+            <a:scrgbClr r="0" g="0" b="0"/>
+          </a:lnRef>
+          <a:fillRef idx="0">
+            <a:scrgbClr r="0" g="0" b="0"/>
+          </a:fillRef>
+          <a:effectRef idx="0">
+            <a:scrgbClr r="0" g="0" b="0"/>
+          </a:effectRef>
+          <a:fontRef idx="minor"/>
+        </p:style>
+        <p:txBody>
+          <a:bodyPr vertOverflow="overflow" horzOverflow="overflow" lIns="90000" tIns="45000" rIns="90000" bIns="45000" numCol="1" spcCol="0" anchor="t">
+            <a:spAutoFit/>
+          </a:bodyPr>
+          <a:lstStyle/>
+          <a:p>
+            <a:pPr>
+              <a:lnSpc>
+                <a:spcPct val="150000"/>
+              </a:lnSpc>
+              <a:buNone/>
+            </a:pPr>
+            <a:endParaRPr lang="en-US" sz="2000" b="0" strike="noStrike" spc="-1" dirty="0">
+              <a:latin typeface="Arial"/>
+            </a:endParaRPr>
+          </a:p>
+          <a:p>
+            <a:pPr>
+              <a:lnSpc>
+                <a:spcPct val="100000"/>
+              </a:lnSpc>
+              <a:buNone/>
+            </a:pPr>
+            <a:endParaRPr lang="en-US" sz="2000" b="0" strike="noStrike" spc="-1" dirty="0">
+              <a:latin typeface="Arial"/>
+            </a:endParaRPr>
+          </a:p>
+          <a:p>
+            <a:pPr algn="ctr">
+              <a:lnSpc>
+                <a:spcPct val="100000"/>
+              </a:lnSpc>
+              <a:buNone/>
+            </a:pPr>
+            <a:endParaRPr lang="en-US" sz="2400" b="0" strike="noStrike" spc="-1" dirty="0">
+              <a:latin typeface="Arial"/>
+            </a:endParaRPr>
+          </a:p>
+          <a:p>
+            <a:pPr algn="ctr">
+              <a:lnSpc>
+                <a:spcPct val="100000"/>
+              </a:lnSpc>
+              <a:buNone/>
+            </a:pPr>
+            <a:endParaRPr lang="en-US" sz="2400" b="0" strike="noStrike" spc="-1" dirty="0">
+              <a:latin typeface="Arial"/>
+            </a:endParaRPr>
+          </a:p>
+        </p:txBody>
+      </p:sp>
+      <p:pic>
+        <p:nvPicPr>
+          <p:cNvPr id="54" name="Imagem 3">
+            <a:extLst>
+              <a:ext uri="{FF2B5EF4-FFF2-40B4-BE49-F238E27FC236}">
+                <a16:creationId xmlns:a16="http://schemas.microsoft.com/office/drawing/2014/main" id="{5F297011-C420-7BAA-DE72-8CECF70FBBD9}"/>
+              </a:ext>
+            </a:extLst>
+          </p:cNvPr>
+          <p:cNvPicPr/>
+          <p:nvPr/>
+        </p:nvPicPr>
+        <p:blipFill>
+          <a:blip r:embed="rId2"/>
+          <a:stretch/>
+        </p:blipFill>
+        <p:spPr>
+          <a:xfrm>
+            <a:off x="3240" y="6261480"/>
+            <a:ext cx="1236960" cy="709200"/>
+          </a:xfrm>
+          <a:prstGeom prst="rect">
+            <a:avLst/>
+          </a:prstGeom>
+          <a:ln w="0">
+            <a:noFill/>
+          </a:ln>
+        </p:spPr>
+      </p:pic>
+      <p:sp>
+        <p:nvSpPr>
+          <p:cNvPr id="55" name="CaixaDeTexto 3">
+            <a:extLst>
+              <a:ext uri="{FF2B5EF4-FFF2-40B4-BE49-F238E27FC236}">
+                <a16:creationId xmlns:a16="http://schemas.microsoft.com/office/drawing/2014/main" id="{3FF18B8C-C1A5-BF83-28D9-BB891EFAB393}"/>
+              </a:ext>
+            </a:extLst>
+          </p:cNvPr>
+          <p:cNvSpPr/>
+          <p:nvPr/>
+        </p:nvSpPr>
+        <p:spPr>
+          <a:xfrm>
+            <a:off x="6629400" y="6362640"/>
+            <a:ext cx="5855760" cy="337100"/>
+          </a:xfrm>
+          <a:prstGeom prst="rect">
+            <a:avLst/>
+          </a:prstGeom>
+          <a:noFill/>
+          <a:ln w="0">
+            <a:noFill/>
+          </a:ln>
+        </p:spPr>
+        <p:style>
+          <a:lnRef idx="0">
+            <a:scrgbClr r="0" g="0" b="0"/>
+          </a:lnRef>
+          <a:fillRef idx="0">
+            <a:scrgbClr r="0" g="0" b="0"/>
+          </a:fillRef>
+          <a:effectRef idx="0">
+            <a:scrgbClr r="0" g="0" b="0"/>
+          </a:effectRef>
+          <a:fontRef idx="minor"/>
+        </p:style>
+        <p:txBody>
+          <a:bodyPr vertOverflow="overflow" horzOverflow="overflow" lIns="90000" tIns="45000" rIns="90000" bIns="45000" numCol="1" spcCol="0" anchor="t">
+            <a:spAutoFit/>
+          </a:bodyPr>
+          <a:lstStyle/>
+          <a:p>
+            <a:pPr>
+              <a:lnSpc>
+                <a:spcPct val="100000"/>
+              </a:lnSpc>
+              <a:buNone/>
+            </a:pPr>
+            <a:r>
+              <a:rPr lang="pt-PT" sz="1600" b="0" strike="noStrike" spc="-1" dirty="0">
+                <a:solidFill>
+                  <a:srgbClr val="FFFFFF"/>
+                </a:solidFill>
+                <a:latin typeface="Calibri"/>
+                <a:ea typeface="DejaVu Sans"/>
+              </a:rPr>
+              <a:t>Bases de Dados – Jogos Olímpicos   |   Parte 2 - Grupo 8</a:t>
+            </a:r>
+            <a:endParaRPr lang="en-US" sz="1600" b="0" strike="noStrike" spc="-1" dirty="0">
+              <a:latin typeface="Arial"/>
+            </a:endParaRPr>
+          </a:p>
+        </p:txBody>
+      </p:sp>
+      <p:sp>
+        <p:nvSpPr>
+          <p:cNvPr id="3" name="CaixaDeTexto 2">
+            <a:extLst>
+              <a:ext uri="{FF2B5EF4-FFF2-40B4-BE49-F238E27FC236}">
+                <a16:creationId xmlns:a16="http://schemas.microsoft.com/office/drawing/2014/main" id="{001E5F41-E267-2C82-BB7E-CC32068C176D}"/>
+              </a:ext>
+            </a:extLst>
+          </p:cNvPr>
+          <p:cNvSpPr txBox="1"/>
+          <p:nvPr/>
+        </p:nvSpPr>
+        <p:spPr>
+          <a:xfrm>
+            <a:off x="1915830" y="2105392"/>
+            <a:ext cx="8358300" cy="3274551"/>
+          </a:xfrm>
+          <a:prstGeom prst="rect">
+            <a:avLst/>
+          </a:prstGeom>
+          <a:noFill/>
+        </p:spPr>
+        <p:txBody>
+          <a:bodyPr wrap="square">
+            <a:spAutoFit/>
+          </a:bodyPr>
+          <a:lstStyle/>
+          <a:p>
+            <a:pPr algn="just">
+              <a:lnSpc>
+                <a:spcPct val="150000"/>
+              </a:lnSpc>
+            </a:pPr>
+            <a:r>
+              <a:rPr lang="pt-PT" sz="2000" dirty="0">
+                <a:effectLst/>
+                <a:latin typeface="Consolas" panose="020B0609020204030204" pitchFamily="49" charset="0"/>
+                <a:ea typeface="Times New Roman" panose="02020603050405020304" pitchFamily="18" charset="0"/>
+              </a:rPr>
+              <a:t>Com a implementação física já concluída, incluindo índices otimizados e a criação de </a:t>
+            </a:r>
+            <a:r>
+              <a:rPr lang="pt-PT" sz="2000" dirty="0" err="1">
+                <a:effectLst/>
+                <a:latin typeface="Consolas" panose="020B0609020204030204" pitchFamily="49" charset="0"/>
+                <a:ea typeface="Times New Roman" panose="02020603050405020304" pitchFamily="18" charset="0"/>
+              </a:rPr>
+              <a:t>views</a:t>
+            </a:r>
+            <a:r>
+              <a:rPr lang="pt-PT" sz="2000" dirty="0">
+                <a:effectLst/>
+                <a:latin typeface="Consolas" panose="020B0609020204030204" pitchFamily="49" charset="0"/>
+                <a:ea typeface="Times New Roman" panose="02020603050405020304" pitchFamily="18" charset="0"/>
+              </a:rPr>
+              <a:t> e outros recursos avançados, o projeto alcançou um nível de maturidade robusto. Para o futuro, pode-se considerar a integração com outras ferramentas, explorar técnicas de análise de dados ou até mesmo expandir o sistema para atender a novas demandas</a:t>
+            </a:r>
+            <a:endParaRPr lang="pt-PT" sz="2000" dirty="0">
+              <a:latin typeface="Consolas" panose="020B0609020204030204" pitchFamily="49" charset="0"/>
+            </a:endParaRPr>
+          </a:p>
+        </p:txBody>
+      </p:sp>
+    </p:spTree>
+    <p:extLst>
+      <p:ext uri="{BB962C8B-B14F-4D97-AF65-F5344CB8AC3E}">
+        <p14:creationId xmlns:p14="http://schemas.microsoft.com/office/powerpoint/2010/main" val="605182053"/>
       </p:ext>
     </p:extLst>
   </p:cSld>

--- a/BD_TPgr8-pt2.pptx
+++ b/BD_TPgr8-pt2.pptx
@@ -3872,7 +3872,7 @@
         <p:spPr>
           <a:xfrm>
             <a:off x="2589120" y="2971800"/>
-            <a:ext cx="6783120" cy="460211"/>
+            <a:ext cx="6783120" cy="1137319"/>
           </a:xfrm>
           <a:prstGeom prst="rect">
             <a:avLst/>
@@ -3916,8 +3916,55 @@
               </a:rPr>
               <a:t>Parte 2 - Grupo 8</a:t>
             </a:r>
-            <a:endParaRPr lang="en-US" sz="2400" b="0" strike="noStrike" spc="-1" dirty="0">
-              <a:latin typeface="Arial"/>
+          </a:p>
+          <a:p>
+            <a:pPr algn="ctr">
+              <a:lnSpc>
+                <a:spcPct val="100000"/>
+              </a:lnSpc>
+              <a:buNone/>
+            </a:pPr>
+            <a:endParaRPr lang="pt-PT" sz="2400" spc="-1" dirty="0">
+              <a:solidFill>
+                <a:srgbClr val="000000"/>
+              </a:solidFill>
+              <a:latin typeface="Calibri"/>
+              <a:ea typeface="DejaVu Sans"/>
+            </a:endParaRPr>
+          </a:p>
+          <a:p>
+            <a:pPr algn="ctr">
+              <a:lnSpc>
+                <a:spcPct val="100000"/>
+              </a:lnSpc>
+              <a:buNone/>
+            </a:pPr>
+            <a:r>
+              <a:rPr lang="pt-PT" sz="2000" b="0" strike="noStrike" spc="-1" dirty="0">
+                <a:solidFill>
+                  <a:srgbClr val="000000"/>
+                </a:solidFill>
+                <a:latin typeface="Calibri"/>
+                <a:ea typeface="DejaVu Sans"/>
+              </a:rPr>
+              <a:t>Licenciatura em Ci</a:t>
+            </a:r>
+            <a:r>
+              <a:rPr lang="pt-PT" sz="2000" spc="-1" dirty="0">
+                <a:solidFill>
+                  <a:srgbClr val="000000"/>
+                </a:solidFill>
+                <a:latin typeface="Calibri"/>
+                <a:ea typeface="DejaVu Sans"/>
+              </a:rPr>
+              <a:t>ências da Computação</a:t>
+            </a:r>
+            <a:endParaRPr lang="pt-PT" sz="2000" b="0" strike="noStrike" spc="-1" dirty="0">
+              <a:solidFill>
+                <a:srgbClr val="000000"/>
+              </a:solidFill>
+              <a:latin typeface="Calibri"/>
+              <a:ea typeface="DejaVu Sans"/>
             </a:endParaRPr>
           </a:p>
         </p:txBody>
@@ -3953,8 +4000,8 @@
         </p:nvSpPr>
         <p:spPr>
           <a:xfrm>
-            <a:off x="8688600" y="4800600"/>
-            <a:ext cx="2513880" cy="1184760"/>
+            <a:off x="8061649" y="4800600"/>
+            <a:ext cx="3140831" cy="1158031"/>
           </a:xfrm>
           <a:prstGeom prst="rect">
             <a:avLst/>
@@ -3977,7 +4024,7 @@
           <a:fontRef idx="minor"/>
         </p:style>
         <p:txBody>
-          <a:bodyPr vertOverflow="overflow" horzOverflow="overflow" lIns="90000" tIns="45000" rIns="90000" bIns="45000" numCol="1" spcCol="0" anchor="t">
+          <a:bodyPr vertOverflow="overflow" horzOverflow="overflow" wrap="square" lIns="90000" tIns="45000" rIns="90000" bIns="45000" numCol="1" spcCol="0" anchor="t">
             <a:spAutoFit/>
           </a:bodyPr>
           <a:lstStyle/>
@@ -3993,7 +4040,7 @@
               <a:buChar char="•"/>
             </a:pPr>
             <a:r>
-              <a:rPr lang="en" sz="1600" b="0" strike="noStrike" spc="-1">
+              <a:rPr lang="en" sz="1600" b="0" strike="noStrike" spc="-1" dirty="0">
                 <a:solidFill>
                   <a:srgbClr val="000000"/>
                 </a:solidFill>
@@ -4002,7 +4049,17 @@
               </a:rPr>
               <a:t>João Fonseca</a:t>
             </a:r>
-            <a:endParaRPr lang="en-US" sz="1600" b="0" strike="noStrike" spc="-1">
+            <a:r>
+              <a:rPr lang="en" sz="1600" spc="-1" dirty="0">
+                <a:solidFill>
+                  <a:srgbClr val="000000"/>
+                </a:solidFill>
+                <a:latin typeface="Consolas"/>
+                <a:ea typeface="DejaVu Sans"/>
+              </a:rPr>
+              <a:t>(A102512)</a:t>
+            </a:r>
+            <a:endParaRPr lang="en-US" sz="1600" b="0" strike="noStrike" spc="-1" dirty="0">
               <a:latin typeface="Arial"/>
             </a:endParaRPr>
           </a:p>
@@ -4018,16 +4075,16 @@
               <a:buChar char="•"/>
             </a:pPr>
             <a:r>
-              <a:rPr lang="en" sz="1600" b="0" strike="noStrike" spc="-1">
+              <a:rPr lang="en" sz="1600" b="0" strike="noStrike" spc="-1" dirty="0">
                 <a:solidFill>
                   <a:srgbClr val="000000"/>
                 </a:solidFill>
                 <a:latin typeface="Consolas"/>
                 <a:ea typeface="DejaVu Sans"/>
               </a:rPr>
-              <a:t>Alexis Correia</a:t>
+              <a:t>Alexis Correia(A102495)</a:t>
             </a:r>
-            <a:endParaRPr lang="en-US" sz="1600" b="0" strike="noStrike" spc="-1">
+            <a:endParaRPr lang="en-US" sz="1600" b="0" strike="noStrike" spc="-1" dirty="0">
               <a:latin typeface="Arial"/>
             </a:endParaRPr>
           </a:p>
@@ -4050,9 +4107,9 @@
                 <a:latin typeface="Consolas"/>
                 <a:ea typeface="DejaVu Sans"/>
               </a:rPr>
-              <a:t>Ricardo Vilaça</a:t>
+              <a:t>Ricardo Vilaça(A102879)</a:t>
             </a:r>
-            <a:endParaRPr lang="en-US" sz="1600" b="0" strike="noStrike" spc="-1">
+            <a:endParaRPr lang="en-US" sz="1600" b="0" strike="noStrike" spc="-1" dirty="0">
               <a:latin typeface="Arial"/>
             </a:endParaRPr>
           </a:p>
@@ -4422,18 +4479,6 @@
               </a:srgbClr>
             </a:outerShdw>
           </a:effectLst>
-          <a:extLst>
-            <a:ext uri="{91240B29-F687-4F45-9708-019B960494DF}">
-              <a14:hiddenLine xmlns:a14="http://schemas.microsoft.com/office/drawing/2010/main" w="9525">
-                <a:solidFill>
-                  <a:srgbClr val="000000"/>
-                </a:solidFill>
-                <a:miter lim="800000"/>
-                <a:headEnd/>
-                <a:tailEnd/>
-              </a14:hiddenLine>
-            </a:ext>
-          </a:extLst>
         </p:spPr>
       </p:pic>
       <p:pic>
@@ -4783,18 +4828,6 @@
               </a:srgbClr>
             </a:outerShdw>
           </a:effectLst>
-          <a:extLst>
-            <a:ext uri="{91240B29-F687-4F45-9708-019B960494DF}">
-              <a14:hiddenLine xmlns:a14="http://schemas.microsoft.com/office/drawing/2010/main" w="9525">
-                <a:solidFill>
-                  <a:srgbClr val="000000"/>
-                </a:solidFill>
-                <a:miter lim="800000"/>
-                <a:headEnd/>
-                <a:tailEnd/>
-              </a14:hiddenLine>
-            </a:ext>
-          </a:extLst>
         </p:spPr>
       </p:pic>
       <p:pic>
@@ -5188,18 +5221,6 @@
               </a:srgbClr>
             </a:outerShdw>
           </a:effectLst>
-          <a:extLst>
-            <a:ext uri="{91240B29-F687-4F45-9708-019B960494DF}">
-              <a14:hiddenLine xmlns:a14="http://schemas.microsoft.com/office/drawing/2010/main" w="9525">
-                <a:solidFill>
-                  <a:srgbClr val="000000"/>
-                </a:solidFill>
-                <a:miter lim="800000"/>
-                <a:headEnd/>
-                <a:tailEnd/>
-              </a14:hiddenLine>
-            </a:ext>
-          </a:extLst>
         </p:spPr>
       </p:pic>
     </p:spTree>
@@ -13940,18 +13961,6 @@
               </a:srgbClr>
             </a:outerShdw>
           </a:effectLst>
-          <a:extLst>
-            <a:ext uri="{91240B29-F687-4F45-9708-019B960494DF}">
-              <a14:hiddenLine xmlns:a14="http://schemas.microsoft.com/office/drawing/2010/main" w="9525">
-                <a:solidFill>
-                  <a:srgbClr val="000000"/>
-                </a:solidFill>
-                <a:miter lim="800000"/>
-                <a:headEnd/>
-                <a:tailEnd/>
-              </a14:hiddenLine>
-            </a:ext>
-          </a:extLst>
         </p:spPr>
       </p:pic>
     </p:spTree>
@@ -14238,18 +14247,6 @@
               </a:srgbClr>
             </a:outerShdw>
           </a:effectLst>
-          <a:extLst>
-            <a:ext uri="{91240B29-F687-4F45-9708-019B960494DF}">
-              <a14:hiddenLine xmlns:a14="http://schemas.microsoft.com/office/drawing/2010/main" w="9525">
-                <a:solidFill>
-                  <a:srgbClr val="000000"/>
-                </a:solidFill>
-                <a:miter lim="800000"/>
-                <a:headEnd/>
-                <a:tailEnd/>
-              </a14:hiddenLine>
-            </a:ext>
-          </a:extLst>
         </p:spPr>
       </p:pic>
       <p:pic>
@@ -14299,18 +14296,6 @@
               </a:srgbClr>
             </a:outerShdw>
           </a:effectLst>
-          <a:extLst>
-            <a:ext uri="{91240B29-F687-4F45-9708-019B960494DF}">
-              <a14:hiddenLine xmlns:a14="http://schemas.microsoft.com/office/drawing/2010/main" w="9525">
-                <a:solidFill>
-                  <a:srgbClr val="000000"/>
-                </a:solidFill>
-                <a:miter lim="800000"/>
-                <a:headEnd/>
-                <a:tailEnd/>
-              </a14:hiddenLine>
-            </a:ext>
-          </a:extLst>
         </p:spPr>
       </p:pic>
       <p:pic>
@@ -14360,18 +14345,6 @@
               </a:srgbClr>
             </a:outerShdw>
           </a:effectLst>
-          <a:extLst>
-            <a:ext uri="{91240B29-F687-4F45-9708-019B960494DF}">
-              <a14:hiddenLine xmlns:a14="http://schemas.microsoft.com/office/drawing/2010/main" w="9525">
-                <a:solidFill>
-                  <a:srgbClr val="000000"/>
-                </a:solidFill>
-                <a:miter lim="800000"/>
-                <a:headEnd/>
-                <a:tailEnd/>
-              </a14:hiddenLine>
-            </a:ext>
-          </a:extLst>
         </p:spPr>
       </p:pic>
     </p:spTree>
@@ -14724,18 +14697,6 @@
               </a:srgbClr>
             </a:outerShdw>
           </a:effectLst>
-          <a:extLst>
-            <a:ext uri="{91240B29-F687-4F45-9708-019B960494DF}">
-              <a14:hiddenLine xmlns:a14="http://schemas.microsoft.com/office/drawing/2010/main" w="9525">
-                <a:solidFill>
-                  <a:srgbClr val="000000"/>
-                </a:solidFill>
-                <a:miter lim="800000"/>
-                <a:headEnd/>
-                <a:tailEnd/>
-              </a14:hiddenLine>
-            </a:ext>
-          </a:extLst>
         </p:spPr>
       </p:pic>
       <p:pic>
@@ -14785,18 +14746,6 @@
               </a:srgbClr>
             </a:outerShdw>
           </a:effectLst>
-          <a:extLst>
-            <a:ext uri="{91240B29-F687-4F45-9708-019B960494DF}">
-              <a14:hiddenLine xmlns:a14="http://schemas.microsoft.com/office/drawing/2010/main" w="9525">
-                <a:solidFill>
-                  <a:srgbClr val="000000"/>
-                </a:solidFill>
-                <a:miter lim="800000"/>
-                <a:headEnd/>
-                <a:tailEnd/>
-              </a14:hiddenLine>
-            </a:ext>
-          </a:extLst>
         </p:spPr>
       </p:pic>
     </p:spTree>
@@ -15522,18 +15471,6 @@
               </a:srgbClr>
             </a:outerShdw>
           </a:effectLst>
-          <a:extLst>
-            <a:ext uri="{91240B29-F687-4F45-9708-019B960494DF}">
-              <a14:hiddenLine xmlns:a14="http://schemas.microsoft.com/office/drawing/2010/main" w="9525">
-                <a:solidFill>
-                  <a:srgbClr val="000000"/>
-                </a:solidFill>
-                <a:miter lim="800000"/>
-                <a:headEnd/>
-                <a:tailEnd/>
-              </a14:hiddenLine>
-            </a:ext>
-          </a:extLst>
         </p:spPr>
       </p:pic>
       <p:pic>
@@ -15583,18 +15520,6 @@
               </a:srgbClr>
             </a:outerShdw>
           </a:effectLst>
-          <a:extLst>
-            <a:ext uri="{91240B29-F687-4F45-9708-019B960494DF}">
-              <a14:hiddenLine xmlns:a14="http://schemas.microsoft.com/office/drawing/2010/main" w="9525">
-                <a:solidFill>
-                  <a:srgbClr val="000000"/>
-                </a:solidFill>
-                <a:miter lim="800000"/>
-                <a:headEnd/>
-                <a:tailEnd/>
-              </a14:hiddenLine>
-            </a:ext>
-          </a:extLst>
         </p:spPr>
       </p:pic>
       <p:pic>
@@ -15644,18 +15569,6 @@
               </a:srgbClr>
             </a:outerShdw>
           </a:effectLst>
-          <a:extLst>
-            <a:ext uri="{91240B29-F687-4F45-9708-019B960494DF}">
-              <a14:hiddenLine xmlns:a14="http://schemas.microsoft.com/office/drawing/2010/main" w="9525">
-                <a:solidFill>
-                  <a:srgbClr val="000000"/>
-                </a:solidFill>
-                <a:miter lim="800000"/>
-                <a:headEnd/>
-                <a:tailEnd/>
-              </a14:hiddenLine>
-            </a:ext>
-          </a:extLst>
         </p:spPr>
       </p:pic>
     </p:spTree>
@@ -16008,18 +15921,6 @@
               </a:srgbClr>
             </a:outerShdw>
           </a:effectLst>
-          <a:extLst>
-            <a:ext uri="{91240B29-F687-4F45-9708-019B960494DF}">
-              <a14:hiddenLine xmlns:a14="http://schemas.microsoft.com/office/drawing/2010/main" w="9525">
-                <a:solidFill>
-                  <a:srgbClr val="000000"/>
-                </a:solidFill>
-                <a:miter lim="800000"/>
-                <a:headEnd/>
-                <a:tailEnd/>
-              </a14:hiddenLine>
-            </a:ext>
-          </a:extLst>
         </p:spPr>
       </p:pic>
     </p:spTree>
@@ -17083,18 +16984,6 @@
               </a:srgbClr>
             </a:outerShdw>
           </a:effectLst>
-          <a:extLst>
-            <a:ext uri="{91240B29-F687-4F45-9708-019B960494DF}">
-              <a14:hiddenLine xmlns:a14="http://schemas.microsoft.com/office/drawing/2010/main" w="9525">
-                <a:solidFill>
-                  <a:srgbClr val="000000"/>
-                </a:solidFill>
-                <a:miter lim="800000"/>
-                <a:headEnd/>
-                <a:tailEnd/>
-              </a14:hiddenLine>
-            </a:ext>
-          </a:extLst>
         </p:spPr>
       </p:pic>
     </p:spTree>
@@ -17449,18 +17338,6 @@
               </a:srgbClr>
             </a:outerShdw>
           </a:effectLst>
-          <a:extLst>
-            <a:ext uri="{91240B29-F687-4F45-9708-019B960494DF}">
-              <a14:hiddenLine xmlns:a14="http://schemas.microsoft.com/office/drawing/2010/main" w="9525">
-                <a:solidFill>
-                  <a:srgbClr val="000000"/>
-                </a:solidFill>
-                <a:miter lim="800000"/>
-                <a:headEnd/>
-                <a:tailEnd/>
-              </a14:hiddenLine>
-            </a:ext>
-          </a:extLst>
         </p:spPr>
       </p:pic>
     </p:spTree>
@@ -17823,16 +17700,6 @@
                 </a:solidFill>
               </a14:hiddenFill>
             </a:ext>
-            <a:ext uri="{91240B29-F687-4F45-9708-019B960494DF}">
-              <a14:hiddenLine xmlns:a14="http://schemas.microsoft.com/office/drawing/2010/main" w="9525">
-                <a:solidFill>
-                  <a:srgbClr val="000000"/>
-                </a:solidFill>
-                <a:miter lim="800000"/>
-                <a:headEnd/>
-                <a:tailEnd/>
-              </a14:hiddenLine>
-            </a:ext>
           </a:extLst>
         </p:spPr>
       </p:pic>
@@ -18188,18 +18055,6 @@
               </a:srgbClr>
             </a:outerShdw>
           </a:effectLst>
-          <a:extLst>
-            <a:ext uri="{91240B29-F687-4F45-9708-019B960494DF}">
-              <a14:hiddenLine xmlns:a14="http://schemas.microsoft.com/office/drawing/2010/main" w="9525">
-                <a:solidFill>
-                  <a:srgbClr val="000000"/>
-                </a:solidFill>
-                <a:miter lim="800000"/>
-                <a:headEnd/>
-                <a:tailEnd/>
-              </a14:hiddenLine>
-            </a:ext>
-          </a:extLst>
         </p:spPr>
       </p:pic>
     </p:spTree>
@@ -19673,16 +19528,6 @@
                 </a:solidFill>
               </a14:hiddenFill>
             </a:ext>
-            <a:ext uri="{91240B29-F687-4F45-9708-019B960494DF}">
-              <a14:hiddenLine xmlns:a14="http://schemas.microsoft.com/office/drawing/2010/main" w="9525">
-                <a:solidFill>
-                  <a:srgbClr val="000000"/>
-                </a:solidFill>
-                <a:miter lim="800000"/>
-                <a:headEnd/>
-                <a:tailEnd/>
-              </a14:hiddenLine>
-            </a:ext>
           </a:extLst>
         </p:spPr>
       </p:pic>
@@ -19978,16 +19823,6 @@
                 </a:solidFill>
               </a14:hiddenFill>
             </a:ext>
-            <a:ext uri="{91240B29-F687-4F45-9708-019B960494DF}">
-              <a14:hiddenLine xmlns:a14="http://schemas.microsoft.com/office/drawing/2010/main" w="9525">
-                <a:solidFill>
-                  <a:srgbClr val="000000"/>
-                </a:solidFill>
-                <a:miter lim="800000"/>
-                <a:headEnd/>
-                <a:tailEnd/>
-              </a14:hiddenLine>
-            </a:ext>
           </a:extLst>
         </p:spPr>
       </p:pic>
@@ -20351,16 +20186,6 @@
                 </a:solidFill>
               </a14:hiddenFill>
             </a:ext>
-            <a:ext uri="{91240B29-F687-4F45-9708-019B960494DF}">
-              <a14:hiddenLine xmlns:a14="http://schemas.microsoft.com/office/drawing/2010/main" w="9525">
-                <a:solidFill>
-                  <a:srgbClr val="000000"/>
-                </a:solidFill>
-                <a:miter lim="800000"/>
-                <a:headEnd/>
-                <a:tailEnd/>
-              </a14:hiddenLine>
-            </a:ext>
           </a:extLst>
         </p:spPr>
       </p:pic>
@@ -20724,16 +20549,6 @@
                 </a:solidFill>
               </a14:hiddenFill>
             </a:ext>
-            <a:ext uri="{91240B29-F687-4F45-9708-019B960494DF}">
-              <a14:hiddenLine xmlns:a14="http://schemas.microsoft.com/office/drawing/2010/main" w="9525">
-                <a:solidFill>
-                  <a:srgbClr val="000000"/>
-                </a:solidFill>
-                <a:miter lim="800000"/>
-                <a:headEnd/>
-                <a:tailEnd/>
-              </a14:hiddenLine>
-            </a:ext>
           </a:extLst>
         </p:spPr>
       </p:pic>
@@ -21162,16 +20977,6 @@
                 </a:solidFill>
               </a14:hiddenFill>
             </a:ext>
-            <a:ext uri="{91240B29-F687-4F45-9708-019B960494DF}">
-              <a14:hiddenLine xmlns:a14="http://schemas.microsoft.com/office/drawing/2010/main" w="9525">
-                <a:solidFill>
-                  <a:srgbClr val="000000"/>
-                </a:solidFill>
-                <a:miter lim="800000"/>
-                <a:headEnd/>
-                <a:tailEnd/>
-              </a14:hiddenLine>
-            </a:ext>
           </a:extLst>
         </p:spPr>
       </p:pic>
@@ -22307,16 +22112,6 @@
                 </a:solidFill>
               </a14:hiddenFill>
             </a:ext>
-            <a:ext uri="{91240B29-F687-4F45-9708-019B960494DF}">
-              <a14:hiddenLine xmlns:a14="http://schemas.microsoft.com/office/drawing/2010/main" w="9525">
-                <a:solidFill>
-                  <a:srgbClr val="000000"/>
-                </a:solidFill>
-                <a:miter lim="800000"/>
-                <a:headEnd/>
-                <a:tailEnd/>
-              </a14:hiddenLine>
-            </a:ext>
           </a:extLst>
         </p:spPr>
       </p:pic>
@@ -22376,16 +22171,6 @@
                   <a:srgbClr val="FFFFFF"/>
                 </a:solidFill>
               </a14:hiddenFill>
-            </a:ext>
-            <a:ext uri="{91240B29-F687-4F45-9708-019B960494DF}">
-              <a14:hiddenLine xmlns:a14="http://schemas.microsoft.com/office/drawing/2010/main" w="9525">
-                <a:solidFill>
-                  <a:srgbClr val="000000"/>
-                </a:solidFill>
-                <a:miter lim="800000"/>
-                <a:headEnd/>
-                <a:tailEnd/>
-              </a14:hiddenLine>
             </a:ext>
           </a:extLst>
         </p:spPr>
@@ -22750,16 +22535,6 @@
                 </a:solidFill>
               </a14:hiddenFill>
             </a:ext>
-            <a:ext uri="{91240B29-F687-4F45-9708-019B960494DF}">
-              <a14:hiddenLine xmlns:a14="http://schemas.microsoft.com/office/drawing/2010/main" w="9525">
-                <a:solidFill>
-                  <a:srgbClr val="000000"/>
-                </a:solidFill>
-                <a:miter lim="800000"/>
-                <a:headEnd/>
-                <a:tailEnd/>
-              </a14:hiddenLine>
-            </a:ext>
           </a:extLst>
         </p:spPr>
       </p:pic>
@@ -23123,16 +22898,6 @@
                 </a:solidFill>
               </a14:hiddenFill>
             </a:ext>
-            <a:ext uri="{91240B29-F687-4F45-9708-019B960494DF}">
-              <a14:hiddenLine xmlns:a14="http://schemas.microsoft.com/office/drawing/2010/main" w="9525">
-                <a:solidFill>
-                  <a:srgbClr val="000000"/>
-                </a:solidFill>
-                <a:miter lim="800000"/>
-                <a:headEnd/>
-                <a:tailEnd/>
-              </a14:hiddenLine>
-            </a:ext>
           </a:extLst>
         </p:spPr>
       </p:pic>
@@ -23474,18 +23239,6 @@
               </a:srgbClr>
             </a:outerShdw>
           </a:effectLst>
-          <a:extLst>
-            <a:ext uri="{91240B29-F687-4F45-9708-019B960494DF}">
-              <a14:hiddenLine xmlns:a14="http://schemas.microsoft.com/office/drawing/2010/main" w="9525">
-                <a:solidFill>
-                  <a:srgbClr val="000000"/>
-                </a:solidFill>
-                <a:miter lim="800000"/>
-                <a:headEnd/>
-                <a:tailEnd/>
-              </a14:hiddenLine>
-            </a:ext>
-          </a:extLst>
         </p:spPr>
       </p:pic>
       <p:sp>
@@ -26856,16 +26609,6 @@
                 </a:solidFill>
               </a14:hiddenFill>
             </a:ext>
-            <a:ext uri="{91240B29-F687-4F45-9708-019B960494DF}">
-              <a14:hiddenLine xmlns:a14="http://schemas.microsoft.com/office/drawing/2010/main" w="9525">
-                <a:solidFill>
-                  <a:srgbClr val="000000"/>
-                </a:solidFill>
-                <a:miter lim="800000"/>
-                <a:headEnd/>
-                <a:tailEnd/>
-              </a14:hiddenLine>
-            </a:ext>
           </a:extLst>
         </p:spPr>
       </p:pic>
@@ -27163,16 +26906,6 @@
                 </a:solidFill>
               </a14:hiddenFill>
             </a:ext>
-            <a:ext uri="{91240B29-F687-4F45-9708-019B960494DF}">
-              <a14:hiddenLine xmlns:a14="http://schemas.microsoft.com/office/drawing/2010/main" w="9525">
-                <a:solidFill>
-                  <a:srgbClr val="000000"/>
-                </a:solidFill>
-                <a:miter lim="800000"/>
-                <a:headEnd/>
-                <a:tailEnd/>
-              </a14:hiddenLine>
-            </a:ext>
           </a:extLst>
         </p:spPr>
       </p:pic>
@@ -27861,16 +27594,6 @@
                 </a:solidFill>
               </a14:hiddenFill>
             </a:ext>
-            <a:ext uri="{91240B29-F687-4F45-9708-019B960494DF}">
-              <a14:hiddenLine xmlns:a14="http://schemas.microsoft.com/office/drawing/2010/main" w="9525">
-                <a:solidFill>
-                  <a:srgbClr val="000000"/>
-                </a:solidFill>
-                <a:miter lim="800000"/>
-                <a:headEnd/>
-                <a:tailEnd/>
-              </a14:hiddenLine>
-            </a:ext>
           </a:extLst>
         </p:spPr>
       </p:pic>
@@ -28168,16 +27891,6 @@
                 </a:solidFill>
               </a14:hiddenFill>
             </a:ext>
-            <a:ext uri="{91240B29-F687-4F45-9708-019B960494DF}">
-              <a14:hiddenLine xmlns:a14="http://schemas.microsoft.com/office/drawing/2010/main" w="9525">
-                <a:solidFill>
-                  <a:srgbClr val="000000"/>
-                </a:solidFill>
-                <a:miter lim="800000"/>
-                <a:headEnd/>
-                <a:tailEnd/>
-              </a14:hiddenLine>
-            </a:ext>
           </a:extLst>
         </p:spPr>
       </p:pic>
@@ -30156,18 +29869,6 @@
               </a:srgbClr>
             </a:outerShdw>
           </a:effectLst>
-          <a:extLst>
-            <a:ext uri="{91240B29-F687-4F45-9708-019B960494DF}">
-              <a14:hiddenLine xmlns:a14="http://schemas.microsoft.com/office/drawing/2010/main" w="9525">
-                <a:solidFill>
-                  <a:srgbClr val="000000"/>
-                </a:solidFill>
-                <a:miter lim="800000"/>
-                <a:headEnd/>
-                <a:tailEnd/>
-              </a14:hiddenLine>
-            </a:ext>
-          </a:extLst>
         </p:spPr>
       </p:pic>
       <p:pic>
@@ -30219,18 +29920,6 @@
               </a:srgbClr>
             </a:outerShdw>
           </a:effectLst>
-          <a:extLst>
-            <a:ext uri="{91240B29-F687-4F45-9708-019B960494DF}">
-              <a14:hiddenLine xmlns:a14="http://schemas.microsoft.com/office/drawing/2010/main" w="9525">
-                <a:solidFill>
-                  <a:srgbClr val="000000"/>
-                </a:solidFill>
-                <a:miter lim="800000"/>
-                <a:headEnd/>
-                <a:tailEnd/>
-              </a14:hiddenLine>
-            </a:ext>
-          </a:extLst>
         </p:spPr>
       </p:pic>
     </p:spTree>
@@ -30585,18 +30274,6 @@
               </a:srgbClr>
             </a:outerShdw>
           </a:effectLst>
-          <a:extLst>
-            <a:ext uri="{91240B29-F687-4F45-9708-019B960494DF}">
-              <a14:hiddenLine xmlns:a14="http://schemas.microsoft.com/office/drawing/2010/main" w="9525">
-                <a:solidFill>
-                  <a:srgbClr val="000000"/>
-                </a:solidFill>
-                <a:miter lim="800000"/>
-                <a:headEnd/>
-                <a:tailEnd/>
-              </a14:hiddenLine>
-            </a:ext>
-          </a:extLst>
         </p:spPr>
       </p:pic>
     </p:spTree>
